--- a/XPlanningEvaluation/data/instruction/cropped-instruction-color-blind-friendly.pptx
+++ b/XPlanningEvaluation/data/instruction/cropped-instruction-color-blind-friendly.pptx
@@ -7286,7 +7286,7 @@
         <p:spPr>
           <a:xfrm>
             <a:off x="3359575" y="0"/>
-            <a:ext cx="1668149" cy="369332"/>
+            <a:ext cx="1757917" cy="369332"/>
           </a:xfrm>
           <a:prstGeom prst="rect">
             <a:avLst/>
@@ -7301,7 +7301,7 @@
           <a:p>
             <a:r>
               <a:rPr lang="en-US" dirty="0"/>
-              <a:t>Sparse Obstacle</a:t>
+              <a:t>Sparse Obstacles</a:t>
             </a:r>
           </a:p>
         </p:txBody>
@@ -7321,7 +7321,7 @@
         <p:spPr>
           <a:xfrm>
             <a:off x="2993815" y="3285849"/>
-            <a:ext cx="1633652" cy="369332"/>
+            <a:ext cx="1723421" cy="369332"/>
           </a:xfrm>
           <a:prstGeom prst="rect">
             <a:avLst/>
@@ -7336,7 +7336,7 @@
           <a:p>
             <a:r>
               <a:rPr lang="en-US" dirty="0"/>
-              <a:t>Dense Obstacle</a:t>
+              <a:t>Dense Obstacles</a:t>
             </a:r>
           </a:p>
         </p:txBody>
@@ -7358,8 +7358,8 @@
         </p:nvCxnSpPr>
         <p:spPr>
           <a:xfrm rot="16200000" flipH="1">
-            <a:off x="4178812" y="384169"/>
-            <a:ext cx="463495" cy="433819"/>
+            <a:off x="4201254" y="406611"/>
+            <a:ext cx="463494" cy="388935"/>
           </a:xfrm>
           <a:prstGeom prst="curvedConnector3">
             <a:avLst>
@@ -7405,8 +7405,8 @@
         </p:nvCxnSpPr>
         <p:spPr>
           <a:xfrm rot="16200000" flipV="1">
-            <a:off x="3082534" y="2557741"/>
-            <a:ext cx="832825" cy="623391"/>
+            <a:off x="3104977" y="2535300"/>
+            <a:ext cx="832824" cy="668274"/>
           </a:xfrm>
           <a:prstGeom prst="curvedConnector3">
             <a:avLst/>
@@ -9050,856 +9050,6 @@
           </a:p>
         </p:txBody>
       </p:sp>
-      <p:grpSp>
-        <p:nvGrpSpPr>
-          <p:cNvPr id="33" name="Group 32">
-            <a:extLst>
-              <a:ext uri="{FF2B5EF4-FFF2-40B4-BE49-F238E27FC236}">
-                <a16:creationId xmlns:a16="http://schemas.microsoft.com/office/drawing/2014/main" id="{EB00F125-4F7F-AC4F-92C1-9371B4243BED}"/>
-              </a:ext>
-            </a:extLst>
-          </p:cNvPr>
-          <p:cNvGrpSpPr/>
-          <p:nvPr/>
-        </p:nvGrpSpPr>
-        <p:grpSpPr>
-          <a:xfrm>
-            <a:off x="6892707" y="820435"/>
-            <a:ext cx="2566106" cy="369332"/>
-            <a:chOff x="7514448" y="2233629"/>
-            <a:chExt cx="2566106" cy="369332"/>
-          </a:xfrm>
-        </p:grpSpPr>
-        <p:sp>
-          <p:nvSpPr>
-            <p:cNvPr id="34" name="TextBox 33">
-              <a:extLst>
-                <a:ext uri="{FF2B5EF4-FFF2-40B4-BE49-F238E27FC236}">
-                  <a16:creationId xmlns:a16="http://schemas.microsoft.com/office/drawing/2014/main" id="{75B74265-54B1-D54B-B4FC-6A44E2BCC377}"/>
-                </a:ext>
-              </a:extLst>
-            </p:cNvPr>
-            <p:cNvSpPr txBox="1"/>
-            <p:nvPr/>
-          </p:nvSpPr>
-          <p:spPr>
-            <a:xfrm>
-              <a:off x="7514448" y="2233629"/>
-              <a:ext cx="2143498" cy="369332"/>
-            </a:xfrm>
-            <a:prstGeom prst="rect">
-              <a:avLst/>
-            </a:prstGeom>
-            <a:noFill/>
-          </p:spPr>
-          <p:txBody>
-            <a:bodyPr wrap="square" rtlCol="0">
-              <a:spAutoFit/>
-            </a:bodyPr>
-            <a:lstStyle/>
-            <a:p>
-              <a:r>
-                <a:rPr lang="en-US" dirty="0"/>
-                <a:t>SO = Sparse Obstacle</a:t>
-              </a:r>
-            </a:p>
-          </p:txBody>
-        </p:sp>
-        <p:grpSp>
-          <p:nvGrpSpPr>
-            <p:cNvPr id="35" name="Group 34">
-              <a:extLst>
-                <a:ext uri="{FF2B5EF4-FFF2-40B4-BE49-F238E27FC236}">
-                  <a16:creationId xmlns:a16="http://schemas.microsoft.com/office/drawing/2014/main" id="{2E7A34F4-3868-8748-8094-0CCE0031E81B}"/>
-                </a:ext>
-              </a:extLst>
-            </p:cNvPr>
-            <p:cNvGrpSpPr/>
-            <p:nvPr/>
-          </p:nvGrpSpPr>
-          <p:grpSpPr>
-            <a:xfrm>
-              <a:off x="9714794" y="2270775"/>
-              <a:ext cx="365760" cy="295041"/>
-              <a:chOff x="7803055" y="2574583"/>
-              <a:chExt cx="365760" cy="295041"/>
-            </a:xfrm>
-          </p:grpSpPr>
-          <p:sp>
-            <p:nvSpPr>
-              <p:cNvPr id="36" name="Cube 35">
-                <a:extLst>
-                  <a:ext uri="{FF2B5EF4-FFF2-40B4-BE49-F238E27FC236}">
-                    <a16:creationId xmlns:a16="http://schemas.microsoft.com/office/drawing/2014/main" id="{64D7CD50-4057-BB48-8764-F1CC1E965541}"/>
-                  </a:ext>
-                </a:extLst>
-              </p:cNvPr>
-              <p:cNvSpPr>
-                <a:spLocks noChangeAspect="1"/>
-              </p:cNvSpPr>
-              <p:nvPr/>
-            </p:nvSpPr>
-            <p:spPr>
-              <a:xfrm>
-                <a:off x="7803055" y="2686744"/>
-                <a:ext cx="182880" cy="182880"/>
-              </a:xfrm>
-              <a:prstGeom prst="cube">
-                <a:avLst/>
-              </a:prstGeom>
-              <a:solidFill>
-                <a:schemeClr val="accent4">
-                  <a:lumMod val="75000"/>
-                </a:schemeClr>
-              </a:solidFill>
-              <a:ln>
-                <a:solidFill>
-                  <a:schemeClr val="tx1"/>
-                </a:solidFill>
-              </a:ln>
-            </p:spPr>
-            <p:style>
-              <a:lnRef idx="2">
-                <a:schemeClr val="accent1">
-                  <a:shade val="50000"/>
-                </a:schemeClr>
-              </a:lnRef>
-              <a:fillRef idx="1">
-                <a:schemeClr val="accent1"/>
-              </a:fillRef>
-              <a:effectRef idx="0">
-                <a:schemeClr val="accent1"/>
-              </a:effectRef>
-              <a:fontRef idx="minor">
-                <a:schemeClr val="lt1"/>
-              </a:fontRef>
-            </p:style>
-            <p:txBody>
-              <a:bodyPr rtlCol="0" anchor="ctr"/>
-              <a:lstStyle/>
-              <a:p>
-                <a:pPr algn="ctr"/>
-                <a:endParaRPr lang="en-US"/>
-              </a:p>
-            </p:txBody>
-          </p:sp>
-          <p:sp>
-            <p:nvSpPr>
-              <p:cNvPr id="37" name="Cube 36">
-                <a:extLst>
-                  <a:ext uri="{FF2B5EF4-FFF2-40B4-BE49-F238E27FC236}">
-                    <a16:creationId xmlns:a16="http://schemas.microsoft.com/office/drawing/2014/main" id="{3F78EC10-9F18-8E4B-8F10-97DA29B577E2}"/>
-                  </a:ext>
-                </a:extLst>
-              </p:cNvPr>
-              <p:cNvSpPr>
-                <a:spLocks noChangeAspect="1"/>
-              </p:cNvSpPr>
-              <p:nvPr/>
-            </p:nvSpPr>
-            <p:spPr>
-              <a:xfrm>
-                <a:off x="7985935" y="2686744"/>
-                <a:ext cx="182880" cy="182880"/>
-              </a:xfrm>
-              <a:prstGeom prst="cube">
-                <a:avLst/>
-              </a:prstGeom>
-              <a:solidFill>
-                <a:schemeClr val="accent4">
-                  <a:lumMod val="75000"/>
-                </a:schemeClr>
-              </a:solidFill>
-              <a:ln>
-                <a:solidFill>
-                  <a:schemeClr val="tx1"/>
-                </a:solidFill>
-              </a:ln>
-            </p:spPr>
-            <p:style>
-              <a:lnRef idx="2">
-                <a:schemeClr val="accent1">
-                  <a:shade val="50000"/>
-                </a:schemeClr>
-              </a:lnRef>
-              <a:fillRef idx="1">
-                <a:schemeClr val="accent1"/>
-              </a:fillRef>
-              <a:effectRef idx="0">
-                <a:schemeClr val="accent1"/>
-              </a:effectRef>
-              <a:fontRef idx="minor">
-                <a:schemeClr val="lt1"/>
-              </a:fontRef>
-            </p:style>
-            <p:txBody>
-              <a:bodyPr rtlCol="0" anchor="ctr"/>
-              <a:lstStyle/>
-              <a:p>
-                <a:pPr algn="ctr"/>
-                <a:endParaRPr lang="en-US"/>
-              </a:p>
-            </p:txBody>
-          </p:sp>
-          <p:sp>
-            <p:nvSpPr>
-              <p:cNvPr id="38" name="Cube 37">
-                <a:extLst>
-                  <a:ext uri="{FF2B5EF4-FFF2-40B4-BE49-F238E27FC236}">
-                    <a16:creationId xmlns:a16="http://schemas.microsoft.com/office/drawing/2014/main" id="{F41E3F08-F117-454D-818B-9A2785B55E70}"/>
-                  </a:ext>
-                </a:extLst>
-              </p:cNvPr>
-              <p:cNvSpPr>
-                <a:spLocks noChangeAspect="1"/>
-              </p:cNvSpPr>
-              <p:nvPr/>
-            </p:nvSpPr>
-            <p:spPr>
-              <a:xfrm>
-                <a:off x="7803055" y="2574583"/>
-                <a:ext cx="182880" cy="182880"/>
-              </a:xfrm>
-              <a:prstGeom prst="cube">
-                <a:avLst/>
-              </a:prstGeom>
-              <a:solidFill>
-                <a:schemeClr val="accent4">
-                  <a:lumMod val="75000"/>
-                </a:schemeClr>
-              </a:solidFill>
-              <a:ln>
-                <a:solidFill>
-                  <a:schemeClr val="tx1"/>
-                </a:solidFill>
-              </a:ln>
-            </p:spPr>
-            <p:style>
-              <a:lnRef idx="2">
-                <a:schemeClr val="accent1">
-                  <a:shade val="50000"/>
-                </a:schemeClr>
-              </a:lnRef>
-              <a:fillRef idx="1">
-                <a:schemeClr val="accent1"/>
-              </a:fillRef>
-              <a:effectRef idx="0">
-                <a:schemeClr val="accent1"/>
-              </a:effectRef>
-              <a:fontRef idx="minor">
-                <a:schemeClr val="lt1"/>
-              </a:fontRef>
-            </p:style>
-            <p:txBody>
-              <a:bodyPr rtlCol="0" anchor="ctr"/>
-              <a:lstStyle/>
-              <a:p>
-                <a:pPr algn="ctr"/>
-                <a:endParaRPr lang="en-US"/>
-              </a:p>
-            </p:txBody>
-          </p:sp>
-          <p:sp>
-            <p:nvSpPr>
-              <p:cNvPr id="39" name="Cube 38">
-                <a:extLst>
-                  <a:ext uri="{FF2B5EF4-FFF2-40B4-BE49-F238E27FC236}">
-                    <a16:creationId xmlns:a16="http://schemas.microsoft.com/office/drawing/2014/main" id="{43D07D95-552F-7C41-8530-FC3E2E8536C3}"/>
-                  </a:ext>
-                </a:extLst>
-              </p:cNvPr>
-              <p:cNvSpPr>
-                <a:spLocks noChangeAspect="1"/>
-              </p:cNvSpPr>
-              <p:nvPr/>
-            </p:nvSpPr>
-            <p:spPr>
-              <a:xfrm>
-                <a:off x="7985935" y="2574583"/>
-                <a:ext cx="182880" cy="182880"/>
-              </a:xfrm>
-              <a:prstGeom prst="cube">
-                <a:avLst/>
-              </a:prstGeom>
-              <a:solidFill>
-                <a:schemeClr val="accent4">
-                  <a:lumMod val="75000"/>
-                </a:schemeClr>
-              </a:solidFill>
-              <a:ln>
-                <a:solidFill>
-                  <a:schemeClr val="tx1"/>
-                </a:solidFill>
-              </a:ln>
-            </p:spPr>
-            <p:style>
-              <a:lnRef idx="2">
-                <a:schemeClr val="accent1">
-                  <a:shade val="50000"/>
-                </a:schemeClr>
-              </a:lnRef>
-              <a:fillRef idx="1">
-                <a:schemeClr val="accent1"/>
-              </a:fillRef>
-              <a:effectRef idx="0">
-                <a:schemeClr val="accent1"/>
-              </a:effectRef>
-              <a:fontRef idx="minor">
-                <a:schemeClr val="lt1"/>
-              </a:fontRef>
-            </p:style>
-            <p:txBody>
-              <a:bodyPr rtlCol="0" anchor="ctr"/>
-              <a:lstStyle/>
-              <a:p>
-                <a:pPr algn="ctr"/>
-                <a:endParaRPr lang="en-US"/>
-              </a:p>
-            </p:txBody>
-          </p:sp>
-        </p:grpSp>
-      </p:grpSp>
-      <p:grpSp>
-        <p:nvGrpSpPr>
-          <p:cNvPr id="40" name="Group 39">
-            <a:extLst>
-              <a:ext uri="{FF2B5EF4-FFF2-40B4-BE49-F238E27FC236}">
-                <a16:creationId xmlns:a16="http://schemas.microsoft.com/office/drawing/2014/main" id="{0312B3EA-6901-D741-AA8E-B16D486ADA55}"/>
-              </a:ext>
-            </a:extLst>
-          </p:cNvPr>
-          <p:cNvGrpSpPr/>
-          <p:nvPr/>
-        </p:nvGrpSpPr>
-        <p:grpSpPr>
-          <a:xfrm>
-            <a:off x="6892707" y="2082508"/>
-            <a:ext cx="2917172" cy="369332"/>
-            <a:chOff x="7514448" y="3331792"/>
-            <a:chExt cx="2917172" cy="369332"/>
-          </a:xfrm>
-        </p:grpSpPr>
-        <p:sp>
-          <p:nvSpPr>
-            <p:cNvPr id="41" name="TextBox 40">
-              <a:extLst>
-                <a:ext uri="{FF2B5EF4-FFF2-40B4-BE49-F238E27FC236}">
-                  <a16:creationId xmlns:a16="http://schemas.microsoft.com/office/drawing/2014/main" id="{41C64BD9-1372-E744-AF93-1DE9D5D21497}"/>
-                </a:ext>
-              </a:extLst>
-            </p:cNvPr>
-            <p:cNvSpPr txBox="1"/>
-            <p:nvPr/>
-          </p:nvSpPr>
-          <p:spPr>
-            <a:xfrm>
-              <a:off x="7514448" y="3331792"/>
-              <a:ext cx="2143498" cy="369332"/>
-            </a:xfrm>
-            <a:prstGeom prst="rect">
-              <a:avLst/>
-            </a:prstGeom>
-            <a:noFill/>
-          </p:spPr>
-          <p:txBody>
-            <a:bodyPr wrap="square" rtlCol="0">
-              <a:spAutoFit/>
-            </a:bodyPr>
-            <a:lstStyle/>
-            <a:p>
-              <a:r>
-                <a:rPr lang="en-US" dirty="0"/>
-                <a:t>DO = Dense Obstacle</a:t>
-              </a:r>
-            </a:p>
-          </p:txBody>
-        </p:sp>
-        <p:grpSp>
-          <p:nvGrpSpPr>
-            <p:cNvPr id="42" name="Group 41">
-              <a:extLst>
-                <a:ext uri="{FF2B5EF4-FFF2-40B4-BE49-F238E27FC236}">
-                  <a16:creationId xmlns:a16="http://schemas.microsoft.com/office/drawing/2014/main" id="{AF065C8D-CA8B-554D-982B-666649455E8C}"/>
-                </a:ext>
-              </a:extLst>
-            </p:cNvPr>
-            <p:cNvGrpSpPr/>
-            <p:nvPr/>
-          </p:nvGrpSpPr>
-          <p:grpSpPr>
-            <a:xfrm>
-              <a:off x="9700100" y="3368938"/>
-              <a:ext cx="731520" cy="295041"/>
-              <a:chOff x="9699621" y="3380438"/>
-              <a:chExt cx="731520" cy="295041"/>
-            </a:xfrm>
-          </p:grpSpPr>
-          <p:sp>
-            <p:nvSpPr>
-              <p:cNvPr id="43" name="Cube 42">
-                <a:extLst>
-                  <a:ext uri="{FF2B5EF4-FFF2-40B4-BE49-F238E27FC236}">
-                    <a16:creationId xmlns:a16="http://schemas.microsoft.com/office/drawing/2014/main" id="{DC61AF63-3E89-C94C-A06F-8011A0DBD23E}"/>
-                  </a:ext>
-                </a:extLst>
-              </p:cNvPr>
-              <p:cNvSpPr>
-                <a:spLocks noChangeAspect="1"/>
-              </p:cNvSpPr>
-              <p:nvPr/>
-            </p:nvSpPr>
-            <p:spPr>
-              <a:xfrm>
-                <a:off x="9882501" y="3492599"/>
-                <a:ext cx="182880" cy="182880"/>
-              </a:xfrm>
-              <a:prstGeom prst="cube">
-                <a:avLst/>
-              </a:prstGeom>
-              <a:solidFill>
-                <a:schemeClr val="accent4">
-                  <a:lumMod val="75000"/>
-                </a:schemeClr>
-              </a:solidFill>
-              <a:ln>
-                <a:solidFill>
-                  <a:schemeClr val="tx1"/>
-                </a:solidFill>
-              </a:ln>
-            </p:spPr>
-            <p:style>
-              <a:lnRef idx="2">
-                <a:schemeClr val="accent1">
-                  <a:shade val="50000"/>
-                </a:schemeClr>
-              </a:lnRef>
-              <a:fillRef idx="1">
-                <a:schemeClr val="accent1"/>
-              </a:fillRef>
-              <a:effectRef idx="0">
-                <a:schemeClr val="accent1"/>
-              </a:effectRef>
-              <a:fontRef idx="minor">
-                <a:schemeClr val="lt1"/>
-              </a:fontRef>
-            </p:style>
-            <p:txBody>
-              <a:bodyPr rtlCol="0" anchor="ctr"/>
-              <a:lstStyle/>
-              <a:p>
-                <a:pPr algn="ctr"/>
-                <a:endParaRPr lang="en-US"/>
-              </a:p>
-            </p:txBody>
-          </p:sp>
-          <p:sp>
-            <p:nvSpPr>
-              <p:cNvPr id="44" name="Cube 43">
-                <a:extLst>
-                  <a:ext uri="{FF2B5EF4-FFF2-40B4-BE49-F238E27FC236}">
-                    <a16:creationId xmlns:a16="http://schemas.microsoft.com/office/drawing/2014/main" id="{F184860F-B92F-0E43-B432-0A25BCEF36BB}"/>
-                  </a:ext>
-                </a:extLst>
-              </p:cNvPr>
-              <p:cNvSpPr>
-                <a:spLocks noChangeAspect="1"/>
-              </p:cNvSpPr>
-              <p:nvPr/>
-            </p:nvSpPr>
-            <p:spPr>
-              <a:xfrm>
-                <a:off x="10065381" y="3492599"/>
-                <a:ext cx="182880" cy="182880"/>
-              </a:xfrm>
-              <a:prstGeom prst="cube">
-                <a:avLst/>
-              </a:prstGeom>
-              <a:solidFill>
-                <a:schemeClr val="accent4">
-                  <a:lumMod val="75000"/>
-                </a:schemeClr>
-              </a:solidFill>
-              <a:ln>
-                <a:solidFill>
-                  <a:schemeClr val="tx1"/>
-                </a:solidFill>
-              </a:ln>
-            </p:spPr>
-            <p:style>
-              <a:lnRef idx="2">
-                <a:schemeClr val="accent1">
-                  <a:shade val="50000"/>
-                </a:schemeClr>
-              </a:lnRef>
-              <a:fillRef idx="1">
-                <a:schemeClr val="accent1"/>
-              </a:fillRef>
-              <a:effectRef idx="0">
-                <a:schemeClr val="accent1"/>
-              </a:effectRef>
-              <a:fontRef idx="minor">
-                <a:schemeClr val="lt1"/>
-              </a:fontRef>
-            </p:style>
-            <p:txBody>
-              <a:bodyPr rtlCol="0" anchor="ctr"/>
-              <a:lstStyle/>
-              <a:p>
-                <a:pPr algn="ctr"/>
-                <a:endParaRPr lang="en-US"/>
-              </a:p>
-            </p:txBody>
-          </p:sp>
-          <p:sp>
-            <p:nvSpPr>
-              <p:cNvPr id="45" name="Cube 44">
-                <a:extLst>
-                  <a:ext uri="{FF2B5EF4-FFF2-40B4-BE49-F238E27FC236}">
-                    <a16:creationId xmlns:a16="http://schemas.microsoft.com/office/drawing/2014/main" id="{C51C215D-FFEB-EE4B-AF88-68F208038E82}"/>
-                  </a:ext>
-                </a:extLst>
-              </p:cNvPr>
-              <p:cNvSpPr>
-                <a:spLocks noChangeAspect="1"/>
-              </p:cNvSpPr>
-              <p:nvPr/>
-            </p:nvSpPr>
-            <p:spPr>
-              <a:xfrm>
-                <a:off x="9882501" y="3380438"/>
-                <a:ext cx="182880" cy="182880"/>
-              </a:xfrm>
-              <a:prstGeom prst="cube">
-                <a:avLst/>
-              </a:prstGeom>
-              <a:solidFill>
-                <a:schemeClr val="accent4">
-                  <a:lumMod val="75000"/>
-                </a:schemeClr>
-              </a:solidFill>
-              <a:ln>
-                <a:solidFill>
-                  <a:schemeClr val="tx1"/>
-                </a:solidFill>
-              </a:ln>
-            </p:spPr>
-            <p:style>
-              <a:lnRef idx="2">
-                <a:schemeClr val="accent1">
-                  <a:shade val="50000"/>
-                </a:schemeClr>
-              </a:lnRef>
-              <a:fillRef idx="1">
-                <a:schemeClr val="accent1"/>
-              </a:fillRef>
-              <a:effectRef idx="0">
-                <a:schemeClr val="accent1"/>
-              </a:effectRef>
-              <a:fontRef idx="minor">
-                <a:schemeClr val="lt1"/>
-              </a:fontRef>
-            </p:style>
-            <p:txBody>
-              <a:bodyPr rtlCol="0" anchor="ctr"/>
-              <a:lstStyle/>
-              <a:p>
-                <a:pPr algn="ctr"/>
-                <a:endParaRPr lang="en-US"/>
-              </a:p>
-            </p:txBody>
-          </p:sp>
-          <p:sp>
-            <p:nvSpPr>
-              <p:cNvPr id="46" name="Cube 45">
-                <a:extLst>
-                  <a:ext uri="{FF2B5EF4-FFF2-40B4-BE49-F238E27FC236}">
-                    <a16:creationId xmlns:a16="http://schemas.microsoft.com/office/drawing/2014/main" id="{745630AA-8597-484B-9015-A33B2D31B7DD}"/>
-                  </a:ext>
-                </a:extLst>
-              </p:cNvPr>
-              <p:cNvSpPr>
-                <a:spLocks noChangeAspect="1"/>
-              </p:cNvSpPr>
-              <p:nvPr/>
-            </p:nvSpPr>
-            <p:spPr>
-              <a:xfrm>
-                <a:off x="10065381" y="3380438"/>
-                <a:ext cx="182880" cy="182880"/>
-              </a:xfrm>
-              <a:prstGeom prst="cube">
-                <a:avLst/>
-              </a:prstGeom>
-              <a:solidFill>
-                <a:schemeClr val="accent4">
-                  <a:lumMod val="75000"/>
-                </a:schemeClr>
-              </a:solidFill>
-              <a:ln>
-                <a:solidFill>
-                  <a:schemeClr val="tx1"/>
-                </a:solidFill>
-              </a:ln>
-            </p:spPr>
-            <p:style>
-              <a:lnRef idx="2">
-                <a:schemeClr val="accent1">
-                  <a:shade val="50000"/>
-                </a:schemeClr>
-              </a:lnRef>
-              <a:fillRef idx="1">
-                <a:schemeClr val="accent1"/>
-              </a:fillRef>
-              <a:effectRef idx="0">
-                <a:schemeClr val="accent1"/>
-              </a:effectRef>
-              <a:fontRef idx="minor">
-                <a:schemeClr val="lt1"/>
-              </a:fontRef>
-            </p:style>
-            <p:txBody>
-              <a:bodyPr rtlCol="0" anchor="ctr"/>
-              <a:lstStyle/>
-              <a:p>
-                <a:pPr algn="ctr"/>
-                <a:endParaRPr lang="en-US"/>
-              </a:p>
-            </p:txBody>
-          </p:sp>
-          <p:sp>
-            <p:nvSpPr>
-              <p:cNvPr id="47" name="Cube 46">
-                <a:extLst>
-                  <a:ext uri="{FF2B5EF4-FFF2-40B4-BE49-F238E27FC236}">
-                    <a16:creationId xmlns:a16="http://schemas.microsoft.com/office/drawing/2014/main" id="{0A50CFF1-5254-894D-8E93-C69FAC3CAAE3}"/>
-                  </a:ext>
-                </a:extLst>
-              </p:cNvPr>
-              <p:cNvSpPr>
-                <a:spLocks noChangeAspect="1"/>
-              </p:cNvSpPr>
-              <p:nvPr/>
-            </p:nvSpPr>
-            <p:spPr>
-              <a:xfrm>
-                <a:off x="10248261" y="3492599"/>
-                <a:ext cx="182880" cy="182880"/>
-              </a:xfrm>
-              <a:prstGeom prst="cube">
-                <a:avLst/>
-              </a:prstGeom>
-              <a:solidFill>
-                <a:schemeClr val="accent4">
-                  <a:lumMod val="75000"/>
-                </a:schemeClr>
-              </a:solidFill>
-              <a:ln>
-                <a:solidFill>
-                  <a:schemeClr val="tx1"/>
-                </a:solidFill>
-              </a:ln>
-            </p:spPr>
-            <p:style>
-              <a:lnRef idx="2">
-                <a:schemeClr val="accent1">
-                  <a:shade val="50000"/>
-                </a:schemeClr>
-              </a:lnRef>
-              <a:fillRef idx="1">
-                <a:schemeClr val="accent1"/>
-              </a:fillRef>
-              <a:effectRef idx="0">
-                <a:schemeClr val="accent1"/>
-              </a:effectRef>
-              <a:fontRef idx="minor">
-                <a:schemeClr val="lt1"/>
-              </a:fontRef>
-            </p:style>
-            <p:txBody>
-              <a:bodyPr rtlCol="0" anchor="ctr"/>
-              <a:lstStyle/>
-              <a:p>
-                <a:pPr algn="ctr"/>
-                <a:endParaRPr lang="en-US"/>
-              </a:p>
-            </p:txBody>
-          </p:sp>
-          <p:sp>
-            <p:nvSpPr>
-              <p:cNvPr id="48" name="Cube 47">
-                <a:extLst>
-                  <a:ext uri="{FF2B5EF4-FFF2-40B4-BE49-F238E27FC236}">
-                    <a16:creationId xmlns:a16="http://schemas.microsoft.com/office/drawing/2014/main" id="{7FB22B3E-13E7-1F43-9D8B-F2E73B940EFB}"/>
-                  </a:ext>
-                </a:extLst>
-              </p:cNvPr>
-              <p:cNvSpPr>
-                <a:spLocks noChangeAspect="1"/>
-              </p:cNvSpPr>
-              <p:nvPr/>
-            </p:nvSpPr>
-            <p:spPr>
-              <a:xfrm>
-                <a:off x="10248261" y="3380438"/>
-                <a:ext cx="182880" cy="182880"/>
-              </a:xfrm>
-              <a:prstGeom prst="cube">
-                <a:avLst/>
-              </a:prstGeom>
-              <a:solidFill>
-                <a:schemeClr val="accent4">
-                  <a:lumMod val="75000"/>
-                </a:schemeClr>
-              </a:solidFill>
-              <a:ln>
-                <a:solidFill>
-                  <a:schemeClr val="tx1"/>
-                </a:solidFill>
-              </a:ln>
-            </p:spPr>
-            <p:style>
-              <a:lnRef idx="2">
-                <a:schemeClr val="accent1">
-                  <a:shade val="50000"/>
-                </a:schemeClr>
-              </a:lnRef>
-              <a:fillRef idx="1">
-                <a:schemeClr val="accent1"/>
-              </a:fillRef>
-              <a:effectRef idx="0">
-                <a:schemeClr val="accent1"/>
-              </a:effectRef>
-              <a:fontRef idx="minor">
-                <a:schemeClr val="lt1"/>
-              </a:fontRef>
-            </p:style>
-            <p:txBody>
-              <a:bodyPr rtlCol="0" anchor="ctr"/>
-              <a:lstStyle/>
-              <a:p>
-                <a:pPr algn="ctr"/>
-                <a:endParaRPr lang="en-US"/>
-              </a:p>
-            </p:txBody>
-          </p:sp>
-          <p:sp>
-            <p:nvSpPr>
-              <p:cNvPr id="49" name="Cube 48">
-                <a:extLst>
-                  <a:ext uri="{FF2B5EF4-FFF2-40B4-BE49-F238E27FC236}">
-                    <a16:creationId xmlns:a16="http://schemas.microsoft.com/office/drawing/2014/main" id="{9C00CD35-238C-9B41-96D6-37D755CC8CA4}"/>
-                  </a:ext>
-                </a:extLst>
-              </p:cNvPr>
-              <p:cNvSpPr>
-                <a:spLocks noChangeAspect="1"/>
-              </p:cNvSpPr>
-              <p:nvPr/>
-            </p:nvSpPr>
-            <p:spPr>
-              <a:xfrm>
-                <a:off x="9699621" y="3492599"/>
-                <a:ext cx="182880" cy="182880"/>
-              </a:xfrm>
-              <a:prstGeom prst="cube">
-                <a:avLst/>
-              </a:prstGeom>
-              <a:solidFill>
-                <a:schemeClr val="accent4">
-                  <a:lumMod val="75000"/>
-                </a:schemeClr>
-              </a:solidFill>
-              <a:ln>
-                <a:solidFill>
-                  <a:schemeClr val="tx1"/>
-                </a:solidFill>
-              </a:ln>
-            </p:spPr>
-            <p:style>
-              <a:lnRef idx="2">
-                <a:schemeClr val="accent1">
-                  <a:shade val="50000"/>
-                </a:schemeClr>
-              </a:lnRef>
-              <a:fillRef idx="1">
-                <a:schemeClr val="accent1"/>
-              </a:fillRef>
-              <a:effectRef idx="0">
-                <a:schemeClr val="accent1"/>
-              </a:effectRef>
-              <a:fontRef idx="minor">
-                <a:schemeClr val="lt1"/>
-              </a:fontRef>
-            </p:style>
-            <p:txBody>
-              <a:bodyPr rtlCol="0" anchor="ctr"/>
-              <a:lstStyle/>
-              <a:p>
-                <a:pPr algn="ctr"/>
-                <a:endParaRPr lang="en-US"/>
-              </a:p>
-            </p:txBody>
-          </p:sp>
-          <p:sp>
-            <p:nvSpPr>
-              <p:cNvPr id="50" name="Cube 49">
-                <a:extLst>
-                  <a:ext uri="{FF2B5EF4-FFF2-40B4-BE49-F238E27FC236}">
-                    <a16:creationId xmlns:a16="http://schemas.microsoft.com/office/drawing/2014/main" id="{D3A3A82E-3407-5A42-B37E-7341F1CCF60B}"/>
-                  </a:ext>
-                </a:extLst>
-              </p:cNvPr>
-              <p:cNvSpPr>
-                <a:spLocks noChangeAspect="1"/>
-              </p:cNvSpPr>
-              <p:nvPr/>
-            </p:nvSpPr>
-            <p:spPr>
-              <a:xfrm>
-                <a:off x="9699621" y="3380438"/>
-                <a:ext cx="182880" cy="182880"/>
-              </a:xfrm>
-              <a:prstGeom prst="cube">
-                <a:avLst/>
-              </a:prstGeom>
-              <a:solidFill>
-                <a:schemeClr val="accent4">
-                  <a:lumMod val="75000"/>
-                </a:schemeClr>
-              </a:solidFill>
-              <a:ln>
-                <a:solidFill>
-                  <a:schemeClr val="tx1"/>
-                </a:solidFill>
-              </a:ln>
-            </p:spPr>
-            <p:style>
-              <a:lnRef idx="2">
-                <a:schemeClr val="accent1">
-                  <a:shade val="50000"/>
-                </a:schemeClr>
-              </a:lnRef>
-              <a:fillRef idx="1">
-                <a:schemeClr val="accent1"/>
-              </a:fillRef>
-              <a:effectRef idx="0">
-                <a:schemeClr val="accent1"/>
-              </a:effectRef>
-              <a:fontRef idx="minor">
-                <a:schemeClr val="lt1"/>
-              </a:fontRef>
-            </p:style>
-            <p:txBody>
-              <a:bodyPr rtlCol="0" anchor="ctr"/>
-              <a:lstStyle/>
-              <a:p>
-                <a:pPr algn="ctr"/>
-                <a:endParaRPr lang="en-US"/>
-              </a:p>
-            </p:txBody>
-          </p:sp>
-        </p:grpSp>
-      </p:grpSp>
       <p:sp>
         <p:nvSpPr>
           <p:cNvPr id="51" name="TextBox 50">
@@ -9970,6 +9120,814 @@
           </a:p>
         </p:txBody>
       </p:sp>
+      <p:sp>
+        <p:nvSpPr>
+          <p:cNvPr id="53" name="TextBox 52">
+            <a:extLst>
+              <a:ext uri="{FF2B5EF4-FFF2-40B4-BE49-F238E27FC236}">
+                <a16:creationId xmlns:a16="http://schemas.microsoft.com/office/drawing/2014/main" id="{F91A1A2F-B291-B644-B56A-F4D5193A1A7E}"/>
+              </a:ext>
+            </a:extLst>
+          </p:cNvPr>
+          <p:cNvSpPr txBox="1"/>
+          <p:nvPr/>
+        </p:nvSpPr>
+        <p:spPr>
+          <a:xfrm>
+            <a:off x="6892706" y="820435"/>
+            <a:ext cx="2267759" cy="369332"/>
+          </a:xfrm>
+          <a:prstGeom prst="rect">
+            <a:avLst/>
+          </a:prstGeom>
+          <a:noFill/>
+        </p:spPr>
+        <p:txBody>
+          <a:bodyPr wrap="square" rtlCol="0">
+            <a:spAutoFit/>
+          </a:bodyPr>
+          <a:lstStyle/>
+          <a:p>
+            <a:r>
+              <a:rPr lang="en-US" dirty="0"/>
+              <a:t>SO = Sparse Obstacles</a:t>
+            </a:r>
+          </a:p>
+        </p:txBody>
+      </p:sp>
+      <p:grpSp>
+        <p:nvGrpSpPr>
+          <p:cNvPr id="54" name="Group 53">
+            <a:extLst>
+              <a:ext uri="{FF2B5EF4-FFF2-40B4-BE49-F238E27FC236}">
+                <a16:creationId xmlns:a16="http://schemas.microsoft.com/office/drawing/2014/main" id="{B482CF36-8FD3-A943-812F-6BCDA05F5981}"/>
+              </a:ext>
+            </a:extLst>
+          </p:cNvPr>
+          <p:cNvGrpSpPr/>
+          <p:nvPr/>
+        </p:nvGrpSpPr>
+        <p:grpSpPr>
+          <a:xfrm>
+            <a:off x="9183625" y="857581"/>
+            <a:ext cx="365760" cy="295041"/>
+            <a:chOff x="7803055" y="2574583"/>
+            <a:chExt cx="365760" cy="295041"/>
+          </a:xfrm>
+        </p:grpSpPr>
+        <p:sp>
+          <p:nvSpPr>
+            <p:cNvPr id="55" name="Cube 54">
+              <a:extLst>
+                <a:ext uri="{FF2B5EF4-FFF2-40B4-BE49-F238E27FC236}">
+                  <a16:creationId xmlns:a16="http://schemas.microsoft.com/office/drawing/2014/main" id="{591A1433-C1DB-9441-8283-43FCE78ED314}"/>
+                </a:ext>
+              </a:extLst>
+            </p:cNvPr>
+            <p:cNvSpPr>
+              <a:spLocks noChangeAspect="1"/>
+            </p:cNvSpPr>
+            <p:nvPr/>
+          </p:nvSpPr>
+          <p:spPr>
+            <a:xfrm>
+              <a:off x="7803055" y="2686744"/>
+              <a:ext cx="182880" cy="182880"/>
+            </a:xfrm>
+            <a:prstGeom prst="cube">
+              <a:avLst/>
+            </a:prstGeom>
+            <a:solidFill>
+              <a:schemeClr val="accent4">
+                <a:lumMod val="75000"/>
+              </a:schemeClr>
+            </a:solidFill>
+            <a:ln>
+              <a:solidFill>
+                <a:schemeClr val="tx1"/>
+              </a:solidFill>
+            </a:ln>
+          </p:spPr>
+          <p:style>
+            <a:lnRef idx="2">
+              <a:schemeClr val="accent1">
+                <a:shade val="50000"/>
+              </a:schemeClr>
+            </a:lnRef>
+            <a:fillRef idx="1">
+              <a:schemeClr val="accent1"/>
+            </a:fillRef>
+            <a:effectRef idx="0">
+              <a:schemeClr val="accent1"/>
+            </a:effectRef>
+            <a:fontRef idx="minor">
+              <a:schemeClr val="lt1"/>
+            </a:fontRef>
+          </p:style>
+          <p:txBody>
+            <a:bodyPr rtlCol="0" anchor="ctr"/>
+            <a:lstStyle/>
+            <a:p>
+              <a:pPr algn="ctr"/>
+              <a:endParaRPr lang="en-US"/>
+            </a:p>
+          </p:txBody>
+        </p:sp>
+        <p:sp>
+          <p:nvSpPr>
+            <p:cNvPr id="56" name="Cube 55">
+              <a:extLst>
+                <a:ext uri="{FF2B5EF4-FFF2-40B4-BE49-F238E27FC236}">
+                  <a16:creationId xmlns:a16="http://schemas.microsoft.com/office/drawing/2014/main" id="{8D7BD355-F9CD-6E44-A123-4F6EE5CF1AB8}"/>
+                </a:ext>
+              </a:extLst>
+            </p:cNvPr>
+            <p:cNvSpPr>
+              <a:spLocks noChangeAspect="1"/>
+            </p:cNvSpPr>
+            <p:nvPr/>
+          </p:nvSpPr>
+          <p:spPr>
+            <a:xfrm>
+              <a:off x="7985935" y="2686744"/>
+              <a:ext cx="182880" cy="182880"/>
+            </a:xfrm>
+            <a:prstGeom prst="cube">
+              <a:avLst/>
+            </a:prstGeom>
+            <a:solidFill>
+              <a:schemeClr val="accent4">
+                <a:lumMod val="75000"/>
+              </a:schemeClr>
+            </a:solidFill>
+            <a:ln>
+              <a:solidFill>
+                <a:schemeClr val="tx1"/>
+              </a:solidFill>
+            </a:ln>
+          </p:spPr>
+          <p:style>
+            <a:lnRef idx="2">
+              <a:schemeClr val="accent1">
+                <a:shade val="50000"/>
+              </a:schemeClr>
+            </a:lnRef>
+            <a:fillRef idx="1">
+              <a:schemeClr val="accent1"/>
+            </a:fillRef>
+            <a:effectRef idx="0">
+              <a:schemeClr val="accent1"/>
+            </a:effectRef>
+            <a:fontRef idx="minor">
+              <a:schemeClr val="lt1"/>
+            </a:fontRef>
+          </p:style>
+          <p:txBody>
+            <a:bodyPr rtlCol="0" anchor="ctr"/>
+            <a:lstStyle/>
+            <a:p>
+              <a:pPr algn="ctr"/>
+              <a:endParaRPr lang="en-US"/>
+            </a:p>
+          </p:txBody>
+        </p:sp>
+        <p:sp>
+          <p:nvSpPr>
+            <p:cNvPr id="57" name="Cube 56">
+              <a:extLst>
+                <a:ext uri="{FF2B5EF4-FFF2-40B4-BE49-F238E27FC236}">
+                  <a16:creationId xmlns:a16="http://schemas.microsoft.com/office/drawing/2014/main" id="{CCC792A2-DD0A-834B-94E0-C49DD52125CE}"/>
+                </a:ext>
+              </a:extLst>
+            </p:cNvPr>
+            <p:cNvSpPr>
+              <a:spLocks noChangeAspect="1"/>
+            </p:cNvSpPr>
+            <p:nvPr/>
+          </p:nvSpPr>
+          <p:spPr>
+            <a:xfrm>
+              <a:off x="7803055" y="2574583"/>
+              <a:ext cx="182880" cy="182880"/>
+            </a:xfrm>
+            <a:prstGeom prst="cube">
+              <a:avLst/>
+            </a:prstGeom>
+            <a:solidFill>
+              <a:schemeClr val="accent4">
+                <a:lumMod val="75000"/>
+              </a:schemeClr>
+            </a:solidFill>
+            <a:ln>
+              <a:solidFill>
+                <a:schemeClr val="tx1"/>
+              </a:solidFill>
+            </a:ln>
+          </p:spPr>
+          <p:style>
+            <a:lnRef idx="2">
+              <a:schemeClr val="accent1">
+                <a:shade val="50000"/>
+              </a:schemeClr>
+            </a:lnRef>
+            <a:fillRef idx="1">
+              <a:schemeClr val="accent1"/>
+            </a:fillRef>
+            <a:effectRef idx="0">
+              <a:schemeClr val="accent1"/>
+            </a:effectRef>
+            <a:fontRef idx="minor">
+              <a:schemeClr val="lt1"/>
+            </a:fontRef>
+          </p:style>
+          <p:txBody>
+            <a:bodyPr rtlCol="0" anchor="ctr"/>
+            <a:lstStyle/>
+            <a:p>
+              <a:pPr algn="ctr"/>
+              <a:endParaRPr lang="en-US"/>
+            </a:p>
+          </p:txBody>
+        </p:sp>
+        <p:sp>
+          <p:nvSpPr>
+            <p:cNvPr id="58" name="Cube 57">
+              <a:extLst>
+                <a:ext uri="{FF2B5EF4-FFF2-40B4-BE49-F238E27FC236}">
+                  <a16:creationId xmlns:a16="http://schemas.microsoft.com/office/drawing/2014/main" id="{33261F73-E4E7-614D-86C4-E7BDCC4B4171}"/>
+                </a:ext>
+              </a:extLst>
+            </p:cNvPr>
+            <p:cNvSpPr>
+              <a:spLocks noChangeAspect="1"/>
+            </p:cNvSpPr>
+            <p:nvPr/>
+          </p:nvSpPr>
+          <p:spPr>
+            <a:xfrm>
+              <a:off x="7985935" y="2574583"/>
+              <a:ext cx="182880" cy="182880"/>
+            </a:xfrm>
+            <a:prstGeom prst="cube">
+              <a:avLst/>
+            </a:prstGeom>
+            <a:solidFill>
+              <a:schemeClr val="accent4">
+                <a:lumMod val="75000"/>
+              </a:schemeClr>
+            </a:solidFill>
+            <a:ln>
+              <a:solidFill>
+                <a:schemeClr val="tx1"/>
+              </a:solidFill>
+            </a:ln>
+          </p:spPr>
+          <p:style>
+            <a:lnRef idx="2">
+              <a:schemeClr val="accent1">
+                <a:shade val="50000"/>
+              </a:schemeClr>
+            </a:lnRef>
+            <a:fillRef idx="1">
+              <a:schemeClr val="accent1"/>
+            </a:fillRef>
+            <a:effectRef idx="0">
+              <a:schemeClr val="accent1"/>
+            </a:effectRef>
+            <a:fontRef idx="minor">
+              <a:schemeClr val="lt1"/>
+            </a:fontRef>
+          </p:style>
+          <p:txBody>
+            <a:bodyPr rtlCol="0" anchor="ctr"/>
+            <a:lstStyle/>
+            <a:p>
+              <a:pPr algn="ctr"/>
+              <a:endParaRPr lang="en-US"/>
+            </a:p>
+          </p:txBody>
+        </p:sp>
+      </p:grpSp>
+      <p:sp>
+        <p:nvSpPr>
+          <p:cNvPr id="59" name="TextBox 58">
+            <a:extLst>
+              <a:ext uri="{FF2B5EF4-FFF2-40B4-BE49-F238E27FC236}">
+                <a16:creationId xmlns:a16="http://schemas.microsoft.com/office/drawing/2014/main" id="{310700DC-DF75-154D-BB9A-62187DF7813F}"/>
+              </a:ext>
+            </a:extLst>
+          </p:cNvPr>
+          <p:cNvSpPr txBox="1"/>
+          <p:nvPr/>
+        </p:nvSpPr>
+        <p:spPr>
+          <a:xfrm>
+            <a:off x="6892707" y="2082508"/>
+            <a:ext cx="2218614" cy="369332"/>
+          </a:xfrm>
+          <a:prstGeom prst="rect">
+            <a:avLst/>
+          </a:prstGeom>
+          <a:noFill/>
+        </p:spPr>
+        <p:txBody>
+          <a:bodyPr wrap="square" rtlCol="0">
+            <a:spAutoFit/>
+          </a:bodyPr>
+          <a:lstStyle/>
+          <a:p>
+            <a:r>
+              <a:rPr lang="en-US" dirty="0"/>
+              <a:t>DO = Dense Obstacles</a:t>
+            </a:r>
+          </a:p>
+        </p:txBody>
+      </p:sp>
+      <p:grpSp>
+        <p:nvGrpSpPr>
+          <p:cNvPr id="60" name="Group 59">
+            <a:extLst>
+              <a:ext uri="{FF2B5EF4-FFF2-40B4-BE49-F238E27FC236}">
+                <a16:creationId xmlns:a16="http://schemas.microsoft.com/office/drawing/2014/main" id="{343FB124-F279-3C4A-92A7-4AA0E3B1F37D}"/>
+              </a:ext>
+            </a:extLst>
+          </p:cNvPr>
+          <p:cNvGrpSpPr/>
+          <p:nvPr/>
+        </p:nvGrpSpPr>
+        <p:grpSpPr>
+          <a:xfrm>
+            <a:off x="9185675" y="2119654"/>
+            <a:ext cx="731520" cy="295041"/>
+            <a:chOff x="9699621" y="3380438"/>
+            <a:chExt cx="731520" cy="295041"/>
+          </a:xfrm>
+        </p:grpSpPr>
+        <p:sp>
+          <p:nvSpPr>
+            <p:cNvPr id="61" name="Cube 60">
+              <a:extLst>
+                <a:ext uri="{FF2B5EF4-FFF2-40B4-BE49-F238E27FC236}">
+                  <a16:creationId xmlns:a16="http://schemas.microsoft.com/office/drawing/2014/main" id="{AD9F2E1A-43F3-0B4D-9CB7-A74BEA006836}"/>
+                </a:ext>
+              </a:extLst>
+            </p:cNvPr>
+            <p:cNvSpPr>
+              <a:spLocks noChangeAspect="1"/>
+            </p:cNvSpPr>
+            <p:nvPr/>
+          </p:nvSpPr>
+          <p:spPr>
+            <a:xfrm>
+              <a:off x="9882501" y="3492599"/>
+              <a:ext cx="182880" cy="182880"/>
+            </a:xfrm>
+            <a:prstGeom prst="cube">
+              <a:avLst/>
+            </a:prstGeom>
+            <a:solidFill>
+              <a:schemeClr val="accent4">
+                <a:lumMod val="75000"/>
+              </a:schemeClr>
+            </a:solidFill>
+            <a:ln>
+              <a:solidFill>
+                <a:schemeClr val="tx1"/>
+              </a:solidFill>
+            </a:ln>
+          </p:spPr>
+          <p:style>
+            <a:lnRef idx="2">
+              <a:schemeClr val="accent1">
+                <a:shade val="50000"/>
+              </a:schemeClr>
+            </a:lnRef>
+            <a:fillRef idx="1">
+              <a:schemeClr val="accent1"/>
+            </a:fillRef>
+            <a:effectRef idx="0">
+              <a:schemeClr val="accent1"/>
+            </a:effectRef>
+            <a:fontRef idx="minor">
+              <a:schemeClr val="lt1"/>
+            </a:fontRef>
+          </p:style>
+          <p:txBody>
+            <a:bodyPr rtlCol="0" anchor="ctr"/>
+            <a:lstStyle/>
+            <a:p>
+              <a:pPr algn="ctr"/>
+              <a:endParaRPr lang="en-US"/>
+            </a:p>
+          </p:txBody>
+        </p:sp>
+        <p:sp>
+          <p:nvSpPr>
+            <p:cNvPr id="62" name="Cube 61">
+              <a:extLst>
+                <a:ext uri="{FF2B5EF4-FFF2-40B4-BE49-F238E27FC236}">
+                  <a16:creationId xmlns:a16="http://schemas.microsoft.com/office/drawing/2014/main" id="{E48B041E-1773-8E48-9FDA-F84C66D596EF}"/>
+                </a:ext>
+              </a:extLst>
+            </p:cNvPr>
+            <p:cNvSpPr>
+              <a:spLocks noChangeAspect="1"/>
+            </p:cNvSpPr>
+            <p:nvPr/>
+          </p:nvSpPr>
+          <p:spPr>
+            <a:xfrm>
+              <a:off x="10065381" y="3492599"/>
+              <a:ext cx="182880" cy="182880"/>
+            </a:xfrm>
+            <a:prstGeom prst="cube">
+              <a:avLst/>
+            </a:prstGeom>
+            <a:solidFill>
+              <a:schemeClr val="accent4">
+                <a:lumMod val="75000"/>
+              </a:schemeClr>
+            </a:solidFill>
+            <a:ln>
+              <a:solidFill>
+                <a:schemeClr val="tx1"/>
+              </a:solidFill>
+            </a:ln>
+          </p:spPr>
+          <p:style>
+            <a:lnRef idx="2">
+              <a:schemeClr val="accent1">
+                <a:shade val="50000"/>
+              </a:schemeClr>
+            </a:lnRef>
+            <a:fillRef idx="1">
+              <a:schemeClr val="accent1"/>
+            </a:fillRef>
+            <a:effectRef idx="0">
+              <a:schemeClr val="accent1"/>
+            </a:effectRef>
+            <a:fontRef idx="minor">
+              <a:schemeClr val="lt1"/>
+            </a:fontRef>
+          </p:style>
+          <p:txBody>
+            <a:bodyPr rtlCol="0" anchor="ctr"/>
+            <a:lstStyle/>
+            <a:p>
+              <a:pPr algn="ctr"/>
+              <a:endParaRPr lang="en-US"/>
+            </a:p>
+          </p:txBody>
+        </p:sp>
+        <p:sp>
+          <p:nvSpPr>
+            <p:cNvPr id="63" name="Cube 62">
+              <a:extLst>
+                <a:ext uri="{FF2B5EF4-FFF2-40B4-BE49-F238E27FC236}">
+                  <a16:creationId xmlns:a16="http://schemas.microsoft.com/office/drawing/2014/main" id="{7352B44C-2C87-C44B-B953-430686709183}"/>
+                </a:ext>
+              </a:extLst>
+            </p:cNvPr>
+            <p:cNvSpPr>
+              <a:spLocks noChangeAspect="1"/>
+            </p:cNvSpPr>
+            <p:nvPr/>
+          </p:nvSpPr>
+          <p:spPr>
+            <a:xfrm>
+              <a:off x="9882501" y="3380438"/>
+              <a:ext cx="182880" cy="182880"/>
+            </a:xfrm>
+            <a:prstGeom prst="cube">
+              <a:avLst/>
+            </a:prstGeom>
+            <a:solidFill>
+              <a:schemeClr val="accent4">
+                <a:lumMod val="75000"/>
+              </a:schemeClr>
+            </a:solidFill>
+            <a:ln>
+              <a:solidFill>
+                <a:schemeClr val="tx1"/>
+              </a:solidFill>
+            </a:ln>
+          </p:spPr>
+          <p:style>
+            <a:lnRef idx="2">
+              <a:schemeClr val="accent1">
+                <a:shade val="50000"/>
+              </a:schemeClr>
+            </a:lnRef>
+            <a:fillRef idx="1">
+              <a:schemeClr val="accent1"/>
+            </a:fillRef>
+            <a:effectRef idx="0">
+              <a:schemeClr val="accent1"/>
+            </a:effectRef>
+            <a:fontRef idx="minor">
+              <a:schemeClr val="lt1"/>
+            </a:fontRef>
+          </p:style>
+          <p:txBody>
+            <a:bodyPr rtlCol="0" anchor="ctr"/>
+            <a:lstStyle/>
+            <a:p>
+              <a:pPr algn="ctr"/>
+              <a:endParaRPr lang="en-US"/>
+            </a:p>
+          </p:txBody>
+        </p:sp>
+        <p:sp>
+          <p:nvSpPr>
+            <p:cNvPr id="64" name="Cube 63">
+              <a:extLst>
+                <a:ext uri="{FF2B5EF4-FFF2-40B4-BE49-F238E27FC236}">
+                  <a16:creationId xmlns:a16="http://schemas.microsoft.com/office/drawing/2014/main" id="{080E75B7-4BD5-6D49-AE21-11286608C0C8}"/>
+                </a:ext>
+              </a:extLst>
+            </p:cNvPr>
+            <p:cNvSpPr>
+              <a:spLocks noChangeAspect="1"/>
+            </p:cNvSpPr>
+            <p:nvPr/>
+          </p:nvSpPr>
+          <p:spPr>
+            <a:xfrm>
+              <a:off x="10065381" y="3380438"/>
+              <a:ext cx="182880" cy="182880"/>
+            </a:xfrm>
+            <a:prstGeom prst="cube">
+              <a:avLst/>
+            </a:prstGeom>
+            <a:solidFill>
+              <a:schemeClr val="accent4">
+                <a:lumMod val="75000"/>
+              </a:schemeClr>
+            </a:solidFill>
+            <a:ln>
+              <a:solidFill>
+                <a:schemeClr val="tx1"/>
+              </a:solidFill>
+            </a:ln>
+          </p:spPr>
+          <p:style>
+            <a:lnRef idx="2">
+              <a:schemeClr val="accent1">
+                <a:shade val="50000"/>
+              </a:schemeClr>
+            </a:lnRef>
+            <a:fillRef idx="1">
+              <a:schemeClr val="accent1"/>
+            </a:fillRef>
+            <a:effectRef idx="0">
+              <a:schemeClr val="accent1"/>
+            </a:effectRef>
+            <a:fontRef idx="minor">
+              <a:schemeClr val="lt1"/>
+            </a:fontRef>
+          </p:style>
+          <p:txBody>
+            <a:bodyPr rtlCol="0" anchor="ctr"/>
+            <a:lstStyle/>
+            <a:p>
+              <a:pPr algn="ctr"/>
+              <a:endParaRPr lang="en-US"/>
+            </a:p>
+          </p:txBody>
+        </p:sp>
+        <p:sp>
+          <p:nvSpPr>
+            <p:cNvPr id="65" name="Cube 64">
+              <a:extLst>
+                <a:ext uri="{FF2B5EF4-FFF2-40B4-BE49-F238E27FC236}">
+                  <a16:creationId xmlns:a16="http://schemas.microsoft.com/office/drawing/2014/main" id="{E98A542C-725F-7447-AC39-44AFEABD1756}"/>
+                </a:ext>
+              </a:extLst>
+            </p:cNvPr>
+            <p:cNvSpPr>
+              <a:spLocks noChangeAspect="1"/>
+            </p:cNvSpPr>
+            <p:nvPr/>
+          </p:nvSpPr>
+          <p:spPr>
+            <a:xfrm>
+              <a:off x="10248261" y="3492599"/>
+              <a:ext cx="182880" cy="182880"/>
+            </a:xfrm>
+            <a:prstGeom prst="cube">
+              <a:avLst/>
+            </a:prstGeom>
+            <a:solidFill>
+              <a:schemeClr val="accent4">
+                <a:lumMod val="75000"/>
+              </a:schemeClr>
+            </a:solidFill>
+            <a:ln>
+              <a:solidFill>
+                <a:schemeClr val="tx1"/>
+              </a:solidFill>
+            </a:ln>
+          </p:spPr>
+          <p:style>
+            <a:lnRef idx="2">
+              <a:schemeClr val="accent1">
+                <a:shade val="50000"/>
+              </a:schemeClr>
+            </a:lnRef>
+            <a:fillRef idx="1">
+              <a:schemeClr val="accent1"/>
+            </a:fillRef>
+            <a:effectRef idx="0">
+              <a:schemeClr val="accent1"/>
+            </a:effectRef>
+            <a:fontRef idx="minor">
+              <a:schemeClr val="lt1"/>
+            </a:fontRef>
+          </p:style>
+          <p:txBody>
+            <a:bodyPr rtlCol="0" anchor="ctr"/>
+            <a:lstStyle/>
+            <a:p>
+              <a:pPr algn="ctr"/>
+              <a:endParaRPr lang="en-US"/>
+            </a:p>
+          </p:txBody>
+        </p:sp>
+        <p:sp>
+          <p:nvSpPr>
+            <p:cNvPr id="66" name="Cube 65">
+              <a:extLst>
+                <a:ext uri="{FF2B5EF4-FFF2-40B4-BE49-F238E27FC236}">
+                  <a16:creationId xmlns:a16="http://schemas.microsoft.com/office/drawing/2014/main" id="{F6BBA2D7-5F40-9E43-9971-8EDB78414423}"/>
+                </a:ext>
+              </a:extLst>
+            </p:cNvPr>
+            <p:cNvSpPr>
+              <a:spLocks noChangeAspect="1"/>
+            </p:cNvSpPr>
+            <p:nvPr/>
+          </p:nvSpPr>
+          <p:spPr>
+            <a:xfrm>
+              <a:off x="10248261" y="3380438"/>
+              <a:ext cx="182880" cy="182880"/>
+            </a:xfrm>
+            <a:prstGeom prst="cube">
+              <a:avLst/>
+            </a:prstGeom>
+            <a:solidFill>
+              <a:schemeClr val="accent4">
+                <a:lumMod val="75000"/>
+              </a:schemeClr>
+            </a:solidFill>
+            <a:ln>
+              <a:solidFill>
+                <a:schemeClr val="tx1"/>
+              </a:solidFill>
+            </a:ln>
+          </p:spPr>
+          <p:style>
+            <a:lnRef idx="2">
+              <a:schemeClr val="accent1">
+                <a:shade val="50000"/>
+              </a:schemeClr>
+            </a:lnRef>
+            <a:fillRef idx="1">
+              <a:schemeClr val="accent1"/>
+            </a:fillRef>
+            <a:effectRef idx="0">
+              <a:schemeClr val="accent1"/>
+            </a:effectRef>
+            <a:fontRef idx="minor">
+              <a:schemeClr val="lt1"/>
+            </a:fontRef>
+          </p:style>
+          <p:txBody>
+            <a:bodyPr rtlCol="0" anchor="ctr"/>
+            <a:lstStyle/>
+            <a:p>
+              <a:pPr algn="ctr"/>
+              <a:endParaRPr lang="en-US"/>
+            </a:p>
+          </p:txBody>
+        </p:sp>
+        <p:sp>
+          <p:nvSpPr>
+            <p:cNvPr id="67" name="Cube 66">
+              <a:extLst>
+                <a:ext uri="{FF2B5EF4-FFF2-40B4-BE49-F238E27FC236}">
+                  <a16:creationId xmlns:a16="http://schemas.microsoft.com/office/drawing/2014/main" id="{ADA42026-701C-D642-8597-21472FF6DA43}"/>
+                </a:ext>
+              </a:extLst>
+            </p:cNvPr>
+            <p:cNvSpPr>
+              <a:spLocks noChangeAspect="1"/>
+            </p:cNvSpPr>
+            <p:nvPr/>
+          </p:nvSpPr>
+          <p:spPr>
+            <a:xfrm>
+              <a:off x="9699621" y="3492599"/>
+              <a:ext cx="182880" cy="182880"/>
+            </a:xfrm>
+            <a:prstGeom prst="cube">
+              <a:avLst/>
+            </a:prstGeom>
+            <a:solidFill>
+              <a:schemeClr val="accent4">
+                <a:lumMod val="75000"/>
+              </a:schemeClr>
+            </a:solidFill>
+            <a:ln>
+              <a:solidFill>
+                <a:schemeClr val="tx1"/>
+              </a:solidFill>
+            </a:ln>
+          </p:spPr>
+          <p:style>
+            <a:lnRef idx="2">
+              <a:schemeClr val="accent1">
+                <a:shade val="50000"/>
+              </a:schemeClr>
+            </a:lnRef>
+            <a:fillRef idx="1">
+              <a:schemeClr val="accent1"/>
+            </a:fillRef>
+            <a:effectRef idx="0">
+              <a:schemeClr val="accent1"/>
+            </a:effectRef>
+            <a:fontRef idx="minor">
+              <a:schemeClr val="lt1"/>
+            </a:fontRef>
+          </p:style>
+          <p:txBody>
+            <a:bodyPr rtlCol="0" anchor="ctr"/>
+            <a:lstStyle/>
+            <a:p>
+              <a:pPr algn="ctr"/>
+              <a:endParaRPr lang="en-US"/>
+            </a:p>
+          </p:txBody>
+        </p:sp>
+        <p:sp>
+          <p:nvSpPr>
+            <p:cNvPr id="68" name="Cube 67">
+              <a:extLst>
+                <a:ext uri="{FF2B5EF4-FFF2-40B4-BE49-F238E27FC236}">
+                  <a16:creationId xmlns:a16="http://schemas.microsoft.com/office/drawing/2014/main" id="{DB5F000E-A23C-B646-8D0F-9AEBECF67121}"/>
+                </a:ext>
+              </a:extLst>
+            </p:cNvPr>
+            <p:cNvSpPr>
+              <a:spLocks noChangeAspect="1"/>
+            </p:cNvSpPr>
+            <p:nvPr/>
+          </p:nvSpPr>
+          <p:spPr>
+            <a:xfrm>
+              <a:off x="9699621" y="3380438"/>
+              <a:ext cx="182880" cy="182880"/>
+            </a:xfrm>
+            <a:prstGeom prst="cube">
+              <a:avLst/>
+            </a:prstGeom>
+            <a:solidFill>
+              <a:schemeClr val="accent4">
+                <a:lumMod val="75000"/>
+              </a:schemeClr>
+            </a:solidFill>
+            <a:ln>
+              <a:solidFill>
+                <a:schemeClr val="tx1"/>
+              </a:solidFill>
+            </a:ln>
+          </p:spPr>
+          <p:style>
+            <a:lnRef idx="2">
+              <a:schemeClr val="accent1">
+                <a:shade val="50000"/>
+              </a:schemeClr>
+            </a:lnRef>
+            <a:fillRef idx="1">
+              <a:schemeClr val="accent1"/>
+            </a:fillRef>
+            <a:effectRef idx="0">
+              <a:schemeClr val="accent1"/>
+            </a:effectRef>
+            <a:fontRef idx="minor">
+              <a:schemeClr val="lt1"/>
+            </a:fontRef>
+          </p:style>
+          <p:txBody>
+            <a:bodyPr rtlCol="0" anchor="ctr"/>
+            <a:lstStyle/>
+            <a:p>
+              <a:pPr algn="ctr"/>
+              <a:endParaRPr lang="en-US"/>
+            </a:p>
+          </p:txBody>
+        </p:sp>
+      </p:grpSp>
     </p:spTree>
     <p:extLst>
       <p:ext uri="{BB962C8B-B14F-4D97-AF65-F5344CB8AC3E}">

--- a/XPlanningEvaluation/data/instruction/cropped-instruction-color-blind-friendly.pptx
+++ b/XPlanningEvaluation/data/instruction/cropped-instruction-color-blind-friendly.pptx
@@ -8,13 +8,13 @@
     <p:sldId id="269" r:id="rId2"/>
     <p:sldId id="270" r:id="rId3"/>
     <p:sldId id="271" r:id="rId4"/>
-    <p:sldId id="272" r:id="rId5"/>
+    <p:sldId id="285" r:id="rId5"/>
     <p:sldId id="279" r:id="rId6"/>
-    <p:sldId id="280" r:id="rId7"/>
+    <p:sldId id="286" r:id="rId7"/>
     <p:sldId id="281" r:id="rId8"/>
-    <p:sldId id="282" r:id="rId9"/>
+    <p:sldId id="287" r:id="rId9"/>
     <p:sldId id="283" r:id="rId10"/>
-    <p:sldId id="284" r:id="rId11"/>
+    <p:sldId id="288" r:id="rId11"/>
   </p:sldIdLst>
   <p:sldSz cx="10972800" cy="3657600"/>
   <p:notesSz cx="6858000" cy="9144000"/>
@@ -252,7 +252,7 @@
           <a:p>
             <a:fld id="{27BCE1D4-18BF-8B43-BAE6-89028543CF06}" type="datetimeFigureOut">
               <a:rPr lang="en-US" smtClean="0"/>
-              <a:t>9/9/19</a:t>
+              <a:t>9/13/19</a:t>
             </a:fld>
             <a:endParaRPr lang="en-US"/>
           </a:p>
@@ -422,7 +422,7 @@
           <a:p>
             <a:fld id="{27BCE1D4-18BF-8B43-BAE6-89028543CF06}" type="datetimeFigureOut">
               <a:rPr lang="en-US" smtClean="0"/>
-              <a:t>9/9/19</a:t>
+              <a:t>9/13/19</a:t>
             </a:fld>
             <a:endParaRPr lang="en-US"/>
           </a:p>
@@ -602,7 +602,7 @@
           <a:p>
             <a:fld id="{27BCE1D4-18BF-8B43-BAE6-89028543CF06}" type="datetimeFigureOut">
               <a:rPr lang="en-US" smtClean="0"/>
-              <a:t>9/9/19</a:t>
+              <a:t>9/13/19</a:t>
             </a:fld>
             <a:endParaRPr lang="en-US"/>
           </a:p>
@@ -772,7 +772,7 @@
           <a:p>
             <a:fld id="{27BCE1D4-18BF-8B43-BAE6-89028543CF06}" type="datetimeFigureOut">
               <a:rPr lang="en-US" smtClean="0"/>
-              <a:t>9/9/19</a:t>
+              <a:t>9/13/19</a:t>
             </a:fld>
             <a:endParaRPr lang="en-US"/>
           </a:p>
@@ -1018,7 +1018,7 @@
           <a:p>
             <a:fld id="{27BCE1D4-18BF-8B43-BAE6-89028543CF06}" type="datetimeFigureOut">
               <a:rPr lang="en-US" smtClean="0"/>
-              <a:t>9/9/19</a:t>
+              <a:t>9/13/19</a:t>
             </a:fld>
             <a:endParaRPr lang="en-US"/>
           </a:p>
@@ -1250,7 +1250,7 @@
           <a:p>
             <a:fld id="{27BCE1D4-18BF-8B43-BAE6-89028543CF06}" type="datetimeFigureOut">
               <a:rPr lang="en-US" smtClean="0"/>
-              <a:t>9/9/19</a:t>
+              <a:t>9/13/19</a:t>
             </a:fld>
             <a:endParaRPr lang="en-US"/>
           </a:p>
@@ -1617,7 +1617,7 @@
           <a:p>
             <a:fld id="{27BCE1D4-18BF-8B43-BAE6-89028543CF06}" type="datetimeFigureOut">
               <a:rPr lang="en-US" smtClean="0"/>
-              <a:t>9/9/19</a:t>
+              <a:t>9/13/19</a:t>
             </a:fld>
             <a:endParaRPr lang="en-US"/>
           </a:p>
@@ -1735,7 +1735,7 @@
           <a:p>
             <a:fld id="{27BCE1D4-18BF-8B43-BAE6-89028543CF06}" type="datetimeFigureOut">
               <a:rPr lang="en-US" smtClean="0"/>
-              <a:t>9/9/19</a:t>
+              <a:t>9/13/19</a:t>
             </a:fld>
             <a:endParaRPr lang="en-US"/>
           </a:p>
@@ -1830,7 +1830,7 @@
           <a:p>
             <a:fld id="{27BCE1D4-18BF-8B43-BAE6-89028543CF06}" type="datetimeFigureOut">
               <a:rPr lang="en-US" smtClean="0"/>
-              <a:t>9/9/19</a:t>
+              <a:t>9/13/19</a:t>
             </a:fld>
             <a:endParaRPr lang="en-US"/>
           </a:p>
@@ -2107,7 +2107,7 @@
           <a:p>
             <a:fld id="{27BCE1D4-18BF-8B43-BAE6-89028543CF06}" type="datetimeFigureOut">
               <a:rPr lang="en-US" smtClean="0"/>
-              <a:t>9/9/19</a:t>
+              <a:t>9/13/19</a:t>
             </a:fld>
             <a:endParaRPr lang="en-US"/>
           </a:p>
@@ -2364,7 +2364,7 @@
           <a:p>
             <a:fld id="{27BCE1D4-18BF-8B43-BAE6-89028543CF06}" type="datetimeFigureOut">
               <a:rPr lang="en-US" smtClean="0"/>
-              <a:t>9/9/19</a:t>
+              <a:t>9/13/19</a:t>
             </a:fld>
             <a:endParaRPr lang="en-US"/>
           </a:p>
@@ -2577,7 +2577,7 @@
           <a:p>
             <a:fld id="{27BCE1D4-18BF-8B43-BAE6-89028543CF06}" type="datetimeFigureOut">
               <a:rPr lang="en-US" smtClean="0"/>
-              <a:t>9/9/19</a:t>
+              <a:t>9/13/19</a:t>
             </a:fld>
             <a:endParaRPr lang="en-US"/>
           </a:p>
@@ -3245,7 +3245,7 @@
           <p:cNvPr id="2" name="Group 1">
             <a:extLst>
               <a:ext uri="{FF2B5EF4-FFF2-40B4-BE49-F238E27FC236}">
-                <a16:creationId xmlns:a16="http://schemas.microsoft.com/office/drawing/2014/main" id="{74919116-B908-1144-9A81-90A52B72EF7E}"/>
+                <a16:creationId xmlns:a16="http://schemas.microsoft.com/office/drawing/2014/main" id="{F436CB0E-3F6C-A041-A995-C44550B43AEC}"/>
               </a:ext>
             </a:extLst>
           </p:cNvPr>
@@ -3265,7 +3265,7 @@
             <p:cNvPr id="3" name="TextBox 2">
               <a:extLst>
                 <a:ext uri="{FF2B5EF4-FFF2-40B4-BE49-F238E27FC236}">
-                  <a16:creationId xmlns:a16="http://schemas.microsoft.com/office/drawing/2014/main" id="{2D6AC76A-79B4-E744-A913-02C00AA367B9}"/>
+                  <a16:creationId xmlns:a16="http://schemas.microsoft.com/office/drawing/2014/main" id="{F0FB3699-833D-834F-956F-2094AE832B0D}"/>
                 </a:ext>
               </a:extLst>
             </p:cNvPr>
@@ -3300,7 +3300,7 @@
             <p:cNvPr id="4" name="TextBox 3">
               <a:extLst>
                 <a:ext uri="{FF2B5EF4-FFF2-40B4-BE49-F238E27FC236}">
-                  <a16:creationId xmlns:a16="http://schemas.microsoft.com/office/drawing/2014/main" id="{EBF0FBE6-6BAD-5248-BDFC-E17216AC2F71}"/>
+                  <a16:creationId xmlns:a16="http://schemas.microsoft.com/office/drawing/2014/main" id="{BB208FA2-573D-8045-B025-04245E76A384}"/>
                 </a:ext>
               </a:extLst>
             </p:cNvPr>
@@ -3330,82 +3330,12 @@
             </a:p>
           </p:txBody>
         </p:sp>
-        <p:sp>
-          <p:nvSpPr>
-            <p:cNvPr id="5" name="TextBox 4">
-              <a:extLst>
-                <a:ext uri="{FF2B5EF4-FFF2-40B4-BE49-F238E27FC236}">
-                  <a16:creationId xmlns:a16="http://schemas.microsoft.com/office/drawing/2014/main" id="{230051A2-B1F6-7B47-8281-C5A5E94AD9A4}"/>
-                </a:ext>
-              </a:extLst>
-            </p:cNvPr>
-            <p:cNvSpPr txBox="1"/>
-            <p:nvPr/>
-          </p:nvSpPr>
-          <p:spPr>
-            <a:xfrm>
-              <a:off x="4365546" y="820435"/>
-              <a:ext cx="442750" cy="369332"/>
-            </a:xfrm>
-            <a:prstGeom prst="rect">
-              <a:avLst/>
-            </a:prstGeom>
-            <a:noFill/>
-          </p:spPr>
-          <p:txBody>
-            <a:bodyPr wrap="none" rtlCol="0">
-              <a:spAutoFit/>
-            </a:bodyPr>
-            <a:lstStyle/>
-            <a:p>
-              <a:r>
-                <a:rPr lang="en-US" dirty="0"/>
-                <a:t>SO</a:t>
-              </a:r>
-            </a:p>
-          </p:txBody>
-        </p:sp>
-        <p:sp>
-          <p:nvSpPr>
-            <p:cNvPr id="6" name="TextBox 5">
-              <a:extLst>
-                <a:ext uri="{FF2B5EF4-FFF2-40B4-BE49-F238E27FC236}">
-                  <a16:creationId xmlns:a16="http://schemas.microsoft.com/office/drawing/2014/main" id="{3C50F03E-BE5F-C54B-8E5B-9DB95A5B037E}"/>
-                </a:ext>
-              </a:extLst>
-            </p:cNvPr>
-            <p:cNvSpPr txBox="1"/>
-            <p:nvPr/>
-          </p:nvSpPr>
-          <p:spPr>
-            <a:xfrm>
-              <a:off x="2941040" y="2056845"/>
-              <a:ext cx="479618" cy="369332"/>
-            </a:xfrm>
-            <a:prstGeom prst="rect">
-              <a:avLst/>
-            </a:prstGeom>
-            <a:noFill/>
-          </p:spPr>
-          <p:txBody>
-            <a:bodyPr wrap="none" rtlCol="0">
-              <a:spAutoFit/>
-            </a:bodyPr>
-            <a:lstStyle/>
-            <a:p>
-              <a:r>
-                <a:rPr lang="en-US" dirty="0"/>
-                <a:t>DO</a:t>
-              </a:r>
-            </a:p>
-          </p:txBody>
-        </p:sp>
         <p:cxnSp>
           <p:nvCxnSpPr>
-            <p:cNvPr id="7" name="Straight Connector 6">
-              <a:extLst>
-                <a:ext uri="{FF2B5EF4-FFF2-40B4-BE49-F238E27FC236}">
-                  <a16:creationId xmlns:a16="http://schemas.microsoft.com/office/drawing/2014/main" id="{14308698-B20F-D240-A740-1BEAFF6E32F6}"/>
+            <p:cNvPr id="5" name="Straight Connector 4">
+              <a:extLst>
+                <a:ext uri="{FF2B5EF4-FFF2-40B4-BE49-F238E27FC236}">
+                  <a16:creationId xmlns:a16="http://schemas.microsoft.com/office/drawing/2014/main" id="{8C41B649-66E7-484E-9EC2-8D080BC4C443}"/>
                 </a:ext>
               </a:extLst>
             </p:cNvPr>
@@ -3445,10 +3375,10 @@
         </p:cxnSp>
         <p:cxnSp>
           <p:nvCxnSpPr>
-            <p:cNvPr id="8" name="Straight Connector 7">
-              <a:extLst>
-                <a:ext uri="{FF2B5EF4-FFF2-40B4-BE49-F238E27FC236}">
-                  <a16:creationId xmlns:a16="http://schemas.microsoft.com/office/drawing/2014/main" id="{BF53C282-1BE4-CD4B-9233-D5173A6F301D}"/>
+            <p:cNvPr id="6" name="Straight Connector 5">
+              <a:extLst>
+                <a:ext uri="{FF2B5EF4-FFF2-40B4-BE49-F238E27FC236}">
+                  <a16:creationId xmlns:a16="http://schemas.microsoft.com/office/drawing/2014/main" id="{85FF0D89-AF4D-EE48-BEB6-B9EAFDDD2E01}"/>
                 </a:ext>
               </a:extLst>
             </p:cNvPr>
@@ -3488,10 +3418,10 @@
         </p:cxnSp>
         <p:cxnSp>
           <p:nvCxnSpPr>
-            <p:cNvPr id="9" name="Straight Connector 8">
-              <a:extLst>
-                <a:ext uri="{FF2B5EF4-FFF2-40B4-BE49-F238E27FC236}">
-                  <a16:creationId xmlns:a16="http://schemas.microsoft.com/office/drawing/2014/main" id="{523C93C5-0088-E84D-A993-36C7606D59EB}"/>
+            <p:cNvPr id="7" name="Straight Connector 6">
+              <a:extLst>
+                <a:ext uri="{FF2B5EF4-FFF2-40B4-BE49-F238E27FC236}">
+                  <a16:creationId xmlns:a16="http://schemas.microsoft.com/office/drawing/2014/main" id="{B004209E-98DD-314A-8328-BD90B0AED618}"/>
                 </a:ext>
               </a:extLst>
             </p:cNvPr>
@@ -3531,16 +3461,16 @@
         </p:cxnSp>
         <p:cxnSp>
           <p:nvCxnSpPr>
-            <p:cNvPr id="10" name="Straight Connector 9">
-              <a:extLst>
-                <a:ext uri="{FF2B5EF4-FFF2-40B4-BE49-F238E27FC236}">
-                  <a16:creationId xmlns:a16="http://schemas.microsoft.com/office/drawing/2014/main" id="{E2805850-048F-EC45-B8CE-AA882A3CC1CC}"/>
+            <p:cNvPr id="8" name="Straight Connector 7">
+              <a:extLst>
+                <a:ext uri="{FF2B5EF4-FFF2-40B4-BE49-F238E27FC236}">
+                  <a16:creationId xmlns:a16="http://schemas.microsoft.com/office/drawing/2014/main" id="{37E91BFE-87F2-0840-B940-9E57C9D86580}"/>
                 </a:ext>
               </a:extLst>
             </p:cNvPr>
             <p:cNvCxnSpPr>
               <a:cxnSpLocks/>
-              <a:endCxn id="23" idx="2"/>
+              <a:endCxn id="21" idx="2"/>
             </p:cNvCxnSpPr>
             <p:nvPr/>
           </p:nvCxnSpPr>
@@ -3575,16 +3505,16 @@
         </p:cxnSp>
         <p:cxnSp>
           <p:nvCxnSpPr>
-            <p:cNvPr id="11" name="Straight Connector 10">
-              <a:extLst>
-                <a:ext uri="{FF2B5EF4-FFF2-40B4-BE49-F238E27FC236}">
-                  <a16:creationId xmlns:a16="http://schemas.microsoft.com/office/drawing/2014/main" id="{1E4B7C68-88C7-7F49-95E3-38E72BF7F5C8}"/>
+            <p:cNvPr id="9" name="Straight Connector 8">
+              <a:extLst>
+                <a:ext uri="{FF2B5EF4-FFF2-40B4-BE49-F238E27FC236}">
+                  <a16:creationId xmlns:a16="http://schemas.microsoft.com/office/drawing/2014/main" id="{4C3F5AFD-299A-6F4D-94BF-E16DAF2E15C8}"/>
                 </a:ext>
               </a:extLst>
             </p:cNvPr>
             <p:cNvCxnSpPr>
               <a:cxnSpLocks/>
-              <a:stCxn id="23" idx="0"/>
+              <a:stCxn id="21" idx="0"/>
             </p:cNvCxnSpPr>
             <p:nvPr/>
           </p:nvCxnSpPr>
@@ -3619,17 +3549,17 @@
         </p:cxnSp>
         <p:cxnSp>
           <p:nvCxnSpPr>
-            <p:cNvPr id="12" name="Straight Connector 11">
-              <a:extLst>
-                <a:ext uri="{FF2B5EF4-FFF2-40B4-BE49-F238E27FC236}">
-                  <a16:creationId xmlns:a16="http://schemas.microsoft.com/office/drawing/2014/main" id="{8C2DCF54-BEFC-B240-BB03-88E5B204B634}"/>
+            <p:cNvPr id="10" name="Straight Connector 9">
+              <a:extLst>
+                <a:ext uri="{FF2B5EF4-FFF2-40B4-BE49-F238E27FC236}">
+                  <a16:creationId xmlns:a16="http://schemas.microsoft.com/office/drawing/2014/main" id="{B3AD5317-ED1B-DB47-A767-0508E29C3FB9}"/>
                 </a:ext>
               </a:extLst>
             </p:cNvPr>
             <p:cNvCxnSpPr>
               <a:cxnSpLocks/>
-              <a:stCxn id="21" idx="0"/>
-              <a:endCxn id="22" idx="4"/>
+              <a:stCxn id="19" idx="0"/>
+              <a:endCxn id="20" idx="4"/>
             </p:cNvCxnSpPr>
             <p:nvPr/>
           </p:nvCxnSpPr>
@@ -3664,100 +3594,10 @@
         </p:cxnSp>
         <p:cxnSp>
           <p:nvCxnSpPr>
-            <p:cNvPr id="13" name="Straight Connector 12">
-              <a:extLst>
-                <a:ext uri="{FF2B5EF4-FFF2-40B4-BE49-F238E27FC236}">
-                  <a16:creationId xmlns:a16="http://schemas.microsoft.com/office/drawing/2014/main" id="{BC01C5E7-F0AF-9945-B9D9-14FE70EE4559}"/>
-                </a:ext>
-              </a:extLst>
-            </p:cNvPr>
-            <p:cNvCxnSpPr>
-              <a:cxnSpLocks/>
-              <a:stCxn id="21" idx="2"/>
-              <a:endCxn id="20" idx="6"/>
-            </p:cNvCxnSpPr>
-            <p:nvPr/>
-          </p:nvCxnSpPr>
-          <p:spPr>
-            <a:xfrm flipH="1">
-              <a:off x="5394960" y="1196446"/>
-              <a:ext cx="916286" cy="0"/>
-            </a:xfrm>
-            <a:prstGeom prst="line">
-              <a:avLst/>
-            </a:prstGeom>
-            <a:ln w="114300">
-              <a:solidFill>
-                <a:srgbClr val="0000FF"/>
-              </a:solidFill>
-            </a:ln>
-          </p:spPr>
-          <p:style>
-            <a:lnRef idx="1">
-              <a:schemeClr val="accent1"/>
-            </a:lnRef>
-            <a:fillRef idx="0">
-              <a:schemeClr val="accent1"/>
-            </a:fillRef>
-            <a:effectRef idx="0">
-              <a:schemeClr val="accent1"/>
-            </a:effectRef>
-            <a:fontRef idx="minor">
-              <a:schemeClr val="tx1"/>
-            </a:fontRef>
-          </p:style>
-        </p:cxnSp>
-        <p:cxnSp>
-          <p:nvCxnSpPr>
-            <p:cNvPr id="14" name="Straight Connector 13">
-              <a:extLst>
-                <a:ext uri="{FF2B5EF4-FFF2-40B4-BE49-F238E27FC236}">
-                  <a16:creationId xmlns:a16="http://schemas.microsoft.com/office/drawing/2014/main" id="{2F390DB4-9D1A-904C-9702-1226BC52A71F}"/>
-                </a:ext>
-              </a:extLst>
-            </p:cNvPr>
-            <p:cNvCxnSpPr>
-              <a:cxnSpLocks/>
-              <a:stCxn id="20" idx="2"/>
-              <a:endCxn id="19" idx="6"/>
-            </p:cNvCxnSpPr>
-            <p:nvPr/>
-          </p:nvCxnSpPr>
-          <p:spPr>
-            <a:xfrm flipH="1">
-              <a:off x="4050792" y="1196446"/>
-              <a:ext cx="1069848" cy="0"/>
-            </a:xfrm>
-            <a:prstGeom prst="line">
-              <a:avLst/>
-            </a:prstGeom>
-            <a:ln w="114300">
-              <a:solidFill>
-                <a:srgbClr val="87CEEB"/>
-              </a:solidFill>
-            </a:ln>
-          </p:spPr>
-          <p:style>
-            <a:lnRef idx="1">
-              <a:schemeClr val="accent1"/>
-            </a:lnRef>
-            <a:fillRef idx="0">
-              <a:schemeClr val="accent1"/>
-            </a:fillRef>
-            <a:effectRef idx="0">
-              <a:schemeClr val="accent1"/>
-            </a:effectRef>
-            <a:fontRef idx="minor">
-              <a:schemeClr val="tx1"/>
-            </a:fontRef>
-          </p:style>
-        </p:cxnSp>
-        <p:cxnSp>
-          <p:nvCxnSpPr>
-            <p:cNvPr id="15" name="Straight Connector 14">
-              <a:extLst>
-                <a:ext uri="{FF2B5EF4-FFF2-40B4-BE49-F238E27FC236}">
-                  <a16:creationId xmlns:a16="http://schemas.microsoft.com/office/drawing/2014/main" id="{3F5D13BA-64FB-2F4E-85CF-F986FE0873C3}"/>
+            <p:cNvPr id="11" name="Straight Connector 10">
+              <a:extLst>
+                <a:ext uri="{FF2B5EF4-FFF2-40B4-BE49-F238E27FC236}">
+                  <a16:creationId xmlns:a16="http://schemas.microsoft.com/office/drawing/2014/main" id="{B7595B4D-A73F-C24B-9B24-B2A4E8D61876}"/>
                 </a:ext>
               </a:extLst>
             </p:cNvPr>
@@ -3770,8 +3610,8 @@
           </p:nvCxnSpPr>
           <p:spPr>
             <a:xfrm flipH="1">
-              <a:off x="2578608" y="1196446"/>
-              <a:ext cx="1197864" cy="0"/>
+              <a:off x="5394960" y="1196446"/>
+              <a:ext cx="916286" cy="0"/>
             </a:xfrm>
             <a:prstGeom prst="line">
               <a:avLst/>
@@ -3799,22 +3639,69 @@
         </p:cxnSp>
         <p:cxnSp>
           <p:nvCxnSpPr>
-            <p:cNvPr id="16" name="Straight Connector 15">
-              <a:extLst>
-                <a:ext uri="{FF2B5EF4-FFF2-40B4-BE49-F238E27FC236}">
-                  <a16:creationId xmlns:a16="http://schemas.microsoft.com/office/drawing/2014/main" id="{84B6AC0D-A823-E14F-A236-4F6C80DA3144}"/>
+            <p:cNvPr id="12" name="Straight Connector 11">
+              <a:extLst>
+                <a:ext uri="{FF2B5EF4-FFF2-40B4-BE49-F238E27FC236}">
+                  <a16:creationId xmlns:a16="http://schemas.microsoft.com/office/drawing/2014/main" id="{5E601C14-2F6B-0341-8929-36C6592FDFBE}"/>
                 </a:ext>
               </a:extLst>
             </p:cNvPr>
             <p:cNvCxnSpPr>
               <a:cxnSpLocks/>
+              <a:stCxn id="18" idx="2"/>
+              <a:endCxn id="17" idx="6"/>
             </p:cNvCxnSpPr>
             <p:nvPr/>
           </p:nvCxnSpPr>
           <p:spPr>
             <a:xfrm flipH="1">
-              <a:off x="2444746" y="1334940"/>
-              <a:ext cx="8890" cy="947623"/>
+              <a:off x="4050792" y="1196446"/>
+              <a:ext cx="1069848" cy="0"/>
+            </a:xfrm>
+            <a:prstGeom prst="line">
+              <a:avLst/>
+            </a:prstGeom>
+            <a:ln w="114300">
+              <a:solidFill>
+                <a:srgbClr val="87CEEB"/>
+              </a:solidFill>
+            </a:ln>
+          </p:spPr>
+          <p:style>
+            <a:lnRef idx="1">
+              <a:schemeClr val="accent1"/>
+            </a:lnRef>
+            <a:fillRef idx="0">
+              <a:schemeClr val="accent1"/>
+            </a:fillRef>
+            <a:effectRef idx="0">
+              <a:schemeClr val="accent1"/>
+            </a:effectRef>
+            <a:fontRef idx="minor">
+              <a:schemeClr val="tx1"/>
+            </a:fontRef>
+          </p:style>
+        </p:cxnSp>
+        <p:cxnSp>
+          <p:nvCxnSpPr>
+            <p:cNvPr id="13" name="Straight Connector 12">
+              <a:extLst>
+                <a:ext uri="{FF2B5EF4-FFF2-40B4-BE49-F238E27FC236}">
+                  <a16:creationId xmlns:a16="http://schemas.microsoft.com/office/drawing/2014/main" id="{BCB457B3-1EC9-3040-BF81-C248DC43421F}"/>
+                </a:ext>
+              </a:extLst>
+            </p:cNvPr>
+            <p:cNvCxnSpPr>
+              <a:cxnSpLocks/>
+              <a:stCxn id="17" idx="2"/>
+              <a:endCxn id="16" idx="6"/>
+            </p:cNvCxnSpPr>
+            <p:nvPr/>
+          </p:nvCxnSpPr>
+          <p:spPr>
+            <a:xfrm flipH="1">
+              <a:off x="2578608" y="1196446"/>
+              <a:ext cx="1197864" cy="0"/>
             </a:xfrm>
             <a:prstGeom prst="line">
               <a:avLst/>
@@ -3842,10 +3729,53 @@
         </p:cxnSp>
         <p:cxnSp>
           <p:nvCxnSpPr>
-            <p:cNvPr id="17" name="Straight Connector 16">
-              <a:extLst>
-                <a:ext uri="{FF2B5EF4-FFF2-40B4-BE49-F238E27FC236}">
-                  <a16:creationId xmlns:a16="http://schemas.microsoft.com/office/drawing/2014/main" id="{95F20E9A-D0DF-FD47-BAB6-8D4851F25E76}"/>
+            <p:cNvPr id="14" name="Straight Connector 13">
+              <a:extLst>
+                <a:ext uri="{FF2B5EF4-FFF2-40B4-BE49-F238E27FC236}">
+                  <a16:creationId xmlns:a16="http://schemas.microsoft.com/office/drawing/2014/main" id="{FD2EE51D-BC80-0B48-9CA2-EC119F86DA5A}"/>
+                </a:ext>
+              </a:extLst>
+            </p:cNvPr>
+            <p:cNvCxnSpPr>
+              <a:cxnSpLocks/>
+            </p:cNvCxnSpPr>
+            <p:nvPr/>
+          </p:nvCxnSpPr>
+          <p:spPr>
+            <a:xfrm flipH="1">
+              <a:off x="2444746" y="1334940"/>
+              <a:ext cx="8890" cy="947623"/>
+            </a:xfrm>
+            <a:prstGeom prst="line">
+              <a:avLst/>
+            </a:prstGeom>
+            <a:ln w="114300">
+              <a:solidFill>
+                <a:srgbClr val="0000FF"/>
+              </a:solidFill>
+            </a:ln>
+          </p:spPr>
+          <p:style>
+            <a:lnRef idx="1">
+              <a:schemeClr val="accent1"/>
+            </a:lnRef>
+            <a:fillRef idx="0">
+              <a:schemeClr val="accent1"/>
+            </a:fillRef>
+            <a:effectRef idx="0">
+              <a:schemeClr val="accent1"/>
+            </a:effectRef>
+            <a:fontRef idx="minor">
+              <a:schemeClr val="tx1"/>
+            </a:fontRef>
+          </p:style>
+        </p:cxnSp>
+        <p:cxnSp>
+          <p:nvCxnSpPr>
+            <p:cNvPr id="15" name="Straight Connector 14">
+              <a:extLst>
+                <a:ext uri="{FF2B5EF4-FFF2-40B4-BE49-F238E27FC236}">
+                  <a16:creationId xmlns:a16="http://schemas.microsoft.com/office/drawing/2014/main" id="{70654467-D3E9-0B4E-8B01-335C4951F832}"/>
                 </a:ext>
               </a:extLst>
             </p:cNvPr>
@@ -3885,10 +3815,10 @@
         </p:cxnSp>
         <p:sp>
           <p:nvSpPr>
-            <p:cNvPr id="18" name="Oval 17">
-              <a:extLst>
-                <a:ext uri="{FF2B5EF4-FFF2-40B4-BE49-F238E27FC236}">
-                  <a16:creationId xmlns:a16="http://schemas.microsoft.com/office/drawing/2014/main" id="{6D2BED07-ADAB-4049-9637-6D5C4541F18F}"/>
+            <p:cNvPr id="16" name="Oval 15">
+              <a:extLst>
+                <a:ext uri="{FF2B5EF4-FFF2-40B4-BE49-F238E27FC236}">
+                  <a16:creationId xmlns:a16="http://schemas.microsoft.com/office/drawing/2014/main" id="{BB4B3B90-B779-844F-B936-18F8FEA6A724}"/>
                 </a:ext>
               </a:extLst>
             </p:cNvPr>
@@ -3948,10 +3878,10 @@
         </p:sp>
         <p:sp>
           <p:nvSpPr>
-            <p:cNvPr id="19" name="Oval 18">
-              <a:extLst>
-                <a:ext uri="{FF2B5EF4-FFF2-40B4-BE49-F238E27FC236}">
-                  <a16:creationId xmlns:a16="http://schemas.microsoft.com/office/drawing/2014/main" id="{52C78E8C-D41A-7D4F-BF4E-192E47FD15B2}"/>
+            <p:cNvPr id="17" name="Oval 16">
+              <a:extLst>
+                <a:ext uri="{FF2B5EF4-FFF2-40B4-BE49-F238E27FC236}">
+                  <a16:creationId xmlns:a16="http://schemas.microsoft.com/office/drawing/2014/main" id="{815C2688-B0B5-4044-84D9-A22F40D3BFFD}"/>
                 </a:ext>
               </a:extLst>
             </p:cNvPr>
@@ -4011,10 +3941,10 @@
         </p:sp>
         <p:sp>
           <p:nvSpPr>
-            <p:cNvPr id="20" name="Oval 19">
-              <a:extLst>
-                <a:ext uri="{FF2B5EF4-FFF2-40B4-BE49-F238E27FC236}">
-                  <a16:creationId xmlns:a16="http://schemas.microsoft.com/office/drawing/2014/main" id="{2F7165B2-BA20-B84E-8C2C-880D59A6460B}"/>
+            <p:cNvPr id="18" name="Oval 17">
+              <a:extLst>
+                <a:ext uri="{FF2B5EF4-FFF2-40B4-BE49-F238E27FC236}">
+                  <a16:creationId xmlns:a16="http://schemas.microsoft.com/office/drawing/2014/main" id="{59331533-CB8D-1441-81C0-2A64FEE4CCAC}"/>
                 </a:ext>
               </a:extLst>
             </p:cNvPr>
@@ -4071,10 +4001,10 @@
         </p:sp>
         <p:sp>
           <p:nvSpPr>
-            <p:cNvPr id="21" name="Oval 20">
-              <a:extLst>
-                <a:ext uri="{FF2B5EF4-FFF2-40B4-BE49-F238E27FC236}">
-                  <a16:creationId xmlns:a16="http://schemas.microsoft.com/office/drawing/2014/main" id="{67591AF7-C478-8D44-8B5D-FE463E6CBC05}"/>
+            <p:cNvPr id="19" name="Oval 18">
+              <a:extLst>
+                <a:ext uri="{FF2B5EF4-FFF2-40B4-BE49-F238E27FC236}">
+                  <a16:creationId xmlns:a16="http://schemas.microsoft.com/office/drawing/2014/main" id="{FDE6287E-FBF1-B84F-8DD4-E119E65D3549}"/>
                 </a:ext>
               </a:extLst>
             </p:cNvPr>
@@ -4133,10 +4063,10 @@
         </p:sp>
         <p:sp>
           <p:nvSpPr>
-            <p:cNvPr id="22" name="Oval 21">
-              <a:extLst>
-                <a:ext uri="{FF2B5EF4-FFF2-40B4-BE49-F238E27FC236}">
-                  <a16:creationId xmlns:a16="http://schemas.microsoft.com/office/drawing/2014/main" id="{8FC955C6-A697-F945-B2BC-43B7A4165CC4}"/>
+            <p:cNvPr id="20" name="Oval 19">
+              <a:extLst>
+                <a:ext uri="{FF2B5EF4-FFF2-40B4-BE49-F238E27FC236}">
+                  <a16:creationId xmlns:a16="http://schemas.microsoft.com/office/drawing/2014/main" id="{DAEF9EBB-E71D-924C-BDA1-05803D8F1ABE}"/>
                 </a:ext>
               </a:extLst>
             </p:cNvPr>
@@ -4195,10 +4125,10 @@
         </p:sp>
         <p:sp>
           <p:nvSpPr>
-            <p:cNvPr id="23" name="Oval 22">
-              <a:extLst>
-                <a:ext uri="{FF2B5EF4-FFF2-40B4-BE49-F238E27FC236}">
-                  <a16:creationId xmlns:a16="http://schemas.microsoft.com/office/drawing/2014/main" id="{74D9B72C-3FA3-FA48-8E63-09E3808FCF8C}"/>
+            <p:cNvPr id="21" name="Oval 20">
+              <a:extLst>
+                <a:ext uri="{FF2B5EF4-FFF2-40B4-BE49-F238E27FC236}">
+                  <a16:creationId xmlns:a16="http://schemas.microsoft.com/office/drawing/2014/main" id="{1C7A0A9F-0C81-9044-AAD4-1008CF734DF3}"/>
                 </a:ext>
               </a:extLst>
             </p:cNvPr>
@@ -4258,16 +4188,16 @@
         </p:sp>
         <p:cxnSp>
           <p:nvCxnSpPr>
-            <p:cNvPr id="24" name="Straight Connector 23">
-              <a:extLst>
-                <a:ext uri="{FF2B5EF4-FFF2-40B4-BE49-F238E27FC236}">
-                  <a16:creationId xmlns:a16="http://schemas.microsoft.com/office/drawing/2014/main" id="{AD8E292E-00E9-B848-A728-76C13A923E9F}"/>
+            <p:cNvPr id="22" name="Straight Connector 21">
+              <a:extLst>
+                <a:ext uri="{FF2B5EF4-FFF2-40B4-BE49-F238E27FC236}">
+                  <a16:creationId xmlns:a16="http://schemas.microsoft.com/office/drawing/2014/main" id="{5B431DDF-BA7D-504D-8A45-CAD05FBDA55D}"/>
                 </a:ext>
               </a:extLst>
             </p:cNvPr>
             <p:cNvCxnSpPr>
               <a:cxnSpLocks/>
-              <a:stCxn id="18" idx="2"/>
+              <a:stCxn id="16" idx="2"/>
             </p:cNvCxnSpPr>
             <p:nvPr/>
           </p:nvCxnSpPr>
@@ -4302,10 +4232,10 @@
         </p:cxnSp>
         <p:sp>
           <p:nvSpPr>
-            <p:cNvPr id="25" name="Oval 24">
-              <a:extLst>
-                <a:ext uri="{FF2B5EF4-FFF2-40B4-BE49-F238E27FC236}">
-                  <a16:creationId xmlns:a16="http://schemas.microsoft.com/office/drawing/2014/main" id="{746E2058-177E-0B4C-B669-C739AFEC951A}"/>
+            <p:cNvPr id="23" name="Oval 22">
+              <a:extLst>
+                <a:ext uri="{FF2B5EF4-FFF2-40B4-BE49-F238E27FC236}">
+                  <a16:creationId xmlns:a16="http://schemas.microsoft.com/office/drawing/2014/main" id="{D51225EA-4D8C-E34C-B07A-35510B8A41B5}"/>
                 </a:ext>
               </a:extLst>
             </p:cNvPr>
@@ -4365,16 +4295,16 @@
         </p:sp>
         <p:cxnSp>
           <p:nvCxnSpPr>
-            <p:cNvPr id="26" name="Straight Connector 25">
-              <a:extLst>
-                <a:ext uri="{FF2B5EF4-FFF2-40B4-BE49-F238E27FC236}">
-                  <a16:creationId xmlns:a16="http://schemas.microsoft.com/office/drawing/2014/main" id="{C15D12CA-4EA3-EE42-9FE7-564B9D668BC0}"/>
+            <p:cNvPr id="24" name="Straight Connector 23">
+              <a:extLst>
+                <a:ext uri="{FF2B5EF4-FFF2-40B4-BE49-F238E27FC236}">
+                  <a16:creationId xmlns:a16="http://schemas.microsoft.com/office/drawing/2014/main" id="{8B2E4533-0D12-3644-A2D6-3C786EBD141B}"/>
                 </a:ext>
               </a:extLst>
             </p:cNvPr>
             <p:cNvCxnSpPr>
               <a:cxnSpLocks/>
-              <a:stCxn id="25" idx="6"/>
+              <a:stCxn id="23" idx="6"/>
             </p:cNvCxnSpPr>
             <p:nvPr/>
           </p:nvCxnSpPr>
@@ -4409,10 +4339,10 @@
         </p:cxnSp>
         <p:sp>
           <p:nvSpPr>
-            <p:cNvPr id="27" name="Rectangle 26">
-              <a:extLst>
-                <a:ext uri="{FF2B5EF4-FFF2-40B4-BE49-F238E27FC236}">
-                  <a16:creationId xmlns:a16="http://schemas.microsoft.com/office/drawing/2014/main" id="{873E974F-08EA-2A42-9AB8-0A8697B876B1}"/>
+            <p:cNvPr id="25" name="Rectangle 24">
+              <a:extLst>
+                <a:ext uri="{FF2B5EF4-FFF2-40B4-BE49-F238E27FC236}">
+                  <a16:creationId xmlns:a16="http://schemas.microsoft.com/office/drawing/2014/main" id="{5C533708-46AD-4647-9C40-5B88C501808D}"/>
                 </a:ext>
               </a:extLst>
             </p:cNvPr>
@@ -4472,10 +4402,10 @@
         </p:sp>
         <p:sp>
           <p:nvSpPr>
-            <p:cNvPr id="28" name="Rectangle 27">
-              <a:extLst>
-                <a:ext uri="{FF2B5EF4-FFF2-40B4-BE49-F238E27FC236}">
-                  <a16:creationId xmlns:a16="http://schemas.microsoft.com/office/drawing/2014/main" id="{DAD32D4B-ED41-D54D-BD76-708167C108FA}"/>
+            <p:cNvPr id="26" name="Rectangle 25">
+              <a:extLst>
+                <a:ext uri="{FF2B5EF4-FFF2-40B4-BE49-F238E27FC236}">
+                  <a16:creationId xmlns:a16="http://schemas.microsoft.com/office/drawing/2014/main" id="{4BF7E06F-3291-5B48-BD32-491C146430F8}"/>
                 </a:ext>
               </a:extLst>
             </p:cNvPr>
@@ -4535,10 +4465,10 @@
         </p:sp>
         <p:sp>
           <p:nvSpPr>
-            <p:cNvPr id="29" name="Regular Pentagon 28">
-              <a:extLst>
-                <a:ext uri="{FF2B5EF4-FFF2-40B4-BE49-F238E27FC236}">
-                  <a16:creationId xmlns:a16="http://schemas.microsoft.com/office/drawing/2014/main" id="{F0F72917-A680-AB4A-A840-D463E3A2EEFE}"/>
+            <p:cNvPr id="27" name="Regular Pentagon 26">
+              <a:extLst>
+                <a:ext uri="{FF2B5EF4-FFF2-40B4-BE49-F238E27FC236}">
+                  <a16:creationId xmlns:a16="http://schemas.microsoft.com/office/drawing/2014/main" id="{1BD3C4DD-5F4E-DD4C-A36C-5626F8DACA6E}"/>
                 </a:ext>
               </a:extLst>
             </p:cNvPr>
@@ -4598,10 +4528,10 @@
         </p:sp>
         <p:sp>
           <p:nvSpPr>
-            <p:cNvPr id="30" name="Regular Pentagon 29">
-              <a:extLst>
-                <a:ext uri="{FF2B5EF4-FFF2-40B4-BE49-F238E27FC236}">
-                  <a16:creationId xmlns:a16="http://schemas.microsoft.com/office/drawing/2014/main" id="{A1D6DAEC-8AF0-064F-8D09-4A4F3CBF587C}"/>
+            <p:cNvPr id="28" name="Regular Pentagon 27">
+              <a:extLst>
+                <a:ext uri="{FF2B5EF4-FFF2-40B4-BE49-F238E27FC236}">
+                  <a16:creationId xmlns:a16="http://schemas.microsoft.com/office/drawing/2014/main" id="{4FFEEB09-1D71-2140-8722-AE20E63B4695}"/>
                 </a:ext>
               </a:extLst>
             </p:cNvPr>
@@ -4661,10 +4591,10 @@
         </p:sp>
         <p:sp>
           <p:nvSpPr>
-            <p:cNvPr id="31" name="Regular Pentagon 30">
-              <a:extLst>
-                <a:ext uri="{FF2B5EF4-FFF2-40B4-BE49-F238E27FC236}">
-                  <a16:creationId xmlns:a16="http://schemas.microsoft.com/office/drawing/2014/main" id="{C2267E29-1974-834C-85D6-9BC62A0C35FB}"/>
+            <p:cNvPr id="29" name="Regular Pentagon 28">
+              <a:extLst>
+                <a:ext uri="{FF2B5EF4-FFF2-40B4-BE49-F238E27FC236}">
+                  <a16:creationId xmlns:a16="http://schemas.microsoft.com/office/drawing/2014/main" id="{5C2A08A2-2F7E-684E-A20E-8CCE64CE2731}"/>
                 </a:ext>
               </a:extLst>
             </p:cNvPr>
@@ -4724,10 +4654,10 @@
         </p:sp>
         <p:sp>
           <p:nvSpPr>
-            <p:cNvPr id="32" name="TextBox 31">
-              <a:extLst>
-                <a:ext uri="{FF2B5EF4-FFF2-40B4-BE49-F238E27FC236}">
-                  <a16:creationId xmlns:a16="http://schemas.microsoft.com/office/drawing/2014/main" id="{CCDE3432-E2D6-E14F-9CB8-251B1FB546E9}"/>
+            <p:cNvPr id="30" name="TextBox 29">
+              <a:extLst>
+                <a:ext uri="{FF2B5EF4-FFF2-40B4-BE49-F238E27FC236}">
+                  <a16:creationId xmlns:a16="http://schemas.microsoft.com/office/drawing/2014/main" id="{F7ADE846-93DF-4744-9496-084D8C8F554B}"/>
                 </a:ext>
               </a:extLst>
             </p:cNvPr>
@@ -4759,10 +4689,10 @@
         </p:sp>
         <p:sp>
           <p:nvSpPr>
-            <p:cNvPr id="33" name="TextBox 32">
-              <a:extLst>
-                <a:ext uri="{FF2B5EF4-FFF2-40B4-BE49-F238E27FC236}">
-                  <a16:creationId xmlns:a16="http://schemas.microsoft.com/office/drawing/2014/main" id="{66595D72-5734-1847-B353-746F3BF58431}"/>
+            <p:cNvPr id="31" name="TextBox 30">
+              <a:extLst>
+                <a:ext uri="{FF2B5EF4-FFF2-40B4-BE49-F238E27FC236}">
+                  <a16:creationId xmlns:a16="http://schemas.microsoft.com/office/drawing/2014/main" id="{C6724D8E-E08E-AC45-8F1A-0116A62AA667}"/>
                 </a:ext>
               </a:extLst>
             </p:cNvPr>
@@ -4794,10 +4724,10 @@
         </p:sp>
         <p:sp>
           <p:nvSpPr>
-            <p:cNvPr id="34" name="TextBox 33">
-              <a:extLst>
-                <a:ext uri="{FF2B5EF4-FFF2-40B4-BE49-F238E27FC236}">
-                  <a16:creationId xmlns:a16="http://schemas.microsoft.com/office/drawing/2014/main" id="{7A46C3AB-C49D-B644-8CC6-4A3533CCD739}"/>
+            <p:cNvPr id="32" name="TextBox 31">
+              <a:extLst>
+                <a:ext uri="{FF2B5EF4-FFF2-40B4-BE49-F238E27FC236}">
+                  <a16:creationId xmlns:a16="http://schemas.microsoft.com/office/drawing/2014/main" id="{8A301219-9E1A-F24E-9DA4-5F61C26E1980}"/>
                 </a:ext>
               </a:extLst>
             </p:cNvPr>
@@ -4827,11 +4757,389 @@
             </a:p>
           </p:txBody>
         </p:sp>
+        <p:grpSp>
+          <p:nvGrpSpPr>
+            <p:cNvPr id="33" name="Group 32">
+              <a:extLst>
+                <a:ext uri="{FF2B5EF4-FFF2-40B4-BE49-F238E27FC236}">
+                  <a16:creationId xmlns:a16="http://schemas.microsoft.com/office/drawing/2014/main" id="{F8DD9D80-CCA3-5E47-AB64-05D72FB64898}"/>
+                </a:ext>
+              </a:extLst>
+            </p:cNvPr>
+            <p:cNvGrpSpPr/>
+            <p:nvPr/>
+          </p:nvGrpSpPr>
+          <p:grpSpPr>
+            <a:xfrm>
+              <a:off x="4464725" y="874064"/>
+              <a:ext cx="241981" cy="237744"/>
+              <a:chOff x="4327372" y="765015"/>
+              <a:chExt cx="241981" cy="237744"/>
+            </a:xfrm>
+          </p:grpSpPr>
+          <p:sp>
+            <p:nvSpPr>
+              <p:cNvPr id="39" name="Rectangle 38">
+                <a:extLst>
+                  <a:ext uri="{FF2B5EF4-FFF2-40B4-BE49-F238E27FC236}">
+                    <a16:creationId xmlns:a16="http://schemas.microsoft.com/office/drawing/2014/main" id="{A3422BC4-D388-9E41-A66B-B5DD0DE59E56}"/>
+                  </a:ext>
+                </a:extLst>
+              </p:cNvPr>
+              <p:cNvSpPr>
+                <a:spLocks noChangeAspect="1"/>
+              </p:cNvSpPr>
+              <p:nvPr/>
+            </p:nvSpPr>
+            <p:spPr>
+              <a:xfrm>
+                <a:off x="4327372" y="765015"/>
+                <a:ext cx="118872" cy="237744"/>
+              </a:xfrm>
+              <a:prstGeom prst="rect">
+                <a:avLst/>
+              </a:prstGeom>
+              <a:solidFill>
+                <a:srgbClr val="CD950C"/>
+              </a:solidFill>
+              <a:ln w="19050">
+                <a:solidFill>
+                  <a:schemeClr val="bg1"/>
+                </a:solidFill>
+              </a:ln>
+            </p:spPr>
+            <p:style>
+              <a:lnRef idx="2">
+                <a:schemeClr val="accent1">
+                  <a:shade val="50000"/>
+                </a:schemeClr>
+              </a:lnRef>
+              <a:fillRef idx="1">
+                <a:schemeClr val="accent1"/>
+              </a:fillRef>
+              <a:effectRef idx="0">
+                <a:schemeClr val="accent1"/>
+              </a:effectRef>
+              <a:fontRef idx="minor">
+                <a:schemeClr val="lt1"/>
+              </a:fontRef>
+            </p:style>
+            <p:txBody>
+              <a:bodyPr rtlCol="0" anchor="ctr"/>
+              <a:lstStyle/>
+              <a:p>
+                <a:pPr algn="ctr"/>
+                <a:endParaRPr lang="en-US"/>
+              </a:p>
+            </p:txBody>
+          </p:sp>
+          <p:sp>
+            <p:nvSpPr>
+              <p:cNvPr id="40" name="Rectangle 39">
+                <a:extLst>
+                  <a:ext uri="{FF2B5EF4-FFF2-40B4-BE49-F238E27FC236}">
+                    <a16:creationId xmlns:a16="http://schemas.microsoft.com/office/drawing/2014/main" id="{C3D92AE7-2ECD-8B40-8860-4C34E06DE79C}"/>
+                  </a:ext>
+                </a:extLst>
+              </p:cNvPr>
+              <p:cNvSpPr>
+                <a:spLocks noChangeAspect="1"/>
+              </p:cNvSpPr>
+              <p:nvPr/>
+            </p:nvSpPr>
+            <p:spPr>
+              <a:xfrm>
+                <a:off x="4450481" y="765015"/>
+                <a:ext cx="118872" cy="237744"/>
+              </a:xfrm>
+              <a:prstGeom prst="rect">
+                <a:avLst/>
+              </a:prstGeom>
+              <a:solidFill>
+                <a:srgbClr val="8B6508"/>
+              </a:solidFill>
+              <a:ln w="19050">
+                <a:solidFill>
+                  <a:schemeClr val="bg1"/>
+                </a:solidFill>
+              </a:ln>
+            </p:spPr>
+            <p:style>
+              <a:lnRef idx="2">
+                <a:schemeClr val="accent1">
+                  <a:shade val="50000"/>
+                </a:schemeClr>
+              </a:lnRef>
+              <a:fillRef idx="1">
+                <a:schemeClr val="accent1"/>
+              </a:fillRef>
+              <a:effectRef idx="0">
+                <a:schemeClr val="accent1"/>
+              </a:effectRef>
+              <a:fontRef idx="minor">
+                <a:schemeClr val="lt1"/>
+              </a:fontRef>
+            </p:style>
+            <p:txBody>
+              <a:bodyPr rtlCol="0" anchor="ctr"/>
+              <a:lstStyle/>
+              <a:p>
+                <a:pPr algn="ctr"/>
+                <a:endParaRPr lang="en-US"/>
+              </a:p>
+            </p:txBody>
+          </p:sp>
+        </p:grpSp>
+        <p:grpSp>
+          <p:nvGrpSpPr>
+            <p:cNvPr id="34" name="Group 33">
+              <a:extLst>
+                <a:ext uri="{FF2B5EF4-FFF2-40B4-BE49-F238E27FC236}">
+                  <a16:creationId xmlns:a16="http://schemas.microsoft.com/office/drawing/2014/main" id="{8301735E-4CAA-4A43-872D-306FB797DBA9}"/>
+                </a:ext>
+              </a:extLst>
+            </p:cNvPr>
+            <p:cNvGrpSpPr/>
+            <p:nvPr/>
+          </p:nvGrpSpPr>
+          <p:grpSpPr>
+            <a:xfrm>
+              <a:off x="2938868" y="2111121"/>
+              <a:ext cx="479725" cy="237744"/>
+              <a:chOff x="4405289" y="4438277"/>
+              <a:chExt cx="479725" cy="237744"/>
+            </a:xfrm>
+          </p:grpSpPr>
+          <p:sp>
+            <p:nvSpPr>
+              <p:cNvPr id="35" name="Rectangle 34">
+                <a:extLst>
+                  <a:ext uri="{FF2B5EF4-FFF2-40B4-BE49-F238E27FC236}">
+                    <a16:creationId xmlns:a16="http://schemas.microsoft.com/office/drawing/2014/main" id="{B665D701-FF7E-7844-A325-2E7F20FD833D}"/>
+                  </a:ext>
+                </a:extLst>
+              </p:cNvPr>
+              <p:cNvSpPr>
+                <a:spLocks noChangeAspect="1"/>
+              </p:cNvSpPr>
+              <p:nvPr/>
+            </p:nvSpPr>
+            <p:spPr>
+              <a:xfrm>
+                <a:off x="4405289" y="4438277"/>
+                <a:ext cx="118872" cy="237744"/>
+              </a:xfrm>
+              <a:prstGeom prst="rect">
+                <a:avLst/>
+              </a:prstGeom>
+              <a:solidFill>
+                <a:srgbClr val="CD950C"/>
+              </a:solidFill>
+              <a:ln w="19050">
+                <a:solidFill>
+                  <a:schemeClr val="bg1"/>
+                </a:solidFill>
+              </a:ln>
+            </p:spPr>
+            <p:style>
+              <a:lnRef idx="2">
+                <a:schemeClr val="accent1">
+                  <a:shade val="50000"/>
+                </a:schemeClr>
+              </a:lnRef>
+              <a:fillRef idx="1">
+                <a:schemeClr val="accent1"/>
+              </a:fillRef>
+              <a:effectRef idx="0">
+                <a:schemeClr val="accent1"/>
+              </a:effectRef>
+              <a:fontRef idx="minor">
+                <a:schemeClr val="lt1"/>
+              </a:fontRef>
+            </p:style>
+            <p:txBody>
+              <a:bodyPr rtlCol="0" anchor="ctr"/>
+              <a:lstStyle/>
+              <a:p>
+                <a:pPr algn="ctr"/>
+                <a:endParaRPr lang="en-US"/>
+              </a:p>
+            </p:txBody>
+          </p:sp>
+          <p:sp>
+            <p:nvSpPr>
+              <p:cNvPr id="36" name="Rectangle 35">
+                <a:extLst>
+                  <a:ext uri="{FF2B5EF4-FFF2-40B4-BE49-F238E27FC236}">
+                    <a16:creationId xmlns:a16="http://schemas.microsoft.com/office/drawing/2014/main" id="{1617D350-9CBA-6E4E-9CB1-E467D1468C50}"/>
+                  </a:ext>
+                </a:extLst>
+              </p:cNvPr>
+              <p:cNvSpPr>
+                <a:spLocks noChangeAspect="1"/>
+              </p:cNvSpPr>
+              <p:nvPr/>
+            </p:nvSpPr>
+            <p:spPr>
+              <a:xfrm>
+                <a:off x="4528398" y="4438277"/>
+                <a:ext cx="118872" cy="237744"/>
+              </a:xfrm>
+              <a:prstGeom prst="rect">
+                <a:avLst/>
+              </a:prstGeom>
+              <a:solidFill>
+                <a:srgbClr val="8B6508"/>
+              </a:solidFill>
+              <a:ln w="19050">
+                <a:solidFill>
+                  <a:schemeClr val="bg1"/>
+                </a:solidFill>
+              </a:ln>
+            </p:spPr>
+            <p:style>
+              <a:lnRef idx="2">
+                <a:schemeClr val="accent1">
+                  <a:shade val="50000"/>
+                </a:schemeClr>
+              </a:lnRef>
+              <a:fillRef idx="1">
+                <a:schemeClr val="accent1"/>
+              </a:fillRef>
+              <a:effectRef idx="0">
+                <a:schemeClr val="accent1"/>
+              </a:effectRef>
+              <a:fontRef idx="minor">
+                <a:schemeClr val="lt1"/>
+              </a:fontRef>
+            </p:style>
+            <p:txBody>
+              <a:bodyPr rtlCol="0" anchor="ctr"/>
+              <a:lstStyle/>
+              <a:p>
+                <a:pPr algn="ctr"/>
+                <a:endParaRPr lang="en-US"/>
+              </a:p>
+            </p:txBody>
+          </p:sp>
+          <p:sp>
+            <p:nvSpPr>
+              <p:cNvPr id="37" name="Rectangle 36">
+                <a:extLst>
+                  <a:ext uri="{FF2B5EF4-FFF2-40B4-BE49-F238E27FC236}">
+                    <a16:creationId xmlns:a16="http://schemas.microsoft.com/office/drawing/2014/main" id="{D99C12B8-E9D4-8545-BF7D-731CB00E89CD}"/>
+                  </a:ext>
+                </a:extLst>
+              </p:cNvPr>
+              <p:cNvSpPr>
+                <a:spLocks noChangeAspect="1"/>
+              </p:cNvSpPr>
+              <p:nvPr/>
+            </p:nvSpPr>
+            <p:spPr>
+              <a:xfrm>
+                <a:off x="4647270" y="4438277"/>
+                <a:ext cx="118872" cy="237744"/>
+              </a:xfrm>
+              <a:prstGeom prst="rect">
+                <a:avLst/>
+              </a:prstGeom>
+              <a:solidFill>
+                <a:srgbClr val="CD950C"/>
+              </a:solidFill>
+              <a:ln w="19050">
+                <a:solidFill>
+                  <a:schemeClr val="bg1"/>
+                </a:solidFill>
+              </a:ln>
+            </p:spPr>
+            <p:style>
+              <a:lnRef idx="2">
+                <a:schemeClr val="accent1">
+                  <a:shade val="50000"/>
+                </a:schemeClr>
+              </a:lnRef>
+              <a:fillRef idx="1">
+                <a:schemeClr val="accent1"/>
+              </a:fillRef>
+              <a:effectRef idx="0">
+                <a:schemeClr val="accent1"/>
+              </a:effectRef>
+              <a:fontRef idx="minor">
+                <a:schemeClr val="lt1"/>
+              </a:fontRef>
+            </p:style>
+            <p:txBody>
+              <a:bodyPr rtlCol="0" anchor="ctr"/>
+              <a:lstStyle/>
+              <a:p>
+                <a:pPr algn="ctr"/>
+                <a:endParaRPr lang="en-US"/>
+              </a:p>
+            </p:txBody>
+          </p:sp>
+          <p:sp>
+            <p:nvSpPr>
+              <p:cNvPr id="38" name="Rectangle 37">
+                <a:extLst>
+                  <a:ext uri="{FF2B5EF4-FFF2-40B4-BE49-F238E27FC236}">
+                    <a16:creationId xmlns:a16="http://schemas.microsoft.com/office/drawing/2014/main" id="{ED615F48-B98C-414B-B6BA-A1E1F2A11E14}"/>
+                  </a:ext>
+                </a:extLst>
+              </p:cNvPr>
+              <p:cNvSpPr>
+                <a:spLocks noChangeAspect="1"/>
+              </p:cNvSpPr>
+              <p:nvPr/>
+            </p:nvSpPr>
+            <p:spPr>
+              <a:xfrm>
+                <a:off x="4766142" y="4438277"/>
+                <a:ext cx="118872" cy="237744"/>
+              </a:xfrm>
+              <a:prstGeom prst="rect">
+                <a:avLst/>
+              </a:prstGeom>
+              <a:solidFill>
+                <a:srgbClr val="8B6508"/>
+              </a:solidFill>
+              <a:ln w="19050">
+                <a:solidFill>
+                  <a:schemeClr val="bg1"/>
+                </a:solidFill>
+              </a:ln>
+            </p:spPr>
+            <p:style>
+              <a:lnRef idx="2">
+                <a:schemeClr val="accent1">
+                  <a:shade val="50000"/>
+                </a:schemeClr>
+              </a:lnRef>
+              <a:fillRef idx="1">
+                <a:schemeClr val="accent1"/>
+              </a:fillRef>
+              <a:effectRef idx="0">
+                <a:schemeClr val="accent1"/>
+              </a:effectRef>
+              <a:fontRef idx="minor">
+                <a:schemeClr val="lt1"/>
+              </a:fontRef>
+            </p:style>
+            <p:txBody>
+              <a:bodyPr rtlCol="0" anchor="ctr"/>
+              <a:lstStyle/>
+              <a:p>
+                <a:pPr algn="ctr"/>
+                <a:endParaRPr lang="en-US"/>
+              </a:p>
+            </p:txBody>
+          </p:sp>
+        </p:grpSp>
       </p:grpSp>
     </p:spTree>
     <p:extLst>
       <p:ext uri="{BB962C8B-B14F-4D97-AF65-F5344CB8AC3E}">
-        <p14:creationId xmlns:p14="http://schemas.microsoft.com/office/powerpoint/2010/main" val="757050623"/>
+        <p14:creationId xmlns:p14="http://schemas.microsoft.com/office/powerpoint/2010/main" val="3371648606"/>
       </p:ext>
     </p:extLst>
   </p:cSld>
@@ -7548,1444 +7856,12 @@
           <a:chExt cx="0" cy="0"/>
         </a:xfrm>
       </p:grpSpPr>
-      <p:grpSp>
-        <p:nvGrpSpPr>
-          <p:cNvPr id="2" name="Group 1">
+      <p:sp>
+        <p:nvSpPr>
+          <p:cNvPr id="2" name="TextBox 1">
             <a:extLst>
               <a:ext uri="{FF2B5EF4-FFF2-40B4-BE49-F238E27FC236}">
-                <a16:creationId xmlns:a16="http://schemas.microsoft.com/office/drawing/2014/main" id="{960B64FD-3909-D345-899E-932C038D1883}"/>
-              </a:ext>
-            </a:extLst>
-          </p:cNvPr>
-          <p:cNvGrpSpPr/>
-          <p:nvPr/>
-        </p:nvGrpSpPr>
-        <p:grpSpPr>
-          <a:xfrm>
-            <a:off x="90701" y="76686"/>
-            <a:ext cx="6551713" cy="2483634"/>
-            <a:chOff x="90701" y="76686"/>
-            <a:chExt cx="6551713" cy="2483634"/>
-          </a:xfrm>
-        </p:grpSpPr>
-        <p:sp>
-          <p:nvSpPr>
-            <p:cNvPr id="3" name="Oval 2">
-              <a:extLst>
-                <a:ext uri="{FF2B5EF4-FFF2-40B4-BE49-F238E27FC236}">
-                  <a16:creationId xmlns:a16="http://schemas.microsoft.com/office/drawing/2014/main" id="{ABD5BD1D-E314-8446-9D76-0F85E13A9171}"/>
-                </a:ext>
-              </a:extLst>
-            </p:cNvPr>
-            <p:cNvSpPr>
-              <a:spLocks noChangeAspect="1"/>
-            </p:cNvSpPr>
-            <p:nvPr/>
-          </p:nvSpPr>
-          <p:spPr>
-            <a:xfrm>
-              <a:off x="1234212" y="2282563"/>
-              <a:ext cx="274320" cy="274320"/>
-            </a:xfrm>
-            <a:prstGeom prst="ellipse">
-              <a:avLst/>
-            </a:prstGeom>
-            <a:noFill/>
-            <a:ln w="19050">
-              <a:solidFill>
-                <a:schemeClr val="tx1"/>
-              </a:solidFill>
-            </a:ln>
-          </p:spPr>
-          <p:style>
-            <a:lnRef idx="2">
-              <a:schemeClr val="accent1">
-                <a:shade val="50000"/>
-              </a:schemeClr>
-            </a:lnRef>
-            <a:fillRef idx="1">
-              <a:schemeClr val="accent1"/>
-            </a:fillRef>
-            <a:effectRef idx="0">
-              <a:schemeClr val="accent1"/>
-            </a:effectRef>
-            <a:fontRef idx="minor">
-              <a:schemeClr val="lt1"/>
-            </a:fontRef>
-          </p:style>
-          <p:txBody>
-            <a:bodyPr rtlCol="0" anchor="ctr"/>
-            <a:lstStyle/>
-            <a:p>
-              <a:pPr algn="ctr"/>
-              <a:r>
-                <a:rPr lang="en-US" sz="1600" dirty="0">
-                  <a:solidFill>
-                    <a:schemeClr val="tx1"/>
-                  </a:solidFill>
-                </a:rPr>
-                <a:t>2</a:t>
-              </a:r>
-            </a:p>
-          </p:txBody>
-        </p:sp>
-        <p:sp>
-          <p:nvSpPr>
-            <p:cNvPr id="4" name="Oval 3">
-              <a:extLst>
-                <a:ext uri="{FF2B5EF4-FFF2-40B4-BE49-F238E27FC236}">
-                  <a16:creationId xmlns:a16="http://schemas.microsoft.com/office/drawing/2014/main" id="{6F444966-CE09-F849-BBFE-BE19822E913D}"/>
-                </a:ext>
-              </a:extLst>
-            </p:cNvPr>
-            <p:cNvSpPr>
-              <a:spLocks noChangeAspect="1"/>
-            </p:cNvSpPr>
-            <p:nvPr/>
-          </p:nvSpPr>
-          <p:spPr>
-            <a:xfrm>
-              <a:off x="2307586" y="2282563"/>
-              <a:ext cx="274320" cy="274320"/>
-            </a:xfrm>
-            <a:prstGeom prst="ellipse">
-              <a:avLst/>
-            </a:prstGeom>
-            <a:noFill/>
-            <a:ln w="19050">
-              <a:solidFill>
-                <a:schemeClr val="tx1"/>
-              </a:solidFill>
-            </a:ln>
-          </p:spPr>
-          <p:style>
-            <a:lnRef idx="2">
-              <a:schemeClr val="accent1">
-                <a:shade val="50000"/>
-              </a:schemeClr>
-            </a:lnRef>
-            <a:fillRef idx="1">
-              <a:schemeClr val="accent1"/>
-            </a:fillRef>
-            <a:effectRef idx="0">
-              <a:schemeClr val="accent1"/>
-            </a:effectRef>
-            <a:fontRef idx="minor">
-              <a:schemeClr val="lt1"/>
-            </a:fontRef>
-          </p:style>
-          <p:txBody>
-            <a:bodyPr rtlCol="0" anchor="ctr"/>
-            <a:lstStyle/>
-            <a:p>
-              <a:pPr algn="ctr"/>
-              <a:r>
-                <a:rPr lang="en-US" sz="1600" dirty="0">
-                  <a:solidFill>
-                    <a:schemeClr val="tx1"/>
-                  </a:solidFill>
-                </a:rPr>
-                <a:t>3</a:t>
-              </a:r>
-            </a:p>
-          </p:txBody>
-        </p:sp>
-        <p:cxnSp>
-          <p:nvCxnSpPr>
-            <p:cNvPr id="5" name="Straight Connector 4">
-              <a:extLst>
-                <a:ext uri="{FF2B5EF4-FFF2-40B4-BE49-F238E27FC236}">
-                  <a16:creationId xmlns:a16="http://schemas.microsoft.com/office/drawing/2014/main" id="{B82BF208-40BC-B346-A126-07D58EE88B95}"/>
-                </a:ext>
-              </a:extLst>
-            </p:cNvPr>
-            <p:cNvCxnSpPr>
-              <a:cxnSpLocks/>
-              <a:stCxn id="3" idx="6"/>
-              <a:endCxn id="4" idx="2"/>
-            </p:cNvCxnSpPr>
-            <p:nvPr/>
-          </p:nvCxnSpPr>
-          <p:spPr>
-            <a:xfrm>
-              <a:off x="1508532" y="2419723"/>
-              <a:ext cx="799054" cy="0"/>
-            </a:xfrm>
-            <a:prstGeom prst="line">
-              <a:avLst/>
-            </a:prstGeom>
-            <a:ln w="38100">
-              <a:solidFill>
-                <a:schemeClr val="tx1"/>
-              </a:solidFill>
-            </a:ln>
-          </p:spPr>
-          <p:style>
-            <a:lnRef idx="1">
-              <a:schemeClr val="accent1"/>
-            </a:lnRef>
-            <a:fillRef idx="0">
-              <a:schemeClr val="accent1"/>
-            </a:fillRef>
-            <a:effectRef idx="0">
-              <a:schemeClr val="accent1"/>
-            </a:effectRef>
-            <a:fontRef idx="minor">
-              <a:schemeClr val="tx1"/>
-            </a:fontRef>
-          </p:style>
-        </p:cxnSp>
-        <p:cxnSp>
-          <p:nvCxnSpPr>
-            <p:cNvPr id="6" name="Straight Connector 5">
-              <a:extLst>
-                <a:ext uri="{FF2B5EF4-FFF2-40B4-BE49-F238E27FC236}">
-                  <a16:creationId xmlns:a16="http://schemas.microsoft.com/office/drawing/2014/main" id="{AEBC1F79-8391-AB4F-A3C0-826F413B247E}"/>
-                </a:ext>
-              </a:extLst>
-            </p:cNvPr>
-            <p:cNvCxnSpPr>
-              <a:cxnSpLocks/>
-              <a:stCxn id="4" idx="6"/>
-              <a:endCxn id="16" idx="2"/>
-            </p:cNvCxnSpPr>
-            <p:nvPr/>
-          </p:nvCxnSpPr>
-          <p:spPr>
-            <a:xfrm>
-              <a:off x="2581906" y="2419723"/>
-              <a:ext cx="1197886" cy="0"/>
-            </a:xfrm>
-            <a:prstGeom prst="line">
-              <a:avLst/>
-            </a:prstGeom>
-            <a:ln w="38100">
-              <a:solidFill>
-                <a:schemeClr val="tx1"/>
-              </a:solidFill>
-            </a:ln>
-          </p:spPr>
-          <p:style>
-            <a:lnRef idx="1">
-              <a:schemeClr val="accent1"/>
-            </a:lnRef>
-            <a:fillRef idx="0">
-              <a:schemeClr val="accent1"/>
-            </a:fillRef>
-            <a:effectRef idx="0">
-              <a:schemeClr val="accent1"/>
-            </a:effectRef>
-            <a:fontRef idx="minor">
-              <a:schemeClr val="tx1"/>
-            </a:fontRef>
-          </p:style>
-        </p:cxnSp>
-        <p:cxnSp>
-          <p:nvCxnSpPr>
-            <p:cNvPr id="7" name="Straight Connector 6">
-              <a:extLst>
-                <a:ext uri="{FF2B5EF4-FFF2-40B4-BE49-F238E27FC236}">
-                  <a16:creationId xmlns:a16="http://schemas.microsoft.com/office/drawing/2014/main" id="{9FDF1DFB-3FB0-7D44-BA47-9650201D2E6C}"/>
-                </a:ext>
-              </a:extLst>
-            </p:cNvPr>
-            <p:cNvCxnSpPr>
-              <a:cxnSpLocks/>
-              <a:stCxn id="16" idx="6"/>
-              <a:endCxn id="18" idx="2"/>
-            </p:cNvCxnSpPr>
-            <p:nvPr/>
-          </p:nvCxnSpPr>
-          <p:spPr>
-            <a:xfrm>
-              <a:off x="4054112" y="2419723"/>
-              <a:ext cx="1069914" cy="0"/>
-            </a:xfrm>
-            <a:prstGeom prst="line">
-              <a:avLst/>
-            </a:prstGeom>
-            <a:ln w="38100">
-              <a:solidFill>
-                <a:schemeClr val="tx1"/>
-              </a:solidFill>
-            </a:ln>
-          </p:spPr>
-          <p:style>
-            <a:lnRef idx="1">
-              <a:schemeClr val="accent1"/>
-            </a:lnRef>
-            <a:fillRef idx="0">
-              <a:schemeClr val="accent1"/>
-            </a:fillRef>
-            <a:effectRef idx="0">
-              <a:schemeClr val="accent1"/>
-            </a:effectRef>
-            <a:fontRef idx="minor">
-              <a:schemeClr val="tx1"/>
-            </a:fontRef>
-          </p:style>
-        </p:cxnSp>
-        <p:cxnSp>
-          <p:nvCxnSpPr>
-            <p:cNvPr id="8" name="Straight Connector 7">
-              <a:extLst>
-                <a:ext uri="{FF2B5EF4-FFF2-40B4-BE49-F238E27FC236}">
-                  <a16:creationId xmlns:a16="http://schemas.microsoft.com/office/drawing/2014/main" id="{12A1B7CC-3BE3-A343-8790-913ECA8BCC21}"/>
-                </a:ext>
-              </a:extLst>
-            </p:cNvPr>
-            <p:cNvCxnSpPr>
-              <a:cxnSpLocks/>
-              <a:stCxn id="18" idx="6"/>
-              <a:endCxn id="23" idx="2"/>
-            </p:cNvCxnSpPr>
-            <p:nvPr/>
-          </p:nvCxnSpPr>
-          <p:spPr>
-            <a:xfrm>
-              <a:off x="5398346" y="2419723"/>
-              <a:ext cx="910380" cy="0"/>
-            </a:xfrm>
-            <a:prstGeom prst="line">
-              <a:avLst/>
-            </a:prstGeom>
-            <a:ln w="38100">
-              <a:solidFill>
-                <a:schemeClr val="tx1"/>
-              </a:solidFill>
-            </a:ln>
-          </p:spPr>
-          <p:style>
-            <a:lnRef idx="1">
-              <a:schemeClr val="accent1"/>
-            </a:lnRef>
-            <a:fillRef idx="0">
-              <a:schemeClr val="accent1"/>
-            </a:fillRef>
-            <a:effectRef idx="0">
-              <a:schemeClr val="accent1"/>
-            </a:effectRef>
-            <a:fontRef idx="minor">
-              <a:schemeClr val="tx1"/>
-            </a:fontRef>
-          </p:style>
-        </p:cxnSp>
-        <p:cxnSp>
-          <p:nvCxnSpPr>
-            <p:cNvPr id="9" name="Straight Connector 8">
-              <a:extLst>
-                <a:ext uri="{FF2B5EF4-FFF2-40B4-BE49-F238E27FC236}">
-                  <a16:creationId xmlns:a16="http://schemas.microsoft.com/office/drawing/2014/main" id="{7E4392CC-9390-8944-9356-B1D498B3A4CC}"/>
-                </a:ext>
-              </a:extLst>
-            </p:cNvPr>
-            <p:cNvCxnSpPr>
-              <a:cxnSpLocks/>
-              <a:stCxn id="23" idx="0"/>
-            </p:cNvCxnSpPr>
-            <p:nvPr/>
-          </p:nvCxnSpPr>
-          <p:spPr>
-            <a:xfrm flipV="1">
-              <a:off x="6445886" y="1334941"/>
-              <a:ext cx="13844" cy="947622"/>
-            </a:xfrm>
-            <a:prstGeom prst="line">
-              <a:avLst/>
-            </a:prstGeom>
-            <a:ln w="38100">
-              <a:solidFill>
-                <a:schemeClr val="tx1"/>
-              </a:solidFill>
-            </a:ln>
-          </p:spPr>
-          <p:style>
-            <a:lnRef idx="1">
-              <a:schemeClr val="accent1"/>
-            </a:lnRef>
-            <a:fillRef idx="0">
-              <a:schemeClr val="accent1"/>
-            </a:fillRef>
-            <a:effectRef idx="0">
-              <a:schemeClr val="accent1"/>
-            </a:effectRef>
-            <a:fontRef idx="minor">
-              <a:schemeClr val="tx1"/>
-            </a:fontRef>
-          </p:style>
-        </p:cxnSp>
-        <p:cxnSp>
-          <p:nvCxnSpPr>
-            <p:cNvPr id="10" name="Straight Connector 9">
-              <a:extLst>
-                <a:ext uri="{FF2B5EF4-FFF2-40B4-BE49-F238E27FC236}">
-                  <a16:creationId xmlns:a16="http://schemas.microsoft.com/office/drawing/2014/main" id="{6D901D11-462E-FC40-8D20-5B2E0EF1DEC3}"/>
-                </a:ext>
-              </a:extLst>
-            </p:cNvPr>
-            <p:cNvCxnSpPr>
-              <a:cxnSpLocks/>
-              <a:stCxn id="21" idx="0"/>
-              <a:endCxn id="22" idx="4"/>
-            </p:cNvCxnSpPr>
-            <p:nvPr/>
-          </p:nvCxnSpPr>
-          <p:spPr>
-            <a:xfrm flipH="1" flipV="1">
-              <a:off x="6446520" y="383123"/>
-              <a:ext cx="1886" cy="676163"/>
-            </a:xfrm>
-            <a:prstGeom prst="line">
-              <a:avLst/>
-            </a:prstGeom>
-            <a:ln w="38100">
-              <a:solidFill>
-                <a:schemeClr val="tx1"/>
-              </a:solidFill>
-            </a:ln>
-          </p:spPr>
-          <p:style>
-            <a:lnRef idx="1">
-              <a:schemeClr val="accent1"/>
-            </a:lnRef>
-            <a:fillRef idx="0">
-              <a:schemeClr val="accent1"/>
-            </a:fillRef>
-            <a:effectRef idx="0">
-              <a:schemeClr val="accent1"/>
-            </a:effectRef>
-            <a:fontRef idx="minor">
-              <a:schemeClr val="tx1"/>
-            </a:fontRef>
-          </p:style>
-        </p:cxnSp>
-        <p:cxnSp>
-          <p:nvCxnSpPr>
-            <p:cNvPr id="11" name="Straight Connector 10">
-              <a:extLst>
-                <a:ext uri="{FF2B5EF4-FFF2-40B4-BE49-F238E27FC236}">
-                  <a16:creationId xmlns:a16="http://schemas.microsoft.com/office/drawing/2014/main" id="{69613ABC-404A-F241-AAE0-713316CD61BE}"/>
-                </a:ext>
-              </a:extLst>
-            </p:cNvPr>
-            <p:cNvCxnSpPr>
-              <a:cxnSpLocks/>
-              <a:stCxn id="21" idx="2"/>
-              <a:endCxn id="20" idx="6"/>
-            </p:cNvCxnSpPr>
-            <p:nvPr/>
-          </p:nvCxnSpPr>
-          <p:spPr>
-            <a:xfrm flipH="1">
-              <a:off x="5394960" y="1196446"/>
-              <a:ext cx="916286" cy="0"/>
-            </a:xfrm>
-            <a:prstGeom prst="line">
-              <a:avLst/>
-            </a:prstGeom>
-            <a:ln w="38100">
-              <a:solidFill>
-                <a:schemeClr val="tx1"/>
-              </a:solidFill>
-            </a:ln>
-          </p:spPr>
-          <p:style>
-            <a:lnRef idx="1">
-              <a:schemeClr val="accent1"/>
-            </a:lnRef>
-            <a:fillRef idx="0">
-              <a:schemeClr val="accent1"/>
-            </a:fillRef>
-            <a:effectRef idx="0">
-              <a:schemeClr val="accent1"/>
-            </a:effectRef>
-            <a:fontRef idx="minor">
-              <a:schemeClr val="tx1"/>
-            </a:fontRef>
-          </p:style>
-        </p:cxnSp>
-        <p:cxnSp>
-          <p:nvCxnSpPr>
-            <p:cNvPr id="12" name="Straight Connector 11">
-              <a:extLst>
-                <a:ext uri="{FF2B5EF4-FFF2-40B4-BE49-F238E27FC236}">
-                  <a16:creationId xmlns:a16="http://schemas.microsoft.com/office/drawing/2014/main" id="{CFC8707D-3291-934E-AF38-11A864FD8648}"/>
-                </a:ext>
-              </a:extLst>
-            </p:cNvPr>
-            <p:cNvCxnSpPr>
-              <a:cxnSpLocks/>
-              <a:stCxn id="20" idx="2"/>
-              <a:endCxn id="19" idx="6"/>
-            </p:cNvCxnSpPr>
-            <p:nvPr/>
-          </p:nvCxnSpPr>
-          <p:spPr>
-            <a:xfrm flipH="1">
-              <a:off x="4050792" y="1196446"/>
-              <a:ext cx="1069848" cy="0"/>
-            </a:xfrm>
-            <a:prstGeom prst="line">
-              <a:avLst/>
-            </a:prstGeom>
-            <a:ln w="38100">
-              <a:solidFill>
-                <a:schemeClr val="tx1"/>
-              </a:solidFill>
-            </a:ln>
-          </p:spPr>
-          <p:style>
-            <a:lnRef idx="1">
-              <a:schemeClr val="accent1"/>
-            </a:lnRef>
-            <a:fillRef idx="0">
-              <a:schemeClr val="accent1"/>
-            </a:fillRef>
-            <a:effectRef idx="0">
-              <a:schemeClr val="accent1"/>
-            </a:effectRef>
-            <a:fontRef idx="minor">
-              <a:schemeClr val="tx1"/>
-            </a:fontRef>
-          </p:style>
-        </p:cxnSp>
-        <p:cxnSp>
-          <p:nvCxnSpPr>
-            <p:cNvPr id="13" name="Straight Connector 12">
-              <a:extLst>
-                <a:ext uri="{FF2B5EF4-FFF2-40B4-BE49-F238E27FC236}">
-                  <a16:creationId xmlns:a16="http://schemas.microsoft.com/office/drawing/2014/main" id="{BD54725A-28D7-CD4E-BEF0-7F769B0F59F0}"/>
-                </a:ext>
-              </a:extLst>
-            </p:cNvPr>
-            <p:cNvCxnSpPr>
-              <a:cxnSpLocks/>
-              <a:stCxn id="19" idx="2"/>
-              <a:endCxn id="17" idx="6"/>
-            </p:cNvCxnSpPr>
-            <p:nvPr/>
-          </p:nvCxnSpPr>
-          <p:spPr>
-            <a:xfrm flipH="1">
-              <a:off x="2578608" y="1196446"/>
-              <a:ext cx="1197864" cy="0"/>
-            </a:xfrm>
-            <a:prstGeom prst="line">
-              <a:avLst/>
-            </a:prstGeom>
-            <a:ln w="38100">
-              <a:solidFill>
-                <a:schemeClr val="tx1"/>
-              </a:solidFill>
-            </a:ln>
-          </p:spPr>
-          <p:style>
-            <a:lnRef idx="1">
-              <a:schemeClr val="accent1"/>
-            </a:lnRef>
-            <a:fillRef idx="0">
-              <a:schemeClr val="accent1"/>
-            </a:fillRef>
-            <a:effectRef idx="0">
-              <a:schemeClr val="accent1"/>
-            </a:effectRef>
-            <a:fontRef idx="minor">
-              <a:schemeClr val="tx1"/>
-            </a:fontRef>
-          </p:style>
-        </p:cxnSp>
-        <p:cxnSp>
-          <p:nvCxnSpPr>
-            <p:cNvPr id="14" name="Straight Connector 13">
-              <a:extLst>
-                <a:ext uri="{FF2B5EF4-FFF2-40B4-BE49-F238E27FC236}">
-                  <a16:creationId xmlns:a16="http://schemas.microsoft.com/office/drawing/2014/main" id="{6B14B342-966E-CB49-A883-CC24A62CA476}"/>
-                </a:ext>
-              </a:extLst>
-            </p:cNvPr>
-            <p:cNvCxnSpPr>
-              <a:cxnSpLocks/>
-              <a:endCxn id="4" idx="0"/>
-            </p:cNvCxnSpPr>
-            <p:nvPr/>
-          </p:nvCxnSpPr>
-          <p:spPr>
-            <a:xfrm flipH="1">
-              <a:off x="2444746" y="1334940"/>
-              <a:ext cx="8890" cy="947623"/>
-            </a:xfrm>
-            <a:prstGeom prst="line">
-              <a:avLst/>
-            </a:prstGeom>
-            <a:ln w="38100">
-              <a:solidFill>
-                <a:schemeClr val="tx1"/>
-              </a:solidFill>
-            </a:ln>
-          </p:spPr>
-          <p:style>
-            <a:lnRef idx="1">
-              <a:schemeClr val="accent1"/>
-            </a:lnRef>
-            <a:fillRef idx="0">
-              <a:schemeClr val="accent1"/>
-            </a:fillRef>
-            <a:effectRef idx="0">
-              <a:schemeClr val="accent1"/>
-            </a:effectRef>
-            <a:fontRef idx="minor">
-              <a:schemeClr val="tx1"/>
-            </a:fontRef>
-          </p:style>
-        </p:cxnSp>
-        <p:cxnSp>
-          <p:nvCxnSpPr>
-            <p:cNvPr id="15" name="Straight Connector 14">
-              <a:extLst>
-                <a:ext uri="{FF2B5EF4-FFF2-40B4-BE49-F238E27FC236}">
-                  <a16:creationId xmlns:a16="http://schemas.microsoft.com/office/drawing/2014/main" id="{27DEAC66-93E2-4342-A40F-922835FDCE0C}"/>
-                </a:ext>
-              </a:extLst>
-            </p:cNvPr>
-            <p:cNvCxnSpPr>
-              <a:cxnSpLocks/>
-            </p:cNvCxnSpPr>
-            <p:nvPr/>
-          </p:nvCxnSpPr>
-          <p:spPr>
-            <a:xfrm>
-              <a:off x="5261186" y="1334940"/>
-              <a:ext cx="0" cy="938733"/>
-            </a:xfrm>
-            <a:prstGeom prst="line">
-              <a:avLst/>
-            </a:prstGeom>
-            <a:ln w="38100">
-              <a:solidFill>
-                <a:schemeClr val="tx1"/>
-              </a:solidFill>
-            </a:ln>
-          </p:spPr>
-          <p:style>
-            <a:lnRef idx="1">
-              <a:schemeClr val="accent1"/>
-            </a:lnRef>
-            <a:fillRef idx="0">
-              <a:schemeClr val="accent1"/>
-            </a:fillRef>
-            <a:effectRef idx="0">
-              <a:schemeClr val="accent1"/>
-            </a:effectRef>
-            <a:fontRef idx="minor">
-              <a:schemeClr val="tx1"/>
-            </a:fontRef>
-          </p:style>
-        </p:cxnSp>
-        <p:sp>
-          <p:nvSpPr>
-            <p:cNvPr id="16" name="Oval 15">
-              <a:extLst>
-                <a:ext uri="{FF2B5EF4-FFF2-40B4-BE49-F238E27FC236}">
-                  <a16:creationId xmlns:a16="http://schemas.microsoft.com/office/drawing/2014/main" id="{5AAD2820-F921-8546-9C47-DE5B743EFC6E}"/>
-                </a:ext>
-              </a:extLst>
-            </p:cNvPr>
-            <p:cNvSpPr>
-              <a:spLocks noChangeAspect="1"/>
-            </p:cNvSpPr>
-            <p:nvPr/>
-          </p:nvSpPr>
-          <p:spPr>
-            <a:xfrm>
-              <a:off x="3779792" y="2282563"/>
-              <a:ext cx="274320" cy="274320"/>
-            </a:xfrm>
-            <a:prstGeom prst="ellipse">
-              <a:avLst/>
-            </a:prstGeom>
-            <a:noFill/>
-            <a:ln w="19050">
-              <a:solidFill>
-                <a:schemeClr val="tx1"/>
-              </a:solidFill>
-            </a:ln>
-          </p:spPr>
-          <p:style>
-            <a:lnRef idx="2">
-              <a:schemeClr val="accent1">
-                <a:shade val="50000"/>
-              </a:schemeClr>
-            </a:lnRef>
-            <a:fillRef idx="1">
-              <a:schemeClr val="accent1"/>
-            </a:fillRef>
-            <a:effectRef idx="0">
-              <a:schemeClr val="accent1"/>
-            </a:effectRef>
-            <a:fontRef idx="minor">
-              <a:schemeClr val="lt1"/>
-            </a:fontRef>
-          </p:style>
-          <p:txBody>
-            <a:bodyPr rtlCol="0" anchor="ctr"/>
-            <a:lstStyle/>
-            <a:p>
-              <a:pPr algn="ctr"/>
-              <a:r>
-                <a:rPr lang="en-US" sz="1600" dirty="0">
-                  <a:solidFill>
-                    <a:schemeClr val="tx1"/>
-                  </a:solidFill>
-                </a:rPr>
-                <a:t>4</a:t>
-              </a:r>
-            </a:p>
-          </p:txBody>
-        </p:sp>
-        <p:sp>
-          <p:nvSpPr>
-            <p:cNvPr id="17" name="Oval 16">
-              <a:extLst>
-                <a:ext uri="{FF2B5EF4-FFF2-40B4-BE49-F238E27FC236}">
-                  <a16:creationId xmlns:a16="http://schemas.microsoft.com/office/drawing/2014/main" id="{667A36EA-EB1F-4A41-AC86-3DD8539B4E5C}"/>
-                </a:ext>
-              </a:extLst>
-            </p:cNvPr>
-            <p:cNvSpPr>
-              <a:spLocks noChangeAspect="1"/>
-            </p:cNvSpPr>
-            <p:nvPr/>
-          </p:nvSpPr>
-          <p:spPr>
-            <a:xfrm>
-              <a:off x="2304288" y="1059286"/>
-              <a:ext cx="274320" cy="274320"/>
-            </a:xfrm>
-            <a:prstGeom prst="ellipse">
-              <a:avLst/>
-            </a:prstGeom>
-            <a:noFill/>
-            <a:ln w="19050">
-              <a:solidFill>
-                <a:schemeClr val="tx1"/>
-              </a:solidFill>
-            </a:ln>
-          </p:spPr>
-          <p:style>
-            <a:lnRef idx="2">
-              <a:schemeClr val="accent1">
-                <a:shade val="50000"/>
-              </a:schemeClr>
-            </a:lnRef>
-            <a:fillRef idx="1">
-              <a:schemeClr val="accent1"/>
-            </a:fillRef>
-            <a:effectRef idx="0">
-              <a:schemeClr val="accent1"/>
-            </a:effectRef>
-            <a:fontRef idx="minor">
-              <a:schemeClr val="lt1"/>
-            </a:fontRef>
-          </p:style>
-          <p:txBody>
-            <a:bodyPr rtlCol="0" anchor="ctr"/>
-            <a:lstStyle/>
-            <a:p>
-              <a:pPr algn="ctr"/>
-              <a:r>
-                <a:rPr lang="en-US" sz="1600" dirty="0">
-                  <a:solidFill>
-                    <a:schemeClr val="tx1"/>
-                  </a:solidFill>
-                </a:rPr>
-                <a:t>8</a:t>
-              </a:r>
-            </a:p>
-          </p:txBody>
-        </p:sp>
-        <p:sp>
-          <p:nvSpPr>
-            <p:cNvPr id="18" name="Oval 17">
-              <a:extLst>
-                <a:ext uri="{FF2B5EF4-FFF2-40B4-BE49-F238E27FC236}">
-                  <a16:creationId xmlns:a16="http://schemas.microsoft.com/office/drawing/2014/main" id="{12A1CB51-3417-B647-99C4-44315E00FA3B}"/>
-                </a:ext>
-              </a:extLst>
-            </p:cNvPr>
-            <p:cNvSpPr>
-              <a:spLocks noChangeAspect="1"/>
-            </p:cNvSpPr>
-            <p:nvPr/>
-          </p:nvSpPr>
-          <p:spPr>
-            <a:xfrm>
-              <a:off x="5124026" y="2282563"/>
-              <a:ext cx="274320" cy="274320"/>
-            </a:xfrm>
-            <a:prstGeom prst="ellipse">
-              <a:avLst/>
-            </a:prstGeom>
-            <a:noFill/>
-            <a:ln w="19050">
-              <a:solidFill>
-                <a:schemeClr val="tx1"/>
-              </a:solidFill>
-            </a:ln>
-          </p:spPr>
-          <p:style>
-            <a:lnRef idx="2">
-              <a:schemeClr val="accent1">
-                <a:shade val="50000"/>
-              </a:schemeClr>
-            </a:lnRef>
-            <a:fillRef idx="1">
-              <a:schemeClr val="accent1"/>
-            </a:fillRef>
-            <a:effectRef idx="0">
-              <a:schemeClr val="accent1"/>
-            </a:effectRef>
-            <a:fontRef idx="minor">
-              <a:schemeClr val="lt1"/>
-            </a:fontRef>
-          </p:style>
-          <p:txBody>
-            <a:bodyPr rtlCol="0" anchor="ctr"/>
-            <a:lstStyle/>
-            <a:p>
-              <a:pPr algn="ctr"/>
-              <a:r>
-                <a:rPr lang="en-US" sz="1600" dirty="0">
-                  <a:solidFill>
-                    <a:schemeClr val="tx1"/>
-                  </a:solidFill>
-                </a:rPr>
-                <a:t>5</a:t>
-              </a:r>
-            </a:p>
-          </p:txBody>
-        </p:sp>
-        <p:sp>
-          <p:nvSpPr>
-            <p:cNvPr id="19" name="Oval 18">
-              <a:extLst>
-                <a:ext uri="{FF2B5EF4-FFF2-40B4-BE49-F238E27FC236}">
-                  <a16:creationId xmlns:a16="http://schemas.microsoft.com/office/drawing/2014/main" id="{5DB038A9-674F-AC44-9789-BA9892561BEC}"/>
-                </a:ext>
-              </a:extLst>
-            </p:cNvPr>
-            <p:cNvSpPr>
-              <a:spLocks noChangeAspect="1"/>
-            </p:cNvSpPr>
-            <p:nvPr/>
-          </p:nvSpPr>
-          <p:spPr>
-            <a:xfrm>
-              <a:off x="3776472" y="1059286"/>
-              <a:ext cx="274320" cy="274320"/>
-            </a:xfrm>
-            <a:prstGeom prst="ellipse">
-              <a:avLst/>
-            </a:prstGeom>
-            <a:noFill/>
-            <a:ln w="19050">
-              <a:solidFill>
-                <a:schemeClr val="tx1"/>
-              </a:solidFill>
-            </a:ln>
-          </p:spPr>
-          <p:style>
-            <a:lnRef idx="2">
-              <a:schemeClr val="accent1">
-                <a:shade val="50000"/>
-              </a:schemeClr>
-            </a:lnRef>
-            <a:fillRef idx="1">
-              <a:schemeClr val="accent1"/>
-            </a:fillRef>
-            <a:effectRef idx="0">
-              <a:schemeClr val="accent1"/>
-            </a:effectRef>
-            <a:fontRef idx="minor">
-              <a:schemeClr val="lt1"/>
-            </a:fontRef>
-          </p:style>
-          <p:txBody>
-            <a:bodyPr rtlCol="0" anchor="ctr"/>
-            <a:lstStyle/>
-            <a:p>
-              <a:pPr algn="ctr"/>
-              <a:r>
-                <a:rPr lang="en-US" sz="1600" dirty="0">
-                  <a:solidFill>
-                    <a:schemeClr val="tx1"/>
-                  </a:solidFill>
-                </a:rPr>
-                <a:t>9</a:t>
-              </a:r>
-            </a:p>
-          </p:txBody>
-        </p:sp>
-        <p:sp>
-          <p:nvSpPr>
-            <p:cNvPr id="20" name="Oval 19">
-              <a:extLst>
-                <a:ext uri="{FF2B5EF4-FFF2-40B4-BE49-F238E27FC236}">
-                  <a16:creationId xmlns:a16="http://schemas.microsoft.com/office/drawing/2014/main" id="{FC92EEE0-09CD-DB4C-B50C-EC9F7CB95E7B}"/>
-                </a:ext>
-              </a:extLst>
-            </p:cNvPr>
-            <p:cNvSpPr>
-              <a:spLocks noChangeAspect="1"/>
-            </p:cNvSpPr>
-            <p:nvPr/>
-          </p:nvSpPr>
-          <p:spPr>
-            <a:xfrm>
-              <a:off x="5120640" y="1059286"/>
-              <a:ext cx="274320" cy="274320"/>
-            </a:xfrm>
-            <a:prstGeom prst="ellipse">
-              <a:avLst/>
-            </a:prstGeom>
-            <a:noFill/>
-            <a:ln w="19050">
-              <a:solidFill>
-                <a:schemeClr val="tx1"/>
-              </a:solidFill>
-            </a:ln>
-          </p:spPr>
-          <p:style>
-            <a:lnRef idx="2">
-              <a:schemeClr val="accent1">
-                <a:shade val="50000"/>
-              </a:schemeClr>
-            </a:lnRef>
-            <a:fillRef idx="1">
-              <a:schemeClr val="accent1"/>
-            </a:fillRef>
-            <a:effectRef idx="0">
-              <a:schemeClr val="accent1"/>
-            </a:effectRef>
-            <a:fontRef idx="minor">
-              <a:schemeClr val="lt1"/>
-            </a:fontRef>
-          </p:style>
-          <p:txBody>
-            <a:bodyPr rtlCol="0" anchor="ctr"/>
-            <a:lstStyle/>
-            <a:p>
-              <a:pPr algn="ctr"/>
-              <a:endParaRPr lang="en-US" sz="1050" dirty="0">
-                <a:solidFill>
-                  <a:schemeClr val="tx1"/>
-                </a:solidFill>
-              </a:endParaRPr>
-            </a:p>
-          </p:txBody>
-        </p:sp>
-        <p:sp>
-          <p:nvSpPr>
-            <p:cNvPr id="21" name="Oval 20">
-              <a:extLst>
-                <a:ext uri="{FF2B5EF4-FFF2-40B4-BE49-F238E27FC236}">
-                  <a16:creationId xmlns:a16="http://schemas.microsoft.com/office/drawing/2014/main" id="{7579B422-3ACD-B74B-A524-B5202656776F}"/>
-                </a:ext>
-              </a:extLst>
-            </p:cNvPr>
-            <p:cNvSpPr>
-              <a:spLocks noChangeAspect="1"/>
-            </p:cNvSpPr>
-            <p:nvPr/>
-          </p:nvSpPr>
-          <p:spPr>
-            <a:xfrm>
-              <a:off x="6311246" y="1059286"/>
-              <a:ext cx="274320" cy="274320"/>
-            </a:xfrm>
-            <a:prstGeom prst="ellipse">
-              <a:avLst/>
-            </a:prstGeom>
-            <a:noFill/>
-            <a:ln w="19050">
-              <a:solidFill>
-                <a:schemeClr val="tx1"/>
-              </a:solidFill>
-            </a:ln>
-          </p:spPr>
-          <p:style>
-            <a:lnRef idx="2">
-              <a:schemeClr val="accent1">
-                <a:shade val="50000"/>
-              </a:schemeClr>
-            </a:lnRef>
-            <a:fillRef idx="1">
-              <a:schemeClr val="accent1"/>
-            </a:fillRef>
-            <a:effectRef idx="0">
-              <a:schemeClr val="accent1"/>
-            </a:effectRef>
-            <a:fontRef idx="minor">
-              <a:schemeClr val="lt1"/>
-            </a:fontRef>
-          </p:style>
-          <p:txBody>
-            <a:bodyPr rtlCol="0" anchor="ctr"/>
-            <a:lstStyle/>
-            <a:p>
-              <a:pPr algn="ctr"/>
-              <a:endParaRPr lang="en-US" sz="1600" dirty="0">
-                <a:solidFill>
-                  <a:schemeClr val="accent1">
-                    <a:lumMod val="50000"/>
-                  </a:schemeClr>
-                </a:solidFill>
-              </a:endParaRPr>
-            </a:p>
-          </p:txBody>
-        </p:sp>
-        <p:sp>
-          <p:nvSpPr>
-            <p:cNvPr id="22" name="Oval 21">
-              <a:extLst>
-                <a:ext uri="{FF2B5EF4-FFF2-40B4-BE49-F238E27FC236}">
-                  <a16:creationId xmlns:a16="http://schemas.microsoft.com/office/drawing/2014/main" id="{D53ECB95-DF57-C742-9C04-3AD3C59C7C54}"/>
-                </a:ext>
-              </a:extLst>
-            </p:cNvPr>
-            <p:cNvSpPr>
-              <a:spLocks noChangeAspect="1"/>
-            </p:cNvSpPr>
-            <p:nvPr/>
-          </p:nvSpPr>
-          <p:spPr>
-            <a:xfrm>
-              <a:off x="6309360" y="108803"/>
-              <a:ext cx="274320" cy="274320"/>
-            </a:xfrm>
-            <a:prstGeom prst="ellipse">
-              <a:avLst/>
-            </a:prstGeom>
-            <a:noFill/>
-            <a:ln w="19050">
-              <a:solidFill>
-                <a:schemeClr val="tx1"/>
-              </a:solidFill>
-            </a:ln>
-          </p:spPr>
-          <p:style>
-            <a:lnRef idx="2">
-              <a:schemeClr val="accent1">
-                <a:shade val="50000"/>
-              </a:schemeClr>
-            </a:lnRef>
-            <a:fillRef idx="1">
-              <a:schemeClr val="accent1"/>
-            </a:fillRef>
-            <a:effectRef idx="0">
-              <a:schemeClr val="accent1"/>
-            </a:effectRef>
-            <a:fontRef idx="minor">
-              <a:schemeClr val="lt1"/>
-            </a:fontRef>
-          </p:style>
-          <p:txBody>
-            <a:bodyPr rtlCol="0" anchor="ctr"/>
-            <a:lstStyle/>
-            <a:p>
-              <a:pPr algn="ctr"/>
-              <a:endParaRPr lang="en-US" sz="1600" dirty="0">
-                <a:solidFill>
-                  <a:schemeClr val="accent1">
-                    <a:lumMod val="50000"/>
-                  </a:schemeClr>
-                </a:solidFill>
-              </a:endParaRPr>
-            </a:p>
-          </p:txBody>
-        </p:sp>
-        <p:sp>
-          <p:nvSpPr>
-            <p:cNvPr id="23" name="Oval 22">
-              <a:extLst>
-                <a:ext uri="{FF2B5EF4-FFF2-40B4-BE49-F238E27FC236}">
-                  <a16:creationId xmlns:a16="http://schemas.microsoft.com/office/drawing/2014/main" id="{79296021-8085-DB40-8752-BD56CA86D28F}"/>
-                </a:ext>
-              </a:extLst>
-            </p:cNvPr>
-            <p:cNvSpPr>
-              <a:spLocks noChangeAspect="1"/>
-            </p:cNvSpPr>
-            <p:nvPr/>
-          </p:nvSpPr>
-          <p:spPr>
-            <a:xfrm>
-              <a:off x="6308726" y="2282563"/>
-              <a:ext cx="274320" cy="274320"/>
-            </a:xfrm>
-            <a:prstGeom prst="ellipse">
-              <a:avLst/>
-            </a:prstGeom>
-            <a:noFill/>
-            <a:ln w="19050">
-              <a:solidFill>
-                <a:schemeClr val="tx1"/>
-              </a:solidFill>
-            </a:ln>
-          </p:spPr>
-          <p:style>
-            <a:lnRef idx="2">
-              <a:schemeClr val="accent1">
-                <a:shade val="50000"/>
-              </a:schemeClr>
-            </a:lnRef>
-            <a:fillRef idx="1">
-              <a:schemeClr val="accent1"/>
-            </a:fillRef>
-            <a:effectRef idx="0">
-              <a:schemeClr val="accent1"/>
-            </a:effectRef>
-            <a:fontRef idx="minor">
-              <a:schemeClr val="lt1"/>
-            </a:fontRef>
-          </p:style>
-          <p:txBody>
-            <a:bodyPr rtlCol="0" anchor="ctr"/>
-            <a:lstStyle/>
-            <a:p>
-              <a:pPr algn="ctr"/>
-              <a:r>
-                <a:rPr lang="en-US" sz="1600" dirty="0">
-                  <a:solidFill>
-                    <a:schemeClr val="tx1"/>
-                  </a:solidFill>
-                </a:rPr>
-                <a:t>6</a:t>
-              </a:r>
-            </a:p>
-          </p:txBody>
-        </p:sp>
-        <p:sp>
-          <p:nvSpPr>
-            <p:cNvPr id="24" name="Oval 23">
-              <a:extLst>
-                <a:ext uri="{FF2B5EF4-FFF2-40B4-BE49-F238E27FC236}">
-                  <a16:creationId xmlns:a16="http://schemas.microsoft.com/office/drawing/2014/main" id="{FDE0E994-DD2B-494D-8520-C801C37184DD}"/>
-                </a:ext>
-              </a:extLst>
-            </p:cNvPr>
-            <p:cNvSpPr>
-              <a:spLocks noChangeAspect="1"/>
-            </p:cNvSpPr>
-            <p:nvPr/>
-          </p:nvSpPr>
-          <p:spPr>
-            <a:xfrm>
-              <a:off x="1376055" y="1059286"/>
-              <a:ext cx="274320" cy="274320"/>
-            </a:xfrm>
-            <a:prstGeom prst="ellipse">
-              <a:avLst/>
-            </a:prstGeom>
-            <a:noFill/>
-            <a:ln w="19050">
-              <a:solidFill>
-                <a:schemeClr val="tx1"/>
-              </a:solidFill>
-            </a:ln>
-          </p:spPr>
-          <p:style>
-            <a:lnRef idx="2">
-              <a:schemeClr val="accent1">
-                <a:shade val="50000"/>
-              </a:schemeClr>
-            </a:lnRef>
-            <a:fillRef idx="1">
-              <a:schemeClr val="accent1"/>
-            </a:fillRef>
-            <a:effectRef idx="0">
-              <a:schemeClr val="accent1"/>
-            </a:effectRef>
-            <a:fontRef idx="minor">
-              <a:schemeClr val="lt1"/>
-            </a:fontRef>
-          </p:style>
-          <p:txBody>
-            <a:bodyPr rtlCol="0" anchor="ctr"/>
-            <a:lstStyle/>
-            <a:p>
-              <a:pPr algn="ctr"/>
-              <a:r>
-                <a:rPr lang="en-US" sz="1600" dirty="0">
-                  <a:solidFill>
-                    <a:schemeClr val="tx1"/>
-                  </a:solidFill>
-                </a:rPr>
-                <a:t>7</a:t>
-              </a:r>
-            </a:p>
-          </p:txBody>
-        </p:sp>
-        <p:cxnSp>
-          <p:nvCxnSpPr>
-            <p:cNvPr id="25" name="Straight Connector 24">
-              <a:extLst>
-                <a:ext uri="{FF2B5EF4-FFF2-40B4-BE49-F238E27FC236}">
-                  <a16:creationId xmlns:a16="http://schemas.microsoft.com/office/drawing/2014/main" id="{DA122936-30A8-504D-910A-B4E50AAFDC37}"/>
-                </a:ext>
-              </a:extLst>
-            </p:cNvPr>
-            <p:cNvCxnSpPr>
-              <a:stCxn id="17" idx="2"/>
-              <a:endCxn id="24" idx="6"/>
-            </p:cNvCxnSpPr>
-            <p:nvPr/>
-          </p:nvCxnSpPr>
-          <p:spPr>
-            <a:xfrm flipH="1">
-              <a:off x="1650375" y="1196446"/>
-              <a:ext cx="653913" cy="0"/>
-            </a:xfrm>
-            <a:prstGeom prst="line">
-              <a:avLst/>
-            </a:prstGeom>
-            <a:ln w="38100">
-              <a:solidFill>
-                <a:schemeClr val="tx1"/>
-              </a:solidFill>
-            </a:ln>
-          </p:spPr>
-          <p:style>
-            <a:lnRef idx="1">
-              <a:schemeClr val="accent1"/>
-            </a:lnRef>
-            <a:fillRef idx="0">
-              <a:schemeClr val="accent1"/>
-            </a:fillRef>
-            <a:effectRef idx="0">
-              <a:schemeClr val="accent1"/>
-            </a:effectRef>
-            <a:fontRef idx="minor">
-              <a:schemeClr val="tx1"/>
-            </a:fontRef>
-          </p:style>
-        </p:cxnSp>
-        <p:sp>
-          <p:nvSpPr>
-            <p:cNvPr id="26" name="TextBox 25">
-              <a:extLst>
-                <a:ext uri="{FF2B5EF4-FFF2-40B4-BE49-F238E27FC236}">
-                  <a16:creationId xmlns:a16="http://schemas.microsoft.com/office/drawing/2014/main" id="{92410BA8-9EBF-2A43-A984-C045E0B6ACDE}"/>
-                </a:ext>
-              </a:extLst>
-            </p:cNvPr>
-            <p:cNvSpPr txBox="1"/>
-            <p:nvPr/>
-          </p:nvSpPr>
-          <p:spPr>
-            <a:xfrm>
-              <a:off x="5058752" y="1027169"/>
-              <a:ext cx="393056" cy="338554"/>
-            </a:xfrm>
-            <a:prstGeom prst="rect">
-              <a:avLst/>
-            </a:prstGeom>
-            <a:noFill/>
-          </p:spPr>
-          <p:txBody>
-            <a:bodyPr wrap="none" rtlCol="0">
-              <a:spAutoFit/>
-            </a:bodyPr>
-            <a:lstStyle/>
-            <a:p>
-              <a:r>
-                <a:rPr lang="en-US" sz="1600" dirty="0"/>
-                <a:t>10</a:t>
-              </a:r>
-            </a:p>
-          </p:txBody>
-        </p:sp>
-        <p:sp>
-          <p:nvSpPr>
-            <p:cNvPr id="27" name="TextBox 26">
-              <a:extLst>
-                <a:ext uri="{FF2B5EF4-FFF2-40B4-BE49-F238E27FC236}">
-                  <a16:creationId xmlns:a16="http://schemas.microsoft.com/office/drawing/2014/main" id="{CC5D555A-AB20-E341-AC21-A1095B6DCC29}"/>
-                </a:ext>
-              </a:extLst>
-            </p:cNvPr>
-            <p:cNvSpPr txBox="1"/>
-            <p:nvPr/>
-          </p:nvSpPr>
-          <p:spPr>
-            <a:xfrm>
-              <a:off x="6249358" y="1027169"/>
-              <a:ext cx="393056" cy="338554"/>
-            </a:xfrm>
-            <a:prstGeom prst="rect">
-              <a:avLst/>
-            </a:prstGeom>
-            <a:noFill/>
-          </p:spPr>
-          <p:txBody>
-            <a:bodyPr wrap="none" rtlCol="0">
-              <a:spAutoFit/>
-            </a:bodyPr>
-            <a:lstStyle/>
-            <a:p>
-              <a:r>
-                <a:rPr lang="en-US" sz="1600" dirty="0"/>
-                <a:t>11</a:t>
-              </a:r>
-            </a:p>
-          </p:txBody>
-        </p:sp>
-        <p:sp>
-          <p:nvSpPr>
-            <p:cNvPr id="28" name="Oval 27">
-              <a:extLst>
-                <a:ext uri="{FF2B5EF4-FFF2-40B4-BE49-F238E27FC236}">
-                  <a16:creationId xmlns:a16="http://schemas.microsoft.com/office/drawing/2014/main" id="{1088C349-98BF-484A-AF09-702F919FCB90}"/>
-                </a:ext>
-              </a:extLst>
-            </p:cNvPr>
-            <p:cNvSpPr>
-              <a:spLocks noChangeAspect="1"/>
-            </p:cNvSpPr>
-            <p:nvPr/>
-          </p:nvSpPr>
-          <p:spPr>
-            <a:xfrm>
-              <a:off x="90701" y="2286000"/>
-              <a:ext cx="274320" cy="274320"/>
-            </a:xfrm>
-            <a:prstGeom prst="ellipse">
-              <a:avLst/>
-            </a:prstGeom>
-            <a:noFill/>
-            <a:ln w="19050">
-              <a:solidFill>
-                <a:schemeClr val="tx1"/>
-              </a:solidFill>
-            </a:ln>
-          </p:spPr>
-          <p:style>
-            <a:lnRef idx="2">
-              <a:schemeClr val="accent1">
-                <a:shade val="50000"/>
-              </a:schemeClr>
-            </a:lnRef>
-            <a:fillRef idx="1">
-              <a:schemeClr val="accent1"/>
-            </a:fillRef>
-            <a:effectRef idx="0">
-              <a:schemeClr val="accent1"/>
-            </a:effectRef>
-            <a:fontRef idx="minor">
-              <a:schemeClr val="lt1"/>
-            </a:fontRef>
-          </p:style>
-          <p:txBody>
-            <a:bodyPr rtlCol="0" anchor="ctr"/>
-            <a:lstStyle/>
-            <a:p>
-              <a:pPr algn="ctr"/>
-              <a:r>
-                <a:rPr lang="en-US" sz="1600" dirty="0">
-                  <a:solidFill>
-                    <a:schemeClr val="tx1"/>
-                  </a:solidFill>
-                </a:rPr>
-                <a:t>1</a:t>
-              </a:r>
-            </a:p>
-          </p:txBody>
-        </p:sp>
-        <p:cxnSp>
-          <p:nvCxnSpPr>
-            <p:cNvPr id="29" name="Straight Connector 28">
-              <a:extLst>
-                <a:ext uri="{FF2B5EF4-FFF2-40B4-BE49-F238E27FC236}">
-                  <a16:creationId xmlns:a16="http://schemas.microsoft.com/office/drawing/2014/main" id="{F5BCEFE1-6EF0-8D49-B91C-2128B62C871E}"/>
-                </a:ext>
-              </a:extLst>
-            </p:cNvPr>
-            <p:cNvCxnSpPr>
-              <a:stCxn id="28" idx="6"/>
-              <a:endCxn id="3" idx="2"/>
-            </p:cNvCxnSpPr>
-            <p:nvPr/>
-          </p:nvCxnSpPr>
-          <p:spPr>
-            <a:xfrm flipV="1">
-              <a:off x="365021" y="2419723"/>
-              <a:ext cx="869191" cy="3437"/>
-            </a:xfrm>
-            <a:prstGeom prst="line">
-              <a:avLst/>
-            </a:prstGeom>
-            <a:ln w="38100">
-              <a:solidFill>
-                <a:schemeClr val="tx1"/>
-              </a:solidFill>
-            </a:ln>
-          </p:spPr>
-          <p:style>
-            <a:lnRef idx="1">
-              <a:schemeClr val="accent1"/>
-            </a:lnRef>
-            <a:fillRef idx="0">
-              <a:schemeClr val="accent1"/>
-            </a:fillRef>
-            <a:effectRef idx="0">
-              <a:schemeClr val="accent1"/>
-            </a:effectRef>
-            <a:fontRef idx="minor">
-              <a:schemeClr val="tx1"/>
-            </a:fontRef>
-          </p:style>
-        </p:cxnSp>
-        <p:sp>
-          <p:nvSpPr>
-            <p:cNvPr id="30" name="TextBox 29">
-              <a:extLst>
-                <a:ext uri="{FF2B5EF4-FFF2-40B4-BE49-F238E27FC236}">
-                  <a16:creationId xmlns:a16="http://schemas.microsoft.com/office/drawing/2014/main" id="{502A0A88-E231-3C49-99AC-ABC114AD5A6C}"/>
-                </a:ext>
-              </a:extLst>
-            </p:cNvPr>
-            <p:cNvSpPr txBox="1"/>
-            <p:nvPr/>
-          </p:nvSpPr>
-          <p:spPr>
-            <a:xfrm>
-              <a:off x="6249358" y="76686"/>
-              <a:ext cx="393056" cy="338554"/>
-            </a:xfrm>
-            <a:prstGeom prst="rect">
-              <a:avLst/>
-            </a:prstGeom>
-            <a:noFill/>
-          </p:spPr>
-          <p:txBody>
-            <a:bodyPr wrap="none" rtlCol="0">
-              <a:spAutoFit/>
-            </a:bodyPr>
-            <a:lstStyle/>
-            <a:p>
-              <a:r>
-                <a:rPr lang="en-US" sz="1600" dirty="0"/>
-                <a:t>12</a:t>
-              </a:r>
-            </a:p>
-          </p:txBody>
-        </p:sp>
-      </p:grpSp>
-      <p:sp>
-        <p:nvSpPr>
-          <p:cNvPr id="31" name="TextBox 30">
-            <a:extLst>
-              <a:ext uri="{FF2B5EF4-FFF2-40B4-BE49-F238E27FC236}">
-                <a16:creationId xmlns:a16="http://schemas.microsoft.com/office/drawing/2014/main" id="{9B7705FA-A334-5A48-AF03-9840AC7772D0}"/>
+                <a16:creationId xmlns:a16="http://schemas.microsoft.com/office/drawing/2014/main" id="{7D6C36BC-B8B3-064A-8068-EE84DE9E6641}"/>
               </a:ext>
             </a:extLst>
           </p:cNvPr>
@@ -8994,148 +7870,8 @@
         </p:nvSpPr>
         <p:spPr>
           <a:xfrm>
-            <a:off x="48876" y="2552327"/>
-            <a:ext cx="632289" cy="369332"/>
-          </a:xfrm>
-          <a:prstGeom prst="rect">
-            <a:avLst/>
-          </a:prstGeom>
-          <a:noFill/>
-        </p:spPr>
-        <p:txBody>
-          <a:bodyPr wrap="none" rtlCol="0">
-            <a:spAutoFit/>
-          </a:bodyPr>
-          <a:lstStyle/>
-          <a:p>
-            <a:r>
-              <a:rPr lang="en-US" dirty="0"/>
-              <a:t>Start</a:t>
-            </a:r>
-          </a:p>
-        </p:txBody>
-      </p:sp>
-      <p:sp>
-        <p:nvSpPr>
-          <p:cNvPr id="32" name="TextBox 31">
-            <a:extLst>
-              <a:ext uri="{FF2B5EF4-FFF2-40B4-BE49-F238E27FC236}">
-                <a16:creationId xmlns:a16="http://schemas.microsoft.com/office/drawing/2014/main" id="{2BDDCBDD-3B4E-FB48-8835-10817DCFD128}"/>
-              </a:ext>
-            </a:extLst>
-          </p:cNvPr>
-          <p:cNvSpPr txBox="1"/>
-          <p:nvPr/>
-        </p:nvSpPr>
-        <p:spPr>
-          <a:xfrm>
-            <a:off x="6308726" y="2556882"/>
-            <a:ext cx="615874" cy="369332"/>
-          </a:xfrm>
-          <a:prstGeom prst="rect">
-            <a:avLst/>
-          </a:prstGeom>
-          <a:noFill/>
-        </p:spPr>
-        <p:txBody>
-          <a:bodyPr wrap="none" rtlCol="0">
-            <a:spAutoFit/>
-          </a:bodyPr>
-          <a:lstStyle/>
-          <a:p>
-            <a:r>
-              <a:rPr lang="en-US" dirty="0"/>
-              <a:t>Goal</a:t>
-            </a:r>
-          </a:p>
-        </p:txBody>
-      </p:sp>
-      <p:sp>
-        <p:nvSpPr>
-          <p:cNvPr id="51" name="TextBox 50">
-            <a:extLst>
-              <a:ext uri="{FF2B5EF4-FFF2-40B4-BE49-F238E27FC236}">
-                <a16:creationId xmlns:a16="http://schemas.microsoft.com/office/drawing/2014/main" id="{432CEB06-32BF-6C4E-A530-1ADAA7A59829}"/>
-              </a:ext>
-            </a:extLst>
-          </p:cNvPr>
-          <p:cNvSpPr txBox="1"/>
-          <p:nvPr/>
-        </p:nvSpPr>
-        <p:spPr>
-          <a:xfrm>
-            <a:off x="4365546" y="820435"/>
-            <a:ext cx="442750" cy="369332"/>
-          </a:xfrm>
-          <a:prstGeom prst="rect">
-            <a:avLst/>
-          </a:prstGeom>
-          <a:noFill/>
-        </p:spPr>
-        <p:txBody>
-          <a:bodyPr wrap="none" rtlCol="0">
-            <a:spAutoFit/>
-          </a:bodyPr>
-          <a:lstStyle/>
-          <a:p>
-            <a:r>
-              <a:rPr lang="en-US" dirty="0"/>
-              <a:t>SO</a:t>
-            </a:r>
-          </a:p>
-        </p:txBody>
-      </p:sp>
-      <p:sp>
-        <p:nvSpPr>
-          <p:cNvPr id="52" name="TextBox 51">
-            <a:extLst>
-              <a:ext uri="{FF2B5EF4-FFF2-40B4-BE49-F238E27FC236}">
-                <a16:creationId xmlns:a16="http://schemas.microsoft.com/office/drawing/2014/main" id="{22C7CB7A-57CD-AF4A-A13E-ADC99159B639}"/>
-              </a:ext>
-            </a:extLst>
-          </p:cNvPr>
-          <p:cNvSpPr txBox="1"/>
-          <p:nvPr/>
-        </p:nvSpPr>
-        <p:spPr>
-          <a:xfrm>
-            <a:off x="2941040" y="2056845"/>
-            <a:ext cx="479618" cy="369332"/>
-          </a:xfrm>
-          <a:prstGeom prst="rect">
-            <a:avLst/>
-          </a:prstGeom>
-          <a:noFill/>
-        </p:spPr>
-        <p:txBody>
-          <a:bodyPr wrap="none" rtlCol="0">
-            <a:spAutoFit/>
-          </a:bodyPr>
-          <a:lstStyle/>
-          <a:p>
-            <a:r>
-              <a:rPr lang="en-US" dirty="0"/>
-              <a:t>DO</a:t>
-            </a:r>
-          </a:p>
-        </p:txBody>
-      </p:sp>
-      <p:sp>
-        <p:nvSpPr>
-          <p:cNvPr id="53" name="TextBox 52">
-            <a:extLst>
-              <a:ext uri="{FF2B5EF4-FFF2-40B4-BE49-F238E27FC236}">
-                <a16:creationId xmlns:a16="http://schemas.microsoft.com/office/drawing/2014/main" id="{F91A1A2F-B291-B644-B56A-F4D5193A1A7E}"/>
-              </a:ext>
-            </a:extLst>
-          </p:cNvPr>
-          <p:cNvSpPr txBox="1"/>
-          <p:nvPr/>
-        </p:nvSpPr>
-        <p:spPr>
-          <a:xfrm>
-            <a:off x="6892706" y="820435"/>
-            <a:ext cx="2267759" cy="369332"/>
+            <a:off x="7330578" y="874620"/>
+            <a:ext cx="1930516" cy="369332"/>
           </a:xfrm>
           <a:prstGeom prst="rect">
             <a:avLst/>
@@ -9150,270 +7886,17 @@
           <a:p>
             <a:r>
               <a:rPr lang="en-US" dirty="0"/>
-              <a:t>SO = Sparse Obstacles</a:t>
+              <a:t>= Sparse Obstacles</a:t>
             </a:r>
           </a:p>
         </p:txBody>
       </p:sp>
-      <p:grpSp>
-        <p:nvGrpSpPr>
-          <p:cNvPr id="54" name="Group 53">
+      <p:sp>
+        <p:nvSpPr>
+          <p:cNvPr id="3" name="TextBox 2">
             <a:extLst>
               <a:ext uri="{FF2B5EF4-FFF2-40B4-BE49-F238E27FC236}">
-                <a16:creationId xmlns:a16="http://schemas.microsoft.com/office/drawing/2014/main" id="{B482CF36-8FD3-A943-812F-6BCDA05F5981}"/>
-              </a:ext>
-            </a:extLst>
-          </p:cNvPr>
-          <p:cNvGrpSpPr/>
-          <p:nvPr/>
-        </p:nvGrpSpPr>
-        <p:grpSpPr>
-          <a:xfrm>
-            <a:off x="9183625" y="857581"/>
-            <a:ext cx="365760" cy="295041"/>
-            <a:chOff x="7803055" y="2574583"/>
-            <a:chExt cx="365760" cy="295041"/>
-          </a:xfrm>
-        </p:grpSpPr>
-        <p:sp>
-          <p:nvSpPr>
-            <p:cNvPr id="55" name="Cube 54">
-              <a:extLst>
-                <a:ext uri="{FF2B5EF4-FFF2-40B4-BE49-F238E27FC236}">
-                  <a16:creationId xmlns:a16="http://schemas.microsoft.com/office/drawing/2014/main" id="{591A1433-C1DB-9441-8283-43FCE78ED314}"/>
-                </a:ext>
-              </a:extLst>
-            </p:cNvPr>
-            <p:cNvSpPr>
-              <a:spLocks noChangeAspect="1"/>
-            </p:cNvSpPr>
-            <p:nvPr/>
-          </p:nvSpPr>
-          <p:spPr>
-            <a:xfrm>
-              <a:off x="7803055" y="2686744"/>
-              <a:ext cx="182880" cy="182880"/>
-            </a:xfrm>
-            <a:prstGeom prst="cube">
-              <a:avLst/>
-            </a:prstGeom>
-            <a:solidFill>
-              <a:schemeClr val="accent4">
-                <a:lumMod val="75000"/>
-              </a:schemeClr>
-            </a:solidFill>
-            <a:ln>
-              <a:solidFill>
-                <a:schemeClr val="tx1"/>
-              </a:solidFill>
-            </a:ln>
-          </p:spPr>
-          <p:style>
-            <a:lnRef idx="2">
-              <a:schemeClr val="accent1">
-                <a:shade val="50000"/>
-              </a:schemeClr>
-            </a:lnRef>
-            <a:fillRef idx="1">
-              <a:schemeClr val="accent1"/>
-            </a:fillRef>
-            <a:effectRef idx="0">
-              <a:schemeClr val="accent1"/>
-            </a:effectRef>
-            <a:fontRef idx="minor">
-              <a:schemeClr val="lt1"/>
-            </a:fontRef>
-          </p:style>
-          <p:txBody>
-            <a:bodyPr rtlCol="0" anchor="ctr"/>
-            <a:lstStyle/>
-            <a:p>
-              <a:pPr algn="ctr"/>
-              <a:endParaRPr lang="en-US"/>
-            </a:p>
-          </p:txBody>
-        </p:sp>
-        <p:sp>
-          <p:nvSpPr>
-            <p:cNvPr id="56" name="Cube 55">
-              <a:extLst>
-                <a:ext uri="{FF2B5EF4-FFF2-40B4-BE49-F238E27FC236}">
-                  <a16:creationId xmlns:a16="http://schemas.microsoft.com/office/drawing/2014/main" id="{8D7BD355-F9CD-6E44-A123-4F6EE5CF1AB8}"/>
-                </a:ext>
-              </a:extLst>
-            </p:cNvPr>
-            <p:cNvSpPr>
-              <a:spLocks noChangeAspect="1"/>
-            </p:cNvSpPr>
-            <p:nvPr/>
-          </p:nvSpPr>
-          <p:spPr>
-            <a:xfrm>
-              <a:off x="7985935" y="2686744"/>
-              <a:ext cx="182880" cy="182880"/>
-            </a:xfrm>
-            <a:prstGeom prst="cube">
-              <a:avLst/>
-            </a:prstGeom>
-            <a:solidFill>
-              <a:schemeClr val="accent4">
-                <a:lumMod val="75000"/>
-              </a:schemeClr>
-            </a:solidFill>
-            <a:ln>
-              <a:solidFill>
-                <a:schemeClr val="tx1"/>
-              </a:solidFill>
-            </a:ln>
-          </p:spPr>
-          <p:style>
-            <a:lnRef idx="2">
-              <a:schemeClr val="accent1">
-                <a:shade val="50000"/>
-              </a:schemeClr>
-            </a:lnRef>
-            <a:fillRef idx="1">
-              <a:schemeClr val="accent1"/>
-            </a:fillRef>
-            <a:effectRef idx="0">
-              <a:schemeClr val="accent1"/>
-            </a:effectRef>
-            <a:fontRef idx="minor">
-              <a:schemeClr val="lt1"/>
-            </a:fontRef>
-          </p:style>
-          <p:txBody>
-            <a:bodyPr rtlCol="0" anchor="ctr"/>
-            <a:lstStyle/>
-            <a:p>
-              <a:pPr algn="ctr"/>
-              <a:endParaRPr lang="en-US"/>
-            </a:p>
-          </p:txBody>
-        </p:sp>
-        <p:sp>
-          <p:nvSpPr>
-            <p:cNvPr id="57" name="Cube 56">
-              <a:extLst>
-                <a:ext uri="{FF2B5EF4-FFF2-40B4-BE49-F238E27FC236}">
-                  <a16:creationId xmlns:a16="http://schemas.microsoft.com/office/drawing/2014/main" id="{CCC792A2-DD0A-834B-94E0-C49DD52125CE}"/>
-                </a:ext>
-              </a:extLst>
-            </p:cNvPr>
-            <p:cNvSpPr>
-              <a:spLocks noChangeAspect="1"/>
-            </p:cNvSpPr>
-            <p:nvPr/>
-          </p:nvSpPr>
-          <p:spPr>
-            <a:xfrm>
-              <a:off x="7803055" y="2574583"/>
-              <a:ext cx="182880" cy="182880"/>
-            </a:xfrm>
-            <a:prstGeom prst="cube">
-              <a:avLst/>
-            </a:prstGeom>
-            <a:solidFill>
-              <a:schemeClr val="accent4">
-                <a:lumMod val="75000"/>
-              </a:schemeClr>
-            </a:solidFill>
-            <a:ln>
-              <a:solidFill>
-                <a:schemeClr val="tx1"/>
-              </a:solidFill>
-            </a:ln>
-          </p:spPr>
-          <p:style>
-            <a:lnRef idx="2">
-              <a:schemeClr val="accent1">
-                <a:shade val="50000"/>
-              </a:schemeClr>
-            </a:lnRef>
-            <a:fillRef idx="1">
-              <a:schemeClr val="accent1"/>
-            </a:fillRef>
-            <a:effectRef idx="0">
-              <a:schemeClr val="accent1"/>
-            </a:effectRef>
-            <a:fontRef idx="minor">
-              <a:schemeClr val="lt1"/>
-            </a:fontRef>
-          </p:style>
-          <p:txBody>
-            <a:bodyPr rtlCol="0" anchor="ctr"/>
-            <a:lstStyle/>
-            <a:p>
-              <a:pPr algn="ctr"/>
-              <a:endParaRPr lang="en-US"/>
-            </a:p>
-          </p:txBody>
-        </p:sp>
-        <p:sp>
-          <p:nvSpPr>
-            <p:cNvPr id="58" name="Cube 57">
-              <a:extLst>
-                <a:ext uri="{FF2B5EF4-FFF2-40B4-BE49-F238E27FC236}">
-                  <a16:creationId xmlns:a16="http://schemas.microsoft.com/office/drawing/2014/main" id="{33261F73-E4E7-614D-86C4-E7BDCC4B4171}"/>
-                </a:ext>
-              </a:extLst>
-            </p:cNvPr>
-            <p:cNvSpPr>
-              <a:spLocks noChangeAspect="1"/>
-            </p:cNvSpPr>
-            <p:nvPr/>
-          </p:nvSpPr>
-          <p:spPr>
-            <a:xfrm>
-              <a:off x="7985935" y="2574583"/>
-              <a:ext cx="182880" cy="182880"/>
-            </a:xfrm>
-            <a:prstGeom prst="cube">
-              <a:avLst/>
-            </a:prstGeom>
-            <a:solidFill>
-              <a:schemeClr val="accent4">
-                <a:lumMod val="75000"/>
-              </a:schemeClr>
-            </a:solidFill>
-            <a:ln>
-              <a:solidFill>
-                <a:schemeClr val="tx1"/>
-              </a:solidFill>
-            </a:ln>
-          </p:spPr>
-          <p:style>
-            <a:lnRef idx="2">
-              <a:schemeClr val="accent1">
-                <a:shade val="50000"/>
-              </a:schemeClr>
-            </a:lnRef>
-            <a:fillRef idx="1">
-              <a:schemeClr val="accent1"/>
-            </a:fillRef>
-            <a:effectRef idx="0">
-              <a:schemeClr val="accent1"/>
-            </a:effectRef>
-            <a:fontRef idx="minor">
-              <a:schemeClr val="lt1"/>
-            </a:fontRef>
-          </p:style>
-          <p:txBody>
-            <a:bodyPr rtlCol="0" anchor="ctr"/>
-            <a:lstStyle/>
-            <a:p>
-              <a:pPr algn="ctr"/>
-              <a:endParaRPr lang="en-US"/>
-            </a:p>
-          </p:txBody>
-        </p:sp>
-      </p:grpSp>
-      <p:sp>
-        <p:nvSpPr>
-          <p:cNvPr id="59" name="TextBox 58">
-            <a:extLst>
-              <a:ext uri="{FF2B5EF4-FFF2-40B4-BE49-F238E27FC236}">
-                <a16:creationId xmlns:a16="http://schemas.microsoft.com/office/drawing/2014/main" id="{310700DC-DF75-154D-BB9A-62187DF7813F}"/>
+                <a16:creationId xmlns:a16="http://schemas.microsoft.com/office/drawing/2014/main" id="{B380F61A-630A-6F42-88AB-2A1DE955B5C5}"/>
               </a:ext>
             </a:extLst>
           </p:cNvPr>
@@ -9422,8 +7905,8 @@
         </p:nvSpPr>
         <p:spPr>
           <a:xfrm>
-            <a:off x="6892707" y="2082508"/>
-            <a:ext cx="2218614" cy="369332"/>
+            <a:off x="7322104" y="2065894"/>
+            <a:ext cx="1895092" cy="369332"/>
           </a:xfrm>
           <a:prstGeom prst="rect">
             <a:avLst/>
@@ -9438,17 +7921,17 @@
           <a:p>
             <a:r>
               <a:rPr lang="en-US" dirty="0"/>
-              <a:t>DO = Dense Obstacles</a:t>
+              <a:t>= Dense Obstacles</a:t>
             </a:r>
           </a:p>
         </p:txBody>
       </p:sp>
       <p:grpSp>
         <p:nvGrpSpPr>
-          <p:cNvPr id="60" name="Group 59">
+          <p:cNvPr id="4" name="Group 3">
             <a:extLst>
               <a:ext uri="{FF2B5EF4-FFF2-40B4-BE49-F238E27FC236}">
-                <a16:creationId xmlns:a16="http://schemas.microsoft.com/office/drawing/2014/main" id="{343FB124-F279-3C4A-92A7-4AA0E3B1F37D}"/>
+                <a16:creationId xmlns:a16="http://schemas.microsoft.com/office/drawing/2014/main" id="{2506457B-E57F-5F40-87C5-21B3D909C86A}"/>
               </a:ext>
             </a:extLst>
           </p:cNvPr>
@@ -9457,18 +7940,18 @@
         </p:nvGrpSpPr>
         <p:grpSpPr>
           <a:xfrm>
-            <a:off x="9185675" y="2119654"/>
-            <a:ext cx="731520" cy="295041"/>
-            <a:chOff x="9699621" y="3380438"/>
-            <a:chExt cx="731520" cy="295041"/>
+            <a:off x="7084360" y="924469"/>
+            <a:ext cx="241981" cy="237744"/>
+            <a:chOff x="4327372" y="765015"/>
+            <a:chExt cx="241981" cy="237744"/>
           </a:xfrm>
         </p:grpSpPr>
         <p:sp>
           <p:nvSpPr>
-            <p:cNvPr id="61" name="Cube 60">
-              <a:extLst>
-                <a:ext uri="{FF2B5EF4-FFF2-40B4-BE49-F238E27FC236}">
-                  <a16:creationId xmlns:a16="http://schemas.microsoft.com/office/drawing/2014/main" id="{AD9F2E1A-43F3-0B4D-9CB7-A74BEA006836}"/>
+            <p:cNvPr id="5" name="Rectangle 4">
+              <a:extLst>
+                <a:ext uri="{FF2B5EF4-FFF2-40B4-BE49-F238E27FC236}">
+                  <a16:creationId xmlns:a16="http://schemas.microsoft.com/office/drawing/2014/main" id="{76EA7B4C-1D3D-BF47-A612-600AC0342A34}"/>
                 </a:ext>
               </a:extLst>
             </p:cNvPr>
@@ -9479,20 +7962,18 @@
           </p:nvSpPr>
           <p:spPr>
             <a:xfrm>
-              <a:off x="9882501" y="3492599"/>
-              <a:ext cx="182880" cy="182880"/>
-            </a:xfrm>
-            <a:prstGeom prst="cube">
+              <a:off x="4327372" y="765015"/>
+              <a:ext cx="118872" cy="237744"/>
+            </a:xfrm>
+            <a:prstGeom prst="rect">
               <a:avLst/>
             </a:prstGeom>
             <a:solidFill>
-              <a:schemeClr val="accent4">
-                <a:lumMod val="75000"/>
-              </a:schemeClr>
+              <a:srgbClr val="CD950C"/>
             </a:solidFill>
-            <a:ln>
+            <a:ln w="19050">
               <a:solidFill>
-                <a:schemeClr val="tx1"/>
+                <a:schemeClr val="bg1"/>
               </a:solidFill>
             </a:ln>
           </p:spPr>
@@ -9523,10 +8004,10 @@
         </p:sp>
         <p:sp>
           <p:nvSpPr>
-            <p:cNvPr id="62" name="Cube 61">
-              <a:extLst>
-                <a:ext uri="{FF2B5EF4-FFF2-40B4-BE49-F238E27FC236}">
-                  <a16:creationId xmlns:a16="http://schemas.microsoft.com/office/drawing/2014/main" id="{E48B041E-1773-8E48-9FDA-F84C66D596EF}"/>
+            <p:cNvPr id="6" name="Rectangle 5">
+              <a:extLst>
+                <a:ext uri="{FF2B5EF4-FFF2-40B4-BE49-F238E27FC236}">
+                  <a16:creationId xmlns:a16="http://schemas.microsoft.com/office/drawing/2014/main" id="{7E5989E0-6A73-334C-B33E-BF648A107633}"/>
                 </a:ext>
               </a:extLst>
             </p:cNvPr>
@@ -9537,20 +8018,95 @@
           </p:nvSpPr>
           <p:spPr>
             <a:xfrm>
-              <a:off x="10065381" y="3492599"/>
-              <a:ext cx="182880" cy="182880"/>
-            </a:xfrm>
-            <a:prstGeom prst="cube">
+              <a:off x="4450481" y="765015"/>
+              <a:ext cx="118872" cy="237744"/>
+            </a:xfrm>
+            <a:prstGeom prst="rect">
               <a:avLst/>
             </a:prstGeom>
             <a:solidFill>
-              <a:schemeClr val="accent4">
-                <a:lumMod val="75000"/>
-              </a:schemeClr>
+              <a:srgbClr val="8B6508"/>
             </a:solidFill>
-            <a:ln>
+            <a:ln w="19050">
               <a:solidFill>
-                <a:schemeClr val="tx1"/>
+                <a:schemeClr val="bg1"/>
+              </a:solidFill>
+            </a:ln>
+          </p:spPr>
+          <p:style>
+            <a:lnRef idx="2">
+              <a:schemeClr val="accent1">
+                <a:shade val="50000"/>
+              </a:schemeClr>
+            </a:lnRef>
+            <a:fillRef idx="1">
+              <a:schemeClr val="accent1"/>
+            </a:fillRef>
+            <a:effectRef idx="0">
+              <a:schemeClr val="accent1"/>
+            </a:effectRef>
+            <a:fontRef idx="minor">
+              <a:schemeClr val="lt1"/>
+            </a:fontRef>
+          </p:style>
+          <p:txBody>
+            <a:bodyPr rtlCol="0" anchor="ctr"/>
+            <a:lstStyle/>
+            <a:p>
+              <a:pPr algn="ctr"/>
+              <a:endParaRPr lang="en-US"/>
+            </a:p>
+          </p:txBody>
+        </p:sp>
+      </p:grpSp>
+      <p:grpSp>
+        <p:nvGrpSpPr>
+          <p:cNvPr id="7" name="Group 6">
+            <a:extLst>
+              <a:ext uri="{FF2B5EF4-FFF2-40B4-BE49-F238E27FC236}">
+                <a16:creationId xmlns:a16="http://schemas.microsoft.com/office/drawing/2014/main" id="{4166E6EA-9E87-DB4E-A88A-9CB6CDC96C10}"/>
+              </a:ext>
+            </a:extLst>
+          </p:cNvPr>
+          <p:cNvGrpSpPr/>
+          <p:nvPr/>
+        </p:nvGrpSpPr>
+        <p:grpSpPr>
+          <a:xfrm>
+            <a:off x="6842379" y="2131688"/>
+            <a:ext cx="473481" cy="237744"/>
+            <a:chOff x="4405289" y="4438277"/>
+            <a:chExt cx="473481" cy="237744"/>
+          </a:xfrm>
+        </p:grpSpPr>
+        <p:sp>
+          <p:nvSpPr>
+            <p:cNvPr id="8" name="Rectangle 7">
+              <a:extLst>
+                <a:ext uri="{FF2B5EF4-FFF2-40B4-BE49-F238E27FC236}">
+                  <a16:creationId xmlns:a16="http://schemas.microsoft.com/office/drawing/2014/main" id="{202A3B30-E670-854E-9790-5B6DA17949BD}"/>
+                </a:ext>
+              </a:extLst>
+            </p:cNvPr>
+            <p:cNvSpPr>
+              <a:spLocks noChangeAspect="1"/>
+            </p:cNvSpPr>
+            <p:nvPr/>
+          </p:nvSpPr>
+          <p:spPr>
+            <a:xfrm>
+              <a:off x="4405289" y="4438277"/>
+              <a:ext cx="118872" cy="237744"/>
+            </a:xfrm>
+            <a:prstGeom prst="rect">
+              <a:avLst/>
+            </a:prstGeom>
+            <a:solidFill>
+              <a:srgbClr val="CD950C"/>
+            </a:solidFill>
+            <a:ln w="19050">
+              <a:solidFill>
+                <a:schemeClr val="bg1"/>
               </a:solidFill>
             </a:ln>
           </p:spPr>
@@ -9581,10 +8137,10 @@
         </p:sp>
         <p:sp>
           <p:nvSpPr>
-            <p:cNvPr id="63" name="Cube 62">
-              <a:extLst>
-                <a:ext uri="{FF2B5EF4-FFF2-40B4-BE49-F238E27FC236}">
-                  <a16:creationId xmlns:a16="http://schemas.microsoft.com/office/drawing/2014/main" id="{7352B44C-2C87-C44B-B953-430686709183}"/>
+            <p:cNvPr id="9" name="Rectangle 8">
+              <a:extLst>
+                <a:ext uri="{FF2B5EF4-FFF2-40B4-BE49-F238E27FC236}">
+                  <a16:creationId xmlns:a16="http://schemas.microsoft.com/office/drawing/2014/main" id="{9C0205F8-5475-7C42-AC11-C5E0E4A0006A}"/>
                 </a:ext>
               </a:extLst>
             </p:cNvPr>
@@ -9595,20 +8151,18 @@
           </p:nvSpPr>
           <p:spPr>
             <a:xfrm>
-              <a:off x="9882501" y="3380438"/>
-              <a:ext cx="182880" cy="182880"/>
-            </a:xfrm>
-            <a:prstGeom prst="cube">
+              <a:off x="4528398" y="4438277"/>
+              <a:ext cx="118872" cy="237744"/>
+            </a:xfrm>
+            <a:prstGeom prst="rect">
               <a:avLst/>
             </a:prstGeom>
             <a:solidFill>
-              <a:schemeClr val="accent4">
-                <a:lumMod val="75000"/>
-              </a:schemeClr>
+              <a:srgbClr val="8B6508"/>
             </a:solidFill>
-            <a:ln>
+            <a:ln w="19050">
               <a:solidFill>
-                <a:schemeClr val="tx1"/>
+                <a:schemeClr val="bg1"/>
               </a:solidFill>
             </a:ln>
           </p:spPr>
@@ -9639,10 +8193,10 @@
         </p:sp>
         <p:sp>
           <p:nvSpPr>
-            <p:cNvPr id="64" name="Cube 63">
-              <a:extLst>
-                <a:ext uri="{FF2B5EF4-FFF2-40B4-BE49-F238E27FC236}">
-                  <a16:creationId xmlns:a16="http://schemas.microsoft.com/office/drawing/2014/main" id="{080E75B7-4BD5-6D49-AE21-11286608C0C8}"/>
+            <p:cNvPr id="10" name="Rectangle 9">
+              <a:extLst>
+                <a:ext uri="{FF2B5EF4-FFF2-40B4-BE49-F238E27FC236}">
+                  <a16:creationId xmlns:a16="http://schemas.microsoft.com/office/drawing/2014/main" id="{233B3B5A-0DAA-EB40-9184-F5D5EB747693}"/>
                 </a:ext>
               </a:extLst>
             </p:cNvPr>
@@ -9653,20 +8207,18 @@
           </p:nvSpPr>
           <p:spPr>
             <a:xfrm>
-              <a:off x="10065381" y="3380438"/>
-              <a:ext cx="182880" cy="182880"/>
-            </a:xfrm>
-            <a:prstGeom prst="cube">
+              <a:off x="4647270" y="4438277"/>
+              <a:ext cx="118872" cy="237744"/>
+            </a:xfrm>
+            <a:prstGeom prst="rect">
               <a:avLst/>
             </a:prstGeom>
             <a:solidFill>
-              <a:schemeClr val="accent4">
-                <a:lumMod val="75000"/>
-              </a:schemeClr>
+              <a:srgbClr val="CD950C"/>
             </a:solidFill>
-            <a:ln>
+            <a:ln w="19050">
               <a:solidFill>
-                <a:schemeClr val="tx1"/>
+                <a:schemeClr val="bg1"/>
               </a:solidFill>
             </a:ln>
           </p:spPr>
@@ -9697,10 +8249,10 @@
         </p:sp>
         <p:sp>
           <p:nvSpPr>
-            <p:cNvPr id="65" name="Cube 64">
-              <a:extLst>
-                <a:ext uri="{FF2B5EF4-FFF2-40B4-BE49-F238E27FC236}">
-                  <a16:creationId xmlns:a16="http://schemas.microsoft.com/office/drawing/2014/main" id="{E98A542C-725F-7447-AC39-44AFEABD1756}"/>
+            <p:cNvPr id="11" name="Rectangle 10">
+              <a:extLst>
+                <a:ext uri="{FF2B5EF4-FFF2-40B4-BE49-F238E27FC236}">
+                  <a16:creationId xmlns:a16="http://schemas.microsoft.com/office/drawing/2014/main" id="{4B4A1CF7-7553-544E-BB66-22FAE94E7305}"/>
                 </a:ext>
               </a:extLst>
             </p:cNvPr>
@@ -9711,194 +8263,18 @@
           </p:nvSpPr>
           <p:spPr>
             <a:xfrm>
-              <a:off x="10248261" y="3492599"/>
-              <a:ext cx="182880" cy="182880"/>
-            </a:xfrm>
-            <a:prstGeom prst="cube">
+              <a:off x="4759898" y="4438277"/>
+              <a:ext cx="118872" cy="237744"/>
+            </a:xfrm>
+            <a:prstGeom prst="rect">
               <a:avLst/>
             </a:prstGeom>
             <a:solidFill>
-              <a:schemeClr val="accent4">
-                <a:lumMod val="75000"/>
-              </a:schemeClr>
+              <a:srgbClr val="8B6508"/>
             </a:solidFill>
-            <a:ln>
+            <a:ln w="19050">
               <a:solidFill>
-                <a:schemeClr val="tx1"/>
-              </a:solidFill>
-            </a:ln>
-          </p:spPr>
-          <p:style>
-            <a:lnRef idx="2">
-              <a:schemeClr val="accent1">
-                <a:shade val="50000"/>
-              </a:schemeClr>
-            </a:lnRef>
-            <a:fillRef idx="1">
-              <a:schemeClr val="accent1"/>
-            </a:fillRef>
-            <a:effectRef idx="0">
-              <a:schemeClr val="accent1"/>
-            </a:effectRef>
-            <a:fontRef idx="minor">
-              <a:schemeClr val="lt1"/>
-            </a:fontRef>
-          </p:style>
-          <p:txBody>
-            <a:bodyPr rtlCol="0" anchor="ctr"/>
-            <a:lstStyle/>
-            <a:p>
-              <a:pPr algn="ctr"/>
-              <a:endParaRPr lang="en-US"/>
-            </a:p>
-          </p:txBody>
-        </p:sp>
-        <p:sp>
-          <p:nvSpPr>
-            <p:cNvPr id="66" name="Cube 65">
-              <a:extLst>
-                <a:ext uri="{FF2B5EF4-FFF2-40B4-BE49-F238E27FC236}">
-                  <a16:creationId xmlns:a16="http://schemas.microsoft.com/office/drawing/2014/main" id="{F6BBA2D7-5F40-9E43-9971-8EDB78414423}"/>
-                </a:ext>
-              </a:extLst>
-            </p:cNvPr>
-            <p:cNvSpPr>
-              <a:spLocks noChangeAspect="1"/>
-            </p:cNvSpPr>
-            <p:nvPr/>
-          </p:nvSpPr>
-          <p:spPr>
-            <a:xfrm>
-              <a:off x="10248261" y="3380438"/>
-              <a:ext cx="182880" cy="182880"/>
-            </a:xfrm>
-            <a:prstGeom prst="cube">
-              <a:avLst/>
-            </a:prstGeom>
-            <a:solidFill>
-              <a:schemeClr val="accent4">
-                <a:lumMod val="75000"/>
-              </a:schemeClr>
-            </a:solidFill>
-            <a:ln>
-              <a:solidFill>
-                <a:schemeClr val="tx1"/>
-              </a:solidFill>
-            </a:ln>
-          </p:spPr>
-          <p:style>
-            <a:lnRef idx="2">
-              <a:schemeClr val="accent1">
-                <a:shade val="50000"/>
-              </a:schemeClr>
-            </a:lnRef>
-            <a:fillRef idx="1">
-              <a:schemeClr val="accent1"/>
-            </a:fillRef>
-            <a:effectRef idx="0">
-              <a:schemeClr val="accent1"/>
-            </a:effectRef>
-            <a:fontRef idx="minor">
-              <a:schemeClr val="lt1"/>
-            </a:fontRef>
-          </p:style>
-          <p:txBody>
-            <a:bodyPr rtlCol="0" anchor="ctr"/>
-            <a:lstStyle/>
-            <a:p>
-              <a:pPr algn="ctr"/>
-              <a:endParaRPr lang="en-US"/>
-            </a:p>
-          </p:txBody>
-        </p:sp>
-        <p:sp>
-          <p:nvSpPr>
-            <p:cNvPr id="67" name="Cube 66">
-              <a:extLst>
-                <a:ext uri="{FF2B5EF4-FFF2-40B4-BE49-F238E27FC236}">
-                  <a16:creationId xmlns:a16="http://schemas.microsoft.com/office/drawing/2014/main" id="{ADA42026-701C-D642-8597-21472FF6DA43}"/>
-                </a:ext>
-              </a:extLst>
-            </p:cNvPr>
-            <p:cNvSpPr>
-              <a:spLocks noChangeAspect="1"/>
-            </p:cNvSpPr>
-            <p:nvPr/>
-          </p:nvSpPr>
-          <p:spPr>
-            <a:xfrm>
-              <a:off x="9699621" y="3492599"/>
-              <a:ext cx="182880" cy="182880"/>
-            </a:xfrm>
-            <a:prstGeom prst="cube">
-              <a:avLst/>
-            </a:prstGeom>
-            <a:solidFill>
-              <a:schemeClr val="accent4">
-                <a:lumMod val="75000"/>
-              </a:schemeClr>
-            </a:solidFill>
-            <a:ln>
-              <a:solidFill>
-                <a:schemeClr val="tx1"/>
-              </a:solidFill>
-            </a:ln>
-          </p:spPr>
-          <p:style>
-            <a:lnRef idx="2">
-              <a:schemeClr val="accent1">
-                <a:shade val="50000"/>
-              </a:schemeClr>
-            </a:lnRef>
-            <a:fillRef idx="1">
-              <a:schemeClr val="accent1"/>
-            </a:fillRef>
-            <a:effectRef idx="0">
-              <a:schemeClr val="accent1"/>
-            </a:effectRef>
-            <a:fontRef idx="minor">
-              <a:schemeClr val="lt1"/>
-            </a:fontRef>
-          </p:style>
-          <p:txBody>
-            <a:bodyPr rtlCol="0" anchor="ctr"/>
-            <a:lstStyle/>
-            <a:p>
-              <a:pPr algn="ctr"/>
-              <a:endParaRPr lang="en-US"/>
-            </a:p>
-          </p:txBody>
-        </p:sp>
-        <p:sp>
-          <p:nvSpPr>
-            <p:cNvPr id="68" name="Cube 67">
-              <a:extLst>
-                <a:ext uri="{FF2B5EF4-FFF2-40B4-BE49-F238E27FC236}">
-                  <a16:creationId xmlns:a16="http://schemas.microsoft.com/office/drawing/2014/main" id="{DB5F000E-A23C-B646-8D0F-9AEBECF67121}"/>
-                </a:ext>
-              </a:extLst>
-            </p:cNvPr>
-            <p:cNvSpPr>
-              <a:spLocks noChangeAspect="1"/>
-            </p:cNvSpPr>
-            <p:nvPr/>
-          </p:nvSpPr>
-          <p:spPr>
-            <a:xfrm>
-              <a:off x="9699621" y="3380438"/>
-              <a:ext cx="182880" cy="182880"/>
-            </a:xfrm>
-            <a:prstGeom prst="cube">
-              <a:avLst/>
-            </a:prstGeom>
-            <a:solidFill>
-              <a:schemeClr val="accent4">
-                <a:lumMod val="75000"/>
-              </a:schemeClr>
-            </a:solidFill>
-            <a:ln>
-              <a:solidFill>
-                <a:schemeClr val="tx1"/>
+                <a:schemeClr val="bg1"/>
               </a:solidFill>
             </a:ln>
           </p:spPr>
@@ -9928,10 +8304,1911 @@
           </p:txBody>
         </p:sp>
       </p:grpSp>
+      <p:grpSp>
+        <p:nvGrpSpPr>
+          <p:cNvPr id="12" name="Group 11">
+            <a:extLst>
+              <a:ext uri="{FF2B5EF4-FFF2-40B4-BE49-F238E27FC236}">
+                <a16:creationId xmlns:a16="http://schemas.microsoft.com/office/drawing/2014/main" id="{C49BD346-0353-4A49-BDD3-79D28CEBDABD}"/>
+              </a:ext>
+            </a:extLst>
+          </p:cNvPr>
+          <p:cNvGrpSpPr/>
+          <p:nvPr/>
+        </p:nvGrpSpPr>
+        <p:grpSpPr>
+          <a:xfrm>
+            <a:off x="48876" y="76686"/>
+            <a:ext cx="6875724" cy="2849528"/>
+            <a:chOff x="48876" y="76686"/>
+            <a:chExt cx="6875724" cy="2849528"/>
+          </a:xfrm>
+        </p:grpSpPr>
+        <p:grpSp>
+          <p:nvGrpSpPr>
+            <p:cNvPr id="13" name="Group 12">
+              <a:extLst>
+                <a:ext uri="{FF2B5EF4-FFF2-40B4-BE49-F238E27FC236}">
+                  <a16:creationId xmlns:a16="http://schemas.microsoft.com/office/drawing/2014/main" id="{7A569900-9DDF-9941-B94E-BA5FEA4754EE}"/>
+                </a:ext>
+              </a:extLst>
+            </p:cNvPr>
+            <p:cNvGrpSpPr/>
+            <p:nvPr/>
+          </p:nvGrpSpPr>
+          <p:grpSpPr>
+            <a:xfrm>
+              <a:off x="90701" y="76686"/>
+              <a:ext cx="6551713" cy="2483634"/>
+              <a:chOff x="90701" y="76686"/>
+              <a:chExt cx="6551713" cy="2483634"/>
+            </a:xfrm>
+          </p:grpSpPr>
+          <p:sp>
+            <p:nvSpPr>
+              <p:cNvPr id="24" name="Oval 23">
+                <a:extLst>
+                  <a:ext uri="{FF2B5EF4-FFF2-40B4-BE49-F238E27FC236}">
+                    <a16:creationId xmlns:a16="http://schemas.microsoft.com/office/drawing/2014/main" id="{4D5CD8F5-2E7A-A240-9770-E2395648CB88}"/>
+                  </a:ext>
+                </a:extLst>
+              </p:cNvPr>
+              <p:cNvSpPr>
+                <a:spLocks noChangeAspect="1"/>
+              </p:cNvSpPr>
+              <p:nvPr/>
+            </p:nvSpPr>
+            <p:spPr>
+              <a:xfrm>
+                <a:off x="1234212" y="2282563"/>
+                <a:ext cx="274320" cy="274320"/>
+              </a:xfrm>
+              <a:prstGeom prst="ellipse">
+                <a:avLst/>
+              </a:prstGeom>
+              <a:noFill/>
+              <a:ln w="19050">
+                <a:solidFill>
+                  <a:schemeClr val="tx1"/>
+                </a:solidFill>
+              </a:ln>
+            </p:spPr>
+            <p:style>
+              <a:lnRef idx="2">
+                <a:schemeClr val="accent1">
+                  <a:shade val="50000"/>
+                </a:schemeClr>
+              </a:lnRef>
+              <a:fillRef idx="1">
+                <a:schemeClr val="accent1"/>
+              </a:fillRef>
+              <a:effectRef idx="0">
+                <a:schemeClr val="accent1"/>
+              </a:effectRef>
+              <a:fontRef idx="minor">
+                <a:schemeClr val="lt1"/>
+              </a:fontRef>
+            </p:style>
+            <p:txBody>
+              <a:bodyPr rtlCol="0" anchor="ctr"/>
+              <a:lstStyle/>
+              <a:p>
+                <a:pPr algn="ctr"/>
+                <a:r>
+                  <a:rPr lang="en-US" sz="1600" dirty="0">
+                    <a:solidFill>
+                      <a:schemeClr val="tx1"/>
+                    </a:solidFill>
+                  </a:rPr>
+                  <a:t>2</a:t>
+                </a:r>
+              </a:p>
+            </p:txBody>
+          </p:sp>
+          <p:sp>
+            <p:nvSpPr>
+              <p:cNvPr id="25" name="Oval 24">
+                <a:extLst>
+                  <a:ext uri="{FF2B5EF4-FFF2-40B4-BE49-F238E27FC236}">
+                    <a16:creationId xmlns:a16="http://schemas.microsoft.com/office/drawing/2014/main" id="{B2AAF3E9-5A6E-1848-BBB0-E9AF927C6C60}"/>
+                  </a:ext>
+                </a:extLst>
+              </p:cNvPr>
+              <p:cNvSpPr>
+                <a:spLocks noChangeAspect="1"/>
+              </p:cNvSpPr>
+              <p:nvPr/>
+            </p:nvSpPr>
+            <p:spPr>
+              <a:xfrm>
+                <a:off x="2307586" y="2282563"/>
+                <a:ext cx="274320" cy="274320"/>
+              </a:xfrm>
+              <a:prstGeom prst="ellipse">
+                <a:avLst/>
+              </a:prstGeom>
+              <a:noFill/>
+              <a:ln w="19050">
+                <a:solidFill>
+                  <a:schemeClr val="tx1"/>
+                </a:solidFill>
+              </a:ln>
+            </p:spPr>
+            <p:style>
+              <a:lnRef idx="2">
+                <a:schemeClr val="accent1">
+                  <a:shade val="50000"/>
+                </a:schemeClr>
+              </a:lnRef>
+              <a:fillRef idx="1">
+                <a:schemeClr val="accent1"/>
+              </a:fillRef>
+              <a:effectRef idx="0">
+                <a:schemeClr val="accent1"/>
+              </a:effectRef>
+              <a:fontRef idx="minor">
+                <a:schemeClr val="lt1"/>
+              </a:fontRef>
+            </p:style>
+            <p:txBody>
+              <a:bodyPr rtlCol="0" anchor="ctr"/>
+              <a:lstStyle/>
+              <a:p>
+                <a:pPr algn="ctr"/>
+                <a:r>
+                  <a:rPr lang="en-US" sz="1600" dirty="0">
+                    <a:solidFill>
+                      <a:schemeClr val="tx1"/>
+                    </a:solidFill>
+                  </a:rPr>
+                  <a:t>3</a:t>
+                </a:r>
+              </a:p>
+            </p:txBody>
+          </p:sp>
+          <p:cxnSp>
+            <p:nvCxnSpPr>
+              <p:cNvPr id="26" name="Straight Connector 25">
+                <a:extLst>
+                  <a:ext uri="{FF2B5EF4-FFF2-40B4-BE49-F238E27FC236}">
+                    <a16:creationId xmlns:a16="http://schemas.microsoft.com/office/drawing/2014/main" id="{F3023247-0172-8B4E-AF3E-A52EF8022408}"/>
+                  </a:ext>
+                </a:extLst>
+              </p:cNvPr>
+              <p:cNvCxnSpPr>
+                <a:cxnSpLocks/>
+                <a:stCxn id="24" idx="6"/>
+                <a:endCxn id="25" idx="2"/>
+              </p:cNvCxnSpPr>
+              <p:nvPr/>
+            </p:nvCxnSpPr>
+            <p:spPr>
+              <a:xfrm>
+                <a:off x="1508532" y="2419723"/>
+                <a:ext cx="799054" cy="0"/>
+              </a:xfrm>
+              <a:prstGeom prst="line">
+                <a:avLst/>
+              </a:prstGeom>
+              <a:ln w="38100">
+                <a:solidFill>
+                  <a:schemeClr val="tx1"/>
+                </a:solidFill>
+              </a:ln>
+            </p:spPr>
+            <p:style>
+              <a:lnRef idx="1">
+                <a:schemeClr val="accent1"/>
+              </a:lnRef>
+              <a:fillRef idx="0">
+                <a:schemeClr val="accent1"/>
+              </a:fillRef>
+              <a:effectRef idx="0">
+                <a:schemeClr val="accent1"/>
+              </a:effectRef>
+              <a:fontRef idx="minor">
+                <a:schemeClr val="tx1"/>
+              </a:fontRef>
+            </p:style>
+          </p:cxnSp>
+          <p:cxnSp>
+            <p:nvCxnSpPr>
+              <p:cNvPr id="27" name="Straight Connector 26">
+                <a:extLst>
+                  <a:ext uri="{FF2B5EF4-FFF2-40B4-BE49-F238E27FC236}">
+                    <a16:creationId xmlns:a16="http://schemas.microsoft.com/office/drawing/2014/main" id="{348330B3-EDF8-EB4F-9B12-21261413B1D5}"/>
+                  </a:ext>
+                </a:extLst>
+              </p:cNvPr>
+              <p:cNvCxnSpPr>
+                <a:cxnSpLocks/>
+                <a:stCxn id="25" idx="6"/>
+                <a:endCxn id="37" idx="2"/>
+              </p:cNvCxnSpPr>
+              <p:nvPr/>
+            </p:nvCxnSpPr>
+            <p:spPr>
+              <a:xfrm>
+                <a:off x="2581906" y="2419723"/>
+                <a:ext cx="1197886" cy="0"/>
+              </a:xfrm>
+              <a:prstGeom prst="line">
+                <a:avLst/>
+              </a:prstGeom>
+              <a:ln w="38100">
+                <a:solidFill>
+                  <a:schemeClr val="tx1"/>
+                </a:solidFill>
+              </a:ln>
+            </p:spPr>
+            <p:style>
+              <a:lnRef idx="1">
+                <a:schemeClr val="accent1"/>
+              </a:lnRef>
+              <a:fillRef idx="0">
+                <a:schemeClr val="accent1"/>
+              </a:fillRef>
+              <a:effectRef idx="0">
+                <a:schemeClr val="accent1"/>
+              </a:effectRef>
+              <a:fontRef idx="minor">
+                <a:schemeClr val="tx1"/>
+              </a:fontRef>
+            </p:style>
+          </p:cxnSp>
+          <p:cxnSp>
+            <p:nvCxnSpPr>
+              <p:cNvPr id="28" name="Straight Connector 27">
+                <a:extLst>
+                  <a:ext uri="{FF2B5EF4-FFF2-40B4-BE49-F238E27FC236}">
+                    <a16:creationId xmlns:a16="http://schemas.microsoft.com/office/drawing/2014/main" id="{B1961B40-3084-C84D-862E-3197A159B5E6}"/>
+                  </a:ext>
+                </a:extLst>
+              </p:cNvPr>
+              <p:cNvCxnSpPr>
+                <a:cxnSpLocks/>
+                <a:stCxn id="37" idx="6"/>
+                <a:endCxn id="39" idx="2"/>
+              </p:cNvCxnSpPr>
+              <p:nvPr/>
+            </p:nvCxnSpPr>
+            <p:spPr>
+              <a:xfrm>
+                <a:off x="4054112" y="2419723"/>
+                <a:ext cx="1069914" cy="0"/>
+              </a:xfrm>
+              <a:prstGeom prst="line">
+                <a:avLst/>
+              </a:prstGeom>
+              <a:ln w="38100">
+                <a:solidFill>
+                  <a:schemeClr val="tx1"/>
+                </a:solidFill>
+              </a:ln>
+            </p:spPr>
+            <p:style>
+              <a:lnRef idx="1">
+                <a:schemeClr val="accent1"/>
+              </a:lnRef>
+              <a:fillRef idx="0">
+                <a:schemeClr val="accent1"/>
+              </a:fillRef>
+              <a:effectRef idx="0">
+                <a:schemeClr val="accent1"/>
+              </a:effectRef>
+              <a:fontRef idx="minor">
+                <a:schemeClr val="tx1"/>
+              </a:fontRef>
+            </p:style>
+          </p:cxnSp>
+          <p:cxnSp>
+            <p:nvCxnSpPr>
+              <p:cNvPr id="29" name="Straight Connector 28">
+                <a:extLst>
+                  <a:ext uri="{FF2B5EF4-FFF2-40B4-BE49-F238E27FC236}">
+                    <a16:creationId xmlns:a16="http://schemas.microsoft.com/office/drawing/2014/main" id="{4F2F193A-C84B-AC4C-9FBF-69778DE7C921}"/>
+                  </a:ext>
+                </a:extLst>
+              </p:cNvPr>
+              <p:cNvCxnSpPr>
+                <a:cxnSpLocks/>
+                <a:stCxn id="39" idx="6"/>
+                <a:endCxn id="44" idx="2"/>
+              </p:cNvCxnSpPr>
+              <p:nvPr/>
+            </p:nvCxnSpPr>
+            <p:spPr>
+              <a:xfrm>
+                <a:off x="5398346" y="2419723"/>
+                <a:ext cx="910380" cy="0"/>
+              </a:xfrm>
+              <a:prstGeom prst="line">
+                <a:avLst/>
+              </a:prstGeom>
+              <a:ln w="38100">
+                <a:solidFill>
+                  <a:schemeClr val="tx1"/>
+                </a:solidFill>
+              </a:ln>
+            </p:spPr>
+            <p:style>
+              <a:lnRef idx="1">
+                <a:schemeClr val="accent1"/>
+              </a:lnRef>
+              <a:fillRef idx="0">
+                <a:schemeClr val="accent1"/>
+              </a:fillRef>
+              <a:effectRef idx="0">
+                <a:schemeClr val="accent1"/>
+              </a:effectRef>
+              <a:fontRef idx="minor">
+                <a:schemeClr val="tx1"/>
+              </a:fontRef>
+            </p:style>
+          </p:cxnSp>
+          <p:cxnSp>
+            <p:nvCxnSpPr>
+              <p:cNvPr id="30" name="Straight Connector 29">
+                <a:extLst>
+                  <a:ext uri="{FF2B5EF4-FFF2-40B4-BE49-F238E27FC236}">
+                    <a16:creationId xmlns:a16="http://schemas.microsoft.com/office/drawing/2014/main" id="{BED1F551-F14E-544C-9C9F-05D87C91C067}"/>
+                  </a:ext>
+                </a:extLst>
+              </p:cNvPr>
+              <p:cNvCxnSpPr>
+                <a:cxnSpLocks/>
+                <a:stCxn id="44" idx="0"/>
+              </p:cNvCxnSpPr>
+              <p:nvPr/>
+            </p:nvCxnSpPr>
+            <p:spPr>
+              <a:xfrm flipV="1">
+                <a:off x="6445886" y="1334941"/>
+                <a:ext cx="13844" cy="947622"/>
+              </a:xfrm>
+              <a:prstGeom prst="line">
+                <a:avLst/>
+              </a:prstGeom>
+              <a:ln w="38100">
+                <a:solidFill>
+                  <a:schemeClr val="tx1"/>
+                </a:solidFill>
+              </a:ln>
+            </p:spPr>
+            <p:style>
+              <a:lnRef idx="1">
+                <a:schemeClr val="accent1"/>
+              </a:lnRef>
+              <a:fillRef idx="0">
+                <a:schemeClr val="accent1"/>
+              </a:fillRef>
+              <a:effectRef idx="0">
+                <a:schemeClr val="accent1"/>
+              </a:effectRef>
+              <a:fontRef idx="minor">
+                <a:schemeClr val="tx1"/>
+              </a:fontRef>
+            </p:style>
+          </p:cxnSp>
+          <p:cxnSp>
+            <p:nvCxnSpPr>
+              <p:cNvPr id="31" name="Straight Connector 30">
+                <a:extLst>
+                  <a:ext uri="{FF2B5EF4-FFF2-40B4-BE49-F238E27FC236}">
+                    <a16:creationId xmlns:a16="http://schemas.microsoft.com/office/drawing/2014/main" id="{06B97C5B-F054-8B44-AAB8-E90A7A00FFF7}"/>
+                  </a:ext>
+                </a:extLst>
+              </p:cNvPr>
+              <p:cNvCxnSpPr>
+                <a:cxnSpLocks/>
+                <a:stCxn id="42" idx="0"/>
+                <a:endCxn id="43" idx="4"/>
+              </p:cNvCxnSpPr>
+              <p:nvPr/>
+            </p:nvCxnSpPr>
+            <p:spPr>
+              <a:xfrm flipH="1" flipV="1">
+                <a:off x="6446520" y="383123"/>
+                <a:ext cx="1886" cy="676163"/>
+              </a:xfrm>
+              <a:prstGeom prst="line">
+                <a:avLst/>
+              </a:prstGeom>
+              <a:ln w="38100">
+                <a:solidFill>
+                  <a:schemeClr val="tx1"/>
+                </a:solidFill>
+              </a:ln>
+            </p:spPr>
+            <p:style>
+              <a:lnRef idx="1">
+                <a:schemeClr val="accent1"/>
+              </a:lnRef>
+              <a:fillRef idx="0">
+                <a:schemeClr val="accent1"/>
+              </a:fillRef>
+              <a:effectRef idx="0">
+                <a:schemeClr val="accent1"/>
+              </a:effectRef>
+              <a:fontRef idx="minor">
+                <a:schemeClr val="tx1"/>
+              </a:fontRef>
+            </p:style>
+          </p:cxnSp>
+          <p:cxnSp>
+            <p:nvCxnSpPr>
+              <p:cNvPr id="32" name="Straight Connector 31">
+                <a:extLst>
+                  <a:ext uri="{FF2B5EF4-FFF2-40B4-BE49-F238E27FC236}">
+                    <a16:creationId xmlns:a16="http://schemas.microsoft.com/office/drawing/2014/main" id="{1434BA9D-3B98-414F-BD1C-F24832BA8756}"/>
+                  </a:ext>
+                </a:extLst>
+              </p:cNvPr>
+              <p:cNvCxnSpPr>
+                <a:cxnSpLocks/>
+                <a:stCxn id="42" idx="2"/>
+                <a:endCxn id="41" idx="6"/>
+              </p:cNvCxnSpPr>
+              <p:nvPr/>
+            </p:nvCxnSpPr>
+            <p:spPr>
+              <a:xfrm flipH="1">
+                <a:off x="5394960" y="1196446"/>
+                <a:ext cx="916286" cy="0"/>
+              </a:xfrm>
+              <a:prstGeom prst="line">
+                <a:avLst/>
+              </a:prstGeom>
+              <a:ln w="38100">
+                <a:solidFill>
+                  <a:schemeClr val="tx1"/>
+                </a:solidFill>
+              </a:ln>
+            </p:spPr>
+            <p:style>
+              <a:lnRef idx="1">
+                <a:schemeClr val="accent1"/>
+              </a:lnRef>
+              <a:fillRef idx="0">
+                <a:schemeClr val="accent1"/>
+              </a:fillRef>
+              <a:effectRef idx="0">
+                <a:schemeClr val="accent1"/>
+              </a:effectRef>
+              <a:fontRef idx="minor">
+                <a:schemeClr val="tx1"/>
+              </a:fontRef>
+            </p:style>
+          </p:cxnSp>
+          <p:cxnSp>
+            <p:nvCxnSpPr>
+              <p:cNvPr id="33" name="Straight Connector 32">
+                <a:extLst>
+                  <a:ext uri="{FF2B5EF4-FFF2-40B4-BE49-F238E27FC236}">
+                    <a16:creationId xmlns:a16="http://schemas.microsoft.com/office/drawing/2014/main" id="{C426B0A8-AAD0-194F-8F6E-9A63B9A93FCB}"/>
+                  </a:ext>
+                </a:extLst>
+              </p:cNvPr>
+              <p:cNvCxnSpPr>
+                <a:cxnSpLocks/>
+                <a:stCxn id="41" idx="2"/>
+                <a:endCxn id="40" idx="6"/>
+              </p:cNvCxnSpPr>
+              <p:nvPr/>
+            </p:nvCxnSpPr>
+            <p:spPr>
+              <a:xfrm flipH="1">
+                <a:off x="4050792" y="1196446"/>
+                <a:ext cx="1069848" cy="0"/>
+              </a:xfrm>
+              <a:prstGeom prst="line">
+                <a:avLst/>
+              </a:prstGeom>
+              <a:ln w="38100">
+                <a:solidFill>
+                  <a:schemeClr val="tx1"/>
+                </a:solidFill>
+              </a:ln>
+            </p:spPr>
+            <p:style>
+              <a:lnRef idx="1">
+                <a:schemeClr val="accent1"/>
+              </a:lnRef>
+              <a:fillRef idx="0">
+                <a:schemeClr val="accent1"/>
+              </a:fillRef>
+              <a:effectRef idx="0">
+                <a:schemeClr val="accent1"/>
+              </a:effectRef>
+              <a:fontRef idx="minor">
+                <a:schemeClr val="tx1"/>
+              </a:fontRef>
+            </p:style>
+          </p:cxnSp>
+          <p:cxnSp>
+            <p:nvCxnSpPr>
+              <p:cNvPr id="34" name="Straight Connector 33">
+                <a:extLst>
+                  <a:ext uri="{FF2B5EF4-FFF2-40B4-BE49-F238E27FC236}">
+                    <a16:creationId xmlns:a16="http://schemas.microsoft.com/office/drawing/2014/main" id="{E0160269-B638-5C4B-8064-8A9563640C7B}"/>
+                  </a:ext>
+                </a:extLst>
+              </p:cNvPr>
+              <p:cNvCxnSpPr>
+                <a:cxnSpLocks/>
+                <a:stCxn id="40" idx="2"/>
+                <a:endCxn id="38" idx="6"/>
+              </p:cNvCxnSpPr>
+              <p:nvPr/>
+            </p:nvCxnSpPr>
+            <p:spPr>
+              <a:xfrm flipH="1">
+                <a:off x="2578608" y="1196446"/>
+                <a:ext cx="1197864" cy="0"/>
+              </a:xfrm>
+              <a:prstGeom prst="line">
+                <a:avLst/>
+              </a:prstGeom>
+              <a:ln w="38100">
+                <a:solidFill>
+                  <a:schemeClr val="tx1"/>
+                </a:solidFill>
+              </a:ln>
+            </p:spPr>
+            <p:style>
+              <a:lnRef idx="1">
+                <a:schemeClr val="accent1"/>
+              </a:lnRef>
+              <a:fillRef idx="0">
+                <a:schemeClr val="accent1"/>
+              </a:fillRef>
+              <a:effectRef idx="0">
+                <a:schemeClr val="accent1"/>
+              </a:effectRef>
+              <a:fontRef idx="minor">
+                <a:schemeClr val="tx1"/>
+              </a:fontRef>
+            </p:style>
+          </p:cxnSp>
+          <p:cxnSp>
+            <p:nvCxnSpPr>
+              <p:cNvPr id="35" name="Straight Connector 34">
+                <a:extLst>
+                  <a:ext uri="{FF2B5EF4-FFF2-40B4-BE49-F238E27FC236}">
+                    <a16:creationId xmlns:a16="http://schemas.microsoft.com/office/drawing/2014/main" id="{4389BB35-E2CD-4F46-B574-87ECB88AB5AD}"/>
+                  </a:ext>
+                </a:extLst>
+              </p:cNvPr>
+              <p:cNvCxnSpPr>
+                <a:cxnSpLocks/>
+                <a:endCxn id="25" idx="0"/>
+              </p:cNvCxnSpPr>
+              <p:nvPr/>
+            </p:nvCxnSpPr>
+            <p:spPr>
+              <a:xfrm flipH="1">
+                <a:off x="2444746" y="1334940"/>
+                <a:ext cx="8890" cy="947623"/>
+              </a:xfrm>
+              <a:prstGeom prst="line">
+                <a:avLst/>
+              </a:prstGeom>
+              <a:ln w="38100">
+                <a:solidFill>
+                  <a:schemeClr val="tx1"/>
+                </a:solidFill>
+              </a:ln>
+            </p:spPr>
+            <p:style>
+              <a:lnRef idx="1">
+                <a:schemeClr val="accent1"/>
+              </a:lnRef>
+              <a:fillRef idx="0">
+                <a:schemeClr val="accent1"/>
+              </a:fillRef>
+              <a:effectRef idx="0">
+                <a:schemeClr val="accent1"/>
+              </a:effectRef>
+              <a:fontRef idx="minor">
+                <a:schemeClr val="tx1"/>
+              </a:fontRef>
+            </p:style>
+          </p:cxnSp>
+          <p:cxnSp>
+            <p:nvCxnSpPr>
+              <p:cNvPr id="36" name="Straight Connector 35">
+                <a:extLst>
+                  <a:ext uri="{FF2B5EF4-FFF2-40B4-BE49-F238E27FC236}">
+                    <a16:creationId xmlns:a16="http://schemas.microsoft.com/office/drawing/2014/main" id="{37D6CF6D-476D-D145-AD07-07430148FF7C}"/>
+                  </a:ext>
+                </a:extLst>
+              </p:cNvPr>
+              <p:cNvCxnSpPr>
+                <a:cxnSpLocks/>
+              </p:cNvCxnSpPr>
+              <p:nvPr/>
+            </p:nvCxnSpPr>
+            <p:spPr>
+              <a:xfrm>
+                <a:off x="5261186" y="1334940"/>
+                <a:ext cx="0" cy="938733"/>
+              </a:xfrm>
+              <a:prstGeom prst="line">
+                <a:avLst/>
+              </a:prstGeom>
+              <a:ln w="38100">
+                <a:solidFill>
+                  <a:schemeClr val="tx1"/>
+                </a:solidFill>
+              </a:ln>
+            </p:spPr>
+            <p:style>
+              <a:lnRef idx="1">
+                <a:schemeClr val="accent1"/>
+              </a:lnRef>
+              <a:fillRef idx="0">
+                <a:schemeClr val="accent1"/>
+              </a:fillRef>
+              <a:effectRef idx="0">
+                <a:schemeClr val="accent1"/>
+              </a:effectRef>
+              <a:fontRef idx="minor">
+                <a:schemeClr val="tx1"/>
+              </a:fontRef>
+            </p:style>
+          </p:cxnSp>
+          <p:sp>
+            <p:nvSpPr>
+              <p:cNvPr id="37" name="Oval 36">
+                <a:extLst>
+                  <a:ext uri="{FF2B5EF4-FFF2-40B4-BE49-F238E27FC236}">
+                    <a16:creationId xmlns:a16="http://schemas.microsoft.com/office/drawing/2014/main" id="{C01E53F4-C148-E545-AE88-3243C728A1E3}"/>
+                  </a:ext>
+                </a:extLst>
+              </p:cNvPr>
+              <p:cNvSpPr>
+                <a:spLocks noChangeAspect="1"/>
+              </p:cNvSpPr>
+              <p:nvPr/>
+            </p:nvSpPr>
+            <p:spPr>
+              <a:xfrm>
+                <a:off x="3779792" y="2282563"/>
+                <a:ext cx="274320" cy="274320"/>
+              </a:xfrm>
+              <a:prstGeom prst="ellipse">
+                <a:avLst/>
+              </a:prstGeom>
+              <a:noFill/>
+              <a:ln w="19050">
+                <a:solidFill>
+                  <a:schemeClr val="tx1"/>
+                </a:solidFill>
+              </a:ln>
+            </p:spPr>
+            <p:style>
+              <a:lnRef idx="2">
+                <a:schemeClr val="accent1">
+                  <a:shade val="50000"/>
+                </a:schemeClr>
+              </a:lnRef>
+              <a:fillRef idx="1">
+                <a:schemeClr val="accent1"/>
+              </a:fillRef>
+              <a:effectRef idx="0">
+                <a:schemeClr val="accent1"/>
+              </a:effectRef>
+              <a:fontRef idx="minor">
+                <a:schemeClr val="lt1"/>
+              </a:fontRef>
+            </p:style>
+            <p:txBody>
+              <a:bodyPr rtlCol="0" anchor="ctr"/>
+              <a:lstStyle/>
+              <a:p>
+                <a:pPr algn="ctr"/>
+                <a:r>
+                  <a:rPr lang="en-US" sz="1600" dirty="0">
+                    <a:solidFill>
+                      <a:schemeClr val="tx1"/>
+                    </a:solidFill>
+                  </a:rPr>
+                  <a:t>4</a:t>
+                </a:r>
+              </a:p>
+            </p:txBody>
+          </p:sp>
+          <p:sp>
+            <p:nvSpPr>
+              <p:cNvPr id="38" name="Oval 37">
+                <a:extLst>
+                  <a:ext uri="{FF2B5EF4-FFF2-40B4-BE49-F238E27FC236}">
+                    <a16:creationId xmlns:a16="http://schemas.microsoft.com/office/drawing/2014/main" id="{B903C8BD-46BD-4948-9DB8-44A51784B59F}"/>
+                  </a:ext>
+                </a:extLst>
+              </p:cNvPr>
+              <p:cNvSpPr>
+                <a:spLocks noChangeAspect="1"/>
+              </p:cNvSpPr>
+              <p:nvPr/>
+            </p:nvSpPr>
+            <p:spPr>
+              <a:xfrm>
+                <a:off x="2304288" y="1059286"/>
+                <a:ext cx="274320" cy="274320"/>
+              </a:xfrm>
+              <a:prstGeom prst="ellipse">
+                <a:avLst/>
+              </a:prstGeom>
+              <a:noFill/>
+              <a:ln w="19050">
+                <a:solidFill>
+                  <a:schemeClr val="tx1"/>
+                </a:solidFill>
+              </a:ln>
+            </p:spPr>
+            <p:style>
+              <a:lnRef idx="2">
+                <a:schemeClr val="accent1">
+                  <a:shade val="50000"/>
+                </a:schemeClr>
+              </a:lnRef>
+              <a:fillRef idx="1">
+                <a:schemeClr val="accent1"/>
+              </a:fillRef>
+              <a:effectRef idx="0">
+                <a:schemeClr val="accent1"/>
+              </a:effectRef>
+              <a:fontRef idx="minor">
+                <a:schemeClr val="lt1"/>
+              </a:fontRef>
+            </p:style>
+            <p:txBody>
+              <a:bodyPr rtlCol="0" anchor="ctr"/>
+              <a:lstStyle/>
+              <a:p>
+                <a:pPr algn="ctr"/>
+                <a:r>
+                  <a:rPr lang="en-US" sz="1600" dirty="0">
+                    <a:solidFill>
+                      <a:schemeClr val="tx1"/>
+                    </a:solidFill>
+                  </a:rPr>
+                  <a:t>8</a:t>
+                </a:r>
+              </a:p>
+            </p:txBody>
+          </p:sp>
+          <p:sp>
+            <p:nvSpPr>
+              <p:cNvPr id="39" name="Oval 38">
+                <a:extLst>
+                  <a:ext uri="{FF2B5EF4-FFF2-40B4-BE49-F238E27FC236}">
+                    <a16:creationId xmlns:a16="http://schemas.microsoft.com/office/drawing/2014/main" id="{A83351C8-AD41-A443-A7AB-ACFA00FE826B}"/>
+                  </a:ext>
+                </a:extLst>
+              </p:cNvPr>
+              <p:cNvSpPr>
+                <a:spLocks noChangeAspect="1"/>
+              </p:cNvSpPr>
+              <p:nvPr/>
+            </p:nvSpPr>
+            <p:spPr>
+              <a:xfrm>
+                <a:off x="5124026" y="2282563"/>
+                <a:ext cx="274320" cy="274320"/>
+              </a:xfrm>
+              <a:prstGeom prst="ellipse">
+                <a:avLst/>
+              </a:prstGeom>
+              <a:noFill/>
+              <a:ln w="19050">
+                <a:solidFill>
+                  <a:schemeClr val="tx1"/>
+                </a:solidFill>
+              </a:ln>
+            </p:spPr>
+            <p:style>
+              <a:lnRef idx="2">
+                <a:schemeClr val="accent1">
+                  <a:shade val="50000"/>
+                </a:schemeClr>
+              </a:lnRef>
+              <a:fillRef idx="1">
+                <a:schemeClr val="accent1"/>
+              </a:fillRef>
+              <a:effectRef idx="0">
+                <a:schemeClr val="accent1"/>
+              </a:effectRef>
+              <a:fontRef idx="minor">
+                <a:schemeClr val="lt1"/>
+              </a:fontRef>
+            </p:style>
+            <p:txBody>
+              <a:bodyPr rtlCol="0" anchor="ctr"/>
+              <a:lstStyle/>
+              <a:p>
+                <a:pPr algn="ctr"/>
+                <a:r>
+                  <a:rPr lang="en-US" sz="1600" dirty="0">
+                    <a:solidFill>
+                      <a:schemeClr val="tx1"/>
+                    </a:solidFill>
+                  </a:rPr>
+                  <a:t>5</a:t>
+                </a:r>
+              </a:p>
+            </p:txBody>
+          </p:sp>
+          <p:sp>
+            <p:nvSpPr>
+              <p:cNvPr id="40" name="Oval 39">
+                <a:extLst>
+                  <a:ext uri="{FF2B5EF4-FFF2-40B4-BE49-F238E27FC236}">
+                    <a16:creationId xmlns:a16="http://schemas.microsoft.com/office/drawing/2014/main" id="{0F785CFE-F7AD-1B4A-BE59-EB7AC8659E16}"/>
+                  </a:ext>
+                </a:extLst>
+              </p:cNvPr>
+              <p:cNvSpPr>
+                <a:spLocks noChangeAspect="1"/>
+              </p:cNvSpPr>
+              <p:nvPr/>
+            </p:nvSpPr>
+            <p:spPr>
+              <a:xfrm>
+                <a:off x="3776472" y="1059286"/>
+                <a:ext cx="274320" cy="274320"/>
+              </a:xfrm>
+              <a:prstGeom prst="ellipse">
+                <a:avLst/>
+              </a:prstGeom>
+              <a:noFill/>
+              <a:ln w="19050">
+                <a:solidFill>
+                  <a:schemeClr val="tx1"/>
+                </a:solidFill>
+              </a:ln>
+            </p:spPr>
+            <p:style>
+              <a:lnRef idx="2">
+                <a:schemeClr val="accent1">
+                  <a:shade val="50000"/>
+                </a:schemeClr>
+              </a:lnRef>
+              <a:fillRef idx="1">
+                <a:schemeClr val="accent1"/>
+              </a:fillRef>
+              <a:effectRef idx="0">
+                <a:schemeClr val="accent1"/>
+              </a:effectRef>
+              <a:fontRef idx="minor">
+                <a:schemeClr val="lt1"/>
+              </a:fontRef>
+            </p:style>
+            <p:txBody>
+              <a:bodyPr rtlCol="0" anchor="ctr"/>
+              <a:lstStyle/>
+              <a:p>
+                <a:pPr algn="ctr"/>
+                <a:r>
+                  <a:rPr lang="en-US" sz="1600" dirty="0">
+                    <a:solidFill>
+                      <a:schemeClr val="tx1"/>
+                    </a:solidFill>
+                  </a:rPr>
+                  <a:t>9</a:t>
+                </a:r>
+              </a:p>
+            </p:txBody>
+          </p:sp>
+          <p:sp>
+            <p:nvSpPr>
+              <p:cNvPr id="41" name="Oval 40">
+                <a:extLst>
+                  <a:ext uri="{FF2B5EF4-FFF2-40B4-BE49-F238E27FC236}">
+                    <a16:creationId xmlns:a16="http://schemas.microsoft.com/office/drawing/2014/main" id="{4E56397F-43B1-3949-B49E-977E79119444}"/>
+                  </a:ext>
+                </a:extLst>
+              </p:cNvPr>
+              <p:cNvSpPr>
+                <a:spLocks noChangeAspect="1"/>
+              </p:cNvSpPr>
+              <p:nvPr/>
+            </p:nvSpPr>
+            <p:spPr>
+              <a:xfrm>
+                <a:off x="5120640" y="1059286"/>
+                <a:ext cx="274320" cy="274320"/>
+              </a:xfrm>
+              <a:prstGeom prst="ellipse">
+                <a:avLst/>
+              </a:prstGeom>
+              <a:noFill/>
+              <a:ln w="19050">
+                <a:solidFill>
+                  <a:schemeClr val="tx1"/>
+                </a:solidFill>
+              </a:ln>
+            </p:spPr>
+            <p:style>
+              <a:lnRef idx="2">
+                <a:schemeClr val="accent1">
+                  <a:shade val="50000"/>
+                </a:schemeClr>
+              </a:lnRef>
+              <a:fillRef idx="1">
+                <a:schemeClr val="accent1"/>
+              </a:fillRef>
+              <a:effectRef idx="0">
+                <a:schemeClr val="accent1"/>
+              </a:effectRef>
+              <a:fontRef idx="minor">
+                <a:schemeClr val="lt1"/>
+              </a:fontRef>
+            </p:style>
+            <p:txBody>
+              <a:bodyPr rtlCol="0" anchor="ctr"/>
+              <a:lstStyle/>
+              <a:p>
+                <a:pPr algn="ctr"/>
+                <a:endParaRPr lang="en-US" sz="1050" dirty="0">
+                  <a:solidFill>
+                    <a:schemeClr val="tx1"/>
+                  </a:solidFill>
+                </a:endParaRPr>
+              </a:p>
+            </p:txBody>
+          </p:sp>
+          <p:sp>
+            <p:nvSpPr>
+              <p:cNvPr id="42" name="Oval 41">
+                <a:extLst>
+                  <a:ext uri="{FF2B5EF4-FFF2-40B4-BE49-F238E27FC236}">
+                    <a16:creationId xmlns:a16="http://schemas.microsoft.com/office/drawing/2014/main" id="{7CE51253-851F-1E43-9794-C935E755BDF4}"/>
+                  </a:ext>
+                </a:extLst>
+              </p:cNvPr>
+              <p:cNvSpPr>
+                <a:spLocks noChangeAspect="1"/>
+              </p:cNvSpPr>
+              <p:nvPr/>
+            </p:nvSpPr>
+            <p:spPr>
+              <a:xfrm>
+                <a:off x="6311246" y="1059286"/>
+                <a:ext cx="274320" cy="274320"/>
+              </a:xfrm>
+              <a:prstGeom prst="ellipse">
+                <a:avLst/>
+              </a:prstGeom>
+              <a:noFill/>
+              <a:ln w="19050">
+                <a:solidFill>
+                  <a:schemeClr val="tx1"/>
+                </a:solidFill>
+              </a:ln>
+            </p:spPr>
+            <p:style>
+              <a:lnRef idx="2">
+                <a:schemeClr val="accent1">
+                  <a:shade val="50000"/>
+                </a:schemeClr>
+              </a:lnRef>
+              <a:fillRef idx="1">
+                <a:schemeClr val="accent1"/>
+              </a:fillRef>
+              <a:effectRef idx="0">
+                <a:schemeClr val="accent1"/>
+              </a:effectRef>
+              <a:fontRef idx="minor">
+                <a:schemeClr val="lt1"/>
+              </a:fontRef>
+            </p:style>
+            <p:txBody>
+              <a:bodyPr rtlCol="0" anchor="ctr"/>
+              <a:lstStyle/>
+              <a:p>
+                <a:pPr algn="ctr"/>
+                <a:endParaRPr lang="en-US" sz="1600" dirty="0">
+                  <a:solidFill>
+                    <a:schemeClr val="accent1">
+                      <a:lumMod val="50000"/>
+                    </a:schemeClr>
+                  </a:solidFill>
+                </a:endParaRPr>
+              </a:p>
+            </p:txBody>
+          </p:sp>
+          <p:sp>
+            <p:nvSpPr>
+              <p:cNvPr id="43" name="Oval 42">
+                <a:extLst>
+                  <a:ext uri="{FF2B5EF4-FFF2-40B4-BE49-F238E27FC236}">
+                    <a16:creationId xmlns:a16="http://schemas.microsoft.com/office/drawing/2014/main" id="{6AEDEF4E-0C42-6A40-B002-1A2183690910}"/>
+                  </a:ext>
+                </a:extLst>
+              </p:cNvPr>
+              <p:cNvSpPr>
+                <a:spLocks noChangeAspect="1"/>
+              </p:cNvSpPr>
+              <p:nvPr/>
+            </p:nvSpPr>
+            <p:spPr>
+              <a:xfrm>
+                <a:off x="6309360" y="108803"/>
+                <a:ext cx="274320" cy="274320"/>
+              </a:xfrm>
+              <a:prstGeom prst="ellipse">
+                <a:avLst/>
+              </a:prstGeom>
+              <a:noFill/>
+              <a:ln w="19050">
+                <a:solidFill>
+                  <a:schemeClr val="tx1"/>
+                </a:solidFill>
+              </a:ln>
+            </p:spPr>
+            <p:style>
+              <a:lnRef idx="2">
+                <a:schemeClr val="accent1">
+                  <a:shade val="50000"/>
+                </a:schemeClr>
+              </a:lnRef>
+              <a:fillRef idx="1">
+                <a:schemeClr val="accent1"/>
+              </a:fillRef>
+              <a:effectRef idx="0">
+                <a:schemeClr val="accent1"/>
+              </a:effectRef>
+              <a:fontRef idx="minor">
+                <a:schemeClr val="lt1"/>
+              </a:fontRef>
+            </p:style>
+            <p:txBody>
+              <a:bodyPr rtlCol="0" anchor="ctr"/>
+              <a:lstStyle/>
+              <a:p>
+                <a:pPr algn="ctr"/>
+                <a:endParaRPr lang="en-US" sz="1600" dirty="0">
+                  <a:solidFill>
+                    <a:schemeClr val="accent1">
+                      <a:lumMod val="50000"/>
+                    </a:schemeClr>
+                  </a:solidFill>
+                </a:endParaRPr>
+              </a:p>
+            </p:txBody>
+          </p:sp>
+          <p:sp>
+            <p:nvSpPr>
+              <p:cNvPr id="44" name="Oval 43">
+                <a:extLst>
+                  <a:ext uri="{FF2B5EF4-FFF2-40B4-BE49-F238E27FC236}">
+                    <a16:creationId xmlns:a16="http://schemas.microsoft.com/office/drawing/2014/main" id="{313FF0EF-4DF4-5C4C-9DCD-6D3181ABB2ED}"/>
+                  </a:ext>
+                </a:extLst>
+              </p:cNvPr>
+              <p:cNvSpPr>
+                <a:spLocks noChangeAspect="1"/>
+              </p:cNvSpPr>
+              <p:nvPr/>
+            </p:nvSpPr>
+            <p:spPr>
+              <a:xfrm>
+                <a:off x="6308726" y="2282563"/>
+                <a:ext cx="274320" cy="274320"/>
+              </a:xfrm>
+              <a:prstGeom prst="ellipse">
+                <a:avLst/>
+              </a:prstGeom>
+              <a:noFill/>
+              <a:ln w="19050">
+                <a:solidFill>
+                  <a:schemeClr val="tx1"/>
+                </a:solidFill>
+              </a:ln>
+            </p:spPr>
+            <p:style>
+              <a:lnRef idx="2">
+                <a:schemeClr val="accent1">
+                  <a:shade val="50000"/>
+                </a:schemeClr>
+              </a:lnRef>
+              <a:fillRef idx="1">
+                <a:schemeClr val="accent1"/>
+              </a:fillRef>
+              <a:effectRef idx="0">
+                <a:schemeClr val="accent1"/>
+              </a:effectRef>
+              <a:fontRef idx="minor">
+                <a:schemeClr val="lt1"/>
+              </a:fontRef>
+            </p:style>
+            <p:txBody>
+              <a:bodyPr rtlCol="0" anchor="ctr"/>
+              <a:lstStyle/>
+              <a:p>
+                <a:pPr algn="ctr"/>
+                <a:r>
+                  <a:rPr lang="en-US" sz="1600" dirty="0">
+                    <a:solidFill>
+                      <a:schemeClr val="tx1"/>
+                    </a:solidFill>
+                  </a:rPr>
+                  <a:t>6</a:t>
+                </a:r>
+              </a:p>
+            </p:txBody>
+          </p:sp>
+          <p:sp>
+            <p:nvSpPr>
+              <p:cNvPr id="45" name="Oval 44">
+                <a:extLst>
+                  <a:ext uri="{FF2B5EF4-FFF2-40B4-BE49-F238E27FC236}">
+                    <a16:creationId xmlns:a16="http://schemas.microsoft.com/office/drawing/2014/main" id="{4D4B7997-4D85-9A49-90E5-AECF9D79998F}"/>
+                  </a:ext>
+                </a:extLst>
+              </p:cNvPr>
+              <p:cNvSpPr>
+                <a:spLocks noChangeAspect="1"/>
+              </p:cNvSpPr>
+              <p:nvPr/>
+            </p:nvSpPr>
+            <p:spPr>
+              <a:xfrm>
+                <a:off x="1376055" y="1059286"/>
+                <a:ext cx="274320" cy="274320"/>
+              </a:xfrm>
+              <a:prstGeom prst="ellipse">
+                <a:avLst/>
+              </a:prstGeom>
+              <a:noFill/>
+              <a:ln w="19050">
+                <a:solidFill>
+                  <a:schemeClr val="tx1"/>
+                </a:solidFill>
+              </a:ln>
+            </p:spPr>
+            <p:style>
+              <a:lnRef idx="2">
+                <a:schemeClr val="accent1">
+                  <a:shade val="50000"/>
+                </a:schemeClr>
+              </a:lnRef>
+              <a:fillRef idx="1">
+                <a:schemeClr val="accent1"/>
+              </a:fillRef>
+              <a:effectRef idx="0">
+                <a:schemeClr val="accent1"/>
+              </a:effectRef>
+              <a:fontRef idx="minor">
+                <a:schemeClr val="lt1"/>
+              </a:fontRef>
+            </p:style>
+            <p:txBody>
+              <a:bodyPr rtlCol="0" anchor="ctr"/>
+              <a:lstStyle/>
+              <a:p>
+                <a:pPr algn="ctr"/>
+                <a:r>
+                  <a:rPr lang="en-US" sz="1600" dirty="0">
+                    <a:solidFill>
+                      <a:schemeClr val="tx1"/>
+                    </a:solidFill>
+                  </a:rPr>
+                  <a:t>7</a:t>
+                </a:r>
+              </a:p>
+            </p:txBody>
+          </p:sp>
+          <p:cxnSp>
+            <p:nvCxnSpPr>
+              <p:cNvPr id="46" name="Straight Connector 45">
+                <a:extLst>
+                  <a:ext uri="{FF2B5EF4-FFF2-40B4-BE49-F238E27FC236}">
+                    <a16:creationId xmlns:a16="http://schemas.microsoft.com/office/drawing/2014/main" id="{AB239BAB-AF66-B047-B89B-475528B791D1}"/>
+                  </a:ext>
+                </a:extLst>
+              </p:cNvPr>
+              <p:cNvCxnSpPr>
+                <a:stCxn id="38" idx="2"/>
+                <a:endCxn id="45" idx="6"/>
+              </p:cNvCxnSpPr>
+              <p:nvPr/>
+            </p:nvCxnSpPr>
+            <p:spPr>
+              <a:xfrm flipH="1">
+                <a:off x="1650375" y="1196446"/>
+                <a:ext cx="653913" cy="0"/>
+              </a:xfrm>
+              <a:prstGeom prst="line">
+                <a:avLst/>
+              </a:prstGeom>
+              <a:ln w="38100">
+                <a:solidFill>
+                  <a:schemeClr val="tx1"/>
+                </a:solidFill>
+              </a:ln>
+            </p:spPr>
+            <p:style>
+              <a:lnRef idx="1">
+                <a:schemeClr val="accent1"/>
+              </a:lnRef>
+              <a:fillRef idx="0">
+                <a:schemeClr val="accent1"/>
+              </a:fillRef>
+              <a:effectRef idx="0">
+                <a:schemeClr val="accent1"/>
+              </a:effectRef>
+              <a:fontRef idx="minor">
+                <a:schemeClr val="tx1"/>
+              </a:fontRef>
+            </p:style>
+          </p:cxnSp>
+          <p:sp>
+            <p:nvSpPr>
+              <p:cNvPr id="47" name="TextBox 46">
+                <a:extLst>
+                  <a:ext uri="{FF2B5EF4-FFF2-40B4-BE49-F238E27FC236}">
+                    <a16:creationId xmlns:a16="http://schemas.microsoft.com/office/drawing/2014/main" id="{F6581A93-DDD5-4946-8316-7F3AFF607FBC}"/>
+                  </a:ext>
+                </a:extLst>
+              </p:cNvPr>
+              <p:cNvSpPr txBox="1"/>
+              <p:nvPr/>
+            </p:nvSpPr>
+            <p:spPr>
+              <a:xfrm>
+                <a:off x="5058752" y="1027169"/>
+                <a:ext cx="393056" cy="338554"/>
+              </a:xfrm>
+              <a:prstGeom prst="rect">
+                <a:avLst/>
+              </a:prstGeom>
+              <a:noFill/>
+            </p:spPr>
+            <p:txBody>
+              <a:bodyPr wrap="none" rtlCol="0">
+                <a:spAutoFit/>
+              </a:bodyPr>
+              <a:lstStyle/>
+              <a:p>
+                <a:r>
+                  <a:rPr lang="en-US" sz="1600" dirty="0"/>
+                  <a:t>10</a:t>
+                </a:r>
+              </a:p>
+            </p:txBody>
+          </p:sp>
+          <p:sp>
+            <p:nvSpPr>
+              <p:cNvPr id="48" name="TextBox 47">
+                <a:extLst>
+                  <a:ext uri="{FF2B5EF4-FFF2-40B4-BE49-F238E27FC236}">
+                    <a16:creationId xmlns:a16="http://schemas.microsoft.com/office/drawing/2014/main" id="{4FD3F7FB-FB52-3045-95FA-CCF956CBC349}"/>
+                  </a:ext>
+                </a:extLst>
+              </p:cNvPr>
+              <p:cNvSpPr txBox="1"/>
+              <p:nvPr/>
+            </p:nvSpPr>
+            <p:spPr>
+              <a:xfrm>
+                <a:off x="6249358" y="1027169"/>
+                <a:ext cx="393056" cy="338554"/>
+              </a:xfrm>
+              <a:prstGeom prst="rect">
+                <a:avLst/>
+              </a:prstGeom>
+              <a:noFill/>
+            </p:spPr>
+            <p:txBody>
+              <a:bodyPr wrap="none" rtlCol="0">
+                <a:spAutoFit/>
+              </a:bodyPr>
+              <a:lstStyle/>
+              <a:p>
+                <a:r>
+                  <a:rPr lang="en-US" sz="1600" dirty="0"/>
+                  <a:t>11</a:t>
+                </a:r>
+              </a:p>
+            </p:txBody>
+          </p:sp>
+          <p:sp>
+            <p:nvSpPr>
+              <p:cNvPr id="49" name="Oval 48">
+                <a:extLst>
+                  <a:ext uri="{FF2B5EF4-FFF2-40B4-BE49-F238E27FC236}">
+                    <a16:creationId xmlns:a16="http://schemas.microsoft.com/office/drawing/2014/main" id="{E8310816-0C74-694F-8766-DA57D75BE76A}"/>
+                  </a:ext>
+                </a:extLst>
+              </p:cNvPr>
+              <p:cNvSpPr>
+                <a:spLocks noChangeAspect="1"/>
+              </p:cNvSpPr>
+              <p:nvPr/>
+            </p:nvSpPr>
+            <p:spPr>
+              <a:xfrm>
+                <a:off x="90701" y="2286000"/>
+                <a:ext cx="274320" cy="274320"/>
+              </a:xfrm>
+              <a:prstGeom prst="ellipse">
+                <a:avLst/>
+              </a:prstGeom>
+              <a:noFill/>
+              <a:ln w="19050">
+                <a:solidFill>
+                  <a:schemeClr val="tx1"/>
+                </a:solidFill>
+              </a:ln>
+            </p:spPr>
+            <p:style>
+              <a:lnRef idx="2">
+                <a:schemeClr val="accent1">
+                  <a:shade val="50000"/>
+                </a:schemeClr>
+              </a:lnRef>
+              <a:fillRef idx="1">
+                <a:schemeClr val="accent1"/>
+              </a:fillRef>
+              <a:effectRef idx="0">
+                <a:schemeClr val="accent1"/>
+              </a:effectRef>
+              <a:fontRef idx="minor">
+                <a:schemeClr val="lt1"/>
+              </a:fontRef>
+            </p:style>
+            <p:txBody>
+              <a:bodyPr rtlCol="0" anchor="ctr"/>
+              <a:lstStyle/>
+              <a:p>
+                <a:pPr algn="ctr"/>
+                <a:r>
+                  <a:rPr lang="en-US" sz="1600" dirty="0">
+                    <a:solidFill>
+                      <a:schemeClr val="tx1"/>
+                    </a:solidFill>
+                  </a:rPr>
+                  <a:t>1</a:t>
+                </a:r>
+              </a:p>
+            </p:txBody>
+          </p:sp>
+          <p:cxnSp>
+            <p:nvCxnSpPr>
+              <p:cNvPr id="50" name="Straight Connector 49">
+                <a:extLst>
+                  <a:ext uri="{FF2B5EF4-FFF2-40B4-BE49-F238E27FC236}">
+                    <a16:creationId xmlns:a16="http://schemas.microsoft.com/office/drawing/2014/main" id="{C2070CC7-0E66-5547-83B2-3C753521D505}"/>
+                  </a:ext>
+                </a:extLst>
+              </p:cNvPr>
+              <p:cNvCxnSpPr>
+                <a:stCxn id="49" idx="6"/>
+                <a:endCxn id="24" idx="2"/>
+              </p:cNvCxnSpPr>
+              <p:nvPr/>
+            </p:nvCxnSpPr>
+            <p:spPr>
+              <a:xfrm flipV="1">
+                <a:off x="365021" y="2419723"/>
+                <a:ext cx="869191" cy="3437"/>
+              </a:xfrm>
+              <a:prstGeom prst="line">
+                <a:avLst/>
+              </a:prstGeom>
+              <a:ln w="38100">
+                <a:solidFill>
+                  <a:schemeClr val="tx1"/>
+                </a:solidFill>
+              </a:ln>
+            </p:spPr>
+            <p:style>
+              <a:lnRef idx="1">
+                <a:schemeClr val="accent1"/>
+              </a:lnRef>
+              <a:fillRef idx="0">
+                <a:schemeClr val="accent1"/>
+              </a:fillRef>
+              <a:effectRef idx="0">
+                <a:schemeClr val="accent1"/>
+              </a:effectRef>
+              <a:fontRef idx="minor">
+                <a:schemeClr val="tx1"/>
+              </a:fontRef>
+            </p:style>
+          </p:cxnSp>
+          <p:sp>
+            <p:nvSpPr>
+              <p:cNvPr id="51" name="TextBox 50">
+                <a:extLst>
+                  <a:ext uri="{FF2B5EF4-FFF2-40B4-BE49-F238E27FC236}">
+                    <a16:creationId xmlns:a16="http://schemas.microsoft.com/office/drawing/2014/main" id="{DC6EDC96-FCAB-BA46-AAC0-C94AEA5BA527}"/>
+                  </a:ext>
+                </a:extLst>
+              </p:cNvPr>
+              <p:cNvSpPr txBox="1"/>
+              <p:nvPr/>
+            </p:nvSpPr>
+            <p:spPr>
+              <a:xfrm>
+                <a:off x="6249358" y="76686"/>
+                <a:ext cx="393056" cy="338554"/>
+              </a:xfrm>
+              <a:prstGeom prst="rect">
+                <a:avLst/>
+              </a:prstGeom>
+              <a:noFill/>
+            </p:spPr>
+            <p:txBody>
+              <a:bodyPr wrap="none" rtlCol="0">
+                <a:spAutoFit/>
+              </a:bodyPr>
+              <a:lstStyle/>
+              <a:p>
+                <a:r>
+                  <a:rPr lang="en-US" sz="1600" dirty="0"/>
+                  <a:t>12</a:t>
+                </a:r>
+              </a:p>
+            </p:txBody>
+          </p:sp>
+        </p:grpSp>
+        <p:sp>
+          <p:nvSpPr>
+            <p:cNvPr id="14" name="TextBox 13">
+              <a:extLst>
+                <a:ext uri="{FF2B5EF4-FFF2-40B4-BE49-F238E27FC236}">
+                  <a16:creationId xmlns:a16="http://schemas.microsoft.com/office/drawing/2014/main" id="{B5C28254-2BD5-0541-A574-848158BFE9CB}"/>
+                </a:ext>
+              </a:extLst>
+            </p:cNvPr>
+            <p:cNvSpPr txBox="1"/>
+            <p:nvPr/>
+          </p:nvSpPr>
+          <p:spPr>
+            <a:xfrm>
+              <a:off x="48876" y="2552327"/>
+              <a:ext cx="632289" cy="369332"/>
+            </a:xfrm>
+            <a:prstGeom prst="rect">
+              <a:avLst/>
+            </a:prstGeom>
+            <a:noFill/>
+          </p:spPr>
+          <p:txBody>
+            <a:bodyPr wrap="none" rtlCol="0">
+              <a:spAutoFit/>
+            </a:bodyPr>
+            <a:lstStyle/>
+            <a:p>
+              <a:r>
+                <a:rPr lang="en-US" dirty="0"/>
+                <a:t>Start</a:t>
+              </a:r>
+            </a:p>
+          </p:txBody>
+        </p:sp>
+        <p:sp>
+          <p:nvSpPr>
+            <p:cNvPr id="15" name="TextBox 14">
+              <a:extLst>
+                <a:ext uri="{FF2B5EF4-FFF2-40B4-BE49-F238E27FC236}">
+                  <a16:creationId xmlns:a16="http://schemas.microsoft.com/office/drawing/2014/main" id="{025B15B9-042E-3C4E-9488-D325C83C5EFC}"/>
+                </a:ext>
+              </a:extLst>
+            </p:cNvPr>
+            <p:cNvSpPr txBox="1"/>
+            <p:nvPr/>
+          </p:nvSpPr>
+          <p:spPr>
+            <a:xfrm>
+              <a:off x="6308726" y="2556882"/>
+              <a:ext cx="615874" cy="369332"/>
+            </a:xfrm>
+            <a:prstGeom prst="rect">
+              <a:avLst/>
+            </a:prstGeom>
+            <a:noFill/>
+          </p:spPr>
+          <p:txBody>
+            <a:bodyPr wrap="none" rtlCol="0">
+              <a:spAutoFit/>
+            </a:bodyPr>
+            <a:lstStyle/>
+            <a:p>
+              <a:r>
+                <a:rPr lang="en-US" dirty="0"/>
+                <a:t>Goal</a:t>
+              </a:r>
+            </a:p>
+          </p:txBody>
+        </p:sp>
+        <p:grpSp>
+          <p:nvGrpSpPr>
+            <p:cNvPr id="16" name="Group 15">
+              <a:extLst>
+                <a:ext uri="{FF2B5EF4-FFF2-40B4-BE49-F238E27FC236}">
+                  <a16:creationId xmlns:a16="http://schemas.microsoft.com/office/drawing/2014/main" id="{6F379C94-8F04-4F40-8C8D-042F4D2E6396}"/>
+                </a:ext>
+              </a:extLst>
+            </p:cNvPr>
+            <p:cNvGrpSpPr/>
+            <p:nvPr/>
+          </p:nvGrpSpPr>
+          <p:grpSpPr>
+            <a:xfrm>
+              <a:off x="4464725" y="874064"/>
+              <a:ext cx="241981" cy="237744"/>
+              <a:chOff x="4327372" y="765015"/>
+              <a:chExt cx="241981" cy="237744"/>
+            </a:xfrm>
+          </p:grpSpPr>
+          <p:sp>
+            <p:nvSpPr>
+              <p:cNvPr id="22" name="Rectangle 21">
+                <a:extLst>
+                  <a:ext uri="{FF2B5EF4-FFF2-40B4-BE49-F238E27FC236}">
+                    <a16:creationId xmlns:a16="http://schemas.microsoft.com/office/drawing/2014/main" id="{5B69218A-AFD9-7046-A765-6568B8BA3E09}"/>
+                  </a:ext>
+                </a:extLst>
+              </p:cNvPr>
+              <p:cNvSpPr>
+                <a:spLocks noChangeAspect="1"/>
+              </p:cNvSpPr>
+              <p:nvPr/>
+            </p:nvSpPr>
+            <p:spPr>
+              <a:xfrm>
+                <a:off x="4327372" y="765015"/>
+                <a:ext cx="118872" cy="237744"/>
+              </a:xfrm>
+              <a:prstGeom prst="rect">
+                <a:avLst/>
+              </a:prstGeom>
+              <a:solidFill>
+                <a:srgbClr val="CD950C"/>
+              </a:solidFill>
+              <a:ln w="19050">
+                <a:solidFill>
+                  <a:schemeClr val="bg1"/>
+                </a:solidFill>
+              </a:ln>
+            </p:spPr>
+            <p:style>
+              <a:lnRef idx="2">
+                <a:schemeClr val="accent1">
+                  <a:shade val="50000"/>
+                </a:schemeClr>
+              </a:lnRef>
+              <a:fillRef idx="1">
+                <a:schemeClr val="accent1"/>
+              </a:fillRef>
+              <a:effectRef idx="0">
+                <a:schemeClr val="accent1"/>
+              </a:effectRef>
+              <a:fontRef idx="minor">
+                <a:schemeClr val="lt1"/>
+              </a:fontRef>
+            </p:style>
+            <p:txBody>
+              <a:bodyPr rtlCol="0" anchor="ctr"/>
+              <a:lstStyle/>
+              <a:p>
+                <a:pPr algn="ctr"/>
+                <a:endParaRPr lang="en-US"/>
+              </a:p>
+            </p:txBody>
+          </p:sp>
+          <p:sp>
+            <p:nvSpPr>
+              <p:cNvPr id="23" name="Rectangle 22">
+                <a:extLst>
+                  <a:ext uri="{FF2B5EF4-FFF2-40B4-BE49-F238E27FC236}">
+                    <a16:creationId xmlns:a16="http://schemas.microsoft.com/office/drawing/2014/main" id="{4526E977-B0EB-E044-9C27-3E87D174B314}"/>
+                  </a:ext>
+                </a:extLst>
+              </p:cNvPr>
+              <p:cNvSpPr>
+                <a:spLocks noChangeAspect="1"/>
+              </p:cNvSpPr>
+              <p:nvPr/>
+            </p:nvSpPr>
+            <p:spPr>
+              <a:xfrm>
+                <a:off x="4450481" y="765015"/>
+                <a:ext cx="118872" cy="237744"/>
+              </a:xfrm>
+              <a:prstGeom prst="rect">
+                <a:avLst/>
+              </a:prstGeom>
+              <a:solidFill>
+                <a:srgbClr val="8B6508"/>
+              </a:solidFill>
+              <a:ln w="19050">
+                <a:solidFill>
+                  <a:schemeClr val="bg1"/>
+                </a:solidFill>
+              </a:ln>
+            </p:spPr>
+            <p:style>
+              <a:lnRef idx="2">
+                <a:schemeClr val="accent1">
+                  <a:shade val="50000"/>
+                </a:schemeClr>
+              </a:lnRef>
+              <a:fillRef idx="1">
+                <a:schemeClr val="accent1"/>
+              </a:fillRef>
+              <a:effectRef idx="0">
+                <a:schemeClr val="accent1"/>
+              </a:effectRef>
+              <a:fontRef idx="minor">
+                <a:schemeClr val="lt1"/>
+              </a:fontRef>
+            </p:style>
+            <p:txBody>
+              <a:bodyPr rtlCol="0" anchor="ctr"/>
+              <a:lstStyle/>
+              <a:p>
+                <a:pPr algn="ctr"/>
+                <a:endParaRPr lang="en-US"/>
+              </a:p>
+            </p:txBody>
+          </p:sp>
+        </p:grpSp>
+        <p:grpSp>
+          <p:nvGrpSpPr>
+            <p:cNvPr id="17" name="Group 16">
+              <a:extLst>
+                <a:ext uri="{FF2B5EF4-FFF2-40B4-BE49-F238E27FC236}">
+                  <a16:creationId xmlns:a16="http://schemas.microsoft.com/office/drawing/2014/main" id="{9D01E1C7-2466-A248-B0B3-CB5DD36E014A}"/>
+                </a:ext>
+              </a:extLst>
+            </p:cNvPr>
+            <p:cNvGrpSpPr/>
+            <p:nvPr/>
+          </p:nvGrpSpPr>
+          <p:grpSpPr>
+            <a:xfrm>
+              <a:off x="2938868" y="2111121"/>
+              <a:ext cx="479725" cy="237744"/>
+              <a:chOff x="4405289" y="4438277"/>
+              <a:chExt cx="479725" cy="237744"/>
+            </a:xfrm>
+          </p:grpSpPr>
+          <p:sp>
+            <p:nvSpPr>
+              <p:cNvPr id="18" name="Rectangle 17">
+                <a:extLst>
+                  <a:ext uri="{FF2B5EF4-FFF2-40B4-BE49-F238E27FC236}">
+                    <a16:creationId xmlns:a16="http://schemas.microsoft.com/office/drawing/2014/main" id="{7D7F214A-C75C-C847-BFED-25A7A8B79EC7}"/>
+                  </a:ext>
+                </a:extLst>
+              </p:cNvPr>
+              <p:cNvSpPr>
+                <a:spLocks noChangeAspect="1"/>
+              </p:cNvSpPr>
+              <p:nvPr/>
+            </p:nvSpPr>
+            <p:spPr>
+              <a:xfrm>
+                <a:off x="4405289" y="4438277"/>
+                <a:ext cx="118872" cy="237744"/>
+              </a:xfrm>
+              <a:prstGeom prst="rect">
+                <a:avLst/>
+              </a:prstGeom>
+              <a:solidFill>
+                <a:srgbClr val="CD950C"/>
+              </a:solidFill>
+              <a:ln w="19050">
+                <a:solidFill>
+                  <a:schemeClr val="bg1"/>
+                </a:solidFill>
+              </a:ln>
+            </p:spPr>
+            <p:style>
+              <a:lnRef idx="2">
+                <a:schemeClr val="accent1">
+                  <a:shade val="50000"/>
+                </a:schemeClr>
+              </a:lnRef>
+              <a:fillRef idx="1">
+                <a:schemeClr val="accent1"/>
+              </a:fillRef>
+              <a:effectRef idx="0">
+                <a:schemeClr val="accent1"/>
+              </a:effectRef>
+              <a:fontRef idx="minor">
+                <a:schemeClr val="lt1"/>
+              </a:fontRef>
+            </p:style>
+            <p:txBody>
+              <a:bodyPr rtlCol="0" anchor="ctr"/>
+              <a:lstStyle/>
+              <a:p>
+                <a:pPr algn="ctr"/>
+                <a:endParaRPr lang="en-US"/>
+              </a:p>
+            </p:txBody>
+          </p:sp>
+          <p:sp>
+            <p:nvSpPr>
+              <p:cNvPr id="19" name="Rectangle 18">
+                <a:extLst>
+                  <a:ext uri="{FF2B5EF4-FFF2-40B4-BE49-F238E27FC236}">
+                    <a16:creationId xmlns:a16="http://schemas.microsoft.com/office/drawing/2014/main" id="{F45248B2-931F-D24B-A650-5DB18750C0E5}"/>
+                  </a:ext>
+                </a:extLst>
+              </p:cNvPr>
+              <p:cNvSpPr>
+                <a:spLocks noChangeAspect="1"/>
+              </p:cNvSpPr>
+              <p:nvPr/>
+            </p:nvSpPr>
+            <p:spPr>
+              <a:xfrm>
+                <a:off x="4528398" y="4438277"/>
+                <a:ext cx="118872" cy="237744"/>
+              </a:xfrm>
+              <a:prstGeom prst="rect">
+                <a:avLst/>
+              </a:prstGeom>
+              <a:solidFill>
+                <a:srgbClr val="8B6508"/>
+              </a:solidFill>
+              <a:ln w="19050">
+                <a:solidFill>
+                  <a:schemeClr val="bg1"/>
+                </a:solidFill>
+              </a:ln>
+            </p:spPr>
+            <p:style>
+              <a:lnRef idx="2">
+                <a:schemeClr val="accent1">
+                  <a:shade val="50000"/>
+                </a:schemeClr>
+              </a:lnRef>
+              <a:fillRef idx="1">
+                <a:schemeClr val="accent1"/>
+              </a:fillRef>
+              <a:effectRef idx="0">
+                <a:schemeClr val="accent1"/>
+              </a:effectRef>
+              <a:fontRef idx="minor">
+                <a:schemeClr val="lt1"/>
+              </a:fontRef>
+            </p:style>
+            <p:txBody>
+              <a:bodyPr rtlCol="0" anchor="ctr"/>
+              <a:lstStyle/>
+              <a:p>
+                <a:pPr algn="ctr"/>
+                <a:endParaRPr lang="en-US"/>
+              </a:p>
+            </p:txBody>
+          </p:sp>
+          <p:sp>
+            <p:nvSpPr>
+              <p:cNvPr id="20" name="Rectangle 19">
+                <a:extLst>
+                  <a:ext uri="{FF2B5EF4-FFF2-40B4-BE49-F238E27FC236}">
+                    <a16:creationId xmlns:a16="http://schemas.microsoft.com/office/drawing/2014/main" id="{0EE468E1-A3B4-EF49-A2D6-82C9FFC403F8}"/>
+                  </a:ext>
+                </a:extLst>
+              </p:cNvPr>
+              <p:cNvSpPr>
+                <a:spLocks noChangeAspect="1"/>
+              </p:cNvSpPr>
+              <p:nvPr/>
+            </p:nvSpPr>
+            <p:spPr>
+              <a:xfrm>
+                <a:off x="4647270" y="4438277"/>
+                <a:ext cx="118872" cy="237744"/>
+              </a:xfrm>
+              <a:prstGeom prst="rect">
+                <a:avLst/>
+              </a:prstGeom>
+              <a:solidFill>
+                <a:srgbClr val="CD950C"/>
+              </a:solidFill>
+              <a:ln w="19050">
+                <a:solidFill>
+                  <a:schemeClr val="bg1"/>
+                </a:solidFill>
+              </a:ln>
+            </p:spPr>
+            <p:style>
+              <a:lnRef idx="2">
+                <a:schemeClr val="accent1">
+                  <a:shade val="50000"/>
+                </a:schemeClr>
+              </a:lnRef>
+              <a:fillRef idx="1">
+                <a:schemeClr val="accent1"/>
+              </a:fillRef>
+              <a:effectRef idx="0">
+                <a:schemeClr val="accent1"/>
+              </a:effectRef>
+              <a:fontRef idx="minor">
+                <a:schemeClr val="lt1"/>
+              </a:fontRef>
+            </p:style>
+            <p:txBody>
+              <a:bodyPr rtlCol="0" anchor="ctr"/>
+              <a:lstStyle/>
+              <a:p>
+                <a:pPr algn="ctr"/>
+                <a:endParaRPr lang="en-US"/>
+              </a:p>
+            </p:txBody>
+          </p:sp>
+          <p:sp>
+            <p:nvSpPr>
+              <p:cNvPr id="21" name="Rectangle 20">
+                <a:extLst>
+                  <a:ext uri="{FF2B5EF4-FFF2-40B4-BE49-F238E27FC236}">
+                    <a16:creationId xmlns:a16="http://schemas.microsoft.com/office/drawing/2014/main" id="{B988155E-07CA-0745-8D57-24034A5D709E}"/>
+                  </a:ext>
+                </a:extLst>
+              </p:cNvPr>
+              <p:cNvSpPr>
+                <a:spLocks noChangeAspect="1"/>
+              </p:cNvSpPr>
+              <p:nvPr/>
+            </p:nvSpPr>
+            <p:spPr>
+              <a:xfrm>
+                <a:off x="4766142" y="4438277"/>
+                <a:ext cx="118872" cy="237744"/>
+              </a:xfrm>
+              <a:prstGeom prst="rect">
+                <a:avLst/>
+              </a:prstGeom>
+              <a:solidFill>
+                <a:srgbClr val="8B6508"/>
+              </a:solidFill>
+              <a:ln w="19050">
+                <a:solidFill>
+                  <a:schemeClr val="bg1"/>
+                </a:solidFill>
+              </a:ln>
+            </p:spPr>
+            <p:style>
+              <a:lnRef idx="2">
+                <a:schemeClr val="accent1">
+                  <a:shade val="50000"/>
+                </a:schemeClr>
+              </a:lnRef>
+              <a:fillRef idx="1">
+                <a:schemeClr val="accent1"/>
+              </a:fillRef>
+              <a:effectRef idx="0">
+                <a:schemeClr val="accent1"/>
+              </a:effectRef>
+              <a:fontRef idx="minor">
+                <a:schemeClr val="lt1"/>
+              </a:fontRef>
+            </p:style>
+            <p:txBody>
+              <a:bodyPr rtlCol="0" anchor="ctr"/>
+              <a:lstStyle/>
+              <a:p>
+                <a:pPr algn="ctr"/>
+                <a:endParaRPr lang="en-US"/>
+              </a:p>
+            </p:txBody>
+          </p:sp>
+        </p:grpSp>
+      </p:grpSp>
     </p:spTree>
     <p:extLst>
       <p:ext uri="{BB962C8B-B14F-4D97-AF65-F5344CB8AC3E}">
-        <p14:creationId xmlns:p14="http://schemas.microsoft.com/office/powerpoint/2010/main" val="3394082835"/>
+        <p14:creationId xmlns:p14="http://schemas.microsoft.com/office/powerpoint/2010/main" val="2138305552"/>
       </p:ext>
     </p:extLst>
   </p:cSld>
@@ -12309,7 +12586,7 @@
           <p:cNvPr id="2" name="Group 1">
             <a:extLst>
               <a:ext uri="{FF2B5EF4-FFF2-40B4-BE49-F238E27FC236}">
-                <a16:creationId xmlns:a16="http://schemas.microsoft.com/office/drawing/2014/main" id="{74CBD3BC-3655-0D45-8B34-A71D2426393E}"/>
+                <a16:creationId xmlns:a16="http://schemas.microsoft.com/office/drawing/2014/main" id="{1C2725FB-B61A-1541-94D5-3441F3A724EC}"/>
               </a:ext>
             </a:extLst>
           </p:cNvPr>
@@ -12329,7 +12606,7 @@
             <p:cNvPr id="3" name="Group 2">
               <a:extLst>
                 <a:ext uri="{FF2B5EF4-FFF2-40B4-BE49-F238E27FC236}">
-                  <a16:creationId xmlns:a16="http://schemas.microsoft.com/office/drawing/2014/main" id="{E07EEF1F-2D57-4B49-A337-42C68C5AF902}"/>
+                  <a16:creationId xmlns:a16="http://schemas.microsoft.com/office/drawing/2014/main" id="{B3A8E448-F08F-5B42-8784-02D26F65E315}"/>
                 </a:ext>
               </a:extLst>
             </p:cNvPr>
@@ -12349,7 +12626,7 @@
               <p:cNvPr id="5" name="Picture 4">
                 <a:extLst>
                   <a:ext uri="{FF2B5EF4-FFF2-40B4-BE49-F238E27FC236}">
-                    <a16:creationId xmlns:a16="http://schemas.microsoft.com/office/drawing/2014/main" id="{5611BDB4-618A-EA45-9571-37C91020A26C}"/>
+                    <a16:creationId xmlns:a16="http://schemas.microsoft.com/office/drawing/2014/main" id="{706EA8D2-C486-C045-A183-C25A7B557BDE}"/>
                   </a:ext>
                 </a:extLst>
               </p:cNvPr>
@@ -12378,7 +12655,7 @@
               <p:cNvPr id="6" name="Oval 5">
                 <a:extLst>
                   <a:ext uri="{FF2B5EF4-FFF2-40B4-BE49-F238E27FC236}">
-                    <a16:creationId xmlns:a16="http://schemas.microsoft.com/office/drawing/2014/main" id="{06493BBD-CF09-104E-8478-CD12CCB5ACC4}"/>
+                    <a16:creationId xmlns:a16="http://schemas.microsoft.com/office/drawing/2014/main" id="{DFE8ED1C-BEE9-9844-94C9-A05469B4E86B}"/>
                   </a:ext>
                 </a:extLst>
               </p:cNvPr>
@@ -12438,7 +12715,7 @@
               <p:cNvPr id="7" name="Straight Arrow Connector 6">
                 <a:extLst>
                   <a:ext uri="{FF2B5EF4-FFF2-40B4-BE49-F238E27FC236}">
-                    <a16:creationId xmlns:a16="http://schemas.microsoft.com/office/drawing/2014/main" id="{6410E20A-7869-1448-8A59-701E0A19DC6D}"/>
+                    <a16:creationId xmlns:a16="http://schemas.microsoft.com/office/drawing/2014/main" id="{FAC70941-9282-344F-9B75-755993460060}"/>
                   </a:ext>
                 </a:extLst>
               </p:cNvPr>
@@ -12485,7 +12762,7 @@
             <p:cNvPr id="4" name="TextBox 3">
               <a:extLst>
                 <a:ext uri="{FF2B5EF4-FFF2-40B4-BE49-F238E27FC236}">
-                  <a16:creationId xmlns:a16="http://schemas.microsoft.com/office/drawing/2014/main" id="{6C1DDFB0-9D6F-F345-AD1A-DE872B1C2A8F}"/>
+                  <a16:creationId xmlns:a16="http://schemas.microsoft.com/office/drawing/2014/main" id="{63367C40-D419-8D4C-B84F-D71C22296D8F}"/>
                 </a:ext>
               </a:extLst>
             </p:cNvPr>
@@ -12527,7 +12804,7 @@
           <p:cNvPr id="8" name="Group 7">
             <a:extLst>
               <a:ext uri="{FF2B5EF4-FFF2-40B4-BE49-F238E27FC236}">
-                <a16:creationId xmlns:a16="http://schemas.microsoft.com/office/drawing/2014/main" id="{0955517C-57B6-E145-91A8-B65A75ED3A1F}"/>
+                <a16:creationId xmlns:a16="http://schemas.microsoft.com/office/drawing/2014/main" id="{54454398-C732-C14D-A666-7A5EF52CB10F}"/>
               </a:ext>
             </a:extLst>
           </p:cNvPr>
@@ -12547,7 +12824,7 @@
             <p:cNvPr id="9" name="TextBox 8">
               <a:extLst>
                 <a:ext uri="{FF2B5EF4-FFF2-40B4-BE49-F238E27FC236}">
-                  <a16:creationId xmlns:a16="http://schemas.microsoft.com/office/drawing/2014/main" id="{4E19702F-0A2E-094F-AB7B-A971E3F2B29C}"/>
+                  <a16:creationId xmlns:a16="http://schemas.microsoft.com/office/drawing/2014/main" id="{217D3C2D-C42C-2242-98CD-C3CEF2755B2B}"/>
                 </a:ext>
               </a:extLst>
             </p:cNvPr>
@@ -12588,7 +12865,7 @@
             <p:cNvPr id="10" name="Group 9">
               <a:extLst>
                 <a:ext uri="{FF2B5EF4-FFF2-40B4-BE49-F238E27FC236}">
-                  <a16:creationId xmlns:a16="http://schemas.microsoft.com/office/drawing/2014/main" id="{7C1CCE7B-4627-DD49-8AD6-F704ABC812AE}"/>
+                  <a16:creationId xmlns:a16="http://schemas.microsoft.com/office/drawing/2014/main" id="{FD81A321-CA10-034E-A418-0B558A9EC512}"/>
                 </a:ext>
               </a:extLst>
             </p:cNvPr>
@@ -12608,7 +12885,7 @@
               <p:cNvPr id="11" name="Picture 10">
                 <a:extLst>
                   <a:ext uri="{FF2B5EF4-FFF2-40B4-BE49-F238E27FC236}">
-                    <a16:creationId xmlns:a16="http://schemas.microsoft.com/office/drawing/2014/main" id="{AC824D89-276B-5647-BB14-6F26E8F281D4}"/>
+                    <a16:creationId xmlns:a16="http://schemas.microsoft.com/office/drawing/2014/main" id="{CAD9DEB0-D61E-2042-B773-ECB8DD84E58F}"/>
                   </a:ext>
                 </a:extLst>
               </p:cNvPr>
@@ -12637,7 +12914,7 @@
               <p:cNvPr id="12" name="Straight Arrow Connector 11">
                 <a:extLst>
                   <a:ext uri="{FF2B5EF4-FFF2-40B4-BE49-F238E27FC236}">
-                    <a16:creationId xmlns:a16="http://schemas.microsoft.com/office/drawing/2014/main" id="{F713F89F-16F9-9E4B-8E61-8CBDE655C512}"/>
+                    <a16:creationId xmlns:a16="http://schemas.microsoft.com/office/drawing/2014/main" id="{28954400-7F8D-8743-88DD-025F023F164E}"/>
                   </a:ext>
                 </a:extLst>
               </p:cNvPr>
@@ -12684,7 +12961,7 @@
               <p:cNvPr id="13" name="Rectangle 12">
                 <a:extLst>
                   <a:ext uri="{FF2B5EF4-FFF2-40B4-BE49-F238E27FC236}">
-                    <a16:creationId xmlns:a16="http://schemas.microsoft.com/office/drawing/2014/main" id="{0621D084-F6AA-E94B-B10F-4ED580436D9C}"/>
+                    <a16:creationId xmlns:a16="http://schemas.microsoft.com/office/drawing/2014/main" id="{6601D90F-0E71-A547-8101-70BAB73194A9}"/>
                   </a:ext>
                 </a:extLst>
               </p:cNvPr>
@@ -12742,7 +13019,7 @@
           <p:cNvPr id="14" name="Group 13">
             <a:extLst>
               <a:ext uri="{FF2B5EF4-FFF2-40B4-BE49-F238E27FC236}">
-                <a16:creationId xmlns:a16="http://schemas.microsoft.com/office/drawing/2014/main" id="{3F97825D-4077-9B49-9128-4723CCA1221B}"/>
+                <a16:creationId xmlns:a16="http://schemas.microsoft.com/office/drawing/2014/main" id="{C6563DEB-C3A2-124A-858E-71E3FFFD9011}"/>
               </a:ext>
             </a:extLst>
           </p:cNvPr>
@@ -12762,7 +13039,7 @@
             <p:cNvPr id="15" name="TextBox 14">
               <a:extLst>
                 <a:ext uri="{FF2B5EF4-FFF2-40B4-BE49-F238E27FC236}">
-                  <a16:creationId xmlns:a16="http://schemas.microsoft.com/office/drawing/2014/main" id="{75A5FD22-4B28-1648-8858-D4517F09892A}"/>
+                  <a16:creationId xmlns:a16="http://schemas.microsoft.com/office/drawing/2014/main" id="{D677A2E0-D2AD-3348-BFB3-92D17366AFFF}"/>
                 </a:ext>
               </a:extLst>
             </p:cNvPr>
@@ -12803,7 +13080,7 @@
             <p:cNvPr id="16" name="Group 15">
               <a:extLst>
                 <a:ext uri="{FF2B5EF4-FFF2-40B4-BE49-F238E27FC236}">
-                  <a16:creationId xmlns:a16="http://schemas.microsoft.com/office/drawing/2014/main" id="{32927FE2-65A1-C84D-9CAD-1272D50744BB}"/>
+                  <a16:creationId xmlns:a16="http://schemas.microsoft.com/office/drawing/2014/main" id="{7383E248-708D-2D45-B275-E7E304E54022}"/>
                 </a:ext>
               </a:extLst>
             </p:cNvPr>
@@ -12823,7 +13100,7 @@
               <p:cNvPr id="17" name="Picture 16">
                 <a:extLst>
                   <a:ext uri="{FF2B5EF4-FFF2-40B4-BE49-F238E27FC236}">
-                    <a16:creationId xmlns:a16="http://schemas.microsoft.com/office/drawing/2014/main" id="{3BFACDA8-12AB-E34C-BE38-F233131A37D8}"/>
+                    <a16:creationId xmlns:a16="http://schemas.microsoft.com/office/drawing/2014/main" id="{2DFBBAB8-0D26-AF4B-9308-C176D265AD94}"/>
                   </a:ext>
                 </a:extLst>
               </p:cNvPr>
@@ -12852,7 +13129,7 @@
               <p:cNvPr id="18" name="Straight Arrow Connector 17">
                 <a:extLst>
                   <a:ext uri="{FF2B5EF4-FFF2-40B4-BE49-F238E27FC236}">
-                    <a16:creationId xmlns:a16="http://schemas.microsoft.com/office/drawing/2014/main" id="{E0916D19-EF46-DE4E-81E2-B93BD39399C9}"/>
+                    <a16:creationId xmlns:a16="http://schemas.microsoft.com/office/drawing/2014/main" id="{29CFB084-9BD7-B44F-98BF-DCF0FE2C5576}"/>
                   </a:ext>
                 </a:extLst>
               </p:cNvPr>
@@ -12898,7 +13175,7 @@
               <p:cNvPr id="19" name="Regular Pentagon 18">
                 <a:extLst>
                   <a:ext uri="{FF2B5EF4-FFF2-40B4-BE49-F238E27FC236}">
-                    <a16:creationId xmlns:a16="http://schemas.microsoft.com/office/drawing/2014/main" id="{7D6EC3C8-7F66-FC44-9302-FF087BAEE7F9}"/>
+                    <a16:creationId xmlns:a16="http://schemas.microsoft.com/office/drawing/2014/main" id="{F37BEE5A-11AE-714C-A67D-AEA9B68BB6CF}"/>
                   </a:ext>
                 </a:extLst>
               </p:cNvPr>
@@ -12956,7 +13233,7 @@
           <p:cNvPr id="20" name="Group 19">
             <a:extLst>
               <a:ext uri="{FF2B5EF4-FFF2-40B4-BE49-F238E27FC236}">
-                <a16:creationId xmlns:a16="http://schemas.microsoft.com/office/drawing/2014/main" id="{A68B5B3E-EE00-A241-AA76-88E1AEF67DE4}"/>
+                <a16:creationId xmlns:a16="http://schemas.microsoft.com/office/drawing/2014/main" id="{3C5A471A-63E6-E44C-9CE5-4B1D0DC2E3C3}"/>
               </a:ext>
             </a:extLst>
           </p:cNvPr>
@@ -12976,7 +13253,7 @@
             <p:cNvPr id="21" name="TextBox 20">
               <a:extLst>
                 <a:ext uri="{FF2B5EF4-FFF2-40B4-BE49-F238E27FC236}">
-                  <a16:creationId xmlns:a16="http://schemas.microsoft.com/office/drawing/2014/main" id="{E3CCDD82-1256-C445-A988-5AC55C0ED2A6}"/>
+                  <a16:creationId xmlns:a16="http://schemas.microsoft.com/office/drawing/2014/main" id="{94F0EA75-6EFB-8F47-A48F-4DBA6F454446}"/>
                 </a:ext>
               </a:extLst>
             </p:cNvPr>
@@ -13011,7 +13288,7 @@
             <p:cNvPr id="22" name="TextBox 21">
               <a:extLst>
                 <a:ext uri="{FF2B5EF4-FFF2-40B4-BE49-F238E27FC236}">
-                  <a16:creationId xmlns:a16="http://schemas.microsoft.com/office/drawing/2014/main" id="{BC32334F-BA14-044A-94B0-EA9D51E9A6F6}"/>
+                  <a16:creationId xmlns:a16="http://schemas.microsoft.com/office/drawing/2014/main" id="{B61CA699-DE7F-824C-A576-619FED624726}"/>
                 </a:ext>
               </a:extLst>
             </p:cNvPr>
@@ -13041,82 +13318,12 @@
             </a:p>
           </p:txBody>
         </p:sp>
-        <p:sp>
-          <p:nvSpPr>
-            <p:cNvPr id="23" name="TextBox 22">
-              <a:extLst>
-                <a:ext uri="{FF2B5EF4-FFF2-40B4-BE49-F238E27FC236}">
-                  <a16:creationId xmlns:a16="http://schemas.microsoft.com/office/drawing/2014/main" id="{3E0177D2-885E-894F-9AAB-918CD480AAD1}"/>
-                </a:ext>
-              </a:extLst>
-            </p:cNvPr>
-            <p:cNvSpPr txBox="1"/>
-            <p:nvPr/>
-          </p:nvSpPr>
-          <p:spPr>
-            <a:xfrm>
-              <a:off x="4365546" y="820435"/>
-              <a:ext cx="442750" cy="369332"/>
-            </a:xfrm>
-            <a:prstGeom prst="rect">
-              <a:avLst/>
-            </a:prstGeom>
-            <a:noFill/>
-          </p:spPr>
-          <p:txBody>
-            <a:bodyPr wrap="none" rtlCol="0">
-              <a:spAutoFit/>
-            </a:bodyPr>
-            <a:lstStyle/>
-            <a:p>
-              <a:r>
-                <a:rPr lang="en-US" dirty="0"/>
-                <a:t>SO</a:t>
-              </a:r>
-            </a:p>
-          </p:txBody>
-        </p:sp>
-        <p:sp>
-          <p:nvSpPr>
-            <p:cNvPr id="24" name="TextBox 23">
-              <a:extLst>
-                <a:ext uri="{FF2B5EF4-FFF2-40B4-BE49-F238E27FC236}">
-                  <a16:creationId xmlns:a16="http://schemas.microsoft.com/office/drawing/2014/main" id="{0ECC09BD-BEAB-7444-8441-DE4A5AFAFC45}"/>
-                </a:ext>
-              </a:extLst>
-            </p:cNvPr>
-            <p:cNvSpPr txBox="1"/>
-            <p:nvPr/>
-          </p:nvSpPr>
-          <p:spPr>
-            <a:xfrm>
-              <a:off x="2941040" y="2056845"/>
-              <a:ext cx="479618" cy="369332"/>
-            </a:xfrm>
-            <a:prstGeom prst="rect">
-              <a:avLst/>
-            </a:prstGeom>
-            <a:noFill/>
-          </p:spPr>
-          <p:txBody>
-            <a:bodyPr wrap="none" rtlCol="0">
-              <a:spAutoFit/>
-            </a:bodyPr>
-            <a:lstStyle/>
-            <a:p>
-              <a:r>
-                <a:rPr lang="en-US" dirty="0"/>
-                <a:t>DO</a:t>
-              </a:r>
-            </a:p>
-          </p:txBody>
-        </p:sp>
         <p:cxnSp>
           <p:nvCxnSpPr>
-            <p:cNvPr id="25" name="Straight Connector 24">
-              <a:extLst>
-                <a:ext uri="{FF2B5EF4-FFF2-40B4-BE49-F238E27FC236}">
-                  <a16:creationId xmlns:a16="http://schemas.microsoft.com/office/drawing/2014/main" id="{DDA7FAEC-4FF3-944B-BE91-72EFB23F40A8}"/>
+            <p:cNvPr id="23" name="Straight Connector 22">
+              <a:extLst>
+                <a:ext uri="{FF2B5EF4-FFF2-40B4-BE49-F238E27FC236}">
+                  <a16:creationId xmlns:a16="http://schemas.microsoft.com/office/drawing/2014/main" id="{BF2D6582-1A0C-B843-8B9F-32E959BC2597}"/>
                 </a:ext>
               </a:extLst>
             </p:cNvPr>
@@ -13156,10 +13363,10 @@
         </p:cxnSp>
         <p:cxnSp>
           <p:nvCxnSpPr>
-            <p:cNvPr id="26" name="Straight Connector 25">
-              <a:extLst>
-                <a:ext uri="{FF2B5EF4-FFF2-40B4-BE49-F238E27FC236}">
-                  <a16:creationId xmlns:a16="http://schemas.microsoft.com/office/drawing/2014/main" id="{FD19C1C4-8A36-0349-96C3-5502795F477A}"/>
+            <p:cNvPr id="24" name="Straight Connector 23">
+              <a:extLst>
+                <a:ext uri="{FF2B5EF4-FFF2-40B4-BE49-F238E27FC236}">
+                  <a16:creationId xmlns:a16="http://schemas.microsoft.com/office/drawing/2014/main" id="{CD541875-9202-734C-8C13-029E8E1F8518}"/>
                 </a:ext>
               </a:extLst>
             </p:cNvPr>
@@ -13199,10 +13406,10 @@
         </p:cxnSp>
         <p:cxnSp>
           <p:nvCxnSpPr>
-            <p:cNvPr id="27" name="Straight Connector 26">
-              <a:extLst>
-                <a:ext uri="{FF2B5EF4-FFF2-40B4-BE49-F238E27FC236}">
-                  <a16:creationId xmlns:a16="http://schemas.microsoft.com/office/drawing/2014/main" id="{8CEF832A-BC7B-A74F-BFA6-433C2B74DF73}"/>
+            <p:cNvPr id="25" name="Straight Connector 24">
+              <a:extLst>
+                <a:ext uri="{FF2B5EF4-FFF2-40B4-BE49-F238E27FC236}">
+                  <a16:creationId xmlns:a16="http://schemas.microsoft.com/office/drawing/2014/main" id="{8FC32452-0975-5D4A-85D5-DD27778B4817}"/>
                 </a:ext>
               </a:extLst>
             </p:cNvPr>
@@ -13242,16 +13449,16 @@
         </p:cxnSp>
         <p:cxnSp>
           <p:nvCxnSpPr>
-            <p:cNvPr id="28" name="Straight Connector 27">
-              <a:extLst>
-                <a:ext uri="{FF2B5EF4-FFF2-40B4-BE49-F238E27FC236}">
-                  <a16:creationId xmlns:a16="http://schemas.microsoft.com/office/drawing/2014/main" id="{4E06B4AE-D76D-3542-84E9-D4C176D78AE0}"/>
+            <p:cNvPr id="26" name="Straight Connector 25">
+              <a:extLst>
+                <a:ext uri="{FF2B5EF4-FFF2-40B4-BE49-F238E27FC236}">
+                  <a16:creationId xmlns:a16="http://schemas.microsoft.com/office/drawing/2014/main" id="{92ED94C1-651E-7542-BBE4-14C3FCF4699D}"/>
                 </a:ext>
               </a:extLst>
             </p:cNvPr>
             <p:cNvCxnSpPr>
               <a:cxnSpLocks/>
-              <a:endCxn id="41" idx="2"/>
+              <a:endCxn id="39" idx="2"/>
             </p:cNvCxnSpPr>
             <p:nvPr/>
           </p:nvCxnSpPr>
@@ -13286,16 +13493,16 @@
         </p:cxnSp>
         <p:cxnSp>
           <p:nvCxnSpPr>
-            <p:cNvPr id="29" name="Straight Connector 28">
-              <a:extLst>
-                <a:ext uri="{FF2B5EF4-FFF2-40B4-BE49-F238E27FC236}">
-                  <a16:creationId xmlns:a16="http://schemas.microsoft.com/office/drawing/2014/main" id="{20D1A4C2-64C8-D44E-869B-33C65B634A85}"/>
+            <p:cNvPr id="27" name="Straight Connector 26">
+              <a:extLst>
+                <a:ext uri="{FF2B5EF4-FFF2-40B4-BE49-F238E27FC236}">
+                  <a16:creationId xmlns:a16="http://schemas.microsoft.com/office/drawing/2014/main" id="{A8972310-DA1E-F34B-B2A7-B40DCC2B0457}"/>
                 </a:ext>
               </a:extLst>
             </p:cNvPr>
             <p:cNvCxnSpPr>
               <a:cxnSpLocks/>
-              <a:stCxn id="41" idx="0"/>
+              <a:stCxn id="39" idx="0"/>
             </p:cNvCxnSpPr>
             <p:nvPr/>
           </p:nvCxnSpPr>
@@ -13330,17 +13537,17 @@
         </p:cxnSp>
         <p:cxnSp>
           <p:nvCxnSpPr>
-            <p:cNvPr id="30" name="Straight Connector 29">
-              <a:extLst>
-                <a:ext uri="{FF2B5EF4-FFF2-40B4-BE49-F238E27FC236}">
-                  <a16:creationId xmlns:a16="http://schemas.microsoft.com/office/drawing/2014/main" id="{62F9E13B-A643-9B40-B124-C389AF21E349}"/>
+            <p:cNvPr id="28" name="Straight Connector 27">
+              <a:extLst>
+                <a:ext uri="{FF2B5EF4-FFF2-40B4-BE49-F238E27FC236}">
+                  <a16:creationId xmlns:a16="http://schemas.microsoft.com/office/drawing/2014/main" id="{CACE678F-8806-4C4F-A0F8-AFA00910A436}"/>
                 </a:ext>
               </a:extLst>
             </p:cNvPr>
             <p:cNvCxnSpPr>
               <a:cxnSpLocks/>
-              <a:stCxn id="39" idx="0"/>
-              <a:endCxn id="40" idx="4"/>
+              <a:stCxn id="37" idx="0"/>
+              <a:endCxn id="38" idx="4"/>
             </p:cNvCxnSpPr>
             <p:nvPr/>
           </p:nvCxnSpPr>
@@ -13375,100 +13582,10 @@
         </p:cxnSp>
         <p:cxnSp>
           <p:nvCxnSpPr>
-            <p:cNvPr id="31" name="Straight Connector 30">
-              <a:extLst>
-                <a:ext uri="{FF2B5EF4-FFF2-40B4-BE49-F238E27FC236}">
-                  <a16:creationId xmlns:a16="http://schemas.microsoft.com/office/drawing/2014/main" id="{1A7C87F6-7B2D-E642-8EA3-A70BC7F4D40F}"/>
-                </a:ext>
-              </a:extLst>
-            </p:cNvPr>
-            <p:cNvCxnSpPr>
-              <a:cxnSpLocks/>
-              <a:stCxn id="39" idx="2"/>
-              <a:endCxn id="38" idx="6"/>
-            </p:cNvCxnSpPr>
-            <p:nvPr/>
-          </p:nvCxnSpPr>
-          <p:spPr>
-            <a:xfrm flipH="1">
-              <a:off x="5394960" y="1196446"/>
-              <a:ext cx="916286" cy="0"/>
-            </a:xfrm>
-            <a:prstGeom prst="line">
-              <a:avLst/>
-            </a:prstGeom>
-            <a:ln w="38100">
-              <a:solidFill>
-                <a:schemeClr val="tx1"/>
-              </a:solidFill>
-            </a:ln>
-          </p:spPr>
-          <p:style>
-            <a:lnRef idx="1">
-              <a:schemeClr val="accent1"/>
-            </a:lnRef>
-            <a:fillRef idx="0">
-              <a:schemeClr val="accent1"/>
-            </a:fillRef>
-            <a:effectRef idx="0">
-              <a:schemeClr val="accent1"/>
-            </a:effectRef>
-            <a:fontRef idx="minor">
-              <a:schemeClr val="tx1"/>
-            </a:fontRef>
-          </p:style>
-        </p:cxnSp>
-        <p:cxnSp>
-          <p:nvCxnSpPr>
-            <p:cNvPr id="32" name="Straight Connector 31">
-              <a:extLst>
-                <a:ext uri="{FF2B5EF4-FFF2-40B4-BE49-F238E27FC236}">
-                  <a16:creationId xmlns:a16="http://schemas.microsoft.com/office/drawing/2014/main" id="{52EC4E3F-FC89-354D-BB82-401F3263C560}"/>
-                </a:ext>
-              </a:extLst>
-            </p:cNvPr>
-            <p:cNvCxnSpPr>
-              <a:cxnSpLocks/>
-              <a:stCxn id="38" idx="2"/>
-              <a:endCxn id="37" idx="6"/>
-            </p:cNvCxnSpPr>
-            <p:nvPr/>
-          </p:nvCxnSpPr>
-          <p:spPr>
-            <a:xfrm flipH="1">
-              <a:off x="4050792" y="1196446"/>
-              <a:ext cx="1069848" cy="0"/>
-            </a:xfrm>
-            <a:prstGeom prst="line">
-              <a:avLst/>
-            </a:prstGeom>
-            <a:ln w="38100">
-              <a:solidFill>
-                <a:schemeClr val="tx1"/>
-              </a:solidFill>
-            </a:ln>
-          </p:spPr>
-          <p:style>
-            <a:lnRef idx="1">
-              <a:schemeClr val="accent1"/>
-            </a:lnRef>
-            <a:fillRef idx="0">
-              <a:schemeClr val="accent1"/>
-            </a:fillRef>
-            <a:effectRef idx="0">
-              <a:schemeClr val="accent1"/>
-            </a:effectRef>
-            <a:fontRef idx="minor">
-              <a:schemeClr val="tx1"/>
-            </a:fontRef>
-          </p:style>
-        </p:cxnSp>
-        <p:cxnSp>
-          <p:nvCxnSpPr>
-            <p:cNvPr id="33" name="Straight Connector 32">
-              <a:extLst>
-                <a:ext uri="{FF2B5EF4-FFF2-40B4-BE49-F238E27FC236}">
-                  <a16:creationId xmlns:a16="http://schemas.microsoft.com/office/drawing/2014/main" id="{DB743EE5-D52F-514E-A1E5-C050EF0A6D6C}"/>
+            <p:cNvPr id="29" name="Straight Connector 28">
+              <a:extLst>
+                <a:ext uri="{FF2B5EF4-FFF2-40B4-BE49-F238E27FC236}">
+                  <a16:creationId xmlns:a16="http://schemas.microsoft.com/office/drawing/2014/main" id="{EE47F750-14C4-5B40-82DB-D4DA115B728C}"/>
                 </a:ext>
               </a:extLst>
             </p:cNvPr>
@@ -13481,8 +13598,8 @@
           </p:nvCxnSpPr>
           <p:spPr>
             <a:xfrm flipH="1">
-              <a:off x="2578608" y="1196446"/>
-              <a:ext cx="1197864" cy="0"/>
+              <a:off x="5394960" y="1196446"/>
+              <a:ext cx="916286" cy="0"/>
             </a:xfrm>
             <a:prstGeom prst="line">
               <a:avLst/>
@@ -13510,22 +13627,24 @@
         </p:cxnSp>
         <p:cxnSp>
           <p:nvCxnSpPr>
-            <p:cNvPr id="34" name="Straight Connector 33">
-              <a:extLst>
-                <a:ext uri="{FF2B5EF4-FFF2-40B4-BE49-F238E27FC236}">
-                  <a16:creationId xmlns:a16="http://schemas.microsoft.com/office/drawing/2014/main" id="{22E5124E-57A9-F347-8FC8-97A210D041B0}"/>
+            <p:cNvPr id="30" name="Straight Connector 29">
+              <a:extLst>
+                <a:ext uri="{FF2B5EF4-FFF2-40B4-BE49-F238E27FC236}">
+                  <a16:creationId xmlns:a16="http://schemas.microsoft.com/office/drawing/2014/main" id="{DA1C64D5-1D51-8147-B130-09F2087CFDF1}"/>
                 </a:ext>
               </a:extLst>
             </p:cNvPr>
             <p:cNvCxnSpPr>
               <a:cxnSpLocks/>
+              <a:stCxn id="36" idx="2"/>
+              <a:endCxn id="35" idx="6"/>
             </p:cNvCxnSpPr>
             <p:nvPr/>
           </p:nvCxnSpPr>
           <p:spPr>
             <a:xfrm flipH="1">
-              <a:off x="2444746" y="1334940"/>
-              <a:ext cx="8890" cy="947623"/>
+              <a:off x="4050792" y="1196446"/>
+              <a:ext cx="1069848" cy="0"/>
             </a:xfrm>
             <a:prstGeom prst="line">
               <a:avLst/>
@@ -13553,22 +13672,24 @@
         </p:cxnSp>
         <p:cxnSp>
           <p:nvCxnSpPr>
-            <p:cNvPr id="35" name="Straight Connector 34">
-              <a:extLst>
-                <a:ext uri="{FF2B5EF4-FFF2-40B4-BE49-F238E27FC236}">
-                  <a16:creationId xmlns:a16="http://schemas.microsoft.com/office/drawing/2014/main" id="{BBECD391-78CA-2748-BBE5-8F4040329101}"/>
+            <p:cNvPr id="31" name="Straight Connector 30">
+              <a:extLst>
+                <a:ext uri="{FF2B5EF4-FFF2-40B4-BE49-F238E27FC236}">
+                  <a16:creationId xmlns:a16="http://schemas.microsoft.com/office/drawing/2014/main" id="{ECC0789C-A177-654C-9CA1-4C88327F30FA}"/>
                 </a:ext>
               </a:extLst>
             </p:cNvPr>
             <p:cNvCxnSpPr>
               <a:cxnSpLocks/>
+              <a:stCxn id="35" idx="2"/>
+              <a:endCxn id="34" idx="6"/>
             </p:cNvCxnSpPr>
             <p:nvPr/>
           </p:nvCxnSpPr>
           <p:spPr>
-            <a:xfrm>
-              <a:off x="5261186" y="1334940"/>
-              <a:ext cx="0" cy="938733"/>
+            <a:xfrm flipH="1">
+              <a:off x="2578608" y="1196446"/>
+              <a:ext cx="1197864" cy="0"/>
             </a:xfrm>
             <a:prstGeom prst="line">
               <a:avLst/>
@@ -13594,12 +13715,98 @@
             </a:fontRef>
           </p:style>
         </p:cxnSp>
+        <p:cxnSp>
+          <p:nvCxnSpPr>
+            <p:cNvPr id="32" name="Straight Connector 31">
+              <a:extLst>
+                <a:ext uri="{FF2B5EF4-FFF2-40B4-BE49-F238E27FC236}">
+                  <a16:creationId xmlns:a16="http://schemas.microsoft.com/office/drawing/2014/main" id="{705A465A-A3D3-CD40-9121-9678E554916D}"/>
+                </a:ext>
+              </a:extLst>
+            </p:cNvPr>
+            <p:cNvCxnSpPr>
+              <a:cxnSpLocks/>
+            </p:cNvCxnSpPr>
+            <p:nvPr/>
+          </p:nvCxnSpPr>
+          <p:spPr>
+            <a:xfrm flipH="1">
+              <a:off x="2444746" y="1334940"/>
+              <a:ext cx="8890" cy="947623"/>
+            </a:xfrm>
+            <a:prstGeom prst="line">
+              <a:avLst/>
+            </a:prstGeom>
+            <a:ln w="38100">
+              <a:solidFill>
+                <a:schemeClr val="tx1"/>
+              </a:solidFill>
+            </a:ln>
+          </p:spPr>
+          <p:style>
+            <a:lnRef idx="1">
+              <a:schemeClr val="accent1"/>
+            </a:lnRef>
+            <a:fillRef idx="0">
+              <a:schemeClr val="accent1"/>
+            </a:fillRef>
+            <a:effectRef idx="0">
+              <a:schemeClr val="accent1"/>
+            </a:effectRef>
+            <a:fontRef idx="minor">
+              <a:schemeClr val="tx1"/>
+            </a:fontRef>
+          </p:style>
+        </p:cxnSp>
+        <p:cxnSp>
+          <p:nvCxnSpPr>
+            <p:cNvPr id="33" name="Straight Connector 32">
+              <a:extLst>
+                <a:ext uri="{FF2B5EF4-FFF2-40B4-BE49-F238E27FC236}">
+                  <a16:creationId xmlns:a16="http://schemas.microsoft.com/office/drawing/2014/main" id="{687E391C-D3F0-774D-8620-50BE7851BD1E}"/>
+                </a:ext>
+              </a:extLst>
+            </p:cNvPr>
+            <p:cNvCxnSpPr>
+              <a:cxnSpLocks/>
+            </p:cNvCxnSpPr>
+            <p:nvPr/>
+          </p:nvCxnSpPr>
+          <p:spPr>
+            <a:xfrm>
+              <a:off x="5261186" y="1334940"/>
+              <a:ext cx="0" cy="938733"/>
+            </a:xfrm>
+            <a:prstGeom prst="line">
+              <a:avLst/>
+            </a:prstGeom>
+            <a:ln w="38100">
+              <a:solidFill>
+                <a:schemeClr val="tx1"/>
+              </a:solidFill>
+            </a:ln>
+          </p:spPr>
+          <p:style>
+            <a:lnRef idx="1">
+              <a:schemeClr val="accent1"/>
+            </a:lnRef>
+            <a:fillRef idx="0">
+              <a:schemeClr val="accent1"/>
+            </a:fillRef>
+            <a:effectRef idx="0">
+              <a:schemeClr val="accent1"/>
+            </a:effectRef>
+            <a:fontRef idx="minor">
+              <a:schemeClr val="tx1"/>
+            </a:fontRef>
+          </p:style>
+        </p:cxnSp>
         <p:sp>
           <p:nvSpPr>
-            <p:cNvPr id="36" name="Oval 35">
-              <a:extLst>
-                <a:ext uri="{FF2B5EF4-FFF2-40B4-BE49-F238E27FC236}">
-                  <a16:creationId xmlns:a16="http://schemas.microsoft.com/office/drawing/2014/main" id="{C68BE17A-1751-844B-B1C4-564EFC6B04E7}"/>
+            <p:cNvPr id="34" name="Oval 33">
+              <a:extLst>
+                <a:ext uri="{FF2B5EF4-FFF2-40B4-BE49-F238E27FC236}">
+                  <a16:creationId xmlns:a16="http://schemas.microsoft.com/office/drawing/2014/main" id="{3D45E436-DD13-344A-ADF4-6EC9AA61F86E}"/>
                 </a:ext>
               </a:extLst>
             </p:cNvPr>
@@ -13659,10 +13866,10 @@
         </p:sp>
         <p:sp>
           <p:nvSpPr>
-            <p:cNvPr id="37" name="Oval 36">
-              <a:extLst>
-                <a:ext uri="{FF2B5EF4-FFF2-40B4-BE49-F238E27FC236}">
-                  <a16:creationId xmlns:a16="http://schemas.microsoft.com/office/drawing/2014/main" id="{3B3E8F45-7661-694C-8196-F2C269460337}"/>
+            <p:cNvPr id="35" name="Oval 34">
+              <a:extLst>
+                <a:ext uri="{FF2B5EF4-FFF2-40B4-BE49-F238E27FC236}">
+                  <a16:creationId xmlns:a16="http://schemas.microsoft.com/office/drawing/2014/main" id="{201654F9-BEF7-E44C-9C52-ABE871798BE4}"/>
                 </a:ext>
               </a:extLst>
             </p:cNvPr>
@@ -13722,10 +13929,10 @@
         </p:sp>
         <p:sp>
           <p:nvSpPr>
-            <p:cNvPr id="38" name="Oval 37">
-              <a:extLst>
-                <a:ext uri="{FF2B5EF4-FFF2-40B4-BE49-F238E27FC236}">
-                  <a16:creationId xmlns:a16="http://schemas.microsoft.com/office/drawing/2014/main" id="{770EC5E5-AE54-2048-A1C8-E03C2F9C9D49}"/>
+            <p:cNvPr id="36" name="Oval 35">
+              <a:extLst>
+                <a:ext uri="{FF2B5EF4-FFF2-40B4-BE49-F238E27FC236}">
+                  <a16:creationId xmlns:a16="http://schemas.microsoft.com/office/drawing/2014/main" id="{37A03997-FD63-0447-9275-710DA4F7FCAA}"/>
                 </a:ext>
               </a:extLst>
             </p:cNvPr>
@@ -13782,10 +13989,10 @@
         </p:sp>
         <p:sp>
           <p:nvSpPr>
-            <p:cNvPr id="39" name="Oval 38">
-              <a:extLst>
-                <a:ext uri="{FF2B5EF4-FFF2-40B4-BE49-F238E27FC236}">
-                  <a16:creationId xmlns:a16="http://schemas.microsoft.com/office/drawing/2014/main" id="{A7DE0D48-B08B-9C42-9CEC-3B053446DE2E}"/>
+            <p:cNvPr id="37" name="Oval 36">
+              <a:extLst>
+                <a:ext uri="{FF2B5EF4-FFF2-40B4-BE49-F238E27FC236}">
+                  <a16:creationId xmlns:a16="http://schemas.microsoft.com/office/drawing/2014/main" id="{377E6E8B-0B52-3444-ABA5-E44B5FF72E18}"/>
                 </a:ext>
               </a:extLst>
             </p:cNvPr>
@@ -13844,10 +14051,10 @@
         </p:sp>
         <p:sp>
           <p:nvSpPr>
-            <p:cNvPr id="40" name="Oval 39">
-              <a:extLst>
-                <a:ext uri="{FF2B5EF4-FFF2-40B4-BE49-F238E27FC236}">
-                  <a16:creationId xmlns:a16="http://schemas.microsoft.com/office/drawing/2014/main" id="{092486E6-9561-DF46-917F-A2F30985BC1D}"/>
+            <p:cNvPr id="38" name="Oval 37">
+              <a:extLst>
+                <a:ext uri="{FF2B5EF4-FFF2-40B4-BE49-F238E27FC236}">
+                  <a16:creationId xmlns:a16="http://schemas.microsoft.com/office/drawing/2014/main" id="{52AFBD2F-AC19-234B-AE09-CDC4F9A764F9}"/>
                 </a:ext>
               </a:extLst>
             </p:cNvPr>
@@ -13906,10 +14113,10 @@
         </p:sp>
         <p:sp>
           <p:nvSpPr>
-            <p:cNvPr id="41" name="Oval 40">
-              <a:extLst>
-                <a:ext uri="{FF2B5EF4-FFF2-40B4-BE49-F238E27FC236}">
-                  <a16:creationId xmlns:a16="http://schemas.microsoft.com/office/drawing/2014/main" id="{AB76E394-1E6B-8946-84F3-A67BB41D71C6}"/>
+            <p:cNvPr id="39" name="Oval 38">
+              <a:extLst>
+                <a:ext uri="{FF2B5EF4-FFF2-40B4-BE49-F238E27FC236}">
+                  <a16:creationId xmlns:a16="http://schemas.microsoft.com/office/drawing/2014/main" id="{98EEC037-7A51-4243-B192-04D6035E2B71}"/>
                 </a:ext>
               </a:extLst>
             </p:cNvPr>
@@ -13969,16 +14176,16 @@
         </p:sp>
         <p:cxnSp>
           <p:nvCxnSpPr>
-            <p:cNvPr id="42" name="Straight Connector 41">
-              <a:extLst>
-                <a:ext uri="{FF2B5EF4-FFF2-40B4-BE49-F238E27FC236}">
-                  <a16:creationId xmlns:a16="http://schemas.microsoft.com/office/drawing/2014/main" id="{12989CD2-0091-3446-8CE9-7710B3C7AFAE}"/>
+            <p:cNvPr id="40" name="Straight Connector 39">
+              <a:extLst>
+                <a:ext uri="{FF2B5EF4-FFF2-40B4-BE49-F238E27FC236}">
+                  <a16:creationId xmlns:a16="http://schemas.microsoft.com/office/drawing/2014/main" id="{8A01DF9F-0387-1344-939D-1618B2549C81}"/>
                 </a:ext>
               </a:extLst>
             </p:cNvPr>
             <p:cNvCxnSpPr>
               <a:cxnSpLocks/>
-              <a:stCxn id="36" idx="2"/>
+              <a:stCxn id="34" idx="2"/>
             </p:cNvCxnSpPr>
             <p:nvPr/>
           </p:nvCxnSpPr>
@@ -14013,10 +14220,10 @@
         </p:cxnSp>
         <p:sp>
           <p:nvSpPr>
-            <p:cNvPr id="43" name="Oval 42">
-              <a:extLst>
-                <a:ext uri="{FF2B5EF4-FFF2-40B4-BE49-F238E27FC236}">
-                  <a16:creationId xmlns:a16="http://schemas.microsoft.com/office/drawing/2014/main" id="{30F33891-6873-404F-A05D-60BBC0538BCE}"/>
+            <p:cNvPr id="41" name="Oval 40">
+              <a:extLst>
+                <a:ext uri="{FF2B5EF4-FFF2-40B4-BE49-F238E27FC236}">
+                  <a16:creationId xmlns:a16="http://schemas.microsoft.com/office/drawing/2014/main" id="{1F3563D3-4A37-074F-A416-2D1DCB2DA8CF}"/>
                 </a:ext>
               </a:extLst>
             </p:cNvPr>
@@ -14076,16 +14283,16 @@
         </p:sp>
         <p:cxnSp>
           <p:nvCxnSpPr>
-            <p:cNvPr id="44" name="Straight Connector 43">
-              <a:extLst>
-                <a:ext uri="{FF2B5EF4-FFF2-40B4-BE49-F238E27FC236}">
-                  <a16:creationId xmlns:a16="http://schemas.microsoft.com/office/drawing/2014/main" id="{DE365A83-BF99-5C4B-900D-CD9EE4DA3300}"/>
+            <p:cNvPr id="42" name="Straight Connector 41">
+              <a:extLst>
+                <a:ext uri="{FF2B5EF4-FFF2-40B4-BE49-F238E27FC236}">
+                  <a16:creationId xmlns:a16="http://schemas.microsoft.com/office/drawing/2014/main" id="{8453A472-DCC9-F645-8B5D-1862F9730552}"/>
                 </a:ext>
               </a:extLst>
             </p:cNvPr>
             <p:cNvCxnSpPr>
               <a:cxnSpLocks/>
-              <a:stCxn id="43" idx="6"/>
+              <a:stCxn id="41" idx="6"/>
             </p:cNvCxnSpPr>
             <p:nvPr/>
           </p:nvCxnSpPr>
@@ -14120,10 +14327,10 @@
         </p:cxnSp>
         <p:sp>
           <p:nvSpPr>
-            <p:cNvPr id="45" name="Rectangle 44">
-              <a:extLst>
-                <a:ext uri="{FF2B5EF4-FFF2-40B4-BE49-F238E27FC236}">
-                  <a16:creationId xmlns:a16="http://schemas.microsoft.com/office/drawing/2014/main" id="{147F7323-670D-A64E-975B-B1BA060B1E75}"/>
+            <p:cNvPr id="43" name="Rectangle 42">
+              <a:extLst>
+                <a:ext uri="{FF2B5EF4-FFF2-40B4-BE49-F238E27FC236}">
+                  <a16:creationId xmlns:a16="http://schemas.microsoft.com/office/drawing/2014/main" id="{B372693F-98F2-3A4A-A2B9-2AA2A0733F61}"/>
                 </a:ext>
               </a:extLst>
             </p:cNvPr>
@@ -14183,10 +14390,10 @@
         </p:sp>
         <p:sp>
           <p:nvSpPr>
-            <p:cNvPr id="46" name="Rectangle 45">
-              <a:extLst>
-                <a:ext uri="{FF2B5EF4-FFF2-40B4-BE49-F238E27FC236}">
-                  <a16:creationId xmlns:a16="http://schemas.microsoft.com/office/drawing/2014/main" id="{B5A13603-11A7-F447-AC1A-4C4ECECC2C41}"/>
+            <p:cNvPr id="44" name="Rectangle 43">
+              <a:extLst>
+                <a:ext uri="{FF2B5EF4-FFF2-40B4-BE49-F238E27FC236}">
+                  <a16:creationId xmlns:a16="http://schemas.microsoft.com/office/drawing/2014/main" id="{1E9725A3-F4BA-5847-AAC8-20184A530EEC}"/>
                 </a:ext>
               </a:extLst>
             </p:cNvPr>
@@ -14246,10 +14453,10 @@
         </p:sp>
         <p:sp>
           <p:nvSpPr>
-            <p:cNvPr id="47" name="Regular Pentagon 46">
-              <a:extLst>
-                <a:ext uri="{FF2B5EF4-FFF2-40B4-BE49-F238E27FC236}">
-                  <a16:creationId xmlns:a16="http://schemas.microsoft.com/office/drawing/2014/main" id="{C9C25CF7-08E3-C741-9C6D-13463AD8449A}"/>
+            <p:cNvPr id="45" name="Regular Pentagon 44">
+              <a:extLst>
+                <a:ext uri="{FF2B5EF4-FFF2-40B4-BE49-F238E27FC236}">
+                  <a16:creationId xmlns:a16="http://schemas.microsoft.com/office/drawing/2014/main" id="{B39DA99B-E2E4-2142-AC60-F11A3CA107CB}"/>
                 </a:ext>
               </a:extLst>
             </p:cNvPr>
@@ -14309,10 +14516,10 @@
         </p:sp>
         <p:sp>
           <p:nvSpPr>
-            <p:cNvPr id="48" name="Regular Pentagon 47">
-              <a:extLst>
-                <a:ext uri="{FF2B5EF4-FFF2-40B4-BE49-F238E27FC236}">
-                  <a16:creationId xmlns:a16="http://schemas.microsoft.com/office/drawing/2014/main" id="{C06BB82B-DCCB-C64E-9774-FC099D2D029C}"/>
+            <p:cNvPr id="46" name="Regular Pentagon 45">
+              <a:extLst>
+                <a:ext uri="{FF2B5EF4-FFF2-40B4-BE49-F238E27FC236}">
+                  <a16:creationId xmlns:a16="http://schemas.microsoft.com/office/drawing/2014/main" id="{CD88EC03-EE48-454A-8DDD-AB180D3A90B2}"/>
                 </a:ext>
               </a:extLst>
             </p:cNvPr>
@@ -14372,10 +14579,10 @@
         </p:sp>
         <p:sp>
           <p:nvSpPr>
-            <p:cNvPr id="49" name="Regular Pentagon 48">
-              <a:extLst>
-                <a:ext uri="{FF2B5EF4-FFF2-40B4-BE49-F238E27FC236}">
-                  <a16:creationId xmlns:a16="http://schemas.microsoft.com/office/drawing/2014/main" id="{F09C9DFB-6B32-6E44-B59C-E711D2818E87}"/>
+            <p:cNvPr id="47" name="Regular Pentagon 46">
+              <a:extLst>
+                <a:ext uri="{FF2B5EF4-FFF2-40B4-BE49-F238E27FC236}">
+                  <a16:creationId xmlns:a16="http://schemas.microsoft.com/office/drawing/2014/main" id="{59B79DD9-186B-0842-BA68-223FAD967F5D}"/>
                 </a:ext>
               </a:extLst>
             </p:cNvPr>
@@ -14435,10 +14642,10 @@
         </p:sp>
         <p:sp>
           <p:nvSpPr>
-            <p:cNvPr id="50" name="TextBox 49">
-              <a:extLst>
-                <a:ext uri="{FF2B5EF4-FFF2-40B4-BE49-F238E27FC236}">
-                  <a16:creationId xmlns:a16="http://schemas.microsoft.com/office/drawing/2014/main" id="{5001BF75-2DDB-784E-8949-64660D0842DB}"/>
+            <p:cNvPr id="48" name="TextBox 47">
+              <a:extLst>
+                <a:ext uri="{FF2B5EF4-FFF2-40B4-BE49-F238E27FC236}">
+                  <a16:creationId xmlns:a16="http://schemas.microsoft.com/office/drawing/2014/main" id="{B960315D-B855-6741-A2A3-3E80A72EE296}"/>
                 </a:ext>
               </a:extLst>
             </p:cNvPr>
@@ -14470,10 +14677,10 @@
         </p:sp>
         <p:sp>
           <p:nvSpPr>
-            <p:cNvPr id="51" name="TextBox 50">
-              <a:extLst>
-                <a:ext uri="{FF2B5EF4-FFF2-40B4-BE49-F238E27FC236}">
-                  <a16:creationId xmlns:a16="http://schemas.microsoft.com/office/drawing/2014/main" id="{4A6D2625-C74F-4849-9759-B30E79670AF8}"/>
+            <p:cNvPr id="49" name="TextBox 48">
+              <a:extLst>
+                <a:ext uri="{FF2B5EF4-FFF2-40B4-BE49-F238E27FC236}">
+                  <a16:creationId xmlns:a16="http://schemas.microsoft.com/office/drawing/2014/main" id="{18088CD5-418A-7D41-AC8F-065BF3635F6B}"/>
                 </a:ext>
               </a:extLst>
             </p:cNvPr>
@@ -14505,10 +14712,10 @@
         </p:sp>
         <p:sp>
           <p:nvSpPr>
-            <p:cNvPr id="52" name="TextBox 51">
-              <a:extLst>
-                <a:ext uri="{FF2B5EF4-FFF2-40B4-BE49-F238E27FC236}">
-                  <a16:creationId xmlns:a16="http://schemas.microsoft.com/office/drawing/2014/main" id="{6A9D7DCC-5300-514D-9C79-7415AAACB20A}"/>
+            <p:cNvPr id="50" name="TextBox 49">
+              <a:extLst>
+                <a:ext uri="{FF2B5EF4-FFF2-40B4-BE49-F238E27FC236}">
+                  <a16:creationId xmlns:a16="http://schemas.microsoft.com/office/drawing/2014/main" id="{F7FBD9A5-937F-7F41-97D7-5BDF77C5D9A1}"/>
                 </a:ext>
               </a:extLst>
             </p:cNvPr>
@@ -14538,11 +14745,389 @@
             </a:p>
           </p:txBody>
         </p:sp>
+        <p:grpSp>
+          <p:nvGrpSpPr>
+            <p:cNvPr id="51" name="Group 50">
+              <a:extLst>
+                <a:ext uri="{FF2B5EF4-FFF2-40B4-BE49-F238E27FC236}">
+                  <a16:creationId xmlns:a16="http://schemas.microsoft.com/office/drawing/2014/main" id="{C759C7D7-89B3-974B-BB8F-41A6B6AE7E90}"/>
+                </a:ext>
+              </a:extLst>
+            </p:cNvPr>
+            <p:cNvGrpSpPr/>
+            <p:nvPr/>
+          </p:nvGrpSpPr>
+          <p:grpSpPr>
+            <a:xfrm>
+              <a:off x="4464725" y="874064"/>
+              <a:ext cx="241981" cy="237744"/>
+              <a:chOff x="4327372" y="765015"/>
+              <a:chExt cx="241981" cy="237744"/>
+            </a:xfrm>
+          </p:grpSpPr>
+          <p:sp>
+            <p:nvSpPr>
+              <p:cNvPr id="57" name="Rectangle 56">
+                <a:extLst>
+                  <a:ext uri="{FF2B5EF4-FFF2-40B4-BE49-F238E27FC236}">
+                    <a16:creationId xmlns:a16="http://schemas.microsoft.com/office/drawing/2014/main" id="{7523C9CF-8394-D346-AC19-83BA6FE4DA9A}"/>
+                  </a:ext>
+                </a:extLst>
+              </p:cNvPr>
+              <p:cNvSpPr>
+                <a:spLocks noChangeAspect="1"/>
+              </p:cNvSpPr>
+              <p:nvPr/>
+            </p:nvSpPr>
+            <p:spPr>
+              <a:xfrm>
+                <a:off x="4327372" y="765015"/>
+                <a:ext cx="118872" cy="237744"/>
+              </a:xfrm>
+              <a:prstGeom prst="rect">
+                <a:avLst/>
+              </a:prstGeom>
+              <a:solidFill>
+                <a:srgbClr val="CD950C"/>
+              </a:solidFill>
+              <a:ln w="19050">
+                <a:solidFill>
+                  <a:schemeClr val="bg1"/>
+                </a:solidFill>
+              </a:ln>
+            </p:spPr>
+            <p:style>
+              <a:lnRef idx="2">
+                <a:schemeClr val="accent1">
+                  <a:shade val="50000"/>
+                </a:schemeClr>
+              </a:lnRef>
+              <a:fillRef idx="1">
+                <a:schemeClr val="accent1"/>
+              </a:fillRef>
+              <a:effectRef idx="0">
+                <a:schemeClr val="accent1"/>
+              </a:effectRef>
+              <a:fontRef idx="minor">
+                <a:schemeClr val="lt1"/>
+              </a:fontRef>
+            </p:style>
+            <p:txBody>
+              <a:bodyPr rtlCol="0" anchor="ctr"/>
+              <a:lstStyle/>
+              <a:p>
+                <a:pPr algn="ctr"/>
+                <a:endParaRPr lang="en-US"/>
+              </a:p>
+            </p:txBody>
+          </p:sp>
+          <p:sp>
+            <p:nvSpPr>
+              <p:cNvPr id="58" name="Rectangle 57">
+                <a:extLst>
+                  <a:ext uri="{FF2B5EF4-FFF2-40B4-BE49-F238E27FC236}">
+                    <a16:creationId xmlns:a16="http://schemas.microsoft.com/office/drawing/2014/main" id="{7CA05DEC-AFB9-7442-951E-B1BFDDE14EF4}"/>
+                  </a:ext>
+                </a:extLst>
+              </p:cNvPr>
+              <p:cNvSpPr>
+                <a:spLocks noChangeAspect="1"/>
+              </p:cNvSpPr>
+              <p:nvPr/>
+            </p:nvSpPr>
+            <p:spPr>
+              <a:xfrm>
+                <a:off x="4450481" y="765015"/>
+                <a:ext cx="118872" cy="237744"/>
+              </a:xfrm>
+              <a:prstGeom prst="rect">
+                <a:avLst/>
+              </a:prstGeom>
+              <a:solidFill>
+                <a:srgbClr val="8B6508"/>
+              </a:solidFill>
+              <a:ln w="19050">
+                <a:solidFill>
+                  <a:schemeClr val="bg1"/>
+                </a:solidFill>
+              </a:ln>
+            </p:spPr>
+            <p:style>
+              <a:lnRef idx="2">
+                <a:schemeClr val="accent1">
+                  <a:shade val="50000"/>
+                </a:schemeClr>
+              </a:lnRef>
+              <a:fillRef idx="1">
+                <a:schemeClr val="accent1"/>
+              </a:fillRef>
+              <a:effectRef idx="0">
+                <a:schemeClr val="accent1"/>
+              </a:effectRef>
+              <a:fontRef idx="minor">
+                <a:schemeClr val="lt1"/>
+              </a:fontRef>
+            </p:style>
+            <p:txBody>
+              <a:bodyPr rtlCol="0" anchor="ctr"/>
+              <a:lstStyle/>
+              <a:p>
+                <a:pPr algn="ctr"/>
+                <a:endParaRPr lang="en-US"/>
+              </a:p>
+            </p:txBody>
+          </p:sp>
+        </p:grpSp>
+        <p:grpSp>
+          <p:nvGrpSpPr>
+            <p:cNvPr id="52" name="Group 51">
+              <a:extLst>
+                <a:ext uri="{FF2B5EF4-FFF2-40B4-BE49-F238E27FC236}">
+                  <a16:creationId xmlns:a16="http://schemas.microsoft.com/office/drawing/2014/main" id="{0521F57C-2E8C-EC41-B332-83EB512AA0E9}"/>
+                </a:ext>
+              </a:extLst>
+            </p:cNvPr>
+            <p:cNvGrpSpPr/>
+            <p:nvPr/>
+          </p:nvGrpSpPr>
+          <p:grpSpPr>
+            <a:xfrm>
+              <a:off x="2938868" y="2111121"/>
+              <a:ext cx="479725" cy="237744"/>
+              <a:chOff x="4405289" y="4438277"/>
+              <a:chExt cx="479725" cy="237744"/>
+            </a:xfrm>
+          </p:grpSpPr>
+          <p:sp>
+            <p:nvSpPr>
+              <p:cNvPr id="53" name="Rectangle 52">
+                <a:extLst>
+                  <a:ext uri="{FF2B5EF4-FFF2-40B4-BE49-F238E27FC236}">
+                    <a16:creationId xmlns:a16="http://schemas.microsoft.com/office/drawing/2014/main" id="{657E3381-FF28-6E41-B152-9DD7EF88BD29}"/>
+                  </a:ext>
+                </a:extLst>
+              </p:cNvPr>
+              <p:cNvSpPr>
+                <a:spLocks noChangeAspect="1"/>
+              </p:cNvSpPr>
+              <p:nvPr/>
+            </p:nvSpPr>
+            <p:spPr>
+              <a:xfrm>
+                <a:off x="4405289" y="4438277"/>
+                <a:ext cx="118872" cy="237744"/>
+              </a:xfrm>
+              <a:prstGeom prst="rect">
+                <a:avLst/>
+              </a:prstGeom>
+              <a:solidFill>
+                <a:srgbClr val="CD950C"/>
+              </a:solidFill>
+              <a:ln w="19050">
+                <a:solidFill>
+                  <a:schemeClr val="bg1"/>
+                </a:solidFill>
+              </a:ln>
+            </p:spPr>
+            <p:style>
+              <a:lnRef idx="2">
+                <a:schemeClr val="accent1">
+                  <a:shade val="50000"/>
+                </a:schemeClr>
+              </a:lnRef>
+              <a:fillRef idx="1">
+                <a:schemeClr val="accent1"/>
+              </a:fillRef>
+              <a:effectRef idx="0">
+                <a:schemeClr val="accent1"/>
+              </a:effectRef>
+              <a:fontRef idx="minor">
+                <a:schemeClr val="lt1"/>
+              </a:fontRef>
+            </p:style>
+            <p:txBody>
+              <a:bodyPr rtlCol="0" anchor="ctr"/>
+              <a:lstStyle/>
+              <a:p>
+                <a:pPr algn="ctr"/>
+                <a:endParaRPr lang="en-US"/>
+              </a:p>
+            </p:txBody>
+          </p:sp>
+          <p:sp>
+            <p:nvSpPr>
+              <p:cNvPr id="54" name="Rectangle 53">
+                <a:extLst>
+                  <a:ext uri="{FF2B5EF4-FFF2-40B4-BE49-F238E27FC236}">
+                    <a16:creationId xmlns:a16="http://schemas.microsoft.com/office/drawing/2014/main" id="{4AB544FF-F6BD-CB47-AEC3-1971445D092C}"/>
+                  </a:ext>
+                </a:extLst>
+              </p:cNvPr>
+              <p:cNvSpPr>
+                <a:spLocks noChangeAspect="1"/>
+              </p:cNvSpPr>
+              <p:nvPr/>
+            </p:nvSpPr>
+            <p:spPr>
+              <a:xfrm>
+                <a:off x="4528398" y="4438277"/>
+                <a:ext cx="118872" cy="237744"/>
+              </a:xfrm>
+              <a:prstGeom prst="rect">
+                <a:avLst/>
+              </a:prstGeom>
+              <a:solidFill>
+                <a:srgbClr val="8B6508"/>
+              </a:solidFill>
+              <a:ln w="19050">
+                <a:solidFill>
+                  <a:schemeClr val="bg1"/>
+                </a:solidFill>
+              </a:ln>
+            </p:spPr>
+            <p:style>
+              <a:lnRef idx="2">
+                <a:schemeClr val="accent1">
+                  <a:shade val="50000"/>
+                </a:schemeClr>
+              </a:lnRef>
+              <a:fillRef idx="1">
+                <a:schemeClr val="accent1"/>
+              </a:fillRef>
+              <a:effectRef idx="0">
+                <a:schemeClr val="accent1"/>
+              </a:effectRef>
+              <a:fontRef idx="minor">
+                <a:schemeClr val="lt1"/>
+              </a:fontRef>
+            </p:style>
+            <p:txBody>
+              <a:bodyPr rtlCol="0" anchor="ctr"/>
+              <a:lstStyle/>
+              <a:p>
+                <a:pPr algn="ctr"/>
+                <a:endParaRPr lang="en-US"/>
+              </a:p>
+            </p:txBody>
+          </p:sp>
+          <p:sp>
+            <p:nvSpPr>
+              <p:cNvPr id="55" name="Rectangle 54">
+                <a:extLst>
+                  <a:ext uri="{FF2B5EF4-FFF2-40B4-BE49-F238E27FC236}">
+                    <a16:creationId xmlns:a16="http://schemas.microsoft.com/office/drawing/2014/main" id="{4930E362-E752-C24B-98B3-09817FA674B6}"/>
+                  </a:ext>
+                </a:extLst>
+              </p:cNvPr>
+              <p:cNvSpPr>
+                <a:spLocks noChangeAspect="1"/>
+              </p:cNvSpPr>
+              <p:nvPr/>
+            </p:nvSpPr>
+            <p:spPr>
+              <a:xfrm>
+                <a:off x="4647270" y="4438277"/>
+                <a:ext cx="118872" cy="237744"/>
+              </a:xfrm>
+              <a:prstGeom prst="rect">
+                <a:avLst/>
+              </a:prstGeom>
+              <a:solidFill>
+                <a:srgbClr val="CD950C"/>
+              </a:solidFill>
+              <a:ln w="19050">
+                <a:solidFill>
+                  <a:schemeClr val="bg1"/>
+                </a:solidFill>
+              </a:ln>
+            </p:spPr>
+            <p:style>
+              <a:lnRef idx="2">
+                <a:schemeClr val="accent1">
+                  <a:shade val="50000"/>
+                </a:schemeClr>
+              </a:lnRef>
+              <a:fillRef idx="1">
+                <a:schemeClr val="accent1"/>
+              </a:fillRef>
+              <a:effectRef idx="0">
+                <a:schemeClr val="accent1"/>
+              </a:effectRef>
+              <a:fontRef idx="minor">
+                <a:schemeClr val="lt1"/>
+              </a:fontRef>
+            </p:style>
+            <p:txBody>
+              <a:bodyPr rtlCol="0" anchor="ctr"/>
+              <a:lstStyle/>
+              <a:p>
+                <a:pPr algn="ctr"/>
+                <a:endParaRPr lang="en-US"/>
+              </a:p>
+            </p:txBody>
+          </p:sp>
+          <p:sp>
+            <p:nvSpPr>
+              <p:cNvPr id="56" name="Rectangle 55">
+                <a:extLst>
+                  <a:ext uri="{FF2B5EF4-FFF2-40B4-BE49-F238E27FC236}">
+                    <a16:creationId xmlns:a16="http://schemas.microsoft.com/office/drawing/2014/main" id="{226B1185-C74E-5B45-AE22-2672D0F7661A}"/>
+                  </a:ext>
+                </a:extLst>
+              </p:cNvPr>
+              <p:cNvSpPr>
+                <a:spLocks noChangeAspect="1"/>
+              </p:cNvSpPr>
+              <p:nvPr/>
+            </p:nvSpPr>
+            <p:spPr>
+              <a:xfrm>
+                <a:off x="4766142" y="4438277"/>
+                <a:ext cx="118872" cy="237744"/>
+              </a:xfrm>
+              <a:prstGeom prst="rect">
+                <a:avLst/>
+              </a:prstGeom>
+              <a:solidFill>
+                <a:srgbClr val="8B6508"/>
+              </a:solidFill>
+              <a:ln w="19050">
+                <a:solidFill>
+                  <a:schemeClr val="bg1"/>
+                </a:solidFill>
+              </a:ln>
+            </p:spPr>
+            <p:style>
+              <a:lnRef idx="2">
+                <a:schemeClr val="accent1">
+                  <a:shade val="50000"/>
+                </a:schemeClr>
+              </a:lnRef>
+              <a:fillRef idx="1">
+                <a:schemeClr val="accent1"/>
+              </a:fillRef>
+              <a:effectRef idx="0">
+                <a:schemeClr val="accent1"/>
+              </a:effectRef>
+              <a:fontRef idx="minor">
+                <a:schemeClr val="lt1"/>
+              </a:fontRef>
+            </p:style>
+            <p:txBody>
+              <a:bodyPr rtlCol="0" anchor="ctr"/>
+              <a:lstStyle/>
+              <a:p>
+                <a:pPr algn="ctr"/>
+                <a:endParaRPr lang="en-US"/>
+              </a:p>
+            </p:txBody>
+          </p:sp>
+        </p:grpSp>
       </p:grpSp>
     </p:spTree>
     <p:extLst>
       <p:ext uri="{BB962C8B-B14F-4D97-AF65-F5344CB8AC3E}">
-        <p14:creationId xmlns:p14="http://schemas.microsoft.com/office/powerpoint/2010/main" val="4023433168"/>
+        <p14:creationId xmlns:p14="http://schemas.microsoft.com/office/powerpoint/2010/main" val="4243787162"/>
       </p:ext>
     </p:extLst>
   </p:cSld>
@@ -16708,10 +17293,10 @@
       </p:grpSpPr>
       <p:grpSp>
         <p:nvGrpSpPr>
-          <p:cNvPr id="2" name="Group 1">
+          <p:cNvPr id="40" name="Group 39">
             <a:extLst>
               <a:ext uri="{FF2B5EF4-FFF2-40B4-BE49-F238E27FC236}">
-                <a16:creationId xmlns:a16="http://schemas.microsoft.com/office/drawing/2014/main" id="{49F63281-28FB-354D-8F3F-FBDB6C80E505}"/>
+                <a16:creationId xmlns:a16="http://schemas.microsoft.com/office/drawing/2014/main" id="{B83DEC88-3101-2348-84FC-9955C9B1BD71}"/>
               </a:ext>
             </a:extLst>
           </p:cNvPr>
@@ -16728,10 +17313,10 @@
         </p:grpSpPr>
         <p:sp>
           <p:nvSpPr>
-            <p:cNvPr id="3" name="TextBox 2">
-              <a:extLst>
-                <a:ext uri="{FF2B5EF4-FFF2-40B4-BE49-F238E27FC236}">
-                  <a16:creationId xmlns:a16="http://schemas.microsoft.com/office/drawing/2014/main" id="{250AEA30-C2EB-E142-B6A1-DF8C15E294A4}"/>
+            <p:cNvPr id="2" name="TextBox 1">
+              <a:extLst>
+                <a:ext uri="{FF2B5EF4-FFF2-40B4-BE49-F238E27FC236}">
+                  <a16:creationId xmlns:a16="http://schemas.microsoft.com/office/drawing/2014/main" id="{84891175-C4F5-8047-B969-FE42A84AFE7C}"/>
                 </a:ext>
               </a:extLst>
             </p:cNvPr>
@@ -16763,10 +17348,10 @@
         </p:sp>
         <p:sp>
           <p:nvSpPr>
-            <p:cNvPr id="4" name="TextBox 3">
-              <a:extLst>
-                <a:ext uri="{FF2B5EF4-FFF2-40B4-BE49-F238E27FC236}">
-                  <a16:creationId xmlns:a16="http://schemas.microsoft.com/office/drawing/2014/main" id="{BC528386-864D-5F49-BFA1-EE0FBBF01AB2}"/>
+            <p:cNvPr id="3" name="TextBox 2">
+              <a:extLst>
+                <a:ext uri="{FF2B5EF4-FFF2-40B4-BE49-F238E27FC236}">
+                  <a16:creationId xmlns:a16="http://schemas.microsoft.com/office/drawing/2014/main" id="{EABCBF12-C483-0140-A9F1-4012E24154FA}"/>
                 </a:ext>
               </a:extLst>
             </p:cNvPr>
@@ -16796,82 +17381,12 @@
             </a:p>
           </p:txBody>
         </p:sp>
-        <p:sp>
-          <p:nvSpPr>
-            <p:cNvPr id="5" name="TextBox 4">
-              <a:extLst>
-                <a:ext uri="{FF2B5EF4-FFF2-40B4-BE49-F238E27FC236}">
-                  <a16:creationId xmlns:a16="http://schemas.microsoft.com/office/drawing/2014/main" id="{8D2F914E-9A30-474B-8767-693E0CA2CE97}"/>
-                </a:ext>
-              </a:extLst>
-            </p:cNvPr>
-            <p:cNvSpPr txBox="1"/>
-            <p:nvPr/>
-          </p:nvSpPr>
-          <p:spPr>
-            <a:xfrm>
-              <a:off x="4365546" y="820435"/>
-              <a:ext cx="442750" cy="369332"/>
-            </a:xfrm>
-            <a:prstGeom prst="rect">
-              <a:avLst/>
-            </a:prstGeom>
-            <a:noFill/>
-          </p:spPr>
-          <p:txBody>
-            <a:bodyPr wrap="none" rtlCol="0">
-              <a:spAutoFit/>
-            </a:bodyPr>
-            <a:lstStyle/>
-            <a:p>
-              <a:r>
-                <a:rPr lang="en-US" dirty="0"/>
-                <a:t>SO</a:t>
-              </a:r>
-            </a:p>
-          </p:txBody>
-        </p:sp>
-        <p:sp>
-          <p:nvSpPr>
-            <p:cNvPr id="6" name="TextBox 5">
-              <a:extLst>
-                <a:ext uri="{FF2B5EF4-FFF2-40B4-BE49-F238E27FC236}">
-                  <a16:creationId xmlns:a16="http://schemas.microsoft.com/office/drawing/2014/main" id="{F53D11B2-AF4E-424C-89C4-539934091DEC}"/>
-                </a:ext>
-              </a:extLst>
-            </p:cNvPr>
-            <p:cNvSpPr txBox="1"/>
-            <p:nvPr/>
-          </p:nvSpPr>
-          <p:spPr>
-            <a:xfrm>
-              <a:off x="2941040" y="2056845"/>
-              <a:ext cx="479618" cy="369332"/>
-            </a:xfrm>
-            <a:prstGeom prst="rect">
-              <a:avLst/>
-            </a:prstGeom>
-            <a:noFill/>
-          </p:spPr>
-          <p:txBody>
-            <a:bodyPr wrap="none" rtlCol="0">
-              <a:spAutoFit/>
-            </a:bodyPr>
-            <a:lstStyle/>
-            <a:p>
-              <a:r>
-                <a:rPr lang="en-US" dirty="0"/>
-                <a:t>DO</a:t>
-              </a:r>
-            </a:p>
-          </p:txBody>
-        </p:sp>
         <p:cxnSp>
           <p:nvCxnSpPr>
-            <p:cNvPr id="7" name="Straight Connector 6">
-              <a:extLst>
-                <a:ext uri="{FF2B5EF4-FFF2-40B4-BE49-F238E27FC236}">
-                  <a16:creationId xmlns:a16="http://schemas.microsoft.com/office/drawing/2014/main" id="{4EFF433E-4850-BF4F-A48D-7DDA668DEBC4}"/>
+            <p:cNvPr id="4" name="Straight Connector 3">
+              <a:extLst>
+                <a:ext uri="{FF2B5EF4-FFF2-40B4-BE49-F238E27FC236}">
+                  <a16:creationId xmlns:a16="http://schemas.microsoft.com/office/drawing/2014/main" id="{4D40D51D-449E-9042-948F-F16576A89A82}"/>
                 </a:ext>
               </a:extLst>
             </p:cNvPr>
@@ -16911,10 +17426,10 @@
         </p:cxnSp>
         <p:cxnSp>
           <p:nvCxnSpPr>
-            <p:cNvPr id="8" name="Straight Connector 7">
-              <a:extLst>
-                <a:ext uri="{FF2B5EF4-FFF2-40B4-BE49-F238E27FC236}">
-                  <a16:creationId xmlns:a16="http://schemas.microsoft.com/office/drawing/2014/main" id="{804F6577-4881-B143-AEC2-2C0C9BBB55D3}"/>
+            <p:cNvPr id="5" name="Straight Connector 4">
+              <a:extLst>
+                <a:ext uri="{FF2B5EF4-FFF2-40B4-BE49-F238E27FC236}">
+                  <a16:creationId xmlns:a16="http://schemas.microsoft.com/office/drawing/2014/main" id="{2314DBEA-8F26-E243-BA3E-F5A1BE9CE0DD}"/>
                 </a:ext>
               </a:extLst>
             </p:cNvPr>
@@ -16954,10 +17469,10 @@
         </p:cxnSp>
         <p:cxnSp>
           <p:nvCxnSpPr>
-            <p:cNvPr id="9" name="Straight Connector 8">
-              <a:extLst>
-                <a:ext uri="{FF2B5EF4-FFF2-40B4-BE49-F238E27FC236}">
-                  <a16:creationId xmlns:a16="http://schemas.microsoft.com/office/drawing/2014/main" id="{7787057B-2643-0241-97ED-DD795217649C}"/>
+            <p:cNvPr id="6" name="Straight Connector 5">
+              <a:extLst>
+                <a:ext uri="{FF2B5EF4-FFF2-40B4-BE49-F238E27FC236}">
+                  <a16:creationId xmlns:a16="http://schemas.microsoft.com/office/drawing/2014/main" id="{231BB185-BC0C-874F-BE4C-7AB69CAC461E}"/>
                 </a:ext>
               </a:extLst>
             </p:cNvPr>
@@ -16997,16 +17512,16 @@
         </p:cxnSp>
         <p:cxnSp>
           <p:nvCxnSpPr>
-            <p:cNvPr id="10" name="Straight Connector 9">
-              <a:extLst>
-                <a:ext uri="{FF2B5EF4-FFF2-40B4-BE49-F238E27FC236}">
-                  <a16:creationId xmlns:a16="http://schemas.microsoft.com/office/drawing/2014/main" id="{8D44CEC2-3A4E-764B-81B7-F4B46F347D11}"/>
+            <p:cNvPr id="7" name="Straight Connector 6">
+              <a:extLst>
+                <a:ext uri="{FF2B5EF4-FFF2-40B4-BE49-F238E27FC236}">
+                  <a16:creationId xmlns:a16="http://schemas.microsoft.com/office/drawing/2014/main" id="{482A9DDF-6AA7-BC43-8B04-B58B29089C3A}"/>
                 </a:ext>
               </a:extLst>
             </p:cNvPr>
             <p:cNvCxnSpPr>
               <a:cxnSpLocks/>
-              <a:endCxn id="23" idx="2"/>
+              <a:endCxn id="20" idx="2"/>
             </p:cNvCxnSpPr>
             <p:nvPr/>
           </p:nvCxnSpPr>
@@ -17041,16 +17556,16 @@
         </p:cxnSp>
         <p:cxnSp>
           <p:nvCxnSpPr>
-            <p:cNvPr id="11" name="Straight Connector 10">
-              <a:extLst>
-                <a:ext uri="{FF2B5EF4-FFF2-40B4-BE49-F238E27FC236}">
-                  <a16:creationId xmlns:a16="http://schemas.microsoft.com/office/drawing/2014/main" id="{B6B67468-8E9C-564D-BD04-0F7E19700355}"/>
+            <p:cNvPr id="8" name="Straight Connector 7">
+              <a:extLst>
+                <a:ext uri="{FF2B5EF4-FFF2-40B4-BE49-F238E27FC236}">
+                  <a16:creationId xmlns:a16="http://schemas.microsoft.com/office/drawing/2014/main" id="{C1C53932-2051-0C4D-988A-015914D2D092}"/>
                 </a:ext>
               </a:extLst>
             </p:cNvPr>
             <p:cNvCxnSpPr>
               <a:cxnSpLocks/>
-              <a:stCxn id="23" idx="0"/>
+              <a:stCxn id="20" idx="0"/>
             </p:cNvCxnSpPr>
             <p:nvPr/>
           </p:nvCxnSpPr>
@@ -17085,17 +17600,17 @@
         </p:cxnSp>
         <p:cxnSp>
           <p:nvCxnSpPr>
-            <p:cNvPr id="12" name="Straight Connector 11">
-              <a:extLst>
-                <a:ext uri="{FF2B5EF4-FFF2-40B4-BE49-F238E27FC236}">
-                  <a16:creationId xmlns:a16="http://schemas.microsoft.com/office/drawing/2014/main" id="{94633711-E4BA-8143-AC61-505C9AE46F92}"/>
+            <p:cNvPr id="9" name="Straight Connector 8">
+              <a:extLst>
+                <a:ext uri="{FF2B5EF4-FFF2-40B4-BE49-F238E27FC236}">
+                  <a16:creationId xmlns:a16="http://schemas.microsoft.com/office/drawing/2014/main" id="{47D1C56E-C9DF-104F-B776-5DBFB3C9448F}"/>
                 </a:ext>
               </a:extLst>
             </p:cNvPr>
             <p:cNvCxnSpPr>
               <a:cxnSpLocks/>
-              <a:stCxn id="21" idx="0"/>
-              <a:endCxn id="22" idx="4"/>
+              <a:stCxn id="18" idx="0"/>
+              <a:endCxn id="19" idx="4"/>
             </p:cNvCxnSpPr>
             <p:nvPr/>
           </p:nvCxnSpPr>
@@ -17130,17 +17645,17 @@
         </p:cxnSp>
         <p:cxnSp>
           <p:nvCxnSpPr>
-            <p:cNvPr id="13" name="Straight Connector 12">
-              <a:extLst>
-                <a:ext uri="{FF2B5EF4-FFF2-40B4-BE49-F238E27FC236}">
-                  <a16:creationId xmlns:a16="http://schemas.microsoft.com/office/drawing/2014/main" id="{D6E679DB-2A7D-A747-9106-2BF26F5F8304}"/>
+            <p:cNvPr id="10" name="Straight Connector 9">
+              <a:extLst>
+                <a:ext uri="{FF2B5EF4-FFF2-40B4-BE49-F238E27FC236}">
+                  <a16:creationId xmlns:a16="http://schemas.microsoft.com/office/drawing/2014/main" id="{5527B1D4-A746-F545-9605-51710B90EC8D}"/>
                 </a:ext>
               </a:extLst>
             </p:cNvPr>
             <p:cNvCxnSpPr>
               <a:cxnSpLocks/>
-              <a:stCxn id="21" idx="2"/>
-              <a:endCxn id="20" idx="6"/>
+              <a:stCxn id="18" idx="2"/>
+              <a:endCxn id="17" idx="6"/>
             </p:cNvCxnSpPr>
             <p:nvPr/>
           </p:nvCxnSpPr>
@@ -17175,17 +17690,17 @@
         </p:cxnSp>
         <p:cxnSp>
           <p:nvCxnSpPr>
-            <p:cNvPr id="14" name="Straight Connector 13">
-              <a:extLst>
-                <a:ext uri="{FF2B5EF4-FFF2-40B4-BE49-F238E27FC236}">
-                  <a16:creationId xmlns:a16="http://schemas.microsoft.com/office/drawing/2014/main" id="{D75A7BE0-3705-7B48-B66C-7CF025F6526B}"/>
+            <p:cNvPr id="11" name="Straight Connector 10">
+              <a:extLst>
+                <a:ext uri="{FF2B5EF4-FFF2-40B4-BE49-F238E27FC236}">
+                  <a16:creationId xmlns:a16="http://schemas.microsoft.com/office/drawing/2014/main" id="{7FCD0B81-67A8-D24C-B99A-84AE6A4FC14F}"/>
                 </a:ext>
               </a:extLst>
             </p:cNvPr>
             <p:cNvCxnSpPr>
               <a:cxnSpLocks/>
-              <a:stCxn id="20" idx="2"/>
-              <a:endCxn id="19" idx="6"/>
+              <a:stCxn id="17" idx="2"/>
+              <a:endCxn id="16" idx="6"/>
             </p:cNvCxnSpPr>
             <p:nvPr/>
           </p:nvCxnSpPr>
@@ -17220,17 +17735,17 @@
         </p:cxnSp>
         <p:cxnSp>
           <p:nvCxnSpPr>
-            <p:cNvPr id="15" name="Straight Connector 14">
-              <a:extLst>
-                <a:ext uri="{FF2B5EF4-FFF2-40B4-BE49-F238E27FC236}">
-                  <a16:creationId xmlns:a16="http://schemas.microsoft.com/office/drawing/2014/main" id="{DB6693CC-C638-4045-BAD2-07C0FA8D01BD}"/>
+            <p:cNvPr id="12" name="Straight Connector 11">
+              <a:extLst>
+                <a:ext uri="{FF2B5EF4-FFF2-40B4-BE49-F238E27FC236}">
+                  <a16:creationId xmlns:a16="http://schemas.microsoft.com/office/drawing/2014/main" id="{47CFC823-8DDB-7645-888D-3F986D45C4F3}"/>
                 </a:ext>
               </a:extLst>
             </p:cNvPr>
             <p:cNvCxnSpPr>
               <a:cxnSpLocks/>
-              <a:stCxn id="19" idx="2"/>
-              <a:endCxn id="18" idx="6"/>
+              <a:stCxn id="16" idx="2"/>
+              <a:endCxn id="15" idx="6"/>
             </p:cNvCxnSpPr>
             <p:nvPr/>
           </p:nvCxnSpPr>
@@ -17265,10 +17780,10 @@
         </p:cxnSp>
         <p:cxnSp>
           <p:nvCxnSpPr>
-            <p:cNvPr id="16" name="Straight Connector 15">
-              <a:extLst>
-                <a:ext uri="{FF2B5EF4-FFF2-40B4-BE49-F238E27FC236}">
-                  <a16:creationId xmlns:a16="http://schemas.microsoft.com/office/drawing/2014/main" id="{921E1585-7B0E-2B4A-962B-72B7F1A6CB54}"/>
+            <p:cNvPr id="13" name="Straight Connector 12">
+              <a:extLst>
+                <a:ext uri="{FF2B5EF4-FFF2-40B4-BE49-F238E27FC236}">
+                  <a16:creationId xmlns:a16="http://schemas.microsoft.com/office/drawing/2014/main" id="{AC3DC659-5787-714F-B949-AD994DEFD663}"/>
                 </a:ext>
               </a:extLst>
             </p:cNvPr>
@@ -17308,10 +17823,10 @@
         </p:cxnSp>
         <p:cxnSp>
           <p:nvCxnSpPr>
-            <p:cNvPr id="17" name="Straight Connector 16">
-              <a:extLst>
-                <a:ext uri="{FF2B5EF4-FFF2-40B4-BE49-F238E27FC236}">
-                  <a16:creationId xmlns:a16="http://schemas.microsoft.com/office/drawing/2014/main" id="{BB68305A-3C4A-8D4C-8BF5-3D5EE29E86C2}"/>
+            <p:cNvPr id="14" name="Straight Connector 13">
+              <a:extLst>
+                <a:ext uri="{FF2B5EF4-FFF2-40B4-BE49-F238E27FC236}">
+                  <a16:creationId xmlns:a16="http://schemas.microsoft.com/office/drawing/2014/main" id="{E51D7247-91BD-114C-8CFA-A1200E23D0AD}"/>
                 </a:ext>
               </a:extLst>
             </p:cNvPr>
@@ -17351,10 +17866,10 @@
         </p:cxnSp>
         <p:sp>
           <p:nvSpPr>
-            <p:cNvPr id="18" name="Oval 17">
-              <a:extLst>
-                <a:ext uri="{FF2B5EF4-FFF2-40B4-BE49-F238E27FC236}">
-                  <a16:creationId xmlns:a16="http://schemas.microsoft.com/office/drawing/2014/main" id="{329081B6-DD1B-7546-9E32-C120BAC6D6AC}"/>
+            <p:cNvPr id="15" name="Oval 14">
+              <a:extLst>
+                <a:ext uri="{FF2B5EF4-FFF2-40B4-BE49-F238E27FC236}">
+                  <a16:creationId xmlns:a16="http://schemas.microsoft.com/office/drawing/2014/main" id="{1FFE0938-6F82-7741-AF97-C521576E97C5}"/>
                 </a:ext>
               </a:extLst>
             </p:cNvPr>
@@ -17414,10 +17929,10 @@
         </p:sp>
         <p:sp>
           <p:nvSpPr>
-            <p:cNvPr id="19" name="Oval 18">
-              <a:extLst>
-                <a:ext uri="{FF2B5EF4-FFF2-40B4-BE49-F238E27FC236}">
-                  <a16:creationId xmlns:a16="http://schemas.microsoft.com/office/drawing/2014/main" id="{3EFFD3C6-989F-6548-8A0B-D6ACCB54C6AD}"/>
+            <p:cNvPr id="16" name="Oval 15">
+              <a:extLst>
+                <a:ext uri="{FF2B5EF4-FFF2-40B4-BE49-F238E27FC236}">
+                  <a16:creationId xmlns:a16="http://schemas.microsoft.com/office/drawing/2014/main" id="{1A694C7B-1738-3747-887E-016B80DD84A5}"/>
                 </a:ext>
               </a:extLst>
             </p:cNvPr>
@@ -17477,10 +17992,10 @@
         </p:sp>
         <p:sp>
           <p:nvSpPr>
-            <p:cNvPr id="20" name="Oval 19">
-              <a:extLst>
-                <a:ext uri="{FF2B5EF4-FFF2-40B4-BE49-F238E27FC236}">
-                  <a16:creationId xmlns:a16="http://schemas.microsoft.com/office/drawing/2014/main" id="{36C8A8F8-6D62-1C47-AFE8-30659CB0ED3B}"/>
+            <p:cNvPr id="17" name="Oval 16">
+              <a:extLst>
+                <a:ext uri="{FF2B5EF4-FFF2-40B4-BE49-F238E27FC236}">
+                  <a16:creationId xmlns:a16="http://schemas.microsoft.com/office/drawing/2014/main" id="{757DA08A-5625-1742-96AC-4E7F59EE43A5}"/>
                 </a:ext>
               </a:extLst>
             </p:cNvPr>
@@ -17537,10 +18052,10 @@
         </p:sp>
         <p:sp>
           <p:nvSpPr>
-            <p:cNvPr id="21" name="Oval 20">
-              <a:extLst>
-                <a:ext uri="{FF2B5EF4-FFF2-40B4-BE49-F238E27FC236}">
-                  <a16:creationId xmlns:a16="http://schemas.microsoft.com/office/drawing/2014/main" id="{6A7582A8-DBB6-EE42-99A2-0176A2EC49A1}"/>
+            <p:cNvPr id="18" name="Oval 17">
+              <a:extLst>
+                <a:ext uri="{FF2B5EF4-FFF2-40B4-BE49-F238E27FC236}">
+                  <a16:creationId xmlns:a16="http://schemas.microsoft.com/office/drawing/2014/main" id="{6951A34E-A2E2-6347-B02F-29A83516A895}"/>
                 </a:ext>
               </a:extLst>
             </p:cNvPr>
@@ -17599,10 +18114,10 @@
         </p:sp>
         <p:sp>
           <p:nvSpPr>
-            <p:cNvPr id="22" name="Oval 21">
-              <a:extLst>
-                <a:ext uri="{FF2B5EF4-FFF2-40B4-BE49-F238E27FC236}">
-                  <a16:creationId xmlns:a16="http://schemas.microsoft.com/office/drawing/2014/main" id="{A65B65C2-C799-E94A-ABD3-E82CEB2A914E}"/>
+            <p:cNvPr id="19" name="Oval 18">
+              <a:extLst>
+                <a:ext uri="{FF2B5EF4-FFF2-40B4-BE49-F238E27FC236}">
+                  <a16:creationId xmlns:a16="http://schemas.microsoft.com/office/drawing/2014/main" id="{68B486E3-5C0D-FF42-B79F-5C3FA6A500C0}"/>
                 </a:ext>
               </a:extLst>
             </p:cNvPr>
@@ -17661,10 +18176,10 @@
         </p:sp>
         <p:sp>
           <p:nvSpPr>
-            <p:cNvPr id="23" name="Oval 22">
-              <a:extLst>
-                <a:ext uri="{FF2B5EF4-FFF2-40B4-BE49-F238E27FC236}">
-                  <a16:creationId xmlns:a16="http://schemas.microsoft.com/office/drawing/2014/main" id="{6596DAC3-D6DC-964F-A37E-4641D2A6DF69}"/>
+            <p:cNvPr id="20" name="Oval 19">
+              <a:extLst>
+                <a:ext uri="{FF2B5EF4-FFF2-40B4-BE49-F238E27FC236}">
+                  <a16:creationId xmlns:a16="http://schemas.microsoft.com/office/drawing/2014/main" id="{AA8A6D6B-BC1E-0C49-862A-947B50D8C870}"/>
                 </a:ext>
               </a:extLst>
             </p:cNvPr>
@@ -17724,16 +18239,16 @@
         </p:sp>
         <p:cxnSp>
           <p:nvCxnSpPr>
-            <p:cNvPr id="24" name="Straight Connector 23">
-              <a:extLst>
-                <a:ext uri="{FF2B5EF4-FFF2-40B4-BE49-F238E27FC236}">
-                  <a16:creationId xmlns:a16="http://schemas.microsoft.com/office/drawing/2014/main" id="{75F81AD9-4A0D-CB4C-8C9B-7F8DF8E4875C}"/>
+            <p:cNvPr id="21" name="Straight Connector 20">
+              <a:extLst>
+                <a:ext uri="{FF2B5EF4-FFF2-40B4-BE49-F238E27FC236}">
+                  <a16:creationId xmlns:a16="http://schemas.microsoft.com/office/drawing/2014/main" id="{8DFAF68C-FE14-6A4B-97A7-426519BD4657}"/>
                 </a:ext>
               </a:extLst>
             </p:cNvPr>
             <p:cNvCxnSpPr>
               <a:cxnSpLocks/>
-              <a:stCxn id="18" idx="2"/>
+              <a:stCxn id="15" idx="2"/>
             </p:cNvCxnSpPr>
             <p:nvPr/>
           </p:nvCxnSpPr>
@@ -17768,10 +18283,10 @@
         </p:cxnSp>
         <p:sp>
           <p:nvSpPr>
-            <p:cNvPr id="25" name="Oval 24">
-              <a:extLst>
-                <a:ext uri="{FF2B5EF4-FFF2-40B4-BE49-F238E27FC236}">
-                  <a16:creationId xmlns:a16="http://schemas.microsoft.com/office/drawing/2014/main" id="{48509D2F-7BEC-2B4E-98E4-19952A86AD0D}"/>
+            <p:cNvPr id="22" name="Oval 21">
+              <a:extLst>
+                <a:ext uri="{FF2B5EF4-FFF2-40B4-BE49-F238E27FC236}">
+                  <a16:creationId xmlns:a16="http://schemas.microsoft.com/office/drawing/2014/main" id="{E4F07460-E7F3-A742-A72E-CDFC533719E2}"/>
                 </a:ext>
               </a:extLst>
             </p:cNvPr>
@@ -17831,16 +18346,16 @@
         </p:sp>
         <p:cxnSp>
           <p:nvCxnSpPr>
-            <p:cNvPr id="26" name="Straight Connector 25">
-              <a:extLst>
-                <a:ext uri="{FF2B5EF4-FFF2-40B4-BE49-F238E27FC236}">
-                  <a16:creationId xmlns:a16="http://schemas.microsoft.com/office/drawing/2014/main" id="{525FEAEF-EDA6-0845-A77B-18927AA4D4BC}"/>
+            <p:cNvPr id="23" name="Straight Connector 22">
+              <a:extLst>
+                <a:ext uri="{FF2B5EF4-FFF2-40B4-BE49-F238E27FC236}">
+                  <a16:creationId xmlns:a16="http://schemas.microsoft.com/office/drawing/2014/main" id="{A2E2B42A-2C58-FC4E-A582-B7B30570C214}"/>
                 </a:ext>
               </a:extLst>
             </p:cNvPr>
             <p:cNvCxnSpPr>
               <a:cxnSpLocks/>
-              <a:stCxn id="25" idx="6"/>
+              <a:stCxn id="22" idx="6"/>
             </p:cNvCxnSpPr>
             <p:nvPr/>
           </p:nvCxnSpPr>
@@ -17875,10 +18390,10 @@
         </p:cxnSp>
         <p:sp>
           <p:nvSpPr>
-            <p:cNvPr id="27" name="Rectangle 26">
-              <a:extLst>
-                <a:ext uri="{FF2B5EF4-FFF2-40B4-BE49-F238E27FC236}">
-                  <a16:creationId xmlns:a16="http://schemas.microsoft.com/office/drawing/2014/main" id="{D6E1BF5D-0339-EF43-85C5-7E22C6C323FF}"/>
+            <p:cNvPr id="24" name="Rectangle 23">
+              <a:extLst>
+                <a:ext uri="{FF2B5EF4-FFF2-40B4-BE49-F238E27FC236}">
+                  <a16:creationId xmlns:a16="http://schemas.microsoft.com/office/drawing/2014/main" id="{5BE1C18E-39AB-0943-A52A-D7B72C7A2E9F}"/>
                 </a:ext>
               </a:extLst>
             </p:cNvPr>
@@ -17938,10 +18453,10 @@
         </p:sp>
         <p:sp>
           <p:nvSpPr>
-            <p:cNvPr id="28" name="Rectangle 27">
-              <a:extLst>
-                <a:ext uri="{FF2B5EF4-FFF2-40B4-BE49-F238E27FC236}">
-                  <a16:creationId xmlns:a16="http://schemas.microsoft.com/office/drawing/2014/main" id="{74965E44-BB7B-0C44-8E95-CAE08B7B19DD}"/>
+            <p:cNvPr id="25" name="Rectangle 24">
+              <a:extLst>
+                <a:ext uri="{FF2B5EF4-FFF2-40B4-BE49-F238E27FC236}">
+                  <a16:creationId xmlns:a16="http://schemas.microsoft.com/office/drawing/2014/main" id="{6CD2AAE7-0007-5144-8D14-8F2F8EB313AA}"/>
                 </a:ext>
               </a:extLst>
             </p:cNvPr>
@@ -18001,10 +18516,10 @@
         </p:sp>
         <p:sp>
           <p:nvSpPr>
-            <p:cNvPr id="29" name="Regular Pentagon 28">
-              <a:extLst>
-                <a:ext uri="{FF2B5EF4-FFF2-40B4-BE49-F238E27FC236}">
-                  <a16:creationId xmlns:a16="http://schemas.microsoft.com/office/drawing/2014/main" id="{B160E0C9-A9C1-BF40-8945-DAE3308AE7B8}"/>
+            <p:cNvPr id="26" name="Regular Pentagon 25">
+              <a:extLst>
+                <a:ext uri="{FF2B5EF4-FFF2-40B4-BE49-F238E27FC236}">
+                  <a16:creationId xmlns:a16="http://schemas.microsoft.com/office/drawing/2014/main" id="{678A0FEA-BD2D-4E40-AC49-66919FE8DC5B}"/>
                 </a:ext>
               </a:extLst>
             </p:cNvPr>
@@ -18064,10 +18579,10 @@
         </p:sp>
         <p:sp>
           <p:nvSpPr>
-            <p:cNvPr id="30" name="Regular Pentagon 29">
-              <a:extLst>
-                <a:ext uri="{FF2B5EF4-FFF2-40B4-BE49-F238E27FC236}">
-                  <a16:creationId xmlns:a16="http://schemas.microsoft.com/office/drawing/2014/main" id="{5E7F52E6-6E24-694D-8F65-4CA83BE5FC6B}"/>
+            <p:cNvPr id="27" name="Regular Pentagon 26">
+              <a:extLst>
+                <a:ext uri="{FF2B5EF4-FFF2-40B4-BE49-F238E27FC236}">
+                  <a16:creationId xmlns:a16="http://schemas.microsoft.com/office/drawing/2014/main" id="{02440733-8DFC-A44B-A25A-92DB23A962BD}"/>
                 </a:ext>
               </a:extLst>
             </p:cNvPr>
@@ -18127,10 +18642,10 @@
         </p:sp>
         <p:sp>
           <p:nvSpPr>
-            <p:cNvPr id="31" name="Regular Pentagon 30">
-              <a:extLst>
-                <a:ext uri="{FF2B5EF4-FFF2-40B4-BE49-F238E27FC236}">
-                  <a16:creationId xmlns:a16="http://schemas.microsoft.com/office/drawing/2014/main" id="{D953894C-0EA7-DB43-A8D9-0F039F739DF1}"/>
+            <p:cNvPr id="28" name="Regular Pentagon 27">
+              <a:extLst>
+                <a:ext uri="{FF2B5EF4-FFF2-40B4-BE49-F238E27FC236}">
+                  <a16:creationId xmlns:a16="http://schemas.microsoft.com/office/drawing/2014/main" id="{769C0234-206E-2D40-885F-CFAE440FAB49}"/>
                 </a:ext>
               </a:extLst>
             </p:cNvPr>
@@ -18190,10 +18705,10 @@
         </p:sp>
         <p:sp>
           <p:nvSpPr>
-            <p:cNvPr id="32" name="TextBox 31">
-              <a:extLst>
-                <a:ext uri="{FF2B5EF4-FFF2-40B4-BE49-F238E27FC236}">
-                  <a16:creationId xmlns:a16="http://schemas.microsoft.com/office/drawing/2014/main" id="{B3372F04-8085-0E45-B52A-36D8F46B23A0}"/>
+            <p:cNvPr id="29" name="TextBox 28">
+              <a:extLst>
+                <a:ext uri="{FF2B5EF4-FFF2-40B4-BE49-F238E27FC236}">
+                  <a16:creationId xmlns:a16="http://schemas.microsoft.com/office/drawing/2014/main" id="{534F11AE-08D0-3A45-ABF7-D10BE75A050C}"/>
                 </a:ext>
               </a:extLst>
             </p:cNvPr>
@@ -18225,10 +18740,10 @@
         </p:sp>
         <p:sp>
           <p:nvSpPr>
-            <p:cNvPr id="33" name="TextBox 32">
-              <a:extLst>
-                <a:ext uri="{FF2B5EF4-FFF2-40B4-BE49-F238E27FC236}">
-                  <a16:creationId xmlns:a16="http://schemas.microsoft.com/office/drawing/2014/main" id="{E706A2F3-06F2-2347-9971-7F4BDE3573D2}"/>
+            <p:cNvPr id="30" name="TextBox 29">
+              <a:extLst>
+                <a:ext uri="{FF2B5EF4-FFF2-40B4-BE49-F238E27FC236}">
+                  <a16:creationId xmlns:a16="http://schemas.microsoft.com/office/drawing/2014/main" id="{E80B8BED-803F-614E-AD77-AC8D7854FCDB}"/>
                 </a:ext>
               </a:extLst>
             </p:cNvPr>
@@ -18260,10 +18775,10 @@
         </p:sp>
         <p:sp>
           <p:nvSpPr>
-            <p:cNvPr id="34" name="TextBox 33">
-              <a:extLst>
-                <a:ext uri="{FF2B5EF4-FFF2-40B4-BE49-F238E27FC236}">
-                  <a16:creationId xmlns:a16="http://schemas.microsoft.com/office/drawing/2014/main" id="{6F2A1725-B4BA-4649-8A7D-76F76BFB61D1}"/>
+            <p:cNvPr id="31" name="TextBox 30">
+              <a:extLst>
+                <a:ext uri="{FF2B5EF4-FFF2-40B4-BE49-F238E27FC236}">
+                  <a16:creationId xmlns:a16="http://schemas.microsoft.com/office/drawing/2014/main" id="{FDD75EB9-637F-FA4D-9979-428240530592}"/>
                 </a:ext>
               </a:extLst>
             </p:cNvPr>
@@ -18293,11 +18808,389 @@
             </a:p>
           </p:txBody>
         </p:sp>
+        <p:grpSp>
+          <p:nvGrpSpPr>
+            <p:cNvPr id="32" name="Group 31">
+              <a:extLst>
+                <a:ext uri="{FF2B5EF4-FFF2-40B4-BE49-F238E27FC236}">
+                  <a16:creationId xmlns:a16="http://schemas.microsoft.com/office/drawing/2014/main" id="{7F0DB5C3-36FB-8042-8729-8647C067E051}"/>
+                </a:ext>
+              </a:extLst>
+            </p:cNvPr>
+            <p:cNvGrpSpPr/>
+            <p:nvPr/>
+          </p:nvGrpSpPr>
+          <p:grpSpPr>
+            <a:xfrm>
+              <a:off x="4464725" y="874064"/>
+              <a:ext cx="241981" cy="237744"/>
+              <a:chOff x="4327372" y="765015"/>
+              <a:chExt cx="241981" cy="237744"/>
+            </a:xfrm>
+          </p:grpSpPr>
+          <p:sp>
+            <p:nvSpPr>
+              <p:cNvPr id="33" name="Rectangle 32">
+                <a:extLst>
+                  <a:ext uri="{FF2B5EF4-FFF2-40B4-BE49-F238E27FC236}">
+                    <a16:creationId xmlns:a16="http://schemas.microsoft.com/office/drawing/2014/main" id="{714324C9-3BAB-3144-A1D6-BF13E07F31B5}"/>
+                  </a:ext>
+                </a:extLst>
+              </p:cNvPr>
+              <p:cNvSpPr>
+                <a:spLocks noChangeAspect="1"/>
+              </p:cNvSpPr>
+              <p:nvPr/>
+            </p:nvSpPr>
+            <p:spPr>
+              <a:xfrm>
+                <a:off x="4327372" y="765015"/>
+                <a:ext cx="118872" cy="237744"/>
+              </a:xfrm>
+              <a:prstGeom prst="rect">
+                <a:avLst/>
+              </a:prstGeom>
+              <a:solidFill>
+                <a:srgbClr val="CD950C"/>
+              </a:solidFill>
+              <a:ln w="19050">
+                <a:solidFill>
+                  <a:schemeClr val="bg1"/>
+                </a:solidFill>
+              </a:ln>
+            </p:spPr>
+            <p:style>
+              <a:lnRef idx="2">
+                <a:schemeClr val="accent1">
+                  <a:shade val="50000"/>
+                </a:schemeClr>
+              </a:lnRef>
+              <a:fillRef idx="1">
+                <a:schemeClr val="accent1"/>
+              </a:fillRef>
+              <a:effectRef idx="0">
+                <a:schemeClr val="accent1"/>
+              </a:effectRef>
+              <a:fontRef idx="minor">
+                <a:schemeClr val="lt1"/>
+              </a:fontRef>
+            </p:style>
+            <p:txBody>
+              <a:bodyPr rtlCol="0" anchor="ctr"/>
+              <a:lstStyle/>
+              <a:p>
+                <a:pPr algn="ctr"/>
+                <a:endParaRPr lang="en-US"/>
+              </a:p>
+            </p:txBody>
+          </p:sp>
+          <p:sp>
+            <p:nvSpPr>
+              <p:cNvPr id="34" name="Rectangle 33">
+                <a:extLst>
+                  <a:ext uri="{FF2B5EF4-FFF2-40B4-BE49-F238E27FC236}">
+                    <a16:creationId xmlns:a16="http://schemas.microsoft.com/office/drawing/2014/main" id="{B2217718-5D58-6F41-95EF-3B959DAA47CA}"/>
+                  </a:ext>
+                </a:extLst>
+              </p:cNvPr>
+              <p:cNvSpPr>
+                <a:spLocks noChangeAspect="1"/>
+              </p:cNvSpPr>
+              <p:nvPr/>
+            </p:nvSpPr>
+            <p:spPr>
+              <a:xfrm>
+                <a:off x="4450481" y="765015"/>
+                <a:ext cx="118872" cy="237744"/>
+              </a:xfrm>
+              <a:prstGeom prst="rect">
+                <a:avLst/>
+              </a:prstGeom>
+              <a:solidFill>
+                <a:srgbClr val="8B6508"/>
+              </a:solidFill>
+              <a:ln w="19050">
+                <a:solidFill>
+                  <a:schemeClr val="bg1"/>
+                </a:solidFill>
+              </a:ln>
+            </p:spPr>
+            <p:style>
+              <a:lnRef idx="2">
+                <a:schemeClr val="accent1">
+                  <a:shade val="50000"/>
+                </a:schemeClr>
+              </a:lnRef>
+              <a:fillRef idx="1">
+                <a:schemeClr val="accent1"/>
+              </a:fillRef>
+              <a:effectRef idx="0">
+                <a:schemeClr val="accent1"/>
+              </a:effectRef>
+              <a:fontRef idx="minor">
+                <a:schemeClr val="lt1"/>
+              </a:fontRef>
+            </p:style>
+            <p:txBody>
+              <a:bodyPr rtlCol="0" anchor="ctr"/>
+              <a:lstStyle/>
+              <a:p>
+                <a:pPr algn="ctr"/>
+                <a:endParaRPr lang="en-US"/>
+              </a:p>
+            </p:txBody>
+          </p:sp>
+        </p:grpSp>
+        <p:grpSp>
+          <p:nvGrpSpPr>
+            <p:cNvPr id="35" name="Group 34">
+              <a:extLst>
+                <a:ext uri="{FF2B5EF4-FFF2-40B4-BE49-F238E27FC236}">
+                  <a16:creationId xmlns:a16="http://schemas.microsoft.com/office/drawing/2014/main" id="{3FBE058C-031D-A842-959D-3C13A0E74E4E}"/>
+                </a:ext>
+              </a:extLst>
+            </p:cNvPr>
+            <p:cNvGrpSpPr/>
+            <p:nvPr/>
+          </p:nvGrpSpPr>
+          <p:grpSpPr>
+            <a:xfrm>
+              <a:off x="2938868" y="2111121"/>
+              <a:ext cx="479725" cy="237744"/>
+              <a:chOff x="4405289" y="4438277"/>
+              <a:chExt cx="479725" cy="237744"/>
+            </a:xfrm>
+          </p:grpSpPr>
+          <p:sp>
+            <p:nvSpPr>
+              <p:cNvPr id="36" name="Rectangle 35">
+                <a:extLst>
+                  <a:ext uri="{FF2B5EF4-FFF2-40B4-BE49-F238E27FC236}">
+                    <a16:creationId xmlns:a16="http://schemas.microsoft.com/office/drawing/2014/main" id="{367BCCB5-A2FE-DB48-8741-7A0F506374BD}"/>
+                  </a:ext>
+                </a:extLst>
+              </p:cNvPr>
+              <p:cNvSpPr>
+                <a:spLocks noChangeAspect="1"/>
+              </p:cNvSpPr>
+              <p:nvPr/>
+            </p:nvSpPr>
+            <p:spPr>
+              <a:xfrm>
+                <a:off x="4405289" y="4438277"/>
+                <a:ext cx="118872" cy="237744"/>
+              </a:xfrm>
+              <a:prstGeom prst="rect">
+                <a:avLst/>
+              </a:prstGeom>
+              <a:solidFill>
+                <a:srgbClr val="CD950C"/>
+              </a:solidFill>
+              <a:ln w="19050">
+                <a:solidFill>
+                  <a:schemeClr val="bg1"/>
+                </a:solidFill>
+              </a:ln>
+            </p:spPr>
+            <p:style>
+              <a:lnRef idx="2">
+                <a:schemeClr val="accent1">
+                  <a:shade val="50000"/>
+                </a:schemeClr>
+              </a:lnRef>
+              <a:fillRef idx="1">
+                <a:schemeClr val="accent1"/>
+              </a:fillRef>
+              <a:effectRef idx="0">
+                <a:schemeClr val="accent1"/>
+              </a:effectRef>
+              <a:fontRef idx="minor">
+                <a:schemeClr val="lt1"/>
+              </a:fontRef>
+            </p:style>
+            <p:txBody>
+              <a:bodyPr rtlCol="0" anchor="ctr"/>
+              <a:lstStyle/>
+              <a:p>
+                <a:pPr algn="ctr"/>
+                <a:endParaRPr lang="en-US"/>
+              </a:p>
+            </p:txBody>
+          </p:sp>
+          <p:sp>
+            <p:nvSpPr>
+              <p:cNvPr id="37" name="Rectangle 36">
+                <a:extLst>
+                  <a:ext uri="{FF2B5EF4-FFF2-40B4-BE49-F238E27FC236}">
+                    <a16:creationId xmlns:a16="http://schemas.microsoft.com/office/drawing/2014/main" id="{C38B175E-A5B9-0747-8E1D-FC440CD11386}"/>
+                  </a:ext>
+                </a:extLst>
+              </p:cNvPr>
+              <p:cNvSpPr>
+                <a:spLocks noChangeAspect="1"/>
+              </p:cNvSpPr>
+              <p:nvPr/>
+            </p:nvSpPr>
+            <p:spPr>
+              <a:xfrm>
+                <a:off x="4528398" y="4438277"/>
+                <a:ext cx="118872" cy="237744"/>
+              </a:xfrm>
+              <a:prstGeom prst="rect">
+                <a:avLst/>
+              </a:prstGeom>
+              <a:solidFill>
+                <a:srgbClr val="8B6508"/>
+              </a:solidFill>
+              <a:ln w="19050">
+                <a:solidFill>
+                  <a:schemeClr val="bg1"/>
+                </a:solidFill>
+              </a:ln>
+            </p:spPr>
+            <p:style>
+              <a:lnRef idx="2">
+                <a:schemeClr val="accent1">
+                  <a:shade val="50000"/>
+                </a:schemeClr>
+              </a:lnRef>
+              <a:fillRef idx="1">
+                <a:schemeClr val="accent1"/>
+              </a:fillRef>
+              <a:effectRef idx="0">
+                <a:schemeClr val="accent1"/>
+              </a:effectRef>
+              <a:fontRef idx="minor">
+                <a:schemeClr val="lt1"/>
+              </a:fontRef>
+            </p:style>
+            <p:txBody>
+              <a:bodyPr rtlCol="0" anchor="ctr"/>
+              <a:lstStyle/>
+              <a:p>
+                <a:pPr algn="ctr"/>
+                <a:endParaRPr lang="en-US"/>
+              </a:p>
+            </p:txBody>
+          </p:sp>
+          <p:sp>
+            <p:nvSpPr>
+              <p:cNvPr id="38" name="Rectangle 37">
+                <a:extLst>
+                  <a:ext uri="{FF2B5EF4-FFF2-40B4-BE49-F238E27FC236}">
+                    <a16:creationId xmlns:a16="http://schemas.microsoft.com/office/drawing/2014/main" id="{F4342BAB-DB6A-AC4B-A68D-6483A84964F7}"/>
+                  </a:ext>
+                </a:extLst>
+              </p:cNvPr>
+              <p:cNvSpPr>
+                <a:spLocks noChangeAspect="1"/>
+              </p:cNvSpPr>
+              <p:nvPr/>
+            </p:nvSpPr>
+            <p:spPr>
+              <a:xfrm>
+                <a:off x="4647270" y="4438277"/>
+                <a:ext cx="118872" cy="237744"/>
+              </a:xfrm>
+              <a:prstGeom prst="rect">
+                <a:avLst/>
+              </a:prstGeom>
+              <a:solidFill>
+                <a:srgbClr val="CD950C"/>
+              </a:solidFill>
+              <a:ln w="19050">
+                <a:solidFill>
+                  <a:schemeClr val="bg1"/>
+                </a:solidFill>
+              </a:ln>
+            </p:spPr>
+            <p:style>
+              <a:lnRef idx="2">
+                <a:schemeClr val="accent1">
+                  <a:shade val="50000"/>
+                </a:schemeClr>
+              </a:lnRef>
+              <a:fillRef idx="1">
+                <a:schemeClr val="accent1"/>
+              </a:fillRef>
+              <a:effectRef idx="0">
+                <a:schemeClr val="accent1"/>
+              </a:effectRef>
+              <a:fontRef idx="minor">
+                <a:schemeClr val="lt1"/>
+              </a:fontRef>
+            </p:style>
+            <p:txBody>
+              <a:bodyPr rtlCol="0" anchor="ctr"/>
+              <a:lstStyle/>
+              <a:p>
+                <a:pPr algn="ctr"/>
+                <a:endParaRPr lang="en-US"/>
+              </a:p>
+            </p:txBody>
+          </p:sp>
+          <p:sp>
+            <p:nvSpPr>
+              <p:cNvPr id="39" name="Rectangle 38">
+                <a:extLst>
+                  <a:ext uri="{FF2B5EF4-FFF2-40B4-BE49-F238E27FC236}">
+                    <a16:creationId xmlns:a16="http://schemas.microsoft.com/office/drawing/2014/main" id="{9F38B84E-6A3E-004A-9657-BE4B98BFEB82}"/>
+                  </a:ext>
+                </a:extLst>
+              </p:cNvPr>
+              <p:cNvSpPr>
+                <a:spLocks noChangeAspect="1"/>
+              </p:cNvSpPr>
+              <p:nvPr/>
+            </p:nvSpPr>
+            <p:spPr>
+              <a:xfrm>
+                <a:off x="4766142" y="4438277"/>
+                <a:ext cx="118872" cy="237744"/>
+              </a:xfrm>
+              <a:prstGeom prst="rect">
+                <a:avLst/>
+              </a:prstGeom>
+              <a:solidFill>
+                <a:srgbClr val="8B6508"/>
+              </a:solidFill>
+              <a:ln w="19050">
+                <a:solidFill>
+                  <a:schemeClr val="bg1"/>
+                </a:solidFill>
+              </a:ln>
+            </p:spPr>
+            <p:style>
+              <a:lnRef idx="2">
+                <a:schemeClr val="accent1">
+                  <a:shade val="50000"/>
+                </a:schemeClr>
+              </a:lnRef>
+              <a:fillRef idx="1">
+                <a:schemeClr val="accent1"/>
+              </a:fillRef>
+              <a:effectRef idx="0">
+                <a:schemeClr val="accent1"/>
+              </a:effectRef>
+              <a:fontRef idx="minor">
+                <a:schemeClr val="lt1"/>
+              </a:fontRef>
+            </p:style>
+            <p:txBody>
+              <a:bodyPr rtlCol="0" anchor="ctr"/>
+              <a:lstStyle/>
+              <a:p>
+                <a:pPr algn="ctr"/>
+                <a:endParaRPr lang="en-US"/>
+              </a:p>
+            </p:txBody>
+          </p:sp>
+        </p:grpSp>
       </p:grpSp>
     </p:spTree>
     <p:extLst>
       <p:ext uri="{BB962C8B-B14F-4D97-AF65-F5344CB8AC3E}">
-        <p14:creationId xmlns:p14="http://schemas.microsoft.com/office/powerpoint/2010/main" val="564700555"/>
+        <p14:creationId xmlns:p14="http://schemas.microsoft.com/office/powerpoint/2010/main" val="3645302926"/>
       </p:ext>
     </p:extLst>
   </p:cSld>

--- a/XPlanningEvaluation/data/instruction/cropped-instruction-color-blind-friendly.pptx
+++ b/XPlanningEvaluation/data/instruction/cropped-instruction-color-blind-friendly.pptx
@@ -11,10 +11,11 @@
     <p:sldId id="285" r:id="rId5"/>
     <p:sldId id="279" r:id="rId6"/>
     <p:sldId id="286" r:id="rId7"/>
-    <p:sldId id="281" r:id="rId8"/>
-    <p:sldId id="287" r:id="rId9"/>
-    <p:sldId id="283" r:id="rId10"/>
-    <p:sldId id="288" r:id="rId11"/>
+    <p:sldId id="289" r:id="rId8"/>
+    <p:sldId id="281" r:id="rId9"/>
+    <p:sldId id="287" r:id="rId10"/>
+    <p:sldId id="283" r:id="rId11"/>
+    <p:sldId id="288" r:id="rId12"/>
   </p:sldIdLst>
   <p:sldSz cx="10972800" cy="3657600"/>
   <p:notesSz cx="6858000" cy="9144000"/>
@@ -252,7 +253,7 @@
           <a:p>
             <a:fld id="{27BCE1D4-18BF-8B43-BAE6-89028543CF06}" type="datetimeFigureOut">
               <a:rPr lang="en-US" smtClean="0"/>
-              <a:t>9/13/19</a:t>
+              <a:t>4/9/20</a:t>
             </a:fld>
             <a:endParaRPr lang="en-US"/>
           </a:p>
@@ -422,7 +423,7 @@
           <a:p>
             <a:fld id="{27BCE1D4-18BF-8B43-BAE6-89028543CF06}" type="datetimeFigureOut">
               <a:rPr lang="en-US" smtClean="0"/>
-              <a:t>9/13/19</a:t>
+              <a:t>4/9/20</a:t>
             </a:fld>
             <a:endParaRPr lang="en-US"/>
           </a:p>
@@ -602,7 +603,7 @@
           <a:p>
             <a:fld id="{27BCE1D4-18BF-8B43-BAE6-89028543CF06}" type="datetimeFigureOut">
               <a:rPr lang="en-US" smtClean="0"/>
-              <a:t>9/13/19</a:t>
+              <a:t>4/9/20</a:t>
             </a:fld>
             <a:endParaRPr lang="en-US"/>
           </a:p>
@@ -772,7 +773,7 @@
           <a:p>
             <a:fld id="{27BCE1D4-18BF-8B43-BAE6-89028543CF06}" type="datetimeFigureOut">
               <a:rPr lang="en-US" smtClean="0"/>
-              <a:t>9/13/19</a:t>
+              <a:t>4/9/20</a:t>
             </a:fld>
             <a:endParaRPr lang="en-US"/>
           </a:p>
@@ -1018,7 +1019,7 @@
           <a:p>
             <a:fld id="{27BCE1D4-18BF-8B43-BAE6-89028543CF06}" type="datetimeFigureOut">
               <a:rPr lang="en-US" smtClean="0"/>
-              <a:t>9/13/19</a:t>
+              <a:t>4/9/20</a:t>
             </a:fld>
             <a:endParaRPr lang="en-US"/>
           </a:p>
@@ -1250,7 +1251,7 @@
           <a:p>
             <a:fld id="{27BCE1D4-18BF-8B43-BAE6-89028543CF06}" type="datetimeFigureOut">
               <a:rPr lang="en-US" smtClean="0"/>
-              <a:t>9/13/19</a:t>
+              <a:t>4/9/20</a:t>
             </a:fld>
             <a:endParaRPr lang="en-US"/>
           </a:p>
@@ -1617,7 +1618,7 @@
           <a:p>
             <a:fld id="{27BCE1D4-18BF-8B43-BAE6-89028543CF06}" type="datetimeFigureOut">
               <a:rPr lang="en-US" smtClean="0"/>
-              <a:t>9/13/19</a:t>
+              <a:t>4/9/20</a:t>
             </a:fld>
             <a:endParaRPr lang="en-US"/>
           </a:p>
@@ -1735,7 +1736,7 @@
           <a:p>
             <a:fld id="{27BCE1D4-18BF-8B43-BAE6-89028543CF06}" type="datetimeFigureOut">
               <a:rPr lang="en-US" smtClean="0"/>
-              <a:t>9/13/19</a:t>
+              <a:t>4/9/20</a:t>
             </a:fld>
             <a:endParaRPr lang="en-US"/>
           </a:p>
@@ -1830,7 +1831,7 @@
           <a:p>
             <a:fld id="{27BCE1D4-18BF-8B43-BAE6-89028543CF06}" type="datetimeFigureOut">
               <a:rPr lang="en-US" smtClean="0"/>
-              <a:t>9/13/19</a:t>
+              <a:t>4/9/20</a:t>
             </a:fld>
             <a:endParaRPr lang="en-US"/>
           </a:p>
@@ -2107,7 +2108,7 @@
           <a:p>
             <a:fld id="{27BCE1D4-18BF-8B43-BAE6-89028543CF06}" type="datetimeFigureOut">
               <a:rPr lang="en-US" smtClean="0"/>
-              <a:t>9/13/19</a:t>
+              <a:t>4/9/20</a:t>
             </a:fld>
             <a:endParaRPr lang="en-US"/>
           </a:p>
@@ -2364,7 +2365,7 @@
           <a:p>
             <a:fld id="{27BCE1D4-18BF-8B43-BAE6-89028543CF06}" type="datetimeFigureOut">
               <a:rPr lang="en-US" smtClean="0"/>
-              <a:t>9/13/19</a:t>
+              <a:t>4/9/20</a:t>
             </a:fld>
             <a:endParaRPr lang="en-US"/>
           </a:p>
@@ -2577,7 +2578,7 @@
           <a:p>
             <a:fld id="{27BCE1D4-18BF-8B43-BAE6-89028543CF06}" type="datetimeFigureOut">
               <a:rPr lang="en-US" smtClean="0"/>
-              <a:t>9/13/19</a:t>
+              <a:t>4/9/20</a:t>
             </a:fld>
             <a:endParaRPr lang="en-US"/>
           </a:p>
@@ -3224,6 +3225,2233 @@
 </file>
 
 <file path=ppt/slides/slide10.xml><?xml version="1.0" encoding="utf-8"?>
+<p:sld xmlns:a="http://schemas.openxmlformats.org/drawingml/2006/main" xmlns:r="http://schemas.openxmlformats.org/officeDocument/2006/relationships" xmlns:p="http://schemas.openxmlformats.org/presentationml/2006/main">
+  <p:cSld>
+    <p:spTree>
+      <p:nvGrpSpPr>
+        <p:cNvPr id="1" name=""/>
+        <p:cNvGrpSpPr/>
+        <p:nvPr/>
+      </p:nvGrpSpPr>
+      <p:grpSpPr>
+        <a:xfrm>
+          <a:off x="0" y="0"/>
+          <a:ext cx="0" cy="0"/>
+          <a:chOff x="0" y="0"/>
+          <a:chExt cx="0" cy="0"/>
+        </a:xfrm>
+      </p:grpSpPr>
+      <p:pic>
+        <p:nvPicPr>
+          <p:cNvPr id="2" name="Picture 1">
+            <a:extLst>
+              <a:ext uri="{FF2B5EF4-FFF2-40B4-BE49-F238E27FC236}">
+                <a16:creationId xmlns:a16="http://schemas.microsoft.com/office/drawing/2014/main" id="{D9E41CB3-BB12-CD47-AB36-2910CC3F8640}"/>
+              </a:ext>
+            </a:extLst>
+          </p:cNvPr>
+          <p:cNvPicPr>
+            <a:picLocks noChangeAspect="1"/>
+          </p:cNvPicPr>
+          <p:nvPr/>
+        </p:nvPicPr>
+        <p:blipFill rotWithShape="1">
+          <a:blip r:embed="rId2"/>
+          <a:srcRect t="8798" r="51455" b="56701"/>
+          <a:stretch/>
+        </p:blipFill>
+        <p:spPr>
+          <a:xfrm>
+            <a:off x="0" y="0"/>
+            <a:ext cx="6645135" cy="3657600"/>
+          </a:xfrm>
+          <a:prstGeom prst="rect">
+            <a:avLst/>
+          </a:prstGeom>
+        </p:spPr>
+      </p:pic>
+      <p:sp>
+        <p:nvSpPr>
+          <p:cNvPr id="3" name="5-Point Star 2">
+            <a:extLst>
+              <a:ext uri="{FF2B5EF4-FFF2-40B4-BE49-F238E27FC236}">
+                <a16:creationId xmlns:a16="http://schemas.microsoft.com/office/drawing/2014/main" id="{B740579F-6972-4848-BF33-080FC811BFC4}"/>
+              </a:ext>
+            </a:extLst>
+          </p:cNvPr>
+          <p:cNvSpPr>
+            <a:spLocks noChangeAspect="1"/>
+          </p:cNvSpPr>
+          <p:nvPr/>
+        </p:nvSpPr>
+        <p:spPr>
+          <a:xfrm>
+            <a:off x="6179004" y="2145402"/>
+            <a:ext cx="365760" cy="365760"/>
+          </a:xfrm>
+          <a:prstGeom prst="star5">
+            <a:avLst/>
+          </a:prstGeom>
+          <a:solidFill>
+            <a:srgbClr val="CC79A7"/>
+          </a:solidFill>
+          <a:ln>
+            <a:solidFill>
+              <a:schemeClr val="accent1">
+                <a:lumMod val="50000"/>
+              </a:schemeClr>
+            </a:solidFill>
+          </a:ln>
+        </p:spPr>
+        <p:style>
+          <a:lnRef idx="2">
+            <a:schemeClr val="accent1">
+              <a:shade val="50000"/>
+            </a:schemeClr>
+          </a:lnRef>
+          <a:fillRef idx="1">
+            <a:schemeClr val="accent1"/>
+          </a:fillRef>
+          <a:effectRef idx="0">
+            <a:schemeClr val="accent1"/>
+          </a:effectRef>
+          <a:fontRef idx="minor">
+            <a:schemeClr val="lt1"/>
+          </a:fontRef>
+        </p:style>
+        <p:txBody>
+          <a:bodyPr rtlCol="0" anchor="ctr"/>
+          <a:lstStyle/>
+          <a:p>
+            <a:pPr algn="ctr"/>
+            <a:endParaRPr lang="en-US"/>
+          </a:p>
+        </p:txBody>
+      </p:sp>
+      <p:grpSp>
+        <p:nvGrpSpPr>
+          <p:cNvPr id="4" name="Group 3">
+            <a:extLst>
+              <a:ext uri="{FF2B5EF4-FFF2-40B4-BE49-F238E27FC236}">
+                <a16:creationId xmlns:a16="http://schemas.microsoft.com/office/drawing/2014/main" id="{D92058EE-C0BB-6A43-853B-9F2B739E9989}"/>
+              </a:ext>
+            </a:extLst>
+          </p:cNvPr>
+          <p:cNvGrpSpPr/>
+          <p:nvPr/>
+        </p:nvGrpSpPr>
+        <p:grpSpPr>
+          <a:xfrm>
+            <a:off x="4404041" y="832825"/>
+            <a:ext cx="365760" cy="295041"/>
+            <a:chOff x="7803055" y="2574583"/>
+            <a:chExt cx="365760" cy="295041"/>
+          </a:xfrm>
+        </p:grpSpPr>
+        <p:sp>
+          <p:nvSpPr>
+            <p:cNvPr id="5" name="Cube 4">
+              <a:extLst>
+                <a:ext uri="{FF2B5EF4-FFF2-40B4-BE49-F238E27FC236}">
+                  <a16:creationId xmlns:a16="http://schemas.microsoft.com/office/drawing/2014/main" id="{C3324DF0-69D4-BB42-A893-4A3FB0B7E4D2}"/>
+                </a:ext>
+              </a:extLst>
+            </p:cNvPr>
+            <p:cNvSpPr>
+              <a:spLocks noChangeAspect="1"/>
+            </p:cNvSpPr>
+            <p:nvPr/>
+          </p:nvSpPr>
+          <p:spPr>
+            <a:xfrm>
+              <a:off x="7803055" y="2686744"/>
+              <a:ext cx="182880" cy="182880"/>
+            </a:xfrm>
+            <a:prstGeom prst="cube">
+              <a:avLst/>
+            </a:prstGeom>
+            <a:solidFill>
+              <a:schemeClr val="accent4">
+                <a:lumMod val="75000"/>
+              </a:schemeClr>
+            </a:solidFill>
+            <a:ln>
+              <a:solidFill>
+                <a:schemeClr val="tx1"/>
+              </a:solidFill>
+            </a:ln>
+          </p:spPr>
+          <p:style>
+            <a:lnRef idx="2">
+              <a:schemeClr val="accent1">
+                <a:shade val="50000"/>
+              </a:schemeClr>
+            </a:lnRef>
+            <a:fillRef idx="1">
+              <a:schemeClr val="accent1"/>
+            </a:fillRef>
+            <a:effectRef idx="0">
+              <a:schemeClr val="accent1"/>
+            </a:effectRef>
+            <a:fontRef idx="minor">
+              <a:schemeClr val="lt1"/>
+            </a:fontRef>
+          </p:style>
+          <p:txBody>
+            <a:bodyPr rtlCol="0" anchor="ctr"/>
+            <a:lstStyle/>
+            <a:p>
+              <a:pPr algn="ctr"/>
+              <a:endParaRPr lang="en-US"/>
+            </a:p>
+          </p:txBody>
+        </p:sp>
+        <p:sp>
+          <p:nvSpPr>
+            <p:cNvPr id="6" name="Cube 5">
+              <a:extLst>
+                <a:ext uri="{FF2B5EF4-FFF2-40B4-BE49-F238E27FC236}">
+                  <a16:creationId xmlns:a16="http://schemas.microsoft.com/office/drawing/2014/main" id="{54D82BCA-104F-1042-9203-BF71946E5941}"/>
+                </a:ext>
+              </a:extLst>
+            </p:cNvPr>
+            <p:cNvSpPr>
+              <a:spLocks noChangeAspect="1"/>
+            </p:cNvSpPr>
+            <p:nvPr/>
+          </p:nvSpPr>
+          <p:spPr>
+            <a:xfrm>
+              <a:off x="7985935" y="2686744"/>
+              <a:ext cx="182880" cy="182880"/>
+            </a:xfrm>
+            <a:prstGeom prst="cube">
+              <a:avLst/>
+            </a:prstGeom>
+            <a:solidFill>
+              <a:schemeClr val="accent4">
+                <a:lumMod val="75000"/>
+              </a:schemeClr>
+            </a:solidFill>
+            <a:ln>
+              <a:solidFill>
+                <a:schemeClr val="tx1"/>
+              </a:solidFill>
+            </a:ln>
+          </p:spPr>
+          <p:style>
+            <a:lnRef idx="2">
+              <a:schemeClr val="accent1">
+                <a:shade val="50000"/>
+              </a:schemeClr>
+            </a:lnRef>
+            <a:fillRef idx="1">
+              <a:schemeClr val="accent1"/>
+            </a:fillRef>
+            <a:effectRef idx="0">
+              <a:schemeClr val="accent1"/>
+            </a:effectRef>
+            <a:fontRef idx="minor">
+              <a:schemeClr val="lt1"/>
+            </a:fontRef>
+          </p:style>
+          <p:txBody>
+            <a:bodyPr rtlCol="0" anchor="ctr"/>
+            <a:lstStyle/>
+            <a:p>
+              <a:pPr algn="ctr"/>
+              <a:endParaRPr lang="en-US"/>
+            </a:p>
+          </p:txBody>
+        </p:sp>
+        <p:sp>
+          <p:nvSpPr>
+            <p:cNvPr id="7" name="Cube 6">
+              <a:extLst>
+                <a:ext uri="{FF2B5EF4-FFF2-40B4-BE49-F238E27FC236}">
+                  <a16:creationId xmlns:a16="http://schemas.microsoft.com/office/drawing/2014/main" id="{40203DAB-0A86-DC48-86A8-BDC47C28E6E0}"/>
+                </a:ext>
+              </a:extLst>
+            </p:cNvPr>
+            <p:cNvSpPr>
+              <a:spLocks noChangeAspect="1"/>
+            </p:cNvSpPr>
+            <p:nvPr/>
+          </p:nvSpPr>
+          <p:spPr>
+            <a:xfrm>
+              <a:off x="7803055" y="2574583"/>
+              <a:ext cx="182880" cy="182880"/>
+            </a:xfrm>
+            <a:prstGeom prst="cube">
+              <a:avLst/>
+            </a:prstGeom>
+            <a:solidFill>
+              <a:schemeClr val="accent4">
+                <a:lumMod val="75000"/>
+              </a:schemeClr>
+            </a:solidFill>
+            <a:ln>
+              <a:solidFill>
+                <a:schemeClr val="tx1"/>
+              </a:solidFill>
+            </a:ln>
+          </p:spPr>
+          <p:style>
+            <a:lnRef idx="2">
+              <a:schemeClr val="accent1">
+                <a:shade val="50000"/>
+              </a:schemeClr>
+            </a:lnRef>
+            <a:fillRef idx="1">
+              <a:schemeClr val="accent1"/>
+            </a:fillRef>
+            <a:effectRef idx="0">
+              <a:schemeClr val="accent1"/>
+            </a:effectRef>
+            <a:fontRef idx="minor">
+              <a:schemeClr val="lt1"/>
+            </a:fontRef>
+          </p:style>
+          <p:txBody>
+            <a:bodyPr rtlCol="0" anchor="ctr"/>
+            <a:lstStyle/>
+            <a:p>
+              <a:pPr algn="ctr"/>
+              <a:endParaRPr lang="en-US"/>
+            </a:p>
+          </p:txBody>
+        </p:sp>
+        <p:sp>
+          <p:nvSpPr>
+            <p:cNvPr id="8" name="Cube 7">
+              <a:extLst>
+                <a:ext uri="{FF2B5EF4-FFF2-40B4-BE49-F238E27FC236}">
+                  <a16:creationId xmlns:a16="http://schemas.microsoft.com/office/drawing/2014/main" id="{7B007A7A-EA11-C84F-82DC-1A739803B685}"/>
+                </a:ext>
+              </a:extLst>
+            </p:cNvPr>
+            <p:cNvSpPr>
+              <a:spLocks noChangeAspect="1"/>
+            </p:cNvSpPr>
+            <p:nvPr/>
+          </p:nvSpPr>
+          <p:spPr>
+            <a:xfrm>
+              <a:off x="7985935" y="2574583"/>
+              <a:ext cx="182880" cy="182880"/>
+            </a:xfrm>
+            <a:prstGeom prst="cube">
+              <a:avLst/>
+            </a:prstGeom>
+            <a:solidFill>
+              <a:schemeClr val="accent4">
+                <a:lumMod val="75000"/>
+              </a:schemeClr>
+            </a:solidFill>
+            <a:ln>
+              <a:solidFill>
+                <a:schemeClr val="tx1"/>
+              </a:solidFill>
+            </a:ln>
+          </p:spPr>
+          <p:style>
+            <a:lnRef idx="2">
+              <a:schemeClr val="accent1">
+                <a:shade val="50000"/>
+              </a:schemeClr>
+            </a:lnRef>
+            <a:fillRef idx="1">
+              <a:schemeClr val="accent1"/>
+            </a:fillRef>
+            <a:effectRef idx="0">
+              <a:schemeClr val="accent1"/>
+            </a:effectRef>
+            <a:fontRef idx="minor">
+              <a:schemeClr val="lt1"/>
+            </a:fontRef>
+          </p:style>
+          <p:txBody>
+            <a:bodyPr rtlCol="0" anchor="ctr"/>
+            <a:lstStyle/>
+            <a:p>
+              <a:pPr algn="ctr"/>
+              <a:endParaRPr lang="en-US"/>
+            </a:p>
+          </p:txBody>
+        </p:sp>
+      </p:grpSp>
+      <p:pic>
+        <p:nvPicPr>
+          <p:cNvPr id="9" name="Picture 8">
+            <a:extLst>
+              <a:ext uri="{FF2B5EF4-FFF2-40B4-BE49-F238E27FC236}">
+                <a16:creationId xmlns:a16="http://schemas.microsoft.com/office/drawing/2014/main" id="{B189E062-2BF8-3045-9566-80AD769BB231}"/>
+              </a:ext>
+            </a:extLst>
+          </p:cNvPr>
+          <p:cNvPicPr>
+            <a:picLocks noChangeAspect="1"/>
+          </p:cNvPicPr>
+          <p:nvPr/>
+        </p:nvPicPr>
+        <p:blipFill rotWithShape="1">
+          <a:blip r:embed="rId3"/>
+          <a:srcRect l="26302" t="1905" r="24095"/>
+          <a:stretch/>
+        </p:blipFill>
+        <p:spPr>
+          <a:xfrm>
+            <a:off x="133213" y="1871082"/>
+            <a:ext cx="431549" cy="640080"/>
+          </a:xfrm>
+          <a:prstGeom prst="rect">
+            <a:avLst/>
+          </a:prstGeom>
+        </p:spPr>
+      </p:pic>
+      <p:cxnSp>
+        <p:nvCxnSpPr>
+          <p:cNvPr id="10" name="Elbow Connector 9">
+            <a:extLst>
+              <a:ext uri="{FF2B5EF4-FFF2-40B4-BE49-F238E27FC236}">
+                <a16:creationId xmlns:a16="http://schemas.microsoft.com/office/drawing/2014/main" id="{B5B7ED13-49ED-324B-B8AD-EDB8D0DE3943}"/>
+              </a:ext>
+            </a:extLst>
+          </p:cNvPr>
+          <p:cNvCxnSpPr>
+            <a:cxnSpLocks/>
+          </p:cNvCxnSpPr>
+          <p:nvPr/>
+        </p:nvCxnSpPr>
+        <p:spPr>
+          <a:xfrm flipV="1">
+            <a:off x="564762" y="1159480"/>
+            <a:ext cx="3457740" cy="1246776"/>
+          </a:xfrm>
+          <a:prstGeom prst="bentConnector3">
+            <a:avLst>
+              <a:gd name="adj1" fmla="val 54068"/>
+            </a:avLst>
+          </a:prstGeom>
+          <a:ln w="76200">
+            <a:solidFill>
+              <a:srgbClr val="0000FF"/>
+            </a:solidFill>
+            <a:tailEnd type="triangle"/>
+          </a:ln>
+        </p:spPr>
+        <p:style>
+          <a:lnRef idx="1">
+            <a:schemeClr val="accent1"/>
+          </a:lnRef>
+          <a:fillRef idx="0">
+            <a:schemeClr val="accent1"/>
+          </a:fillRef>
+          <a:effectRef idx="0">
+            <a:schemeClr val="accent1"/>
+          </a:effectRef>
+          <a:fontRef idx="minor">
+            <a:schemeClr val="tx1"/>
+          </a:fontRef>
+        </p:style>
+      </p:cxnSp>
+      <p:cxnSp>
+        <p:nvCxnSpPr>
+          <p:cNvPr id="11" name="Straight Arrow Connector 10">
+            <a:extLst>
+              <a:ext uri="{FF2B5EF4-FFF2-40B4-BE49-F238E27FC236}">
+                <a16:creationId xmlns:a16="http://schemas.microsoft.com/office/drawing/2014/main" id="{54B71FC6-C3BC-A245-B636-531BA401FF29}"/>
+              </a:ext>
+            </a:extLst>
+          </p:cNvPr>
+          <p:cNvCxnSpPr/>
+          <p:nvPr/>
+        </p:nvCxnSpPr>
+        <p:spPr>
+          <a:xfrm>
+            <a:off x="4022502" y="1159479"/>
+            <a:ext cx="1240637" cy="0"/>
+          </a:xfrm>
+          <a:prstGeom prst="straightConnector1">
+            <a:avLst/>
+          </a:prstGeom>
+          <a:ln w="76200">
+            <a:solidFill>
+              <a:srgbClr val="87CEEB"/>
+            </a:solidFill>
+            <a:tailEnd type="triangle"/>
+          </a:ln>
+        </p:spPr>
+        <p:style>
+          <a:lnRef idx="1">
+            <a:schemeClr val="accent1"/>
+          </a:lnRef>
+          <a:fillRef idx="0">
+            <a:schemeClr val="accent1"/>
+          </a:fillRef>
+          <a:effectRef idx="0">
+            <a:schemeClr val="accent1"/>
+          </a:effectRef>
+          <a:fontRef idx="minor">
+            <a:schemeClr val="tx1"/>
+          </a:fontRef>
+        </p:style>
+      </p:cxnSp>
+      <p:cxnSp>
+        <p:nvCxnSpPr>
+          <p:cNvPr id="12" name="Elbow Connector 11">
+            <a:extLst>
+              <a:ext uri="{FF2B5EF4-FFF2-40B4-BE49-F238E27FC236}">
+                <a16:creationId xmlns:a16="http://schemas.microsoft.com/office/drawing/2014/main" id="{D2FB8DEE-B068-EA45-B3C5-432DEB1546B5}"/>
+              </a:ext>
+            </a:extLst>
+          </p:cNvPr>
+          <p:cNvCxnSpPr>
+            <a:cxnSpLocks/>
+          </p:cNvCxnSpPr>
+          <p:nvPr/>
+        </p:nvCxnSpPr>
+        <p:spPr>
+          <a:xfrm>
+            <a:off x="5263139" y="1159479"/>
+            <a:ext cx="1171495" cy="951736"/>
+          </a:xfrm>
+          <a:prstGeom prst="bentConnector3">
+            <a:avLst>
+              <a:gd name="adj1" fmla="val 100178"/>
+            </a:avLst>
+          </a:prstGeom>
+          <a:ln w="76200">
+            <a:solidFill>
+              <a:srgbClr val="0000FF"/>
+            </a:solidFill>
+            <a:tailEnd type="triangle"/>
+          </a:ln>
+        </p:spPr>
+        <p:style>
+          <a:lnRef idx="1">
+            <a:schemeClr val="accent1"/>
+          </a:lnRef>
+          <a:fillRef idx="0">
+            <a:schemeClr val="accent1"/>
+          </a:fillRef>
+          <a:effectRef idx="0">
+            <a:schemeClr val="accent1"/>
+          </a:effectRef>
+          <a:fontRef idx="minor">
+            <a:schemeClr val="tx1"/>
+          </a:fontRef>
+        </p:style>
+      </p:cxnSp>
+      <p:grpSp>
+        <p:nvGrpSpPr>
+          <p:cNvPr id="13" name="Group 12">
+            <a:extLst>
+              <a:ext uri="{FF2B5EF4-FFF2-40B4-BE49-F238E27FC236}">
+                <a16:creationId xmlns:a16="http://schemas.microsoft.com/office/drawing/2014/main" id="{BB6C4114-63E9-C44F-A30D-71FBCDEB5FFD}"/>
+              </a:ext>
+            </a:extLst>
+          </p:cNvPr>
+          <p:cNvGrpSpPr/>
+          <p:nvPr/>
+        </p:nvGrpSpPr>
+        <p:grpSpPr>
+          <a:xfrm>
+            <a:off x="1220831" y="540920"/>
+            <a:ext cx="1139224" cy="2487189"/>
+            <a:chOff x="1220831" y="540920"/>
+            <a:chExt cx="1139224" cy="2487189"/>
+          </a:xfrm>
+        </p:grpSpPr>
+        <p:sp>
+          <p:nvSpPr>
+            <p:cNvPr id="14" name="Rectangle 13">
+              <a:extLst>
+                <a:ext uri="{FF2B5EF4-FFF2-40B4-BE49-F238E27FC236}">
+                  <a16:creationId xmlns:a16="http://schemas.microsoft.com/office/drawing/2014/main" id="{88B8FCE1-51B1-4441-A1DF-30F6AB79D0E9}"/>
+                </a:ext>
+              </a:extLst>
+            </p:cNvPr>
+            <p:cNvSpPr/>
+            <p:nvPr/>
+          </p:nvSpPr>
+          <p:spPr>
+            <a:xfrm>
+              <a:off x="1362906" y="540920"/>
+              <a:ext cx="370078" cy="745829"/>
+            </a:xfrm>
+            <a:prstGeom prst="rect">
+              <a:avLst/>
+            </a:prstGeom>
+            <a:solidFill>
+              <a:srgbClr val="FFFF00"/>
+            </a:solidFill>
+            <a:ln>
+              <a:noFill/>
+            </a:ln>
+          </p:spPr>
+          <p:style>
+            <a:lnRef idx="2">
+              <a:schemeClr val="accent1">
+                <a:shade val="50000"/>
+              </a:schemeClr>
+            </a:lnRef>
+            <a:fillRef idx="1">
+              <a:schemeClr val="accent1"/>
+            </a:fillRef>
+            <a:effectRef idx="0">
+              <a:schemeClr val="accent1"/>
+            </a:effectRef>
+            <a:fontRef idx="minor">
+              <a:schemeClr val="lt1"/>
+            </a:fontRef>
+          </p:style>
+          <p:txBody>
+            <a:bodyPr rtlCol="0" anchor="ctr"/>
+            <a:lstStyle/>
+            <a:p>
+              <a:pPr algn="ctr"/>
+              <a:endParaRPr lang="en-US" dirty="0"/>
+            </a:p>
+          </p:txBody>
+        </p:sp>
+        <p:sp>
+          <p:nvSpPr>
+            <p:cNvPr id="15" name="Rectangle 14">
+              <a:extLst>
+                <a:ext uri="{FF2B5EF4-FFF2-40B4-BE49-F238E27FC236}">
+                  <a16:creationId xmlns:a16="http://schemas.microsoft.com/office/drawing/2014/main" id="{445F07B0-D255-0544-8DEF-46397F417665}"/>
+                </a:ext>
+              </a:extLst>
+            </p:cNvPr>
+            <p:cNvSpPr/>
+            <p:nvPr/>
+          </p:nvSpPr>
+          <p:spPr>
+            <a:xfrm>
+              <a:off x="1838707" y="540920"/>
+              <a:ext cx="262213" cy="471941"/>
+            </a:xfrm>
+            <a:prstGeom prst="rect">
+              <a:avLst/>
+            </a:prstGeom>
+            <a:solidFill>
+              <a:srgbClr val="FFFF00"/>
+            </a:solidFill>
+            <a:ln>
+              <a:noFill/>
+            </a:ln>
+          </p:spPr>
+          <p:style>
+            <a:lnRef idx="2">
+              <a:schemeClr val="accent1">
+                <a:shade val="50000"/>
+              </a:schemeClr>
+            </a:lnRef>
+            <a:fillRef idx="1">
+              <a:schemeClr val="accent1"/>
+            </a:fillRef>
+            <a:effectRef idx="0">
+              <a:schemeClr val="accent1"/>
+            </a:effectRef>
+            <a:fontRef idx="minor">
+              <a:schemeClr val="lt1"/>
+            </a:fontRef>
+          </p:style>
+          <p:txBody>
+            <a:bodyPr rtlCol="0" anchor="ctr"/>
+            <a:lstStyle/>
+            <a:p>
+              <a:pPr algn="ctr"/>
+              <a:endParaRPr lang="en-US"/>
+            </a:p>
+          </p:txBody>
+        </p:sp>
+        <p:sp>
+          <p:nvSpPr>
+            <p:cNvPr id="16" name="Rectangle 15">
+              <a:extLst>
+                <a:ext uri="{FF2B5EF4-FFF2-40B4-BE49-F238E27FC236}">
+                  <a16:creationId xmlns:a16="http://schemas.microsoft.com/office/drawing/2014/main" id="{BA5B81A6-A8BC-FB43-A1FB-10D04C5717F3}"/>
+                </a:ext>
+              </a:extLst>
+            </p:cNvPr>
+            <p:cNvSpPr/>
+            <p:nvPr/>
+          </p:nvSpPr>
+          <p:spPr>
+            <a:xfrm>
+              <a:off x="1349679" y="2616629"/>
+              <a:ext cx="274320" cy="411480"/>
+            </a:xfrm>
+            <a:prstGeom prst="rect">
+              <a:avLst/>
+            </a:prstGeom>
+            <a:solidFill>
+              <a:srgbClr val="FFFF00"/>
+            </a:solidFill>
+            <a:ln>
+              <a:noFill/>
+            </a:ln>
+          </p:spPr>
+          <p:style>
+            <a:lnRef idx="2">
+              <a:schemeClr val="accent1">
+                <a:shade val="50000"/>
+              </a:schemeClr>
+            </a:lnRef>
+            <a:fillRef idx="1">
+              <a:schemeClr val="accent1"/>
+            </a:fillRef>
+            <a:effectRef idx="0">
+              <a:schemeClr val="accent1"/>
+            </a:effectRef>
+            <a:fontRef idx="minor">
+              <a:schemeClr val="lt1"/>
+            </a:fontRef>
+          </p:style>
+          <p:txBody>
+            <a:bodyPr rtlCol="0" anchor="ctr"/>
+            <a:lstStyle/>
+            <a:p>
+              <a:pPr algn="ctr"/>
+              <a:endParaRPr lang="en-US"/>
+            </a:p>
+          </p:txBody>
+        </p:sp>
+        <p:sp>
+          <p:nvSpPr>
+            <p:cNvPr id="17" name="Rectangle 16">
+              <a:extLst>
+                <a:ext uri="{FF2B5EF4-FFF2-40B4-BE49-F238E27FC236}">
+                  <a16:creationId xmlns:a16="http://schemas.microsoft.com/office/drawing/2014/main" id="{0053DEB5-A3B8-CD43-A77A-EE812A56E820}"/>
+                </a:ext>
+              </a:extLst>
+            </p:cNvPr>
+            <p:cNvSpPr/>
+            <p:nvPr/>
+          </p:nvSpPr>
+          <p:spPr>
+            <a:xfrm>
+              <a:off x="1646039" y="2616629"/>
+              <a:ext cx="274320" cy="411480"/>
+            </a:xfrm>
+            <a:prstGeom prst="rect">
+              <a:avLst/>
+            </a:prstGeom>
+            <a:solidFill>
+              <a:srgbClr val="FFFF00"/>
+            </a:solidFill>
+            <a:ln>
+              <a:noFill/>
+            </a:ln>
+          </p:spPr>
+          <p:style>
+            <a:lnRef idx="2">
+              <a:schemeClr val="accent1">
+                <a:shade val="50000"/>
+              </a:schemeClr>
+            </a:lnRef>
+            <a:fillRef idx="1">
+              <a:schemeClr val="accent1"/>
+            </a:fillRef>
+            <a:effectRef idx="0">
+              <a:schemeClr val="accent1"/>
+            </a:effectRef>
+            <a:fontRef idx="minor">
+              <a:schemeClr val="lt1"/>
+            </a:fontRef>
+          </p:style>
+          <p:txBody>
+            <a:bodyPr rtlCol="0" anchor="ctr"/>
+            <a:lstStyle/>
+            <a:p>
+              <a:pPr algn="ctr"/>
+              <a:endParaRPr lang="en-US"/>
+            </a:p>
+          </p:txBody>
+        </p:sp>
+        <p:sp>
+          <p:nvSpPr>
+            <p:cNvPr id="18" name="Rectangle 17">
+              <a:extLst>
+                <a:ext uri="{FF2B5EF4-FFF2-40B4-BE49-F238E27FC236}">
+                  <a16:creationId xmlns:a16="http://schemas.microsoft.com/office/drawing/2014/main" id="{5E1742E4-18C2-1D49-9B97-CFB773D40CA7}"/>
+                </a:ext>
+              </a:extLst>
+            </p:cNvPr>
+            <p:cNvSpPr/>
+            <p:nvPr/>
+          </p:nvSpPr>
+          <p:spPr>
+            <a:xfrm>
+              <a:off x="1980340" y="2616629"/>
+              <a:ext cx="379715" cy="411480"/>
+            </a:xfrm>
+            <a:prstGeom prst="rect">
+              <a:avLst/>
+            </a:prstGeom>
+            <a:solidFill>
+              <a:srgbClr val="FFFF00"/>
+            </a:solidFill>
+            <a:ln>
+              <a:noFill/>
+            </a:ln>
+          </p:spPr>
+          <p:style>
+            <a:lnRef idx="2">
+              <a:schemeClr val="accent1">
+                <a:shade val="50000"/>
+              </a:schemeClr>
+            </a:lnRef>
+            <a:fillRef idx="1">
+              <a:schemeClr val="accent1"/>
+            </a:fillRef>
+            <a:effectRef idx="0">
+              <a:schemeClr val="accent1"/>
+            </a:effectRef>
+            <a:fontRef idx="minor">
+              <a:schemeClr val="lt1"/>
+            </a:fontRef>
+          </p:style>
+          <p:txBody>
+            <a:bodyPr rtlCol="0" anchor="ctr"/>
+            <a:lstStyle/>
+            <a:p>
+              <a:pPr algn="ctr"/>
+              <a:endParaRPr lang="en-US"/>
+            </a:p>
+          </p:txBody>
+        </p:sp>
+        <p:sp>
+          <p:nvSpPr>
+            <p:cNvPr id="19" name="Rectangle 18">
+              <a:extLst>
+                <a:ext uri="{FF2B5EF4-FFF2-40B4-BE49-F238E27FC236}">
+                  <a16:creationId xmlns:a16="http://schemas.microsoft.com/office/drawing/2014/main" id="{2A7DF922-EA10-D645-932E-19C1D858849B}"/>
+                </a:ext>
+              </a:extLst>
+            </p:cNvPr>
+            <p:cNvSpPr/>
+            <p:nvPr/>
+          </p:nvSpPr>
+          <p:spPr>
+            <a:xfrm>
+              <a:off x="1519790" y="1348230"/>
+              <a:ext cx="740197" cy="368002"/>
+            </a:xfrm>
+            <a:prstGeom prst="rect">
+              <a:avLst/>
+            </a:prstGeom>
+            <a:solidFill>
+              <a:srgbClr val="FFFF00"/>
+            </a:solidFill>
+            <a:ln>
+              <a:noFill/>
+            </a:ln>
+          </p:spPr>
+          <p:style>
+            <a:lnRef idx="2">
+              <a:schemeClr val="accent1">
+                <a:shade val="50000"/>
+              </a:schemeClr>
+            </a:lnRef>
+            <a:fillRef idx="1">
+              <a:schemeClr val="accent1"/>
+            </a:fillRef>
+            <a:effectRef idx="0">
+              <a:schemeClr val="accent1"/>
+            </a:effectRef>
+            <a:fontRef idx="minor">
+              <a:schemeClr val="lt1"/>
+            </a:fontRef>
+          </p:style>
+          <p:txBody>
+            <a:bodyPr rtlCol="0" anchor="ctr"/>
+            <a:lstStyle/>
+            <a:p>
+              <a:pPr algn="ctr"/>
+              <a:endParaRPr lang="en-US"/>
+            </a:p>
+          </p:txBody>
+        </p:sp>
+        <p:sp>
+          <p:nvSpPr>
+            <p:cNvPr id="20" name="Rectangle 19">
+              <a:extLst>
+                <a:ext uri="{FF2B5EF4-FFF2-40B4-BE49-F238E27FC236}">
+                  <a16:creationId xmlns:a16="http://schemas.microsoft.com/office/drawing/2014/main" id="{D1B050B3-C435-5744-B31E-86488C66FEBD}"/>
+                </a:ext>
+              </a:extLst>
+            </p:cNvPr>
+            <p:cNvSpPr/>
+            <p:nvPr/>
+          </p:nvSpPr>
+          <p:spPr>
+            <a:xfrm>
+              <a:off x="1220831" y="1819144"/>
+              <a:ext cx="1039156" cy="368002"/>
+            </a:xfrm>
+            <a:prstGeom prst="rect">
+              <a:avLst/>
+            </a:prstGeom>
+            <a:solidFill>
+              <a:srgbClr val="FFFF00"/>
+            </a:solidFill>
+            <a:ln>
+              <a:noFill/>
+            </a:ln>
+          </p:spPr>
+          <p:style>
+            <a:lnRef idx="2">
+              <a:schemeClr val="accent1">
+                <a:shade val="50000"/>
+              </a:schemeClr>
+            </a:lnRef>
+            <a:fillRef idx="1">
+              <a:schemeClr val="accent1"/>
+            </a:fillRef>
+            <a:effectRef idx="0">
+              <a:schemeClr val="accent1"/>
+            </a:effectRef>
+            <a:fontRef idx="minor">
+              <a:schemeClr val="lt1"/>
+            </a:fontRef>
+          </p:style>
+          <p:txBody>
+            <a:bodyPr rtlCol="0" anchor="ctr"/>
+            <a:lstStyle/>
+            <a:p>
+              <a:pPr algn="ctr"/>
+              <a:endParaRPr lang="en-US"/>
+            </a:p>
+          </p:txBody>
+        </p:sp>
+      </p:grpSp>
+      <p:grpSp>
+        <p:nvGrpSpPr>
+          <p:cNvPr id="21" name="Group 20">
+            <a:extLst>
+              <a:ext uri="{FF2B5EF4-FFF2-40B4-BE49-F238E27FC236}">
+                <a16:creationId xmlns:a16="http://schemas.microsoft.com/office/drawing/2014/main" id="{54BAE8DB-5A48-554A-90FB-C0E1B380E17E}"/>
+              </a:ext>
+            </a:extLst>
+          </p:cNvPr>
+          <p:cNvGrpSpPr/>
+          <p:nvPr/>
+        </p:nvGrpSpPr>
+        <p:grpSpPr>
+          <a:xfrm>
+            <a:off x="2451495" y="1827350"/>
+            <a:ext cx="3336640" cy="1830249"/>
+            <a:chOff x="2451495" y="1827350"/>
+            <a:chExt cx="3336640" cy="1830249"/>
+          </a:xfrm>
+          <a:solidFill>
+            <a:srgbClr val="FF0000"/>
+          </a:solidFill>
+        </p:grpSpPr>
+        <p:sp>
+          <p:nvSpPr>
+            <p:cNvPr id="22" name="Rectangle 21">
+              <a:extLst>
+                <a:ext uri="{FF2B5EF4-FFF2-40B4-BE49-F238E27FC236}">
+                  <a16:creationId xmlns:a16="http://schemas.microsoft.com/office/drawing/2014/main" id="{3E7F2463-09B4-C540-BF37-F0A16943AEE1}"/>
+                </a:ext>
+              </a:extLst>
+            </p:cNvPr>
+            <p:cNvSpPr/>
+            <p:nvPr/>
+          </p:nvSpPr>
+          <p:spPr>
+            <a:xfrm>
+              <a:off x="2583286" y="1827350"/>
+              <a:ext cx="228600" cy="411480"/>
+            </a:xfrm>
+            <a:prstGeom prst="rect">
+              <a:avLst/>
+            </a:prstGeom>
+            <a:grpFill/>
+            <a:ln>
+              <a:noFill/>
+            </a:ln>
+          </p:spPr>
+          <p:style>
+            <a:lnRef idx="2">
+              <a:schemeClr val="accent1">
+                <a:shade val="50000"/>
+              </a:schemeClr>
+            </a:lnRef>
+            <a:fillRef idx="1">
+              <a:schemeClr val="accent1"/>
+            </a:fillRef>
+            <a:effectRef idx="0">
+              <a:schemeClr val="accent1"/>
+            </a:effectRef>
+            <a:fontRef idx="minor">
+              <a:schemeClr val="lt1"/>
+            </a:fontRef>
+          </p:style>
+          <p:txBody>
+            <a:bodyPr rtlCol="0" anchor="ctr"/>
+            <a:lstStyle/>
+            <a:p>
+              <a:pPr algn="ctr"/>
+              <a:endParaRPr lang="en-US"/>
+            </a:p>
+          </p:txBody>
+        </p:sp>
+        <p:sp>
+          <p:nvSpPr>
+            <p:cNvPr id="23" name="Rectangle 22">
+              <a:extLst>
+                <a:ext uri="{FF2B5EF4-FFF2-40B4-BE49-F238E27FC236}">
+                  <a16:creationId xmlns:a16="http://schemas.microsoft.com/office/drawing/2014/main" id="{F057DBB2-DDDD-7D4E-814F-8BD2E5AEA2E8}"/>
+                </a:ext>
+              </a:extLst>
+            </p:cNvPr>
+            <p:cNvSpPr/>
+            <p:nvPr/>
+          </p:nvSpPr>
+          <p:spPr>
+            <a:xfrm>
+              <a:off x="2901703" y="1827350"/>
+              <a:ext cx="228600" cy="411480"/>
+            </a:xfrm>
+            <a:prstGeom prst="rect">
+              <a:avLst/>
+            </a:prstGeom>
+            <a:grpFill/>
+            <a:ln>
+              <a:noFill/>
+            </a:ln>
+          </p:spPr>
+          <p:style>
+            <a:lnRef idx="2">
+              <a:schemeClr val="accent1">
+                <a:shade val="50000"/>
+              </a:schemeClr>
+            </a:lnRef>
+            <a:fillRef idx="1">
+              <a:schemeClr val="accent1"/>
+            </a:fillRef>
+            <a:effectRef idx="0">
+              <a:schemeClr val="accent1"/>
+            </a:effectRef>
+            <a:fontRef idx="minor">
+              <a:schemeClr val="lt1"/>
+            </a:fontRef>
+          </p:style>
+          <p:txBody>
+            <a:bodyPr rtlCol="0" anchor="ctr"/>
+            <a:lstStyle/>
+            <a:p>
+              <a:pPr algn="ctr"/>
+              <a:endParaRPr lang="en-US"/>
+            </a:p>
+          </p:txBody>
+        </p:sp>
+        <p:sp>
+          <p:nvSpPr>
+            <p:cNvPr id="24" name="Rectangle 23">
+              <a:extLst>
+                <a:ext uri="{FF2B5EF4-FFF2-40B4-BE49-F238E27FC236}">
+                  <a16:creationId xmlns:a16="http://schemas.microsoft.com/office/drawing/2014/main" id="{1B29C6EF-4BCA-7545-820C-E4AA3CC85AB4}"/>
+                </a:ext>
+              </a:extLst>
+            </p:cNvPr>
+            <p:cNvSpPr/>
+            <p:nvPr/>
+          </p:nvSpPr>
+          <p:spPr>
+            <a:xfrm>
+              <a:off x="3220120" y="1827350"/>
+              <a:ext cx="228600" cy="411480"/>
+            </a:xfrm>
+            <a:prstGeom prst="rect">
+              <a:avLst/>
+            </a:prstGeom>
+            <a:grpFill/>
+            <a:ln>
+              <a:noFill/>
+            </a:ln>
+          </p:spPr>
+          <p:style>
+            <a:lnRef idx="2">
+              <a:schemeClr val="accent1">
+                <a:shade val="50000"/>
+              </a:schemeClr>
+            </a:lnRef>
+            <a:fillRef idx="1">
+              <a:schemeClr val="accent1"/>
+            </a:fillRef>
+            <a:effectRef idx="0">
+              <a:schemeClr val="accent1"/>
+            </a:effectRef>
+            <a:fontRef idx="minor">
+              <a:schemeClr val="lt1"/>
+            </a:fontRef>
+          </p:style>
+          <p:txBody>
+            <a:bodyPr rtlCol="0" anchor="ctr"/>
+            <a:lstStyle/>
+            <a:p>
+              <a:pPr algn="ctr"/>
+              <a:endParaRPr lang="en-US"/>
+            </a:p>
+          </p:txBody>
+        </p:sp>
+        <p:sp>
+          <p:nvSpPr>
+            <p:cNvPr id="25" name="Rectangle 24">
+              <a:extLst>
+                <a:ext uri="{FF2B5EF4-FFF2-40B4-BE49-F238E27FC236}">
+                  <a16:creationId xmlns:a16="http://schemas.microsoft.com/office/drawing/2014/main" id="{3D63190E-8A93-8541-BAFE-49809860EF96}"/>
+                </a:ext>
+              </a:extLst>
+            </p:cNvPr>
+            <p:cNvSpPr/>
+            <p:nvPr/>
+          </p:nvSpPr>
+          <p:spPr>
+            <a:xfrm>
+              <a:off x="3538537" y="1827350"/>
+              <a:ext cx="228600" cy="411480"/>
+            </a:xfrm>
+            <a:prstGeom prst="rect">
+              <a:avLst/>
+            </a:prstGeom>
+            <a:grpFill/>
+            <a:ln>
+              <a:noFill/>
+            </a:ln>
+          </p:spPr>
+          <p:style>
+            <a:lnRef idx="2">
+              <a:schemeClr val="accent1">
+                <a:shade val="50000"/>
+              </a:schemeClr>
+            </a:lnRef>
+            <a:fillRef idx="1">
+              <a:schemeClr val="accent1"/>
+            </a:fillRef>
+            <a:effectRef idx="0">
+              <a:schemeClr val="accent1"/>
+            </a:effectRef>
+            <a:fontRef idx="minor">
+              <a:schemeClr val="lt1"/>
+            </a:fontRef>
+          </p:style>
+          <p:txBody>
+            <a:bodyPr rtlCol="0" anchor="ctr"/>
+            <a:lstStyle/>
+            <a:p>
+              <a:pPr algn="ctr"/>
+              <a:endParaRPr lang="en-US"/>
+            </a:p>
+          </p:txBody>
+        </p:sp>
+        <p:sp>
+          <p:nvSpPr>
+            <p:cNvPr id="26" name="Rectangle 25">
+              <a:extLst>
+                <a:ext uri="{FF2B5EF4-FFF2-40B4-BE49-F238E27FC236}">
+                  <a16:creationId xmlns:a16="http://schemas.microsoft.com/office/drawing/2014/main" id="{49659EAB-7EE4-8A4D-8D5E-431C7152FBC8}"/>
+                </a:ext>
+              </a:extLst>
+            </p:cNvPr>
+            <p:cNvSpPr/>
+            <p:nvPr/>
+          </p:nvSpPr>
+          <p:spPr>
+            <a:xfrm>
+              <a:off x="3856954" y="1827350"/>
+              <a:ext cx="228600" cy="411480"/>
+            </a:xfrm>
+            <a:prstGeom prst="rect">
+              <a:avLst/>
+            </a:prstGeom>
+            <a:grpFill/>
+            <a:ln>
+              <a:noFill/>
+            </a:ln>
+          </p:spPr>
+          <p:style>
+            <a:lnRef idx="2">
+              <a:schemeClr val="accent1">
+                <a:shade val="50000"/>
+              </a:schemeClr>
+            </a:lnRef>
+            <a:fillRef idx="1">
+              <a:schemeClr val="accent1"/>
+            </a:fillRef>
+            <a:effectRef idx="0">
+              <a:schemeClr val="accent1"/>
+            </a:effectRef>
+            <a:fontRef idx="minor">
+              <a:schemeClr val="lt1"/>
+            </a:fontRef>
+          </p:style>
+          <p:txBody>
+            <a:bodyPr rtlCol="0" anchor="ctr"/>
+            <a:lstStyle/>
+            <a:p>
+              <a:pPr algn="ctr"/>
+              <a:endParaRPr lang="en-US"/>
+            </a:p>
+          </p:txBody>
+        </p:sp>
+        <p:sp>
+          <p:nvSpPr>
+            <p:cNvPr id="27" name="Rectangle 26">
+              <a:extLst>
+                <a:ext uri="{FF2B5EF4-FFF2-40B4-BE49-F238E27FC236}">
+                  <a16:creationId xmlns:a16="http://schemas.microsoft.com/office/drawing/2014/main" id="{6C96BDAA-0F71-CF4F-8882-805B728A4986}"/>
+                </a:ext>
+              </a:extLst>
+            </p:cNvPr>
+            <p:cNvSpPr/>
+            <p:nvPr/>
+          </p:nvSpPr>
+          <p:spPr>
+            <a:xfrm>
+              <a:off x="4175371" y="1827350"/>
+              <a:ext cx="228600" cy="411480"/>
+            </a:xfrm>
+            <a:prstGeom prst="rect">
+              <a:avLst/>
+            </a:prstGeom>
+            <a:grpFill/>
+            <a:ln>
+              <a:noFill/>
+            </a:ln>
+          </p:spPr>
+          <p:style>
+            <a:lnRef idx="2">
+              <a:schemeClr val="accent1">
+                <a:shade val="50000"/>
+              </a:schemeClr>
+            </a:lnRef>
+            <a:fillRef idx="1">
+              <a:schemeClr val="accent1"/>
+            </a:fillRef>
+            <a:effectRef idx="0">
+              <a:schemeClr val="accent1"/>
+            </a:effectRef>
+            <a:fontRef idx="minor">
+              <a:schemeClr val="lt1"/>
+            </a:fontRef>
+          </p:style>
+          <p:txBody>
+            <a:bodyPr rtlCol="0" anchor="ctr"/>
+            <a:lstStyle/>
+            <a:p>
+              <a:pPr algn="ctr"/>
+              <a:endParaRPr lang="en-US"/>
+            </a:p>
+          </p:txBody>
+        </p:sp>
+        <p:sp>
+          <p:nvSpPr>
+            <p:cNvPr id="28" name="Rectangle 27">
+              <a:extLst>
+                <a:ext uri="{FF2B5EF4-FFF2-40B4-BE49-F238E27FC236}">
+                  <a16:creationId xmlns:a16="http://schemas.microsoft.com/office/drawing/2014/main" id="{B17AD4BD-CECA-3D49-A82B-5A91536705B0}"/>
+                </a:ext>
+              </a:extLst>
+            </p:cNvPr>
+            <p:cNvSpPr/>
+            <p:nvPr/>
+          </p:nvSpPr>
+          <p:spPr>
+            <a:xfrm>
+              <a:off x="4493788" y="1827350"/>
+              <a:ext cx="228600" cy="411480"/>
+            </a:xfrm>
+            <a:prstGeom prst="rect">
+              <a:avLst/>
+            </a:prstGeom>
+            <a:grpFill/>
+            <a:ln>
+              <a:noFill/>
+            </a:ln>
+          </p:spPr>
+          <p:style>
+            <a:lnRef idx="2">
+              <a:schemeClr val="accent1">
+                <a:shade val="50000"/>
+              </a:schemeClr>
+            </a:lnRef>
+            <a:fillRef idx="1">
+              <a:schemeClr val="accent1"/>
+            </a:fillRef>
+            <a:effectRef idx="0">
+              <a:schemeClr val="accent1"/>
+            </a:effectRef>
+            <a:fontRef idx="minor">
+              <a:schemeClr val="lt1"/>
+            </a:fontRef>
+          </p:style>
+          <p:txBody>
+            <a:bodyPr rtlCol="0" anchor="ctr"/>
+            <a:lstStyle/>
+            <a:p>
+              <a:pPr algn="ctr"/>
+              <a:endParaRPr lang="en-US"/>
+            </a:p>
+          </p:txBody>
+        </p:sp>
+        <p:sp>
+          <p:nvSpPr>
+            <p:cNvPr id="29" name="Rectangle 28">
+              <a:extLst>
+                <a:ext uri="{FF2B5EF4-FFF2-40B4-BE49-F238E27FC236}">
+                  <a16:creationId xmlns:a16="http://schemas.microsoft.com/office/drawing/2014/main" id="{01647D51-BF72-C34F-9077-4F0EA120197A}"/>
+                </a:ext>
+              </a:extLst>
+            </p:cNvPr>
+            <p:cNvSpPr/>
+            <p:nvPr/>
+          </p:nvSpPr>
+          <p:spPr>
+            <a:xfrm>
+              <a:off x="4812205" y="1827350"/>
+              <a:ext cx="228600" cy="411480"/>
+            </a:xfrm>
+            <a:prstGeom prst="rect">
+              <a:avLst/>
+            </a:prstGeom>
+            <a:grpFill/>
+            <a:ln>
+              <a:noFill/>
+            </a:ln>
+          </p:spPr>
+          <p:style>
+            <a:lnRef idx="2">
+              <a:schemeClr val="accent1">
+                <a:shade val="50000"/>
+              </a:schemeClr>
+            </a:lnRef>
+            <a:fillRef idx="1">
+              <a:schemeClr val="accent1"/>
+            </a:fillRef>
+            <a:effectRef idx="0">
+              <a:schemeClr val="accent1"/>
+            </a:effectRef>
+            <a:fontRef idx="minor">
+              <a:schemeClr val="lt1"/>
+            </a:fontRef>
+          </p:style>
+          <p:txBody>
+            <a:bodyPr rtlCol="0" anchor="ctr"/>
+            <a:lstStyle/>
+            <a:p>
+              <a:pPr algn="ctr"/>
+              <a:endParaRPr lang="en-US"/>
+            </a:p>
+          </p:txBody>
+        </p:sp>
+        <p:sp>
+          <p:nvSpPr>
+            <p:cNvPr id="30" name="Rectangle 29">
+              <a:extLst>
+                <a:ext uri="{FF2B5EF4-FFF2-40B4-BE49-F238E27FC236}">
+                  <a16:creationId xmlns:a16="http://schemas.microsoft.com/office/drawing/2014/main" id="{068F99D0-B0EE-684B-8195-CEBA2BAA2B35}"/>
+                </a:ext>
+              </a:extLst>
+            </p:cNvPr>
+            <p:cNvSpPr/>
+            <p:nvPr/>
+          </p:nvSpPr>
+          <p:spPr>
+            <a:xfrm>
+              <a:off x="2451495" y="2616629"/>
+              <a:ext cx="228600" cy="411480"/>
+            </a:xfrm>
+            <a:prstGeom prst="rect">
+              <a:avLst/>
+            </a:prstGeom>
+            <a:grpFill/>
+            <a:ln>
+              <a:noFill/>
+            </a:ln>
+          </p:spPr>
+          <p:style>
+            <a:lnRef idx="2">
+              <a:schemeClr val="accent1">
+                <a:shade val="50000"/>
+              </a:schemeClr>
+            </a:lnRef>
+            <a:fillRef idx="1">
+              <a:schemeClr val="accent1"/>
+            </a:fillRef>
+            <a:effectRef idx="0">
+              <a:schemeClr val="accent1"/>
+            </a:effectRef>
+            <a:fontRef idx="minor">
+              <a:schemeClr val="lt1"/>
+            </a:fontRef>
+          </p:style>
+          <p:txBody>
+            <a:bodyPr rtlCol="0" anchor="ctr"/>
+            <a:lstStyle/>
+            <a:p>
+              <a:pPr algn="ctr"/>
+              <a:endParaRPr lang="en-US"/>
+            </a:p>
+          </p:txBody>
+        </p:sp>
+        <p:sp>
+          <p:nvSpPr>
+            <p:cNvPr id="31" name="Rectangle 30">
+              <a:extLst>
+                <a:ext uri="{FF2B5EF4-FFF2-40B4-BE49-F238E27FC236}">
+                  <a16:creationId xmlns:a16="http://schemas.microsoft.com/office/drawing/2014/main" id="{97762982-6672-6C49-BB43-6C019E71251C}"/>
+                </a:ext>
+              </a:extLst>
+            </p:cNvPr>
+            <p:cNvSpPr/>
+            <p:nvPr/>
+          </p:nvSpPr>
+          <p:spPr>
+            <a:xfrm>
+              <a:off x="2787797" y="2616629"/>
+              <a:ext cx="342506" cy="411480"/>
+            </a:xfrm>
+            <a:prstGeom prst="rect">
+              <a:avLst/>
+            </a:prstGeom>
+            <a:grpFill/>
+            <a:ln>
+              <a:noFill/>
+            </a:ln>
+          </p:spPr>
+          <p:style>
+            <a:lnRef idx="2">
+              <a:schemeClr val="accent1">
+                <a:shade val="50000"/>
+              </a:schemeClr>
+            </a:lnRef>
+            <a:fillRef idx="1">
+              <a:schemeClr val="accent1"/>
+            </a:fillRef>
+            <a:effectRef idx="0">
+              <a:schemeClr val="accent1"/>
+            </a:effectRef>
+            <a:fontRef idx="minor">
+              <a:schemeClr val="lt1"/>
+            </a:fontRef>
+          </p:style>
+          <p:txBody>
+            <a:bodyPr rtlCol="0" anchor="ctr"/>
+            <a:lstStyle/>
+            <a:p>
+              <a:pPr algn="ctr"/>
+              <a:endParaRPr lang="en-US"/>
+            </a:p>
+          </p:txBody>
+        </p:sp>
+        <p:sp>
+          <p:nvSpPr>
+            <p:cNvPr id="32" name="Rectangle 31">
+              <a:extLst>
+                <a:ext uri="{FF2B5EF4-FFF2-40B4-BE49-F238E27FC236}">
+                  <a16:creationId xmlns:a16="http://schemas.microsoft.com/office/drawing/2014/main" id="{0B3B4186-9283-6547-B23C-05D6BD7A4830}"/>
+                </a:ext>
+              </a:extLst>
+            </p:cNvPr>
+            <p:cNvSpPr/>
+            <p:nvPr/>
+          </p:nvSpPr>
+          <p:spPr>
+            <a:xfrm>
+              <a:off x="3238005" y="2616629"/>
+              <a:ext cx="228600" cy="411480"/>
+            </a:xfrm>
+            <a:prstGeom prst="rect">
+              <a:avLst/>
+            </a:prstGeom>
+            <a:grpFill/>
+            <a:ln>
+              <a:noFill/>
+            </a:ln>
+          </p:spPr>
+          <p:style>
+            <a:lnRef idx="2">
+              <a:schemeClr val="accent1">
+                <a:shade val="50000"/>
+              </a:schemeClr>
+            </a:lnRef>
+            <a:fillRef idx="1">
+              <a:schemeClr val="accent1"/>
+            </a:fillRef>
+            <a:effectRef idx="0">
+              <a:schemeClr val="accent1"/>
+            </a:effectRef>
+            <a:fontRef idx="minor">
+              <a:schemeClr val="lt1"/>
+            </a:fontRef>
+          </p:style>
+          <p:txBody>
+            <a:bodyPr rtlCol="0" anchor="ctr"/>
+            <a:lstStyle/>
+            <a:p>
+              <a:pPr algn="ctr"/>
+              <a:endParaRPr lang="en-US"/>
+            </a:p>
+          </p:txBody>
+        </p:sp>
+        <p:sp>
+          <p:nvSpPr>
+            <p:cNvPr id="33" name="Rectangle 32">
+              <a:extLst>
+                <a:ext uri="{FF2B5EF4-FFF2-40B4-BE49-F238E27FC236}">
+                  <a16:creationId xmlns:a16="http://schemas.microsoft.com/office/drawing/2014/main" id="{809A1B51-95F9-8849-A533-3E48DF279254}"/>
+                </a:ext>
+              </a:extLst>
+            </p:cNvPr>
+            <p:cNvSpPr/>
+            <p:nvPr/>
+          </p:nvSpPr>
+          <p:spPr>
+            <a:xfrm>
+              <a:off x="3555514" y="2616629"/>
+              <a:ext cx="228600" cy="411480"/>
+            </a:xfrm>
+            <a:prstGeom prst="rect">
+              <a:avLst/>
+            </a:prstGeom>
+            <a:grpFill/>
+            <a:ln>
+              <a:noFill/>
+            </a:ln>
+          </p:spPr>
+          <p:style>
+            <a:lnRef idx="2">
+              <a:schemeClr val="accent1">
+                <a:shade val="50000"/>
+              </a:schemeClr>
+            </a:lnRef>
+            <a:fillRef idx="1">
+              <a:schemeClr val="accent1"/>
+            </a:fillRef>
+            <a:effectRef idx="0">
+              <a:schemeClr val="accent1"/>
+            </a:effectRef>
+            <a:fontRef idx="minor">
+              <a:schemeClr val="lt1"/>
+            </a:fontRef>
+          </p:style>
+          <p:txBody>
+            <a:bodyPr rtlCol="0" anchor="ctr"/>
+            <a:lstStyle/>
+            <a:p>
+              <a:pPr algn="ctr"/>
+              <a:endParaRPr lang="en-US"/>
+            </a:p>
+          </p:txBody>
+        </p:sp>
+        <p:sp>
+          <p:nvSpPr>
+            <p:cNvPr id="34" name="Rectangle 33">
+              <a:extLst>
+                <a:ext uri="{FF2B5EF4-FFF2-40B4-BE49-F238E27FC236}">
+                  <a16:creationId xmlns:a16="http://schemas.microsoft.com/office/drawing/2014/main" id="{CDFEEE5E-F5D8-DB48-B6C9-AF469BCDBC44}"/>
+                </a:ext>
+              </a:extLst>
+            </p:cNvPr>
+            <p:cNvSpPr/>
+            <p:nvPr/>
+          </p:nvSpPr>
+          <p:spPr>
+            <a:xfrm>
+              <a:off x="3865590" y="2616629"/>
+              <a:ext cx="228600" cy="411480"/>
+            </a:xfrm>
+            <a:prstGeom prst="rect">
+              <a:avLst/>
+            </a:prstGeom>
+            <a:grpFill/>
+            <a:ln>
+              <a:noFill/>
+            </a:ln>
+          </p:spPr>
+          <p:style>
+            <a:lnRef idx="2">
+              <a:schemeClr val="accent1">
+                <a:shade val="50000"/>
+              </a:schemeClr>
+            </a:lnRef>
+            <a:fillRef idx="1">
+              <a:schemeClr val="accent1"/>
+            </a:fillRef>
+            <a:effectRef idx="0">
+              <a:schemeClr val="accent1"/>
+            </a:effectRef>
+            <a:fontRef idx="minor">
+              <a:schemeClr val="lt1"/>
+            </a:fontRef>
+          </p:style>
+          <p:txBody>
+            <a:bodyPr rtlCol="0" anchor="ctr"/>
+            <a:lstStyle/>
+            <a:p>
+              <a:pPr algn="ctr"/>
+              <a:endParaRPr lang="en-US"/>
+            </a:p>
+          </p:txBody>
+        </p:sp>
+        <p:sp>
+          <p:nvSpPr>
+            <p:cNvPr id="35" name="Rectangle 34">
+              <a:extLst>
+                <a:ext uri="{FF2B5EF4-FFF2-40B4-BE49-F238E27FC236}">
+                  <a16:creationId xmlns:a16="http://schemas.microsoft.com/office/drawing/2014/main" id="{763C5290-4C63-114A-85A6-B6B668A3DC74}"/>
+                </a:ext>
+              </a:extLst>
+            </p:cNvPr>
+            <p:cNvSpPr/>
+            <p:nvPr/>
+          </p:nvSpPr>
+          <p:spPr>
+            <a:xfrm>
+              <a:off x="4184816" y="2616629"/>
+              <a:ext cx="525469" cy="411480"/>
+            </a:xfrm>
+            <a:prstGeom prst="rect">
+              <a:avLst/>
+            </a:prstGeom>
+            <a:grpFill/>
+            <a:ln>
+              <a:noFill/>
+            </a:ln>
+          </p:spPr>
+          <p:style>
+            <a:lnRef idx="2">
+              <a:schemeClr val="accent1">
+                <a:shade val="50000"/>
+              </a:schemeClr>
+            </a:lnRef>
+            <a:fillRef idx="1">
+              <a:schemeClr val="accent1"/>
+            </a:fillRef>
+            <a:effectRef idx="0">
+              <a:schemeClr val="accent1"/>
+            </a:effectRef>
+            <a:fontRef idx="minor">
+              <a:schemeClr val="lt1"/>
+            </a:fontRef>
+          </p:style>
+          <p:txBody>
+            <a:bodyPr rtlCol="0" anchor="ctr"/>
+            <a:lstStyle/>
+            <a:p>
+              <a:pPr algn="ctr"/>
+              <a:endParaRPr lang="en-US"/>
+            </a:p>
+          </p:txBody>
+        </p:sp>
+        <p:sp>
+          <p:nvSpPr>
+            <p:cNvPr id="36" name="Rectangle 35">
+              <a:extLst>
+                <a:ext uri="{FF2B5EF4-FFF2-40B4-BE49-F238E27FC236}">
+                  <a16:creationId xmlns:a16="http://schemas.microsoft.com/office/drawing/2014/main" id="{FFE82CEE-D20B-4641-8538-B52ED0CD0F46}"/>
+                </a:ext>
+              </a:extLst>
+            </p:cNvPr>
+            <p:cNvSpPr/>
+            <p:nvPr/>
+          </p:nvSpPr>
+          <p:spPr>
+            <a:xfrm>
+              <a:off x="4815976" y="2616629"/>
+              <a:ext cx="228600" cy="411480"/>
+            </a:xfrm>
+            <a:prstGeom prst="rect">
+              <a:avLst/>
+            </a:prstGeom>
+            <a:grpFill/>
+            <a:ln>
+              <a:noFill/>
+            </a:ln>
+          </p:spPr>
+          <p:style>
+            <a:lnRef idx="2">
+              <a:schemeClr val="accent1">
+                <a:shade val="50000"/>
+              </a:schemeClr>
+            </a:lnRef>
+            <a:fillRef idx="1">
+              <a:schemeClr val="accent1"/>
+            </a:fillRef>
+            <a:effectRef idx="0">
+              <a:schemeClr val="accent1"/>
+            </a:effectRef>
+            <a:fontRef idx="minor">
+              <a:schemeClr val="lt1"/>
+            </a:fontRef>
+          </p:style>
+          <p:txBody>
+            <a:bodyPr rtlCol="0" anchor="ctr"/>
+            <a:lstStyle/>
+            <a:p>
+              <a:pPr algn="ctr"/>
+              <a:endParaRPr lang="en-US"/>
+            </a:p>
+          </p:txBody>
+        </p:sp>
+        <p:sp>
+          <p:nvSpPr>
+            <p:cNvPr id="37" name="Rectangle 36">
+              <a:extLst>
+                <a:ext uri="{FF2B5EF4-FFF2-40B4-BE49-F238E27FC236}">
+                  <a16:creationId xmlns:a16="http://schemas.microsoft.com/office/drawing/2014/main" id="{D151DFE4-9792-C649-915B-D6DA1911E3B3}"/>
+                </a:ext>
+              </a:extLst>
+            </p:cNvPr>
+            <p:cNvSpPr/>
+            <p:nvPr/>
+          </p:nvSpPr>
+          <p:spPr>
+            <a:xfrm>
+              <a:off x="5212063" y="2616628"/>
+              <a:ext cx="576072" cy="1040971"/>
+            </a:xfrm>
+            <a:prstGeom prst="rect">
+              <a:avLst/>
+            </a:prstGeom>
+            <a:grpFill/>
+            <a:ln>
+              <a:noFill/>
+            </a:ln>
+          </p:spPr>
+          <p:style>
+            <a:lnRef idx="2">
+              <a:schemeClr val="accent1">
+                <a:shade val="50000"/>
+              </a:schemeClr>
+            </a:lnRef>
+            <a:fillRef idx="1">
+              <a:schemeClr val="accent1"/>
+            </a:fillRef>
+            <a:effectRef idx="0">
+              <a:schemeClr val="accent1"/>
+            </a:effectRef>
+            <a:fontRef idx="minor">
+              <a:schemeClr val="lt1"/>
+            </a:fontRef>
+          </p:style>
+          <p:txBody>
+            <a:bodyPr rtlCol="0" anchor="ctr"/>
+            <a:lstStyle/>
+            <a:p>
+              <a:pPr algn="ctr"/>
+              <a:endParaRPr lang="en-US"/>
+            </a:p>
+          </p:txBody>
+        </p:sp>
+      </p:grpSp>
+      <p:grpSp>
+        <p:nvGrpSpPr>
+          <p:cNvPr id="38" name="Group 37">
+            <a:extLst>
+              <a:ext uri="{FF2B5EF4-FFF2-40B4-BE49-F238E27FC236}">
+                <a16:creationId xmlns:a16="http://schemas.microsoft.com/office/drawing/2014/main" id="{E97A109F-4619-7546-94EA-AECD9DB9CA7E}"/>
+              </a:ext>
+            </a:extLst>
+          </p:cNvPr>
+          <p:cNvGrpSpPr/>
+          <p:nvPr/>
+        </p:nvGrpSpPr>
+        <p:grpSpPr>
+          <a:xfrm>
+            <a:off x="2810935" y="2111215"/>
+            <a:ext cx="731520" cy="295041"/>
+            <a:chOff x="9699621" y="3380438"/>
+            <a:chExt cx="731520" cy="295041"/>
+          </a:xfrm>
+        </p:grpSpPr>
+        <p:sp>
+          <p:nvSpPr>
+            <p:cNvPr id="39" name="Cube 38">
+              <a:extLst>
+                <a:ext uri="{FF2B5EF4-FFF2-40B4-BE49-F238E27FC236}">
+                  <a16:creationId xmlns:a16="http://schemas.microsoft.com/office/drawing/2014/main" id="{F4372173-FEF8-A54B-860D-3CCE52E71FF2}"/>
+                </a:ext>
+              </a:extLst>
+            </p:cNvPr>
+            <p:cNvSpPr>
+              <a:spLocks noChangeAspect="1"/>
+            </p:cNvSpPr>
+            <p:nvPr/>
+          </p:nvSpPr>
+          <p:spPr>
+            <a:xfrm>
+              <a:off x="9882501" y="3492599"/>
+              <a:ext cx="182880" cy="182880"/>
+            </a:xfrm>
+            <a:prstGeom prst="cube">
+              <a:avLst/>
+            </a:prstGeom>
+            <a:solidFill>
+              <a:schemeClr val="accent4">
+                <a:lumMod val="75000"/>
+              </a:schemeClr>
+            </a:solidFill>
+            <a:ln>
+              <a:solidFill>
+                <a:schemeClr val="tx1"/>
+              </a:solidFill>
+            </a:ln>
+          </p:spPr>
+          <p:style>
+            <a:lnRef idx="2">
+              <a:schemeClr val="accent1">
+                <a:shade val="50000"/>
+              </a:schemeClr>
+            </a:lnRef>
+            <a:fillRef idx="1">
+              <a:schemeClr val="accent1"/>
+            </a:fillRef>
+            <a:effectRef idx="0">
+              <a:schemeClr val="accent1"/>
+            </a:effectRef>
+            <a:fontRef idx="minor">
+              <a:schemeClr val="lt1"/>
+            </a:fontRef>
+          </p:style>
+          <p:txBody>
+            <a:bodyPr rtlCol="0" anchor="ctr"/>
+            <a:lstStyle/>
+            <a:p>
+              <a:pPr algn="ctr"/>
+              <a:endParaRPr lang="en-US"/>
+            </a:p>
+          </p:txBody>
+        </p:sp>
+        <p:sp>
+          <p:nvSpPr>
+            <p:cNvPr id="40" name="Cube 39">
+              <a:extLst>
+                <a:ext uri="{FF2B5EF4-FFF2-40B4-BE49-F238E27FC236}">
+                  <a16:creationId xmlns:a16="http://schemas.microsoft.com/office/drawing/2014/main" id="{0B9532D6-AA6B-5449-8394-A720D7FD81A6}"/>
+                </a:ext>
+              </a:extLst>
+            </p:cNvPr>
+            <p:cNvSpPr>
+              <a:spLocks noChangeAspect="1"/>
+            </p:cNvSpPr>
+            <p:nvPr/>
+          </p:nvSpPr>
+          <p:spPr>
+            <a:xfrm>
+              <a:off x="10065381" y="3492599"/>
+              <a:ext cx="182880" cy="182880"/>
+            </a:xfrm>
+            <a:prstGeom prst="cube">
+              <a:avLst/>
+            </a:prstGeom>
+            <a:solidFill>
+              <a:schemeClr val="accent4">
+                <a:lumMod val="75000"/>
+              </a:schemeClr>
+            </a:solidFill>
+            <a:ln>
+              <a:solidFill>
+                <a:schemeClr val="tx1"/>
+              </a:solidFill>
+            </a:ln>
+          </p:spPr>
+          <p:style>
+            <a:lnRef idx="2">
+              <a:schemeClr val="accent1">
+                <a:shade val="50000"/>
+              </a:schemeClr>
+            </a:lnRef>
+            <a:fillRef idx="1">
+              <a:schemeClr val="accent1"/>
+            </a:fillRef>
+            <a:effectRef idx="0">
+              <a:schemeClr val="accent1"/>
+            </a:effectRef>
+            <a:fontRef idx="minor">
+              <a:schemeClr val="lt1"/>
+            </a:fontRef>
+          </p:style>
+          <p:txBody>
+            <a:bodyPr rtlCol="0" anchor="ctr"/>
+            <a:lstStyle/>
+            <a:p>
+              <a:pPr algn="ctr"/>
+              <a:endParaRPr lang="en-US"/>
+            </a:p>
+          </p:txBody>
+        </p:sp>
+        <p:sp>
+          <p:nvSpPr>
+            <p:cNvPr id="41" name="Cube 40">
+              <a:extLst>
+                <a:ext uri="{FF2B5EF4-FFF2-40B4-BE49-F238E27FC236}">
+                  <a16:creationId xmlns:a16="http://schemas.microsoft.com/office/drawing/2014/main" id="{B052AA71-3EB9-DE43-A988-992F0A3484D2}"/>
+                </a:ext>
+              </a:extLst>
+            </p:cNvPr>
+            <p:cNvSpPr>
+              <a:spLocks noChangeAspect="1"/>
+            </p:cNvSpPr>
+            <p:nvPr/>
+          </p:nvSpPr>
+          <p:spPr>
+            <a:xfrm>
+              <a:off x="9882501" y="3380438"/>
+              <a:ext cx="182880" cy="182880"/>
+            </a:xfrm>
+            <a:prstGeom prst="cube">
+              <a:avLst/>
+            </a:prstGeom>
+            <a:solidFill>
+              <a:schemeClr val="accent4">
+                <a:lumMod val="75000"/>
+              </a:schemeClr>
+            </a:solidFill>
+            <a:ln>
+              <a:solidFill>
+                <a:schemeClr val="tx1"/>
+              </a:solidFill>
+            </a:ln>
+          </p:spPr>
+          <p:style>
+            <a:lnRef idx="2">
+              <a:schemeClr val="accent1">
+                <a:shade val="50000"/>
+              </a:schemeClr>
+            </a:lnRef>
+            <a:fillRef idx="1">
+              <a:schemeClr val="accent1"/>
+            </a:fillRef>
+            <a:effectRef idx="0">
+              <a:schemeClr val="accent1"/>
+            </a:effectRef>
+            <a:fontRef idx="minor">
+              <a:schemeClr val="lt1"/>
+            </a:fontRef>
+          </p:style>
+          <p:txBody>
+            <a:bodyPr rtlCol="0" anchor="ctr"/>
+            <a:lstStyle/>
+            <a:p>
+              <a:pPr algn="ctr"/>
+              <a:endParaRPr lang="en-US"/>
+            </a:p>
+          </p:txBody>
+        </p:sp>
+        <p:sp>
+          <p:nvSpPr>
+            <p:cNvPr id="42" name="Cube 41">
+              <a:extLst>
+                <a:ext uri="{FF2B5EF4-FFF2-40B4-BE49-F238E27FC236}">
+                  <a16:creationId xmlns:a16="http://schemas.microsoft.com/office/drawing/2014/main" id="{C03C1E74-2E3A-C048-B887-1390884CB6AD}"/>
+                </a:ext>
+              </a:extLst>
+            </p:cNvPr>
+            <p:cNvSpPr>
+              <a:spLocks noChangeAspect="1"/>
+            </p:cNvSpPr>
+            <p:nvPr/>
+          </p:nvSpPr>
+          <p:spPr>
+            <a:xfrm>
+              <a:off x="10065381" y="3380438"/>
+              <a:ext cx="182880" cy="182880"/>
+            </a:xfrm>
+            <a:prstGeom prst="cube">
+              <a:avLst/>
+            </a:prstGeom>
+            <a:solidFill>
+              <a:schemeClr val="accent4">
+                <a:lumMod val="75000"/>
+              </a:schemeClr>
+            </a:solidFill>
+            <a:ln>
+              <a:solidFill>
+                <a:schemeClr val="tx1"/>
+              </a:solidFill>
+            </a:ln>
+          </p:spPr>
+          <p:style>
+            <a:lnRef idx="2">
+              <a:schemeClr val="accent1">
+                <a:shade val="50000"/>
+              </a:schemeClr>
+            </a:lnRef>
+            <a:fillRef idx="1">
+              <a:schemeClr val="accent1"/>
+            </a:fillRef>
+            <a:effectRef idx="0">
+              <a:schemeClr val="accent1"/>
+            </a:effectRef>
+            <a:fontRef idx="minor">
+              <a:schemeClr val="lt1"/>
+            </a:fontRef>
+          </p:style>
+          <p:txBody>
+            <a:bodyPr rtlCol="0" anchor="ctr"/>
+            <a:lstStyle/>
+            <a:p>
+              <a:pPr algn="ctr"/>
+              <a:endParaRPr lang="en-US"/>
+            </a:p>
+          </p:txBody>
+        </p:sp>
+        <p:sp>
+          <p:nvSpPr>
+            <p:cNvPr id="43" name="Cube 42">
+              <a:extLst>
+                <a:ext uri="{FF2B5EF4-FFF2-40B4-BE49-F238E27FC236}">
+                  <a16:creationId xmlns:a16="http://schemas.microsoft.com/office/drawing/2014/main" id="{C666D89A-0A36-1F4E-889A-05983C17DA58}"/>
+                </a:ext>
+              </a:extLst>
+            </p:cNvPr>
+            <p:cNvSpPr>
+              <a:spLocks noChangeAspect="1"/>
+            </p:cNvSpPr>
+            <p:nvPr/>
+          </p:nvSpPr>
+          <p:spPr>
+            <a:xfrm>
+              <a:off x="10248261" y="3492599"/>
+              <a:ext cx="182880" cy="182880"/>
+            </a:xfrm>
+            <a:prstGeom prst="cube">
+              <a:avLst/>
+            </a:prstGeom>
+            <a:solidFill>
+              <a:schemeClr val="accent4">
+                <a:lumMod val="75000"/>
+              </a:schemeClr>
+            </a:solidFill>
+            <a:ln>
+              <a:solidFill>
+                <a:schemeClr val="tx1"/>
+              </a:solidFill>
+            </a:ln>
+          </p:spPr>
+          <p:style>
+            <a:lnRef idx="2">
+              <a:schemeClr val="accent1">
+                <a:shade val="50000"/>
+              </a:schemeClr>
+            </a:lnRef>
+            <a:fillRef idx="1">
+              <a:schemeClr val="accent1"/>
+            </a:fillRef>
+            <a:effectRef idx="0">
+              <a:schemeClr val="accent1"/>
+            </a:effectRef>
+            <a:fontRef idx="minor">
+              <a:schemeClr val="lt1"/>
+            </a:fontRef>
+          </p:style>
+          <p:txBody>
+            <a:bodyPr rtlCol="0" anchor="ctr"/>
+            <a:lstStyle/>
+            <a:p>
+              <a:pPr algn="ctr"/>
+              <a:endParaRPr lang="en-US"/>
+            </a:p>
+          </p:txBody>
+        </p:sp>
+        <p:sp>
+          <p:nvSpPr>
+            <p:cNvPr id="44" name="Cube 43">
+              <a:extLst>
+                <a:ext uri="{FF2B5EF4-FFF2-40B4-BE49-F238E27FC236}">
+                  <a16:creationId xmlns:a16="http://schemas.microsoft.com/office/drawing/2014/main" id="{BCB48701-7D0D-9E4F-837A-0942CC8F1C60}"/>
+                </a:ext>
+              </a:extLst>
+            </p:cNvPr>
+            <p:cNvSpPr>
+              <a:spLocks noChangeAspect="1"/>
+            </p:cNvSpPr>
+            <p:nvPr/>
+          </p:nvSpPr>
+          <p:spPr>
+            <a:xfrm>
+              <a:off x="10248261" y="3380438"/>
+              <a:ext cx="182880" cy="182880"/>
+            </a:xfrm>
+            <a:prstGeom prst="cube">
+              <a:avLst/>
+            </a:prstGeom>
+            <a:solidFill>
+              <a:schemeClr val="accent4">
+                <a:lumMod val="75000"/>
+              </a:schemeClr>
+            </a:solidFill>
+            <a:ln>
+              <a:solidFill>
+                <a:schemeClr val="tx1"/>
+              </a:solidFill>
+            </a:ln>
+          </p:spPr>
+          <p:style>
+            <a:lnRef idx="2">
+              <a:schemeClr val="accent1">
+                <a:shade val="50000"/>
+              </a:schemeClr>
+            </a:lnRef>
+            <a:fillRef idx="1">
+              <a:schemeClr val="accent1"/>
+            </a:fillRef>
+            <a:effectRef idx="0">
+              <a:schemeClr val="accent1"/>
+            </a:effectRef>
+            <a:fontRef idx="minor">
+              <a:schemeClr val="lt1"/>
+            </a:fontRef>
+          </p:style>
+          <p:txBody>
+            <a:bodyPr rtlCol="0" anchor="ctr"/>
+            <a:lstStyle/>
+            <a:p>
+              <a:pPr algn="ctr"/>
+              <a:endParaRPr lang="en-US"/>
+            </a:p>
+          </p:txBody>
+        </p:sp>
+        <p:sp>
+          <p:nvSpPr>
+            <p:cNvPr id="45" name="Cube 44">
+              <a:extLst>
+                <a:ext uri="{FF2B5EF4-FFF2-40B4-BE49-F238E27FC236}">
+                  <a16:creationId xmlns:a16="http://schemas.microsoft.com/office/drawing/2014/main" id="{7EBA737F-A215-6244-9D38-804C94FB8B59}"/>
+                </a:ext>
+              </a:extLst>
+            </p:cNvPr>
+            <p:cNvSpPr>
+              <a:spLocks noChangeAspect="1"/>
+            </p:cNvSpPr>
+            <p:nvPr/>
+          </p:nvSpPr>
+          <p:spPr>
+            <a:xfrm>
+              <a:off x="9699621" y="3492599"/>
+              <a:ext cx="182880" cy="182880"/>
+            </a:xfrm>
+            <a:prstGeom prst="cube">
+              <a:avLst/>
+            </a:prstGeom>
+            <a:solidFill>
+              <a:schemeClr val="accent4">
+                <a:lumMod val="75000"/>
+              </a:schemeClr>
+            </a:solidFill>
+            <a:ln>
+              <a:solidFill>
+                <a:schemeClr val="tx1"/>
+              </a:solidFill>
+            </a:ln>
+          </p:spPr>
+          <p:style>
+            <a:lnRef idx="2">
+              <a:schemeClr val="accent1">
+                <a:shade val="50000"/>
+              </a:schemeClr>
+            </a:lnRef>
+            <a:fillRef idx="1">
+              <a:schemeClr val="accent1"/>
+            </a:fillRef>
+            <a:effectRef idx="0">
+              <a:schemeClr val="accent1"/>
+            </a:effectRef>
+            <a:fontRef idx="minor">
+              <a:schemeClr val="lt1"/>
+            </a:fontRef>
+          </p:style>
+          <p:txBody>
+            <a:bodyPr rtlCol="0" anchor="ctr"/>
+            <a:lstStyle/>
+            <a:p>
+              <a:pPr algn="ctr"/>
+              <a:endParaRPr lang="en-US"/>
+            </a:p>
+          </p:txBody>
+        </p:sp>
+        <p:sp>
+          <p:nvSpPr>
+            <p:cNvPr id="46" name="Cube 45">
+              <a:extLst>
+                <a:ext uri="{FF2B5EF4-FFF2-40B4-BE49-F238E27FC236}">
+                  <a16:creationId xmlns:a16="http://schemas.microsoft.com/office/drawing/2014/main" id="{70E2B586-D246-B845-ABA9-81103CB73062}"/>
+                </a:ext>
+              </a:extLst>
+            </p:cNvPr>
+            <p:cNvSpPr>
+              <a:spLocks noChangeAspect="1"/>
+            </p:cNvSpPr>
+            <p:nvPr/>
+          </p:nvSpPr>
+          <p:spPr>
+            <a:xfrm>
+              <a:off x="9699621" y="3380438"/>
+              <a:ext cx="182880" cy="182880"/>
+            </a:xfrm>
+            <a:prstGeom prst="cube">
+              <a:avLst/>
+            </a:prstGeom>
+            <a:solidFill>
+              <a:schemeClr val="accent4">
+                <a:lumMod val="75000"/>
+              </a:schemeClr>
+            </a:solidFill>
+            <a:ln>
+              <a:solidFill>
+                <a:schemeClr val="tx1"/>
+              </a:solidFill>
+            </a:ln>
+          </p:spPr>
+          <p:style>
+            <a:lnRef idx="2">
+              <a:schemeClr val="accent1">
+                <a:shade val="50000"/>
+              </a:schemeClr>
+            </a:lnRef>
+            <a:fillRef idx="1">
+              <a:schemeClr val="accent1"/>
+            </a:fillRef>
+            <a:effectRef idx="0">
+              <a:schemeClr val="accent1"/>
+            </a:effectRef>
+            <a:fontRef idx="minor">
+              <a:schemeClr val="lt1"/>
+            </a:fontRef>
+          </p:style>
+          <p:txBody>
+            <a:bodyPr rtlCol="0" anchor="ctr"/>
+            <a:lstStyle/>
+            <a:p>
+              <a:pPr algn="ctr"/>
+              <a:endParaRPr lang="en-US"/>
+            </a:p>
+          </p:txBody>
+        </p:sp>
+      </p:grpSp>
+    </p:spTree>
+    <p:extLst>
+      <p:ext uri="{BB962C8B-B14F-4D97-AF65-F5344CB8AC3E}">
+        <p14:creationId xmlns:p14="http://schemas.microsoft.com/office/powerpoint/2010/main" val="3201140068"/>
+      </p:ext>
+    </p:extLst>
+  </p:cSld>
+  <p:clrMapOvr>
+    <a:masterClrMapping/>
+  </p:clrMapOvr>
+</p:sld>
+</file>
+
+<file path=ppt/slides/slide11.xml><?xml version="1.0" encoding="utf-8"?>
 <p:sld xmlns:a="http://schemas.openxmlformats.org/drawingml/2006/main" xmlns:r="http://schemas.openxmlformats.org/officeDocument/2006/relationships" xmlns:p="http://schemas.openxmlformats.org/presentationml/2006/main">
   <p:cSld>
     <p:spTree>
@@ -15159,6 +17387,2568 @@
           <p:cNvPr id="2" name="Picture 1">
             <a:extLst>
               <a:ext uri="{FF2B5EF4-FFF2-40B4-BE49-F238E27FC236}">
+                <a16:creationId xmlns:a16="http://schemas.microsoft.com/office/drawing/2014/main" id="{5D331EA3-BF4A-BB4E-985B-6FEBB1A5C52A}"/>
+              </a:ext>
+            </a:extLst>
+          </p:cNvPr>
+          <p:cNvPicPr>
+            <a:picLocks noChangeAspect="1"/>
+          </p:cNvPicPr>
+          <p:nvPr/>
+        </p:nvPicPr>
+        <p:blipFill rotWithShape="1">
+          <a:blip r:embed="rId2"/>
+          <a:srcRect t="8798" r="51455" b="56701"/>
+          <a:stretch/>
+        </p:blipFill>
+        <p:spPr>
+          <a:xfrm>
+            <a:off x="0" y="0"/>
+            <a:ext cx="6645135" cy="3657600"/>
+          </a:xfrm>
+          <a:prstGeom prst="rect">
+            <a:avLst/>
+          </a:prstGeom>
+        </p:spPr>
+      </p:pic>
+      <p:sp>
+        <p:nvSpPr>
+          <p:cNvPr id="3" name="5-Point Star 2">
+            <a:extLst>
+              <a:ext uri="{FF2B5EF4-FFF2-40B4-BE49-F238E27FC236}">
+                <a16:creationId xmlns:a16="http://schemas.microsoft.com/office/drawing/2014/main" id="{3C39FDD0-E4CD-7341-A28D-F9AD2F51147B}"/>
+              </a:ext>
+            </a:extLst>
+          </p:cNvPr>
+          <p:cNvSpPr>
+            <a:spLocks noChangeAspect="1"/>
+          </p:cNvSpPr>
+          <p:nvPr/>
+        </p:nvSpPr>
+        <p:spPr>
+          <a:xfrm>
+            <a:off x="6179004" y="2145402"/>
+            <a:ext cx="365760" cy="365760"/>
+          </a:xfrm>
+          <a:prstGeom prst="star5">
+            <a:avLst/>
+          </a:prstGeom>
+          <a:solidFill>
+            <a:srgbClr val="CC79A7"/>
+          </a:solidFill>
+          <a:ln>
+            <a:solidFill>
+              <a:schemeClr val="accent1">
+                <a:lumMod val="50000"/>
+              </a:schemeClr>
+            </a:solidFill>
+          </a:ln>
+        </p:spPr>
+        <p:style>
+          <a:lnRef idx="2">
+            <a:schemeClr val="accent1">
+              <a:shade val="50000"/>
+            </a:schemeClr>
+          </a:lnRef>
+          <a:fillRef idx="1">
+            <a:schemeClr val="accent1"/>
+          </a:fillRef>
+          <a:effectRef idx="0">
+            <a:schemeClr val="accent1"/>
+          </a:effectRef>
+          <a:fontRef idx="minor">
+            <a:schemeClr val="lt1"/>
+          </a:fontRef>
+        </p:style>
+        <p:txBody>
+          <a:bodyPr rtlCol="0" anchor="ctr"/>
+          <a:lstStyle/>
+          <a:p>
+            <a:pPr algn="ctr"/>
+            <a:endParaRPr lang="en-US"/>
+          </a:p>
+        </p:txBody>
+      </p:sp>
+      <p:sp>
+        <p:nvSpPr>
+          <p:cNvPr id="4" name="TextBox 3">
+            <a:extLst>
+              <a:ext uri="{FF2B5EF4-FFF2-40B4-BE49-F238E27FC236}">
+                <a16:creationId xmlns:a16="http://schemas.microsoft.com/office/drawing/2014/main" id="{892211F3-0D5E-AE4C-BB83-3B09BDD0F412}"/>
+              </a:ext>
+            </a:extLst>
+          </p:cNvPr>
+          <p:cNvSpPr txBox="1"/>
+          <p:nvPr/>
+        </p:nvSpPr>
+        <p:spPr>
+          <a:xfrm>
+            <a:off x="6645135" y="2191122"/>
+            <a:ext cx="615874" cy="369332"/>
+          </a:xfrm>
+          <a:prstGeom prst="rect">
+            <a:avLst/>
+          </a:prstGeom>
+          <a:noFill/>
+        </p:spPr>
+        <p:txBody>
+          <a:bodyPr wrap="none" rtlCol="0">
+            <a:spAutoFit/>
+          </a:bodyPr>
+          <a:lstStyle/>
+          <a:p>
+            <a:r>
+              <a:rPr lang="en-US" dirty="0"/>
+              <a:t>Goal</a:t>
+            </a:r>
+          </a:p>
+        </p:txBody>
+      </p:sp>
+      <p:sp>
+        <p:nvSpPr>
+          <p:cNvPr id="5" name="TextBox 4">
+            <a:extLst>
+              <a:ext uri="{FF2B5EF4-FFF2-40B4-BE49-F238E27FC236}">
+                <a16:creationId xmlns:a16="http://schemas.microsoft.com/office/drawing/2014/main" id="{F1F8C484-EDE0-3148-B7F6-23E2E28A5E7C}"/>
+              </a:ext>
+            </a:extLst>
+          </p:cNvPr>
+          <p:cNvSpPr txBox="1"/>
+          <p:nvPr/>
+        </p:nvSpPr>
+        <p:spPr>
+          <a:xfrm>
+            <a:off x="3721516" y="2191122"/>
+            <a:ext cx="1987147" cy="461665"/>
+          </a:xfrm>
+          <a:prstGeom prst="rect">
+            <a:avLst/>
+          </a:prstGeom>
+          <a:noFill/>
+        </p:spPr>
+        <p:txBody>
+          <a:bodyPr wrap="none" rtlCol="0">
+            <a:spAutoFit/>
+          </a:bodyPr>
+          <a:lstStyle/>
+          <a:p>
+            <a:r>
+              <a:rPr lang="en-US" sz="2400" dirty="0">
+                <a:solidFill>
+                  <a:srgbClr val="C00000"/>
+                </a:solidFill>
+              </a:rPr>
+              <a:t>Private Offices</a:t>
+            </a:r>
+          </a:p>
+        </p:txBody>
+      </p:sp>
+      <p:grpSp>
+        <p:nvGrpSpPr>
+          <p:cNvPr id="6" name="Group 5">
+            <a:extLst>
+              <a:ext uri="{FF2B5EF4-FFF2-40B4-BE49-F238E27FC236}">
+                <a16:creationId xmlns:a16="http://schemas.microsoft.com/office/drawing/2014/main" id="{9854BCD5-B8DF-8B4A-98C5-F4053F039FC0}"/>
+              </a:ext>
+            </a:extLst>
+          </p:cNvPr>
+          <p:cNvGrpSpPr/>
+          <p:nvPr/>
+        </p:nvGrpSpPr>
+        <p:grpSpPr>
+          <a:xfrm>
+            <a:off x="2451495" y="1827350"/>
+            <a:ext cx="3336640" cy="1830249"/>
+            <a:chOff x="2451495" y="1827350"/>
+            <a:chExt cx="3336640" cy="1830249"/>
+          </a:xfrm>
+          <a:solidFill>
+            <a:srgbClr val="FF0000"/>
+          </a:solidFill>
+        </p:grpSpPr>
+        <p:sp>
+          <p:nvSpPr>
+            <p:cNvPr id="7" name="Rectangle 6">
+              <a:extLst>
+                <a:ext uri="{FF2B5EF4-FFF2-40B4-BE49-F238E27FC236}">
+                  <a16:creationId xmlns:a16="http://schemas.microsoft.com/office/drawing/2014/main" id="{4A7FDC00-A5B8-284A-A49D-86F5D83EAE17}"/>
+                </a:ext>
+              </a:extLst>
+            </p:cNvPr>
+            <p:cNvSpPr/>
+            <p:nvPr/>
+          </p:nvSpPr>
+          <p:spPr>
+            <a:xfrm>
+              <a:off x="2583286" y="1827350"/>
+              <a:ext cx="228600" cy="411480"/>
+            </a:xfrm>
+            <a:prstGeom prst="rect">
+              <a:avLst/>
+            </a:prstGeom>
+            <a:grpFill/>
+            <a:ln>
+              <a:noFill/>
+            </a:ln>
+          </p:spPr>
+          <p:style>
+            <a:lnRef idx="2">
+              <a:schemeClr val="accent1">
+                <a:shade val="50000"/>
+              </a:schemeClr>
+            </a:lnRef>
+            <a:fillRef idx="1">
+              <a:schemeClr val="accent1"/>
+            </a:fillRef>
+            <a:effectRef idx="0">
+              <a:schemeClr val="accent1"/>
+            </a:effectRef>
+            <a:fontRef idx="minor">
+              <a:schemeClr val="lt1"/>
+            </a:fontRef>
+          </p:style>
+          <p:txBody>
+            <a:bodyPr rtlCol="0" anchor="ctr"/>
+            <a:lstStyle/>
+            <a:p>
+              <a:pPr algn="ctr"/>
+              <a:endParaRPr lang="en-US"/>
+            </a:p>
+          </p:txBody>
+        </p:sp>
+        <p:sp>
+          <p:nvSpPr>
+            <p:cNvPr id="8" name="Rectangle 7">
+              <a:extLst>
+                <a:ext uri="{FF2B5EF4-FFF2-40B4-BE49-F238E27FC236}">
+                  <a16:creationId xmlns:a16="http://schemas.microsoft.com/office/drawing/2014/main" id="{10DCA34C-2968-8444-802F-D38AF2A443B3}"/>
+                </a:ext>
+              </a:extLst>
+            </p:cNvPr>
+            <p:cNvSpPr/>
+            <p:nvPr/>
+          </p:nvSpPr>
+          <p:spPr>
+            <a:xfrm>
+              <a:off x="2901703" y="1827350"/>
+              <a:ext cx="228600" cy="411480"/>
+            </a:xfrm>
+            <a:prstGeom prst="rect">
+              <a:avLst/>
+            </a:prstGeom>
+            <a:grpFill/>
+            <a:ln>
+              <a:noFill/>
+            </a:ln>
+          </p:spPr>
+          <p:style>
+            <a:lnRef idx="2">
+              <a:schemeClr val="accent1">
+                <a:shade val="50000"/>
+              </a:schemeClr>
+            </a:lnRef>
+            <a:fillRef idx="1">
+              <a:schemeClr val="accent1"/>
+            </a:fillRef>
+            <a:effectRef idx="0">
+              <a:schemeClr val="accent1"/>
+            </a:effectRef>
+            <a:fontRef idx="minor">
+              <a:schemeClr val="lt1"/>
+            </a:fontRef>
+          </p:style>
+          <p:txBody>
+            <a:bodyPr rtlCol="0" anchor="ctr"/>
+            <a:lstStyle/>
+            <a:p>
+              <a:pPr algn="ctr"/>
+              <a:endParaRPr lang="en-US"/>
+            </a:p>
+          </p:txBody>
+        </p:sp>
+        <p:sp>
+          <p:nvSpPr>
+            <p:cNvPr id="9" name="Rectangle 8">
+              <a:extLst>
+                <a:ext uri="{FF2B5EF4-FFF2-40B4-BE49-F238E27FC236}">
+                  <a16:creationId xmlns:a16="http://schemas.microsoft.com/office/drawing/2014/main" id="{C647FC32-A58E-654B-BBEE-3F9523ADA1A7}"/>
+                </a:ext>
+              </a:extLst>
+            </p:cNvPr>
+            <p:cNvSpPr/>
+            <p:nvPr/>
+          </p:nvSpPr>
+          <p:spPr>
+            <a:xfrm>
+              <a:off x="3220120" y="1827350"/>
+              <a:ext cx="228600" cy="411480"/>
+            </a:xfrm>
+            <a:prstGeom prst="rect">
+              <a:avLst/>
+            </a:prstGeom>
+            <a:grpFill/>
+            <a:ln>
+              <a:noFill/>
+            </a:ln>
+          </p:spPr>
+          <p:style>
+            <a:lnRef idx="2">
+              <a:schemeClr val="accent1">
+                <a:shade val="50000"/>
+              </a:schemeClr>
+            </a:lnRef>
+            <a:fillRef idx="1">
+              <a:schemeClr val="accent1"/>
+            </a:fillRef>
+            <a:effectRef idx="0">
+              <a:schemeClr val="accent1"/>
+            </a:effectRef>
+            <a:fontRef idx="minor">
+              <a:schemeClr val="lt1"/>
+            </a:fontRef>
+          </p:style>
+          <p:txBody>
+            <a:bodyPr rtlCol="0" anchor="ctr"/>
+            <a:lstStyle/>
+            <a:p>
+              <a:pPr algn="ctr"/>
+              <a:endParaRPr lang="en-US"/>
+            </a:p>
+          </p:txBody>
+        </p:sp>
+        <p:sp>
+          <p:nvSpPr>
+            <p:cNvPr id="10" name="Rectangle 9">
+              <a:extLst>
+                <a:ext uri="{FF2B5EF4-FFF2-40B4-BE49-F238E27FC236}">
+                  <a16:creationId xmlns:a16="http://schemas.microsoft.com/office/drawing/2014/main" id="{97551847-3253-5542-BFAD-8E53390FEB83}"/>
+                </a:ext>
+              </a:extLst>
+            </p:cNvPr>
+            <p:cNvSpPr/>
+            <p:nvPr/>
+          </p:nvSpPr>
+          <p:spPr>
+            <a:xfrm>
+              <a:off x="3538537" y="1827350"/>
+              <a:ext cx="228600" cy="411480"/>
+            </a:xfrm>
+            <a:prstGeom prst="rect">
+              <a:avLst/>
+            </a:prstGeom>
+            <a:grpFill/>
+            <a:ln>
+              <a:noFill/>
+            </a:ln>
+          </p:spPr>
+          <p:style>
+            <a:lnRef idx="2">
+              <a:schemeClr val="accent1">
+                <a:shade val="50000"/>
+              </a:schemeClr>
+            </a:lnRef>
+            <a:fillRef idx="1">
+              <a:schemeClr val="accent1"/>
+            </a:fillRef>
+            <a:effectRef idx="0">
+              <a:schemeClr val="accent1"/>
+            </a:effectRef>
+            <a:fontRef idx="minor">
+              <a:schemeClr val="lt1"/>
+            </a:fontRef>
+          </p:style>
+          <p:txBody>
+            <a:bodyPr rtlCol="0" anchor="ctr"/>
+            <a:lstStyle/>
+            <a:p>
+              <a:pPr algn="ctr"/>
+              <a:endParaRPr lang="en-US"/>
+            </a:p>
+          </p:txBody>
+        </p:sp>
+        <p:sp>
+          <p:nvSpPr>
+            <p:cNvPr id="11" name="Rectangle 10">
+              <a:extLst>
+                <a:ext uri="{FF2B5EF4-FFF2-40B4-BE49-F238E27FC236}">
+                  <a16:creationId xmlns:a16="http://schemas.microsoft.com/office/drawing/2014/main" id="{53D310DE-8C97-8D4D-8DC9-98F0664155FC}"/>
+                </a:ext>
+              </a:extLst>
+            </p:cNvPr>
+            <p:cNvSpPr/>
+            <p:nvPr/>
+          </p:nvSpPr>
+          <p:spPr>
+            <a:xfrm>
+              <a:off x="3856954" y="1827350"/>
+              <a:ext cx="228600" cy="411480"/>
+            </a:xfrm>
+            <a:prstGeom prst="rect">
+              <a:avLst/>
+            </a:prstGeom>
+            <a:grpFill/>
+            <a:ln>
+              <a:noFill/>
+            </a:ln>
+          </p:spPr>
+          <p:style>
+            <a:lnRef idx="2">
+              <a:schemeClr val="accent1">
+                <a:shade val="50000"/>
+              </a:schemeClr>
+            </a:lnRef>
+            <a:fillRef idx="1">
+              <a:schemeClr val="accent1"/>
+            </a:fillRef>
+            <a:effectRef idx="0">
+              <a:schemeClr val="accent1"/>
+            </a:effectRef>
+            <a:fontRef idx="minor">
+              <a:schemeClr val="lt1"/>
+            </a:fontRef>
+          </p:style>
+          <p:txBody>
+            <a:bodyPr rtlCol="0" anchor="ctr"/>
+            <a:lstStyle/>
+            <a:p>
+              <a:pPr algn="ctr"/>
+              <a:endParaRPr lang="en-US"/>
+            </a:p>
+          </p:txBody>
+        </p:sp>
+        <p:sp>
+          <p:nvSpPr>
+            <p:cNvPr id="12" name="Rectangle 11">
+              <a:extLst>
+                <a:ext uri="{FF2B5EF4-FFF2-40B4-BE49-F238E27FC236}">
+                  <a16:creationId xmlns:a16="http://schemas.microsoft.com/office/drawing/2014/main" id="{75F462E0-D2CB-6142-8153-50E2DFC51E74}"/>
+                </a:ext>
+              </a:extLst>
+            </p:cNvPr>
+            <p:cNvSpPr/>
+            <p:nvPr/>
+          </p:nvSpPr>
+          <p:spPr>
+            <a:xfrm>
+              <a:off x="4175371" y="1827350"/>
+              <a:ext cx="228600" cy="411480"/>
+            </a:xfrm>
+            <a:prstGeom prst="rect">
+              <a:avLst/>
+            </a:prstGeom>
+            <a:grpFill/>
+            <a:ln>
+              <a:noFill/>
+            </a:ln>
+          </p:spPr>
+          <p:style>
+            <a:lnRef idx="2">
+              <a:schemeClr val="accent1">
+                <a:shade val="50000"/>
+              </a:schemeClr>
+            </a:lnRef>
+            <a:fillRef idx="1">
+              <a:schemeClr val="accent1"/>
+            </a:fillRef>
+            <a:effectRef idx="0">
+              <a:schemeClr val="accent1"/>
+            </a:effectRef>
+            <a:fontRef idx="minor">
+              <a:schemeClr val="lt1"/>
+            </a:fontRef>
+          </p:style>
+          <p:txBody>
+            <a:bodyPr rtlCol="0" anchor="ctr"/>
+            <a:lstStyle/>
+            <a:p>
+              <a:pPr algn="ctr"/>
+              <a:endParaRPr lang="en-US"/>
+            </a:p>
+          </p:txBody>
+        </p:sp>
+        <p:sp>
+          <p:nvSpPr>
+            <p:cNvPr id="13" name="Rectangle 12">
+              <a:extLst>
+                <a:ext uri="{FF2B5EF4-FFF2-40B4-BE49-F238E27FC236}">
+                  <a16:creationId xmlns:a16="http://schemas.microsoft.com/office/drawing/2014/main" id="{CCF20EEC-C5D0-4046-98F3-2692182CD804}"/>
+                </a:ext>
+              </a:extLst>
+            </p:cNvPr>
+            <p:cNvSpPr/>
+            <p:nvPr/>
+          </p:nvSpPr>
+          <p:spPr>
+            <a:xfrm>
+              <a:off x="4493788" y="1827350"/>
+              <a:ext cx="228600" cy="411480"/>
+            </a:xfrm>
+            <a:prstGeom prst="rect">
+              <a:avLst/>
+            </a:prstGeom>
+            <a:grpFill/>
+            <a:ln>
+              <a:noFill/>
+            </a:ln>
+          </p:spPr>
+          <p:style>
+            <a:lnRef idx="2">
+              <a:schemeClr val="accent1">
+                <a:shade val="50000"/>
+              </a:schemeClr>
+            </a:lnRef>
+            <a:fillRef idx="1">
+              <a:schemeClr val="accent1"/>
+            </a:fillRef>
+            <a:effectRef idx="0">
+              <a:schemeClr val="accent1"/>
+            </a:effectRef>
+            <a:fontRef idx="minor">
+              <a:schemeClr val="lt1"/>
+            </a:fontRef>
+          </p:style>
+          <p:txBody>
+            <a:bodyPr rtlCol="0" anchor="ctr"/>
+            <a:lstStyle/>
+            <a:p>
+              <a:pPr algn="ctr"/>
+              <a:endParaRPr lang="en-US"/>
+            </a:p>
+          </p:txBody>
+        </p:sp>
+        <p:sp>
+          <p:nvSpPr>
+            <p:cNvPr id="14" name="Rectangle 13">
+              <a:extLst>
+                <a:ext uri="{FF2B5EF4-FFF2-40B4-BE49-F238E27FC236}">
+                  <a16:creationId xmlns:a16="http://schemas.microsoft.com/office/drawing/2014/main" id="{980C3B8C-0D84-4F4D-9F48-7154E67EE842}"/>
+                </a:ext>
+              </a:extLst>
+            </p:cNvPr>
+            <p:cNvSpPr/>
+            <p:nvPr/>
+          </p:nvSpPr>
+          <p:spPr>
+            <a:xfrm>
+              <a:off x="4812205" y="1827350"/>
+              <a:ext cx="228600" cy="411480"/>
+            </a:xfrm>
+            <a:prstGeom prst="rect">
+              <a:avLst/>
+            </a:prstGeom>
+            <a:grpFill/>
+            <a:ln>
+              <a:noFill/>
+            </a:ln>
+          </p:spPr>
+          <p:style>
+            <a:lnRef idx="2">
+              <a:schemeClr val="accent1">
+                <a:shade val="50000"/>
+              </a:schemeClr>
+            </a:lnRef>
+            <a:fillRef idx="1">
+              <a:schemeClr val="accent1"/>
+            </a:fillRef>
+            <a:effectRef idx="0">
+              <a:schemeClr val="accent1"/>
+            </a:effectRef>
+            <a:fontRef idx="minor">
+              <a:schemeClr val="lt1"/>
+            </a:fontRef>
+          </p:style>
+          <p:txBody>
+            <a:bodyPr rtlCol="0" anchor="ctr"/>
+            <a:lstStyle/>
+            <a:p>
+              <a:pPr algn="ctr"/>
+              <a:endParaRPr lang="en-US"/>
+            </a:p>
+          </p:txBody>
+        </p:sp>
+        <p:sp>
+          <p:nvSpPr>
+            <p:cNvPr id="15" name="Rectangle 14">
+              <a:extLst>
+                <a:ext uri="{FF2B5EF4-FFF2-40B4-BE49-F238E27FC236}">
+                  <a16:creationId xmlns:a16="http://schemas.microsoft.com/office/drawing/2014/main" id="{E11BA737-B4D1-AE42-A3AE-24D62FF6A5DE}"/>
+                </a:ext>
+              </a:extLst>
+            </p:cNvPr>
+            <p:cNvSpPr/>
+            <p:nvPr/>
+          </p:nvSpPr>
+          <p:spPr>
+            <a:xfrm>
+              <a:off x="2451495" y="2616629"/>
+              <a:ext cx="228600" cy="411480"/>
+            </a:xfrm>
+            <a:prstGeom prst="rect">
+              <a:avLst/>
+            </a:prstGeom>
+            <a:grpFill/>
+            <a:ln>
+              <a:noFill/>
+            </a:ln>
+          </p:spPr>
+          <p:style>
+            <a:lnRef idx="2">
+              <a:schemeClr val="accent1">
+                <a:shade val="50000"/>
+              </a:schemeClr>
+            </a:lnRef>
+            <a:fillRef idx="1">
+              <a:schemeClr val="accent1"/>
+            </a:fillRef>
+            <a:effectRef idx="0">
+              <a:schemeClr val="accent1"/>
+            </a:effectRef>
+            <a:fontRef idx="minor">
+              <a:schemeClr val="lt1"/>
+            </a:fontRef>
+          </p:style>
+          <p:txBody>
+            <a:bodyPr rtlCol="0" anchor="ctr"/>
+            <a:lstStyle/>
+            <a:p>
+              <a:pPr algn="ctr"/>
+              <a:endParaRPr lang="en-US"/>
+            </a:p>
+          </p:txBody>
+        </p:sp>
+        <p:sp>
+          <p:nvSpPr>
+            <p:cNvPr id="16" name="Rectangle 15">
+              <a:extLst>
+                <a:ext uri="{FF2B5EF4-FFF2-40B4-BE49-F238E27FC236}">
+                  <a16:creationId xmlns:a16="http://schemas.microsoft.com/office/drawing/2014/main" id="{F446BA3E-55D9-2D4D-A508-4AB4197F7576}"/>
+                </a:ext>
+              </a:extLst>
+            </p:cNvPr>
+            <p:cNvSpPr/>
+            <p:nvPr/>
+          </p:nvSpPr>
+          <p:spPr>
+            <a:xfrm>
+              <a:off x="2787797" y="2616629"/>
+              <a:ext cx="342506" cy="411480"/>
+            </a:xfrm>
+            <a:prstGeom prst="rect">
+              <a:avLst/>
+            </a:prstGeom>
+            <a:grpFill/>
+            <a:ln>
+              <a:noFill/>
+            </a:ln>
+          </p:spPr>
+          <p:style>
+            <a:lnRef idx="2">
+              <a:schemeClr val="accent1">
+                <a:shade val="50000"/>
+              </a:schemeClr>
+            </a:lnRef>
+            <a:fillRef idx="1">
+              <a:schemeClr val="accent1"/>
+            </a:fillRef>
+            <a:effectRef idx="0">
+              <a:schemeClr val="accent1"/>
+            </a:effectRef>
+            <a:fontRef idx="minor">
+              <a:schemeClr val="lt1"/>
+            </a:fontRef>
+          </p:style>
+          <p:txBody>
+            <a:bodyPr rtlCol="0" anchor="ctr"/>
+            <a:lstStyle/>
+            <a:p>
+              <a:pPr algn="ctr"/>
+              <a:endParaRPr lang="en-US"/>
+            </a:p>
+          </p:txBody>
+        </p:sp>
+        <p:sp>
+          <p:nvSpPr>
+            <p:cNvPr id="17" name="Rectangle 16">
+              <a:extLst>
+                <a:ext uri="{FF2B5EF4-FFF2-40B4-BE49-F238E27FC236}">
+                  <a16:creationId xmlns:a16="http://schemas.microsoft.com/office/drawing/2014/main" id="{CF7804F5-593C-B747-A570-4731A246D1F7}"/>
+                </a:ext>
+              </a:extLst>
+            </p:cNvPr>
+            <p:cNvSpPr/>
+            <p:nvPr/>
+          </p:nvSpPr>
+          <p:spPr>
+            <a:xfrm>
+              <a:off x="3238005" y="2616629"/>
+              <a:ext cx="228600" cy="411480"/>
+            </a:xfrm>
+            <a:prstGeom prst="rect">
+              <a:avLst/>
+            </a:prstGeom>
+            <a:grpFill/>
+            <a:ln>
+              <a:noFill/>
+            </a:ln>
+          </p:spPr>
+          <p:style>
+            <a:lnRef idx="2">
+              <a:schemeClr val="accent1">
+                <a:shade val="50000"/>
+              </a:schemeClr>
+            </a:lnRef>
+            <a:fillRef idx="1">
+              <a:schemeClr val="accent1"/>
+            </a:fillRef>
+            <a:effectRef idx="0">
+              <a:schemeClr val="accent1"/>
+            </a:effectRef>
+            <a:fontRef idx="minor">
+              <a:schemeClr val="lt1"/>
+            </a:fontRef>
+          </p:style>
+          <p:txBody>
+            <a:bodyPr rtlCol="0" anchor="ctr"/>
+            <a:lstStyle/>
+            <a:p>
+              <a:pPr algn="ctr"/>
+              <a:endParaRPr lang="en-US"/>
+            </a:p>
+          </p:txBody>
+        </p:sp>
+        <p:sp>
+          <p:nvSpPr>
+            <p:cNvPr id="18" name="Rectangle 17">
+              <a:extLst>
+                <a:ext uri="{FF2B5EF4-FFF2-40B4-BE49-F238E27FC236}">
+                  <a16:creationId xmlns:a16="http://schemas.microsoft.com/office/drawing/2014/main" id="{DBF45815-4531-A942-8670-DD50741B9D06}"/>
+                </a:ext>
+              </a:extLst>
+            </p:cNvPr>
+            <p:cNvSpPr/>
+            <p:nvPr/>
+          </p:nvSpPr>
+          <p:spPr>
+            <a:xfrm>
+              <a:off x="3555514" y="2616629"/>
+              <a:ext cx="228600" cy="411480"/>
+            </a:xfrm>
+            <a:prstGeom prst="rect">
+              <a:avLst/>
+            </a:prstGeom>
+            <a:grpFill/>
+            <a:ln>
+              <a:noFill/>
+            </a:ln>
+          </p:spPr>
+          <p:style>
+            <a:lnRef idx="2">
+              <a:schemeClr val="accent1">
+                <a:shade val="50000"/>
+              </a:schemeClr>
+            </a:lnRef>
+            <a:fillRef idx="1">
+              <a:schemeClr val="accent1"/>
+            </a:fillRef>
+            <a:effectRef idx="0">
+              <a:schemeClr val="accent1"/>
+            </a:effectRef>
+            <a:fontRef idx="minor">
+              <a:schemeClr val="lt1"/>
+            </a:fontRef>
+          </p:style>
+          <p:txBody>
+            <a:bodyPr rtlCol="0" anchor="ctr"/>
+            <a:lstStyle/>
+            <a:p>
+              <a:pPr algn="ctr"/>
+              <a:endParaRPr lang="en-US"/>
+            </a:p>
+          </p:txBody>
+        </p:sp>
+        <p:sp>
+          <p:nvSpPr>
+            <p:cNvPr id="19" name="Rectangle 18">
+              <a:extLst>
+                <a:ext uri="{FF2B5EF4-FFF2-40B4-BE49-F238E27FC236}">
+                  <a16:creationId xmlns:a16="http://schemas.microsoft.com/office/drawing/2014/main" id="{9D1025ED-A739-9949-9473-EBFA52BC1A26}"/>
+                </a:ext>
+              </a:extLst>
+            </p:cNvPr>
+            <p:cNvSpPr/>
+            <p:nvPr/>
+          </p:nvSpPr>
+          <p:spPr>
+            <a:xfrm>
+              <a:off x="3865590" y="2616629"/>
+              <a:ext cx="228600" cy="411480"/>
+            </a:xfrm>
+            <a:prstGeom prst="rect">
+              <a:avLst/>
+            </a:prstGeom>
+            <a:grpFill/>
+            <a:ln>
+              <a:noFill/>
+            </a:ln>
+          </p:spPr>
+          <p:style>
+            <a:lnRef idx="2">
+              <a:schemeClr val="accent1">
+                <a:shade val="50000"/>
+              </a:schemeClr>
+            </a:lnRef>
+            <a:fillRef idx="1">
+              <a:schemeClr val="accent1"/>
+            </a:fillRef>
+            <a:effectRef idx="0">
+              <a:schemeClr val="accent1"/>
+            </a:effectRef>
+            <a:fontRef idx="minor">
+              <a:schemeClr val="lt1"/>
+            </a:fontRef>
+          </p:style>
+          <p:txBody>
+            <a:bodyPr rtlCol="0" anchor="ctr"/>
+            <a:lstStyle/>
+            <a:p>
+              <a:pPr algn="ctr"/>
+              <a:endParaRPr lang="en-US"/>
+            </a:p>
+          </p:txBody>
+        </p:sp>
+        <p:sp>
+          <p:nvSpPr>
+            <p:cNvPr id="20" name="Rectangle 19">
+              <a:extLst>
+                <a:ext uri="{FF2B5EF4-FFF2-40B4-BE49-F238E27FC236}">
+                  <a16:creationId xmlns:a16="http://schemas.microsoft.com/office/drawing/2014/main" id="{FE3FAA65-64C4-5843-988F-7F576B53EB08}"/>
+                </a:ext>
+              </a:extLst>
+            </p:cNvPr>
+            <p:cNvSpPr/>
+            <p:nvPr/>
+          </p:nvSpPr>
+          <p:spPr>
+            <a:xfrm>
+              <a:off x="4184816" y="2616629"/>
+              <a:ext cx="525469" cy="411480"/>
+            </a:xfrm>
+            <a:prstGeom prst="rect">
+              <a:avLst/>
+            </a:prstGeom>
+            <a:grpFill/>
+            <a:ln>
+              <a:noFill/>
+            </a:ln>
+          </p:spPr>
+          <p:style>
+            <a:lnRef idx="2">
+              <a:schemeClr val="accent1">
+                <a:shade val="50000"/>
+              </a:schemeClr>
+            </a:lnRef>
+            <a:fillRef idx="1">
+              <a:schemeClr val="accent1"/>
+            </a:fillRef>
+            <a:effectRef idx="0">
+              <a:schemeClr val="accent1"/>
+            </a:effectRef>
+            <a:fontRef idx="minor">
+              <a:schemeClr val="lt1"/>
+            </a:fontRef>
+          </p:style>
+          <p:txBody>
+            <a:bodyPr rtlCol="0" anchor="ctr"/>
+            <a:lstStyle/>
+            <a:p>
+              <a:pPr algn="ctr"/>
+              <a:endParaRPr lang="en-US"/>
+            </a:p>
+          </p:txBody>
+        </p:sp>
+        <p:sp>
+          <p:nvSpPr>
+            <p:cNvPr id="21" name="Rectangle 20">
+              <a:extLst>
+                <a:ext uri="{FF2B5EF4-FFF2-40B4-BE49-F238E27FC236}">
+                  <a16:creationId xmlns:a16="http://schemas.microsoft.com/office/drawing/2014/main" id="{74781BC3-1A17-DE44-A072-537B6273C5AE}"/>
+                </a:ext>
+              </a:extLst>
+            </p:cNvPr>
+            <p:cNvSpPr/>
+            <p:nvPr/>
+          </p:nvSpPr>
+          <p:spPr>
+            <a:xfrm>
+              <a:off x="4815976" y="2616629"/>
+              <a:ext cx="228600" cy="411480"/>
+            </a:xfrm>
+            <a:prstGeom prst="rect">
+              <a:avLst/>
+            </a:prstGeom>
+            <a:grpFill/>
+            <a:ln>
+              <a:noFill/>
+            </a:ln>
+          </p:spPr>
+          <p:style>
+            <a:lnRef idx="2">
+              <a:schemeClr val="accent1">
+                <a:shade val="50000"/>
+              </a:schemeClr>
+            </a:lnRef>
+            <a:fillRef idx="1">
+              <a:schemeClr val="accent1"/>
+            </a:fillRef>
+            <a:effectRef idx="0">
+              <a:schemeClr val="accent1"/>
+            </a:effectRef>
+            <a:fontRef idx="minor">
+              <a:schemeClr val="lt1"/>
+            </a:fontRef>
+          </p:style>
+          <p:txBody>
+            <a:bodyPr rtlCol="0" anchor="ctr"/>
+            <a:lstStyle/>
+            <a:p>
+              <a:pPr algn="ctr"/>
+              <a:endParaRPr lang="en-US"/>
+            </a:p>
+          </p:txBody>
+        </p:sp>
+        <p:sp>
+          <p:nvSpPr>
+            <p:cNvPr id="22" name="Rectangle 21">
+              <a:extLst>
+                <a:ext uri="{FF2B5EF4-FFF2-40B4-BE49-F238E27FC236}">
+                  <a16:creationId xmlns:a16="http://schemas.microsoft.com/office/drawing/2014/main" id="{FDDB0963-41E8-C546-8699-C987CAC48F2A}"/>
+                </a:ext>
+              </a:extLst>
+            </p:cNvPr>
+            <p:cNvSpPr/>
+            <p:nvPr/>
+          </p:nvSpPr>
+          <p:spPr>
+            <a:xfrm>
+              <a:off x="5212063" y="2616628"/>
+              <a:ext cx="576072" cy="1040971"/>
+            </a:xfrm>
+            <a:prstGeom prst="rect">
+              <a:avLst/>
+            </a:prstGeom>
+            <a:grpFill/>
+            <a:ln>
+              <a:noFill/>
+            </a:ln>
+          </p:spPr>
+          <p:style>
+            <a:lnRef idx="2">
+              <a:schemeClr val="accent1">
+                <a:shade val="50000"/>
+              </a:schemeClr>
+            </a:lnRef>
+            <a:fillRef idx="1">
+              <a:schemeClr val="accent1"/>
+            </a:fillRef>
+            <a:effectRef idx="0">
+              <a:schemeClr val="accent1"/>
+            </a:effectRef>
+            <a:fontRef idx="minor">
+              <a:schemeClr val="lt1"/>
+            </a:fontRef>
+          </p:style>
+          <p:txBody>
+            <a:bodyPr rtlCol="0" anchor="ctr"/>
+            <a:lstStyle/>
+            <a:p>
+              <a:pPr algn="ctr"/>
+              <a:endParaRPr lang="en-US"/>
+            </a:p>
+          </p:txBody>
+        </p:sp>
+      </p:grpSp>
+      <p:sp>
+        <p:nvSpPr>
+          <p:cNvPr id="23" name="TextBox 22">
+            <a:extLst>
+              <a:ext uri="{FF2B5EF4-FFF2-40B4-BE49-F238E27FC236}">
+                <a16:creationId xmlns:a16="http://schemas.microsoft.com/office/drawing/2014/main" id="{AC03853D-9CAC-DC4B-90B7-733E647F6FF4}"/>
+              </a:ext>
+            </a:extLst>
+          </p:cNvPr>
+          <p:cNvSpPr txBox="1"/>
+          <p:nvPr/>
+        </p:nvSpPr>
+        <p:spPr>
+          <a:xfrm>
+            <a:off x="1325669" y="2191122"/>
+            <a:ext cx="1034386" cy="461665"/>
+          </a:xfrm>
+          <a:prstGeom prst="rect">
+            <a:avLst/>
+          </a:prstGeom>
+          <a:noFill/>
+        </p:spPr>
+        <p:txBody>
+          <a:bodyPr wrap="none" rtlCol="0">
+            <a:spAutoFit/>
+          </a:bodyPr>
+          <a:lstStyle/>
+          <a:p>
+            <a:r>
+              <a:rPr lang="en-US" sz="2400" dirty="0">
+                <a:solidFill>
+                  <a:schemeClr val="accent4">
+                    <a:lumMod val="75000"/>
+                  </a:schemeClr>
+                </a:solidFill>
+              </a:rPr>
+              <a:t>Rooms</a:t>
+            </a:r>
+          </a:p>
+        </p:txBody>
+      </p:sp>
+      <p:grpSp>
+        <p:nvGrpSpPr>
+          <p:cNvPr id="24" name="Group 23">
+            <a:extLst>
+              <a:ext uri="{FF2B5EF4-FFF2-40B4-BE49-F238E27FC236}">
+                <a16:creationId xmlns:a16="http://schemas.microsoft.com/office/drawing/2014/main" id="{1205B69D-69D1-A642-BB28-0D18C9FC5D16}"/>
+              </a:ext>
+            </a:extLst>
+          </p:cNvPr>
+          <p:cNvGrpSpPr/>
+          <p:nvPr/>
+        </p:nvGrpSpPr>
+        <p:grpSpPr>
+          <a:xfrm>
+            <a:off x="133213" y="1871082"/>
+            <a:ext cx="1059394" cy="721839"/>
+            <a:chOff x="133213" y="1871082"/>
+            <a:chExt cx="1059394" cy="721839"/>
+          </a:xfrm>
+        </p:grpSpPr>
+        <p:pic>
+          <p:nvPicPr>
+            <p:cNvPr id="25" name="Picture 24">
+              <a:extLst>
+                <a:ext uri="{FF2B5EF4-FFF2-40B4-BE49-F238E27FC236}">
+                  <a16:creationId xmlns:a16="http://schemas.microsoft.com/office/drawing/2014/main" id="{61E11AB9-FBDB-A344-BAFD-E0B71E658FCC}"/>
+                </a:ext>
+              </a:extLst>
+            </p:cNvPr>
+            <p:cNvPicPr>
+              <a:picLocks noChangeAspect="1"/>
+            </p:cNvPicPr>
+            <p:nvPr/>
+          </p:nvPicPr>
+          <p:blipFill rotWithShape="1">
+            <a:blip r:embed="rId3"/>
+            <a:srcRect l="26302" t="1905" r="24095"/>
+            <a:stretch/>
+          </p:blipFill>
+          <p:spPr>
+            <a:xfrm>
+              <a:off x="133213" y="1871082"/>
+              <a:ext cx="431549" cy="640080"/>
+            </a:xfrm>
+            <a:prstGeom prst="rect">
+              <a:avLst/>
+            </a:prstGeom>
+          </p:spPr>
+        </p:pic>
+        <p:sp>
+          <p:nvSpPr>
+            <p:cNvPr id="26" name="TextBox 25">
+              <a:extLst>
+                <a:ext uri="{FF2B5EF4-FFF2-40B4-BE49-F238E27FC236}">
+                  <a16:creationId xmlns:a16="http://schemas.microsoft.com/office/drawing/2014/main" id="{E2C2E8A0-33B3-9B42-9EB0-4D52326C84B3}"/>
+                </a:ext>
+              </a:extLst>
+            </p:cNvPr>
+            <p:cNvSpPr txBox="1"/>
+            <p:nvPr/>
+          </p:nvSpPr>
+          <p:spPr>
+            <a:xfrm>
+              <a:off x="560318" y="2223589"/>
+              <a:ext cx="632289" cy="369332"/>
+            </a:xfrm>
+            <a:prstGeom prst="rect">
+              <a:avLst/>
+            </a:prstGeom>
+            <a:noFill/>
+          </p:spPr>
+          <p:txBody>
+            <a:bodyPr wrap="none" rtlCol="0">
+              <a:spAutoFit/>
+            </a:bodyPr>
+            <a:lstStyle/>
+            <a:p>
+              <a:r>
+                <a:rPr lang="en-US" dirty="0"/>
+                <a:t>Start</a:t>
+              </a:r>
+            </a:p>
+          </p:txBody>
+        </p:sp>
+      </p:grpSp>
+      <p:grpSp>
+        <p:nvGrpSpPr>
+          <p:cNvPr id="27" name="Group 26">
+            <a:extLst>
+              <a:ext uri="{FF2B5EF4-FFF2-40B4-BE49-F238E27FC236}">
+                <a16:creationId xmlns:a16="http://schemas.microsoft.com/office/drawing/2014/main" id="{7D4FF08E-F548-F049-82E4-4F0AEE7548B0}"/>
+              </a:ext>
+            </a:extLst>
+          </p:cNvPr>
+          <p:cNvGrpSpPr/>
+          <p:nvPr/>
+        </p:nvGrpSpPr>
+        <p:grpSpPr>
+          <a:xfrm>
+            <a:off x="1220831" y="540920"/>
+            <a:ext cx="1139224" cy="2487189"/>
+            <a:chOff x="1220831" y="540920"/>
+            <a:chExt cx="1139224" cy="2487189"/>
+          </a:xfrm>
+        </p:grpSpPr>
+        <p:sp>
+          <p:nvSpPr>
+            <p:cNvPr id="28" name="Rectangle 27">
+              <a:extLst>
+                <a:ext uri="{FF2B5EF4-FFF2-40B4-BE49-F238E27FC236}">
+                  <a16:creationId xmlns:a16="http://schemas.microsoft.com/office/drawing/2014/main" id="{EF3BFB5F-6402-E346-9EF5-20009ED12D9E}"/>
+                </a:ext>
+              </a:extLst>
+            </p:cNvPr>
+            <p:cNvSpPr/>
+            <p:nvPr/>
+          </p:nvSpPr>
+          <p:spPr>
+            <a:xfrm>
+              <a:off x="1362906" y="540920"/>
+              <a:ext cx="370078" cy="745829"/>
+            </a:xfrm>
+            <a:prstGeom prst="rect">
+              <a:avLst/>
+            </a:prstGeom>
+            <a:solidFill>
+              <a:srgbClr val="FFFF00"/>
+            </a:solidFill>
+            <a:ln>
+              <a:noFill/>
+            </a:ln>
+          </p:spPr>
+          <p:style>
+            <a:lnRef idx="2">
+              <a:schemeClr val="accent1">
+                <a:shade val="50000"/>
+              </a:schemeClr>
+            </a:lnRef>
+            <a:fillRef idx="1">
+              <a:schemeClr val="accent1"/>
+            </a:fillRef>
+            <a:effectRef idx="0">
+              <a:schemeClr val="accent1"/>
+            </a:effectRef>
+            <a:fontRef idx="minor">
+              <a:schemeClr val="lt1"/>
+            </a:fontRef>
+          </p:style>
+          <p:txBody>
+            <a:bodyPr rtlCol="0" anchor="ctr"/>
+            <a:lstStyle/>
+            <a:p>
+              <a:pPr algn="ctr"/>
+              <a:endParaRPr lang="en-US" dirty="0"/>
+            </a:p>
+          </p:txBody>
+        </p:sp>
+        <p:sp>
+          <p:nvSpPr>
+            <p:cNvPr id="29" name="Rectangle 28">
+              <a:extLst>
+                <a:ext uri="{FF2B5EF4-FFF2-40B4-BE49-F238E27FC236}">
+                  <a16:creationId xmlns:a16="http://schemas.microsoft.com/office/drawing/2014/main" id="{5D411DF5-E80F-9440-B95B-F119F5B8EE36}"/>
+                </a:ext>
+              </a:extLst>
+            </p:cNvPr>
+            <p:cNvSpPr/>
+            <p:nvPr/>
+          </p:nvSpPr>
+          <p:spPr>
+            <a:xfrm>
+              <a:off x="1838707" y="540920"/>
+              <a:ext cx="262213" cy="471941"/>
+            </a:xfrm>
+            <a:prstGeom prst="rect">
+              <a:avLst/>
+            </a:prstGeom>
+            <a:solidFill>
+              <a:srgbClr val="FFFF00"/>
+            </a:solidFill>
+            <a:ln>
+              <a:noFill/>
+            </a:ln>
+          </p:spPr>
+          <p:style>
+            <a:lnRef idx="2">
+              <a:schemeClr val="accent1">
+                <a:shade val="50000"/>
+              </a:schemeClr>
+            </a:lnRef>
+            <a:fillRef idx="1">
+              <a:schemeClr val="accent1"/>
+            </a:fillRef>
+            <a:effectRef idx="0">
+              <a:schemeClr val="accent1"/>
+            </a:effectRef>
+            <a:fontRef idx="minor">
+              <a:schemeClr val="lt1"/>
+            </a:fontRef>
+          </p:style>
+          <p:txBody>
+            <a:bodyPr rtlCol="0" anchor="ctr"/>
+            <a:lstStyle/>
+            <a:p>
+              <a:pPr algn="ctr"/>
+              <a:endParaRPr lang="en-US"/>
+            </a:p>
+          </p:txBody>
+        </p:sp>
+        <p:sp>
+          <p:nvSpPr>
+            <p:cNvPr id="30" name="Rectangle 29">
+              <a:extLst>
+                <a:ext uri="{FF2B5EF4-FFF2-40B4-BE49-F238E27FC236}">
+                  <a16:creationId xmlns:a16="http://schemas.microsoft.com/office/drawing/2014/main" id="{5DF51819-2776-9345-8A5C-A82F643697F8}"/>
+                </a:ext>
+              </a:extLst>
+            </p:cNvPr>
+            <p:cNvSpPr/>
+            <p:nvPr/>
+          </p:nvSpPr>
+          <p:spPr>
+            <a:xfrm>
+              <a:off x="1349679" y="2616629"/>
+              <a:ext cx="274320" cy="411480"/>
+            </a:xfrm>
+            <a:prstGeom prst="rect">
+              <a:avLst/>
+            </a:prstGeom>
+            <a:solidFill>
+              <a:srgbClr val="FFFF00"/>
+            </a:solidFill>
+            <a:ln>
+              <a:noFill/>
+            </a:ln>
+          </p:spPr>
+          <p:style>
+            <a:lnRef idx="2">
+              <a:schemeClr val="accent1">
+                <a:shade val="50000"/>
+              </a:schemeClr>
+            </a:lnRef>
+            <a:fillRef idx="1">
+              <a:schemeClr val="accent1"/>
+            </a:fillRef>
+            <a:effectRef idx="0">
+              <a:schemeClr val="accent1"/>
+            </a:effectRef>
+            <a:fontRef idx="minor">
+              <a:schemeClr val="lt1"/>
+            </a:fontRef>
+          </p:style>
+          <p:txBody>
+            <a:bodyPr rtlCol="0" anchor="ctr"/>
+            <a:lstStyle/>
+            <a:p>
+              <a:pPr algn="ctr"/>
+              <a:endParaRPr lang="en-US"/>
+            </a:p>
+          </p:txBody>
+        </p:sp>
+        <p:sp>
+          <p:nvSpPr>
+            <p:cNvPr id="31" name="Rectangle 30">
+              <a:extLst>
+                <a:ext uri="{FF2B5EF4-FFF2-40B4-BE49-F238E27FC236}">
+                  <a16:creationId xmlns:a16="http://schemas.microsoft.com/office/drawing/2014/main" id="{16DEB7FF-7E74-A142-AEF8-535CD58BFB56}"/>
+                </a:ext>
+              </a:extLst>
+            </p:cNvPr>
+            <p:cNvSpPr/>
+            <p:nvPr/>
+          </p:nvSpPr>
+          <p:spPr>
+            <a:xfrm>
+              <a:off x="1646039" y="2616629"/>
+              <a:ext cx="274320" cy="411480"/>
+            </a:xfrm>
+            <a:prstGeom prst="rect">
+              <a:avLst/>
+            </a:prstGeom>
+            <a:solidFill>
+              <a:srgbClr val="FFFF00"/>
+            </a:solidFill>
+            <a:ln>
+              <a:noFill/>
+            </a:ln>
+          </p:spPr>
+          <p:style>
+            <a:lnRef idx="2">
+              <a:schemeClr val="accent1">
+                <a:shade val="50000"/>
+              </a:schemeClr>
+            </a:lnRef>
+            <a:fillRef idx="1">
+              <a:schemeClr val="accent1"/>
+            </a:fillRef>
+            <a:effectRef idx="0">
+              <a:schemeClr val="accent1"/>
+            </a:effectRef>
+            <a:fontRef idx="minor">
+              <a:schemeClr val="lt1"/>
+            </a:fontRef>
+          </p:style>
+          <p:txBody>
+            <a:bodyPr rtlCol="0" anchor="ctr"/>
+            <a:lstStyle/>
+            <a:p>
+              <a:pPr algn="ctr"/>
+              <a:endParaRPr lang="en-US"/>
+            </a:p>
+          </p:txBody>
+        </p:sp>
+        <p:sp>
+          <p:nvSpPr>
+            <p:cNvPr id="32" name="Rectangle 31">
+              <a:extLst>
+                <a:ext uri="{FF2B5EF4-FFF2-40B4-BE49-F238E27FC236}">
+                  <a16:creationId xmlns:a16="http://schemas.microsoft.com/office/drawing/2014/main" id="{704C6161-6B71-FD4D-91AB-91932728A3CA}"/>
+                </a:ext>
+              </a:extLst>
+            </p:cNvPr>
+            <p:cNvSpPr/>
+            <p:nvPr/>
+          </p:nvSpPr>
+          <p:spPr>
+            <a:xfrm>
+              <a:off x="1980340" y="2616629"/>
+              <a:ext cx="379715" cy="411480"/>
+            </a:xfrm>
+            <a:prstGeom prst="rect">
+              <a:avLst/>
+            </a:prstGeom>
+            <a:solidFill>
+              <a:srgbClr val="FFFF00"/>
+            </a:solidFill>
+            <a:ln>
+              <a:noFill/>
+            </a:ln>
+          </p:spPr>
+          <p:style>
+            <a:lnRef idx="2">
+              <a:schemeClr val="accent1">
+                <a:shade val="50000"/>
+              </a:schemeClr>
+            </a:lnRef>
+            <a:fillRef idx="1">
+              <a:schemeClr val="accent1"/>
+            </a:fillRef>
+            <a:effectRef idx="0">
+              <a:schemeClr val="accent1"/>
+            </a:effectRef>
+            <a:fontRef idx="minor">
+              <a:schemeClr val="lt1"/>
+            </a:fontRef>
+          </p:style>
+          <p:txBody>
+            <a:bodyPr rtlCol="0" anchor="ctr"/>
+            <a:lstStyle/>
+            <a:p>
+              <a:pPr algn="ctr"/>
+              <a:endParaRPr lang="en-US"/>
+            </a:p>
+          </p:txBody>
+        </p:sp>
+        <p:sp>
+          <p:nvSpPr>
+            <p:cNvPr id="33" name="Rectangle 32">
+              <a:extLst>
+                <a:ext uri="{FF2B5EF4-FFF2-40B4-BE49-F238E27FC236}">
+                  <a16:creationId xmlns:a16="http://schemas.microsoft.com/office/drawing/2014/main" id="{07046DDB-E530-A042-BB9F-6D1EC3150C14}"/>
+                </a:ext>
+              </a:extLst>
+            </p:cNvPr>
+            <p:cNvSpPr/>
+            <p:nvPr/>
+          </p:nvSpPr>
+          <p:spPr>
+            <a:xfrm>
+              <a:off x="1519790" y="1348230"/>
+              <a:ext cx="740197" cy="368002"/>
+            </a:xfrm>
+            <a:prstGeom prst="rect">
+              <a:avLst/>
+            </a:prstGeom>
+            <a:solidFill>
+              <a:srgbClr val="FFFF00"/>
+            </a:solidFill>
+            <a:ln>
+              <a:noFill/>
+            </a:ln>
+          </p:spPr>
+          <p:style>
+            <a:lnRef idx="2">
+              <a:schemeClr val="accent1">
+                <a:shade val="50000"/>
+              </a:schemeClr>
+            </a:lnRef>
+            <a:fillRef idx="1">
+              <a:schemeClr val="accent1"/>
+            </a:fillRef>
+            <a:effectRef idx="0">
+              <a:schemeClr val="accent1"/>
+            </a:effectRef>
+            <a:fontRef idx="minor">
+              <a:schemeClr val="lt1"/>
+            </a:fontRef>
+          </p:style>
+          <p:txBody>
+            <a:bodyPr rtlCol="0" anchor="ctr"/>
+            <a:lstStyle/>
+            <a:p>
+              <a:pPr algn="ctr"/>
+              <a:endParaRPr lang="en-US"/>
+            </a:p>
+          </p:txBody>
+        </p:sp>
+        <p:sp>
+          <p:nvSpPr>
+            <p:cNvPr id="34" name="Rectangle 33">
+              <a:extLst>
+                <a:ext uri="{FF2B5EF4-FFF2-40B4-BE49-F238E27FC236}">
+                  <a16:creationId xmlns:a16="http://schemas.microsoft.com/office/drawing/2014/main" id="{2B01F8AB-C54B-9543-A52F-A4CE58D7B51C}"/>
+                </a:ext>
+              </a:extLst>
+            </p:cNvPr>
+            <p:cNvSpPr/>
+            <p:nvPr/>
+          </p:nvSpPr>
+          <p:spPr>
+            <a:xfrm>
+              <a:off x="1220831" y="1819144"/>
+              <a:ext cx="1039156" cy="368002"/>
+            </a:xfrm>
+            <a:prstGeom prst="rect">
+              <a:avLst/>
+            </a:prstGeom>
+            <a:solidFill>
+              <a:srgbClr val="FFFF00"/>
+            </a:solidFill>
+            <a:ln>
+              <a:noFill/>
+            </a:ln>
+          </p:spPr>
+          <p:style>
+            <a:lnRef idx="2">
+              <a:schemeClr val="accent1">
+                <a:shade val="50000"/>
+              </a:schemeClr>
+            </a:lnRef>
+            <a:fillRef idx="1">
+              <a:schemeClr val="accent1"/>
+            </a:fillRef>
+            <a:effectRef idx="0">
+              <a:schemeClr val="accent1"/>
+            </a:effectRef>
+            <a:fontRef idx="minor">
+              <a:schemeClr val="lt1"/>
+            </a:fontRef>
+          </p:style>
+          <p:txBody>
+            <a:bodyPr rtlCol="0" anchor="ctr"/>
+            <a:lstStyle/>
+            <a:p>
+              <a:pPr algn="ctr"/>
+              <a:endParaRPr lang="en-US"/>
+            </a:p>
+          </p:txBody>
+        </p:sp>
+      </p:grpSp>
+      <p:sp>
+        <p:nvSpPr>
+          <p:cNvPr id="35" name="TextBox 34">
+            <a:extLst>
+              <a:ext uri="{FF2B5EF4-FFF2-40B4-BE49-F238E27FC236}">
+                <a16:creationId xmlns:a16="http://schemas.microsoft.com/office/drawing/2014/main" id="{78A77D5E-F505-ED41-B39A-B5DFEC59BD63}"/>
+              </a:ext>
+            </a:extLst>
+          </p:cNvPr>
+          <p:cNvSpPr txBox="1"/>
+          <p:nvPr/>
+        </p:nvSpPr>
+        <p:spPr>
+          <a:xfrm>
+            <a:off x="1470068" y="1305903"/>
+            <a:ext cx="889987" cy="461665"/>
+          </a:xfrm>
+          <a:prstGeom prst="rect">
+            <a:avLst/>
+          </a:prstGeom>
+          <a:noFill/>
+        </p:spPr>
+        <p:txBody>
+          <a:bodyPr wrap="none" rtlCol="0">
+            <a:spAutoFit/>
+          </a:bodyPr>
+          <a:lstStyle/>
+          <a:p>
+            <a:r>
+              <a:rPr lang="en-US" sz="2400" dirty="0">
+                <a:solidFill>
+                  <a:schemeClr val="accent4">
+                    <a:lumMod val="75000"/>
+                  </a:schemeClr>
+                </a:solidFill>
+              </a:rPr>
+              <a:t>Semi-</a:t>
+            </a:r>
+          </a:p>
+        </p:txBody>
+      </p:sp>
+      <p:sp>
+        <p:nvSpPr>
+          <p:cNvPr id="36" name="TextBox 35">
+            <a:extLst>
+              <a:ext uri="{FF2B5EF4-FFF2-40B4-BE49-F238E27FC236}">
+                <a16:creationId xmlns:a16="http://schemas.microsoft.com/office/drawing/2014/main" id="{0403EC10-8A2A-C04F-90A1-610895A12BC8}"/>
+              </a:ext>
+            </a:extLst>
+          </p:cNvPr>
+          <p:cNvSpPr txBox="1"/>
+          <p:nvPr/>
+        </p:nvSpPr>
+        <p:spPr>
+          <a:xfrm>
+            <a:off x="1306049" y="1796304"/>
+            <a:ext cx="1054006" cy="461665"/>
+          </a:xfrm>
+          <a:prstGeom prst="rect">
+            <a:avLst/>
+          </a:prstGeom>
+          <a:noFill/>
+        </p:spPr>
+        <p:txBody>
+          <a:bodyPr wrap="none" rtlCol="0">
+            <a:spAutoFit/>
+          </a:bodyPr>
+          <a:lstStyle/>
+          <a:p>
+            <a:r>
+              <a:rPr lang="en-US" sz="2400" dirty="0">
+                <a:solidFill>
+                  <a:schemeClr val="accent4">
+                    <a:lumMod val="75000"/>
+                  </a:schemeClr>
+                </a:solidFill>
+              </a:rPr>
+              <a:t>Private</a:t>
+            </a:r>
+          </a:p>
+        </p:txBody>
+      </p:sp>
+      <p:grpSp>
+        <p:nvGrpSpPr>
+          <p:cNvPr id="37" name="Group 36">
+            <a:extLst>
+              <a:ext uri="{FF2B5EF4-FFF2-40B4-BE49-F238E27FC236}">
+                <a16:creationId xmlns:a16="http://schemas.microsoft.com/office/drawing/2014/main" id="{1CC058F6-3E5E-AD4B-BC61-DCAC27E39EC1}"/>
+              </a:ext>
+            </a:extLst>
+          </p:cNvPr>
+          <p:cNvGrpSpPr/>
+          <p:nvPr/>
+        </p:nvGrpSpPr>
+        <p:grpSpPr>
+          <a:xfrm>
+            <a:off x="3359575" y="0"/>
+            <a:ext cx="1757917" cy="1127866"/>
+            <a:chOff x="3359575" y="0"/>
+            <a:chExt cx="1757917" cy="1127866"/>
+          </a:xfrm>
+        </p:grpSpPr>
+        <p:grpSp>
+          <p:nvGrpSpPr>
+            <p:cNvPr id="38" name="Group 37">
+              <a:extLst>
+                <a:ext uri="{FF2B5EF4-FFF2-40B4-BE49-F238E27FC236}">
+                  <a16:creationId xmlns:a16="http://schemas.microsoft.com/office/drawing/2014/main" id="{16AAAA58-0CE2-1045-AF9A-53434B748B40}"/>
+                </a:ext>
+              </a:extLst>
+            </p:cNvPr>
+            <p:cNvGrpSpPr/>
+            <p:nvPr/>
+          </p:nvGrpSpPr>
+          <p:grpSpPr>
+            <a:xfrm>
+              <a:off x="4404041" y="832825"/>
+              <a:ext cx="365760" cy="295041"/>
+              <a:chOff x="7803055" y="2574583"/>
+              <a:chExt cx="365760" cy="295041"/>
+            </a:xfrm>
+          </p:grpSpPr>
+          <p:sp>
+            <p:nvSpPr>
+              <p:cNvPr id="41" name="Cube 40">
+                <a:extLst>
+                  <a:ext uri="{FF2B5EF4-FFF2-40B4-BE49-F238E27FC236}">
+                    <a16:creationId xmlns:a16="http://schemas.microsoft.com/office/drawing/2014/main" id="{EF2EECE2-54DE-9C47-B267-9C76A48BB37A}"/>
+                  </a:ext>
+                </a:extLst>
+              </p:cNvPr>
+              <p:cNvSpPr>
+                <a:spLocks noChangeAspect="1"/>
+              </p:cNvSpPr>
+              <p:nvPr/>
+            </p:nvSpPr>
+            <p:spPr>
+              <a:xfrm>
+                <a:off x="7803055" y="2686744"/>
+                <a:ext cx="182880" cy="182880"/>
+              </a:xfrm>
+              <a:prstGeom prst="cube">
+                <a:avLst/>
+              </a:prstGeom>
+              <a:solidFill>
+                <a:schemeClr val="accent4">
+                  <a:lumMod val="75000"/>
+                </a:schemeClr>
+              </a:solidFill>
+              <a:ln>
+                <a:solidFill>
+                  <a:schemeClr val="tx1"/>
+                </a:solidFill>
+              </a:ln>
+            </p:spPr>
+            <p:style>
+              <a:lnRef idx="2">
+                <a:schemeClr val="accent1">
+                  <a:shade val="50000"/>
+                </a:schemeClr>
+              </a:lnRef>
+              <a:fillRef idx="1">
+                <a:schemeClr val="accent1"/>
+              </a:fillRef>
+              <a:effectRef idx="0">
+                <a:schemeClr val="accent1"/>
+              </a:effectRef>
+              <a:fontRef idx="minor">
+                <a:schemeClr val="lt1"/>
+              </a:fontRef>
+            </p:style>
+            <p:txBody>
+              <a:bodyPr rtlCol="0" anchor="ctr"/>
+              <a:lstStyle/>
+              <a:p>
+                <a:pPr algn="ctr"/>
+                <a:endParaRPr lang="en-US"/>
+              </a:p>
+            </p:txBody>
+          </p:sp>
+          <p:sp>
+            <p:nvSpPr>
+              <p:cNvPr id="42" name="Cube 41">
+                <a:extLst>
+                  <a:ext uri="{FF2B5EF4-FFF2-40B4-BE49-F238E27FC236}">
+                    <a16:creationId xmlns:a16="http://schemas.microsoft.com/office/drawing/2014/main" id="{3C690367-D284-3B4B-8A32-DDA946EDB2AD}"/>
+                  </a:ext>
+                </a:extLst>
+              </p:cNvPr>
+              <p:cNvSpPr>
+                <a:spLocks noChangeAspect="1"/>
+              </p:cNvSpPr>
+              <p:nvPr/>
+            </p:nvSpPr>
+            <p:spPr>
+              <a:xfrm>
+                <a:off x="7985935" y="2686744"/>
+                <a:ext cx="182880" cy="182880"/>
+              </a:xfrm>
+              <a:prstGeom prst="cube">
+                <a:avLst/>
+              </a:prstGeom>
+              <a:solidFill>
+                <a:schemeClr val="accent4">
+                  <a:lumMod val="75000"/>
+                </a:schemeClr>
+              </a:solidFill>
+              <a:ln>
+                <a:solidFill>
+                  <a:schemeClr val="tx1"/>
+                </a:solidFill>
+              </a:ln>
+            </p:spPr>
+            <p:style>
+              <a:lnRef idx="2">
+                <a:schemeClr val="accent1">
+                  <a:shade val="50000"/>
+                </a:schemeClr>
+              </a:lnRef>
+              <a:fillRef idx="1">
+                <a:schemeClr val="accent1"/>
+              </a:fillRef>
+              <a:effectRef idx="0">
+                <a:schemeClr val="accent1"/>
+              </a:effectRef>
+              <a:fontRef idx="minor">
+                <a:schemeClr val="lt1"/>
+              </a:fontRef>
+            </p:style>
+            <p:txBody>
+              <a:bodyPr rtlCol="0" anchor="ctr"/>
+              <a:lstStyle/>
+              <a:p>
+                <a:pPr algn="ctr"/>
+                <a:endParaRPr lang="en-US"/>
+              </a:p>
+            </p:txBody>
+          </p:sp>
+          <p:sp>
+            <p:nvSpPr>
+              <p:cNvPr id="43" name="Cube 42">
+                <a:extLst>
+                  <a:ext uri="{FF2B5EF4-FFF2-40B4-BE49-F238E27FC236}">
+                    <a16:creationId xmlns:a16="http://schemas.microsoft.com/office/drawing/2014/main" id="{85C6102B-C58B-E740-B555-7A3AD651A107}"/>
+                  </a:ext>
+                </a:extLst>
+              </p:cNvPr>
+              <p:cNvSpPr>
+                <a:spLocks noChangeAspect="1"/>
+              </p:cNvSpPr>
+              <p:nvPr/>
+            </p:nvSpPr>
+            <p:spPr>
+              <a:xfrm>
+                <a:off x="7803055" y="2574583"/>
+                <a:ext cx="182880" cy="182880"/>
+              </a:xfrm>
+              <a:prstGeom prst="cube">
+                <a:avLst/>
+              </a:prstGeom>
+              <a:solidFill>
+                <a:schemeClr val="accent4">
+                  <a:lumMod val="75000"/>
+                </a:schemeClr>
+              </a:solidFill>
+              <a:ln>
+                <a:solidFill>
+                  <a:schemeClr val="tx1"/>
+                </a:solidFill>
+              </a:ln>
+            </p:spPr>
+            <p:style>
+              <a:lnRef idx="2">
+                <a:schemeClr val="accent1">
+                  <a:shade val="50000"/>
+                </a:schemeClr>
+              </a:lnRef>
+              <a:fillRef idx="1">
+                <a:schemeClr val="accent1"/>
+              </a:fillRef>
+              <a:effectRef idx="0">
+                <a:schemeClr val="accent1"/>
+              </a:effectRef>
+              <a:fontRef idx="minor">
+                <a:schemeClr val="lt1"/>
+              </a:fontRef>
+            </p:style>
+            <p:txBody>
+              <a:bodyPr rtlCol="0" anchor="ctr"/>
+              <a:lstStyle/>
+              <a:p>
+                <a:pPr algn="ctr"/>
+                <a:endParaRPr lang="en-US"/>
+              </a:p>
+            </p:txBody>
+          </p:sp>
+          <p:sp>
+            <p:nvSpPr>
+              <p:cNvPr id="44" name="Cube 43">
+                <a:extLst>
+                  <a:ext uri="{FF2B5EF4-FFF2-40B4-BE49-F238E27FC236}">
+                    <a16:creationId xmlns:a16="http://schemas.microsoft.com/office/drawing/2014/main" id="{6FDA22DE-E987-B344-8009-FAF2F69A243F}"/>
+                  </a:ext>
+                </a:extLst>
+              </p:cNvPr>
+              <p:cNvSpPr>
+                <a:spLocks noChangeAspect="1"/>
+              </p:cNvSpPr>
+              <p:nvPr/>
+            </p:nvSpPr>
+            <p:spPr>
+              <a:xfrm>
+                <a:off x="7985935" y="2574583"/>
+                <a:ext cx="182880" cy="182880"/>
+              </a:xfrm>
+              <a:prstGeom prst="cube">
+                <a:avLst/>
+              </a:prstGeom>
+              <a:solidFill>
+                <a:schemeClr val="accent4">
+                  <a:lumMod val="75000"/>
+                </a:schemeClr>
+              </a:solidFill>
+              <a:ln>
+                <a:solidFill>
+                  <a:schemeClr val="tx1"/>
+                </a:solidFill>
+              </a:ln>
+            </p:spPr>
+            <p:style>
+              <a:lnRef idx="2">
+                <a:schemeClr val="accent1">
+                  <a:shade val="50000"/>
+                </a:schemeClr>
+              </a:lnRef>
+              <a:fillRef idx="1">
+                <a:schemeClr val="accent1"/>
+              </a:fillRef>
+              <a:effectRef idx="0">
+                <a:schemeClr val="accent1"/>
+              </a:effectRef>
+              <a:fontRef idx="minor">
+                <a:schemeClr val="lt1"/>
+              </a:fontRef>
+            </p:style>
+            <p:txBody>
+              <a:bodyPr rtlCol="0" anchor="ctr"/>
+              <a:lstStyle/>
+              <a:p>
+                <a:pPr algn="ctr"/>
+                <a:endParaRPr lang="en-US"/>
+              </a:p>
+            </p:txBody>
+          </p:sp>
+        </p:grpSp>
+        <p:sp>
+          <p:nvSpPr>
+            <p:cNvPr id="39" name="TextBox 38">
+              <a:extLst>
+                <a:ext uri="{FF2B5EF4-FFF2-40B4-BE49-F238E27FC236}">
+                  <a16:creationId xmlns:a16="http://schemas.microsoft.com/office/drawing/2014/main" id="{D013F28D-391C-FD4C-81A0-7F4EF716A572}"/>
+                </a:ext>
+              </a:extLst>
+            </p:cNvPr>
+            <p:cNvSpPr txBox="1"/>
+            <p:nvPr/>
+          </p:nvSpPr>
+          <p:spPr>
+            <a:xfrm>
+              <a:off x="3359575" y="0"/>
+              <a:ext cx="1757917" cy="369332"/>
+            </a:xfrm>
+            <a:prstGeom prst="rect">
+              <a:avLst/>
+            </a:prstGeom>
+            <a:noFill/>
+          </p:spPr>
+          <p:txBody>
+            <a:bodyPr wrap="none" rtlCol="0">
+              <a:spAutoFit/>
+            </a:bodyPr>
+            <a:lstStyle/>
+            <a:p>
+              <a:r>
+                <a:rPr lang="en-US" dirty="0">
+                  <a:solidFill>
+                    <a:schemeClr val="accent1">
+                      <a:lumMod val="75000"/>
+                    </a:schemeClr>
+                  </a:solidFill>
+                </a:rPr>
+                <a:t>Sparse Obstacles</a:t>
+              </a:r>
+            </a:p>
+          </p:txBody>
+        </p:sp>
+        <p:cxnSp>
+          <p:nvCxnSpPr>
+            <p:cNvPr id="40" name="Curved Connector 39">
+              <a:extLst>
+                <a:ext uri="{FF2B5EF4-FFF2-40B4-BE49-F238E27FC236}">
+                  <a16:creationId xmlns:a16="http://schemas.microsoft.com/office/drawing/2014/main" id="{4F1D34D1-E95C-CF41-ACA1-31C766A33E3A}"/>
+                </a:ext>
+              </a:extLst>
+            </p:cNvPr>
+            <p:cNvCxnSpPr>
+              <a:cxnSpLocks/>
+              <a:stCxn id="39" idx="2"/>
+            </p:cNvCxnSpPr>
+            <p:nvPr/>
+          </p:nvCxnSpPr>
+          <p:spPr>
+            <a:xfrm rot="16200000" flipH="1">
+              <a:off x="4201254" y="406611"/>
+              <a:ext cx="463494" cy="388935"/>
+            </a:xfrm>
+            <a:prstGeom prst="curvedConnector3">
+              <a:avLst>
+                <a:gd name="adj1" fmla="val 50000"/>
+              </a:avLst>
+            </a:prstGeom>
+            <a:ln w="38100">
+              <a:solidFill>
+                <a:schemeClr val="accent1"/>
+              </a:solidFill>
+              <a:tailEnd type="triangle"/>
+            </a:ln>
+          </p:spPr>
+          <p:style>
+            <a:lnRef idx="1">
+              <a:schemeClr val="accent1"/>
+            </a:lnRef>
+            <a:fillRef idx="0">
+              <a:schemeClr val="accent1"/>
+            </a:fillRef>
+            <a:effectRef idx="0">
+              <a:schemeClr val="accent1"/>
+            </a:effectRef>
+            <a:fontRef idx="minor">
+              <a:schemeClr val="tx1"/>
+            </a:fontRef>
+          </p:style>
+        </p:cxnSp>
+      </p:grpSp>
+      <p:grpSp>
+        <p:nvGrpSpPr>
+          <p:cNvPr id="45" name="Group 44">
+            <a:extLst>
+              <a:ext uri="{FF2B5EF4-FFF2-40B4-BE49-F238E27FC236}">
+                <a16:creationId xmlns:a16="http://schemas.microsoft.com/office/drawing/2014/main" id="{019D99D2-652F-F841-BE18-0E64481C01E9}"/>
+              </a:ext>
+            </a:extLst>
+          </p:cNvPr>
+          <p:cNvGrpSpPr/>
+          <p:nvPr/>
+        </p:nvGrpSpPr>
+        <p:grpSpPr>
+          <a:xfrm>
+            <a:off x="2810935" y="2111215"/>
+            <a:ext cx="1906301" cy="1543966"/>
+            <a:chOff x="2810935" y="2111215"/>
+            <a:chExt cx="1906301" cy="1543966"/>
+          </a:xfrm>
+        </p:grpSpPr>
+        <p:grpSp>
+          <p:nvGrpSpPr>
+            <p:cNvPr id="46" name="Group 45">
+              <a:extLst>
+                <a:ext uri="{FF2B5EF4-FFF2-40B4-BE49-F238E27FC236}">
+                  <a16:creationId xmlns:a16="http://schemas.microsoft.com/office/drawing/2014/main" id="{B0C19B03-00D6-BA46-8DDA-BB2A2D65CFCD}"/>
+                </a:ext>
+              </a:extLst>
+            </p:cNvPr>
+            <p:cNvGrpSpPr/>
+            <p:nvPr/>
+          </p:nvGrpSpPr>
+          <p:grpSpPr>
+            <a:xfrm>
+              <a:off x="2810935" y="2111215"/>
+              <a:ext cx="731520" cy="295041"/>
+              <a:chOff x="9699621" y="3380438"/>
+              <a:chExt cx="731520" cy="295041"/>
+            </a:xfrm>
+          </p:grpSpPr>
+          <p:sp>
+            <p:nvSpPr>
+              <p:cNvPr id="49" name="Cube 48">
+                <a:extLst>
+                  <a:ext uri="{FF2B5EF4-FFF2-40B4-BE49-F238E27FC236}">
+                    <a16:creationId xmlns:a16="http://schemas.microsoft.com/office/drawing/2014/main" id="{FB592B1C-EF88-9946-B869-5DA188556B15}"/>
+                  </a:ext>
+                </a:extLst>
+              </p:cNvPr>
+              <p:cNvSpPr>
+                <a:spLocks noChangeAspect="1"/>
+              </p:cNvSpPr>
+              <p:nvPr/>
+            </p:nvSpPr>
+            <p:spPr>
+              <a:xfrm>
+                <a:off x="9882501" y="3492599"/>
+                <a:ext cx="182880" cy="182880"/>
+              </a:xfrm>
+              <a:prstGeom prst="cube">
+                <a:avLst/>
+              </a:prstGeom>
+              <a:solidFill>
+                <a:schemeClr val="accent4">
+                  <a:lumMod val="75000"/>
+                </a:schemeClr>
+              </a:solidFill>
+              <a:ln>
+                <a:solidFill>
+                  <a:schemeClr val="tx1"/>
+                </a:solidFill>
+              </a:ln>
+            </p:spPr>
+            <p:style>
+              <a:lnRef idx="2">
+                <a:schemeClr val="accent1">
+                  <a:shade val="50000"/>
+                </a:schemeClr>
+              </a:lnRef>
+              <a:fillRef idx="1">
+                <a:schemeClr val="accent1"/>
+              </a:fillRef>
+              <a:effectRef idx="0">
+                <a:schemeClr val="accent1"/>
+              </a:effectRef>
+              <a:fontRef idx="minor">
+                <a:schemeClr val="lt1"/>
+              </a:fontRef>
+            </p:style>
+            <p:txBody>
+              <a:bodyPr rtlCol="0" anchor="ctr"/>
+              <a:lstStyle/>
+              <a:p>
+                <a:pPr algn="ctr"/>
+                <a:endParaRPr lang="en-US"/>
+              </a:p>
+            </p:txBody>
+          </p:sp>
+          <p:sp>
+            <p:nvSpPr>
+              <p:cNvPr id="50" name="Cube 49">
+                <a:extLst>
+                  <a:ext uri="{FF2B5EF4-FFF2-40B4-BE49-F238E27FC236}">
+                    <a16:creationId xmlns:a16="http://schemas.microsoft.com/office/drawing/2014/main" id="{C783ABF4-EDF6-D543-99A2-0AA601964014}"/>
+                  </a:ext>
+                </a:extLst>
+              </p:cNvPr>
+              <p:cNvSpPr>
+                <a:spLocks noChangeAspect="1"/>
+              </p:cNvSpPr>
+              <p:nvPr/>
+            </p:nvSpPr>
+            <p:spPr>
+              <a:xfrm>
+                <a:off x="10065381" y="3492599"/>
+                <a:ext cx="182880" cy="182880"/>
+              </a:xfrm>
+              <a:prstGeom prst="cube">
+                <a:avLst/>
+              </a:prstGeom>
+              <a:solidFill>
+                <a:schemeClr val="accent4">
+                  <a:lumMod val="75000"/>
+                </a:schemeClr>
+              </a:solidFill>
+              <a:ln>
+                <a:solidFill>
+                  <a:schemeClr val="tx1"/>
+                </a:solidFill>
+              </a:ln>
+            </p:spPr>
+            <p:style>
+              <a:lnRef idx="2">
+                <a:schemeClr val="accent1">
+                  <a:shade val="50000"/>
+                </a:schemeClr>
+              </a:lnRef>
+              <a:fillRef idx="1">
+                <a:schemeClr val="accent1"/>
+              </a:fillRef>
+              <a:effectRef idx="0">
+                <a:schemeClr val="accent1"/>
+              </a:effectRef>
+              <a:fontRef idx="minor">
+                <a:schemeClr val="lt1"/>
+              </a:fontRef>
+            </p:style>
+            <p:txBody>
+              <a:bodyPr rtlCol="0" anchor="ctr"/>
+              <a:lstStyle/>
+              <a:p>
+                <a:pPr algn="ctr"/>
+                <a:endParaRPr lang="en-US"/>
+              </a:p>
+            </p:txBody>
+          </p:sp>
+          <p:sp>
+            <p:nvSpPr>
+              <p:cNvPr id="51" name="Cube 50">
+                <a:extLst>
+                  <a:ext uri="{FF2B5EF4-FFF2-40B4-BE49-F238E27FC236}">
+                    <a16:creationId xmlns:a16="http://schemas.microsoft.com/office/drawing/2014/main" id="{907C0EDD-79D7-B74B-87AA-5824F0F5A576}"/>
+                  </a:ext>
+                </a:extLst>
+              </p:cNvPr>
+              <p:cNvSpPr>
+                <a:spLocks noChangeAspect="1"/>
+              </p:cNvSpPr>
+              <p:nvPr/>
+            </p:nvSpPr>
+            <p:spPr>
+              <a:xfrm>
+                <a:off x="9882501" y="3380438"/>
+                <a:ext cx="182880" cy="182880"/>
+              </a:xfrm>
+              <a:prstGeom prst="cube">
+                <a:avLst/>
+              </a:prstGeom>
+              <a:solidFill>
+                <a:schemeClr val="accent4">
+                  <a:lumMod val="75000"/>
+                </a:schemeClr>
+              </a:solidFill>
+              <a:ln>
+                <a:solidFill>
+                  <a:schemeClr val="tx1"/>
+                </a:solidFill>
+              </a:ln>
+            </p:spPr>
+            <p:style>
+              <a:lnRef idx="2">
+                <a:schemeClr val="accent1">
+                  <a:shade val="50000"/>
+                </a:schemeClr>
+              </a:lnRef>
+              <a:fillRef idx="1">
+                <a:schemeClr val="accent1"/>
+              </a:fillRef>
+              <a:effectRef idx="0">
+                <a:schemeClr val="accent1"/>
+              </a:effectRef>
+              <a:fontRef idx="minor">
+                <a:schemeClr val="lt1"/>
+              </a:fontRef>
+            </p:style>
+            <p:txBody>
+              <a:bodyPr rtlCol="0" anchor="ctr"/>
+              <a:lstStyle/>
+              <a:p>
+                <a:pPr algn="ctr"/>
+                <a:endParaRPr lang="en-US"/>
+              </a:p>
+            </p:txBody>
+          </p:sp>
+          <p:sp>
+            <p:nvSpPr>
+              <p:cNvPr id="52" name="Cube 51">
+                <a:extLst>
+                  <a:ext uri="{FF2B5EF4-FFF2-40B4-BE49-F238E27FC236}">
+                    <a16:creationId xmlns:a16="http://schemas.microsoft.com/office/drawing/2014/main" id="{492FF1B8-D55D-3845-BFA8-8AF11236D867}"/>
+                  </a:ext>
+                </a:extLst>
+              </p:cNvPr>
+              <p:cNvSpPr>
+                <a:spLocks noChangeAspect="1"/>
+              </p:cNvSpPr>
+              <p:nvPr/>
+            </p:nvSpPr>
+            <p:spPr>
+              <a:xfrm>
+                <a:off x="10065381" y="3380438"/>
+                <a:ext cx="182880" cy="182880"/>
+              </a:xfrm>
+              <a:prstGeom prst="cube">
+                <a:avLst/>
+              </a:prstGeom>
+              <a:solidFill>
+                <a:schemeClr val="accent4">
+                  <a:lumMod val="75000"/>
+                </a:schemeClr>
+              </a:solidFill>
+              <a:ln>
+                <a:solidFill>
+                  <a:schemeClr val="tx1"/>
+                </a:solidFill>
+              </a:ln>
+            </p:spPr>
+            <p:style>
+              <a:lnRef idx="2">
+                <a:schemeClr val="accent1">
+                  <a:shade val="50000"/>
+                </a:schemeClr>
+              </a:lnRef>
+              <a:fillRef idx="1">
+                <a:schemeClr val="accent1"/>
+              </a:fillRef>
+              <a:effectRef idx="0">
+                <a:schemeClr val="accent1"/>
+              </a:effectRef>
+              <a:fontRef idx="minor">
+                <a:schemeClr val="lt1"/>
+              </a:fontRef>
+            </p:style>
+            <p:txBody>
+              <a:bodyPr rtlCol="0" anchor="ctr"/>
+              <a:lstStyle/>
+              <a:p>
+                <a:pPr algn="ctr"/>
+                <a:endParaRPr lang="en-US"/>
+              </a:p>
+            </p:txBody>
+          </p:sp>
+          <p:sp>
+            <p:nvSpPr>
+              <p:cNvPr id="53" name="Cube 52">
+                <a:extLst>
+                  <a:ext uri="{FF2B5EF4-FFF2-40B4-BE49-F238E27FC236}">
+                    <a16:creationId xmlns:a16="http://schemas.microsoft.com/office/drawing/2014/main" id="{38225C8D-3682-7649-87E2-2547A62F90CF}"/>
+                  </a:ext>
+                </a:extLst>
+              </p:cNvPr>
+              <p:cNvSpPr>
+                <a:spLocks noChangeAspect="1"/>
+              </p:cNvSpPr>
+              <p:nvPr/>
+            </p:nvSpPr>
+            <p:spPr>
+              <a:xfrm>
+                <a:off x="10248261" y="3492599"/>
+                <a:ext cx="182880" cy="182880"/>
+              </a:xfrm>
+              <a:prstGeom prst="cube">
+                <a:avLst/>
+              </a:prstGeom>
+              <a:solidFill>
+                <a:schemeClr val="accent4">
+                  <a:lumMod val="75000"/>
+                </a:schemeClr>
+              </a:solidFill>
+              <a:ln>
+                <a:solidFill>
+                  <a:schemeClr val="tx1"/>
+                </a:solidFill>
+              </a:ln>
+            </p:spPr>
+            <p:style>
+              <a:lnRef idx="2">
+                <a:schemeClr val="accent1">
+                  <a:shade val="50000"/>
+                </a:schemeClr>
+              </a:lnRef>
+              <a:fillRef idx="1">
+                <a:schemeClr val="accent1"/>
+              </a:fillRef>
+              <a:effectRef idx="0">
+                <a:schemeClr val="accent1"/>
+              </a:effectRef>
+              <a:fontRef idx="minor">
+                <a:schemeClr val="lt1"/>
+              </a:fontRef>
+            </p:style>
+            <p:txBody>
+              <a:bodyPr rtlCol="0" anchor="ctr"/>
+              <a:lstStyle/>
+              <a:p>
+                <a:pPr algn="ctr"/>
+                <a:endParaRPr lang="en-US"/>
+              </a:p>
+            </p:txBody>
+          </p:sp>
+          <p:sp>
+            <p:nvSpPr>
+              <p:cNvPr id="54" name="Cube 53">
+                <a:extLst>
+                  <a:ext uri="{FF2B5EF4-FFF2-40B4-BE49-F238E27FC236}">
+                    <a16:creationId xmlns:a16="http://schemas.microsoft.com/office/drawing/2014/main" id="{79A89411-94AB-644D-BE7C-1E955FBFCF05}"/>
+                  </a:ext>
+                </a:extLst>
+              </p:cNvPr>
+              <p:cNvSpPr>
+                <a:spLocks noChangeAspect="1"/>
+              </p:cNvSpPr>
+              <p:nvPr/>
+            </p:nvSpPr>
+            <p:spPr>
+              <a:xfrm>
+                <a:off x="10248261" y="3380438"/>
+                <a:ext cx="182880" cy="182880"/>
+              </a:xfrm>
+              <a:prstGeom prst="cube">
+                <a:avLst/>
+              </a:prstGeom>
+              <a:solidFill>
+                <a:schemeClr val="accent4">
+                  <a:lumMod val="75000"/>
+                </a:schemeClr>
+              </a:solidFill>
+              <a:ln>
+                <a:solidFill>
+                  <a:schemeClr val="tx1"/>
+                </a:solidFill>
+              </a:ln>
+            </p:spPr>
+            <p:style>
+              <a:lnRef idx="2">
+                <a:schemeClr val="accent1">
+                  <a:shade val="50000"/>
+                </a:schemeClr>
+              </a:lnRef>
+              <a:fillRef idx="1">
+                <a:schemeClr val="accent1"/>
+              </a:fillRef>
+              <a:effectRef idx="0">
+                <a:schemeClr val="accent1"/>
+              </a:effectRef>
+              <a:fontRef idx="minor">
+                <a:schemeClr val="lt1"/>
+              </a:fontRef>
+            </p:style>
+            <p:txBody>
+              <a:bodyPr rtlCol="0" anchor="ctr"/>
+              <a:lstStyle/>
+              <a:p>
+                <a:pPr algn="ctr"/>
+                <a:endParaRPr lang="en-US"/>
+              </a:p>
+            </p:txBody>
+          </p:sp>
+          <p:sp>
+            <p:nvSpPr>
+              <p:cNvPr id="55" name="Cube 54">
+                <a:extLst>
+                  <a:ext uri="{FF2B5EF4-FFF2-40B4-BE49-F238E27FC236}">
+                    <a16:creationId xmlns:a16="http://schemas.microsoft.com/office/drawing/2014/main" id="{1A3052B5-D92D-2A46-BE1F-8AD6B7F1A782}"/>
+                  </a:ext>
+                </a:extLst>
+              </p:cNvPr>
+              <p:cNvSpPr>
+                <a:spLocks noChangeAspect="1"/>
+              </p:cNvSpPr>
+              <p:nvPr/>
+            </p:nvSpPr>
+            <p:spPr>
+              <a:xfrm>
+                <a:off x="9699621" y="3492599"/>
+                <a:ext cx="182880" cy="182880"/>
+              </a:xfrm>
+              <a:prstGeom prst="cube">
+                <a:avLst/>
+              </a:prstGeom>
+              <a:solidFill>
+                <a:schemeClr val="accent4">
+                  <a:lumMod val="75000"/>
+                </a:schemeClr>
+              </a:solidFill>
+              <a:ln>
+                <a:solidFill>
+                  <a:schemeClr val="tx1"/>
+                </a:solidFill>
+              </a:ln>
+            </p:spPr>
+            <p:style>
+              <a:lnRef idx="2">
+                <a:schemeClr val="accent1">
+                  <a:shade val="50000"/>
+                </a:schemeClr>
+              </a:lnRef>
+              <a:fillRef idx="1">
+                <a:schemeClr val="accent1"/>
+              </a:fillRef>
+              <a:effectRef idx="0">
+                <a:schemeClr val="accent1"/>
+              </a:effectRef>
+              <a:fontRef idx="minor">
+                <a:schemeClr val="lt1"/>
+              </a:fontRef>
+            </p:style>
+            <p:txBody>
+              <a:bodyPr rtlCol="0" anchor="ctr"/>
+              <a:lstStyle/>
+              <a:p>
+                <a:pPr algn="ctr"/>
+                <a:endParaRPr lang="en-US"/>
+              </a:p>
+            </p:txBody>
+          </p:sp>
+          <p:sp>
+            <p:nvSpPr>
+              <p:cNvPr id="56" name="Cube 55">
+                <a:extLst>
+                  <a:ext uri="{FF2B5EF4-FFF2-40B4-BE49-F238E27FC236}">
+                    <a16:creationId xmlns:a16="http://schemas.microsoft.com/office/drawing/2014/main" id="{CB9B218A-59E9-9341-B479-E66449D13E9B}"/>
+                  </a:ext>
+                </a:extLst>
+              </p:cNvPr>
+              <p:cNvSpPr>
+                <a:spLocks noChangeAspect="1"/>
+              </p:cNvSpPr>
+              <p:nvPr/>
+            </p:nvSpPr>
+            <p:spPr>
+              <a:xfrm>
+                <a:off x="9699621" y="3380438"/>
+                <a:ext cx="182880" cy="182880"/>
+              </a:xfrm>
+              <a:prstGeom prst="cube">
+                <a:avLst/>
+              </a:prstGeom>
+              <a:solidFill>
+                <a:schemeClr val="accent4">
+                  <a:lumMod val="75000"/>
+                </a:schemeClr>
+              </a:solidFill>
+              <a:ln>
+                <a:solidFill>
+                  <a:schemeClr val="tx1"/>
+                </a:solidFill>
+              </a:ln>
+            </p:spPr>
+            <p:style>
+              <a:lnRef idx="2">
+                <a:schemeClr val="accent1">
+                  <a:shade val="50000"/>
+                </a:schemeClr>
+              </a:lnRef>
+              <a:fillRef idx="1">
+                <a:schemeClr val="accent1"/>
+              </a:fillRef>
+              <a:effectRef idx="0">
+                <a:schemeClr val="accent1"/>
+              </a:effectRef>
+              <a:fontRef idx="minor">
+                <a:schemeClr val="lt1"/>
+              </a:fontRef>
+            </p:style>
+            <p:txBody>
+              <a:bodyPr rtlCol="0" anchor="ctr"/>
+              <a:lstStyle/>
+              <a:p>
+                <a:pPr algn="ctr"/>
+                <a:endParaRPr lang="en-US"/>
+              </a:p>
+            </p:txBody>
+          </p:sp>
+        </p:grpSp>
+        <p:sp>
+          <p:nvSpPr>
+            <p:cNvPr id="47" name="TextBox 46">
+              <a:extLst>
+                <a:ext uri="{FF2B5EF4-FFF2-40B4-BE49-F238E27FC236}">
+                  <a16:creationId xmlns:a16="http://schemas.microsoft.com/office/drawing/2014/main" id="{38E4C2D0-CBCC-0F4D-8472-04AE43C6B5E1}"/>
+                </a:ext>
+              </a:extLst>
+            </p:cNvPr>
+            <p:cNvSpPr txBox="1"/>
+            <p:nvPr/>
+          </p:nvSpPr>
+          <p:spPr>
+            <a:xfrm>
+              <a:off x="2993815" y="3285849"/>
+              <a:ext cx="1723421" cy="369332"/>
+            </a:xfrm>
+            <a:prstGeom prst="rect">
+              <a:avLst/>
+            </a:prstGeom>
+            <a:noFill/>
+          </p:spPr>
+          <p:txBody>
+            <a:bodyPr wrap="none" rtlCol="0">
+              <a:spAutoFit/>
+            </a:bodyPr>
+            <a:lstStyle/>
+            <a:p>
+              <a:r>
+                <a:rPr lang="en-US" dirty="0">
+                  <a:solidFill>
+                    <a:schemeClr val="accent1">
+                      <a:lumMod val="75000"/>
+                    </a:schemeClr>
+                  </a:solidFill>
+                </a:rPr>
+                <a:t>Dense Obstacles</a:t>
+              </a:r>
+            </a:p>
+          </p:txBody>
+        </p:sp>
+        <p:cxnSp>
+          <p:nvCxnSpPr>
+            <p:cNvPr id="48" name="Curved Connector 47">
+              <a:extLst>
+                <a:ext uri="{FF2B5EF4-FFF2-40B4-BE49-F238E27FC236}">
+                  <a16:creationId xmlns:a16="http://schemas.microsoft.com/office/drawing/2014/main" id="{9ABE6B28-4D56-124C-B646-0AD32FB8C7F5}"/>
+                </a:ext>
+              </a:extLst>
+            </p:cNvPr>
+            <p:cNvCxnSpPr>
+              <a:cxnSpLocks/>
+              <a:stCxn id="47" idx="0"/>
+            </p:cNvCxnSpPr>
+            <p:nvPr/>
+          </p:nvCxnSpPr>
+          <p:spPr>
+            <a:xfrm rot="16200000" flipV="1">
+              <a:off x="3104977" y="2535300"/>
+              <a:ext cx="832824" cy="668274"/>
+            </a:xfrm>
+            <a:prstGeom prst="curvedConnector3">
+              <a:avLst/>
+            </a:prstGeom>
+            <a:ln w="38100">
+              <a:solidFill>
+                <a:schemeClr val="accent1"/>
+              </a:solidFill>
+              <a:tailEnd type="triangle"/>
+            </a:ln>
+          </p:spPr>
+          <p:style>
+            <a:lnRef idx="1">
+              <a:schemeClr val="accent1"/>
+            </a:lnRef>
+            <a:fillRef idx="0">
+              <a:schemeClr val="accent1"/>
+            </a:fillRef>
+            <a:effectRef idx="0">
+              <a:schemeClr val="accent1"/>
+            </a:effectRef>
+            <a:fontRef idx="minor">
+              <a:schemeClr val="tx1"/>
+            </a:fontRef>
+          </p:style>
+        </p:cxnSp>
+      </p:grpSp>
+    </p:spTree>
+    <p:extLst>
+      <p:ext uri="{BB962C8B-B14F-4D97-AF65-F5344CB8AC3E}">
+        <p14:creationId xmlns:p14="http://schemas.microsoft.com/office/powerpoint/2010/main" val="2211885226"/>
+      </p:ext>
+    </p:extLst>
+  </p:cSld>
+  <p:clrMapOvr>
+    <a:masterClrMapping/>
+  </p:clrMapOvr>
+</p:sld>
+</file>
+
+<file path=ppt/slides/slide8.xml><?xml version="1.0" encoding="utf-8"?>
+<p:sld xmlns:a="http://schemas.openxmlformats.org/drawingml/2006/main" xmlns:r="http://schemas.openxmlformats.org/officeDocument/2006/relationships" xmlns:p="http://schemas.openxmlformats.org/presentationml/2006/main">
+  <p:cSld>
+    <p:spTree>
+      <p:nvGrpSpPr>
+        <p:cNvPr id="1" name=""/>
+        <p:cNvGrpSpPr/>
+        <p:nvPr/>
+      </p:nvGrpSpPr>
+      <p:grpSpPr>
+        <a:xfrm>
+          <a:off x="0" y="0"/>
+          <a:ext cx="0" cy="0"/>
+          <a:chOff x="0" y="0"/>
+          <a:chExt cx="0" cy="0"/>
+        </a:xfrm>
+      </p:grpSpPr>
+      <p:pic>
+        <p:nvPicPr>
+          <p:cNvPr id="2" name="Picture 1">
+            <a:extLst>
+              <a:ext uri="{FF2B5EF4-FFF2-40B4-BE49-F238E27FC236}">
                 <a16:creationId xmlns:a16="http://schemas.microsoft.com/office/drawing/2014/main" id="{4017638D-9455-F042-B24B-636249977D9B}"/>
               </a:ext>
             </a:extLst>
@@ -17274,7 +22064,7 @@
 </p:sld>
 </file>
 
-<file path=ppt/slides/slide8.xml><?xml version="1.0" encoding="utf-8"?>
+<file path=ppt/slides/slide9.xml><?xml version="1.0" encoding="utf-8"?>
 <p:sld xmlns:a="http://schemas.openxmlformats.org/drawingml/2006/main" xmlns:r="http://schemas.openxmlformats.org/officeDocument/2006/relationships" xmlns:p="http://schemas.openxmlformats.org/presentationml/2006/main">
   <p:cSld>
     <p:spTree>
@@ -19200,2233 +23990,6 @@
 </p:sld>
 </file>
 
-<file path=ppt/slides/slide9.xml><?xml version="1.0" encoding="utf-8"?>
-<p:sld xmlns:a="http://schemas.openxmlformats.org/drawingml/2006/main" xmlns:r="http://schemas.openxmlformats.org/officeDocument/2006/relationships" xmlns:p="http://schemas.openxmlformats.org/presentationml/2006/main">
-  <p:cSld>
-    <p:spTree>
-      <p:nvGrpSpPr>
-        <p:cNvPr id="1" name=""/>
-        <p:cNvGrpSpPr/>
-        <p:nvPr/>
-      </p:nvGrpSpPr>
-      <p:grpSpPr>
-        <a:xfrm>
-          <a:off x="0" y="0"/>
-          <a:ext cx="0" cy="0"/>
-          <a:chOff x="0" y="0"/>
-          <a:chExt cx="0" cy="0"/>
-        </a:xfrm>
-      </p:grpSpPr>
-      <p:pic>
-        <p:nvPicPr>
-          <p:cNvPr id="2" name="Picture 1">
-            <a:extLst>
-              <a:ext uri="{FF2B5EF4-FFF2-40B4-BE49-F238E27FC236}">
-                <a16:creationId xmlns:a16="http://schemas.microsoft.com/office/drawing/2014/main" id="{D9E41CB3-BB12-CD47-AB36-2910CC3F8640}"/>
-              </a:ext>
-            </a:extLst>
-          </p:cNvPr>
-          <p:cNvPicPr>
-            <a:picLocks noChangeAspect="1"/>
-          </p:cNvPicPr>
-          <p:nvPr/>
-        </p:nvPicPr>
-        <p:blipFill rotWithShape="1">
-          <a:blip r:embed="rId2"/>
-          <a:srcRect t="8798" r="51455" b="56701"/>
-          <a:stretch/>
-        </p:blipFill>
-        <p:spPr>
-          <a:xfrm>
-            <a:off x="0" y="0"/>
-            <a:ext cx="6645135" cy="3657600"/>
-          </a:xfrm>
-          <a:prstGeom prst="rect">
-            <a:avLst/>
-          </a:prstGeom>
-        </p:spPr>
-      </p:pic>
-      <p:sp>
-        <p:nvSpPr>
-          <p:cNvPr id="3" name="5-Point Star 2">
-            <a:extLst>
-              <a:ext uri="{FF2B5EF4-FFF2-40B4-BE49-F238E27FC236}">
-                <a16:creationId xmlns:a16="http://schemas.microsoft.com/office/drawing/2014/main" id="{B740579F-6972-4848-BF33-080FC811BFC4}"/>
-              </a:ext>
-            </a:extLst>
-          </p:cNvPr>
-          <p:cNvSpPr>
-            <a:spLocks noChangeAspect="1"/>
-          </p:cNvSpPr>
-          <p:nvPr/>
-        </p:nvSpPr>
-        <p:spPr>
-          <a:xfrm>
-            <a:off x="6179004" y="2145402"/>
-            <a:ext cx="365760" cy="365760"/>
-          </a:xfrm>
-          <a:prstGeom prst="star5">
-            <a:avLst/>
-          </a:prstGeom>
-          <a:solidFill>
-            <a:srgbClr val="CC79A7"/>
-          </a:solidFill>
-          <a:ln>
-            <a:solidFill>
-              <a:schemeClr val="accent1">
-                <a:lumMod val="50000"/>
-              </a:schemeClr>
-            </a:solidFill>
-          </a:ln>
-        </p:spPr>
-        <p:style>
-          <a:lnRef idx="2">
-            <a:schemeClr val="accent1">
-              <a:shade val="50000"/>
-            </a:schemeClr>
-          </a:lnRef>
-          <a:fillRef idx="1">
-            <a:schemeClr val="accent1"/>
-          </a:fillRef>
-          <a:effectRef idx="0">
-            <a:schemeClr val="accent1"/>
-          </a:effectRef>
-          <a:fontRef idx="minor">
-            <a:schemeClr val="lt1"/>
-          </a:fontRef>
-        </p:style>
-        <p:txBody>
-          <a:bodyPr rtlCol="0" anchor="ctr"/>
-          <a:lstStyle/>
-          <a:p>
-            <a:pPr algn="ctr"/>
-            <a:endParaRPr lang="en-US"/>
-          </a:p>
-        </p:txBody>
-      </p:sp>
-      <p:grpSp>
-        <p:nvGrpSpPr>
-          <p:cNvPr id="4" name="Group 3">
-            <a:extLst>
-              <a:ext uri="{FF2B5EF4-FFF2-40B4-BE49-F238E27FC236}">
-                <a16:creationId xmlns:a16="http://schemas.microsoft.com/office/drawing/2014/main" id="{D92058EE-C0BB-6A43-853B-9F2B739E9989}"/>
-              </a:ext>
-            </a:extLst>
-          </p:cNvPr>
-          <p:cNvGrpSpPr/>
-          <p:nvPr/>
-        </p:nvGrpSpPr>
-        <p:grpSpPr>
-          <a:xfrm>
-            <a:off x="4404041" y="832825"/>
-            <a:ext cx="365760" cy="295041"/>
-            <a:chOff x="7803055" y="2574583"/>
-            <a:chExt cx="365760" cy="295041"/>
-          </a:xfrm>
-        </p:grpSpPr>
-        <p:sp>
-          <p:nvSpPr>
-            <p:cNvPr id="5" name="Cube 4">
-              <a:extLst>
-                <a:ext uri="{FF2B5EF4-FFF2-40B4-BE49-F238E27FC236}">
-                  <a16:creationId xmlns:a16="http://schemas.microsoft.com/office/drawing/2014/main" id="{C3324DF0-69D4-BB42-A893-4A3FB0B7E4D2}"/>
-                </a:ext>
-              </a:extLst>
-            </p:cNvPr>
-            <p:cNvSpPr>
-              <a:spLocks noChangeAspect="1"/>
-            </p:cNvSpPr>
-            <p:nvPr/>
-          </p:nvSpPr>
-          <p:spPr>
-            <a:xfrm>
-              <a:off x="7803055" y="2686744"/>
-              <a:ext cx="182880" cy="182880"/>
-            </a:xfrm>
-            <a:prstGeom prst="cube">
-              <a:avLst/>
-            </a:prstGeom>
-            <a:solidFill>
-              <a:schemeClr val="accent4">
-                <a:lumMod val="75000"/>
-              </a:schemeClr>
-            </a:solidFill>
-            <a:ln>
-              <a:solidFill>
-                <a:schemeClr val="tx1"/>
-              </a:solidFill>
-            </a:ln>
-          </p:spPr>
-          <p:style>
-            <a:lnRef idx="2">
-              <a:schemeClr val="accent1">
-                <a:shade val="50000"/>
-              </a:schemeClr>
-            </a:lnRef>
-            <a:fillRef idx="1">
-              <a:schemeClr val="accent1"/>
-            </a:fillRef>
-            <a:effectRef idx="0">
-              <a:schemeClr val="accent1"/>
-            </a:effectRef>
-            <a:fontRef idx="minor">
-              <a:schemeClr val="lt1"/>
-            </a:fontRef>
-          </p:style>
-          <p:txBody>
-            <a:bodyPr rtlCol="0" anchor="ctr"/>
-            <a:lstStyle/>
-            <a:p>
-              <a:pPr algn="ctr"/>
-              <a:endParaRPr lang="en-US"/>
-            </a:p>
-          </p:txBody>
-        </p:sp>
-        <p:sp>
-          <p:nvSpPr>
-            <p:cNvPr id="6" name="Cube 5">
-              <a:extLst>
-                <a:ext uri="{FF2B5EF4-FFF2-40B4-BE49-F238E27FC236}">
-                  <a16:creationId xmlns:a16="http://schemas.microsoft.com/office/drawing/2014/main" id="{54D82BCA-104F-1042-9203-BF71946E5941}"/>
-                </a:ext>
-              </a:extLst>
-            </p:cNvPr>
-            <p:cNvSpPr>
-              <a:spLocks noChangeAspect="1"/>
-            </p:cNvSpPr>
-            <p:nvPr/>
-          </p:nvSpPr>
-          <p:spPr>
-            <a:xfrm>
-              <a:off x="7985935" y="2686744"/>
-              <a:ext cx="182880" cy="182880"/>
-            </a:xfrm>
-            <a:prstGeom prst="cube">
-              <a:avLst/>
-            </a:prstGeom>
-            <a:solidFill>
-              <a:schemeClr val="accent4">
-                <a:lumMod val="75000"/>
-              </a:schemeClr>
-            </a:solidFill>
-            <a:ln>
-              <a:solidFill>
-                <a:schemeClr val="tx1"/>
-              </a:solidFill>
-            </a:ln>
-          </p:spPr>
-          <p:style>
-            <a:lnRef idx="2">
-              <a:schemeClr val="accent1">
-                <a:shade val="50000"/>
-              </a:schemeClr>
-            </a:lnRef>
-            <a:fillRef idx="1">
-              <a:schemeClr val="accent1"/>
-            </a:fillRef>
-            <a:effectRef idx="0">
-              <a:schemeClr val="accent1"/>
-            </a:effectRef>
-            <a:fontRef idx="minor">
-              <a:schemeClr val="lt1"/>
-            </a:fontRef>
-          </p:style>
-          <p:txBody>
-            <a:bodyPr rtlCol="0" anchor="ctr"/>
-            <a:lstStyle/>
-            <a:p>
-              <a:pPr algn="ctr"/>
-              <a:endParaRPr lang="en-US"/>
-            </a:p>
-          </p:txBody>
-        </p:sp>
-        <p:sp>
-          <p:nvSpPr>
-            <p:cNvPr id="7" name="Cube 6">
-              <a:extLst>
-                <a:ext uri="{FF2B5EF4-FFF2-40B4-BE49-F238E27FC236}">
-                  <a16:creationId xmlns:a16="http://schemas.microsoft.com/office/drawing/2014/main" id="{40203DAB-0A86-DC48-86A8-BDC47C28E6E0}"/>
-                </a:ext>
-              </a:extLst>
-            </p:cNvPr>
-            <p:cNvSpPr>
-              <a:spLocks noChangeAspect="1"/>
-            </p:cNvSpPr>
-            <p:nvPr/>
-          </p:nvSpPr>
-          <p:spPr>
-            <a:xfrm>
-              <a:off x="7803055" y="2574583"/>
-              <a:ext cx="182880" cy="182880"/>
-            </a:xfrm>
-            <a:prstGeom prst="cube">
-              <a:avLst/>
-            </a:prstGeom>
-            <a:solidFill>
-              <a:schemeClr val="accent4">
-                <a:lumMod val="75000"/>
-              </a:schemeClr>
-            </a:solidFill>
-            <a:ln>
-              <a:solidFill>
-                <a:schemeClr val="tx1"/>
-              </a:solidFill>
-            </a:ln>
-          </p:spPr>
-          <p:style>
-            <a:lnRef idx="2">
-              <a:schemeClr val="accent1">
-                <a:shade val="50000"/>
-              </a:schemeClr>
-            </a:lnRef>
-            <a:fillRef idx="1">
-              <a:schemeClr val="accent1"/>
-            </a:fillRef>
-            <a:effectRef idx="0">
-              <a:schemeClr val="accent1"/>
-            </a:effectRef>
-            <a:fontRef idx="minor">
-              <a:schemeClr val="lt1"/>
-            </a:fontRef>
-          </p:style>
-          <p:txBody>
-            <a:bodyPr rtlCol="0" anchor="ctr"/>
-            <a:lstStyle/>
-            <a:p>
-              <a:pPr algn="ctr"/>
-              <a:endParaRPr lang="en-US"/>
-            </a:p>
-          </p:txBody>
-        </p:sp>
-        <p:sp>
-          <p:nvSpPr>
-            <p:cNvPr id="8" name="Cube 7">
-              <a:extLst>
-                <a:ext uri="{FF2B5EF4-FFF2-40B4-BE49-F238E27FC236}">
-                  <a16:creationId xmlns:a16="http://schemas.microsoft.com/office/drawing/2014/main" id="{7B007A7A-EA11-C84F-82DC-1A739803B685}"/>
-                </a:ext>
-              </a:extLst>
-            </p:cNvPr>
-            <p:cNvSpPr>
-              <a:spLocks noChangeAspect="1"/>
-            </p:cNvSpPr>
-            <p:nvPr/>
-          </p:nvSpPr>
-          <p:spPr>
-            <a:xfrm>
-              <a:off x="7985935" y="2574583"/>
-              <a:ext cx="182880" cy="182880"/>
-            </a:xfrm>
-            <a:prstGeom prst="cube">
-              <a:avLst/>
-            </a:prstGeom>
-            <a:solidFill>
-              <a:schemeClr val="accent4">
-                <a:lumMod val="75000"/>
-              </a:schemeClr>
-            </a:solidFill>
-            <a:ln>
-              <a:solidFill>
-                <a:schemeClr val="tx1"/>
-              </a:solidFill>
-            </a:ln>
-          </p:spPr>
-          <p:style>
-            <a:lnRef idx="2">
-              <a:schemeClr val="accent1">
-                <a:shade val="50000"/>
-              </a:schemeClr>
-            </a:lnRef>
-            <a:fillRef idx="1">
-              <a:schemeClr val="accent1"/>
-            </a:fillRef>
-            <a:effectRef idx="0">
-              <a:schemeClr val="accent1"/>
-            </a:effectRef>
-            <a:fontRef idx="minor">
-              <a:schemeClr val="lt1"/>
-            </a:fontRef>
-          </p:style>
-          <p:txBody>
-            <a:bodyPr rtlCol="0" anchor="ctr"/>
-            <a:lstStyle/>
-            <a:p>
-              <a:pPr algn="ctr"/>
-              <a:endParaRPr lang="en-US"/>
-            </a:p>
-          </p:txBody>
-        </p:sp>
-      </p:grpSp>
-      <p:pic>
-        <p:nvPicPr>
-          <p:cNvPr id="9" name="Picture 8">
-            <a:extLst>
-              <a:ext uri="{FF2B5EF4-FFF2-40B4-BE49-F238E27FC236}">
-                <a16:creationId xmlns:a16="http://schemas.microsoft.com/office/drawing/2014/main" id="{B189E062-2BF8-3045-9566-80AD769BB231}"/>
-              </a:ext>
-            </a:extLst>
-          </p:cNvPr>
-          <p:cNvPicPr>
-            <a:picLocks noChangeAspect="1"/>
-          </p:cNvPicPr>
-          <p:nvPr/>
-        </p:nvPicPr>
-        <p:blipFill rotWithShape="1">
-          <a:blip r:embed="rId3"/>
-          <a:srcRect l="26302" t="1905" r="24095"/>
-          <a:stretch/>
-        </p:blipFill>
-        <p:spPr>
-          <a:xfrm>
-            <a:off x="133213" y="1871082"/>
-            <a:ext cx="431549" cy="640080"/>
-          </a:xfrm>
-          <a:prstGeom prst="rect">
-            <a:avLst/>
-          </a:prstGeom>
-        </p:spPr>
-      </p:pic>
-      <p:cxnSp>
-        <p:nvCxnSpPr>
-          <p:cNvPr id="10" name="Elbow Connector 9">
-            <a:extLst>
-              <a:ext uri="{FF2B5EF4-FFF2-40B4-BE49-F238E27FC236}">
-                <a16:creationId xmlns:a16="http://schemas.microsoft.com/office/drawing/2014/main" id="{B5B7ED13-49ED-324B-B8AD-EDB8D0DE3943}"/>
-              </a:ext>
-            </a:extLst>
-          </p:cNvPr>
-          <p:cNvCxnSpPr>
-            <a:cxnSpLocks/>
-          </p:cNvCxnSpPr>
-          <p:nvPr/>
-        </p:nvCxnSpPr>
-        <p:spPr>
-          <a:xfrm flipV="1">
-            <a:off x="564762" y="1159480"/>
-            <a:ext cx="3457740" cy="1246776"/>
-          </a:xfrm>
-          <a:prstGeom prst="bentConnector3">
-            <a:avLst>
-              <a:gd name="adj1" fmla="val 54068"/>
-            </a:avLst>
-          </a:prstGeom>
-          <a:ln w="76200">
-            <a:solidFill>
-              <a:srgbClr val="0000FF"/>
-            </a:solidFill>
-            <a:tailEnd type="triangle"/>
-          </a:ln>
-        </p:spPr>
-        <p:style>
-          <a:lnRef idx="1">
-            <a:schemeClr val="accent1"/>
-          </a:lnRef>
-          <a:fillRef idx="0">
-            <a:schemeClr val="accent1"/>
-          </a:fillRef>
-          <a:effectRef idx="0">
-            <a:schemeClr val="accent1"/>
-          </a:effectRef>
-          <a:fontRef idx="minor">
-            <a:schemeClr val="tx1"/>
-          </a:fontRef>
-        </p:style>
-      </p:cxnSp>
-      <p:cxnSp>
-        <p:nvCxnSpPr>
-          <p:cNvPr id="11" name="Straight Arrow Connector 10">
-            <a:extLst>
-              <a:ext uri="{FF2B5EF4-FFF2-40B4-BE49-F238E27FC236}">
-                <a16:creationId xmlns:a16="http://schemas.microsoft.com/office/drawing/2014/main" id="{54B71FC6-C3BC-A245-B636-531BA401FF29}"/>
-              </a:ext>
-            </a:extLst>
-          </p:cNvPr>
-          <p:cNvCxnSpPr/>
-          <p:nvPr/>
-        </p:nvCxnSpPr>
-        <p:spPr>
-          <a:xfrm>
-            <a:off x="4022502" y="1159479"/>
-            <a:ext cx="1240637" cy="0"/>
-          </a:xfrm>
-          <a:prstGeom prst="straightConnector1">
-            <a:avLst/>
-          </a:prstGeom>
-          <a:ln w="76200">
-            <a:solidFill>
-              <a:srgbClr val="87CEEB"/>
-            </a:solidFill>
-            <a:tailEnd type="triangle"/>
-          </a:ln>
-        </p:spPr>
-        <p:style>
-          <a:lnRef idx="1">
-            <a:schemeClr val="accent1"/>
-          </a:lnRef>
-          <a:fillRef idx="0">
-            <a:schemeClr val="accent1"/>
-          </a:fillRef>
-          <a:effectRef idx="0">
-            <a:schemeClr val="accent1"/>
-          </a:effectRef>
-          <a:fontRef idx="minor">
-            <a:schemeClr val="tx1"/>
-          </a:fontRef>
-        </p:style>
-      </p:cxnSp>
-      <p:cxnSp>
-        <p:nvCxnSpPr>
-          <p:cNvPr id="12" name="Elbow Connector 11">
-            <a:extLst>
-              <a:ext uri="{FF2B5EF4-FFF2-40B4-BE49-F238E27FC236}">
-                <a16:creationId xmlns:a16="http://schemas.microsoft.com/office/drawing/2014/main" id="{D2FB8DEE-B068-EA45-B3C5-432DEB1546B5}"/>
-              </a:ext>
-            </a:extLst>
-          </p:cNvPr>
-          <p:cNvCxnSpPr>
-            <a:cxnSpLocks/>
-          </p:cNvCxnSpPr>
-          <p:nvPr/>
-        </p:nvCxnSpPr>
-        <p:spPr>
-          <a:xfrm>
-            <a:off x="5263139" y="1159479"/>
-            <a:ext cx="1171495" cy="951736"/>
-          </a:xfrm>
-          <a:prstGeom prst="bentConnector3">
-            <a:avLst>
-              <a:gd name="adj1" fmla="val 100178"/>
-            </a:avLst>
-          </a:prstGeom>
-          <a:ln w="76200">
-            <a:solidFill>
-              <a:srgbClr val="0000FF"/>
-            </a:solidFill>
-            <a:tailEnd type="triangle"/>
-          </a:ln>
-        </p:spPr>
-        <p:style>
-          <a:lnRef idx="1">
-            <a:schemeClr val="accent1"/>
-          </a:lnRef>
-          <a:fillRef idx="0">
-            <a:schemeClr val="accent1"/>
-          </a:fillRef>
-          <a:effectRef idx="0">
-            <a:schemeClr val="accent1"/>
-          </a:effectRef>
-          <a:fontRef idx="minor">
-            <a:schemeClr val="tx1"/>
-          </a:fontRef>
-        </p:style>
-      </p:cxnSp>
-      <p:grpSp>
-        <p:nvGrpSpPr>
-          <p:cNvPr id="13" name="Group 12">
-            <a:extLst>
-              <a:ext uri="{FF2B5EF4-FFF2-40B4-BE49-F238E27FC236}">
-                <a16:creationId xmlns:a16="http://schemas.microsoft.com/office/drawing/2014/main" id="{BB6C4114-63E9-C44F-A30D-71FBCDEB5FFD}"/>
-              </a:ext>
-            </a:extLst>
-          </p:cNvPr>
-          <p:cNvGrpSpPr/>
-          <p:nvPr/>
-        </p:nvGrpSpPr>
-        <p:grpSpPr>
-          <a:xfrm>
-            <a:off x="1220831" y="540920"/>
-            <a:ext cx="1139224" cy="2487189"/>
-            <a:chOff x="1220831" y="540920"/>
-            <a:chExt cx="1139224" cy="2487189"/>
-          </a:xfrm>
-        </p:grpSpPr>
-        <p:sp>
-          <p:nvSpPr>
-            <p:cNvPr id="14" name="Rectangle 13">
-              <a:extLst>
-                <a:ext uri="{FF2B5EF4-FFF2-40B4-BE49-F238E27FC236}">
-                  <a16:creationId xmlns:a16="http://schemas.microsoft.com/office/drawing/2014/main" id="{88B8FCE1-51B1-4441-A1DF-30F6AB79D0E9}"/>
-                </a:ext>
-              </a:extLst>
-            </p:cNvPr>
-            <p:cNvSpPr/>
-            <p:nvPr/>
-          </p:nvSpPr>
-          <p:spPr>
-            <a:xfrm>
-              <a:off x="1362906" y="540920"/>
-              <a:ext cx="370078" cy="745829"/>
-            </a:xfrm>
-            <a:prstGeom prst="rect">
-              <a:avLst/>
-            </a:prstGeom>
-            <a:solidFill>
-              <a:srgbClr val="FFFF00"/>
-            </a:solidFill>
-            <a:ln>
-              <a:noFill/>
-            </a:ln>
-          </p:spPr>
-          <p:style>
-            <a:lnRef idx="2">
-              <a:schemeClr val="accent1">
-                <a:shade val="50000"/>
-              </a:schemeClr>
-            </a:lnRef>
-            <a:fillRef idx="1">
-              <a:schemeClr val="accent1"/>
-            </a:fillRef>
-            <a:effectRef idx="0">
-              <a:schemeClr val="accent1"/>
-            </a:effectRef>
-            <a:fontRef idx="minor">
-              <a:schemeClr val="lt1"/>
-            </a:fontRef>
-          </p:style>
-          <p:txBody>
-            <a:bodyPr rtlCol="0" anchor="ctr"/>
-            <a:lstStyle/>
-            <a:p>
-              <a:pPr algn="ctr"/>
-              <a:endParaRPr lang="en-US" dirty="0"/>
-            </a:p>
-          </p:txBody>
-        </p:sp>
-        <p:sp>
-          <p:nvSpPr>
-            <p:cNvPr id="15" name="Rectangle 14">
-              <a:extLst>
-                <a:ext uri="{FF2B5EF4-FFF2-40B4-BE49-F238E27FC236}">
-                  <a16:creationId xmlns:a16="http://schemas.microsoft.com/office/drawing/2014/main" id="{445F07B0-D255-0544-8DEF-46397F417665}"/>
-                </a:ext>
-              </a:extLst>
-            </p:cNvPr>
-            <p:cNvSpPr/>
-            <p:nvPr/>
-          </p:nvSpPr>
-          <p:spPr>
-            <a:xfrm>
-              <a:off x="1838707" y="540920"/>
-              <a:ext cx="262213" cy="471941"/>
-            </a:xfrm>
-            <a:prstGeom prst="rect">
-              <a:avLst/>
-            </a:prstGeom>
-            <a:solidFill>
-              <a:srgbClr val="FFFF00"/>
-            </a:solidFill>
-            <a:ln>
-              <a:noFill/>
-            </a:ln>
-          </p:spPr>
-          <p:style>
-            <a:lnRef idx="2">
-              <a:schemeClr val="accent1">
-                <a:shade val="50000"/>
-              </a:schemeClr>
-            </a:lnRef>
-            <a:fillRef idx="1">
-              <a:schemeClr val="accent1"/>
-            </a:fillRef>
-            <a:effectRef idx="0">
-              <a:schemeClr val="accent1"/>
-            </a:effectRef>
-            <a:fontRef idx="minor">
-              <a:schemeClr val="lt1"/>
-            </a:fontRef>
-          </p:style>
-          <p:txBody>
-            <a:bodyPr rtlCol="0" anchor="ctr"/>
-            <a:lstStyle/>
-            <a:p>
-              <a:pPr algn="ctr"/>
-              <a:endParaRPr lang="en-US"/>
-            </a:p>
-          </p:txBody>
-        </p:sp>
-        <p:sp>
-          <p:nvSpPr>
-            <p:cNvPr id="16" name="Rectangle 15">
-              <a:extLst>
-                <a:ext uri="{FF2B5EF4-FFF2-40B4-BE49-F238E27FC236}">
-                  <a16:creationId xmlns:a16="http://schemas.microsoft.com/office/drawing/2014/main" id="{BA5B81A6-A8BC-FB43-A1FB-10D04C5717F3}"/>
-                </a:ext>
-              </a:extLst>
-            </p:cNvPr>
-            <p:cNvSpPr/>
-            <p:nvPr/>
-          </p:nvSpPr>
-          <p:spPr>
-            <a:xfrm>
-              <a:off x="1349679" y="2616629"/>
-              <a:ext cx="274320" cy="411480"/>
-            </a:xfrm>
-            <a:prstGeom prst="rect">
-              <a:avLst/>
-            </a:prstGeom>
-            <a:solidFill>
-              <a:srgbClr val="FFFF00"/>
-            </a:solidFill>
-            <a:ln>
-              <a:noFill/>
-            </a:ln>
-          </p:spPr>
-          <p:style>
-            <a:lnRef idx="2">
-              <a:schemeClr val="accent1">
-                <a:shade val="50000"/>
-              </a:schemeClr>
-            </a:lnRef>
-            <a:fillRef idx="1">
-              <a:schemeClr val="accent1"/>
-            </a:fillRef>
-            <a:effectRef idx="0">
-              <a:schemeClr val="accent1"/>
-            </a:effectRef>
-            <a:fontRef idx="minor">
-              <a:schemeClr val="lt1"/>
-            </a:fontRef>
-          </p:style>
-          <p:txBody>
-            <a:bodyPr rtlCol="0" anchor="ctr"/>
-            <a:lstStyle/>
-            <a:p>
-              <a:pPr algn="ctr"/>
-              <a:endParaRPr lang="en-US"/>
-            </a:p>
-          </p:txBody>
-        </p:sp>
-        <p:sp>
-          <p:nvSpPr>
-            <p:cNvPr id="17" name="Rectangle 16">
-              <a:extLst>
-                <a:ext uri="{FF2B5EF4-FFF2-40B4-BE49-F238E27FC236}">
-                  <a16:creationId xmlns:a16="http://schemas.microsoft.com/office/drawing/2014/main" id="{0053DEB5-A3B8-CD43-A77A-EE812A56E820}"/>
-                </a:ext>
-              </a:extLst>
-            </p:cNvPr>
-            <p:cNvSpPr/>
-            <p:nvPr/>
-          </p:nvSpPr>
-          <p:spPr>
-            <a:xfrm>
-              <a:off x="1646039" y="2616629"/>
-              <a:ext cx="274320" cy="411480"/>
-            </a:xfrm>
-            <a:prstGeom prst="rect">
-              <a:avLst/>
-            </a:prstGeom>
-            <a:solidFill>
-              <a:srgbClr val="FFFF00"/>
-            </a:solidFill>
-            <a:ln>
-              <a:noFill/>
-            </a:ln>
-          </p:spPr>
-          <p:style>
-            <a:lnRef idx="2">
-              <a:schemeClr val="accent1">
-                <a:shade val="50000"/>
-              </a:schemeClr>
-            </a:lnRef>
-            <a:fillRef idx="1">
-              <a:schemeClr val="accent1"/>
-            </a:fillRef>
-            <a:effectRef idx="0">
-              <a:schemeClr val="accent1"/>
-            </a:effectRef>
-            <a:fontRef idx="minor">
-              <a:schemeClr val="lt1"/>
-            </a:fontRef>
-          </p:style>
-          <p:txBody>
-            <a:bodyPr rtlCol="0" anchor="ctr"/>
-            <a:lstStyle/>
-            <a:p>
-              <a:pPr algn="ctr"/>
-              <a:endParaRPr lang="en-US"/>
-            </a:p>
-          </p:txBody>
-        </p:sp>
-        <p:sp>
-          <p:nvSpPr>
-            <p:cNvPr id="18" name="Rectangle 17">
-              <a:extLst>
-                <a:ext uri="{FF2B5EF4-FFF2-40B4-BE49-F238E27FC236}">
-                  <a16:creationId xmlns:a16="http://schemas.microsoft.com/office/drawing/2014/main" id="{5E1742E4-18C2-1D49-9B97-CFB773D40CA7}"/>
-                </a:ext>
-              </a:extLst>
-            </p:cNvPr>
-            <p:cNvSpPr/>
-            <p:nvPr/>
-          </p:nvSpPr>
-          <p:spPr>
-            <a:xfrm>
-              <a:off x="1980340" y="2616629"/>
-              <a:ext cx="379715" cy="411480"/>
-            </a:xfrm>
-            <a:prstGeom prst="rect">
-              <a:avLst/>
-            </a:prstGeom>
-            <a:solidFill>
-              <a:srgbClr val="FFFF00"/>
-            </a:solidFill>
-            <a:ln>
-              <a:noFill/>
-            </a:ln>
-          </p:spPr>
-          <p:style>
-            <a:lnRef idx="2">
-              <a:schemeClr val="accent1">
-                <a:shade val="50000"/>
-              </a:schemeClr>
-            </a:lnRef>
-            <a:fillRef idx="1">
-              <a:schemeClr val="accent1"/>
-            </a:fillRef>
-            <a:effectRef idx="0">
-              <a:schemeClr val="accent1"/>
-            </a:effectRef>
-            <a:fontRef idx="minor">
-              <a:schemeClr val="lt1"/>
-            </a:fontRef>
-          </p:style>
-          <p:txBody>
-            <a:bodyPr rtlCol="0" anchor="ctr"/>
-            <a:lstStyle/>
-            <a:p>
-              <a:pPr algn="ctr"/>
-              <a:endParaRPr lang="en-US"/>
-            </a:p>
-          </p:txBody>
-        </p:sp>
-        <p:sp>
-          <p:nvSpPr>
-            <p:cNvPr id="19" name="Rectangle 18">
-              <a:extLst>
-                <a:ext uri="{FF2B5EF4-FFF2-40B4-BE49-F238E27FC236}">
-                  <a16:creationId xmlns:a16="http://schemas.microsoft.com/office/drawing/2014/main" id="{2A7DF922-EA10-D645-932E-19C1D858849B}"/>
-                </a:ext>
-              </a:extLst>
-            </p:cNvPr>
-            <p:cNvSpPr/>
-            <p:nvPr/>
-          </p:nvSpPr>
-          <p:spPr>
-            <a:xfrm>
-              <a:off x="1519790" y="1348230"/>
-              <a:ext cx="740197" cy="368002"/>
-            </a:xfrm>
-            <a:prstGeom prst="rect">
-              <a:avLst/>
-            </a:prstGeom>
-            <a:solidFill>
-              <a:srgbClr val="FFFF00"/>
-            </a:solidFill>
-            <a:ln>
-              <a:noFill/>
-            </a:ln>
-          </p:spPr>
-          <p:style>
-            <a:lnRef idx="2">
-              <a:schemeClr val="accent1">
-                <a:shade val="50000"/>
-              </a:schemeClr>
-            </a:lnRef>
-            <a:fillRef idx="1">
-              <a:schemeClr val="accent1"/>
-            </a:fillRef>
-            <a:effectRef idx="0">
-              <a:schemeClr val="accent1"/>
-            </a:effectRef>
-            <a:fontRef idx="minor">
-              <a:schemeClr val="lt1"/>
-            </a:fontRef>
-          </p:style>
-          <p:txBody>
-            <a:bodyPr rtlCol="0" anchor="ctr"/>
-            <a:lstStyle/>
-            <a:p>
-              <a:pPr algn="ctr"/>
-              <a:endParaRPr lang="en-US"/>
-            </a:p>
-          </p:txBody>
-        </p:sp>
-        <p:sp>
-          <p:nvSpPr>
-            <p:cNvPr id="20" name="Rectangle 19">
-              <a:extLst>
-                <a:ext uri="{FF2B5EF4-FFF2-40B4-BE49-F238E27FC236}">
-                  <a16:creationId xmlns:a16="http://schemas.microsoft.com/office/drawing/2014/main" id="{D1B050B3-C435-5744-B31E-86488C66FEBD}"/>
-                </a:ext>
-              </a:extLst>
-            </p:cNvPr>
-            <p:cNvSpPr/>
-            <p:nvPr/>
-          </p:nvSpPr>
-          <p:spPr>
-            <a:xfrm>
-              <a:off x="1220831" y="1819144"/>
-              <a:ext cx="1039156" cy="368002"/>
-            </a:xfrm>
-            <a:prstGeom prst="rect">
-              <a:avLst/>
-            </a:prstGeom>
-            <a:solidFill>
-              <a:srgbClr val="FFFF00"/>
-            </a:solidFill>
-            <a:ln>
-              <a:noFill/>
-            </a:ln>
-          </p:spPr>
-          <p:style>
-            <a:lnRef idx="2">
-              <a:schemeClr val="accent1">
-                <a:shade val="50000"/>
-              </a:schemeClr>
-            </a:lnRef>
-            <a:fillRef idx="1">
-              <a:schemeClr val="accent1"/>
-            </a:fillRef>
-            <a:effectRef idx="0">
-              <a:schemeClr val="accent1"/>
-            </a:effectRef>
-            <a:fontRef idx="minor">
-              <a:schemeClr val="lt1"/>
-            </a:fontRef>
-          </p:style>
-          <p:txBody>
-            <a:bodyPr rtlCol="0" anchor="ctr"/>
-            <a:lstStyle/>
-            <a:p>
-              <a:pPr algn="ctr"/>
-              <a:endParaRPr lang="en-US"/>
-            </a:p>
-          </p:txBody>
-        </p:sp>
-      </p:grpSp>
-      <p:grpSp>
-        <p:nvGrpSpPr>
-          <p:cNvPr id="21" name="Group 20">
-            <a:extLst>
-              <a:ext uri="{FF2B5EF4-FFF2-40B4-BE49-F238E27FC236}">
-                <a16:creationId xmlns:a16="http://schemas.microsoft.com/office/drawing/2014/main" id="{54BAE8DB-5A48-554A-90FB-C0E1B380E17E}"/>
-              </a:ext>
-            </a:extLst>
-          </p:cNvPr>
-          <p:cNvGrpSpPr/>
-          <p:nvPr/>
-        </p:nvGrpSpPr>
-        <p:grpSpPr>
-          <a:xfrm>
-            <a:off x="2451495" y="1827350"/>
-            <a:ext cx="3336640" cy="1830249"/>
-            <a:chOff x="2451495" y="1827350"/>
-            <a:chExt cx="3336640" cy="1830249"/>
-          </a:xfrm>
-          <a:solidFill>
-            <a:srgbClr val="FF0000"/>
-          </a:solidFill>
-        </p:grpSpPr>
-        <p:sp>
-          <p:nvSpPr>
-            <p:cNvPr id="22" name="Rectangle 21">
-              <a:extLst>
-                <a:ext uri="{FF2B5EF4-FFF2-40B4-BE49-F238E27FC236}">
-                  <a16:creationId xmlns:a16="http://schemas.microsoft.com/office/drawing/2014/main" id="{3E7F2463-09B4-C540-BF37-F0A16943AEE1}"/>
-                </a:ext>
-              </a:extLst>
-            </p:cNvPr>
-            <p:cNvSpPr/>
-            <p:nvPr/>
-          </p:nvSpPr>
-          <p:spPr>
-            <a:xfrm>
-              <a:off x="2583286" y="1827350"/>
-              <a:ext cx="228600" cy="411480"/>
-            </a:xfrm>
-            <a:prstGeom prst="rect">
-              <a:avLst/>
-            </a:prstGeom>
-            <a:grpFill/>
-            <a:ln>
-              <a:noFill/>
-            </a:ln>
-          </p:spPr>
-          <p:style>
-            <a:lnRef idx="2">
-              <a:schemeClr val="accent1">
-                <a:shade val="50000"/>
-              </a:schemeClr>
-            </a:lnRef>
-            <a:fillRef idx="1">
-              <a:schemeClr val="accent1"/>
-            </a:fillRef>
-            <a:effectRef idx="0">
-              <a:schemeClr val="accent1"/>
-            </a:effectRef>
-            <a:fontRef idx="minor">
-              <a:schemeClr val="lt1"/>
-            </a:fontRef>
-          </p:style>
-          <p:txBody>
-            <a:bodyPr rtlCol="0" anchor="ctr"/>
-            <a:lstStyle/>
-            <a:p>
-              <a:pPr algn="ctr"/>
-              <a:endParaRPr lang="en-US"/>
-            </a:p>
-          </p:txBody>
-        </p:sp>
-        <p:sp>
-          <p:nvSpPr>
-            <p:cNvPr id="23" name="Rectangle 22">
-              <a:extLst>
-                <a:ext uri="{FF2B5EF4-FFF2-40B4-BE49-F238E27FC236}">
-                  <a16:creationId xmlns:a16="http://schemas.microsoft.com/office/drawing/2014/main" id="{F057DBB2-DDDD-7D4E-814F-8BD2E5AEA2E8}"/>
-                </a:ext>
-              </a:extLst>
-            </p:cNvPr>
-            <p:cNvSpPr/>
-            <p:nvPr/>
-          </p:nvSpPr>
-          <p:spPr>
-            <a:xfrm>
-              <a:off x="2901703" y="1827350"/>
-              <a:ext cx="228600" cy="411480"/>
-            </a:xfrm>
-            <a:prstGeom prst="rect">
-              <a:avLst/>
-            </a:prstGeom>
-            <a:grpFill/>
-            <a:ln>
-              <a:noFill/>
-            </a:ln>
-          </p:spPr>
-          <p:style>
-            <a:lnRef idx="2">
-              <a:schemeClr val="accent1">
-                <a:shade val="50000"/>
-              </a:schemeClr>
-            </a:lnRef>
-            <a:fillRef idx="1">
-              <a:schemeClr val="accent1"/>
-            </a:fillRef>
-            <a:effectRef idx="0">
-              <a:schemeClr val="accent1"/>
-            </a:effectRef>
-            <a:fontRef idx="minor">
-              <a:schemeClr val="lt1"/>
-            </a:fontRef>
-          </p:style>
-          <p:txBody>
-            <a:bodyPr rtlCol="0" anchor="ctr"/>
-            <a:lstStyle/>
-            <a:p>
-              <a:pPr algn="ctr"/>
-              <a:endParaRPr lang="en-US"/>
-            </a:p>
-          </p:txBody>
-        </p:sp>
-        <p:sp>
-          <p:nvSpPr>
-            <p:cNvPr id="24" name="Rectangle 23">
-              <a:extLst>
-                <a:ext uri="{FF2B5EF4-FFF2-40B4-BE49-F238E27FC236}">
-                  <a16:creationId xmlns:a16="http://schemas.microsoft.com/office/drawing/2014/main" id="{1B29C6EF-4BCA-7545-820C-E4AA3CC85AB4}"/>
-                </a:ext>
-              </a:extLst>
-            </p:cNvPr>
-            <p:cNvSpPr/>
-            <p:nvPr/>
-          </p:nvSpPr>
-          <p:spPr>
-            <a:xfrm>
-              <a:off x="3220120" y="1827350"/>
-              <a:ext cx="228600" cy="411480"/>
-            </a:xfrm>
-            <a:prstGeom prst="rect">
-              <a:avLst/>
-            </a:prstGeom>
-            <a:grpFill/>
-            <a:ln>
-              <a:noFill/>
-            </a:ln>
-          </p:spPr>
-          <p:style>
-            <a:lnRef idx="2">
-              <a:schemeClr val="accent1">
-                <a:shade val="50000"/>
-              </a:schemeClr>
-            </a:lnRef>
-            <a:fillRef idx="1">
-              <a:schemeClr val="accent1"/>
-            </a:fillRef>
-            <a:effectRef idx="0">
-              <a:schemeClr val="accent1"/>
-            </a:effectRef>
-            <a:fontRef idx="minor">
-              <a:schemeClr val="lt1"/>
-            </a:fontRef>
-          </p:style>
-          <p:txBody>
-            <a:bodyPr rtlCol="0" anchor="ctr"/>
-            <a:lstStyle/>
-            <a:p>
-              <a:pPr algn="ctr"/>
-              <a:endParaRPr lang="en-US"/>
-            </a:p>
-          </p:txBody>
-        </p:sp>
-        <p:sp>
-          <p:nvSpPr>
-            <p:cNvPr id="25" name="Rectangle 24">
-              <a:extLst>
-                <a:ext uri="{FF2B5EF4-FFF2-40B4-BE49-F238E27FC236}">
-                  <a16:creationId xmlns:a16="http://schemas.microsoft.com/office/drawing/2014/main" id="{3D63190E-8A93-8541-BAFE-49809860EF96}"/>
-                </a:ext>
-              </a:extLst>
-            </p:cNvPr>
-            <p:cNvSpPr/>
-            <p:nvPr/>
-          </p:nvSpPr>
-          <p:spPr>
-            <a:xfrm>
-              <a:off x="3538537" y="1827350"/>
-              <a:ext cx="228600" cy="411480"/>
-            </a:xfrm>
-            <a:prstGeom prst="rect">
-              <a:avLst/>
-            </a:prstGeom>
-            <a:grpFill/>
-            <a:ln>
-              <a:noFill/>
-            </a:ln>
-          </p:spPr>
-          <p:style>
-            <a:lnRef idx="2">
-              <a:schemeClr val="accent1">
-                <a:shade val="50000"/>
-              </a:schemeClr>
-            </a:lnRef>
-            <a:fillRef idx="1">
-              <a:schemeClr val="accent1"/>
-            </a:fillRef>
-            <a:effectRef idx="0">
-              <a:schemeClr val="accent1"/>
-            </a:effectRef>
-            <a:fontRef idx="minor">
-              <a:schemeClr val="lt1"/>
-            </a:fontRef>
-          </p:style>
-          <p:txBody>
-            <a:bodyPr rtlCol="0" anchor="ctr"/>
-            <a:lstStyle/>
-            <a:p>
-              <a:pPr algn="ctr"/>
-              <a:endParaRPr lang="en-US"/>
-            </a:p>
-          </p:txBody>
-        </p:sp>
-        <p:sp>
-          <p:nvSpPr>
-            <p:cNvPr id="26" name="Rectangle 25">
-              <a:extLst>
-                <a:ext uri="{FF2B5EF4-FFF2-40B4-BE49-F238E27FC236}">
-                  <a16:creationId xmlns:a16="http://schemas.microsoft.com/office/drawing/2014/main" id="{49659EAB-7EE4-8A4D-8D5E-431C7152FBC8}"/>
-                </a:ext>
-              </a:extLst>
-            </p:cNvPr>
-            <p:cNvSpPr/>
-            <p:nvPr/>
-          </p:nvSpPr>
-          <p:spPr>
-            <a:xfrm>
-              <a:off x="3856954" y="1827350"/>
-              <a:ext cx="228600" cy="411480"/>
-            </a:xfrm>
-            <a:prstGeom prst="rect">
-              <a:avLst/>
-            </a:prstGeom>
-            <a:grpFill/>
-            <a:ln>
-              <a:noFill/>
-            </a:ln>
-          </p:spPr>
-          <p:style>
-            <a:lnRef idx="2">
-              <a:schemeClr val="accent1">
-                <a:shade val="50000"/>
-              </a:schemeClr>
-            </a:lnRef>
-            <a:fillRef idx="1">
-              <a:schemeClr val="accent1"/>
-            </a:fillRef>
-            <a:effectRef idx="0">
-              <a:schemeClr val="accent1"/>
-            </a:effectRef>
-            <a:fontRef idx="minor">
-              <a:schemeClr val="lt1"/>
-            </a:fontRef>
-          </p:style>
-          <p:txBody>
-            <a:bodyPr rtlCol="0" anchor="ctr"/>
-            <a:lstStyle/>
-            <a:p>
-              <a:pPr algn="ctr"/>
-              <a:endParaRPr lang="en-US"/>
-            </a:p>
-          </p:txBody>
-        </p:sp>
-        <p:sp>
-          <p:nvSpPr>
-            <p:cNvPr id="27" name="Rectangle 26">
-              <a:extLst>
-                <a:ext uri="{FF2B5EF4-FFF2-40B4-BE49-F238E27FC236}">
-                  <a16:creationId xmlns:a16="http://schemas.microsoft.com/office/drawing/2014/main" id="{6C96BDAA-0F71-CF4F-8882-805B728A4986}"/>
-                </a:ext>
-              </a:extLst>
-            </p:cNvPr>
-            <p:cNvSpPr/>
-            <p:nvPr/>
-          </p:nvSpPr>
-          <p:spPr>
-            <a:xfrm>
-              <a:off x="4175371" y="1827350"/>
-              <a:ext cx="228600" cy="411480"/>
-            </a:xfrm>
-            <a:prstGeom prst="rect">
-              <a:avLst/>
-            </a:prstGeom>
-            <a:grpFill/>
-            <a:ln>
-              <a:noFill/>
-            </a:ln>
-          </p:spPr>
-          <p:style>
-            <a:lnRef idx="2">
-              <a:schemeClr val="accent1">
-                <a:shade val="50000"/>
-              </a:schemeClr>
-            </a:lnRef>
-            <a:fillRef idx="1">
-              <a:schemeClr val="accent1"/>
-            </a:fillRef>
-            <a:effectRef idx="0">
-              <a:schemeClr val="accent1"/>
-            </a:effectRef>
-            <a:fontRef idx="minor">
-              <a:schemeClr val="lt1"/>
-            </a:fontRef>
-          </p:style>
-          <p:txBody>
-            <a:bodyPr rtlCol="0" anchor="ctr"/>
-            <a:lstStyle/>
-            <a:p>
-              <a:pPr algn="ctr"/>
-              <a:endParaRPr lang="en-US"/>
-            </a:p>
-          </p:txBody>
-        </p:sp>
-        <p:sp>
-          <p:nvSpPr>
-            <p:cNvPr id="28" name="Rectangle 27">
-              <a:extLst>
-                <a:ext uri="{FF2B5EF4-FFF2-40B4-BE49-F238E27FC236}">
-                  <a16:creationId xmlns:a16="http://schemas.microsoft.com/office/drawing/2014/main" id="{B17AD4BD-CECA-3D49-A82B-5A91536705B0}"/>
-                </a:ext>
-              </a:extLst>
-            </p:cNvPr>
-            <p:cNvSpPr/>
-            <p:nvPr/>
-          </p:nvSpPr>
-          <p:spPr>
-            <a:xfrm>
-              <a:off x="4493788" y="1827350"/>
-              <a:ext cx="228600" cy="411480"/>
-            </a:xfrm>
-            <a:prstGeom prst="rect">
-              <a:avLst/>
-            </a:prstGeom>
-            <a:grpFill/>
-            <a:ln>
-              <a:noFill/>
-            </a:ln>
-          </p:spPr>
-          <p:style>
-            <a:lnRef idx="2">
-              <a:schemeClr val="accent1">
-                <a:shade val="50000"/>
-              </a:schemeClr>
-            </a:lnRef>
-            <a:fillRef idx="1">
-              <a:schemeClr val="accent1"/>
-            </a:fillRef>
-            <a:effectRef idx="0">
-              <a:schemeClr val="accent1"/>
-            </a:effectRef>
-            <a:fontRef idx="minor">
-              <a:schemeClr val="lt1"/>
-            </a:fontRef>
-          </p:style>
-          <p:txBody>
-            <a:bodyPr rtlCol="0" anchor="ctr"/>
-            <a:lstStyle/>
-            <a:p>
-              <a:pPr algn="ctr"/>
-              <a:endParaRPr lang="en-US"/>
-            </a:p>
-          </p:txBody>
-        </p:sp>
-        <p:sp>
-          <p:nvSpPr>
-            <p:cNvPr id="29" name="Rectangle 28">
-              <a:extLst>
-                <a:ext uri="{FF2B5EF4-FFF2-40B4-BE49-F238E27FC236}">
-                  <a16:creationId xmlns:a16="http://schemas.microsoft.com/office/drawing/2014/main" id="{01647D51-BF72-C34F-9077-4F0EA120197A}"/>
-                </a:ext>
-              </a:extLst>
-            </p:cNvPr>
-            <p:cNvSpPr/>
-            <p:nvPr/>
-          </p:nvSpPr>
-          <p:spPr>
-            <a:xfrm>
-              <a:off x="4812205" y="1827350"/>
-              <a:ext cx="228600" cy="411480"/>
-            </a:xfrm>
-            <a:prstGeom prst="rect">
-              <a:avLst/>
-            </a:prstGeom>
-            <a:grpFill/>
-            <a:ln>
-              <a:noFill/>
-            </a:ln>
-          </p:spPr>
-          <p:style>
-            <a:lnRef idx="2">
-              <a:schemeClr val="accent1">
-                <a:shade val="50000"/>
-              </a:schemeClr>
-            </a:lnRef>
-            <a:fillRef idx="1">
-              <a:schemeClr val="accent1"/>
-            </a:fillRef>
-            <a:effectRef idx="0">
-              <a:schemeClr val="accent1"/>
-            </a:effectRef>
-            <a:fontRef idx="minor">
-              <a:schemeClr val="lt1"/>
-            </a:fontRef>
-          </p:style>
-          <p:txBody>
-            <a:bodyPr rtlCol="0" anchor="ctr"/>
-            <a:lstStyle/>
-            <a:p>
-              <a:pPr algn="ctr"/>
-              <a:endParaRPr lang="en-US"/>
-            </a:p>
-          </p:txBody>
-        </p:sp>
-        <p:sp>
-          <p:nvSpPr>
-            <p:cNvPr id="30" name="Rectangle 29">
-              <a:extLst>
-                <a:ext uri="{FF2B5EF4-FFF2-40B4-BE49-F238E27FC236}">
-                  <a16:creationId xmlns:a16="http://schemas.microsoft.com/office/drawing/2014/main" id="{068F99D0-B0EE-684B-8195-CEBA2BAA2B35}"/>
-                </a:ext>
-              </a:extLst>
-            </p:cNvPr>
-            <p:cNvSpPr/>
-            <p:nvPr/>
-          </p:nvSpPr>
-          <p:spPr>
-            <a:xfrm>
-              <a:off x="2451495" y="2616629"/>
-              <a:ext cx="228600" cy="411480"/>
-            </a:xfrm>
-            <a:prstGeom prst="rect">
-              <a:avLst/>
-            </a:prstGeom>
-            <a:grpFill/>
-            <a:ln>
-              <a:noFill/>
-            </a:ln>
-          </p:spPr>
-          <p:style>
-            <a:lnRef idx="2">
-              <a:schemeClr val="accent1">
-                <a:shade val="50000"/>
-              </a:schemeClr>
-            </a:lnRef>
-            <a:fillRef idx="1">
-              <a:schemeClr val="accent1"/>
-            </a:fillRef>
-            <a:effectRef idx="0">
-              <a:schemeClr val="accent1"/>
-            </a:effectRef>
-            <a:fontRef idx="minor">
-              <a:schemeClr val="lt1"/>
-            </a:fontRef>
-          </p:style>
-          <p:txBody>
-            <a:bodyPr rtlCol="0" anchor="ctr"/>
-            <a:lstStyle/>
-            <a:p>
-              <a:pPr algn="ctr"/>
-              <a:endParaRPr lang="en-US"/>
-            </a:p>
-          </p:txBody>
-        </p:sp>
-        <p:sp>
-          <p:nvSpPr>
-            <p:cNvPr id="31" name="Rectangle 30">
-              <a:extLst>
-                <a:ext uri="{FF2B5EF4-FFF2-40B4-BE49-F238E27FC236}">
-                  <a16:creationId xmlns:a16="http://schemas.microsoft.com/office/drawing/2014/main" id="{97762982-6672-6C49-BB43-6C019E71251C}"/>
-                </a:ext>
-              </a:extLst>
-            </p:cNvPr>
-            <p:cNvSpPr/>
-            <p:nvPr/>
-          </p:nvSpPr>
-          <p:spPr>
-            <a:xfrm>
-              <a:off x="2787797" y="2616629"/>
-              <a:ext cx="342506" cy="411480"/>
-            </a:xfrm>
-            <a:prstGeom prst="rect">
-              <a:avLst/>
-            </a:prstGeom>
-            <a:grpFill/>
-            <a:ln>
-              <a:noFill/>
-            </a:ln>
-          </p:spPr>
-          <p:style>
-            <a:lnRef idx="2">
-              <a:schemeClr val="accent1">
-                <a:shade val="50000"/>
-              </a:schemeClr>
-            </a:lnRef>
-            <a:fillRef idx="1">
-              <a:schemeClr val="accent1"/>
-            </a:fillRef>
-            <a:effectRef idx="0">
-              <a:schemeClr val="accent1"/>
-            </a:effectRef>
-            <a:fontRef idx="minor">
-              <a:schemeClr val="lt1"/>
-            </a:fontRef>
-          </p:style>
-          <p:txBody>
-            <a:bodyPr rtlCol="0" anchor="ctr"/>
-            <a:lstStyle/>
-            <a:p>
-              <a:pPr algn="ctr"/>
-              <a:endParaRPr lang="en-US"/>
-            </a:p>
-          </p:txBody>
-        </p:sp>
-        <p:sp>
-          <p:nvSpPr>
-            <p:cNvPr id="32" name="Rectangle 31">
-              <a:extLst>
-                <a:ext uri="{FF2B5EF4-FFF2-40B4-BE49-F238E27FC236}">
-                  <a16:creationId xmlns:a16="http://schemas.microsoft.com/office/drawing/2014/main" id="{0B3B4186-9283-6547-B23C-05D6BD7A4830}"/>
-                </a:ext>
-              </a:extLst>
-            </p:cNvPr>
-            <p:cNvSpPr/>
-            <p:nvPr/>
-          </p:nvSpPr>
-          <p:spPr>
-            <a:xfrm>
-              <a:off x="3238005" y="2616629"/>
-              <a:ext cx="228600" cy="411480"/>
-            </a:xfrm>
-            <a:prstGeom prst="rect">
-              <a:avLst/>
-            </a:prstGeom>
-            <a:grpFill/>
-            <a:ln>
-              <a:noFill/>
-            </a:ln>
-          </p:spPr>
-          <p:style>
-            <a:lnRef idx="2">
-              <a:schemeClr val="accent1">
-                <a:shade val="50000"/>
-              </a:schemeClr>
-            </a:lnRef>
-            <a:fillRef idx="1">
-              <a:schemeClr val="accent1"/>
-            </a:fillRef>
-            <a:effectRef idx="0">
-              <a:schemeClr val="accent1"/>
-            </a:effectRef>
-            <a:fontRef idx="minor">
-              <a:schemeClr val="lt1"/>
-            </a:fontRef>
-          </p:style>
-          <p:txBody>
-            <a:bodyPr rtlCol="0" anchor="ctr"/>
-            <a:lstStyle/>
-            <a:p>
-              <a:pPr algn="ctr"/>
-              <a:endParaRPr lang="en-US"/>
-            </a:p>
-          </p:txBody>
-        </p:sp>
-        <p:sp>
-          <p:nvSpPr>
-            <p:cNvPr id="33" name="Rectangle 32">
-              <a:extLst>
-                <a:ext uri="{FF2B5EF4-FFF2-40B4-BE49-F238E27FC236}">
-                  <a16:creationId xmlns:a16="http://schemas.microsoft.com/office/drawing/2014/main" id="{809A1B51-95F9-8849-A533-3E48DF279254}"/>
-                </a:ext>
-              </a:extLst>
-            </p:cNvPr>
-            <p:cNvSpPr/>
-            <p:nvPr/>
-          </p:nvSpPr>
-          <p:spPr>
-            <a:xfrm>
-              <a:off x="3555514" y="2616629"/>
-              <a:ext cx="228600" cy="411480"/>
-            </a:xfrm>
-            <a:prstGeom prst="rect">
-              <a:avLst/>
-            </a:prstGeom>
-            <a:grpFill/>
-            <a:ln>
-              <a:noFill/>
-            </a:ln>
-          </p:spPr>
-          <p:style>
-            <a:lnRef idx="2">
-              <a:schemeClr val="accent1">
-                <a:shade val="50000"/>
-              </a:schemeClr>
-            </a:lnRef>
-            <a:fillRef idx="1">
-              <a:schemeClr val="accent1"/>
-            </a:fillRef>
-            <a:effectRef idx="0">
-              <a:schemeClr val="accent1"/>
-            </a:effectRef>
-            <a:fontRef idx="minor">
-              <a:schemeClr val="lt1"/>
-            </a:fontRef>
-          </p:style>
-          <p:txBody>
-            <a:bodyPr rtlCol="0" anchor="ctr"/>
-            <a:lstStyle/>
-            <a:p>
-              <a:pPr algn="ctr"/>
-              <a:endParaRPr lang="en-US"/>
-            </a:p>
-          </p:txBody>
-        </p:sp>
-        <p:sp>
-          <p:nvSpPr>
-            <p:cNvPr id="34" name="Rectangle 33">
-              <a:extLst>
-                <a:ext uri="{FF2B5EF4-FFF2-40B4-BE49-F238E27FC236}">
-                  <a16:creationId xmlns:a16="http://schemas.microsoft.com/office/drawing/2014/main" id="{CDFEEE5E-F5D8-DB48-B6C9-AF469BCDBC44}"/>
-                </a:ext>
-              </a:extLst>
-            </p:cNvPr>
-            <p:cNvSpPr/>
-            <p:nvPr/>
-          </p:nvSpPr>
-          <p:spPr>
-            <a:xfrm>
-              <a:off x="3865590" y="2616629"/>
-              <a:ext cx="228600" cy="411480"/>
-            </a:xfrm>
-            <a:prstGeom prst="rect">
-              <a:avLst/>
-            </a:prstGeom>
-            <a:grpFill/>
-            <a:ln>
-              <a:noFill/>
-            </a:ln>
-          </p:spPr>
-          <p:style>
-            <a:lnRef idx="2">
-              <a:schemeClr val="accent1">
-                <a:shade val="50000"/>
-              </a:schemeClr>
-            </a:lnRef>
-            <a:fillRef idx="1">
-              <a:schemeClr val="accent1"/>
-            </a:fillRef>
-            <a:effectRef idx="0">
-              <a:schemeClr val="accent1"/>
-            </a:effectRef>
-            <a:fontRef idx="minor">
-              <a:schemeClr val="lt1"/>
-            </a:fontRef>
-          </p:style>
-          <p:txBody>
-            <a:bodyPr rtlCol="0" anchor="ctr"/>
-            <a:lstStyle/>
-            <a:p>
-              <a:pPr algn="ctr"/>
-              <a:endParaRPr lang="en-US"/>
-            </a:p>
-          </p:txBody>
-        </p:sp>
-        <p:sp>
-          <p:nvSpPr>
-            <p:cNvPr id="35" name="Rectangle 34">
-              <a:extLst>
-                <a:ext uri="{FF2B5EF4-FFF2-40B4-BE49-F238E27FC236}">
-                  <a16:creationId xmlns:a16="http://schemas.microsoft.com/office/drawing/2014/main" id="{763C5290-4C63-114A-85A6-B6B668A3DC74}"/>
-                </a:ext>
-              </a:extLst>
-            </p:cNvPr>
-            <p:cNvSpPr/>
-            <p:nvPr/>
-          </p:nvSpPr>
-          <p:spPr>
-            <a:xfrm>
-              <a:off x="4184816" y="2616629"/>
-              <a:ext cx="525469" cy="411480"/>
-            </a:xfrm>
-            <a:prstGeom prst="rect">
-              <a:avLst/>
-            </a:prstGeom>
-            <a:grpFill/>
-            <a:ln>
-              <a:noFill/>
-            </a:ln>
-          </p:spPr>
-          <p:style>
-            <a:lnRef idx="2">
-              <a:schemeClr val="accent1">
-                <a:shade val="50000"/>
-              </a:schemeClr>
-            </a:lnRef>
-            <a:fillRef idx="1">
-              <a:schemeClr val="accent1"/>
-            </a:fillRef>
-            <a:effectRef idx="0">
-              <a:schemeClr val="accent1"/>
-            </a:effectRef>
-            <a:fontRef idx="minor">
-              <a:schemeClr val="lt1"/>
-            </a:fontRef>
-          </p:style>
-          <p:txBody>
-            <a:bodyPr rtlCol="0" anchor="ctr"/>
-            <a:lstStyle/>
-            <a:p>
-              <a:pPr algn="ctr"/>
-              <a:endParaRPr lang="en-US"/>
-            </a:p>
-          </p:txBody>
-        </p:sp>
-        <p:sp>
-          <p:nvSpPr>
-            <p:cNvPr id="36" name="Rectangle 35">
-              <a:extLst>
-                <a:ext uri="{FF2B5EF4-FFF2-40B4-BE49-F238E27FC236}">
-                  <a16:creationId xmlns:a16="http://schemas.microsoft.com/office/drawing/2014/main" id="{FFE82CEE-D20B-4641-8538-B52ED0CD0F46}"/>
-                </a:ext>
-              </a:extLst>
-            </p:cNvPr>
-            <p:cNvSpPr/>
-            <p:nvPr/>
-          </p:nvSpPr>
-          <p:spPr>
-            <a:xfrm>
-              <a:off x="4815976" y="2616629"/>
-              <a:ext cx="228600" cy="411480"/>
-            </a:xfrm>
-            <a:prstGeom prst="rect">
-              <a:avLst/>
-            </a:prstGeom>
-            <a:grpFill/>
-            <a:ln>
-              <a:noFill/>
-            </a:ln>
-          </p:spPr>
-          <p:style>
-            <a:lnRef idx="2">
-              <a:schemeClr val="accent1">
-                <a:shade val="50000"/>
-              </a:schemeClr>
-            </a:lnRef>
-            <a:fillRef idx="1">
-              <a:schemeClr val="accent1"/>
-            </a:fillRef>
-            <a:effectRef idx="0">
-              <a:schemeClr val="accent1"/>
-            </a:effectRef>
-            <a:fontRef idx="minor">
-              <a:schemeClr val="lt1"/>
-            </a:fontRef>
-          </p:style>
-          <p:txBody>
-            <a:bodyPr rtlCol="0" anchor="ctr"/>
-            <a:lstStyle/>
-            <a:p>
-              <a:pPr algn="ctr"/>
-              <a:endParaRPr lang="en-US"/>
-            </a:p>
-          </p:txBody>
-        </p:sp>
-        <p:sp>
-          <p:nvSpPr>
-            <p:cNvPr id="37" name="Rectangle 36">
-              <a:extLst>
-                <a:ext uri="{FF2B5EF4-FFF2-40B4-BE49-F238E27FC236}">
-                  <a16:creationId xmlns:a16="http://schemas.microsoft.com/office/drawing/2014/main" id="{D151DFE4-9792-C649-915B-D6DA1911E3B3}"/>
-                </a:ext>
-              </a:extLst>
-            </p:cNvPr>
-            <p:cNvSpPr/>
-            <p:nvPr/>
-          </p:nvSpPr>
-          <p:spPr>
-            <a:xfrm>
-              <a:off x="5212063" y="2616628"/>
-              <a:ext cx="576072" cy="1040971"/>
-            </a:xfrm>
-            <a:prstGeom prst="rect">
-              <a:avLst/>
-            </a:prstGeom>
-            <a:grpFill/>
-            <a:ln>
-              <a:noFill/>
-            </a:ln>
-          </p:spPr>
-          <p:style>
-            <a:lnRef idx="2">
-              <a:schemeClr val="accent1">
-                <a:shade val="50000"/>
-              </a:schemeClr>
-            </a:lnRef>
-            <a:fillRef idx="1">
-              <a:schemeClr val="accent1"/>
-            </a:fillRef>
-            <a:effectRef idx="0">
-              <a:schemeClr val="accent1"/>
-            </a:effectRef>
-            <a:fontRef idx="minor">
-              <a:schemeClr val="lt1"/>
-            </a:fontRef>
-          </p:style>
-          <p:txBody>
-            <a:bodyPr rtlCol="0" anchor="ctr"/>
-            <a:lstStyle/>
-            <a:p>
-              <a:pPr algn="ctr"/>
-              <a:endParaRPr lang="en-US"/>
-            </a:p>
-          </p:txBody>
-        </p:sp>
-      </p:grpSp>
-      <p:grpSp>
-        <p:nvGrpSpPr>
-          <p:cNvPr id="38" name="Group 37">
-            <a:extLst>
-              <a:ext uri="{FF2B5EF4-FFF2-40B4-BE49-F238E27FC236}">
-                <a16:creationId xmlns:a16="http://schemas.microsoft.com/office/drawing/2014/main" id="{E97A109F-4619-7546-94EA-AECD9DB9CA7E}"/>
-              </a:ext>
-            </a:extLst>
-          </p:cNvPr>
-          <p:cNvGrpSpPr/>
-          <p:nvPr/>
-        </p:nvGrpSpPr>
-        <p:grpSpPr>
-          <a:xfrm>
-            <a:off x="2810935" y="2111215"/>
-            <a:ext cx="731520" cy="295041"/>
-            <a:chOff x="9699621" y="3380438"/>
-            <a:chExt cx="731520" cy="295041"/>
-          </a:xfrm>
-        </p:grpSpPr>
-        <p:sp>
-          <p:nvSpPr>
-            <p:cNvPr id="39" name="Cube 38">
-              <a:extLst>
-                <a:ext uri="{FF2B5EF4-FFF2-40B4-BE49-F238E27FC236}">
-                  <a16:creationId xmlns:a16="http://schemas.microsoft.com/office/drawing/2014/main" id="{F4372173-FEF8-A54B-860D-3CCE52E71FF2}"/>
-                </a:ext>
-              </a:extLst>
-            </p:cNvPr>
-            <p:cNvSpPr>
-              <a:spLocks noChangeAspect="1"/>
-            </p:cNvSpPr>
-            <p:nvPr/>
-          </p:nvSpPr>
-          <p:spPr>
-            <a:xfrm>
-              <a:off x="9882501" y="3492599"/>
-              <a:ext cx="182880" cy="182880"/>
-            </a:xfrm>
-            <a:prstGeom prst="cube">
-              <a:avLst/>
-            </a:prstGeom>
-            <a:solidFill>
-              <a:schemeClr val="accent4">
-                <a:lumMod val="75000"/>
-              </a:schemeClr>
-            </a:solidFill>
-            <a:ln>
-              <a:solidFill>
-                <a:schemeClr val="tx1"/>
-              </a:solidFill>
-            </a:ln>
-          </p:spPr>
-          <p:style>
-            <a:lnRef idx="2">
-              <a:schemeClr val="accent1">
-                <a:shade val="50000"/>
-              </a:schemeClr>
-            </a:lnRef>
-            <a:fillRef idx="1">
-              <a:schemeClr val="accent1"/>
-            </a:fillRef>
-            <a:effectRef idx="0">
-              <a:schemeClr val="accent1"/>
-            </a:effectRef>
-            <a:fontRef idx="minor">
-              <a:schemeClr val="lt1"/>
-            </a:fontRef>
-          </p:style>
-          <p:txBody>
-            <a:bodyPr rtlCol="0" anchor="ctr"/>
-            <a:lstStyle/>
-            <a:p>
-              <a:pPr algn="ctr"/>
-              <a:endParaRPr lang="en-US"/>
-            </a:p>
-          </p:txBody>
-        </p:sp>
-        <p:sp>
-          <p:nvSpPr>
-            <p:cNvPr id="40" name="Cube 39">
-              <a:extLst>
-                <a:ext uri="{FF2B5EF4-FFF2-40B4-BE49-F238E27FC236}">
-                  <a16:creationId xmlns:a16="http://schemas.microsoft.com/office/drawing/2014/main" id="{0B9532D6-AA6B-5449-8394-A720D7FD81A6}"/>
-                </a:ext>
-              </a:extLst>
-            </p:cNvPr>
-            <p:cNvSpPr>
-              <a:spLocks noChangeAspect="1"/>
-            </p:cNvSpPr>
-            <p:nvPr/>
-          </p:nvSpPr>
-          <p:spPr>
-            <a:xfrm>
-              <a:off x="10065381" y="3492599"/>
-              <a:ext cx="182880" cy="182880"/>
-            </a:xfrm>
-            <a:prstGeom prst="cube">
-              <a:avLst/>
-            </a:prstGeom>
-            <a:solidFill>
-              <a:schemeClr val="accent4">
-                <a:lumMod val="75000"/>
-              </a:schemeClr>
-            </a:solidFill>
-            <a:ln>
-              <a:solidFill>
-                <a:schemeClr val="tx1"/>
-              </a:solidFill>
-            </a:ln>
-          </p:spPr>
-          <p:style>
-            <a:lnRef idx="2">
-              <a:schemeClr val="accent1">
-                <a:shade val="50000"/>
-              </a:schemeClr>
-            </a:lnRef>
-            <a:fillRef idx="1">
-              <a:schemeClr val="accent1"/>
-            </a:fillRef>
-            <a:effectRef idx="0">
-              <a:schemeClr val="accent1"/>
-            </a:effectRef>
-            <a:fontRef idx="minor">
-              <a:schemeClr val="lt1"/>
-            </a:fontRef>
-          </p:style>
-          <p:txBody>
-            <a:bodyPr rtlCol="0" anchor="ctr"/>
-            <a:lstStyle/>
-            <a:p>
-              <a:pPr algn="ctr"/>
-              <a:endParaRPr lang="en-US"/>
-            </a:p>
-          </p:txBody>
-        </p:sp>
-        <p:sp>
-          <p:nvSpPr>
-            <p:cNvPr id="41" name="Cube 40">
-              <a:extLst>
-                <a:ext uri="{FF2B5EF4-FFF2-40B4-BE49-F238E27FC236}">
-                  <a16:creationId xmlns:a16="http://schemas.microsoft.com/office/drawing/2014/main" id="{B052AA71-3EB9-DE43-A988-992F0A3484D2}"/>
-                </a:ext>
-              </a:extLst>
-            </p:cNvPr>
-            <p:cNvSpPr>
-              <a:spLocks noChangeAspect="1"/>
-            </p:cNvSpPr>
-            <p:nvPr/>
-          </p:nvSpPr>
-          <p:spPr>
-            <a:xfrm>
-              <a:off x="9882501" y="3380438"/>
-              <a:ext cx="182880" cy="182880"/>
-            </a:xfrm>
-            <a:prstGeom prst="cube">
-              <a:avLst/>
-            </a:prstGeom>
-            <a:solidFill>
-              <a:schemeClr val="accent4">
-                <a:lumMod val="75000"/>
-              </a:schemeClr>
-            </a:solidFill>
-            <a:ln>
-              <a:solidFill>
-                <a:schemeClr val="tx1"/>
-              </a:solidFill>
-            </a:ln>
-          </p:spPr>
-          <p:style>
-            <a:lnRef idx="2">
-              <a:schemeClr val="accent1">
-                <a:shade val="50000"/>
-              </a:schemeClr>
-            </a:lnRef>
-            <a:fillRef idx="1">
-              <a:schemeClr val="accent1"/>
-            </a:fillRef>
-            <a:effectRef idx="0">
-              <a:schemeClr val="accent1"/>
-            </a:effectRef>
-            <a:fontRef idx="minor">
-              <a:schemeClr val="lt1"/>
-            </a:fontRef>
-          </p:style>
-          <p:txBody>
-            <a:bodyPr rtlCol="0" anchor="ctr"/>
-            <a:lstStyle/>
-            <a:p>
-              <a:pPr algn="ctr"/>
-              <a:endParaRPr lang="en-US"/>
-            </a:p>
-          </p:txBody>
-        </p:sp>
-        <p:sp>
-          <p:nvSpPr>
-            <p:cNvPr id="42" name="Cube 41">
-              <a:extLst>
-                <a:ext uri="{FF2B5EF4-FFF2-40B4-BE49-F238E27FC236}">
-                  <a16:creationId xmlns:a16="http://schemas.microsoft.com/office/drawing/2014/main" id="{C03C1E74-2E3A-C048-B887-1390884CB6AD}"/>
-                </a:ext>
-              </a:extLst>
-            </p:cNvPr>
-            <p:cNvSpPr>
-              <a:spLocks noChangeAspect="1"/>
-            </p:cNvSpPr>
-            <p:nvPr/>
-          </p:nvSpPr>
-          <p:spPr>
-            <a:xfrm>
-              <a:off x="10065381" y="3380438"/>
-              <a:ext cx="182880" cy="182880"/>
-            </a:xfrm>
-            <a:prstGeom prst="cube">
-              <a:avLst/>
-            </a:prstGeom>
-            <a:solidFill>
-              <a:schemeClr val="accent4">
-                <a:lumMod val="75000"/>
-              </a:schemeClr>
-            </a:solidFill>
-            <a:ln>
-              <a:solidFill>
-                <a:schemeClr val="tx1"/>
-              </a:solidFill>
-            </a:ln>
-          </p:spPr>
-          <p:style>
-            <a:lnRef idx="2">
-              <a:schemeClr val="accent1">
-                <a:shade val="50000"/>
-              </a:schemeClr>
-            </a:lnRef>
-            <a:fillRef idx="1">
-              <a:schemeClr val="accent1"/>
-            </a:fillRef>
-            <a:effectRef idx="0">
-              <a:schemeClr val="accent1"/>
-            </a:effectRef>
-            <a:fontRef idx="minor">
-              <a:schemeClr val="lt1"/>
-            </a:fontRef>
-          </p:style>
-          <p:txBody>
-            <a:bodyPr rtlCol="0" anchor="ctr"/>
-            <a:lstStyle/>
-            <a:p>
-              <a:pPr algn="ctr"/>
-              <a:endParaRPr lang="en-US"/>
-            </a:p>
-          </p:txBody>
-        </p:sp>
-        <p:sp>
-          <p:nvSpPr>
-            <p:cNvPr id="43" name="Cube 42">
-              <a:extLst>
-                <a:ext uri="{FF2B5EF4-FFF2-40B4-BE49-F238E27FC236}">
-                  <a16:creationId xmlns:a16="http://schemas.microsoft.com/office/drawing/2014/main" id="{C666D89A-0A36-1F4E-889A-05983C17DA58}"/>
-                </a:ext>
-              </a:extLst>
-            </p:cNvPr>
-            <p:cNvSpPr>
-              <a:spLocks noChangeAspect="1"/>
-            </p:cNvSpPr>
-            <p:nvPr/>
-          </p:nvSpPr>
-          <p:spPr>
-            <a:xfrm>
-              <a:off x="10248261" y="3492599"/>
-              <a:ext cx="182880" cy="182880"/>
-            </a:xfrm>
-            <a:prstGeom prst="cube">
-              <a:avLst/>
-            </a:prstGeom>
-            <a:solidFill>
-              <a:schemeClr val="accent4">
-                <a:lumMod val="75000"/>
-              </a:schemeClr>
-            </a:solidFill>
-            <a:ln>
-              <a:solidFill>
-                <a:schemeClr val="tx1"/>
-              </a:solidFill>
-            </a:ln>
-          </p:spPr>
-          <p:style>
-            <a:lnRef idx="2">
-              <a:schemeClr val="accent1">
-                <a:shade val="50000"/>
-              </a:schemeClr>
-            </a:lnRef>
-            <a:fillRef idx="1">
-              <a:schemeClr val="accent1"/>
-            </a:fillRef>
-            <a:effectRef idx="0">
-              <a:schemeClr val="accent1"/>
-            </a:effectRef>
-            <a:fontRef idx="minor">
-              <a:schemeClr val="lt1"/>
-            </a:fontRef>
-          </p:style>
-          <p:txBody>
-            <a:bodyPr rtlCol="0" anchor="ctr"/>
-            <a:lstStyle/>
-            <a:p>
-              <a:pPr algn="ctr"/>
-              <a:endParaRPr lang="en-US"/>
-            </a:p>
-          </p:txBody>
-        </p:sp>
-        <p:sp>
-          <p:nvSpPr>
-            <p:cNvPr id="44" name="Cube 43">
-              <a:extLst>
-                <a:ext uri="{FF2B5EF4-FFF2-40B4-BE49-F238E27FC236}">
-                  <a16:creationId xmlns:a16="http://schemas.microsoft.com/office/drawing/2014/main" id="{BCB48701-7D0D-9E4F-837A-0942CC8F1C60}"/>
-                </a:ext>
-              </a:extLst>
-            </p:cNvPr>
-            <p:cNvSpPr>
-              <a:spLocks noChangeAspect="1"/>
-            </p:cNvSpPr>
-            <p:nvPr/>
-          </p:nvSpPr>
-          <p:spPr>
-            <a:xfrm>
-              <a:off x="10248261" y="3380438"/>
-              <a:ext cx="182880" cy="182880"/>
-            </a:xfrm>
-            <a:prstGeom prst="cube">
-              <a:avLst/>
-            </a:prstGeom>
-            <a:solidFill>
-              <a:schemeClr val="accent4">
-                <a:lumMod val="75000"/>
-              </a:schemeClr>
-            </a:solidFill>
-            <a:ln>
-              <a:solidFill>
-                <a:schemeClr val="tx1"/>
-              </a:solidFill>
-            </a:ln>
-          </p:spPr>
-          <p:style>
-            <a:lnRef idx="2">
-              <a:schemeClr val="accent1">
-                <a:shade val="50000"/>
-              </a:schemeClr>
-            </a:lnRef>
-            <a:fillRef idx="1">
-              <a:schemeClr val="accent1"/>
-            </a:fillRef>
-            <a:effectRef idx="0">
-              <a:schemeClr val="accent1"/>
-            </a:effectRef>
-            <a:fontRef idx="minor">
-              <a:schemeClr val="lt1"/>
-            </a:fontRef>
-          </p:style>
-          <p:txBody>
-            <a:bodyPr rtlCol="0" anchor="ctr"/>
-            <a:lstStyle/>
-            <a:p>
-              <a:pPr algn="ctr"/>
-              <a:endParaRPr lang="en-US"/>
-            </a:p>
-          </p:txBody>
-        </p:sp>
-        <p:sp>
-          <p:nvSpPr>
-            <p:cNvPr id="45" name="Cube 44">
-              <a:extLst>
-                <a:ext uri="{FF2B5EF4-FFF2-40B4-BE49-F238E27FC236}">
-                  <a16:creationId xmlns:a16="http://schemas.microsoft.com/office/drawing/2014/main" id="{7EBA737F-A215-6244-9D38-804C94FB8B59}"/>
-                </a:ext>
-              </a:extLst>
-            </p:cNvPr>
-            <p:cNvSpPr>
-              <a:spLocks noChangeAspect="1"/>
-            </p:cNvSpPr>
-            <p:nvPr/>
-          </p:nvSpPr>
-          <p:spPr>
-            <a:xfrm>
-              <a:off x="9699621" y="3492599"/>
-              <a:ext cx="182880" cy="182880"/>
-            </a:xfrm>
-            <a:prstGeom prst="cube">
-              <a:avLst/>
-            </a:prstGeom>
-            <a:solidFill>
-              <a:schemeClr val="accent4">
-                <a:lumMod val="75000"/>
-              </a:schemeClr>
-            </a:solidFill>
-            <a:ln>
-              <a:solidFill>
-                <a:schemeClr val="tx1"/>
-              </a:solidFill>
-            </a:ln>
-          </p:spPr>
-          <p:style>
-            <a:lnRef idx="2">
-              <a:schemeClr val="accent1">
-                <a:shade val="50000"/>
-              </a:schemeClr>
-            </a:lnRef>
-            <a:fillRef idx="1">
-              <a:schemeClr val="accent1"/>
-            </a:fillRef>
-            <a:effectRef idx="0">
-              <a:schemeClr val="accent1"/>
-            </a:effectRef>
-            <a:fontRef idx="minor">
-              <a:schemeClr val="lt1"/>
-            </a:fontRef>
-          </p:style>
-          <p:txBody>
-            <a:bodyPr rtlCol="0" anchor="ctr"/>
-            <a:lstStyle/>
-            <a:p>
-              <a:pPr algn="ctr"/>
-              <a:endParaRPr lang="en-US"/>
-            </a:p>
-          </p:txBody>
-        </p:sp>
-        <p:sp>
-          <p:nvSpPr>
-            <p:cNvPr id="46" name="Cube 45">
-              <a:extLst>
-                <a:ext uri="{FF2B5EF4-FFF2-40B4-BE49-F238E27FC236}">
-                  <a16:creationId xmlns:a16="http://schemas.microsoft.com/office/drawing/2014/main" id="{70E2B586-D246-B845-ABA9-81103CB73062}"/>
-                </a:ext>
-              </a:extLst>
-            </p:cNvPr>
-            <p:cNvSpPr>
-              <a:spLocks noChangeAspect="1"/>
-            </p:cNvSpPr>
-            <p:nvPr/>
-          </p:nvSpPr>
-          <p:spPr>
-            <a:xfrm>
-              <a:off x="9699621" y="3380438"/>
-              <a:ext cx="182880" cy="182880"/>
-            </a:xfrm>
-            <a:prstGeom prst="cube">
-              <a:avLst/>
-            </a:prstGeom>
-            <a:solidFill>
-              <a:schemeClr val="accent4">
-                <a:lumMod val="75000"/>
-              </a:schemeClr>
-            </a:solidFill>
-            <a:ln>
-              <a:solidFill>
-                <a:schemeClr val="tx1"/>
-              </a:solidFill>
-            </a:ln>
-          </p:spPr>
-          <p:style>
-            <a:lnRef idx="2">
-              <a:schemeClr val="accent1">
-                <a:shade val="50000"/>
-              </a:schemeClr>
-            </a:lnRef>
-            <a:fillRef idx="1">
-              <a:schemeClr val="accent1"/>
-            </a:fillRef>
-            <a:effectRef idx="0">
-              <a:schemeClr val="accent1"/>
-            </a:effectRef>
-            <a:fontRef idx="minor">
-              <a:schemeClr val="lt1"/>
-            </a:fontRef>
-          </p:style>
-          <p:txBody>
-            <a:bodyPr rtlCol="0" anchor="ctr"/>
-            <a:lstStyle/>
-            <a:p>
-              <a:pPr algn="ctr"/>
-              <a:endParaRPr lang="en-US"/>
-            </a:p>
-          </p:txBody>
-        </p:sp>
-      </p:grpSp>
-    </p:spTree>
-    <p:extLst>
-      <p:ext uri="{BB962C8B-B14F-4D97-AF65-F5344CB8AC3E}">
-        <p14:creationId xmlns:p14="http://schemas.microsoft.com/office/powerpoint/2010/main" val="3201140068"/>
-      </p:ext>
-    </p:extLst>
-  </p:cSld>
-  <p:clrMapOvr>
-    <a:masterClrMapping/>
-  </p:clrMapOvr>
-</p:sld>
-</file>
-
 <file path=ppt/theme/theme1.xml><?xml version="1.0" encoding="utf-8"?>
 <a:theme xmlns:a="http://schemas.openxmlformats.org/drawingml/2006/main" name="Office Theme">
   <a:themeElements>

--- a/XPlanningEvaluation/data/instruction/cropped-instruction-color-blind-friendly.pptx
+++ b/XPlanningEvaluation/data/instruction/cropped-instruction-color-blind-friendly.pptx
@@ -4,6 +4,9 @@
   <p:sldMasterIdLst>
     <p:sldMasterId id="2147483660" r:id="rId1"/>
   </p:sldMasterIdLst>
+  <p:notesMasterIdLst>
+    <p:notesMasterId r:id="rId14"/>
+  </p:notesMasterIdLst>
   <p:sldIdLst>
     <p:sldId id="269" r:id="rId2"/>
     <p:sldId id="270" r:id="rId3"/>
@@ -12,10 +15,11 @@
     <p:sldId id="279" r:id="rId6"/>
     <p:sldId id="286" r:id="rId7"/>
     <p:sldId id="289" r:id="rId8"/>
-    <p:sldId id="281" r:id="rId9"/>
-    <p:sldId id="287" r:id="rId10"/>
-    <p:sldId id="283" r:id="rId11"/>
-    <p:sldId id="288" r:id="rId12"/>
+    <p:sldId id="290" r:id="rId9"/>
+    <p:sldId id="281" r:id="rId10"/>
+    <p:sldId id="287" r:id="rId11"/>
+    <p:sldId id="283" r:id="rId12"/>
+    <p:sldId id="288" r:id="rId13"/>
   </p:sldIdLst>
   <p:sldSz cx="10972800" cy="3657600"/>
   <p:notesSz cx="6858000" cy="9144000"/>
@@ -120,6 +124,529 @@
     </p:ext>
   </p:extLst>
 </p:presentation>
+</file>
+
+<file path=ppt/notesMasters/notesMaster1.xml><?xml version="1.0" encoding="utf-8"?>
+<p:notesMaster xmlns:a="http://schemas.openxmlformats.org/drawingml/2006/main" xmlns:r="http://schemas.openxmlformats.org/officeDocument/2006/relationships" xmlns:p="http://schemas.openxmlformats.org/presentationml/2006/main">
+  <p:cSld>
+    <p:bg>
+      <p:bgRef idx="1001">
+        <a:schemeClr val="bg1"/>
+      </p:bgRef>
+    </p:bg>
+    <p:spTree>
+      <p:nvGrpSpPr>
+        <p:cNvPr id="1" name=""/>
+        <p:cNvGrpSpPr/>
+        <p:nvPr/>
+      </p:nvGrpSpPr>
+      <p:grpSpPr>
+        <a:xfrm>
+          <a:off x="0" y="0"/>
+          <a:ext cx="0" cy="0"/>
+          <a:chOff x="0" y="0"/>
+          <a:chExt cx="0" cy="0"/>
+        </a:xfrm>
+      </p:grpSpPr>
+      <p:sp>
+        <p:nvSpPr>
+          <p:cNvPr id="2" name="Header Placeholder 1"/>
+          <p:cNvSpPr>
+            <a:spLocks noGrp="1"/>
+          </p:cNvSpPr>
+          <p:nvPr>
+            <p:ph type="hdr" sz="quarter"/>
+          </p:nvPr>
+        </p:nvSpPr>
+        <p:spPr>
+          <a:xfrm>
+            <a:off x="0" y="0"/>
+            <a:ext cx="2971800" cy="458788"/>
+          </a:xfrm>
+          <a:prstGeom prst="rect">
+            <a:avLst/>
+          </a:prstGeom>
+        </p:spPr>
+        <p:txBody>
+          <a:bodyPr vert="horz" lIns="91440" tIns="45720" rIns="91440" bIns="45720" rtlCol="0"/>
+          <a:lstStyle>
+            <a:lvl1pPr algn="l">
+              <a:defRPr sz="1200"/>
+            </a:lvl1pPr>
+          </a:lstStyle>
+          <a:p>
+            <a:endParaRPr lang="en-US"/>
+          </a:p>
+        </p:txBody>
+      </p:sp>
+      <p:sp>
+        <p:nvSpPr>
+          <p:cNvPr id="3" name="Date Placeholder 2"/>
+          <p:cNvSpPr>
+            <a:spLocks noGrp="1"/>
+          </p:cNvSpPr>
+          <p:nvPr>
+            <p:ph type="dt" idx="1"/>
+          </p:nvPr>
+        </p:nvSpPr>
+        <p:spPr>
+          <a:xfrm>
+            <a:off x="3884613" y="0"/>
+            <a:ext cx="2971800" cy="458788"/>
+          </a:xfrm>
+          <a:prstGeom prst="rect">
+            <a:avLst/>
+          </a:prstGeom>
+        </p:spPr>
+        <p:txBody>
+          <a:bodyPr vert="horz" lIns="91440" tIns="45720" rIns="91440" bIns="45720" rtlCol="0"/>
+          <a:lstStyle>
+            <a:lvl1pPr algn="r">
+              <a:defRPr sz="1200"/>
+            </a:lvl1pPr>
+          </a:lstStyle>
+          <a:p>
+            <a:fld id="{4F87DD2B-3E7F-4F42-952E-CAA119C150C5}" type="datetimeFigureOut">
+              <a:rPr lang="en-US" smtClean="0"/>
+              <a:t>4/22/20</a:t>
+            </a:fld>
+            <a:endParaRPr lang="en-US"/>
+          </a:p>
+        </p:txBody>
+      </p:sp>
+      <p:sp>
+        <p:nvSpPr>
+          <p:cNvPr id="4" name="Slide Image Placeholder 3"/>
+          <p:cNvSpPr>
+            <a:spLocks noGrp="1" noRot="1" noChangeAspect="1"/>
+          </p:cNvSpPr>
+          <p:nvPr>
+            <p:ph type="sldImg" idx="2"/>
+          </p:nvPr>
+        </p:nvSpPr>
+        <p:spPr>
+          <a:xfrm>
+            <a:off x="-1200150" y="1143000"/>
+            <a:ext cx="9258300" cy="3086100"/>
+          </a:xfrm>
+          <a:prstGeom prst="rect">
+            <a:avLst/>
+          </a:prstGeom>
+          <a:noFill/>
+          <a:ln w="12700">
+            <a:solidFill>
+              <a:prstClr val="black"/>
+            </a:solidFill>
+          </a:ln>
+        </p:spPr>
+        <p:txBody>
+          <a:bodyPr vert="horz" lIns="91440" tIns="45720" rIns="91440" bIns="45720" rtlCol="0" anchor="ctr"/>
+          <a:lstStyle/>
+          <a:p>
+            <a:endParaRPr lang="en-US"/>
+          </a:p>
+        </p:txBody>
+      </p:sp>
+      <p:sp>
+        <p:nvSpPr>
+          <p:cNvPr id="5" name="Notes Placeholder 4"/>
+          <p:cNvSpPr>
+            <a:spLocks noGrp="1"/>
+          </p:cNvSpPr>
+          <p:nvPr>
+            <p:ph type="body" sz="quarter" idx="3"/>
+          </p:nvPr>
+        </p:nvSpPr>
+        <p:spPr>
+          <a:xfrm>
+            <a:off x="685800" y="4400550"/>
+            <a:ext cx="5486400" cy="3600450"/>
+          </a:xfrm>
+          <a:prstGeom prst="rect">
+            <a:avLst/>
+          </a:prstGeom>
+        </p:spPr>
+        <p:txBody>
+          <a:bodyPr vert="horz" lIns="91440" tIns="45720" rIns="91440" bIns="45720" rtlCol="0"/>
+          <a:lstStyle/>
+          <a:p>
+            <a:pPr lvl="0"/>
+            <a:r>
+              <a:rPr lang="en-US"/>
+              <a:t>Click to edit Master text styles</a:t>
+            </a:r>
+          </a:p>
+          <a:p>
+            <a:pPr lvl="1"/>
+            <a:r>
+              <a:rPr lang="en-US"/>
+              <a:t>Second level</a:t>
+            </a:r>
+          </a:p>
+          <a:p>
+            <a:pPr lvl="2"/>
+            <a:r>
+              <a:rPr lang="en-US"/>
+              <a:t>Third level</a:t>
+            </a:r>
+          </a:p>
+          <a:p>
+            <a:pPr lvl="3"/>
+            <a:r>
+              <a:rPr lang="en-US"/>
+              <a:t>Fourth level</a:t>
+            </a:r>
+          </a:p>
+          <a:p>
+            <a:pPr lvl="4"/>
+            <a:r>
+              <a:rPr lang="en-US"/>
+              <a:t>Fifth level</a:t>
+            </a:r>
+          </a:p>
+        </p:txBody>
+      </p:sp>
+      <p:sp>
+        <p:nvSpPr>
+          <p:cNvPr id="6" name="Footer Placeholder 5"/>
+          <p:cNvSpPr>
+            <a:spLocks noGrp="1"/>
+          </p:cNvSpPr>
+          <p:nvPr>
+            <p:ph type="ftr" sz="quarter" idx="4"/>
+          </p:nvPr>
+        </p:nvSpPr>
+        <p:spPr>
+          <a:xfrm>
+            <a:off x="0" y="8685213"/>
+            <a:ext cx="2971800" cy="458787"/>
+          </a:xfrm>
+          <a:prstGeom prst="rect">
+            <a:avLst/>
+          </a:prstGeom>
+        </p:spPr>
+        <p:txBody>
+          <a:bodyPr vert="horz" lIns="91440" tIns="45720" rIns="91440" bIns="45720" rtlCol="0" anchor="b"/>
+          <a:lstStyle>
+            <a:lvl1pPr algn="l">
+              <a:defRPr sz="1200"/>
+            </a:lvl1pPr>
+          </a:lstStyle>
+          <a:p>
+            <a:endParaRPr lang="en-US"/>
+          </a:p>
+        </p:txBody>
+      </p:sp>
+      <p:sp>
+        <p:nvSpPr>
+          <p:cNvPr id="7" name="Slide Number Placeholder 6"/>
+          <p:cNvSpPr>
+            <a:spLocks noGrp="1"/>
+          </p:cNvSpPr>
+          <p:nvPr>
+            <p:ph type="sldNum" sz="quarter" idx="5"/>
+          </p:nvPr>
+        </p:nvSpPr>
+        <p:spPr>
+          <a:xfrm>
+            <a:off x="3884613" y="8685213"/>
+            <a:ext cx="2971800" cy="458787"/>
+          </a:xfrm>
+          <a:prstGeom prst="rect">
+            <a:avLst/>
+          </a:prstGeom>
+        </p:spPr>
+        <p:txBody>
+          <a:bodyPr vert="horz" lIns="91440" tIns="45720" rIns="91440" bIns="45720" rtlCol="0" anchor="b"/>
+          <a:lstStyle>
+            <a:lvl1pPr algn="r">
+              <a:defRPr sz="1200"/>
+            </a:lvl1pPr>
+          </a:lstStyle>
+          <a:p>
+            <a:fld id="{78E0591D-3942-554D-B1CE-1CE6A38BCE6E}" type="slidenum">
+              <a:rPr lang="en-US" smtClean="0"/>
+              <a:t>‹#›</a:t>
+            </a:fld>
+            <a:endParaRPr lang="en-US"/>
+          </a:p>
+        </p:txBody>
+      </p:sp>
+    </p:spTree>
+    <p:extLst>
+      <p:ext uri="{BB962C8B-B14F-4D97-AF65-F5344CB8AC3E}">
+        <p14:creationId xmlns:p14="http://schemas.microsoft.com/office/powerpoint/2010/main" val="2487908775"/>
+      </p:ext>
+    </p:extLst>
+  </p:cSld>
+  <p:clrMap bg1="lt1" tx1="dk1" bg2="lt2" tx2="dk2" accent1="accent1" accent2="accent2" accent3="accent3" accent4="accent4" accent5="accent5" accent6="accent6" hlink="hlink" folHlink="folHlink"/>
+  <p:notesStyle>
+    <a:lvl1pPr marL="0" algn="l" defTabSz="914400" rtl="0" eaLnBrk="1" latinLnBrk="0" hangingPunct="1">
+      <a:defRPr sz="1200" kern="1200">
+        <a:solidFill>
+          <a:schemeClr val="tx1"/>
+        </a:solidFill>
+        <a:latin typeface="+mn-lt"/>
+        <a:ea typeface="+mn-ea"/>
+        <a:cs typeface="+mn-cs"/>
+      </a:defRPr>
+    </a:lvl1pPr>
+    <a:lvl2pPr marL="457200" algn="l" defTabSz="914400" rtl="0" eaLnBrk="1" latinLnBrk="0" hangingPunct="1">
+      <a:defRPr sz="1200" kern="1200">
+        <a:solidFill>
+          <a:schemeClr val="tx1"/>
+        </a:solidFill>
+        <a:latin typeface="+mn-lt"/>
+        <a:ea typeface="+mn-ea"/>
+        <a:cs typeface="+mn-cs"/>
+      </a:defRPr>
+    </a:lvl2pPr>
+    <a:lvl3pPr marL="914400" algn="l" defTabSz="914400" rtl="0" eaLnBrk="1" latinLnBrk="0" hangingPunct="1">
+      <a:defRPr sz="1200" kern="1200">
+        <a:solidFill>
+          <a:schemeClr val="tx1"/>
+        </a:solidFill>
+        <a:latin typeface="+mn-lt"/>
+        <a:ea typeface="+mn-ea"/>
+        <a:cs typeface="+mn-cs"/>
+      </a:defRPr>
+    </a:lvl3pPr>
+    <a:lvl4pPr marL="1371600" algn="l" defTabSz="914400" rtl="0" eaLnBrk="1" latinLnBrk="0" hangingPunct="1">
+      <a:defRPr sz="1200" kern="1200">
+        <a:solidFill>
+          <a:schemeClr val="tx1"/>
+        </a:solidFill>
+        <a:latin typeface="+mn-lt"/>
+        <a:ea typeface="+mn-ea"/>
+        <a:cs typeface="+mn-cs"/>
+      </a:defRPr>
+    </a:lvl4pPr>
+    <a:lvl5pPr marL="1828800" algn="l" defTabSz="914400" rtl="0" eaLnBrk="1" latinLnBrk="0" hangingPunct="1">
+      <a:defRPr sz="1200" kern="1200">
+        <a:solidFill>
+          <a:schemeClr val="tx1"/>
+        </a:solidFill>
+        <a:latin typeface="+mn-lt"/>
+        <a:ea typeface="+mn-ea"/>
+        <a:cs typeface="+mn-cs"/>
+      </a:defRPr>
+    </a:lvl5pPr>
+    <a:lvl6pPr marL="2286000" algn="l" defTabSz="914400" rtl="0" eaLnBrk="1" latinLnBrk="0" hangingPunct="1">
+      <a:defRPr sz="1200" kern="1200">
+        <a:solidFill>
+          <a:schemeClr val="tx1"/>
+        </a:solidFill>
+        <a:latin typeface="+mn-lt"/>
+        <a:ea typeface="+mn-ea"/>
+        <a:cs typeface="+mn-cs"/>
+      </a:defRPr>
+    </a:lvl6pPr>
+    <a:lvl7pPr marL="2743200" algn="l" defTabSz="914400" rtl="0" eaLnBrk="1" latinLnBrk="0" hangingPunct="1">
+      <a:defRPr sz="1200" kern="1200">
+        <a:solidFill>
+          <a:schemeClr val="tx1"/>
+        </a:solidFill>
+        <a:latin typeface="+mn-lt"/>
+        <a:ea typeface="+mn-ea"/>
+        <a:cs typeface="+mn-cs"/>
+      </a:defRPr>
+    </a:lvl7pPr>
+    <a:lvl8pPr marL="3200400" algn="l" defTabSz="914400" rtl="0" eaLnBrk="1" latinLnBrk="0" hangingPunct="1">
+      <a:defRPr sz="1200" kern="1200">
+        <a:solidFill>
+          <a:schemeClr val="tx1"/>
+        </a:solidFill>
+        <a:latin typeface="+mn-lt"/>
+        <a:ea typeface="+mn-ea"/>
+        <a:cs typeface="+mn-cs"/>
+      </a:defRPr>
+    </a:lvl8pPr>
+    <a:lvl9pPr marL="3657600" algn="l" defTabSz="914400" rtl="0" eaLnBrk="1" latinLnBrk="0" hangingPunct="1">
+      <a:defRPr sz="1200" kern="1200">
+        <a:solidFill>
+          <a:schemeClr val="tx1"/>
+        </a:solidFill>
+        <a:latin typeface="+mn-lt"/>
+        <a:ea typeface="+mn-ea"/>
+        <a:cs typeface="+mn-cs"/>
+      </a:defRPr>
+    </a:lvl9pPr>
+  </p:notesStyle>
+</p:notesMaster>
+</file>
+
+<file path=ppt/notesSlides/notesSlide1.xml><?xml version="1.0" encoding="utf-8"?>
+<p:notes xmlns:a="http://schemas.openxmlformats.org/drawingml/2006/main" xmlns:r="http://schemas.openxmlformats.org/officeDocument/2006/relationships" xmlns:p="http://schemas.openxmlformats.org/presentationml/2006/main">
+  <p:cSld>
+    <p:spTree>
+      <p:nvGrpSpPr>
+        <p:cNvPr id="1" name=""/>
+        <p:cNvGrpSpPr/>
+        <p:nvPr/>
+      </p:nvGrpSpPr>
+      <p:grpSpPr>
+        <a:xfrm>
+          <a:off x="0" y="0"/>
+          <a:ext cx="0" cy="0"/>
+          <a:chOff x="0" y="0"/>
+          <a:chExt cx="0" cy="0"/>
+        </a:xfrm>
+      </p:grpSpPr>
+      <p:sp>
+        <p:nvSpPr>
+          <p:cNvPr id="2" name="Slide Image Placeholder 1"/>
+          <p:cNvSpPr>
+            <a:spLocks noGrp="1" noRot="1" noChangeAspect="1"/>
+          </p:cNvSpPr>
+          <p:nvPr>
+            <p:ph type="sldImg"/>
+          </p:nvPr>
+        </p:nvSpPr>
+        <p:spPr/>
+      </p:sp>
+      <p:sp>
+        <p:nvSpPr>
+          <p:cNvPr id="3" name="Notes Placeholder 2"/>
+          <p:cNvSpPr>
+            <a:spLocks noGrp="1"/>
+          </p:cNvSpPr>
+          <p:nvPr>
+            <p:ph type="body" idx="1"/>
+          </p:nvPr>
+        </p:nvSpPr>
+        <p:spPr/>
+        <p:txBody>
+          <a:bodyPr/>
+          <a:lstStyle/>
+          <a:p>
+            <a:r>
+              <a:rPr lang="en-US"/>
+              <a:t>For paper uses</a:t>
+            </a:r>
+          </a:p>
+        </p:txBody>
+      </p:sp>
+      <p:sp>
+        <p:nvSpPr>
+          <p:cNvPr id="4" name="Slide Number Placeholder 3"/>
+          <p:cNvSpPr>
+            <a:spLocks noGrp="1"/>
+          </p:cNvSpPr>
+          <p:nvPr>
+            <p:ph type="sldNum" sz="quarter" idx="5"/>
+          </p:nvPr>
+        </p:nvSpPr>
+        <p:spPr/>
+        <p:txBody>
+          <a:bodyPr/>
+          <a:lstStyle/>
+          <a:p>
+            <a:fld id="{78E0591D-3942-554D-B1CE-1CE6A38BCE6E}" type="slidenum">
+              <a:rPr lang="en-US" smtClean="0"/>
+              <a:t>7</a:t>
+            </a:fld>
+            <a:endParaRPr lang="en-US"/>
+          </a:p>
+        </p:txBody>
+      </p:sp>
+    </p:spTree>
+    <p:extLst>
+      <p:ext uri="{BB962C8B-B14F-4D97-AF65-F5344CB8AC3E}">
+        <p14:creationId xmlns:p14="http://schemas.microsoft.com/office/powerpoint/2010/main" val="3156968835"/>
+      </p:ext>
+    </p:extLst>
+  </p:cSld>
+  <p:clrMapOvr>
+    <a:masterClrMapping/>
+  </p:clrMapOvr>
+</p:notes>
+</file>
+
+<file path=ppt/notesSlides/notesSlide2.xml><?xml version="1.0" encoding="utf-8"?>
+<p:notes xmlns:a="http://schemas.openxmlformats.org/drawingml/2006/main" xmlns:r="http://schemas.openxmlformats.org/officeDocument/2006/relationships" xmlns:p="http://schemas.openxmlformats.org/presentationml/2006/main">
+  <p:cSld>
+    <p:spTree>
+      <p:nvGrpSpPr>
+        <p:cNvPr id="1" name=""/>
+        <p:cNvGrpSpPr/>
+        <p:nvPr/>
+      </p:nvGrpSpPr>
+      <p:grpSpPr>
+        <a:xfrm>
+          <a:off x="0" y="0"/>
+          <a:ext cx="0" cy="0"/>
+          <a:chOff x="0" y="0"/>
+          <a:chExt cx="0" cy="0"/>
+        </a:xfrm>
+      </p:grpSpPr>
+      <p:sp>
+        <p:nvSpPr>
+          <p:cNvPr id="2" name="Slide Image Placeholder 1"/>
+          <p:cNvSpPr>
+            <a:spLocks noGrp="1" noRot="1" noChangeAspect="1"/>
+          </p:cNvSpPr>
+          <p:nvPr>
+            <p:ph type="sldImg"/>
+          </p:nvPr>
+        </p:nvSpPr>
+        <p:spPr/>
+      </p:sp>
+      <p:sp>
+        <p:nvSpPr>
+          <p:cNvPr id="3" name="Notes Placeholder 2"/>
+          <p:cNvSpPr>
+            <a:spLocks noGrp="1"/>
+          </p:cNvSpPr>
+          <p:nvPr>
+            <p:ph type="body" idx="1"/>
+          </p:nvPr>
+        </p:nvSpPr>
+        <p:spPr/>
+        <p:txBody>
+          <a:bodyPr/>
+          <a:lstStyle/>
+          <a:p>
+            <a:r>
+              <a:rPr lang="en-US" dirty="0"/>
+              <a:t>For paper uses</a:t>
+            </a:r>
+          </a:p>
+        </p:txBody>
+      </p:sp>
+      <p:sp>
+        <p:nvSpPr>
+          <p:cNvPr id="4" name="Slide Number Placeholder 3"/>
+          <p:cNvSpPr>
+            <a:spLocks noGrp="1"/>
+          </p:cNvSpPr>
+          <p:nvPr>
+            <p:ph type="sldNum" sz="quarter" idx="5"/>
+          </p:nvPr>
+        </p:nvSpPr>
+        <p:spPr/>
+        <p:txBody>
+          <a:bodyPr/>
+          <a:lstStyle/>
+          <a:p>
+            <a:fld id="{78E0591D-3942-554D-B1CE-1CE6A38BCE6E}" type="slidenum">
+              <a:rPr lang="en-US" smtClean="0"/>
+              <a:t>8</a:t>
+            </a:fld>
+            <a:endParaRPr lang="en-US"/>
+          </a:p>
+        </p:txBody>
+      </p:sp>
+    </p:spTree>
+    <p:extLst>
+      <p:ext uri="{BB962C8B-B14F-4D97-AF65-F5344CB8AC3E}">
+        <p14:creationId xmlns:p14="http://schemas.microsoft.com/office/powerpoint/2010/main" val="4024735573"/>
+      </p:ext>
+    </p:extLst>
+  </p:cSld>
+  <p:clrMapOvr>
+    <a:masterClrMapping/>
+  </p:clrMapOvr>
+</p:notes>
 </file>
 
 <file path=ppt/slideLayouts/slideLayout1.xml><?xml version="1.0" encoding="utf-8"?>
@@ -253,7 +780,7 @@
           <a:p>
             <a:fld id="{27BCE1D4-18BF-8B43-BAE6-89028543CF06}" type="datetimeFigureOut">
               <a:rPr lang="en-US" smtClean="0"/>
-              <a:t>4/9/20</a:t>
+              <a:t>4/22/20</a:t>
             </a:fld>
             <a:endParaRPr lang="en-US"/>
           </a:p>
@@ -423,7 +950,7 @@
           <a:p>
             <a:fld id="{27BCE1D4-18BF-8B43-BAE6-89028543CF06}" type="datetimeFigureOut">
               <a:rPr lang="en-US" smtClean="0"/>
-              <a:t>4/9/20</a:t>
+              <a:t>4/22/20</a:t>
             </a:fld>
             <a:endParaRPr lang="en-US"/>
           </a:p>
@@ -603,7 +1130,7 @@
           <a:p>
             <a:fld id="{27BCE1D4-18BF-8B43-BAE6-89028543CF06}" type="datetimeFigureOut">
               <a:rPr lang="en-US" smtClean="0"/>
-              <a:t>4/9/20</a:t>
+              <a:t>4/22/20</a:t>
             </a:fld>
             <a:endParaRPr lang="en-US"/>
           </a:p>
@@ -773,7 +1300,7 @@
           <a:p>
             <a:fld id="{27BCE1D4-18BF-8B43-BAE6-89028543CF06}" type="datetimeFigureOut">
               <a:rPr lang="en-US" smtClean="0"/>
-              <a:t>4/9/20</a:t>
+              <a:t>4/22/20</a:t>
             </a:fld>
             <a:endParaRPr lang="en-US"/>
           </a:p>
@@ -1019,7 +1546,7 @@
           <a:p>
             <a:fld id="{27BCE1D4-18BF-8B43-BAE6-89028543CF06}" type="datetimeFigureOut">
               <a:rPr lang="en-US" smtClean="0"/>
-              <a:t>4/9/20</a:t>
+              <a:t>4/22/20</a:t>
             </a:fld>
             <a:endParaRPr lang="en-US"/>
           </a:p>
@@ -1251,7 +1778,7 @@
           <a:p>
             <a:fld id="{27BCE1D4-18BF-8B43-BAE6-89028543CF06}" type="datetimeFigureOut">
               <a:rPr lang="en-US" smtClean="0"/>
-              <a:t>4/9/20</a:t>
+              <a:t>4/22/20</a:t>
             </a:fld>
             <a:endParaRPr lang="en-US"/>
           </a:p>
@@ -1618,7 +2145,7 @@
           <a:p>
             <a:fld id="{27BCE1D4-18BF-8B43-BAE6-89028543CF06}" type="datetimeFigureOut">
               <a:rPr lang="en-US" smtClean="0"/>
-              <a:t>4/9/20</a:t>
+              <a:t>4/22/20</a:t>
             </a:fld>
             <a:endParaRPr lang="en-US"/>
           </a:p>
@@ -1736,7 +2263,7 @@
           <a:p>
             <a:fld id="{27BCE1D4-18BF-8B43-BAE6-89028543CF06}" type="datetimeFigureOut">
               <a:rPr lang="en-US" smtClean="0"/>
-              <a:t>4/9/20</a:t>
+              <a:t>4/22/20</a:t>
             </a:fld>
             <a:endParaRPr lang="en-US"/>
           </a:p>
@@ -1831,7 +2358,7 @@
           <a:p>
             <a:fld id="{27BCE1D4-18BF-8B43-BAE6-89028543CF06}" type="datetimeFigureOut">
               <a:rPr lang="en-US" smtClean="0"/>
-              <a:t>4/9/20</a:t>
+              <a:t>4/22/20</a:t>
             </a:fld>
             <a:endParaRPr lang="en-US"/>
           </a:p>
@@ -2108,7 +2635,7 @@
           <a:p>
             <a:fld id="{27BCE1D4-18BF-8B43-BAE6-89028543CF06}" type="datetimeFigureOut">
               <a:rPr lang="en-US" smtClean="0"/>
-              <a:t>4/9/20</a:t>
+              <a:t>4/22/20</a:t>
             </a:fld>
             <a:endParaRPr lang="en-US"/>
           </a:p>
@@ -2365,7 +2892,7 @@
           <a:p>
             <a:fld id="{27BCE1D4-18BF-8B43-BAE6-89028543CF06}" type="datetimeFigureOut">
               <a:rPr lang="en-US" smtClean="0"/>
-              <a:t>4/9/20</a:t>
+              <a:t>4/22/20</a:t>
             </a:fld>
             <a:endParaRPr lang="en-US"/>
           </a:p>
@@ -2578,7 +3105,7 @@
           <a:p>
             <a:fld id="{27BCE1D4-18BF-8B43-BAE6-89028543CF06}" type="datetimeFigureOut">
               <a:rPr lang="en-US" smtClean="0"/>
-              <a:t>4/9/20</a:t>
+              <a:t>4/22/20</a:t>
             </a:fld>
             <a:endParaRPr lang="en-US"/>
           </a:p>
@@ -3241,6 +3768,1932 @@
           <a:chExt cx="0" cy="0"/>
         </a:xfrm>
       </p:grpSpPr>
+      <p:grpSp>
+        <p:nvGrpSpPr>
+          <p:cNvPr id="40" name="Group 39">
+            <a:extLst>
+              <a:ext uri="{FF2B5EF4-FFF2-40B4-BE49-F238E27FC236}">
+                <a16:creationId xmlns:a16="http://schemas.microsoft.com/office/drawing/2014/main" id="{B83DEC88-3101-2348-84FC-9955C9B1BD71}"/>
+              </a:ext>
+            </a:extLst>
+          </p:cNvPr>
+          <p:cNvGrpSpPr/>
+          <p:nvPr/>
+        </p:nvGrpSpPr>
+        <p:grpSpPr>
+          <a:xfrm>
+            <a:off x="48876" y="76686"/>
+            <a:ext cx="6875724" cy="2849528"/>
+            <a:chOff x="48876" y="76686"/>
+            <a:chExt cx="6875724" cy="2849528"/>
+          </a:xfrm>
+        </p:grpSpPr>
+        <p:sp>
+          <p:nvSpPr>
+            <p:cNvPr id="2" name="TextBox 1">
+              <a:extLst>
+                <a:ext uri="{FF2B5EF4-FFF2-40B4-BE49-F238E27FC236}">
+                  <a16:creationId xmlns:a16="http://schemas.microsoft.com/office/drawing/2014/main" id="{84891175-C4F5-8047-B969-FE42A84AFE7C}"/>
+                </a:ext>
+              </a:extLst>
+            </p:cNvPr>
+            <p:cNvSpPr txBox="1"/>
+            <p:nvPr/>
+          </p:nvSpPr>
+          <p:spPr>
+            <a:xfrm>
+              <a:off x="48876" y="2552327"/>
+              <a:ext cx="632289" cy="369332"/>
+            </a:xfrm>
+            <a:prstGeom prst="rect">
+              <a:avLst/>
+            </a:prstGeom>
+            <a:noFill/>
+          </p:spPr>
+          <p:txBody>
+            <a:bodyPr wrap="none" rtlCol="0">
+              <a:spAutoFit/>
+            </a:bodyPr>
+            <a:lstStyle/>
+            <a:p>
+              <a:r>
+                <a:rPr lang="en-US" dirty="0"/>
+                <a:t>Start</a:t>
+              </a:r>
+            </a:p>
+          </p:txBody>
+        </p:sp>
+        <p:sp>
+          <p:nvSpPr>
+            <p:cNvPr id="3" name="TextBox 2">
+              <a:extLst>
+                <a:ext uri="{FF2B5EF4-FFF2-40B4-BE49-F238E27FC236}">
+                  <a16:creationId xmlns:a16="http://schemas.microsoft.com/office/drawing/2014/main" id="{EABCBF12-C483-0140-A9F1-4012E24154FA}"/>
+                </a:ext>
+              </a:extLst>
+            </p:cNvPr>
+            <p:cNvSpPr txBox="1"/>
+            <p:nvPr/>
+          </p:nvSpPr>
+          <p:spPr>
+            <a:xfrm>
+              <a:off x="6308726" y="2556882"/>
+              <a:ext cx="615874" cy="369332"/>
+            </a:xfrm>
+            <a:prstGeom prst="rect">
+              <a:avLst/>
+            </a:prstGeom>
+            <a:noFill/>
+          </p:spPr>
+          <p:txBody>
+            <a:bodyPr wrap="none" rtlCol="0">
+              <a:spAutoFit/>
+            </a:bodyPr>
+            <a:lstStyle/>
+            <a:p>
+              <a:r>
+                <a:rPr lang="en-US" dirty="0"/>
+                <a:t>Goal</a:t>
+              </a:r>
+            </a:p>
+          </p:txBody>
+        </p:sp>
+        <p:cxnSp>
+          <p:nvCxnSpPr>
+            <p:cNvPr id="4" name="Straight Connector 3">
+              <a:extLst>
+                <a:ext uri="{FF2B5EF4-FFF2-40B4-BE49-F238E27FC236}">
+                  <a16:creationId xmlns:a16="http://schemas.microsoft.com/office/drawing/2014/main" id="{4D40D51D-449E-9042-948F-F16576A89A82}"/>
+                </a:ext>
+              </a:extLst>
+            </p:cNvPr>
+            <p:cNvCxnSpPr>
+              <a:cxnSpLocks/>
+            </p:cNvCxnSpPr>
+            <p:nvPr/>
+          </p:nvCxnSpPr>
+          <p:spPr>
+            <a:xfrm>
+              <a:off x="1508532" y="2419723"/>
+              <a:ext cx="799054" cy="0"/>
+            </a:xfrm>
+            <a:prstGeom prst="line">
+              <a:avLst/>
+            </a:prstGeom>
+            <a:ln w="114300">
+              <a:solidFill>
+                <a:srgbClr val="0000FF"/>
+              </a:solidFill>
+            </a:ln>
+          </p:spPr>
+          <p:style>
+            <a:lnRef idx="1">
+              <a:schemeClr val="accent1"/>
+            </a:lnRef>
+            <a:fillRef idx="0">
+              <a:schemeClr val="accent1"/>
+            </a:fillRef>
+            <a:effectRef idx="0">
+              <a:schemeClr val="accent1"/>
+            </a:effectRef>
+            <a:fontRef idx="minor">
+              <a:schemeClr val="tx1"/>
+            </a:fontRef>
+          </p:style>
+        </p:cxnSp>
+        <p:cxnSp>
+          <p:nvCxnSpPr>
+            <p:cNvPr id="5" name="Straight Connector 4">
+              <a:extLst>
+                <a:ext uri="{FF2B5EF4-FFF2-40B4-BE49-F238E27FC236}">
+                  <a16:creationId xmlns:a16="http://schemas.microsoft.com/office/drawing/2014/main" id="{2314DBEA-8F26-E243-BA3E-F5A1BE9CE0DD}"/>
+                </a:ext>
+              </a:extLst>
+            </p:cNvPr>
+            <p:cNvCxnSpPr>
+              <a:cxnSpLocks/>
+            </p:cNvCxnSpPr>
+            <p:nvPr/>
+          </p:nvCxnSpPr>
+          <p:spPr>
+            <a:xfrm>
+              <a:off x="2581906" y="2419723"/>
+              <a:ext cx="1197886" cy="0"/>
+            </a:xfrm>
+            <a:prstGeom prst="line">
+              <a:avLst/>
+            </a:prstGeom>
+            <a:ln w="114300">
+              <a:solidFill>
+                <a:srgbClr val="0000FF"/>
+              </a:solidFill>
+            </a:ln>
+          </p:spPr>
+          <p:style>
+            <a:lnRef idx="1">
+              <a:schemeClr val="accent1"/>
+            </a:lnRef>
+            <a:fillRef idx="0">
+              <a:schemeClr val="accent1"/>
+            </a:fillRef>
+            <a:effectRef idx="0">
+              <a:schemeClr val="accent1"/>
+            </a:effectRef>
+            <a:fontRef idx="minor">
+              <a:schemeClr val="tx1"/>
+            </a:fontRef>
+          </p:style>
+        </p:cxnSp>
+        <p:cxnSp>
+          <p:nvCxnSpPr>
+            <p:cNvPr id="6" name="Straight Connector 5">
+              <a:extLst>
+                <a:ext uri="{FF2B5EF4-FFF2-40B4-BE49-F238E27FC236}">
+                  <a16:creationId xmlns:a16="http://schemas.microsoft.com/office/drawing/2014/main" id="{231BB185-BC0C-874F-BE4C-7AB69CAC461E}"/>
+                </a:ext>
+              </a:extLst>
+            </p:cNvPr>
+            <p:cNvCxnSpPr>
+              <a:cxnSpLocks/>
+            </p:cNvCxnSpPr>
+            <p:nvPr/>
+          </p:nvCxnSpPr>
+          <p:spPr>
+            <a:xfrm>
+              <a:off x="4054112" y="2419723"/>
+              <a:ext cx="1069914" cy="0"/>
+            </a:xfrm>
+            <a:prstGeom prst="line">
+              <a:avLst/>
+            </a:prstGeom>
+            <a:ln w="114300">
+              <a:solidFill>
+                <a:srgbClr val="0000FF"/>
+              </a:solidFill>
+            </a:ln>
+          </p:spPr>
+          <p:style>
+            <a:lnRef idx="1">
+              <a:schemeClr val="accent1"/>
+            </a:lnRef>
+            <a:fillRef idx="0">
+              <a:schemeClr val="accent1"/>
+            </a:fillRef>
+            <a:effectRef idx="0">
+              <a:schemeClr val="accent1"/>
+            </a:effectRef>
+            <a:fontRef idx="minor">
+              <a:schemeClr val="tx1"/>
+            </a:fontRef>
+          </p:style>
+        </p:cxnSp>
+        <p:cxnSp>
+          <p:nvCxnSpPr>
+            <p:cNvPr id="7" name="Straight Connector 6">
+              <a:extLst>
+                <a:ext uri="{FF2B5EF4-FFF2-40B4-BE49-F238E27FC236}">
+                  <a16:creationId xmlns:a16="http://schemas.microsoft.com/office/drawing/2014/main" id="{482A9DDF-6AA7-BC43-8B04-B58B29089C3A}"/>
+                </a:ext>
+              </a:extLst>
+            </p:cNvPr>
+            <p:cNvCxnSpPr>
+              <a:cxnSpLocks/>
+              <a:endCxn id="20" idx="2"/>
+            </p:cNvCxnSpPr>
+            <p:nvPr/>
+          </p:nvCxnSpPr>
+          <p:spPr>
+            <a:xfrm>
+              <a:off x="5398346" y="2419723"/>
+              <a:ext cx="910380" cy="0"/>
+            </a:xfrm>
+            <a:prstGeom prst="line">
+              <a:avLst/>
+            </a:prstGeom>
+            <a:ln w="114300">
+              <a:solidFill>
+                <a:srgbClr val="0000FF"/>
+              </a:solidFill>
+            </a:ln>
+          </p:spPr>
+          <p:style>
+            <a:lnRef idx="1">
+              <a:schemeClr val="accent1"/>
+            </a:lnRef>
+            <a:fillRef idx="0">
+              <a:schemeClr val="accent1"/>
+            </a:fillRef>
+            <a:effectRef idx="0">
+              <a:schemeClr val="accent1"/>
+            </a:effectRef>
+            <a:fontRef idx="minor">
+              <a:schemeClr val="tx1"/>
+            </a:fontRef>
+          </p:style>
+        </p:cxnSp>
+        <p:cxnSp>
+          <p:nvCxnSpPr>
+            <p:cNvPr id="8" name="Straight Connector 7">
+              <a:extLst>
+                <a:ext uri="{FF2B5EF4-FFF2-40B4-BE49-F238E27FC236}">
+                  <a16:creationId xmlns:a16="http://schemas.microsoft.com/office/drawing/2014/main" id="{C1C53932-2051-0C4D-988A-015914D2D092}"/>
+                </a:ext>
+              </a:extLst>
+            </p:cNvPr>
+            <p:cNvCxnSpPr>
+              <a:cxnSpLocks/>
+              <a:stCxn id="20" idx="0"/>
+            </p:cNvCxnSpPr>
+            <p:nvPr/>
+          </p:nvCxnSpPr>
+          <p:spPr>
+            <a:xfrm flipV="1">
+              <a:off x="6445886" y="1334941"/>
+              <a:ext cx="13844" cy="947622"/>
+            </a:xfrm>
+            <a:prstGeom prst="line">
+              <a:avLst/>
+            </a:prstGeom>
+            <a:ln w="38100">
+              <a:solidFill>
+                <a:schemeClr val="tx1"/>
+              </a:solidFill>
+            </a:ln>
+          </p:spPr>
+          <p:style>
+            <a:lnRef idx="1">
+              <a:schemeClr val="accent1"/>
+            </a:lnRef>
+            <a:fillRef idx="0">
+              <a:schemeClr val="accent1"/>
+            </a:fillRef>
+            <a:effectRef idx="0">
+              <a:schemeClr val="accent1"/>
+            </a:effectRef>
+            <a:fontRef idx="minor">
+              <a:schemeClr val="tx1"/>
+            </a:fontRef>
+          </p:style>
+        </p:cxnSp>
+        <p:cxnSp>
+          <p:nvCxnSpPr>
+            <p:cNvPr id="9" name="Straight Connector 8">
+              <a:extLst>
+                <a:ext uri="{FF2B5EF4-FFF2-40B4-BE49-F238E27FC236}">
+                  <a16:creationId xmlns:a16="http://schemas.microsoft.com/office/drawing/2014/main" id="{47D1C56E-C9DF-104F-B776-5DBFB3C9448F}"/>
+                </a:ext>
+              </a:extLst>
+            </p:cNvPr>
+            <p:cNvCxnSpPr>
+              <a:cxnSpLocks/>
+              <a:stCxn id="18" idx="0"/>
+              <a:endCxn id="19" idx="4"/>
+            </p:cNvCxnSpPr>
+            <p:nvPr/>
+          </p:nvCxnSpPr>
+          <p:spPr>
+            <a:xfrm flipH="1" flipV="1">
+              <a:off x="6446520" y="383123"/>
+              <a:ext cx="1886" cy="676163"/>
+            </a:xfrm>
+            <a:prstGeom prst="line">
+              <a:avLst/>
+            </a:prstGeom>
+            <a:ln w="38100">
+              <a:solidFill>
+                <a:schemeClr val="tx1"/>
+              </a:solidFill>
+            </a:ln>
+          </p:spPr>
+          <p:style>
+            <a:lnRef idx="1">
+              <a:schemeClr val="accent1"/>
+            </a:lnRef>
+            <a:fillRef idx="0">
+              <a:schemeClr val="accent1"/>
+            </a:fillRef>
+            <a:effectRef idx="0">
+              <a:schemeClr val="accent1"/>
+            </a:effectRef>
+            <a:fontRef idx="minor">
+              <a:schemeClr val="tx1"/>
+            </a:fontRef>
+          </p:style>
+        </p:cxnSp>
+        <p:cxnSp>
+          <p:nvCxnSpPr>
+            <p:cNvPr id="10" name="Straight Connector 9">
+              <a:extLst>
+                <a:ext uri="{FF2B5EF4-FFF2-40B4-BE49-F238E27FC236}">
+                  <a16:creationId xmlns:a16="http://schemas.microsoft.com/office/drawing/2014/main" id="{5527B1D4-A746-F545-9605-51710B90EC8D}"/>
+                </a:ext>
+              </a:extLst>
+            </p:cNvPr>
+            <p:cNvCxnSpPr>
+              <a:cxnSpLocks/>
+              <a:stCxn id="18" idx="2"/>
+              <a:endCxn id="17" idx="6"/>
+            </p:cNvCxnSpPr>
+            <p:nvPr/>
+          </p:nvCxnSpPr>
+          <p:spPr>
+            <a:xfrm flipH="1">
+              <a:off x="5394960" y="1196446"/>
+              <a:ext cx="916286" cy="0"/>
+            </a:xfrm>
+            <a:prstGeom prst="line">
+              <a:avLst/>
+            </a:prstGeom>
+            <a:ln w="38100">
+              <a:solidFill>
+                <a:schemeClr val="tx1"/>
+              </a:solidFill>
+            </a:ln>
+          </p:spPr>
+          <p:style>
+            <a:lnRef idx="1">
+              <a:schemeClr val="accent1"/>
+            </a:lnRef>
+            <a:fillRef idx="0">
+              <a:schemeClr val="accent1"/>
+            </a:fillRef>
+            <a:effectRef idx="0">
+              <a:schemeClr val="accent1"/>
+            </a:effectRef>
+            <a:fontRef idx="minor">
+              <a:schemeClr val="tx1"/>
+            </a:fontRef>
+          </p:style>
+        </p:cxnSp>
+        <p:cxnSp>
+          <p:nvCxnSpPr>
+            <p:cNvPr id="11" name="Straight Connector 10">
+              <a:extLst>
+                <a:ext uri="{FF2B5EF4-FFF2-40B4-BE49-F238E27FC236}">
+                  <a16:creationId xmlns:a16="http://schemas.microsoft.com/office/drawing/2014/main" id="{7FCD0B81-67A8-D24C-B99A-84AE6A4FC14F}"/>
+                </a:ext>
+              </a:extLst>
+            </p:cNvPr>
+            <p:cNvCxnSpPr>
+              <a:cxnSpLocks/>
+              <a:stCxn id="17" idx="2"/>
+              <a:endCxn id="16" idx="6"/>
+            </p:cNvCxnSpPr>
+            <p:nvPr/>
+          </p:nvCxnSpPr>
+          <p:spPr>
+            <a:xfrm flipH="1">
+              <a:off x="4050792" y="1196446"/>
+              <a:ext cx="1069848" cy="0"/>
+            </a:xfrm>
+            <a:prstGeom prst="line">
+              <a:avLst/>
+            </a:prstGeom>
+            <a:ln w="38100">
+              <a:solidFill>
+                <a:schemeClr val="tx1"/>
+              </a:solidFill>
+            </a:ln>
+          </p:spPr>
+          <p:style>
+            <a:lnRef idx="1">
+              <a:schemeClr val="accent1"/>
+            </a:lnRef>
+            <a:fillRef idx="0">
+              <a:schemeClr val="accent1"/>
+            </a:fillRef>
+            <a:effectRef idx="0">
+              <a:schemeClr val="accent1"/>
+            </a:effectRef>
+            <a:fontRef idx="minor">
+              <a:schemeClr val="tx1"/>
+            </a:fontRef>
+          </p:style>
+        </p:cxnSp>
+        <p:cxnSp>
+          <p:nvCxnSpPr>
+            <p:cNvPr id="12" name="Straight Connector 11">
+              <a:extLst>
+                <a:ext uri="{FF2B5EF4-FFF2-40B4-BE49-F238E27FC236}">
+                  <a16:creationId xmlns:a16="http://schemas.microsoft.com/office/drawing/2014/main" id="{47CFC823-8DDB-7645-888D-3F986D45C4F3}"/>
+                </a:ext>
+              </a:extLst>
+            </p:cNvPr>
+            <p:cNvCxnSpPr>
+              <a:cxnSpLocks/>
+              <a:stCxn id="16" idx="2"/>
+              <a:endCxn id="15" idx="6"/>
+            </p:cNvCxnSpPr>
+            <p:nvPr/>
+          </p:nvCxnSpPr>
+          <p:spPr>
+            <a:xfrm flipH="1">
+              <a:off x="2578608" y="1196446"/>
+              <a:ext cx="1197864" cy="0"/>
+            </a:xfrm>
+            <a:prstGeom prst="line">
+              <a:avLst/>
+            </a:prstGeom>
+            <a:ln w="38100">
+              <a:solidFill>
+                <a:schemeClr val="tx1"/>
+              </a:solidFill>
+            </a:ln>
+          </p:spPr>
+          <p:style>
+            <a:lnRef idx="1">
+              <a:schemeClr val="accent1"/>
+            </a:lnRef>
+            <a:fillRef idx="0">
+              <a:schemeClr val="accent1"/>
+            </a:fillRef>
+            <a:effectRef idx="0">
+              <a:schemeClr val="accent1"/>
+            </a:effectRef>
+            <a:fontRef idx="minor">
+              <a:schemeClr val="tx1"/>
+            </a:fontRef>
+          </p:style>
+        </p:cxnSp>
+        <p:cxnSp>
+          <p:nvCxnSpPr>
+            <p:cNvPr id="13" name="Straight Connector 12">
+              <a:extLst>
+                <a:ext uri="{FF2B5EF4-FFF2-40B4-BE49-F238E27FC236}">
+                  <a16:creationId xmlns:a16="http://schemas.microsoft.com/office/drawing/2014/main" id="{AC3DC659-5787-714F-B949-AD994DEFD663}"/>
+                </a:ext>
+              </a:extLst>
+            </p:cNvPr>
+            <p:cNvCxnSpPr>
+              <a:cxnSpLocks/>
+            </p:cNvCxnSpPr>
+            <p:nvPr/>
+          </p:nvCxnSpPr>
+          <p:spPr>
+            <a:xfrm flipH="1">
+              <a:off x="2444746" y="1334940"/>
+              <a:ext cx="8890" cy="947623"/>
+            </a:xfrm>
+            <a:prstGeom prst="line">
+              <a:avLst/>
+            </a:prstGeom>
+            <a:ln w="38100">
+              <a:solidFill>
+                <a:schemeClr val="tx1"/>
+              </a:solidFill>
+            </a:ln>
+          </p:spPr>
+          <p:style>
+            <a:lnRef idx="1">
+              <a:schemeClr val="accent1"/>
+            </a:lnRef>
+            <a:fillRef idx="0">
+              <a:schemeClr val="accent1"/>
+            </a:fillRef>
+            <a:effectRef idx="0">
+              <a:schemeClr val="accent1"/>
+            </a:effectRef>
+            <a:fontRef idx="minor">
+              <a:schemeClr val="tx1"/>
+            </a:fontRef>
+          </p:style>
+        </p:cxnSp>
+        <p:cxnSp>
+          <p:nvCxnSpPr>
+            <p:cNvPr id="14" name="Straight Connector 13">
+              <a:extLst>
+                <a:ext uri="{FF2B5EF4-FFF2-40B4-BE49-F238E27FC236}">
+                  <a16:creationId xmlns:a16="http://schemas.microsoft.com/office/drawing/2014/main" id="{E51D7247-91BD-114C-8CFA-A1200E23D0AD}"/>
+                </a:ext>
+              </a:extLst>
+            </p:cNvPr>
+            <p:cNvCxnSpPr>
+              <a:cxnSpLocks/>
+            </p:cNvCxnSpPr>
+            <p:nvPr/>
+          </p:nvCxnSpPr>
+          <p:spPr>
+            <a:xfrm>
+              <a:off x="5261186" y="1334940"/>
+              <a:ext cx="0" cy="938733"/>
+            </a:xfrm>
+            <a:prstGeom prst="line">
+              <a:avLst/>
+            </a:prstGeom>
+            <a:ln w="38100">
+              <a:solidFill>
+                <a:schemeClr val="tx1"/>
+              </a:solidFill>
+            </a:ln>
+          </p:spPr>
+          <p:style>
+            <a:lnRef idx="1">
+              <a:schemeClr val="accent1"/>
+            </a:lnRef>
+            <a:fillRef idx="0">
+              <a:schemeClr val="accent1"/>
+            </a:fillRef>
+            <a:effectRef idx="0">
+              <a:schemeClr val="accent1"/>
+            </a:effectRef>
+            <a:fontRef idx="minor">
+              <a:schemeClr val="tx1"/>
+            </a:fontRef>
+          </p:style>
+        </p:cxnSp>
+        <p:sp>
+          <p:nvSpPr>
+            <p:cNvPr id="15" name="Oval 14">
+              <a:extLst>
+                <a:ext uri="{FF2B5EF4-FFF2-40B4-BE49-F238E27FC236}">
+                  <a16:creationId xmlns:a16="http://schemas.microsoft.com/office/drawing/2014/main" id="{1FFE0938-6F82-7741-AF97-C521576E97C5}"/>
+                </a:ext>
+              </a:extLst>
+            </p:cNvPr>
+            <p:cNvSpPr>
+              <a:spLocks noChangeAspect="1"/>
+            </p:cNvSpPr>
+            <p:nvPr/>
+          </p:nvSpPr>
+          <p:spPr>
+            <a:xfrm>
+              <a:off x="2304288" y="1059286"/>
+              <a:ext cx="274320" cy="274320"/>
+            </a:xfrm>
+            <a:prstGeom prst="ellipse">
+              <a:avLst/>
+            </a:prstGeom>
+            <a:solidFill>
+              <a:srgbClr val="00FF00"/>
+            </a:solidFill>
+            <a:ln w="19050">
+              <a:solidFill>
+                <a:schemeClr val="tx1"/>
+              </a:solidFill>
+            </a:ln>
+          </p:spPr>
+          <p:style>
+            <a:lnRef idx="2">
+              <a:schemeClr val="accent1">
+                <a:shade val="50000"/>
+              </a:schemeClr>
+            </a:lnRef>
+            <a:fillRef idx="1">
+              <a:schemeClr val="accent1"/>
+            </a:fillRef>
+            <a:effectRef idx="0">
+              <a:schemeClr val="accent1"/>
+            </a:effectRef>
+            <a:fontRef idx="minor">
+              <a:schemeClr val="lt1"/>
+            </a:fontRef>
+          </p:style>
+          <p:txBody>
+            <a:bodyPr rtlCol="0" anchor="ctr"/>
+            <a:lstStyle/>
+            <a:p>
+              <a:pPr algn="ctr"/>
+              <a:r>
+                <a:rPr lang="en-US" sz="1600" dirty="0">
+                  <a:solidFill>
+                    <a:schemeClr val="tx1"/>
+                  </a:solidFill>
+                </a:rPr>
+                <a:t>8</a:t>
+              </a:r>
+            </a:p>
+          </p:txBody>
+        </p:sp>
+        <p:sp>
+          <p:nvSpPr>
+            <p:cNvPr id="16" name="Oval 15">
+              <a:extLst>
+                <a:ext uri="{FF2B5EF4-FFF2-40B4-BE49-F238E27FC236}">
+                  <a16:creationId xmlns:a16="http://schemas.microsoft.com/office/drawing/2014/main" id="{1A694C7B-1738-3747-887E-016B80DD84A5}"/>
+                </a:ext>
+              </a:extLst>
+            </p:cNvPr>
+            <p:cNvSpPr>
+              <a:spLocks noChangeAspect="1"/>
+            </p:cNvSpPr>
+            <p:nvPr/>
+          </p:nvSpPr>
+          <p:spPr>
+            <a:xfrm>
+              <a:off x="3776472" y="1059286"/>
+              <a:ext cx="274320" cy="274320"/>
+            </a:xfrm>
+            <a:prstGeom prst="ellipse">
+              <a:avLst/>
+            </a:prstGeom>
+            <a:solidFill>
+              <a:srgbClr val="00FF00"/>
+            </a:solidFill>
+            <a:ln w="19050">
+              <a:solidFill>
+                <a:schemeClr val="tx1"/>
+              </a:solidFill>
+            </a:ln>
+          </p:spPr>
+          <p:style>
+            <a:lnRef idx="2">
+              <a:schemeClr val="accent1">
+                <a:shade val="50000"/>
+              </a:schemeClr>
+            </a:lnRef>
+            <a:fillRef idx="1">
+              <a:schemeClr val="accent1"/>
+            </a:fillRef>
+            <a:effectRef idx="0">
+              <a:schemeClr val="accent1"/>
+            </a:effectRef>
+            <a:fontRef idx="minor">
+              <a:schemeClr val="lt1"/>
+            </a:fontRef>
+          </p:style>
+          <p:txBody>
+            <a:bodyPr rtlCol="0" anchor="ctr"/>
+            <a:lstStyle/>
+            <a:p>
+              <a:pPr algn="ctr"/>
+              <a:r>
+                <a:rPr lang="en-US" sz="1600" dirty="0">
+                  <a:solidFill>
+                    <a:schemeClr val="tx1"/>
+                  </a:solidFill>
+                </a:rPr>
+                <a:t>9</a:t>
+              </a:r>
+            </a:p>
+          </p:txBody>
+        </p:sp>
+        <p:sp>
+          <p:nvSpPr>
+            <p:cNvPr id="17" name="Oval 16">
+              <a:extLst>
+                <a:ext uri="{FF2B5EF4-FFF2-40B4-BE49-F238E27FC236}">
+                  <a16:creationId xmlns:a16="http://schemas.microsoft.com/office/drawing/2014/main" id="{757DA08A-5625-1742-96AC-4E7F59EE43A5}"/>
+                </a:ext>
+              </a:extLst>
+            </p:cNvPr>
+            <p:cNvSpPr>
+              <a:spLocks noChangeAspect="1"/>
+            </p:cNvSpPr>
+            <p:nvPr/>
+          </p:nvSpPr>
+          <p:spPr>
+            <a:xfrm>
+              <a:off x="5120640" y="1059286"/>
+              <a:ext cx="274320" cy="274320"/>
+            </a:xfrm>
+            <a:prstGeom prst="ellipse">
+              <a:avLst/>
+            </a:prstGeom>
+            <a:solidFill>
+              <a:srgbClr val="00FF00"/>
+            </a:solidFill>
+            <a:ln w="19050">
+              <a:solidFill>
+                <a:schemeClr val="tx1"/>
+              </a:solidFill>
+            </a:ln>
+          </p:spPr>
+          <p:style>
+            <a:lnRef idx="2">
+              <a:schemeClr val="accent1">
+                <a:shade val="50000"/>
+              </a:schemeClr>
+            </a:lnRef>
+            <a:fillRef idx="1">
+              <a:schemeClr val="accent1"/>
+            </a:fillRef>
+            <a:effectRef idx="0">
+              <a:schemeClr val="accent1"/>
+            </a:effectRef>
+            <a:fontRef idx="minor">
+              <a:schemeClr val="lt1"/>
+            </a:fontRef>
+          </p:style>
+          <p:txBody>
+            <a:bodyPr rtlCol="0" anchor="ctr"/>
+            <a:lstStyle/>
+            <a:p>
+              <a:pPr algn="ctr"/>
+              <a:endParaRPr lang="en-US" sz="1050" dirty="0">
+                <a:solidFill>
+                  <a:schemeClr val="tx1"/>
+                </a:solidFill>
+              </a:endParaRPr>
+            </a:p>
+          </p:txBody>
+        </p:sp>
+        <p:sp>
+          <p:nvSpPr>
+            <p:cNvPr id="18" name="Oval 17">
+              <a:extLst>
+                <a:ext uri="{FF2B5EF4-FFF2-40B4-BE49-F238E27FC236}">
+                  <a16:creationId xmlns:a16="http://schemas.microsoft.com/office/drawing/2014/main" id="{6951A34E-A2E2-6347-B02F-29A83516A895}"/>
+                </a:ext>
+              </a:extLst>
+            </p:cNvPr>
+            <p:cNvSpPr>
+              <a:spLocks noChangeAspect="1"/>
+            </p:cNvSpPr>
+            <p:nvPr/>
+          </p:nvSpPr>
+          <p:spPr>
+            <a:xfrm>
+              <a:off x="6311246" y="1059286"/>
+              <a:ext cx="274320" cy="274320"/>
+            </a:xfrm>
+            <a:prstGeom prst="ellipse">
+              <a:avLst/>
+            </a:prstGeom>
+            <a:solidFill>
+              <a:srgbClr val="00FF00"/>
+            </a:solidFill>
+            <a:ln w="19050">
+              <a:solidFill>
+                <a:schemeClr val="tx1"/>
+              </a:solidFill>
+            </a:ln>
+          </p:spPr>
+          <p:style>
+            <a:lnRef idx="2">
+              <a:schemeClr val="accent1">
+                <a:shade val="50000"/>
+              </a:schemeClr>
+            </a:lnRef>
+            <a:fillRef idx="1">
+              <a:schemeClr val="accent1"/>
+            </a:fillRef>
+            <a:effectRef idx="0">
+              <a:schemeClr val="accent1"/>
+            </a:effectRef>
+            <a:fontRef idx="minor">
+              <a:schemeClr val="lt1"/>
+            </a:fontRef>
+          </p:style>
+          <p:txBody>
+            <a:bodyPr rtlCol="0" anchor="ctr"/>
+            <a:lstStyle/>
+            <a:p>
+              <a:pPr algn="ctr"/>
+              <a:endParaRPr lang="en-US" sz="1600" dirty="0">
+                <a:solidFill>
+                  <a:schemeClr val="accent1">
+                    <a:lumMod val="50000"/>
+                  </a:schemeClr>
+                </a:solidFill>
+              </a:endParaRPr>
+            </a:p>
+          </p:txBody>
+        </p:sp>
+        <p:sp>
+          <p:nvSpPr>
+            <p:cNvPr id="19" name="Oval 18">
+              <a:extLst>
+                <a:ext uri="{FF2B5EF4-FFF2-40B4-BE49-F238E27FC236}">
+                  <a16:creationId xmlns:a16="http://schemas.microsoft.com/office/drawing/2014/main" id="{68B486E3-5C0D-FF42-B79F-5C3FA6A500C0}"/>
+                </a:ext>
+              </a:extLst>
+            </p:cNvPr>
+            <p:cNvSpPr>
+              <a:spLocks noChangeAspect="1"/>
+            </p:cNvSpPr>
+            <p:nvPr/>
+          </p:nvSpPr>
+          <p:spPr>
+            <a:xfrm>
+              <a:off x="6309360" y="108803"/>
+              <a:ext cx="274320" cy="274320"/>
+            </a:xfrm>
+            <a:prstGeom prst="ellipse">
+              <a:avLst/>
+            </a:prstGeom>
+            <a:solidFill>
+              <a:srgbClr val="00FF00"/>
+            </a:solidFill>
+            <a:ln w="19050">
+              <a:solidFill>
+                <a:schemeClr val="tx1"/>
+              </a:solidFill>
+            </a:ln>
+          </p:spPr>
+          <p:style>
+            <a:lnRef idx="2">
+              <a:schemeClr val="accent1">
+                <a:shade val="50000"/>
+              </a:schemeClr>
+            </a:lnRef>
+            <a:fillRef idx="1">
+              <a:schemeClr val="accent1"/>
+            </a:fillRef>
+            <a:effectRef idx="0">
+              <a:schemeClr val="accent1"/>
+            </a:effectRef>
+            <a:fontRef idx="minor">
+              <a:schemeClr val="lt1"/>
+            </a:fontRef>
+          </p:style>
+          <p:txBody>
+            <a:bodyPr rtlCol="0" anchor="ctr"/>
+            <a:lstStyle/>
+            <a:p>
+              <a:pPr algn="ctr"/>
+              <a:endParaRPr lang="en-US" sz="1600" dirty="0">
+                <a:solidFill>
+                  <a:schemeClr val="accent1">
+                    <a:lumMod val="50000"/>
+                  </a:schemeClr>
+                </a:solidFill>
+              </a:endParaRPr>
+            </a:p>
+          </p:txBody>
+        </p:sp>
+        <p:sp>
+          <p:nvSpPr>
+            <p:cNvPr id="20" name="Oval 19">
+              <a:extLst>
+                <a:ext uri="{FF2B5EF4-FFF2-40B4-BE49-F238E27FC236}">
+                  <a16:creationId xmlns:a16="http://schemas.microsoft.com/office/drawing/2014/main" id="{AA8A6D6B-BC1E-0C49-862A-947B50D8C870}"/>
+                </a:ext>
+              </a:extLst>
+            </p:cNvPr>
+            <p:cNvSpPr>
+              <a:spLocks noChangeAspect="1"/>
+            </p:cNvSpPr>
+            <p:nvPr/>
+          </p:nvSpPr>
+          <p:spPr>
+            <a:xfrm>
+              <a:off x="6308726" y="2282563"/>
+              <a:ext cx="274320" cy="274320"/>
+            </a:xfrm>
+            <a:prstGeom prst="ellipse">
+              <a:avLst/>
+            </a:prstGeom>
+            <a:solidFill>
+              <a:srgbClr val="00FF00"/>
+            </a:solidFill>
+            <a:ln w="19050">
+              <a:solidFill>
+                <a:schemeClr val="tx1"/>
+              </a:solidFill>
+            </a:ln>
+          </p:spPr>
+          <p:style>
+            <a:lnRef idx="2">
+              <a:schemeClr val="accent1">
+                <a:shade val="50000"/>
+              </a:schemeClr>
+            </a:lnRef>
+            <a:fillRef idx="1">
+              <a:schemeClr val="accent1"/>
+            </a:fillRef>
+            <a:effectRef idx="0">
+              <a:schemeClr val="accent1"/>
+            </a:effectRef>
+            <a:fontRef idx="minor">
+              <a:schemeClr val="lt1"/>
+            </a:fontRef>
+          </p:style>
+          <p:txBody>
+            <a:bodyPr rtlCol="0" anchor="ctr"/>
+            <a:lstStyle/>
+            <a:p>
+              <a:pPr algn="ctr"/>
+              <a:r>
+                <a:rPr lang="en-US" sz="1600" dirty="0">
+                  <a:solidFill>
+                    <a:schemeClr val="tx1"/>
+                  </a:solidFill>
+                </a:rPr>
+                <a:t>6</a:t>
+              </a:r>
+            </a:p>
+          </p:txBody>
+        </p:sp>
+        <p:cxnSp>
+          <p:nvCxnSpPr>
+            <p:cNvPr id="21" name="Straight Connector 20">
+              <a:extLst>
+                <a:ext uri="{FF2B5EF4-FFF2-40B4-BE49-F238E27FC236}">
+                  <a16:creationId xmlns:a16="http://schemas.microsoft.com/office/drawing/2014/main" id="{8DFAF68C-FE14-6A4B-97A7-426519BD4657}"/>
+                </a:ext>
+              </a:extLst>
+            </p:cNvPr>
+            <p:cNvCxnSpPr>
+              <a:cxnSpLocks/>
+              <a:stCxn id="15" idx="2"/>
+            </p:cNvCxnSpPr>
+            <p:nvPr/>
+          </p:nvCxnSpPr>
+          <p:spPr>
+            <a:xfrm flipH="1">
+              <a:off x="1650375" y="1196446"/>
+              <a:ext cx="653913" cy="0"/>
+            </a:xfrm>
+            <a:prstGeom prst="line">
+              <a:avLst/>
+            </a:prstGeom>
+            <a:ln w="38100">
+              <a:solidFill>
+                <a:schemeClr val="tx1"/>
+              </a:solidFill>
+            </a:ln>
+          </p:spPr>
+          <p:style>
+            <a:lnRef idx="1">
+              <a:schemeClr val="accent1"/>
+            </a:lnRef>
+            <a:fillRef idx="0">
+              <a:schemeClr val="accent1"/>
+            </a:fillRef>
+            <a:effectRef idx="0">
+              <a:schemeClr val="accent1"/>
+            </a:effectRef>
+            <a:fontRef idx="minor">
+              <a:schemeClr val="tx1"/>
+            </a:fontRef>
+          </p:style>
+        </p:cxnSp>
+        <p:sp>
+          <p:nvSpPr>
+            <p:cNvPr id="22" name="Oval 21">
+              <a:extLst>
+                <a:ext uri="{FF2B5EF4-FFF2-40B4-BE49-F238E27FC236}">
+                  <a16:creationId xmlns:a16="http://schemas.microsoft.com/office/drawing/2014/main" id="{E4F07460-E7F3-A742-A72E-CDFC533719E2}"/>
+                </a:ext>
+              </a:extLst>
+            </p:cNvPr>
+            <p:cNvSpPr>
+              <a:spLocks noChangeAspect="1"/>
+            </p:cNvSpPr>
+            <p:nvPr/>
+          </p:nvSpPr>
+          <p:spPr>
+            <a:xfrm>
+              <a:off x="90701" y="2286000"/>
+              <a:ext cx="274320" cy="274320"/>
+            </a:xfrm>
+            <a:prstGeom prst="ellipse">
+              <a:avLst/>
+            </a:prstGeom>
+            <a:solidFill>
+              <a:srgbClr val="00FF00"/>
+            </a:solidFill>
+            <a:ln w="19050">
+              <a:solidFill>
+                <a:schemeClr val="tx1"/>
+              </a:solidFill>
+            </a:ln>
+          </p:spPr>
+          <p:style>
+            <a:lnRef idx="2">
+              <a:schemeClr val="accent1">
+                <a:shade val="50000"/>
+              </a:schemeClr>
+            </a:lnRef>
+            <a:fillRef idx="1">
+              <a:schemeClr val="accent1"/>
+            </a:fillRef>
+            <a:effectRef idx="0">
+              <a:schemeClr val="accent1"/>
+            </a:effectRef>
+            <a:fontRef idx="minor">
+              <a:schemeClr val="lt1"/>
+            </a:fontRef>
+          </p:style>
+          <p:txBody>
+            <a:bodyPr rtlCol="0" anchor="ctr"/>
+            <a:lstStyle/>
+            <a:p>
+              <a:pPr algn="ctr"/>
+              <a:r>
+                <a:rPr lang="en-US" sz="1600" dirty="0">
+                  <a:solidFill>
+                    <a:schemeClr val="tx1"/>
+                  </a:solidFill>
+                </a:rPr>
+                <a:t>1</a:t>
+              </a:r>
+            </a:p>
+          </p:txBody>
+        </p:sp>
+        <p:cxnSp>
+          <p:nvCxnSpPr>
+            <p:cNvPr id="23" name="Straight Connector 22">
+              <a:extLst>
+                <a:ext uri="{FF2B5EF4-FFF2-40B4-BE49-F238E27FC236}">
+                  <a16:creationId xmlns:a16="http://schemas.microsoft.com/office/drawing/2014/main" id="{A2E2B42A-2C58-FC4E-A582-B7B30570C214}"/>
+                </a:ext>
+              </a:extLst>
+            </p:cNvPr>
+            <p:cNvCxnSpPr>
+              <a:cxnSpLocks/>
+              <a:stCxn id="22" idx="6"/>
+            </p:cNvCxnSpPr>
+            <p:nvPr/>
+          </p:nvCxnSpPr>
+          <p:spPr>
+            <a:xfrm flipV="1">
+              <a:off x="365021" y="2419723"/>
+              <a:ext cx="869191" cy="3437"/>
+            </a:xfrm>
+            <a:prstGeom prst="line">
+              <a:avLst/>
+            </a:prstGeom>
+            <a:ln w="114300">
+              <a:solidFill>
+                <a:srgbClr val="0000FF"/>
+              </a:solidFill>
+            </a:ln>
+          </p:spPr>
+          <p:style>
+            <a:lnRef idx="1">
+              <a:schemeClr val="accent1"/>
+            </a:lnRef>
+            <a:fillRef idx="0">
+              <a:schemeClr val="accent1"/>
+            </a:fillRef>
+            <a:effectRef idx="0">
+              <a:schemeClr val="accent1"/>
+            </a:effectRef>
+            <a:fontRef idx="minor">
+              <a:schemeClr val="tx1"/>
+            </a:fontRef>
+          </p:style>
+        </p:cxnSp>
+        <p:sp>
+          <p:nvSpPr>
+            <p:cNvPr id="24" name="Rectangle 23">
+              <a:extLst>
+                <a:ext uri="{FF2B5EF4-FFF2-40B4-BE49-F238E27FC236}">
+                  <a16:creationId xmlns:a16="http://schemas.microsoft.com/office/drawing/2014/main" id="{5BE1C18E-39AB-0943-A52A-D7B72C7A2E9F}"/>
+                </a:ext>
+              </a:extLst>
+            </p:cNvPr>
+            <p:cNvSpPr>
+              <a:spLocks noChangeAspect="1"/>
+            </p:cNvSpPr>
+            <p:nvPr/>
+          </p:nvSpPr>
+          <p:spPr>
+            <a:xfrm>
+              <a:off x="1369578" y="1059286"/>
+              <a:ext cx="274320" cy="274320"/>
+            </a:xfrm>
+            <a:prstGeom prst="rect">
+              <a:avLst/>
+            </a:prstGeom>
+            <a:solidFill>
+              <a:srgbClr val="FFFF00"/>
+            </a:solidFill>
+            <a:ln w="19050">
+              <a:solidFill>
+                <a:schemeClr val="tx1"/>
+              </a:solidFill>
+            </a:ln>
+          </p:spPr>
+          <p:style>
+            <a:lnRef idx="2">
+              <a:schemeClr val="accent1">
+                <a:shade val="50000"/>
+              </a:schemeClr>
+            </a:lnRef>
+            <a:fillRef idx="1">
+              <a:schemeClr val="accent1"/>
+            </a:fillRef>
+            <a:effectRef idx="0">
+              <a:schemeClr val="accent1"/>
+            </a:effectRef>
+            <a:fontRef idx="minor">
+              <a:schemeClr val="lt1"/>
+            </a:fontRef>
+          </p:style>
+          <p:txBody>
+            <a:bodyPr rtlCol="0" anchor="ctr"/>
+            <a:lstStyle/>
+            <a:p>
+              <a:pPr algn="ctr"/>
+              <a:r>
+                <a:rPr lang="en-US" dirty="0">
+                  <a:solidFill>
+                    <a:schemeClr val="tx1"/>
+                  </a:solidFill>
+                </a:rPr>
+                <a:t>7</a:t>
+              </a:r>
+            </a:p>
+          </p:txBody>
+        </p:sp>
+        <p:sp>
+          <p:nvSpPr>
+            <p:cNvPr id="25" name="Rectangle 24">
+              <a:extLst>
+                <a:ext uri="{FF2B5EF4-FFF2-40B4-BE49-F238E27FC236}">
+                  <a16:creationId xmlns:a16="http://schemas.microsoft.com/office/drawing/2014/main" id="{6CD2AAE7-0007-5144-8D14-8F2F8EB313AA}"/>
+                </a:ext>
+              </a:extLst>
+            </p:cNvPr>
+            <p:cNvSpPr>
+              <a:spLocks noChangeAspect="1"/>
+            </p:cNvSpPr>
+            <p:nvPr/>
+          </p:nvSpPr>
+          <p:spPr>
+            <a:xfrm>
+              <a:off x="1237672" y="2282562"/>
+              <a:ext cx="274320" cy="274320"/>
+            </a:xfrm>
+            <a:prstGeom prst="rect">
+              <a:avLst/>
+            </a:prstGeom>
+            <a:solidFill>
+              <a:srgbClr val="FFFF00"/>
+            </a:solidFill>
+            <a:ln w="19050">
+              <a:solidFill>
+                <a:schemeClr val="tx1"/>
+              </a:solidFill>
+            </a:ln>
+          </p:spPr>
+          <p:style>
+            <a:lnRef idx="2">
+              <a:schemeClr val="accent1">
+                <a:shade val="50000"/>
+              </a:schemeClr>
+            </a:lnRef>
+            <a:fillRef idx="1">
+              <a:schemeClr val="accent1"/>
+            </a:fillRef>
+            <a:effectRef idx="0">
+              <a:schemeClr val="accent1"/>
+            </a:effectRef>
+            <a:fontRef idx="minor">
+              <a:schemeClr val="lt1"/>
+            </a:fontRef>
+          </p:style>
+          <p:txBody>
+            <a:bodyPr rtlCol="0" anchor="ctr"/>
+            <a:lstStyle/>
+            <a:p>
+              <a:pPr algn="ctr"/>
+              <a:r>
+                <a:rPr lang="en-US" dirty="0">
+                  <a:solidFill>
+                    <a:schemeClr val="tx1"/>
+                  </a:solidFill>
+                </a:rPr>
+                <a:t>2</a:t>
+              </a:r>
+            </a:p>
+          </p:txBody>
+        </p:sp>
+        <p:sp>
+          <p:nvSpPr>
+            <p:cNvPr id="26" name="Regular Pentagon 25">
+              <a:extLst>
+                <a:ext uri="{FF2B5EF4-FFF2-40B4-BE49-F238E27FC236}">
+                  <a16:creationId xmlns:a16="http://schemas.microsoft.com/office/drawing/2014/main" id="{678A0FEA-BD2D-4E40-AC49-66919FE8DC5B}"/>
+                </a:ext>
+              </a:extLst>
+            </p:cNvPr>
+            <p:cNvSpPr>
+              <a:spLocks/>
+            </p:cNvSpPr>
+            <p:nvPr/>
+          </p:nvSpPr>
+          <p:spPr>
+            <a:xfrm>
+              <a:off x="2302732" y="2282562"/>
+              <a:ext cx="274320" cy="274320"/>
+            </a:xfrm>
+            <a:prstGeom prst="pentagon">
+              <a:avLst/>
+            </a:prstGeom>
+            <a:solidFill>
+              <a:srgbClr val="FF0000"/>
+            </a:solidFill>
+            <a:ln w="19050">
+              <a:solidFill>
+                <a:schemeClr val="tx1"/>
+              </a:solidFill>
+            </a:ln>
+          </p:spPr>
+          <p:style>
+            <a:lnRef idx="2">
+              <a:schemeClr val="accent1">
+                <a:shade val="50000"/>
+              </a:schemeClr>
+            </a:lnRef>
+            <a:fillRef idx="1">
+              <a:schemeClr val="accent1"/>
+            </a:fillRef>
+            <a:effectRef idx="0">
+              <a:schemeClr val="accent1"/>
+            </a:effectRef>
+            <a:fontRef idx="minor">
+              <a:schemeClr val="lt1"/>
+            </a:fontRef>
+          </p:style>
+          <p:txBody>
+            <a:bodyPr rtlCol="0" anchor="ctr"/>
+            <a:lstStyle/>
+            <a:p>
+              <a:pPr algn="ctr"/>
+              <a:r>
+                <a:rPr lang="en-US" dirty="0">
+                  <a:solidFill>
+                    <a:schemeClr val="tx1"/>
+                  </a:solidFill>
+                </a:rPr>
+                <a:t>3</a:t>
+              </a:r>
+            </a:p>
+          </p:txBody>
+        </p:sp>
+        <p:sp>
+          <p:nvSpPr>
+            <p:cNvPr id="27" name="Regular Pentagon 26">
+              <a:extLst>
+                <a:ext uri="{FF2B5EF4-FFF2-40B4-BE49-F238E27FC236}">
+                  <a16:creationId xmlns:a16="http://schemas.microsoft.com/office/drawing/2014/main" id="{02440733-8DFC-A44B-A25A-92DB23A962BD}"/>
+                </a:ext>
+              </a:extLst>
+            </p:cNvPr>
+            <p:cNvSpPr>
+              <a:spLocks/>
+            </p:cNvSpPr>
+            <p:nvPr/>
+          </p:nvSpPr>
+          <p:spPr>
+            <a:xfrm>
+              <a:off x="3784126" y="2278007"/>
+              <a:ext cx="274320" cy="274320"/>
+            </a:xfrm>
+            <a:prstGeom prst="pentagon">
+              <a:avLst/>
+            </a:prstGeom>
+            <a:solidFill>
+              <a:srgbClr val="FF0000"/>
+            </a:solidFill>
+            <a:ln w="19050">
+              <a:solidFill>
+                <a:schemeClr val="tx1"/>
+              </a:solidFill>
+            </a:ln>
+          </p:spPr>
+          <p:style>
+            <a:lnRef idx="2">
+              <a:schemeClr val="accent1">
+                <a:shade val="50000"/>
+              </a:schemeClr>
+            </a:lnRef>
+            <a:fillRef idx="1">
+              <a:schemeClr val="accent1"/>
+            </a:fillRef>
+            <a:effectRef idx="0">
+              <a:schemeClr val="accent1"/>
+            </a:effectRef>
+            <a:fontRef idx="minor">
+              <a:schemeClr val="lt1"/>
+            </a:fontRef>
+          </p:style>
+          <p:txBody>
+            <a:bodyPr rtlCol="0" anchor="ctr"/>
+            <a:lstStyle/>
+            <a:p>
+              <a:pPr algn="ctr"/>
+              <a:r>
+                <a:rPr lang="en-US" dirty="0">
+                  <a:solidFill>
+                    <a:schemeClr val="tx1"/>
+                  </a:solidFill>
+                </a:rPr>
+                <a:t>4</a:t>
+              </a:r>
+            </a:p>
+          </p:txBody>
+        </p:sp>
+        <p:sp>
+          <p:nvSpPr>
+            <p:cNvPr id="28" name="Regular Pentagon 27">
+              <a:extLst>
+                <a:ext uri="{FF2B5EF4-FFF2-40B4-BE49-F238E27FC236}">
+                  <a16:creationId xmlns:a16="http://schemas.microsoft.com/office/drawing/2014/main" id="{769C0234-206E-2D40-885F-CFAE440FAB49}"/>
+                </a:ext>
+              </a:extLst>
+            </p:cNvPr>
+            <p:cNvSpPr>
+              <a:spLocks/>
+            </p:cNvSpPr>
+            <p:nvPr/>
+          </p:nvSpPr>
+          <p:spPr>
+            <a:xfrm>
+              <a:off x="5124026" y="2285019"/>
+              <a:ext cx="274320" cy="274320"/>
+            </a:xfrm>
+            <a:prstGeom prst="pentagon">
+              <a:avLst/>
+            </a:prstGeom>
+            <a:solidFill>
+              <a:srgbClr val="FF0000"/>
+            </a:solidFill>
+            <a:ln w="19050">
+              <a:solidFill>
+                <a:schemeClr val="tx1"/>
+              </a:solidFill>
+            </a:ln>
+          </p:spPr>
+          <p:style>
+            <a:lnRef idx="2">
+              <a:schemeClr val="accent1">
+                <a:shade val="50000"/>
+              </a:schemeClr>
+            </a:lnRef>
+            <a:fillRef idx="1">
+              <a:schemeClr val="accent1"/>
+            </a:fillRef>
+            <a:effectRef idx="0">
+              <a:schemeClr val="accent1"/>
+            </a:effectRef>
+            <a:fontRef idx="minor">
+              <a:schemeClr val="lt1"/>
+            </a:fontRef>
+          </p:style>
+          <p:txBody>
+            <a:bodyPr rtlCol="0" anchor="ctr"/>
+            <a:lstStyle/>
+            <a:p>
+              <a:pPr algn="ctr"/>
+              <a:r>
+                <a:rPr lang="en-US" dirty="0">
+                  <a:solidFill>
+                    <a:schemeClr val="tx1"/>
+                  </a:solidFill>
+                </a:rPr>
+                <a:t>5</a:t>
+              </a:r>
+            </a:p>
+          </p:txBody>
+        </p:sp>
+        <p:sp>
+          <p:nvSpPr>
+            <p:cNvPr id="29" name="TextBox 28">
+              <a:extLst>
+                <a:ext uri="{FF2B5EF4-FFF2-40B4-BE49-F238E27FC236}">
+                  <a16:creationId xmlns:a16="http://schemas.microsoft.com/office/drawing/2014/main" id="{534F11AE-08D0-3A45-ABF7-D10BE75A050C}"/>
+                </a:ext>
+              </a:extLst>
+            </p:cNvPr>
+            <p:cNvSpPr txBox="1"/>
+            <p:nvPr/>
+          </p:nvSpPr>
+          <p:spPr>
+            <a:xfrm>
+              <a:off x="5058752" y="1027169"/>
+              <a:ext cx="393056" cy="338554"/>
+            </a:xfrm>
+            <a:prstGeom prst="rect">
+              <a:avLst/>
+            </a:prstGeom>
+            <a:noFill/>
+          </p:spPr>
+          <p:txBody>
+            <a:bodyPr wrap="none" rtlCol="0">
+              <a:spAutoFit/>
+            </a:bodyPr>
+            <a:lstStyle/>
+            <a:p>
+              <a:r>
+                <a:rPr lang="en-US" sz="1600" dirty="0"/>
+                <a:t>10</a:t>
+              </a:r>
+            </a:p>
+          </p:txBody>
+        </p:sp>
+        <p:sp>
+          <p:nvSpPr>
+            <p:cNvPr id="30" name="TextBox 29">
+              <a:extLst>
+                <a:ext uri="{FF2B5EF4-FFF2-40B4-BE49-F238E27FC236}">
+                  <a16:creationId xmlns:a16="http://schemas.microsoft.com/office/drawing/2014/main" id="{E80B8BED-803F-614E-AD77-AC8D7854FCDB}"/>
+                </a:ext>
+              </a:extLst>
+            </p:cNvPr>
+            <p:cNvSpPr txBox="1"/>
+            <p:nvPr/>
+          </p:nvSpPr>
+          <p:spPr>
+            <a:xfrm>
+              <a:off x="6249358" y="1027169"/>
+              <a:ext cx="393056" cy="338554"/>
+            </a:xfrm>
+            <a:prstGeom prst="rect">
+              <a:avLst/>
+            </a:prstGeom>
+            <a:noFill/>
+          </p:spPr>
+          <p:txBody>
+            <a:bodyPr wrap="none" rtlCol="0">
+              <a:spAutoFit/>
+            </a:bodyPr>
+            <a:lstStyle/>
+            <a:p>
+              <a:r>
+                <a:rPr lang="en-US" sz="1600" dirty="0"/>
+                <a:t>11</a:t>
+              </a:r>
+            </a:p>
+          </p:txBody>
+        </p:sp>
+        <p:sp>
+          <p:nvSpPr>
+            <p:cNvPr id="31" name="TextBox 30">
+              <a:extLst>
+                <a:ext uri="{FF2B5EF4-FFF2-40B4-BE49-F238E27FC236}">
+                  <a16:creationId xmlns:a16="http://schemas.microsoft.com/office/drawing/2014/main" id="{FDD75EB9-637F-FA4D-9979-428240530592}"/>
+                </a:ext>
+              </a:extLst>
+            </p:cNvPr>
+            <p:cNvSpPr txBox="1"/>
+            <p:nvPr/>
+          </p:nvSpPr>
+          <p:spPr>
+            <a:xfrm>
+              <a:off x="6249358" y="76686"/>
+              <a:ext cx="393056" cy="338554"/>
+            </a:xfrm>
+            <a:prstGeom prst="rect">
+              <a:avLst/>
+            </a:prstGeom>
+            <a:noFill/>
+          </p:spPr>
+          <p:txBody>
+            <a:bodyPr wrap="none" rtlCol="0">
+              <a:spAutoFit/>
+            </a:bodyPr>
+            <a:lstStyle/>
+            <a:p>
+              <a:r>
+                <a:rPr lang="en-US" sz="1600" dirty="0"/>
+                <a:t>12</a:t>
+              </a:r>
+            </a:p>
+          </p:txBody>
+        </p:sp>
+        <p:grpSp>
+          <p:nvGrpSpPr>
+            <p:cNvPr id="32" name="Group 31">
+              <a:extLst>
+                <a:ext uri="{FF2B5EF4-FFF2-40B4-BE49-F238E27FC236}">
+                  <a16:creationId xmlns:a16="http://schemas.microsoft.com/office/drawing/2014/main" id="{7F0DB5C3-36FB-8042-8729-8647C067E051}"/>
+                </a:ext>
+              </a:extLst>
+            </p:cNvPr>
+            <p:cNvGrpSpPr/>
+            <p:nvPr/>
+          </p:nvGrpSpPr>
+          <p:grpSpPr>
+            <a:xfrm>
+              <a:off x="4464725" y="874064"/>
+              <a:ext cx="241981" cy="237744"/>
+              <a:chOff x="4327372" y="765015"/>
+              <a:chExt cx="241981" cy="237744"/>
+            </a:xfrm>
+          </p:grpSpPr>
+          <p:sp>
+            <p:nvSpPr>
+              <p:cNvPr id="33" name="Rectangle 32">
+                <a:extLst>
+                  <a:ext uri="{FF2B5EF4-FFF2-40B4-BE49-F238E27FC236}">
+                    <a16:creationId xmlns:a16="http://schemas.microsoft.com/office/drawing/2014/main" id="{714324C9-3BAB-3144-A1D6-BF13E07F31B5}"/>
+                  </a:ext>
+                </a:extLst>
+              </p:cNvPr>
+              <p:cNvSpPr>
+                <a:spLocks noChangeAspect="1"/>
+              </p:cNvSpPr>
+              <p:nvPr/>
+            </p:nvSpPr>
+            <p:spPr>
+              <a:xfrm>
+                <a:off x="4327372" y="765015"/>
+                <a:ext cx="118872" cy="237744"/>
+              </a:xfrm>
+              <a:prstGeom prst="rect">
+                <a:avLst/>
+              </a:prstGeom>
+              <a:solidFill>
+                <a:srgbClr val="CD950C"/>
+              </a:solidFill>
+              <a:ln w="19050">
+                <a:solidFill>
+                  <a:schemeClr val="bg1"/>
+                </a:solidFill>
+              </a:ln>
+            </p:spPr>
+            <p:style>
+              <a:lnRef idx="2">
+                <a:schemeClr val="accent1">
+                  <a:shade val="50000"/>
+                </a:schemeClr>
+              </a:lnRef>
+              <a:fillRef idx="1">
+                <a:schemeClr val="accent1"/>
+              </a:fillRef>
+              <a:effectRef idx="0">
+                <a:schemeClr val="accent1"/>
+              </a:effectRef>
+              <a:fontRef idx="minor">
+                <a:schemeClr val="lt1"/>
+              </a:fontRef>
+            </p:style>
+            <p:txBody>
+              <a:bodyPr rtlCol="0" anchor="ctr"/>
+              <a:lstStyle/>
+              <a:p>
+                <a:pPr algn="ctr"/>
+                <a:endParaRPr lang="en-US"/>
+              </a:p>
+            </p:txBody>
+          </p:sp>
+          <p:sp>
+            <p:nvSpPr>
+              <p:cNvPr id="34" name="Rectangle 33">
+                <a:extLst>
+                  <a:ext uri="{FF2B5EF4-FFF2-40B4-BE49-F238E27FC236}">
+                    <a16:creationId xmlns:a16="http://schemas.microsoft.com/office/drawing/2014/main" id="{B2217718-5D58-6F41-95EF-3B959DAA47CA}"/>
+                  </a:ext>
+                </a:extLst>
+              </p:cNvPr>
+              <p:cNvSpPr>
+                <a:spLocks noChangeAspect="1"/>
+              </p:cNvSpPr>
+              <p:nvPr/>
+            </p:nvSpPr>
+            <p:spPr>
+              <a:xfrm>
+                <a:off x="4450481" y="765015"/>
+                <a:ext cx="118872" cy="237744"/>
+              </a:xfrm>
+              <a:prstGeom prst="rect">
+                <a:avLst/>
+              </a:prstGeom>
+              <a:solidFill>
+                <a:srgbClr val="8B6508"/>
+              </a:solidFill>
+              <a:ln w="19050">
+                <a:solidFill>
+                  <a:schemeClr val="bg1"/>
+                </a:solidFill>
+              </a:ln>
+            </p:spPr>
+            <p:style>
+              <a:lnRef idx="2">
+                <a:schemeClr val="accent1">
+                  <a:shade val="50000"/>
+                </a:schemeClr>
+              </a:lnRef>
+              <a:fillRef idx="1">
+                <a:schemeClr val="accent1"/>
+              </a:fillRef>
+              <a:effectRef idx="0">
+                <a:schemeClr val="accent1"/>
+              </a:effectRef>
+              <a:fontRef idx="minor">
+                <a:schemeClr val="lt1"/>
+              </a:fontRef>
+            </p:style>
+            <p:txBody>
+              <a:bodyPr rtlCol="0" anchor="ctr"/>
+              <a:lstStyle/>
+              <a:p>
+                <a:pPr algn="ctr"/>
+                <a:endParaRPr lang="en-US"/>
+              </a:p>
+            </p:txBody>
+          </p:sp>
+        </p:grpSp>
+        <p:grpSp>
+          <p:nvGrpSpPr>
+            <p:cNvPr id="35" name="Group 34">
+              <a:extLst>
+                <a:ext uri="{FF2B5EF4-FFF2-40B4-BE49-F238E27FC236}">
+                  <a16:creationId xmlns:a16="http://schemas.microsoft.com/office/drawing/2014/main" id="{3FBE058C-031D-A842-959D-3C13A0E74E4E}"/>
+                </a:ext>
+              </a:extLst>
+            </p:cNvPr>
+            <p:cNvGrpSpPr/>
+            <p:nvPr/>
+          </p:nvGrpSpPr>
+          <p:grpSpPr>
+            <a:xfrm>
+              <a:off x="2938868" y="2111121"/>
+              <a:ext cx="479725" cy="237744"/>
+              <a:chOff x="4405289" y="4438277"/>
+              <a:chExt cx="479725" cy="237744"/>
+            </a:xfrm>
+          </p:grpSpPr>
+          <p:sp>
+            <p:nvSpPr>
+              <p:cNvPr id="36" name="Rectangle 35">
+                <a:extLst>
+                  <a:ext uri="{FF2B5EF4-FFF2-40B4-BE49-F238E27FC236}">
+                    <a16:creationId xmlns:a16="http://schemas.microsoft.com/office/drawing/2014/main" id="{367BCCB5-A2FE-DB48-8741-7A0F506374BD}"/>
+                  </a:ext>
+                </a:extLst>
+              </p:cNvPr>
+              <p:cNvSpPr>
+                <a:spLocks noChangeAspect="1"/>
+              </p:cNvSpPr>
+              <p:nvPr/>
+            </p:nvSpPr>
+            <p:spPr>
+              <a:xfrm>
+                <a:off x="4405289" y="4438277"/>
+                <a:ext cx="118872" cy="237744"/>
+              </a:xfrm>
+              <a:prstGeom prst="rect">
+                <a:avLst/>
+              </a:prstGeom>
+              <a:solidFill>
+                <a:srgbClr val="CD950C"/>
+              </a:solidFill>
+              <a:ln w="19050">
+                <a:solidFill>
+                  <a:schemeClr val="bg1"/>
+                </a:solidFill>
+              </a:ln>
+            </p:spPr>
+            <p:style>
+              <a:lnRef idx="2">
+                <a:schemeClr val="accent1">
+                  <a:shade val="50000"/>
+                </a:schemeClr>
+              </a:lnRef>
+              <a:fillRef idx="1">
+                <a:schemeClr val="accent1"/>
+              </a:fillRef>
+              <a:effectRef idx="0">
+                <a:schemeClr val="accent1"/>
+              </a:effectRef>
+              <a:fontRef idx="minor">
+                <a:schemeClr val="lt1"/>
+              </a:fontRef>
+            </p:style>
+            <p:txBody>
+              <a:bodyPr rtlCol="0" anchor="ctr"/>
+              <a:lstStyle/>
+              <a:p>
+                <a:pPr algn="ctr"/>
+                <a:endParaRPr lang="en-US"/>
+              </a:p>
+            </p:txBody>
+          </p:sp>
+          <p:sp>
+            <p:nvSpPr>
+              <p:cNvPr id="37" name="Rectangle 36">
+                <a:extLst>
+                  <a:ext uri="{FF2B5EF4-FFF2-40B4-BE49-F238E27FC236}">
+                    <a16:creationId xmlns:a16="http://schemas.microsoft.com/office/drawing/2014/main" id="{C38B175E-A5B9-0747-8E1D-FC440CD11386}"/>
+                  </a:ext>
+                </a:extLst>
+              </p:cNvPr>
+              <p:cNvSpPr>
+                <a:spLocks noChangeAspect="1"/>
+              </p:cNvSpPr>
+              <p:nvPr/>
+            </p:nvSpPr>
+            <p:spPr>
+              <a:xfrm>
+                <a:off x="4528398" y="4438277"/>
+                <a:ext cx="118872" cy="237744"/>
+              </a:xfrm>
+              <a:prstGeom prst="rect">
+                <a:avLst/>
+              </a:prstGeom>
+              <a:solidFill>
+                <a:srgbClr val="8B6508"/>
+              </a:solidFill>
+              <a:ln w="19050">
+                <a:solidFill>
+                  <a:schemeClr val="bg1"/>
+                </a:solidFill>
+              </a:ln>
+            </p:spPr>
+            <p:style>
+              <a:lnRef idx="2">
+                <a:schemeClr val="accent1">
+                  <a:shade val="50000"/>
+                </a:schemeClr>
+              </a:lnRef>
+              <a:fillRef idx="1">
+                <a:schemeClr val="accent1"/>
+              </a:fillRef>
+              <a:effectRef idx="0">
+                <a:schemeClr val="accent1"/>
+              </a:effectRef>
+              <a:fontRef idx="minor">
+                <a:schemeClr val="lt1"/>
+              </a:fontRef>
+            </p:style>
+            <p:txBody>
+              <a:bodyPr rtlCol="0" anchor="ctr"/>
+              <a:lstStyle/>
+              <a:p>
+                <a:pPr algn="ctr"/>
+                <a:endParaRPr lang="en-US"/>
+              </a:p>
+            </p:txBody>
+          </p:sp>
+          <p:sp>
+            <p:nvSpPr>
+              <p:cNvPr id="38" name="Rectangle 37">
+                <a:extLst>
+                  <a:ext uri="{FF2B5EF4-FFF2-40B4-BE49-F238E27FC236}">
+                    <a16:creationId xmlns:a16="http://schemas.microsoft.com/office/drawing/2014/main" id="{F4342BAB-DB6A-AC4B-A68D-6483A84964F7}"/>
+                  </a:ext>
+                </a:extLst>
+              </p:cNvPr>
+              <p:cNvSpPr>
+                <a:spLocks noChangeAspect="1"/>
+              </p:cNvSpPr>
+              <p:nvPr/>
+            </p:nvSpPr>
+            <p:spPr>
+              <a:xfrm>
+                <a:off x="4647270" y="4438277"/>
+                <a:ext cx="118872" cy="237744"/>
+              </a:xfrm>
+              <a:prstGeom prst="rect">
+                <a:avLst/>
+              </a:prstGeom>
+              <a:solidFill>
+                <a:srgbClr val="CD950C"/>
+              </a:solidFill>
+              <a:ln w="19050">
+                <a:solidFill>
+                  <a:schemeClr val="bg1"/>
+                </a:solidFill>
+              </a:ln>
+            </p:spPr>
+            <p:style>
+              <a:lnRef idx="2">
+                <a:schemeClr val="accent1">
+                  <a:shade val="50000"/>
+                </a:schemeClr>
+              </a:lnRef>
+              <a:fillRef idx="1">
+                <a:schemeClr val="accent1"/>
+              </a:fillRef>
+              <a:effectRef idx="0">
+                <a:schemeClr val="accent1"/>
+              </a:effectRef>
+              <a:fontRef idx="minor">
+                <a:schemeClr val="lt1"/>
+              </a:fontRef>
+            </p:style>
+            <p:txBody>
+              <a:bodyPr rtlCol="0" anchor="ctr"/>
+              <a:lstStyle/>
+              <a:p>
+                <a:pPr algn="ctr"/>
+                <a:endParaRPr lang="en-US"/>
+              </a:p>
+            </p:txBody>
+          </p:sp>
+          <p:sp>
+            <p:nvSpPr>
+              <p:cNvPr id="39" name="Rectangle 38">
+                <a:extLst>
+                  <a:ext uri="{FF2B5EF4-FFF2-40B4-BE49-F238E27FC236}">
+                    <a16:creationId xmlns:a16="http://schemas.microsoft.com/office/drawing/2014/main" id="{9F38B84E-6A3E-004A-9657-BE4B98BFEB82}"/>
+                  </a:ext>
+                </a:extLst>
+              </p:cNvPr>
+              <p:cNvSpPr>
+                <a:spLocks noChangeAspect="1"/>
+              </p:cNvSpPr>
+              <p:nvPr/>
+            </p:nvSpPr>
+            <p:spPr>
+              <a:xfrm>
+                <a:off x="4766142" y="4438277"/>
+                <a:ext cx="118872" cy="237744"/>
+              </a:xfrm>
+              <a:prstGeom prst="rect">
+                <a:avLst/>
+              </a:prstGeom>
+              <a:solidFill>
+                <a:srgbClr val="8B6508"/>
+              </a:solidFill>
+              <a:ln w="19050">
+                <a:solidFill>
+                  <a:schemeClr val="bg1"/>
+                </a:solidFill>
+              </a:ln>
+            </p:spPr>
+            <p:style>
+              <a:lnRef idx="2">
+                <a:schemeClr val="accent1">
+                  <a:shade val="50000"/>
+                </a:schemeClr>
+              </a:lnRef>
+              <a:fillRef idx="1">
+                <a:schemeClr val="accent1"/>
+              </a:fillRef>
+              <a:effectRef idx="0">
+                <a:schemeClr val="accent1"/>
+              </a:effectRef>
+              <a:fontRef idx="minor">
+                <a:schemeClr val="lt1"/>
+              </a:fontRef>
+            </p:style>
+            <p:txBody>
+              <a:bodyPr rtlCol="0" anchor="ctr"/>
+              <a:lstStyle/>
+              <a:p>
+                <a:pPr algn="ctr"/>
+                <a:endParaRPr lang="en-US"/>
+              </a:p>
+            </p:txBody>
+          </p:sp>
+        </p:grpSp>
+      </p:grpSp>
+    </p:spTree>
+    <p:extLst>
+      <p:ext uri="{BB962C8B-B14F-4D97-AF65-F5344CB8AC3E}">
+        <p14:creationId xmlns:p14="http://schemas.microsoft.com/office/powerpoint/2010/main" val="3645302926"/>
+      </p:ext>
+    </p:extLst>
+  </p:cSld>
+  <p:clrMapOvr>
+    <a:masterClrMapping/>
+  </p:clrMapOvr>
+</p:sld>
+</file>
+
+<file path=ppt/slides/slide11.xml><?xml version="1.0" encoding="utf-8"?>
+<p:sld xmlns:a="http://schemas.openxmlformats.org/drawingml/2006/main" xmlns:r="http://schemas.openxmlformats.org/officeDocument/2006/relationships" xmlns:p="http://schemas.openxmlformats.org/presentationml/2006/main">
+  <p:cSld>
+    <p:spTree>
+      <p:nvGrpSpPr>
+        <p:cNvPr id="1" name=""/>
+        <p:cNvGrpSpPr/>
+        <p:nvPr/>
+      </p:nvGrpSpPr>
+      <p:grpSpPr>
+        <a:xfrm>
+          <a:off x="0" y="0"/>
+          <a:ext cx="0" cy="0"/>
+          <a:chOff x="0" y="0"/>
+          <a:chExt cx="0" cy="0"/>
+        </a:xfrm>
+      </p:grpSpPr>
       <p:pic>
         <p:nvPicPr>
           <p:cNvPr id="2" name="Picture 1">
@@ -5451,7 +7904,7 @@
 </p:sld>
 </file>
 
-<file path=ppt/slides/slide11.xml><?xml version="1.0" encoding="utf-8"?>
+<file path=ppt/slides/slide12.xml><?xml version="1.0" encoding="utf-8"?>
 <p:sld xmlns:a="http://schemas.openxmlformats.org/drawingml/2006/main" xmlns:r="http://schemas.openxmlformats.org/officeDocument/2006/relationships" xmlns:p="http://schemas.openxmlformats.org/presentationml/2006/main">
   <p:cSld>
     <p:spTree>
@@ -17397,7 +19850,7 @@
           <p:nvPr/>
         </p:nvPicPr>
         <p:blipFill rotWithShape="1">
-          <a:blip r:embed="rId2"/>
+          <a:blip r:embed="rId3"/>
           <a:srcRect t="8798" r="51455" b="56701"/>
           <a:stretch/>
         </p:blipFill>
@@ -18443,7 +20896,7 @@
             <p:nvPr/>
           </p:nvPicPr>
           <p:blipFill rotWithShape="1">
-            <a:blip r:embed="rId3"/>
+            <a:blip r:embed="rId4"/>
             <a:srcRect l="26302" t="1905" r="24095"/>
             <a:stretch/>
           </p:blipFill>
@@ -19946,6 +22399,2708 @@
       </p:grpSpPr>
       <p:pic>
         <p:nvPicPr>
+          <p:cNvPr id="118" name="Picture 117">
+            <a:extLst>
+              <a:ext uri="{FF2B5EF4-FFF2-40B4-BE49-F238E27FC236}">
+                <a16:creationId xmlns:a16="http://schemas.microsoft.com/office/drawing/2014/main" id="{8F33865C-E919-5C4A-97BD-D4C97FFBBAE6}"/>
+              </a:ext>
+            </a:extLst>
+          </p:cNvPr>
+          <p:cNvPicPr>
+            <a:picLocks noChangeAspect="1"/>
+          </p:cNvPicPr>
+          <p:nvPr/>
+        </p:nvPicPr>
+        <p:blipFill rotWithShape="1">
+          <a:blip r:embed="rId3"/>
+          <a:srcRect t="8798" r="51455" b="56701"/>
+          <a:stretch/>
+        </p:blipFill>
+        <p:spPr>
+          <a:xfrm>
+            <a:off x="0" y="0"/>
+            <a:ext cx="6645135" cy="3657600"/>
+          </a:xfrm>
+          <a:prstGeom prst="rect">
+            <a:avLst/>
+          </a:prstGeom>
+        </p:spPr>
+      </p:pic>
+      <p:cxnSp>
+        <p:nvCxnSpPr>
+          <p:cNvPr id="119" name="Straight Arrow Connector 118">
+            <a:extLst>
+              <a:ext uri="{FF2B5EF4-FFF2-40B4-BE49-F238E27FC236}">
+                <a16:creationId xmlns:a16="http://schemas.microsoft.com/office/drawing/2014/main" id="{0C8D373A-15FE-C441-9861-7E201D8C62CF}"/>
+              </a:ext>
+            </a:extLst>
+          </p:cNvPr>
+          <p:cNvCxnSpPr>
+            <a:cxnSpLocks/>
+          </p:cNvCxnSpPr>
+          <p:nvPr/>
+        </p:nvCxnSpPr>
+        <p:spPr>
+          <a:xfrm flipV="1">
+            <a:off x="560318" y="2406257"/>
+            <a:ext cx="5522345" cy="1998"/>
+          </a:xfrm>
+          <a:prstGeom prst="straightConnector1">
+            <a:avLst/>
+          </a:prstGeom>
+          <a:ln w="38100">
+            <a:solidFill>
+              <a:srgbClr val="0000FF"/>
+            </a:solidFill>
+            <a:prstDash val="sysDot"/>
+            <a:tailEnd type="triangle"/>
+          </a:ln>
+        </p:spPr>
+        <p:style>
+          <a:lnRef idx="1">
+            <a:schemeClr val="accent1"/>
+          </a:lnRef>
+          <a:fillRef idx="0">
+            <a:schemeClr val="accent1"/>
+          </a:fillRef>
+          <a:effectRef idx="0">
+            <a:schemeClr val="accent1"/>
+          </a:effectRef>
+          <a:fontRef idx="minor">
+            <a:schemeClr val="tx1"/>
+          </a:fontRef>
+        </p:style>
+      </p:cxnSp>
+      <p:sp>
+        <p:nvSpPr>
+          <p:cNvPr id="120" name="5-Point Star 119">
+            <a:extLst>
+              <a:ext uri="{FF2B5EF4-FFF2-40B4-BE49-F238E27FC236}">
+                <a16:creationId xmlns:a16="http://schemas.microsoft.com/office/drawing/2014/main" id="{B0161589-9F82-A24B-9650-6E1ABE38A17A}"/>
+              </a:ext>
+            </a:extLst>
+          </p:cNvPr>
+          <p:cNvSpPr>
+            <a:spLocks noChangeAspect="1"/>
+          </p:cNvSpPr>
+          <p:nvPr/>
+        </p:nvSpPr>
+        <p:spPr>
+          <a:xfrm>
+            <a:off x="6179004" y="2145402"/>
+            <a:ext cx="365760" cy="365760"/>
+          </a:xfrm>
+          <a:prstGeom prst="star5">
+            <a:avLst/>
+          </a:prstGeom>
+          <a:solidFill>
+            <a:srgbClr val="CC79A7"/>
+          </a:solidFill>
+          <a:ln>
+            <a:solidFill>
+              <a:schemeClr val="accent1">
+                <a:lumMod val="50000"/>
+              </a:schemeClr>
+            </a:solidFill>
+          </a:ln>
+        </p:spPr>
+        <p:style>
+          <a:lnRef idx="2">
+            <a:schemeClr val="accent1">
+              <a:shade val="50000"/>
+            </a:schemeClr>
+          </a:lnRef>
+          <a:fillRef idx="1">
+            <a:schemeClr val="accent1"/>
+          </a:fillRef>
+          <a:effectRef idx="0">
+            <a:schemeClr val="accent1"/>
+          </a:effectRef>
+          <a:fontRef idx="minor">
+            <a:schemeClr val="lt1"/>
+          </a:fontRef>
+        </p:style>
+        <p:txBody>
+          <a:bodyPr rtlCol="0" anchor="ctr"/>
+          <a:lstStyle/>
+          <a:p>
+            <a:pPr algn="ctr"/>
+            <a:endParaRPr lang="en-US"/>
+          </a:p>
+        </p:txBody>
+      </p:sp>
+      <p:sp>
+        <p:nvSpPr>
+          <p:cNvPr id="121" name="TextBox 120">
+            <a:extLst>
+              <a:ext uri="{FF2B5EF4-FFF2-40B4-BE49-F238E27FC236}">
+                <a16:creationId xmlns:a16="http://schemas.microsoft.com/office/drawing/2014/main" id="{1E570BB8-F28C-9342-9991-E2E72D22C27F}"/>
+              </a:ext>
+            </a:extLst>
+          </p:cNvPr>
+          <p:cNvSpPr txBox="1"/>
+          <p:nvPr/>
+        </p:nvSpPr>
+        <p:spPr>
+          <a:xfrm>
+            <a:off x="6645135" y="2191122"/>
+            <a:ext cx="615874" cy="369332"/>
+          </a:xfrm>
+          <a:prstGeom prst="rect">
+            <a:avLst/>
+          </a:prstGeom>
+          <a:noFill/>
+        </p:spPr>
+        <p:txBody>
+          <a:bodyPr wrap="none" rtlCol="0">
+            <a:spAutoFit/>
+          </a:bodyPr>
+          <a:lstStyle/>
+          <a:p>
+            <a:r>
+              <a:rPr lang="en-US" dirty="0"/>
+              <a:t>Goal</a:t>
+            </a:r>
+          </a:p>
+        </p:txBody>
+      </p:sp>
+      <p:sp>
+        <p:nvSpPr>
+          <p:cNvPr id="122" name="TextBox 121">
+            <a:extLst>
+              <a:ext uri="{FF2B5EF4-FFF2-40B4-BE49-F238E27FC236}">
+                <a16:creationId xmlns:a16="http://schemas.microsoft.com/office/drawing/2014/main" id="{0CBA8E1F-91F4-2B42-B0B2-379D724F6032}"/>
+              </a:ext>
+            </a:extLst>
+          </p:cNvPr>
+          <p:cNvSpPr txBox="1"/>
+          <p:nvPr/>
+        </p:nvSpPr>
+        <p:spPr>
+          <a:xfrm>
+            <a:off x="3721516" y="2191122"/>
+            <a:ext cx="2037802" cy="461665"/>
+          </a:xfrm>
+          <a:prstGeom prst="rect">
+            <a:avLst/>
+          </a:prstGeom>
+          <a:noFill/>
+        </p:spPr>
+        <p:txBody>
+          <a:bodyPr wrap="none" rtlCol="0">
+            <a:spAutoFit/>
+          </a:bodyPr>
+          <a:lstStyle/>
+          <a:p>
+            <a:r>
+              <a:rPr lang="en-US" sz="2400" dirty="0">
+                <a:solidFill>
+                  <a:srgbClr val="C00000"/>
+                </a:solidFill>
+              </a:rPr>
+              <a:t>Private Offices</a:t>
+            </a:r>
+          </a:p>
+        </p:txBody>
+      </p:sp>
+      <p:grpSp>
+        <p:nvGrpSpPr>
+          <p:cNvPr id="123" name="Group 122">
+            <a:extLst>
+              <a:ext uri="{FF2B5EF4-FFF2-40B4-BE49-F238E27FC236}">
+                <a16:creationId xmlns:a16="http://schemas.microsoft.com/office/drawing/2014/main" id="{DC809F49-438A-8B4C-BF5E-13394C54BD74}"/>
+              </a:ext>
+            </a:extLst>
+          </p:cNvPr>
+          <p:cNvGrpSpPr/>
+          <p:nvPr/>
+        </p:nvGrpSpPr>
+        <p:grpSpPr>
+          <a:xfrm>
+            <a:off x="2451495" y="1827350"/>
+            <a:ext cx="3336640" cy="1830249"/>
+            <a:chOff x="2451495" y="1827350"/>
+            <a:chExt cx="3336640" cy="1830249"/>
+          </a:xfrm>
+          <a:solidFill>
+            <a:srgbClr val="FF0000"/>
+          </a:solidFill>
+        </p:grpSpPr>
+        <p:sp>
+          <p:nvSpPr>
+            <p:cNvPr id="124" name="Rectangle 123">
+              <a:extLst>
+                <a:ext uri="{FF2B5EF4-FFF2-40B4-BE49-F238E27FC236}">
+                  <a16:creationId xmlns:a16="http://schemas.microsoft.com/office/drawing/2014/main" id="{45D99FDC-5B6B-F942-9126-5A789DFF89D0}"/>
+                </a:ext>
+              </a:extLst>
+            </p:cNvPr>
+            <p:cNvSpPr/>
+            <p:nvPr/>
+          </p:nvSpPr>
+          <p:spPr>
+            <a:xfrm>
+              <a:off x="2583286" y="1827350"/>
+              <a:ext cx="228600" cy="411480"/>
+            </a:xfrm>
+            <a:prstGeom prst="rect">
+              <a:avLst/>
+            </a:prstGeom>
+            <a:grpFill/>
+            <a:ln>
+              <a:noFill/>
+            </a:ln>
+          </p:spPr>
+          <p:style>
+            <a:lnRef idx="2">
+              <a:schemeClr val="accent1">
+                <a:shade val="50000"/>
+              </a:schemeClr>
+            </a:lnRef>
+            <a:fillRef idx="1">
+              <a:schemeClr val="accent1"/>
+            </a:fillRef>
+            <a:effectRef idx="0">
+              <a:schemeClr val="accent1"/>
+            </a:effectRef>
+            <a:fontRef idx="minor">
+              <a:schemeClr val="lt1"/>
+            </a:fontRef>
+          </p:style>
+          <p:txBody>
+            <a:bodyPr rtlCol="0" anchor="ctr"/>
+            <a:lstStyle/>
+            <a:p>
+              <a:pPr algn="ctr"/>
+              <a:endParaRPr lang="en-US"/>
+            </a:p>
+          </p:txBody>
+        </p:sp>
+        <p:sp>
+          <p:nvSpPr>
+            <p:cNvPr id="125" name="Rectangle 124">
+              <a:extLst>
+                <a:ext uri="{FF2B5EF4-FFF2-40B4-BE49-F238E27FC236}">
+                  <a16:creationId xmlns:a16="http://schemas.microsoft.com/office/drawing/2014/main" id="{25736D26-0356-E343-8ECA-4E7FF2A3CC36}"/>
+                </a:ext>
+              </a:extLst>
+            </p:cNvPr>
+            <p:cNvSpPr/>
+            <p:nvPr/>
+          </p:nvSpPr>
+          <p:spPr>
+            <a:xfrm>
+              <a:off x="2901703" y="1827350"/>
+              <a:ext cx="228600" cy="411480"/>
+            </a:xfrm>
+            <a:prstGeom prst="rect">
+              <a:avLst/>
+            </a:prstGeom>
+            <a:grpFill/>
+            <a:ln>
+              <a:noFill/>
+            </a:ln>
+          </p:spPr>
+          <p:style>
+            <a:lnRef idx="2">
+              <a:schemeClr val="accent1">
+                <a:shade val="50000"/>
+              </a:schemeClr>
+            </a:lnRef>
+            <a:fillRef idx="1">
+              <a:schemeClr val="accent1"/>
+            </a:fillRef>
+            <a:effectRef idx="0">
+              <a:schemeClr val="accent1"/>
+            </a:effectRef>
+            <a:fontRef idx="minor">
+              <a:schemeClr val="lt1"/>
+            </a:fontRef>
+          </p:style>
+          <p:txBody>
+            <a:bodyPr rtlCol="0" anchor="ctr"/>
+            <a:lstStyle/>
+            <a:p>
+              <a:pPr algn="ctr"/>
+              <a:endParaRPr lang="en-US"/>
+            </a:p>
+          </p:txBody>
+        </p:sp>
+        <p:sp>
+          <p:nvSpPr>
+            <p:cNvPr id="126" name="Rectangle 125">
+              <a:extLst>
+                <a:ext uri="{FF2B5EF4-FFF2-40B4-BE49-F238E27FC236}">
+                  <a16:creationId xmlns:a16="http://schemas.microsoft.com/office/drawing/2014/main" id="{3583F0C8-C0F4-344B-BFAF-DF40EEE98EE5}"/>
+                </a:ext>
+              </a:extLst>
+            </p:cNvPr>
+            <p:cNvSpPr/>
+            <p:nvPr/>
+          </p:nvSpPr>
+          <p:spPr>
+            <a:xfrm>
+              <a:off x="3220120" y="1827350"/>
+              <a:ext cx="228600" cy="411480"/>
+            </a:xfrm>
+            <a:prstGeom prst="rect">
+              <a:avLst/>
+            </a:prstGeom>
+            <a:grpFill/>
+            <a:ln>
+              <a:noFill/>
+            </a:ln>
+          </p:spPr>
+          <p:style>
+            <a:lnRef idx="2">
+              <a:schemeClr val="accent1">
+                <a:shade val="50000"/>
+              </a:schemeClr>
+            </a:lnRef>
+            <a:fillRef idx="1">
+              <a:schemeClr val="accent1"/>
+            </a:fillRef>
+            <a:effectRef idx="0">
+              <a:schemeClr val="accent1"/>
+            </a:effectRef>
+            <a:fontRef idx="minor">
+              <a:schemeClr val="lt1"/>
+            </a:fontRef>
+          </p:style>
+          <p:txBody>
+            <a:bodyPr rtlCol="0" anchor="ctr"/>
+            <a:lstStyle/>
+            <a:p>
+              <a:pPr algn="ctr"/>
+              <a:endParaRPr lang="en-US"/>
+            </a:p>
+          </p:txBody>
+        </p:sp>
+        <p:sp>
+          <p:nvSpPr>
+            <p:cNvPr id="127" name="Rectangle 126">
+              <a:extLst>
+                <a:ext uri="{FF2B5EF4-FFF2-40B4-BE49-F238E27FC236}">
+                  <a16:creationId xmlns:a16="http://schemas.microsoft.com/office/drawing/2014/main" id="{3CB08CBC-F12F-EB48-A35F-0D0078CB7AE9}"/>
+                </a:ext>
+              </a:extLst>
+            </p:cNvPr>
+            <p:cNvSpPr/>
+            <p:nvPr/>
+          </p:nvSpPr>
+          <p:spPr>
+            <a:xfrm>
+              <a:off x="3538537" y="1827350"/>
+              <a:ext cx="228600" cy="411480"/>
+            </a:xfrm>
+            <a:prstGeom prst="rect">
+              <a:avLst/>
+            </a:prstGeom>
+            <a:grpFill/>
+            <a:ln>
+              <a:noFill/>
+            </a:ln>
+          </p:spPr>
+          <p:style>
+            <a:lnRef idx="2">
+              <a:schemeClr val="accent1">
+                <a:shade val="50000"/>
+              </a:schemeClr>
+            </a:lnRef>
+            <a:fillRef idx="1">
+              <a:schemeClr val="accent1"/>
+            </a:fillRef>
+            <a:effectRef idx="0">
+              <a:schemeClr val="accent1"/>
+            </a:effectRef>
+            <a:fontRef idx="minor">
+              <a:schemeClr val="lt1"/>
+            </a:fontRef>
+          </p:style>
+          <p:txBody>
+            <a:bodyPr rtlCol="0" anchor="ctr"/>
+            <a:lstStyle/>
+            <a:p>
+              <a:pPr algn="ctr"/>
+              <a:endParaRPr lang="en-US"/>
+            </a:p>
+          </p:txBody>
+        </p:sp>
+        <p:sp>
+          <p:nvSpPr>
+            <p:cNvPr id="128" name="Rectangle 127">
+              <a:extLst>
+                <a:ext uri="{FF2B5EF4-FFF2-40B4-BE49-F238E27FC236}">
+                  <a16:creationId xmlns:a16="http://schemas.microsoft.com/office/drawing/2014/main" id="{E904FEE5-ECE5-E94C-9FB2-3A30E20E20ED}"/>
+                </a:ext>
+              </a:extLst>
+            </p:cNvPr>
+            <p:cNvSpPr/>
+            <p:nvPr/>
+          </p:nvSpPr>
+          <p:spPr>
+            <a:xfrm>
+              <a:off x="3856954" y="1827350"/>
+              <a:ext cx="228600" cy="411480"/>
+            </a:xfrm>
+            <a:prstGeom prst="rect">
+              <a:avLst/>
+            </a:prstGeom>
+            <a:grpFill/>
+            <a:ln>
+              <a:noFill/>
+            </a:ln>
+          </p:spPr>
+          <p:style>
+            <a:lnRef idx="2">
+              <a:schemeClr val="accent1">
+                <a:shade val="50000"/>
+              </a:schemeClr>
+            </a:lnRef>
+            <a:fillRef idx="1">
+              <a:schemeClr val="accent1"/>
+            </a:fillRef>
+            <a:effectRef idx="0">
+              <a:schemeClr val="accent1"/>
+            </a:effectRef>
+            <a:fontRef idx="minor">
+              <a:schemeClr val="lt1"/>
+            </a:fontRef>
+          </p:style>
+          <p:txBody>
+            <a:bodyPr rtlCol="0" anchor="ctr"/>
+            <a:lstStyle/>
+            <a:p>
+              <a:pPr algn="ctr"/>
+              <a:endParaRPr lang="en-US"/>
+            </a:p>
+          </p:txBody>
+        </p:sp>
+        <p:sp>
+          <p:nvSpPr>
+            <p:cNvPr id="129" name="Rectangle 128">
+              <a:extLst>
+                <a:ext uri="{FF2B5EF4-FFF2-40B4-BE49-F238E27FC236}">
+                  <a16:creationId xmlns:a16="http://schemas.microsoft.com/office/drawing/2014/main" id="{EEFE5298-FC83-FB49-A55F-6D2E73304F76}"/>
+                </a:ext>
+              </a:extLst>
+            </p:cNvPr>
+            <p:cNvSpPr/>
+            <p:nvPr/>
+          </p:nvSpPr>
+          <p:spPr>
+            <a:xfrm>
+              <a:off x="4175371" y="1827350"/>
+              <a:ext cx="228600" cy="411480"/>
+            </a:xfrm>
+            <a:prstGeom prst="rect">
+              <a:avLst/>
+            </a:prstGeom>
+            <a:grpFill/>
+            <a:ln>
+              <a:noFill/>
+            </a:ln>
+          </p:spPr>
+          <p:style>
+            <a:lnRef idx="2">
+              <a:schemeClr val="accent1">
+                <a:shade val="50000"/>
+              </a:schemeClr>
+            </a:lnRef>
+            <a:fillRef idx="1">
+              <a:schemeClr val="accent1"/>
+            </a:fillRef>
+            <a:effectRef idx="0">
+              <a:schemeClr val="accent1"/>
+            </a:effectRef>
+            <a:fontRef idx="minor">
+              <a:schemeClr val="lt1"/>
+            </a:fontRef>
+          </p:style>
+          <p:txBody>
+            <a:bodyPr rtlCol="0" anchor="ctr"/>
+            <a:lstStyle/>
+            <a:p>
+              <a:pPr algn="ctr"/>
+              <a:endParaRPr lang="en-US"/>
+            </a:p>
+          </p:txBody>
+        </p:sp>
+        <p:sp>
+          <p:nvSpPr>
+            <p:cNvPr id="130" name="Rectangle 129">
+              <a:extLst>
+                <a:ext uri="{FF2B5EF4-FFF2-40B4-BE49-F238E27FC236}">
+                  <a16:creationId xmlns:a16="http://schemas.microsoft.com/office/drawing/2014/main" id="{6FA16C08-E9F1-ED42-B63B-0418E1747A6D}"/>
+                </a:ext>
+              </a:extLst>
+            </p:cNvPr>
+            <p:cNvSpPr/>
+            <p:nvPr/>
+          </p:nvSpPr>
+          <p:spPr>
+            <a:xfrm>
+              <a:off x="4493788" y="1827350"/>
+              <a:ext cx="228600" cy="411480"/>
+            </a:xfrm>
+            <a:prstGeom prst="rect">
+              <a:avLst/>
+            </a:prstGeom>
+            <a:grpFill/>
+            <a:ln>
+              <a:noFill/>
+            </a:ln>
+          </p:spPr>
+          <p:style>
+            <a:lnRef idx="2">
+              <a:schemeClr val="accent1">
+                <a:shade val="50000"/>
+              </a:schemeClr>
+            </a:lnRef>
+            <a:fillRef idx="1">
+              <a:schemeClr val="accent1"/>
+            </a:fillRef>
+            <a:effectRef idx="0">
+              <a:schemeClr val="accent1"/>
+            </a:effectRef>
+            <a:fontRef idx="minor">
+              <a:schemeClr val="lt1"/>
+            </a:fontRef>
+          </p:style>
+          <p:txBody>
+            <a:bodyPr rtlCol="0" anchor="ctr"/>
+            <a:lstStyle/>
+            <a:p>
+              <a:pPr algn="ctr"/>
+              <a:endParaRPr lang="en-US"/>
+            </a:p>
+          </p:txBody>
+        </p:sp>
+        <p:sp>
+          <p:nvSpPr>
+            <p:cNvPr id="131" name="Rectangle 130">
+              <a:extLst>
+                <a:ext uri="{FF2B5EF4-FFF2-40B4-BE49-F238E27FC236}">
+                  <a16:creationId xmlns:a16="http://schemas.microsoft.com/office/drawing/2014/main" id="{446662E4-3D85-9C41-9EE8-7851230A6FE5}"/>
+                </a:ext>
+              </a:extLst>
+            </p:cNvPr>
+            <p:cNvSpPr/>
+            <p:nvPr/>
+          </p:nvSpPr>
+          <p:spPr>
+            <a:xfrm>
+              <a:off x="4812205" y="1827350"/>
+              <a:ext cx="228600" cy="411480"/>
+            </a:xfrm>
+            <a:prstGeom prst="rect">
+              <a:avLst/>
+            </a:prstGeom>
+            <a:grpFill/>
+            <a:ln>
+              <a:noFill/>
+            </a:ln>
+          </p:spPr>
+          <p:style>
+            <a:lnRef idx="2">
+              <a:schemeClr val="accent1">
+                <a:shade val="50000"/>
+              </a:schemeClr>
+            </a:lnRef>
+            <a:fillRef idx="1">
+              <a:schemeClr val="accent1"/>
+            </a:fillRef>
+            <a:effectRef idx="0">
+              <a:schemeClr val="accent1"/>
+            </a:effectRef>
+            <a:fontRef idx="minor">
+              <a:schemeClr val="lt1"/>
+            </a:fontRef>
+          </p:style>
+          <p:txBody>
+            <a:bodyPr rtlCol="0" anchor="ctr"/>
+            <a:lstStyle/>
+            <a:p>
+              <a:pPr algn="ctr"/>
+              <a:endParaRPr lang="en-US"/>
+            </a:p>
+          </p:txBody>
+        </p:sp>
+        <p:sp>
+          <p:nvSpPr>
+            <p:cNvPr id="132" name="Rectangle 131">
+              <a:extLst>
+                <a:ext uri="{FF2B5EF4-FFF2-40B4-BE49-F238E27FC236}">
+                  <a16:creationId xmlns:a16="http://schemas.microsoft.com/office/drawing/2014/main" id="{8321B2B4-CFE9-294C-A91E-B26CBDF6DAA2}"/>
+                </a:ext>
+              </a:extLst>
+            </p:cNvPr>
+            <p:cNvSpPr/>
+            <p:nvPr/>
+          </p:nvSpPr>
+          <p:spPr>
+            <a:xfrm>
+              <a:off x="2451495" y="2616629"/>
+              <a:ext cx="228600" cy="411480"/>
+            </a:xfrm>
+            <a:prstGeom prst="rect">
+              <a:avLst/>
+            </a:prstGeom>
+            <a:grpFill/>
+            <a:ln>
+              <a:noFill/>
+            </a:ln>
+          </p:spPr>
+          <p:style>
+            <a:lnRef idx="2">
+              <a:schemeClr val="accent1">
+                <a:shade val="50000"/>
+              </a:schemeClr>
+            </a:lnRef>
+            <a:fillRef idx="1">
+              <a:schemeClr val="accent1"/>
+            </a:fillRef>
+            <a:effectRef idx="0">
+              <a:schemeClr val="accent1"/>
+            </a:effectRef>
+            <a:fontRef idx="minor">
+              <a:schemeClr val="lt1"/>
+            </a:fontRef>
+          </p:style>
+          <p:txBody>
+            <a:bodyPr rtlCol="0" anchor="ctr"/>
+            <a:lstStyle/>
+            <a:p>
+              <a:pPr algn="ctr"/>
+              <a:endParaRPr lang="en-US"/>
+            </a:p>
+          </p:txBody>
+        </p:sp>
+        <p:sp>
+          <p:nvSpPr>
+            <p:cNvPr id="133" name="Rectangle 132">
+              <a:extLst>
+                <a:ext uri="{FF2B5EF4-FFF2-40B4-BE49-F238E27FC236}">
+                  <a16:creationId xmlns:a16="http://schemas.microsoft.com/office/drawing/2014/main" id="{407E333E-EF88-2347-94C3-BD76635EE6C5}"/>
+                </a:ext>
+              </a:extLst>
+            </p:cNvPr>
+            <p:cNvSpPr/>
+            <p:nvPr/>
+          </p:nvSpPr>
+          <p:spPr>
+            <a:xfrm>
+              <a:off x="2787797" y="2616629"/>
+              <a:ext cx="342506" cy="411480"/>
+            </a:xfrm>
+            <a:prstGeom prst="rect">
+              <a:avLst/>
+            </a:prstGeom>
+            <a:grpFill/>
+            <a:ln>
+              <a:noFill/>
+            </a:ln>
+          </p:spPr>
+          <p:style>
+            <a:lnRef idx="2">
+              <a:schemeClr val="accent1">
+                <a:shade val="50000"/>
+              </a:schemeClr>
+            </a:lnRef>
+            <a:fillRef idx="1">
+              <a:schemeClr val="accent1"/>
+            </a:fillRef>
+            <a:effectRef idx="0">
+              <a:schemeClr val="accent1"/>
+            </a:effectRef>
+            <a:fontRef idx="minor">
+              <a:schemeClr val="lt1"/>
+            </a:fontRef>
+          </p:style>
+          <p:txBody>
+            <a:bodyPr rtlCol="0" anchor="ctr"/>
+            <a:lstStyle/>
+            <a:p>
+              <a:pPr algn="ctr"/>
+              <a:endParaRPr lang="en-US"/>
+            </a:p>
+          </p:txBody>
+        </p:sp>
+        <p:sp>
+          <p:nvSpPr>
+            <p:cNvPr id="134" name="Rectangle 133">
+              <a:extLst>
+                <a:ext uri="{FF2B5EF4-FFF2-40B4-BE49-F238E27FC236}">
+                  <a16:creationId xmlns:a16="http://schemas.microsoft.com/office/drawing/2014/main" id="{3BD6101B-9589-1C4B-960E-9466A4D4F1C3}"/>
+                </a:ext>
+              </a:extLst>
+            </p:cNvPr>
+            <p:cNvSpPr/>
+            <p:nvPr/>
+          </p:nvSpPr>
+          <p:spPr>
+            <a:xfrm>
+              <a:off x="3238005" y="2616629"/>
+              <a:ext cx="228600" cy="411480"/>
+            </a:xfrm>
+            <a:prstGeom prst="rect">
+              <a:avLst/>
+            </a:prstGeom>
+            <a:grpFill/>
+            <a:ln>
+              <a:noFill/>
+            </a:ln>
+          </p:spPr>
+          <p:style>
+            <a:lnRef idx="2">
+              <a:schemeClr val="accent1">
+                <a:shade val="50000"/>
+              </a:schemeClr>
+            </a:lnRef>
+            <a:fillRef idx="1">
+              <a:schemeClr val="accent1"/>
+            </a:fillRef>
+            <a:effectRef idx="0">
+              <a:schemeClr val="accent1"/>
+            </a:effectRef>
+            <a:fontRef idx="minor">
+              <a:schemeClr val="lt1"/>
+            </a:fontRef>
+          </p:style>
+          <p:txBody>
+            <a:bodyPr rtlCol="0" anchor="ctr"/>
+            <a:lstStyle/>
+            <a:p>
+              <a:pPr algn="ctr"/>
+              <a:endParaRPr lang="en-US"/>
+            </a:p>
+          </p:txBody>
+        </p:sp>
+        <p:sp>
+          <p:nvSpPr>
+            <p:cNvPr id="135" name="Rectangle 134">
+              <a:extLst>
+                <a:ext uri="{FF2B5EF4-FFF2-40B4-BE49-F238E27FC236}">
+                  <a16:creationId xmlns:a16="http://schemas.microsoft.com/office/drawing/2014/main" id="{AEEB94B2-B795-A647-A6F4-B8F5C3F67793}"/>
+                </a:ext>
+              </a:extLst>
+            </p:cNvPr>
+            <p:cNvSpPr/>
+            <p:nvPr/>
+          </p:nvSpPr>
+          <p:spPr>
+            <a:xfrm>
+              <a:off x="3555514" y="2616629"/>
+              <a:ext cx="228600" cy="411480"/>
+            </a:xfrm>
+            <a:prstGeom prst="rect">
+              <a:avLst/>
+            </a:prstGeom>
+            <a:grpFill/>
+            <a:ln>
+              <a:noFill/>
+            </a:ln>
+          </p:spPr>
+          <p:style>
+            <a:lnRef idx="2">
+              <a:schemeClr val="accent1">
+                <a:shade val="50000"/>
+              </a:schemeClr>
+            </a:lnRef>
+            <a:fillRef idx="1">
+              <a:schemeClr val="accent1"/>
+            </a:fillRef>
+            <a:effectRef idx="0">
+              <a:schemeClr val="accent1"/>
+            </a:effectRef>
+            <a:fontRef idx="minor">
+              <a:schemeClr val="lt1"/>
+            </a:fontRef>
+          </p:style>
+          <p:txBody>
+            <a:bodyPr rtlCol="0" anchor="ctr"/>
+            <a:lstStyle/>
+            <a:p>
+              <a:pPr algn="ctr"/>
+              <a:endParaRPr lang="en-US"/>
+            </a:p>
+          </p:txBody>
+        </p:sp>
+        <p:sp>
+          <p:nvSpPr>
+            <p:cNvPr id="136" name="Rectangle 135">
+              <a:extLst>
+                <a:ext uri="{FF2B5EF4-FFF2-40B4-BE49-F238E27FC236}">
+                  <a16:creationId xmlns:a16="http://schemas.microsoft.com/office/drawing/2014/main" id="{BD29C295-DB8E-B84C-BAFD-974CE854EDCE}"/>
+                </a:ext>
+              </a:extLst>
+            </p:cNvPr>
+            <p:cNvSpPr/>
+            <p:nvPr/>
+          </p:nvSpPr>
+          <p:spPr>
+            <a:xfrm>
+              <a:off x="3865590" y="2616629"/>
+              <a:ext cx="228600" cy="411480"/>
+            </a:xfrm>
+            <a:prstGeom prst="rect">
+              <a:avLst/>
+            </a:prstGeom>
+            <a:grpFill/>
+            <a:ln>
+              <a:noFill/>
+            </a:ln>
+          </p:spPr>
+          <p:style>
+            <a:lnRef idx="2">
+              <a:schemeClr val="accent1">
+                <a:shade val="50000"/>
+              </a:schemeClr>
+            </a:lnRef>
+            <a:fillRef idx="1">
+              <a:schemeClr val="accent1"/>
+            </a:fillRef>
+            <a:effectRef idx="0">
+              <a:schemeClr val="accent1"/>
+            </a:effectRef>
+            <a:fontRef idx="minor">
+              <a:schemeClr val="lt1"/>
+            </a:fontRef>
+          </p:style>
+          <p:txBody>
+            <a:bodyPr rtlCol="0" anchor="ctr"/>
+            <a:lstStyle/>
+            <a:p>
+              <a:pPr algn="ctr"/>
+              <a:endParaRPr lang="en-US"/>
+            </a:p>
+          </p:txBody>
+        </p:sp>
+        <p:sp>
+          <p:nvSpPr>
+            <p:cNvPr id="137" name="Rectangle 136">
+              <a:extLst>
+                <a:ext uri="{FF2B5EF4-FFF2-40B4-BE49-F238E27FC236}">
+                  <a16:creationId xmlns:a16="http://schemas.microsoft.com/office/drawing/2014/main" id="{1D8222D3-20B7-444C-A5C8-09A4D3D8B2BF}"/>
+                </a:ext>
+              </a:extLst>
+            </p:cNvPr>
+            <p:cNvSpPr/>
+            <p:nvPr/>
+          </p:nvSpPr>
+          <p:spPr>
+            <a:xfrm>
+              <a:off x="4184816" y="2616629"/>
+              <a:ext cx="525469" cy="411480"/>
+            </a:xfrm>
+            <a:prstGeom prst="rect">
+              <a:avLst/>
+            </a:prstGeom>
+            <a:grpFill/>
+            <a:ln>
+              <a:noFill/>
+            </a:ln>
+          </p:spPr>
+          <p:style>
+            <a:lnRef idx="2">
+              <a:schemeClr val="accent1">
+                <a:shade val="50000"/>
+              </a:schemeClr>
+            </a:lnRef>
+            <a:fillRef idx="1">
+              <a:schemeClr val="accent1"/>
+            </a:fillRef>
+            <a:effectRef idx="0">
+              <a:schemeClr val="accent1"/>
+            </a:effectRef>
+            <a:fontRef idx="minor">
+              <a:schemeClr val="lt1"/>
+            </a:fontRef>
+          </p:style>
+          <p:txBody>
+            <a:bodyPr rtlCol="0" anchor="ctr"/>
+            <a:lstStyle/>
+            <a:p>
+              <a:pPr algn="ctr"/>
+              <a:endParaRPr lang="en-US"/>
+            </a:p>
+          </p:txBody>
+        </p:sp>
+        <p:sp>
+          <p:nvSpPr>
+            <p:cNvPr id="138" name="Rectangle 137">
+              <a:extLst>
+                <a:ext uri="{FF2B5EF4-FFF2-40B4-BE49-F238E27FC236}">
+                  <a16:creationId xmlns:a16="http://schemas.microsoft.com/office/drawing/2014/main" id="{F3E039B4-8832-554F-BEB5-3C415B639FA2}"/>
+                </a:ext>
+              </a:extLst>
+            </p:cNvPr>
+            <p:cNvSpPr/>
+            <p:nvPr/>
+          </p:nvSpPr>
+          <p:spPr>
+            <a:xfrm>
+              <a:off x="4815976" y="2616629"/>
+              <a:ext cx="228600" cy="411480"/>
+            </a:xfrm>
+            <a:prstGeom prst="rect">
+              <a:avLst/>
+            </a:prstGeom>
+            <a:grpFill/>
+            <a:ln>
+              <a:noFill/>
+            </a:ln>
+          </p:spPr>
+          <p:style>
+            <a:lnRef idx="2">
+              <a:schemeClr val="accent1">
+                <a:shade val="50000"/>
+              </a:schemeClr>
+            </a:lnRef>
+            <a:fillRef idx="1">
+              <a:schemeClr val="accent1"/>
+            </a:fillRef>
+            <a:effectRef idx="0">
+              <a:schemeClr val="accent1"/>
+            </a:effectRef>
+            <a:fontRef idx="minor">
+              <a:schemeClr val="lt1"/>
+            </a:fontRef>
+          </p:style>
+          <p:txBody>
+            <a:bodyPr rtlCol="0" anchor="ctr"/>
+            <a:lstStyle/>
+            <a:p>
+              <a:pPr algn="ctr"/>
+              <a:endParaRPr lang="en-US"/>
+            </a:p>
+          </p:txBody>
+        </p:sp>
+        <p:sp>
+          <p:nvSpPr>
+            <p:cNvPr id="139" name="Rectangle 138">
+              <a:extLst>
+                <a:ext uri="{FF2B5EF4-FFF2-40B4-BE49-F238E27FC236}">
+                  <a16:creationId xmlns:a16="http://schemas.microsoft.com/office/drawing/2014/main" id="{237F95C2-AFAE-D44B-9E33-90E96307B6AC}"/>
+                </a:ext>
+              </a:extLst>
+            </p:cNvPr>
+            <p:cNvSpPr/>
+            <p:nvPr/>
+          </p:nvSpPr>
+          <p:spPr>
+            <a:xfrm>
+              <a:off x="5212063" y="2616628"/>
+              <a:ext cx="576072" cy="1040971"/>
+            </a:xfrm>
+            <a:prstGeom prst="rect">
+              <a:avLst/>
+            </a:prstGeom>
+            <a:grpFill/>
+            <a:ln>
+              <a:noFill/>
+            </a:ln>
+          </p:spPr>
+          <p:style>
+            <a:lnRef idx="2">
+              <a:schemeClr val="accent1">
+                <a:shade val="50000"/>
+              </a:schemeClr>
+            </a:lnRef>
+            <a:fillRef idx="1">
+              <a:schemeClr val="accent1"/>
+            </a:fillRef>
+            <a:effectRef idx="0">
+              <a:schemeClr val="accent1"/>
+            </a:effectRef>
+            <a:fontRef idx="minor">
+              <a:schemeClr val="lt1"/>
+            </a:fontRef>
+          </p:style>
+          <p:txBody>
+            <a:bodyPr rtlCol="0" anchor="ctr"/>
+            <a:lstStyle/>
+            <a:p>
+              <a:pPr algn="ctr"/>
+              <a:endParaRPr lang="en-US"/>
+            </a:p>
+          </p:txBody>
+        </p:sp>
+      </p:grpSp>
+      <p:grpSp>
+        <p:nvGrpSpPr>
+          <p:cNvPr id="140" name="Group 139">
+            <a:extLst>
+              <a:ext uri="{FF2B5EF4-FFF2-40B4-BE49-F238E27FC236}">
+                <a16:creationId xmlns:a16="http://schemas.microsoft.com/office/drawing/2014/main" id="{07DF0130-84AD-8F49-82EB-1D655ABCCBB5}"/>
+              </a:ext>
+            </a:extLst>
+          </p:cNvPr>
+          <p:cNvGrpSpPr/>
+          <p:nvPr/>
+        </p:nvGrpSpPr>
+        <p:grpSpPr>
+          <a:xfrm>
+            <a:off x="1220831" y="540920"/>
+            <a:ext cx="1139224" cy="2487189"/>
+            <a:chOff x="1220831" y="540920"/>
+            <a:chExt cx="1139224" cy="2487189"/>
+          </a:xfrm>
+        </p:grpSpPr>
+        <p:sp>
+          <p:nvSpPr>
+            <p:cNvPr id="141" name="Rectangle 140">
+              <a:extLst>
+                <a:ext uri="{FF2B5EF4-FFF2-40B4-BE49-F238E27FC236}">
+                  <a16:creationId xmlns:a16="http://schemas.microsoft.com/office/drawing/2014/main" id="{C47E3C82-0A9D-284F-BCD2-65EE0331CC79}"/>
+                </a:ext>
+              </a:extLst>
+            </p:cNvPr>
+            <p:cNvSpPr/>
+            <p:nvPr/>
+          </p:nvSpPr>
+          <p:spPr>
+            <a:xfrm>
+              <a:off x="1362906" y="540920"/>
+              <a:ext cx="370078" cy="745829"/>
+            </a:xfrm>
+            <a:prstGeom prst="rect">
+              <a:avLst/>
+            </a:prstGeom>
+            <a:solidFill>
+              <a:srgbClr val="FFFF00"/>
+            </a:solidFill>
+            <a:ln>
+              <a:noFill/>
+            </a:ln>
+          </p:spPr>
+          <p:style>
+            <a:lnRef idx="2">
+              <a:schemeClr val="accent1">
+                <a:shade val="50000"/>
+              </a:schemeClr>
+            </a:lnRef>
+            <a:fillRef idx="1">
+              <a:schemeClr val="accent1"/>
+            </a:fillRef>
+            <a:effectRef idx="0">
+              <a:schemeClr val="accent1"/>
+            </a:effectRef>
+            <a:fontRef idx="minor">
+              <a:schemeClr val="lt1"/>
+            </a:fontRef>
+          </p:style>
+          <p:txBody>
+            <a:bodyPr rtlCol="0" anchor="ctr"/>
+            <a:lstStyle/>
+            <a:p>
+              <a:pPr algn="ctr"/>
+              <a:endParaRPr lang="en-US" dirty="0"/>
+            </a:p>
+          </p:txBody>
+        </p:sp>
+        <p:sp>
+          <p:nvSpPr>
+            <p:cNvPr id="142" name="Rectangle 141">
+              <a:extLst>
+                <a:ext uri="{FF2B5EF4-FFF2-40B4-BE49-F238E27FC236}">
+                  <a16:creationId xmlns:a16="http://schemas.microsoft.com/office/drawing/2014/main" id="{FABBF678-CED8-1C40-8670-B84D9531AFFF}"/>
+                </a:ext>
+              </a:extLst>
+            </p:cNvPr>
+            <p:cNvSpPr/>
+            <p:nvPr/>
+          </p:nvSpPr>
+          <p:spPr>
+            <a:xfrm>
+              <a:off x="1838707" y="540920"/>
+              <a:ext cx="262213" cy="471941"/>
+            </a:xfrm>
+            <a:prstGeom prst="rect">
+              <a:avLst/>
+            </a:prstGeom>
+            <a:solidFill>
+              <a:srgbClr val="FFFF00"/>
+            </a:solidFill>
+            <a:ln>
+              <a:noFill/>
+            </a:ln>
+          </p:spPr>
+          <p:style>
+            <a:lnRef idx="2">
+              <a:schemeClr val="accent1">
+                <a:shade val="50000"/>
+              </a:schemeClr>
+            </a:lnRef>
+            <a:fillRef idx="1">
+              <a:schemeClr val="accent1"/>
+            </a:fillRef>
+            <a:effectRef idx="0">
+              <a:schemeClr val="accent1"/>
+            </a:effectRef>
+            <a:fontRef idx="minor">
+              <a:schemeClr val="lt1"/>
+            </a:fontRef>
+          </p:style>
+          <p:txBody>
+            <a:bodyPr rtlCol="0" anchor="ctr"/>
+            <a:lstStyle/>
+            <a:p>
+              <a:pPr algn="ctr"/>
+              <a:endParaRPr lang="en-US"/>
+            </a:p>
+          </p:txBody>
+        </p:sp>
+        <p:sp>
+          <p:nvSpPr>
+            <p:cNvPr id="143" name="Rectangle 142">
+              <a:extLst>
+                <a:ext uri="{FF2B5EF4-FFF2-40B4-BE49-F238E27FC236}">
+                  <a16:creationId xmlns:a16="http://schemas.microsoft.com/office/drawing/2014/main" id="{335EB181-AC9F-F64D-B9F9-88EC2E0BC962}"/>
+                </a:ext>
+              </a:extLst>
+            </p:cNvPr>
+            <p:cNvSpPr/>
+            <p:nvPr/>
+          </p:nvSpPr>
+          <p:spPr>
+            <a:xfrm>
+              <a:off x="1349679" y="2616629"/>
+              <a:ext cx="274320" cy="411480"/>
+            </a:xfrm>
+            <a:prstGeom prst="rect">
+              <a:avLst/>
+            </a:prstGeom>
+            <a:solidFill>
+              <a:srgbClr val="FFFF00"/>
+            </a:solidFill>
+            <a:ln>
+              <a:noFill/>
+            </a:ln>
+          </p:spPr>
+          <p:style>
+            <a:lnRef idx="2">
+              <a:schemeClr val="accent1">
+                <a:shade val="50000"/>
+              </a:schemeClr>
+            </a:lnRef>
+            <a:fillRef idx="1">
+              <a:schemeClr val="accent1"/>
+            </a:fillRef>
+            <a:effectRef idx="0">
+              <a:schemeClr val="accent1"/>
+            </a:effectRef>
+            <a:fontRef idx="minor">
+              <a:schemeClr val="lt1"/>
+            </a:fontRef>
+          </p:style>
+          <p:txBody>
+            <a:bodyPr rtlCol="0" anchor="ctr"/>
+            <a:lstStyle/>
+            <a:p>
+              <a:pPr algn="ctr"/>
+              <a:endParaRPr lang="en-US"/>
+            </a:p>
+          </p:txBody>
+        </p:sp>
+        <p:sp>
+          <p:nvSpPr>
+            <p:cNvPr id="144" name="Rectangle 143">
+              <a:extLst>
+                <a:ext uri="{FF2B5EF4-FFF2-40B4-BE49-F238E27FC236}">
+                  <a16:creationId xmlns:a16="http://schemas.microsoft.com/office/drawing/2014/main" id="{E58AB157-F854-3A4E-8F79-0548E67434E3}"/>
+                </a:ext>
+              </a:extLst>
+            </p:cNvPr>
+            <p:cNvSpPr/>
+            <p:nvPr/>
+          </p:nvSpPr>
+          <p:spPr>
+            <a:xfrm>
+              <a:off x="1646039" y="2616629"/>
+              <a:ext cx="274320" cy="411480"/>
+            </a:xfrm>
+            <a:prstGeom prst="rect">
+              <a:avLst/>
+            </a:prstGeom>
+            <a:solidFill>
+              <a:srgbClr val="FFFF00"/>
+            </a:solidFill>
+            <a:ln>
+              <a:noFill/>
+            </a:ln>
+          </p:spPr>
+          <p:style>
+            <a:lnRef idx="2">
+              <a:schemeClr val="accent1">
+                <a:shade val="50000"/>
+              </a:schemeClr>
+            </a:lnRef>
+            <a:fillRef idx="1">
+              <a:schemeClr val="accent1"/>
+            </a:fillRef>
+            <a:effectRef idx="0">
+              <a:schemeClr val="accent1"/>
+            </a:effectRef>
+            <a:fontRef idx="minor">
+              <a:schemeClr val="lt1"/>
+            </a:fontRef>
+          </p:style>
+          <p:txBody>
+            <a:bodyPr rtlCol="0" anchor="ctr"/>
+            <a:lstStyle/>
+            <a:p>
+              <a:pPr algn="ctr"/>
+              <a:endParaRPr lang="en-US"/>
+            </a:p>
+          </p:txBody>
+        </p:sp>
+        <p:sp>
+          <p:nvSpPr>
+            <p:cNvPr id="145" name="Rectangle 144">
+              <a:extLst>
+                <a:ext uri="{FF2B5EF4-FFF2-40B4-BE49-F238E27FC236}">
+                  <a16:creationId xmlns:a16="http://schemas.microsoft.com/office/drawing/2014/main" id="{CF4501F4-F31B-A043-8988-2E63D7DF1E87}"/>
+                </a:ext>
+              </a:extLst>
+            </p:cNvPr>
+            <p:cNvSpPr/>
+            <p:nvPr/>
+          </p:nvSpPr>
+          <p:spPr>
+            <a:xfrm>
+              <a:off x="1980340" y="2616629"/>
+              <a:ext cx="379715" cy="411480"/>
+            </a:xfrm>
+            <a:prstGeom prst="rect">
+              <a:avLst/>
+            </a:prstGeom>
+            <a:solidFill>
+              <a:srgbClr val="FFFF00"/>
+            </a:solidFill>
+            <a:ln>
+              <a:noFill/>
+            </a:ln>
+          </p:spPr>
+          <p:style>
+            <a:lnRef idx="2">
+              <a:schemeClr val="accent1">
+                <a:shade val="50000"/>
+              </a:schemeClr>
+            </a:lnRef>
+            <a:fillRef idx="1">
+              <a:schemeClr val="accent1"/>
+            </a:fillRef>
+            <a:effectRef idx="0">
+              <a:schemeClr val="accent1"/>
+            </a:effectRef>
+            <a:fontRef idx="minor">
+              <a:schemeClr val="lt1"/>
+            </a:fontRef>
+          </p:style>
+          <p:txBody>
+            <a:bodyPr rtlCol="0" anchor="ctr"/>
+            <a:lstStyle/>
+            <a:p>
+              <a:pPr algn="ctr"/>
+              <a:endParaRPr lang="en-US"/>
+            </a:p>
+          </p:txBody>
+        </p:sp>
+        <p:sp>
+          <p:nvSpPr>
+            <p:cNvPr id="146" name="Rectangle 145">
+              <a:extLst>
+                <a:ext uri="{FF2B5EF4-FFF2-40B4-BE49-F238E27FC236}">
+                  <a16:creationId xmlns:a16="http://schemas.microsoft.com/office/drawing/2014/main" id="{A258C6AB-74FA-2249-923A-44DE3268B7E0}"/>
+                </a:ext>
+              </a:extLst>
+            </p:cNvPr>
+            <p:cNvSpPr/>
+            <p:nvPr/>
+          </p:nvSpPr>
+          <p:spPr>
+            <a:xfrm>
+              <a:off x="1519790" y="1348230"/>
+              <a:ext cx="740197" cy="368002"/>
+            </a:xfrm>
+            <a:prstGeom prst="rect">
+              <a:avLst/>
+            </a:prstGeom>
+            <a:solidFill>
+              <a:srgbClr val="FFFF00"/>
+            </a:solidFill>
+            <a:ln>
+              <a:noFill/>
+            </a:ln>
+          </p:spPr>
+          <p:style>
+            <a:lnRef idx="2">
+              <a:schemeClr val="accent1">
+                <a:shade val="50000"/>
+              </a:schemeClr>
+            </a:lnRef>
+            <a:fillRef idx="1">
+              <a:schemeClr val="accent1"/>
+            </a:fillRef>
+            <a:effectRef idx="0">
+              <a:schemeClr val="accent1"/>
+            </a:effectRef>
+            <a:fontRef idx="minor">
+              <a:schemeClr val="lt1"/>
+            </a:fontRef>
+          </p:style>
+          <p:txBody>
+            <a:bodyPr rtlCol="0" anchor="ctr"/>
+            <a:lstStyle/>
+            <a:p>
+              <a:pPr algn="ctr"/>
+              <a:endParaRPr lang="en-US"/>
+            </a:p>
+          </p:txBody>
+        </p:sp>
+        <p:sp>
+          <p:nvSpPr>
+            <p:cNvPr id="147" name="Rectangle 146">
+              <a:extLst>
+                <a:ext uri="{FF2B5EF4-FFF2-40B4-BE49-F238E27FC236}">
+                  <a16:creationId xmlns:a16="http://schemas.microsoft.com/office/drawing/2014/main" id="{032E97D5-B630-1346-A121-C847E65BAB71}"/>
+                </a:ext>
+              </a:extLst>
+            </p:cNvPr>
+            <p:cNvSpPr/>
+            <p:nvPr/>
+          </p:nvSpPr>
+          <p:spPr>
+            <a:xfrm>
+              <a:off x="1220831" y="1819144"/>
+              <a:ext cx="1039156" cy="368002"/>
+            </a:xfrm>
+            <a:prstGeom prst="rect">
+              <a:avLst/>
+            </a:prstGeom>
+            <a:solidFill>
+              <a:srgbClr val="FFFF00"/>
+            </a:solidFill>
+            <a:ln>
+              <a:noFill/>
+            </a:ln>
+          </p:spPr>
+          <p:style>
+            <a:lnRef idx="2">
+              <a:schemeClr val="accent1">
+                <a:shade val="50000"/>
+              </a:schemeClr>
+            </a:lnRef>
+            <a:fillRef idx="1">
+              <a:schemeClr val="accent1"/>
+            </a:fillRef>
+            <a:effectRef idx="0">
+              <a:schemeClr val="accent1"/>
+            </a:effectRef>
+            <a:fontRef idx="minor">
+              <a:schemeClr val="lt1"/>
+            </a:fontRef>
+          </p:style>
+          <p:txBody>
+            <a:bodyPr rtlCol="0" anchor="ctr"/>
+            <a:lstStyle/>
+            <a:p>
+              <a:pPr algn="ctr"/>
+              <a:endParaRPr lang="en-US"/>
+            </a:p>
+          </p:txBody>
+        </p:sp>
+      </p:grpSp>
+      <p:sp>
+        <p:nvSpPr>
+          <p:cNvPr id="148" name="TextBox 147">
+            <a:extLst>
+              <a:ext uri="{FF2B5EF4-FFF2-40B4-BE49-F238E27FC236}">
+                <a16:creationId xmlns:a16="http://schemas.microsoft.com/office/drawing/2014/main" id="{FDB7F9E3-E395-5349-BAC4-5D01B5150A4D}"/>
+              </a:ext>
+            </a:extLst>
+          </p:cNvPr>
+          <p:cNvSpPr txBox="1"/>
+          <p:nvPr/>
+        </p:nvSpPr>
+        <p:spPr>
+          <a:xfrm>
+            <a:off x="1470068" y="1305903"/>
+            <a:ext cx="906017" cy="461665"/>
+          </a:xfrm>
+          <a:prstGeom prst="rect">
+            <a:avLst/>
+          </a:prstGeom>
+          <a:noFill/>
+        </p:spPr>
+        <p:txBody>
+          <a:bodyPr wrap="none" rtlCol="0">
+            <a:spAutoFit/>
+          </a:bodyPr>
+          <a:lstStyle/>
+          <a:p>
+            <a:r>
+              <a:rPr lang="en-US" sz="2400" dirty="0">
+                <a:solidFill>
+                  <a:schemeClr val="accent4">
+                    <a:lumMod val="75000"/>
+                  </a:schemeClr>
+                </a:solidFill>
+              </a:rPr>
+              <a:t>Semi-</a:t>
+            </a:r>
+          </a:p>
+        </p:txBody>
+      </p:sp>
+      <p:sp>
+        <p:nvSpPr>
+          <p:cNvPr id="149" name="TextBox 148">
+            <a:extLst>
+              <a:ext uri="{FF2B5EF4-FFF2-40B4-BE49-F238E27FC236}">
+                <a16:creationId xmlns:a16="http://schemas.microsoft.com/office/drawing/2014/main" id="{6F5F9FA3-C53F-274E-9B03-86BBA232BE49}"/>
+              </a:ext>
+            </a:extLst>
+          </p:cNvPr>
+          <p:cNvSpPr txBox="1"/>
+          <p:nvPr/>
+        </p:nvSpPr>
+        <p:spPr>
+          <a:xfrm>
+            <a:off x="1306049" y="1796304"/>
+            <a:ext cx="1082412" cy="461665"/>
+          </a:xfrm>
+          <a:prstGeom prst="rect">
+            <a:avLst/>
+          </a:prstGeom>
+          <a:noFill/>
+        </p:spPr>
+        <p:txBody>
+          <a:bodyPr wrap="none" rtlCol="0">
+            <a:spAutoFit/>
+          </a:bodyPr>
+          <a:lstStyle/>
+          <a:p>
+            <a:r>
+              <a:rPr lang="en-US" sz="2400" dirty="0">
+                <a:solidFill>
+                  <a:schemeClr val="accent4">
+                    <a:lumMod val="75000"/>
+                  </a:schemeClr>
+                </a:solidFill>
+              </a:rPr>
+              <a:t>Private</a:t>
+            </a:r>
+          </a:p>
+        </p:txBody>
+      </p:sp>
+      <p:grpSp>
+        <p:nvGrpSpPr>
+          <p:cNvPr id="150" name="Group 149">
+            <a:extLst>
+              <a:ext uri="{FF2B5EF4-FFF2-40B4-BE49-F238E27FC236}">
+                <a16:creationId xmlns:a16="http://schemas.microsoft.com/office/drawing/2014/main" id="{B415A531-8F32-5F4C-8DFB-C5D1B4AF4F67}"/>
+              </a:ext>
+            </a:extLst>
+          </p:cNvPr>
+          <p:cNvGrpSpPr/>
+          <p:nvPr/>
+        </p:nvGrpSpPr>
+        <p:grpSpPr>
+          <a:xfrm>
+            <a:off x="3359575" y="0"/>
+            <a:ext cx="1757917" cy="1127866"/>
+            <a:chOff x="3359575" y="0"/>
+            <a:chExt cx="1757917" cy="1127866"/>
+          </a:xfrm>
+        </p:grpSpPr>
+        <p:grpSp>
+          <p:nvGrpSpPr>
+            <p:cNvPr id="151" name="Group 150">
+              <a:extLst>
+                <a:ext uri="{FF2B5EF4-FFF2-40B4-BE49-F238E27FC236}">
+                  <a16:creationId xmlns:a16="http://schemas.microsoft.com/office/drawing/2014/main" id="{183CA1A8-AF0F-894B-905F-B0660C445215}"/>
+                </a:ext>
+              </a:extLst>
+            </p:cNvPr>
+            <p:cNvGrpSpPr/>
+            <p:nvPr/>
+          </p:nvGrpSpPr>
+          <p:grpSpPr>
+            <a:xfrm>
+              <a:off x="4404041" y="832825"/>
+              <a:ext cx="365760" cy="295041"/>
+              <a:chOff x="7803055" y="2574583"/>
+              <a:chExt cx="365760" cy="295041"/>
+            </a:xfrm>
+          </p:grpSpPr>
+          <p:sp>
+            <p:nvSpPr>
+              <p:cNvPr id="154" name="Cube 153">
+                <a:extLst>
+                  <a:ext uri="{FF2B5EF4-FFF2-40B4-BE49-F238E27FC236}">
+                    <a16:creationId xmlns:a16="http://schemas.microsoft.com/office/drawing/2014/main" id="{AFEE1D0D-C553-E34D-81B7-A3F82C8D1D93}"/>
+                  </a:ext>
+                </a:extLst>
+              </p:cNvPr>
+              <p:cNvSpPr>
+                <a:spLocks noChangeAspect="1"/>
+              </p:cNvSpPr>
+              <p:nvPr/>
+            </p:nvSpPr>
+            <p:spPr>
+              <a:xfrm>
+                <a:off x="7803055" y="2686744"/>
+                <a:ext cx="182880" cy="182880"/>
+              </a:xfrm>
+              <a:prstGeom prst="cube">
+                <a:avLst/>
+              </a:prstGeom>
+              <a:solidFill>
+                <a:schemeClr val="accent4">
+                  <a:lumMod val="75000"/>
+                </a:schemeClr>
+              </a:solidFill>
+              <a:ln>
+                <a:solidFill>
+                  <a:schemeClr val="tx1"/>
+                </a:solidFill>
+              </a:ln>
+            </p:spPr>
+            <p:style>
+              <a:lnRef idx="2">
+                <a:schemeClr val="accent1">
+                  <a:shade val="50000"/>
+                </a:schemeClr>
+              </a:lnRef>
+              <a:fillRef idx="1">
+                <a:schemeClr val="accent1"/>
+              </a:fillRef>
+              <a:effectRef idx="0">
+                <a:schemeClr val="accent1"/>
+              </a:effectRef>
+              <a:fontRef idx="minor">
+                <a:schemeClr val="lt1"/>
+              </a:fontRef>
+            </p:style>
+            <p:txBody>
+              <a:bodyPr rtlCol="0" anchor="ctr"/>
+              <a:lstStyle/>
+              <a:p>
+                <a:pPr algn="ctr"/>
+                <a:endParaRPr lang="en-US"/>
+              </a:p>
+            </p:txBody>
+          </p:sp>
+          <p:sp>
+            <p:nvSpPr>
+              <p:cNvPr id="155" name="Cube 154">
+                <a:extLst>
+                  <a:ext uri="{FF2B5EF4-FFF2-40B4-BE49-F238E27FC236}">
+                    <a16:creationId xmlns:a16="http://schemas.microsoft.com/office/drawing/2014/main" id="{3650F7EB-DF3C-4D47-9F84-8E7BF1BF998E}"/>
+                  </a:ext>
+                </a:extLst>
+              </p:cNvPr>
+              <p:cNvSpPr>
+                <a:spLocks noChangeAspect="1"/>
+              </p:cNvSpPr>
+              <p:nvPr/>
+            </p:nvSpPr>
+            <p:spPr>
+              <a:xfrm>
+                <a:off x="7985935" y="2686744"/>
+                <a:ext cx="182880" cy="182880"/>
+              </a:xfrm>
+              <a:prstGeom prst="cube">
+                <a:avLst/>
+              </a:prstGeom>
+              <a:solidFill>
+                <a:schemeClr val="accent4">
+                  <a:lumMod val="75000"/>
+                </a:schemeClr>
+              </a:solidFill>
+              <a:ln>
+                <a:solidFill>
+                  <a:schemeClr val="tx1"/>
+                </a:solidFill>
+              </a:ln>
+            </p:spPr>
+            <p:style>
+              <a:lnRef idx="2">
+                <a:schemeClr val="accent1">
+                  <a:shade val="50000"/>
+                </a:schemeClr>
+              </a:lnRef>
+              <a:fillRef idx="1">
+                <a:schemeClr val="accent1"/>
+              </a:fillRef>
+              <a:effectRef idx="0">
+                <a:schemeClr val="accent1"/>
+              </a:effectRef>
+              <a:fontRef idx="minor">
+                <a:schemeClr val="lt1"/>
+              </a:fontRef>
+            </p:style>
+            <p:txBody>
+              <a:bodyPr rtlCol="0" anchor="ctr"/>
+              <a:lstStyle/>
+              <a:p>
+                <a:pPr algn="ctr"/>
+                <a:endParaRPr lang="en-US"/>
+              </a:p>
+            </p:txBody>
+          </p:sp>
+          <p:sp>
+            <p:nvSpPr>
+              <p:cNvPr id="156" name="Cube 155">
+                <a:extLst>
+                  <a:ext uri="{FF2B5EF4-FFF2-40B4-BE49-F238E27FC236}">
+                    <a16:creationId xmlns:a16="http://schemas.microsoft.com/office/drawing/2014/main" id="{FFD08654-79F3-1646-86FF-04F9E9C19958}"/>
+                  </a:ext>
+                </a:extLst>
+              </p:cNvPr>
+              <p:cNvSpPr>
+                <a:spLocks noChangeAspect="1"/>
+              </p:cNvSpPr>
+              <p:nvPr/>
+            </p:nvSpPr>
+            <p:spPr>
+              <a:xfrm>
+                <a:off x="7803055" y="2574583"/>
+                <a:ext cx="182880" cy="182880"/>
+              </a:xfrm>
+              <a:prstGeom prst="cube">
+                <a:avLst/>
+              </a:prstGeom>
+              <a:solidFill>
+                <a:schemeClr val="accent4">
+                  <a:lumMod val="75000"/>
+                </a:schemeClr>
+              </a:solidFill>
+              <a:ln>
+                <a:solidFill>
+                  <a:schemeClr val="tx1"/>
+                </a:solidFill>
+              </a:ln>
+            </p:spPr>
+            <p:style>
+              <a:lnRef idx="2">
+                <a:schemeClr val="accent1">
+                  <a:shade val="50000"/>
+                </a:schemeClr>
+              </a:lnRef>
+              <a:fillRef idx="1">
+                <a:schemeClr val="accent1"/>
+              </a:fillRef>
+              <a:effectRef idx="0">
+                <a:schemeClr val="accent1"/>
+              </a:effectRef>
+              <a:fontRef idx="minor">
+                <a:schemeClr val="lt1"/>
+              </a:fontRef>
+            </p:style>
+            <p:txBody>
+              <a:bodyPr rtlCol="0" anchor="ctr"/>
+              <a:lstStyle/>
+              <a:p>
+                <a:pPr algn="ctr"/>
+                <a:endParaRPr lang="en-US"/>
+              </a:p>
+            </p:txBody>
+          </p:sp>
+          <p:sp>
+            <p:nvSpPr>
+              <p:cNvPr id="157" name="Cube 156">
+                <a:extLst>
+                  <a:ext uri="{FF2B5EF4-FFF2-40B4-BE49-F238E27FC236}">
+                    <a16:creationId xmlns:a16="http://schemas.microsoft.com/office/drawing/2014/main" id="{81779DA6-CA6C-D048-B82C-9D63D25EA0DC}"/>
+                  </a:ext>
+                </a:extLst>
+              </p:cNvPr>
+              <p:cNvSpPr>
+                <a:spLocks noChangeAspect="1"/>
+              </p:cNvSpPr>
+              <p:nvPr/>
+            </p:nvSpPr>
+            <p:spPr>
+              <a:xfrm>
+                <a:off x="7985935" y="2574583"/>
+                <a:ext cx="182880" cy="182880"/>
+              </a:xfrm>
+              <a:prstGeom prst="cube">
+                <a:avLst/>
+              </a:prstGeom>
+              <a:solidFill>
+                <a:schemeClr val="accent4">
+                  <a:lumMod val="75000"/>
+                </a:schemeClr>
+              </a:solidFill>
+              <a:ln>
+                <a:solidFill>
+                  <a:schemeClr val="tx1"/>
+                </a:solidFill>
+              </a:ln>
+            </p:spPr>
+            <p:style>
+              <a:lnRef idx="2">
+                <a:schemeClr val="accent1">
+                  <a:shade val="50000"/>
+                </a:schemeClr>
+              </a:lnRef>
+              <a:fillRef idx="1">
+                <a:schemeClr val="accent1"/>
+              </a:fillRef>
+              <a:effectRef idx="0">
+                <a:schemeClr val="accent1"/>
+              </a:effectRef>
+              <a:fontRef idx="minor">
+                <a:schemeClr val="lt1"/>
+              </a:fontRef>
+            </p:style>
+            <p:txBody>
+              <a:bodyPr rtlCol="0" anchor="ctr"/>
+              <a:lstStyle/>
+              <a:p>
+                <a:pPr algn="ctr"/>
+                <a:endParaRPr lang="en-US"/>
+              </a:p>
+            </p:txBody>
+          </p:sp>
+        </p:grpSp>
+        <p:sp>
+          <p:nvSpPr>
+            <p:cNvPr id="152" name="TextBox 151">
+              <a:extLst>
+                <a:ext uri="{FF2B5EF4-FFF2-40B4-BE49-F238E27FC236}">
+                  <a16:creationId xmlns:a16="http://schemas.microsoft.com/office/drawing/2014/main" id="{439A70F2-9917-7E45-8B04-584167E7255A}"/>
+                </a:ext>
+              </a:extLst>
+            </p:cNvPr>
+            <p:cNvSpPr txBox="1"/>
+            <p:nvPr/>
+          </p:nvSpPr>
+          <p:spPr>
+            <a:xfrm>
+              <a:off x="3359575" y="0"/>
+              <a:ext cx="1757917" cy="369332"/>
+            </a:xfrm>
+            <a:prstGeom prst="rect">
+              <a:avLst/>
+            </a:prstGeom>
+            <a:noFill/>
+          </p:spPr>
+          <p:txBody>
+            <a:bodyPr wrap="none" rtlCol="0">
+              <a:spAutoFit/>
+            </a:bodyPr>
+            <a:lstStyle/>
+            <a:p>
+              <a:r>
+                <a:rPr lang="en-US" dirty="0">
+                  <a:solidFill>
+                    <a:schemeClr val="accent1">
+                      <a:lumMod val="75000"/>
+                    </a:schemeClr>
+                  </a:solidFill>
+                </a:rPr>
+                <a:t>Sparse Obstacles</a:t>
+              </a:r>
+            </a:p>
+          </p:txBody>
+        </p:sp>
+        <p:cxnSp>
+          <p:nvCxnSpPr>
+            <p:cNvPr id="153" name="Curved Connector 152">
+              <a:extLst>
+                <a:ext uri="{FF2B5EF4-FFF2-40B4-BE49-F238E27FC236}">
+                  <a16:creationId xmlns:a16="http://schemas.microsoft.com/office/drawing/2014/main" id="{0C383A67-3D75-544D-9206-83CD9222348B}"/>
+                </a:ext>
+              </a:extLst>
+            </p:cNvPr>
+            <p:cNvCxnSpPr>
+              <a:cxnSpLocks/>
+              <a:stCxn id="152" idx="2"/>
+            </p:cNvCxnSpPr>
+            <p:nvPr/>
+          </p:nvCxnSpPr>
+          <p:spPr>
+            <a:xfrm rot="16200000" flipH="1">
+              <a:off x="4201254" y="406611"/>
+              <a:ext cx="463494" cy="388935"/>
+            </a:xfrm>
+            <a:prstGeom prst="curvedConnector3">
+              <a:avLst>
+                <a:gd name="adj1" fmla="val 50000"/>
+              </a:avLst>
+            </a:prstGeom>
+            <a:ln w="38100">
+              <a:solidFill>
+                <a:schemeClr val="accent1"/>
+              </a:solidFill>
+              <a:tailEnd type="triangle"/>
+            </a:ln>
+          </p:spPr>
+          <p:style>
+            <a:lnRef idx="1">
+              <a:schemeClr val="accent1"/>
+            </a:lnRef>
+            <a:fillRef idx="0">
+              <a:schemeClr val="accent1"/>
+            </a:fillRef>
+            <a:effectRef idx="0">
+              <a:schemeClr val="accent1"/>
+            </a:effectRef>
+            <a:fontRef idx="minor">
+              <a:schemeClr val="tx1"/>
+            </a:fontRef>
+          </p:style>
+        </p:cxnSp>
+      </p:grpSp>
+      <p:grpSp>
+        <p:nvGrpSpPr>
+          <p:cNvPr id="158" name="Group 157">
+            <a:extLst>
+              <a:ext uri="{FF2B5EF4-FFF2-40B4-BE49-F238E27FC236}">
+                <a16:creationId xmlns:a16="http://schemas.microsoft.com/office/drawing/2014/main" id="{CED65445-2019-5748-BA6D-9D3687E1A0C5}"/>
+              </a:ext>
+            </a:extLst>
+          </p:cNvPr>
+          <p:cNvGrpSpPr/>
+          <p:nvPr/>
+        </p:nvGrpSpPr>
+        <p:grpSpPr>
+          <a:xfrm>
+            <a:off x="2810935" y="2111215"/>
+            <a:ext cx="1906301" cy="1543966"/>
+            <a:chOff x="2810935" y="2111215"/>
+            <a:chExt cx="1906301" cy="1543966"/>
+          </a:xfrm>
+        </p:grpSpPr>
+        <p:grpSp>
+          <p:nvGrpSpPr>
+            <p:cNvPr id="159" name="Group 158">
+              <a:extLst>
+                <a:ext uri="{FF2B5EF4-FFF2-40B4-BE49-F238E27FC236}">
+                  <a16:creationId xmlns:a16="http://schemas.microsoft.com/office/drawing/2014/main" id="{B89B0FA0-38F8-1E48-9D14-DAD5A346E9BA}"/>
+                </a:ext>
+              </a:extLst>
+            </p:cNvPr>
+            <p:cNvGrpSpPr/>
+            <p:nvPr/>
+          </p:nvGrpSpPr>
+          <p:grpSpPr>
+            <a:xfrm>
+              <a:off x="2810935" y="2111215"/>
+              <a:ext cx="731520" cy="295041"/>
+              <a:chOff x="9699621" y="3380438"/>
+              <a:chExt cx="731520" cy="295041"/>
+            </a:xfrm>
+          </p:grpSpPr>
+          <p:sp>
+            <p:nvSpPr>
+              <p:cNvPr id="162" name="Cube 161">
+                <a:extLst>
+                  <a:ext uri="{FF2B5EF4-FFF2-40B4-BE49-F238E27FC236}">
+                    <a16:creationId xmlns:a16="http://schemas.microsoft.com/office/drawing/2014/main" id="{46C03B8D-9D92-9F4E-BCC7-09C4852545F0}"/>
+                  </a:ext>
+                </a:extLst>
+              </p:cNvPr>
+              <p:cNvSpPr>
+                <a:spLocks noChangeAspect="1"/>
+              </p:cNvSpPr>
+              <p:nvPr/>
+            </p:nvSpPr>
+            <p:spPr>
+              <a:xfrm>
+                <a:off x="9882501" y="3492599"/>
+                <a:ext cx="182880" cy="182880"/>
+              </a:xfrm>
+              <a:prstGeom prst="cube">
+                <a:avLst/>
+              </a:prstGeom>
+              <a:solidFill>
+                <a:schemeClr val="accent4">
+                  <a:lumMod val="75000"/>
+                </a:schemeClr>
+              </a:solidFill>
+              <a:ln>
+                <a:solidFill>
+                  <a:schemeClr val="tx1"/>
+                </a:solidFill>
+              </a:ln>
+            </p:spPr>
+            <p:style>
+              <a:lnRef idx="2">
+                <a:schemeClr val="accent1">
+                  <a:shade val="50000"/>
+                </a:schemeClr>
+              </a:lnRef>
+              <a:fillRef idx="1">
+                <a:schemeClr val="accent1"/>
+              </a:fillRef>
+              <a:effectRef idx="0">
+                <a:schemeClr val="accent1"/>
+              </a:effectRef>
+              <a:fontRef idx="minor">
+                <a:schemeClr val="lt1"/>
+              </a:fontRef>
+            </p:style>
+            <p:txBody>
+              <a:bodyPr rtlCol="0" anchor="ctr"/>
+              <a:lstStyle/>
+              <a:p>
+                <a:pPr algn="ctr"/>
+                <a:endParaRPr lang="en-US"/>
+              </a:p>
+            </p:txBody>
+          </p:sp>
+          <p:sp>
+            <p:nvSpPr>
+              <p:cNvPr id="163" name="Cube 162">
+                <a:extLst>
+                  <a:ext uri="{FF2B5EF4-FFF2-40B4-BE49-F238E27FC236}">
+                    <a16:creationId xmlns:a16="http://schemas.microsoft.com/office/drawing/2014/main" id="{9E313FA9-DD62-8C4C-95D2-A7FFBBD24F4F}"/>
+                  </a:ext>
+                </a:extLst>
+              </p:cNvPr>
+              <p:cNvSpPr>
+                <a:spLocks noChangeAspect="1"/>
+              </p:cNvSpPr>
+              <p:nvPr/>
+            </p:nvSpPr>
+            <p:spPr>
+              <a:xfrm>
+                <a:off x="10065381" y="3492599"/>
+                <a:ext cx="182880" cy="182880"/>
+              </a:xfrm>
+              <a:prstGeom prst="cube">
+                <a:avLst/>
+              </a:prstGeom>
+              <a:solidFill>
+                <a:schemeClr val="accent4">
+                  <a:lumMod val="75000"/>
+                </a:schemeClr>
+              </a:solidFill>
+              <a:ln>
+                <a:solidFill>
+                  <a:schemeClr val="tx1"/>
+                </a:solidFill>
+              </a:ln>
+            </p:spPr>
+            <p:style>
+              <a:lnRef idx="2">
+                <a:schemeClr val="accent1">
+                  <a:shade val="50000"/>
+                </a:schemeClr>
+              </a:lnRef>
+              <a:fillRef idx="1">
+                <a:schemeClr val="accent1"/>
+              </a:fillRef>
+              <a:effectRef idx="0">
+                <a:schemeClr val="accent1"/>
+              </a:effectRef>
+              <a:fontRef idx="minor">
+                <a:schemeClr val="lt1"/>
+              </a:fontRef>
+            </p:style>
+            <p:txBody>
+              <a:bodyPr rtlCol="0" anchor="ctr"/>
+              <a:lstStyle/>
+              <a:p>
+                <a:pPr algn="ctr"/>
+                <a:endParaRPr lang="en-US"/>
+              </a:p>
+            </p:txBody>
+          </p:sp>
+          <p:sp>
+            <p:nvSpPr>
+              <p:cNvPr id="164" name="Cube 163">
+                <a:extLst>
+                  <a:ext uri="{FF2B5EF4-FFF2-40B4-BE49-F238E27FC236}">
+                    <a16:creationId xmlns:a16="http://schemas.microsoft.com/office/drawing/2014/main" id="{BDC4CDA6-3CF9-664F-B756-061EE7CB2751}"/>
+                  </a:ext>
+                </a:extLst>
+              </p:cNvPr>
+              <p:cNvSpPr>
+                <a:spLocks noChangeAspect="1"/>
+              </p:cNvSpPr>
+              <p:nvPr/>
+            </p:nvSpPr>
+            <p:spPr>
+              <a:xfrm>
+                <a:off x="9882501" y="3380438"/>
+                <a:ext cx="182880" cy="182880"/>
+              </a:xfrm>
+              <a:prstGeom prst="cube">
+                <a:avLst/>
+              </a:prstGeom>
+              <a:solidFill>
+                <a:schemeClr val="accent4">
+                  <a:lumMod val="75000"/>
+                </a:schemeClr>
+              </a:solidFill>
+              <a:ln>
+                <a:solidFill>
+                  <a:schemeClr val="tx1"/>
+                </a:solidFill>
+              </a:ln>
+            </p:spPr>
+            <p:style>
+              <a:lnRef idx="2">
+                <a:schemeClr val="accent1">
+                  <a:shade val="50000"/>
+                </a:schemeClr>
+              </a:lnRef>
+              <a:fillRef idx="1">
+                <a:schemeClr val="accent1"/>
+              </a:fillRef>
+              <a:effectRef idx="0">
+                <a:schemeClr val="accent1"/>
+              </a:effectRef>
+              <a:fontRef idx="minor">
+                <a:schemeClr val="lt1"/>
+              </a:fontRef>
+            </p:style>
+            <p:txBody>
+              <a:bodyPr rtlCol="0" anchor="ctr"/>
+              <a:lstStyle/>
+              <a:p>
+                <a:pPr algn="ctr"/>
+                <a:endParaRPr lang="en-US"/>
+              </a:p>
+            </p:txBody>
+          </p:sp>
+          <p:sp>
+            <p:nvSpPr>
+              <p:cNvPr id="165" name="Cube 164">
+                <a:extLst>
+                  <a:ext uri="{FF2B5EF4-FFF2-40B4-BE49-F238E27FC236}">
+                    <a16:creationId xmlns:a16="http://schemas.microsoft.com/office/drawing/2014/main" id="{0CBB4ABA-F8FE-4C4D-8B7B-64E459FE558C}"/>
+                  </a:ext>
+                </a:extLst>
+              </p:cNvPr>
+              <p:cNvSpPr>
+                <a:spLocks noChangeAspect="1"/>
+              </p:cNvSpPr>
+              <p:nvPr/>
+            </p:nvSpPr>
+            <p:spPr>
+              <a:xfrm>
+                <a:off x="10065381" y="3380438"/>
+                <a:ext cx="182880" cy="182880"/>
+              </a:xfrm>
+              <a:prstGeom prst="cube">
+                <a:avLst/>
+              </a:prstGeom>
+              <a:solidFill>
+                <a:schemeClr val="accent4">
+                  <a:lumMod val="75000"/>
+                </a:schemeClr>
+              </a:solidFill>
+              <a:ln>
+                <a:solidFill>
+                  <a:schemeClr val="tx1"/>
+                </a:solidFill>
+              </a:ln>
+            </p:spPr>
+            <p:style>
+              <a:lnRef idx="2">
+                <a:schemeClr val="accent1">
+                  <a:shade val="50000"/>
+                </a:schemeClr>
+              </a:lnRef>
+              <a:fillRef idx="1">
+                <a:schemeClr val="accent1"/>
+              </a:fillRef>
+              <a:effectRef idx="0">
+                <a:schemeClr val="accent1"/>
+              </a:effectRef>
+              <a:fontRef idx="minor">
+                <a:schemeClr val="lt1"/>
+              </a:fontRef>
+            </p:style>
+            <p:txBody>
+              <a:bodyPr rtlCol="0" anchor="ctr"/>
+              <a:lstStyle/>
+              <a:p>
+                <a:pPr algn="ctr"/>
+                <a:endParaRPr lang="en-US"/>
+              </a:p>
+            </p:txBody>
+          </p:sp>
+          <p:sp>
+            <p:nvSpPr>
+              <p:cNvPr id="166" name="Cube 165">
+                <a:extLst>
+                  <a:ext uri="{FF2B5EF4-FFF2-40B4-BE49-F238E27FC236}">
+                    <a16:creationId xmlns:a16="http://schemas.microsoft.com/office/drawing/2014/main" id="{87FCC004-DD57-0F4E-A8C8-F53DE654B4C3}"/>
+                  </a:ext>
+                </a:extLst>
+              </p:cNvPr>
+              <p:cNvSpPr>
+                <a:spLocks noChangeAspect="1"/>
+              </p:cNvSpPr>
+              <p:nvPr/>
+            </p:nvSpPr>
+            <p:spPr>
+              <a:xfrm>
+                <a:off x="10248261" y="3492599"/>
+                <a:ext cx="182880" cy="182880"/>
+              </a:xfrm>
+              <a:prstGeom prst="cube">
+                <a:avLst/>
+              </a:prstGeom>
+              <a:solidFill>
+                <a:schemeClr val="accent4">
+                  <a:lumMod val="75000"/>
+                </a:schemeClr>
+              </a:solidFill>
+              <a:ln>
+                <a:solidFill>
+                  <a:schemeClr val="tx1"/>
+                </a:solidFill>
+              </a:ln>
+            </p:spPr>
+            <p:style>
+              <a:lnRef idx="2">
+                <a:schemeClr val="accent1">
+                  <a:shade val="50000"/>
+                </a:schemeClr>
+              </a:lnRef>
+              <a:fillRef idx="1">
+                <a:schemeClr val="accent1"/>
+              </a:fillRef>
+              <a:effectRef idx="0">
+                <a:schemeClr val="accent1"/>
+              </a:effectRef>
+              <a:fontRef idx="minor">
+                <a:schemeClr val="lt1"/>
+              </a:fontRef>
+            </p:style>
+            <p:txBody>
+              <a:bodyPr rtlCol="0" anchor="ctr"/>
+              <a:lstStyle/>
+              <a:p>
+                <a:pPr algn="ctr"/>
+                <a:endParaRPr lang="en-US"/>
+              </a:p>
+            </p:txBody>
+          </p:sp>
+          <p:sp>
+            <p:nvSpPr>
+              <p:cNvPr id="167" name="Cube 166">
+                <a:extLst>
+                  <a:ext uri="{FF2B5EF4-FFF2-40B4-BE49-F238E27FC236}">
+                    <a16:creationId xmlns:a16="http://schemas.microsoft.com/office/drawing/2014/main" id="{5EC06174-3E73-0543-94D2-1A657F691767}"/>
+                  </a:ext>
+                </a:extLst>
+              </p:cNvPr>
+              <p:cNvSpPr>
+                <a:spLocks noChangeAspect="1"/>
+              </p:cNvSpPr>
+              <p:nvPr/>
+            </p:nvSpPr>
+            <p:spPr>
+              <a:xfrm>
+                <a:off x="10248261" y="3380438"/>
+                <a:ext cx="182880" cy="182880"/>
+              </a:xfrm>
+              <a:prstGeom prst="cube">
+                <a:avLst/>
+              </a:prstGeom>
+              <a:solidFill>
+                <a:schemeClr val="accent4">
+                  <a:lumMod val="75000"/>
+                </a:schemeClr>
+              </a:solidFill>
+              <a:ln>
+                <a:solidFill>
+                  <a:schemeClr val="tx1"/>
+                </a:solidFill>
+              </a:ln>
+            </p:spPr>
+            <p:style>
+              <a:lnRef idx="2">
+                <a:schemeClr val="accent1">
+                  <a:shade val="50000"/>
+                </a:schemeClr>
+              </a:lnRef>
+              <a:fillRef idx="1">
+                <a:schemeClr val="accent1"/>
+              </a:fillRef>
+              <a:effectRef idx="0">
+                <a:schemeClr val="accent1"/>
+              </a:effectRef>
+              <a:fontRef idx="minor">
+                <a:schemeClr val="lt1"/>
+              </a:fontRef>
+            </p:style>
+            <p:txBody>
+              <a:bodyPr rtlCol="0" anchor="ctr"/>
+              <a:lstStyle/>
+              <a:p>
+                <a:pPr algn="ctr"/>
+                <a:endParaRPr lang="en-US"/>
+              </a:p>
+            </p:txBody>
+          </p:sp>
+          <p:sp>
+            <p:nvSpPr>
+              <p:cNvPr id="168" name="Cube 167">
+                <a:extLst>
+                  <a:ext uri="{FF2B5EF4-FFF2-40B4-BE49-F238E27FC236}">
+                    <a16:creationId xmlns:a16="http://schemas.microsoft.com/office/drawing/2014/main" id="{F0CDBBEF-4F53-7E4D-A0A9-7C5FE1BA0167}"/>
+                  </a:ext>
+                </a:extLst>
+              </p:cNvPr>
+              <p:cNvSpPr>
+                <a:spLocks noChangeAspect="1"/>
+              </p:cNvSpPr>
+              <p:nvPr/>
+            </p:nvSpPr>
+            <p:spPr>
+              <a:xfrm>
+                <a:off x="9699621" y="3492599"/>
+                <a:ext cx="182880" cy="182880"/>
+              </a:xfrm>
+              <a:prstGeom prst="cube">
+                <a:avLst/>
+              </a:prstGeom>
+              <a:solidFill>
+                <a:schemeClr val="accent4">
+                  <a:lumMod val="75000"/>
+                </a:schemeClr>
+              </a:solidFill>
+              <a:ln>
+                <a:solidFill>
+                  <a:schemeClr val="tx1"/>
+                </a:solidFill>
+              </a:ln>
+            </p:spPr>
+            <p:style>
+              <a:lnRef idx="2">
+                <a:schemeClr val="accent1">
+                  <a:shade val="50000"/>
+                </a:schemeClr>
+              </a:lnRef>
+              <a:fillRef idx="1">
+                <a:schemeClr val="accent1"/>
+              </a:fillRef>
+              <a:effectRef idx="0">
+                <a:schemeClr val="accent1"/>
+              </a:effectRef>
+              <a:fontRef idx="minor">
+                <a:schemeClr val="lt1"/>
+              </a:fontRef>
+            </p:style>
+            <p:txBody>
+              <a:bodyPr rtlCol="0" anchor="ctr"/>
+              <a:lstStyle/>
+              <a:p>
+                <a:pPr algn="ctr"/>
+                <a:endParaRPr lang="en-US"/>
+              </a:p>
+            </p:txBody>
+          </p:sp>
+          <p:sp>
+            <p:nvSpPr>
+              <p:cNvPr id="169" name="Cube 168">
+                <a:extLst>
+                  <a:ext uri="{FF2B5EF4-FFF2-40B4-BE49-F238E27FC236}">
+                    <a16:creationId xmlns:a16="http://schemas.microsoft.com/office/drawing/2014/main" id="{58111B59-AD52-E441-921D-279A9BB6AE06}"/>
+                  </a:ext>
+                </a:extLst>
+              </p:cNvPr>
+              <p:cNvSpPr>
+                <a:spLocks noChangeAspect="1"/>
+              </p:cNvSpPr>
+              <p:nvPr/>
+            </p:nvSpPr>
+            <p:spPr>
+              <a:xfrm>
+                <a:off x="9699621" y="3380438"/>
+                <a:ext cx="182880" cy="182880"/>
+              </a:xfrm>
+              <a:prstGeom prst="cube">
+                <a:avLst/>
+              </a:prstGeom>
+              <a:solidFill>
+                <a:schemeClr val="accent4">
+                  <a:lumMod val="75000"/>
+                </a:schemeClr>
+              </a:solidFill>
+              <a:ln>
+                <a:solidFill>
+                  <a:schemeClr val="tx1"/>
+                </a:solidFill>
+              </a:ln>
+            </p:spPr>
+            <p:style>
+              <a:lnRef idx="2">
+                <a:schemeClr val="accent1">
+                  <a:shade val="50000"/>
+                </a:schemeClr>
+              </a:lnRef>
+              <a:fillRef idx="1">
+                <a:schemeClr val="accent1"/>
+              </a:fillRef>
+              <a:effectRef idx="0">
+                <a:schemeClr val="accent1"/>
+              </a:effectRef>
+              <a:fontRef idx="minor">
+                <a:schemeClr val="lt1"/>
+              </a:fontRef>
+            </p:style>
+            <p:txBody>
+              <a:bodyPr rtlCol="0" anchor="ctr"/>
+              <a:lstStyle/>
+              <a:p>
+                <a:pPr algn="ctr"/>
+                <a:endParaRPr lang="en-US"/>
+              </a:p>
+            </p:txBody>
+          </p:sp>
+        </p:grpSp>
+        <p:sp>
+          <p:nvSpPr>
+            <p:cNvPr id="160" name="TextBox 159">
+              <a:extLst>
+                <a:ext uri="{FF2B5EF4-FFF2-40B4-BE49-F238E27FC236}">
+                  <a16:creationId xmlns:a16="http://schemas.microsoft.com/office/drawing/2014/main" id="{013963F1-15C5-1C47-BE57-7C088C6E5BB1}"/>
+                </a:ext>
+              </a:extLst>
+            </p:cNvPr>
+            <p:cNvSpPr txBox="1"/>
+            <p:nvPr/>
+          </p:nvSpPr>
+          <p:spPr>
+            <a:xfrm>
+              <a:off x="2993815" y="3285849"/>
+              <a:ext cx="1723421" cy="369332"/>
+            </a:xfrm>
+            <a:prstGeom prst="rect">
+              <a:avLst/>
+            </a:prstGeom>
+            <a:noFill/>
+          </p:spPr>
+          <p:txBody>
+            <a:bodyPr wrap="none" rtlCol="0">
+              <a:spAutoFit/>
+            </a:bodyPr>
+            <a:lstStyle/>
+            <a:p>
+              <a:r>
+                <a:rPr lang="en-US" dirty="0">
+                  <a:solidFill>
+                    <a:schemeClr val="accent1">
+                      <a:lumMod val="75000"/>
+                    </a:schemeClr>
+                  </a:solidFill>
+                </a:rPr>
+                <a:t>Dense Obstacles</a:t>
+              </a:r>
+            </a:p>
+          </p:txBody>
+        </p:sp>
+        <p:cxnSp>
+          <p:nvCxnSpPr>
+            <p:cNvPr id="161" name="Curved Connector 160">
+              <a:extLst>
+                <a:ext uri="{FF2B5EF4-FFF2-40B4-BE49-F238E27FC236}">
+                  <a16:creationId xmlns:a16="http://schemas.microsoft.com/office/drawing/2014/main" id="{4267D2C1-0783-4640-A741-75CA259276F9}"/>
+                </a:ext>
+              </a:extLst>
+            </p:cNvPr>
+            <p:cNvCxnSpPr>
+              <a:cxnSpLocks/>
+              <a:stCxn id="160" idx="0"/>
+            </p:cNvCxnSpPr>
+            <p:nvPr/>
+          </p:nvCxnSpPr>
+          <p:spPr>
+            <a:xfrm rot="16200000" flipV="1">
+              <a:off x="3104977" y="2535300"/>
+              <a:ext cx="832824" cy="668274"/>
+            </a:xfrm>
+            <a:prstGeom prst="curvedConnector3">
+              <a:avLst/>
+            </a:prstGeom>
+            <a:ln w="38100">
+              <a:solidFill>
+                <a:schemeClr val="accent1"/>
+              </a:solidFill>
+              <a:tailEnd type="triangle"/>
+            </a:ln>
+          </p:spPr>
+          <p:style>
+            <a:lnRef idx="1">
+              <a:schemeClr val="accent1"/>
+            </a:lnRef>
+            <a:fillRef idx="0">
+              <a:schemeClr val="accent1"/>
+            </a:fillRef>
+            <a:effectRef idx="0">
+              <a:schemeClr val="accent1"/>
+            </a:effectRef>
+            <a:fontRef idx="minor">
+              <a:schemeClr val="tx1"/>
+            </a:fontRef>
+          </p:style>
+        </p:cxnSp>
+      </p:grpSp>
+      <p:cxnSp>
+        <p:nvCxnSpPr>
+          <p:cNvPr id="170" name="Elbow Connector 169">
+            <a:extLst>
+              <a:ext uri="{FF2B5EF4-FFF2-40B4-BE49-F238E27FC236}">
+                <a16:creationId xmlns:a16="http://schemas.microsoft.com/office/drawing/2014/main" id="{2FBDBAC6-6A6D-B040-BC2E-C10F13DD17EC}"/>
+              </a:ext>
+            </a:extLst>
+          </p:cNvPr>
+          <p:cNvCxnSpPr>
+            <a:cxnSpLocks/>
+          </p:cNvCxnSpPr>
+          <p:nvPr/>
+        </p:nvCxnSpPr>
+        <p:spPr>
+          <a:xfrm flipV="1">
+            <a:off x="564762" y="1159479"/>
+            <a:ext cx="4698377" cy="1246778"/>
+          </a:xfrm>
+          <a:prstGeom prst="bentConnector3">
+            <a:avLst>
+              <a:gd name="adj1" fmla="val 39876"/>
+            </a:avLst>
+          </a:prstGeom>
+          <a:ln w="38100">
+            <a:solidFill>
+              <a:srgbClr val="00B0F0"/>
+            </a:solidFill>
+            <a:prstDash val="dash"/>
+            <a:headEnd type="none" w="med" len="med"/>
+            <a:tailEnd type="none" w="med" len="med"/>
+          </a:ln>
+        </p:spPr>
+        <p:style>
+          <a:lnRef idx="1">
+            <a:schemeClr val="accent1"/>
+          </a:lnRef>
+          <a:fillRef idx="0">
+            <a:schemeClr val="accent1"/>
+          </a:fillRef>
+          <a:effectRef idx="0">
+            <a:schemeClr val="accent1"/>
+          </a:effectRef>
+          <a:fontRef idx="minor">
+            <a:schemeClr val="tx1"/>
+          </a:fontRef>
+        </p:style>
+      </p:cxnSp>
+      <p:cxnSp>
+        <p:nvCxnSpPr>
+          <p:cNvPr id="171" name="Elbow Connector 170">
+            <a:extLst>
+              <a:ext uri="{FF2B5EF4-FFF2-40B4-BE49-F238E27FC236}">
+                <a16:creationId xmlns:a16="http://schemas.microsoft.com/office/drawing/2014/main" id="{407CAEC3-0E57-324F-842A-9EA375B2F63E}"/>
+              </a:ext>
+            </a:extLst>
+          </p:cNvPr>
+          <p:cNvCxnSpPr>
+            <a:cxnSpLocks/>
+          </p:cNvCxnSpPr>
+          <p:nvPr/>
+        </p:nvCxnSpPr>
+        <p:spPr>
+          <a:xfrm>
+            <a:off x="5263139" y="1159479"/>
+            <a:ext cx="1171495" cy="951736"/>
+          </a:xfrm>
+          <a:prstGeom prst="bentConnector3">
+            <a:avLst>
+              <a:gd name="adj1" fmla="val 100178"/>
+            </a:avLst>
+          </a:prstGeom>
+          <a:ln w="38100">
+            <a:solidFill>
+              <a:srgbClr val="00B0F0"/>
+            </a:solidFill>
+            <a:prstDash val="dash"/>
+            <a:tailEnd type="triangle"/>
+          </a:ln>
+        </p:spPr>
+        <p:style>
+          <a:lnRef idx="1">
+            <a:schemeClr val="accent1"/>
+          </a:lnRef>
+          <a:fillRef idx="0">
+            <a:schemeClr val="accent1"/>
+          </a:fillRef>
+          <a:effectRef idx="0">
+            <a:schemeClr val="accent1"/>
+          </a:effectRef>
+          <a:fontRef idx="minor">
+            <a:schemeClr val="tx1"/>
+          </a:fontRef>
+        </p:style>
+      </p:cxnSp>
+      <p:sp>
+        <p:nvSpPr>
+          <p:cNvPr id="172" name="TextBox 171">
+            <a:extLst>
+              <a:ext uri="{FF2B5EF4-FFF2-40B4-BE49-F238E27FC236}">
+                <a16:creationId xmlns:a16="http://schemas.microsoft.com/office/drawing/2014/main" id="{417FF4CE-ED65-ED48-A89D-C013CDEF06DD}"/>
+              </a:ext>
+            </a:extLst>
+          </p:cNvPr>
+          <p:cNvSpPr txBox="1"/>
+          <p:nvPr/>
+        </p:nvSpPr>
+        <p:spPr>
+          <a:xfrm>
+            <a:off x="1325669" y="2539367"/>
+            <a:ext cx="1056123" cy="461665"/>
+          </a:xfrm>
+          <a:prstGeom prst="rect">
+            <a:avLst/>
+          </a:prstGeom>
+          <a:noFill/>
+        </p:spPr>
+        <p:txBody>
+          <a:bodyPr wrap="none" rtlCol="0">
+            <a:spAutoFit/>
+          </a:bodyPr>
+          <a:lstStyle/>
+          <a:p>
+            <a:r>
+              <a:rPr lang="en-US" sz="2400" dirty="0">
+                <a:solidFill>
+                  <a:schemeClr val="accent4">
+                    <a:lumMod val="75000"/>
+                  </a:schemeClr>
+                </a:solidFill>
+              </a:rPr>
+              <a:t>Rooms</a:t>
+            </a:r>
+          </a:p>
+        </p:txBody>
+      </p:sp>
+      <p:grpSp>
+        <p:nvGrpSpPr>
+          <p:cNvPr id="173" name="Group 172">
+            <a:extLst>
+              <a:ext uri="{FF2B5EF4-FFF2-40B4-BE49-F238E27FC236}">
+                <a16:creationId xmlns:a16="http://schemas.microsoft.com/office/drawing/2014/main" id="{36EF684B-9E33-5F4F-8F20-252BF2B0CD2D}"/>
+              </a:ext>
+            </a:extLst>
+          </p:cNvPr>
+          <p:cNvGrpSpPr/>
+          <p:nvPr/>
+        </p:nvGrpSpPr>
+        <p:grpSpPr>
+          <a:xfrm>
+            <a:off x="32150" y="1354229"/>
+            <a:ext cx="632289" cy="1156933"/>
+            <a:chOff x="32150" y="1354229"/>
+            <a:chExt cx="632289" cy="1156933"/>
+          </a:xfrm>
+        </p:grpSpPr>
+        <p:pic>
+          <p:nvPicPr>
+            <p:cNvPr id="174" name="Picture 173">
+              <a:extLst>
+                <a:ext uri="{FF2B5EF4-FFF2-40B4-BE49-F238E27FC236}">
+                  <a16:creationId xmlns:a16="http://schemas.microsoft.com/office/drawing/2014/main" id="{3F7008E0-BC25-A144-9F5B-1AEF4E5BC9F4}"/>
+                </a:ext>
+              </a:extLst>
+            </p:cNvPr>
+            <p:cNvPicPr>
+              <a:picLocks noChangeAspect="1"/>
+            </p:cNvPicPr>
+            <p:nvPr/>
+          </p:nvPicPr>
+          <p:blipFill rotWithShape="1">
+            <a:blip r:embed="rId4"/>
+            <a:srcRect l="26302" t="1905" r="24095"/>
+            <a:stretch/>
+          </p:blipFill>
+          <p:spPr>
+            <a:xfrm>
+              <a:off x="133213" y="1871082"/>
+              <a:ext cx="431549" cy="640080"/>
+            </a:xfrm>
+            <a:prstGeom prst="rect">
+              <a:avLst/>
+            </a:prstGeom>
+          </p:spPr>
+        </p:pic>
+        <p:sp>
+          <p:nvSpPr>
+            <p:cNvPr id="175" name="TextBox 174">
+              <a:extLst>
+                <a:ext uri="{FF2B5EF4-FFF2-40B4-BE49-F238E27FC236}">
+                  <a16:creationId xmlns:a16="http://schemas.microsoft.com/office/drawing/2014/main" id="{7875CA15-BCDA-F047-BDAD-C230A10B5461}"/>
+                </a:ext>
+              </a:extLst>
+            </p:cNvPr>
+            <p:cNvSpPr txBox="1"/>
+            <p:nvPr/>
+          </p:nvSpPr>
+          <p:spPr>
+            <a:xfrm>
+              <a:off x="32150" y="1354229"/>
+              <a:ext cx="632289" cy="369332"/>
+            </a:xfrm>
+            <a:prstGeom prst="rect">
+              <a:avLst/>
+            </a:prstGeom>
+            <a:noFill/>
+          </p:spPr>
+          <p:txBody>
+            <a:bodyPr wrap="none" rtlCol="0">
+              <a:spAutoFit/>
+            </a:bodyPr>
+            <a:lstStyle/>
+            <a:p>
+              <a:r>
+                <a:rPr lang="en-US" dirty="0"/>
+                <a:t>Start</a:t>
+              </a:r>
+            </a:p>
+          </p:txBody>
+        </p:sp>
+      </p:grpSp>
+    </p:spTree>
+    <p:extLst>
+      <p:ext uri="{BB962C8B-B14F-4D97-AF65-F5344CB8AC3E}">
+        <p14:creationId xmlns:p14="http://schemas.microsoft.com/office/powerpoint/2010/main" val="864573240"/>
+      </p:ext>
+    </p:extLst>
+  </p:cSld>
+  <p:clrMapOvr>
+    <a:masterClrMapping/>
+  </p:clrMapOvr>
+</p:sld>
+</file>
+
+<file path=ppt/slides/slide9.xml><?xml version="1.0" encoding="utf-8"?>
+<p:sld xmlns:a="http://schemas.openxmlformats.org/drawingml/2006/main" xmlns:r="http://schemas.openxmlformats.org/officeDocument/2006/relationships" xmlns:p="http://schemas.openxmlformats.org/presentationml/2006/main">
+  <p:cSld>
+    <p:spTree>
+      <p:nvGrpSpPr>
+        <p:cNvPr id="1" name=""/>
+        <p:cNvGrpSpPr/>
+        <p:nvPr/>
+      </p:nvGrpSpPr>
+      <p:grpSpPr>
+        <a:xfrm>
+          <a:off x="0" y="0"/>
+          <a:ext cx="0" cy="0"/>
+          <a:chOff x="0" y="0"/>
+          <a:chExt cx="0" cy="0"/>
+        </a:xfrm>
+      </p:grpSpPr>
+      <p:pic>
+        <p:nvPicPr>
           <p:cNvPr id="2" name="Picture 1">
             <a:extLst>
               <a:ext uri="{FF2B5EF4-FFF2-40B4-BE49-F238E27FC236}">
@@ -22055,1932 +27210,6 @@
     <p:extLst>
       <p:ext uri="{BB962C8B-B14F-4D97-AF65-F5344CB8AC3E}">
         <p14:creationId xmlns:p14="http://schemas.microsoft.com/office/powerpoint/2010/main" val="1660711713"/>
-      </p:ext>
-    </p:extLst>
-  </p:cSld>
-  <p:clrMapOvr>
-    <a:masterClrMapping/>
-  </p:clrMapOvr>
-</p:sld>
-</file>
-
-<file path=ppt/slides/slide9.xml><?xml version="1.0" encoding="utf-8"?>
-<p:sld xmlns:a="http://schemas.openxmlformats.org/drawingml/2006/main" xmlns:r="http://schemas.openxmlformats.org/officeDocument/2006/relationships" xmlns:p="http://schemas.openxmlformats.org/presentationml/2006/main">
-  <p:cSld>
-    <p:spTree>
-      <p:nvGrpSpPr>
-        <p:cNvPr id="1" name=""/>
-        <p:cNvGrpSpPr/>
-        <p:nvPr/>
-      </p:nvGrpSpPr>
-      <p:grpSpPr>
-        <a:xfrm>
-          <a:off x="0" y="0"/>
-          <a:ext cx="0" cy="0"/>
-          <a:chOff x="0" y="0"/>
-          <a:chExt cx="0" cy="0"/>
-        </a:xfrm>
-      </p:grpSpPr>
-      <p:grpSp>
-        <p:nvGrpSpPr>
-          <p:cNvPr id="40" name="Group 39">
-            <a:extLst>
-              <a:ext uri="{FF2B5EF4-FFF2-40B4-BE49-F238E27FC236}">
-                <a16:creationId xmlns:a16="http://schemas.microsoft.com/office/drawing/2014/main" id="{B83DEC88-3101-2348-84FC-9955C9B1BD71}"/>
-              </a:ext>
-            </a:extLst>
-          </p:cNvPr>
-          <p:cNvGrpSpPr/>
-          <p:nvPr/>
-        </p:nvGrpSpPr>
-        <p:grpSpPr>
-          <a:xfrm>
-            <a:off x="48876" y="76686"/>
-            <a:ext cx="6875724" cy="2849528"/>
-            <a:chOff x="48876" y="76686"/>
-            <a:chExt cx="6875724" cy="2849528"/>
-          </a:xfrm>
-        </p:grpSpPr>
-        <p:sp>
-          <p:nvSpPr>
-            <p:cNvPr id="2" name="TextBox 1">
-              <a:extLst>
-                <a:ext uri="{FF2B5EF4-FFF2-40B4-BE49-F238E27FC236}">
-                  <a16:creationId xmlns:a16="http://schemas.microsoft.com/office/drawing/2014/main" id="{84891175-C4F5-8047-B969-FE42A84AFE7C}"/>
-                </a:ext>
-              </a:extLst>
-            </p:cNvPr>
-            <p:cNvSpPr txBox="1"/>
-            <p:nvPr/>
-          </p:nvSpPr>
-          <p:spPr>
-            <a:xfrm>
-              <a:off x="48876" y="2552327"/>
-              <a:ext cx="632289" cy="369332"/>
-            </a:xfrm>
-            <a:prstGeom prst="rect">
-              <a:avLst/>
-            </a:prstGeom>
-            <a:noFill/>
-          </p:spPr>
-          <p:txBody>
-            <a:bodyPr wrap="none" rtlCol="0">
-              <a:spAutoFit/>
-            </a:bodyPr>
-            <a:lstStyle/>
-            <a:p>
-              <a:r>
-                <a:rPr lang="en-US" dirty="0"/>
-                <a:t>Start</a:t>
-              </a:r>
-            </a:p>
-          </p:txBody>
-        </p:sp>
-        <p:sp>
-          <p:nvSpPr>
-            <p:cNvPr id="3" name="TextBox 2">
-              <a:extLst>
-                <a:ext uri="{FF2B5EF4-FFF2-40B4-BE49-F238E27FC236}">
-                  <a16:creationId xmlns:a16="http://schemas.microsoft.com/office/drawing/2014/main" id="{EABCBF12-C483-0140-A9F1-4012E24154FA}"/>
-                </a:ext>
-              </a:extLst>
-            </p:cNvPr>
-            <p:cNvSpPr txBox="1"/>
-            <p:nvPr/>
-          </p:nvSpPr>
-          <p:spPr>
-            <a:xfrm>
-              <a:off x="6308726" y="2556882"/>
-              <a:ext cx="615874" cy="369332"/>
-            </a:xfrm>
-            <a:prstGeom prst="rect">
-              <a:avLst/>
-            </a:prstGeom>
-            <a:noFill/>
-          </p:spPr>
-          <p:txBody>
-            <a:bodyPr wrap="none" rtlCol="0">
-              <a:spAutoFit/>
-            </a:bodyPr>
-            <a:lstStyle/>
-            <a:p>
-              <a:r>
-                <a:rPr lang="en-US" dirty="0"/>
-                <a:t>Goal</a:t>
-              </a:r>
-            </a:p>
-          </p:txBody>
-        </p:sp>
-        <p:cxnSp>
-          <p:nvCxnSpPr>
-            <p:cNvPr id="4" name="Straight Connector 3">
-              <a:extLst>
-                <a:ext uri="{FF2B5EF4-FFF2-40B4-BE49-F238E27FC236}">
-                  <a16:creationId xmlns:a16="http://schemas.microsoft.com/office/drawing/2014/main" id="{4D40D51D-449E-9042-948F-F16576A89A82}"/>
-                </a:ext>
-              </a:extLst>
-            </p:cNvPr>
-            <p:cNvCxnSpPr>
-              <a:cxnSpLocks/>
-            </p:cNvCxnSpPr>
-            <p:nvPr/>
-          </p:nvCxnSpPr>
-          <p:spPr>
-            <a:xfrm>
-              <a:off x="1508532" y="2419723"/>
-              <a:ext cx="799054" cy="0"/>
-            </a:xfrm>
-            <a:prstGeom prst="line">
-              <a:avLst/>
-            </a:prstGeom>
-            <a:ln w="114300">
-              <a:solidFill>
-                <a:srgbClr val="0000FF"/>
-              </a:solidFill>
-            </a:ln>
-          </p:spPr>
-          <p:style>
-            <a:lnRef idx="1">
-              <a:schemeClr val="accent1"/>
-            </a:lnRef>
-            <a:fillRef idx="0">
-              <a:schemeClr val="accent1"/>
-            </a:fillRef>
-            <a:effectRef idx="0">
-              <a:schemeClr val="accent1"/>
-            </a:effectRef>
-            <a:fontRef idx="minor">
-              <a:schemeClr val="tx1"/>
-            </a:fontRef>
-          </p:style>
-        </p:cxnSp>
-        <p:cxnSp>
-          <p:nvCxnSpPr>
-            <p:cNvPr id="5" name="Straight Connector 4">
-              <a:extLst>
-                <a:ext uri="{FF2B5EF4-FFF2-40B4-BE49-F238E27FC236}">
-                  <a16:creationId xmlns:a16="http://schemas.microsoft.com/office/drawing/2014/main" id="{2314DBEA-8F26-E243-BA3E-F5A1BE9CE0DD}"/>
-                </a:ext>
-              </a:extLst>
-            </p:cNvPr>
-            <p:cNvCxnSpPr>
-              <a:cxnSpLocks/>
-            </p:cNvCxnSpPr>
-            <p:nvPr/>
-          </p:nvCxnSpPr>
-          <p:spPr>
-            <a:xfrm>
-              <a:off x="2581906" y="2419723"/>
-              <a:ext cx="1197886" cy="0"/>
-            </a:xfrm>
-            <a:prstGeom prst="line">
-              <a:avLst/>
-            </a:prstGeom>
-            <a:ln w="114300">
-              <a:solidFill>
-                <a:srgbClr val="0000FF"/>
-              </a:solidFill>
-            </a:ln>
-          </p:spPr>
-          <p:style>
-            <a:lnRef idx="1">
-              <a:schemeClr val="accent1"/>
-            </a:lnRef>
-            <a:fillRef idx="0">
-              <a:schemeClr val="accent1"/>
-            </a:fillRef>
-            <a:effectRef idx="0">
-              <a:schemeClr val="accent1"/>
-            </a:effectRef>
-            <a:fontRef idx="minor">
-              <a:schemeClr val="tx1"/>
-            </a:fontRef>
-          </p:style>
-        </p:cxnSp>
-        <p:cxnSp>
-          <p:nvCxnSpPr>
-            <p:cNvPr id="6" name="Straight Connector 5">
-              <a:extLst>
-                <a:ext uri="{FF2B5EF4-FFF2-40B4-BE49-F238E27FC236}">
-                  <a16:creationId xmlns:a16="http://schemas.microsoft.com/office/drawing/2014/main" id="{231BB185-BC0C-874F-BE4C-7AB69CAC461E}"/>
-                </a:ext>
-              </a:extLst>
-            </p:cNvPr>
-            <p:cNvCxnSpPr>
-              <a:cxnSpLocks/>
-            </p:cNvCxnSpPr>
-            <p:nvPr/>
-          </p:nvCxnSpPr>
-          <p:spPr>
-            <a:xfrm>
-              <a:off x="4054112" y="2419723"/>
-              <a:ext cx="1069914" cy="0"/>
-            </a:xfrm>
-            <a:prstGeom prst="line">
-              <a:avLst/>
-            </a:prstGeom>
-            <a:ln w="114300">
-              <a:solidFill>
-                <a:srgbClr val="0000FF"/>
-              </a:solidFill>
-            </a:ln>
-          </p:spPr>
-          <p:style>
-            <a:lnRef idx="1">
-              <a:schemeClr val="accent1"/>
-            </a:lnRef>
-            <a:fillRef idx="0">
-              <a:schemeClr val="accent1"/>
-            </a:fillRef>
-            <a:effectRef idx="0">
-              <a:schemeClr val="accent1"/>
-            </a:effectRef>
-            <a:fontRef idx="minor">
-              <a:schemeClr val="tx1"/>
-            </a:fontRef>
-          </p:style>
-        </p:cxnSp>
-        <p:cxnSp>
-          <p:nvCxnSpPr>
-            <p:cNvPr id="7" name="Straight Connector 6">
-              <a:extLst>
-                <a:ext uri="{FF2B5EF4-FFF2-40B4-BE49-F238E27FC236}">
-                  <a16:creationId xmlns:a16="http://schemas.microsoft.com/office/drawing/2014/main" id="{482A9DDF-6AA7-BC43-8B04-B58B29089C3A}"/>
-                </a:ext>
-              </a:extLst>
-            </p:cNvPr>
-            <p:cNvCxnSpPr>
-              <a:cxnSpLocks/>
-              <a:endCxn id="20" idx="2"/>
-            </p:cNvCxnSpPr>
-            <p:nvPr/>
-          </p:nvCxnSpPr>
-          <p:spPr>
-            <a:xfrm>
-              <a:off x="5398346" y="2419723"/>
-              <a:ext cx="910380" cy="0"/>
-            </a:xfrm>
-            <a:prstGeom prst="line">
-              <a:avLst/>
-            </a:prstGeom>
-            <a:ln w="114300">
-              <a:solidFill>
-                <a:srgbClr val="0000FF"/>
-              </a:solidFill>
-            </a:ln>
-          </p:spPr>
-          <p:style>
-            <a:lnRef idx="1">
-              <a:schemeClr val="accent1"/>
-            </a:lnRef>
-            <a:fillRef idx="0">
-              <a:schemeClr val="accent1"/>
-            </a:fillRef>
-            <a:effectRef idx="0">
-              <a:schemeClr val="accent1"/>
-            </a:effectRef>
-            <a:fontRef idx="minor">
-              <a:schemeClr val="tx1"/>
-            </a:fontRef>
-          </p:style>
-        </p:cxnSp>
-        <p:cxnSp>
-          <p:nvCxnSpPr>
-            <p:cNvPr id="8" name="Straight Connector 7">
-              <a:extLst>
-                <a:ext uri="{FF2B5EF4-FFF2-40B4-BE49-F238E27FC236}">
-                  <a16:creationId xmlns:a16="http://schemas.microsoft.com/office/drawing/2014/main" id="{C1C53932-2051-0C4D-988A-015914D2D092}"/>
-                </a:ext>
-              </a:extLst>
-            </p:cNvPr>
-            <p:cNvCxnSpPr>
-              <a:cxnSpLocks/>
-              <a:stCxn id="20" idx="0"/>
-            </p:cNvCxnSpPr>
-            <p:nvPr/>
-          </p:nvCxnSpPr>
-          <p:spPr>
-            <a:xfrm flipV="1">
-              <a:off x="6445886" y="1334941"/>
-              <a:ext cx="13844" cy="947622"/>
-            </a:xfrm>
-            <a:prstGeom prst="line">
-              <a:avLst/>
-            </a:prstGeom>
-            <a:ln w="38100">
-              <a:solidFill>
-                <a:schemeClr val="tx1"/>
-              </a:solidFill>
-            </a:ln>
-          </p:spPr>
-          <p:style>
-            <a:lnRef idx="1">
-              <a:schemeClr val="accent1"/>
-            </a:lnRef>
-            <a:fillRef idx="0">
-              <a:schemeClr val="accent1"/>
-            </a:fillRef>
-            <a:effectRef idx="0">
-              <a:schemeClr val="accent1"/>
-            </a:effectRef>
-            <a:fontRef idx="minor">
-              <a:schemeClr val="tx1"/>
-            </a:fontRef>
-          </p:style>
-        </p:cxnSp>
-        <p:cxnSp>
-          <p:nvCxnSpPr>
-            <p:cNvPr id="9" name="Straight Connector 8">
-              <a:extLst>
-                <a:ext uri="{FF2B5EF4-FFF2-40B4-BE49-F238E27FC236}">
-                  <a16:creationId xmlns:a16="http://schemas.microsoft.com/office/drawing/2014/main" id="{47D1C56E-C9DF-104F-B776-5DBFB3C9448F}"/>
-                </a:ext>
-              </a:extLst>
-            </p:cNvPr>
-            <p:cNvCxnSpPr>
-              <a:cxnSpLocks/>
-              <a:stCxn id="18" idx="0"/>
-              <a:endCxn id="19" idx="4"/>
-            </p:cNvCxnSpPr>
-            <p:nvPr/>
-          </p:nvCxnSpPr>
-          <p:spPr>
-            <a:xfrm flipH="1" flipV="1">
-              <a:off x="6446520" y="383123"/>
-              <a:ext cx="1886" cy="676163"/>
-            </a:xfrm>
-            <a:prstGeom prst="line">
-              <a:avLst/>
-            </a:prstGeom>
-            <a:ln w="38100">
-              <a:solidFill>
-                <a:schemeClr val="tx1"/>
-              </a:solidFill>
-            </a:ln>
-          </p:spPr>
-          <p:style>
-            <a:lnRef idx="1">
-              <a:schemeClr val="accent1"/>
-            </a:lnRef>
-            <a:fillRef idx="0">
-              <a:schemeClr val="accent1"/>
-            </a:fillRef>
-            <a:effectRef idx="0">
-              <a:schemeClr val="accent1"/>
-            </a:effectRef>
-            <a:fontRef idx="minor">
-              <a:schemeClr val="tx1"/>
-            </a:fontRef>
-          </p:style>
-        </p:cxnSp>
-        <p:cxnSp>
-          <p:nvCxnSpPr>
-            <p:cNvPr id="10" name="Straight Connector 9">
-              <a:extLst>
-                <a:ext uri="{FF2B5EF4-FFF2-40B4-BE49-F238E27FC236}">
-                  <a16:creationId xmlns:a16="http://schemas.microsoft.com/office/drawing/2014/main" id="{5527B1D4-A746-F545-9605-51710B90EC8D}"/>
-                </a:ext>
-              </a:extLst>
-            </p:cNvPr>
-            <p:cNvCxnSpPr>
-              <a:cxnSpLocks/>
-              <a:stCxn id="18" idx="2"/>
-              <a:endCxn id="17" idx="6"/>
-            </p:cNvCxnSpPr>
-            <p:nvPr/>
-          </p:nvCxnSpPr>
-          <p:spPr>
-            <a:xfrm flipH="1">
-              <a:off x="5394960" y="1196446"/>
-              <a:ext cx="916286" cy="0"/>
-            </a:xfrm>
-            <a:prstGeom prst="line">
-              <a:avLst/>
-            </a:prstGeom>
-            <a:ln w="38100">
-              <a:solidFill>
-                <a:schemeClr val="tx1"/>
-              </a:solidFill>
-            </a:ln>
-          </p:spPr>
-          <p:style>
-            <a:lnRef idx="1">
-              <a:schemeClr val="accent1"/>
-            </a:lnRef>
-            <a:fillRef idx="0">
-              <a:schemeClr val="accent1"/>
-            </a:fillRef>
-            <a:effectRef idx="0">
-              <a:schemeClr val="accent1"/>
-            </a:effectRef>
-            <a:fontRef idx="minor">
-              <a:schemeClr val="tx1"/>
-            </a:fontRef>
-          </p:style>
-        </p:cxnSp>
-        <p:cxnSp>
-          <p:nvCxnSpPr>
-            <p:cNvPr id="11" name="Straight Connector 10">
-              <a:extLst>
-                <a:ext uri="{FF2B5EF4-FFF2-40B4-BE49-F238E27FC236}">
-                  <a16:creationId xmlns:a16="http://schemas.microsoft.com/office/drawing/2014/main" id="{7FCD0B81-67A8-D24C-B99A-84AE6A4FC14F}"/>
-                </a:ext>
-              </a:extLst>
-            </p:cNvPr>
-            <p:cNvCxnSpPr>
-              <a:cxnSpLocks/>
-              <a:stCxn id="17" idx="2"/>
-              <a:endCxn id="16" idx="6"/>
-            </p:cNvCxnSpPr>
-            <p:nvPr/>
-          </p:nvCxnSpPr>
-          <p:spPr>
-            <a:xfrm flipH="1">
-              <a:off x="4050792" y="1196446"/>
-              <a:ext cx="1069848" cy="0"/>
-            </a:xfrm>
-            <a:prstGeom prst="line">
-              <a:avLst/>
-            </a:prstGeom>
-            <a:ln w="38100">
-              <a:solidFill>
-                <a:schemeClr val="tx1"/>
-              </a:solidFill>
-            </a:ln>
-          </p:spPr>
-          <p:style>
-            <a:lnRef idx="1">
-              <a:schemeClr val="accent1"/>
-            </a:lnRef>
-            <a:fillRef idx="0">
-              <a:schemeClr val="accent1"/>
-            </a:fillRef>
-            <a:effectRef idx="0">
-              <a:schemeClr val="accent1"/>
-            </a:effectRef>
-            <a:fontRef idx="minor">
-              <a:schemeClr val="tx1"/>
-            </a:fontRef>
-          </p:style>
-        </p:cxnSp>
-        <p:cxnSp>
-          <p:nvCxnSpPr>
-            <p:cNvPr id="12" name="Straight Connector 11">
-              <a:extLst>
-                <a:ext uri="{FF2B5EF4-FFF2-40B4-BE49-F238E27FC236}">
-                  <a16:creationId xmlns:a16="http://schemas.microsoft.com/office/drawing/2014/main" id="{47CFC823-8DDB-7645-888D-3F986D45C4F3}"/>
-                </a:ext>
-              </a:extLst>
-            </p:cNvPr>
-            <p:cNvCxnSpPr>
-              <a:cxnSpLocks/>
-              <a:stCxn id="16" idx="2"/>
-              <a:endCxn id="15" idx="6"/>
-            </p:cNvCxnSpPr>
-            <p:nvPr/>
-          </p:nvCxnSpPr>
-          <p:spPr>
-            <a:xfrm flipH="1">
-              <a:off x="2578608" y="1196446"/>
-              <a:ext cx="1197864" cy="0"/>
-            </a:xfrm>
-            <a:prstGeom prst="line">
-              <a:avLst/>
-            </a:prstGeom>
-            <a:ln w="38100">
-              <a:solidFill>
-                <a:schemeClr val="tx1"/>
-              </a:solidFill>
-            </a:ln>
-          </p:spPr>
-          <p:style>
-            <a:lnRef idx="1">
-              <a:schemeClr val="accent1"/>
-            </a:lnRef>
-            <a:fillRef idx="0">
-              <a:schemeClr val="accent1"/>
-            </a:fillRef>
-            <a:effectRef idx="0">
-              <a:schemeClr val="accent1"/>
-            </a:effectRef>
-            <a:fontRef idx="minor">
-              <a:schemeClr val="tx1"/>
-            </a:fontRef>
-          </p:style>
-        </p:cxnSp>
-        <p:cxnSp>
-          <p:nvCxnSpPr>
-            <p:cNvPr id="13" name="Straight Connector 12">
-              <a:extLst>
-                <a:ext uri="{FF2B5EF4-FFF2-40B4-BE49-F238E27FC236}">
-                  <a16:creationId xmlns:a16="http://schemas.microsoft.com/office/drawing/2014/main" id="{AC3DC659-5787-714F-B949-AD994DEFD663}"/>
-                </a:ext>
-              </a:extLst>
-            </p:cNvPr>
-            <p:cNvCxnSpPr>
-              <a:cxnSpLocks/>
-            </p:cNvCxnSpPr>
-            <p:nvPr/>
-          </p:nvCxnSpPr>
-          <p:spPr>
-            <a:xfrm flipH="1">
-              <a:off x="2444746" y="1334940"/>
-              <a:ext cx="8890" cy="947623"/>
-            </a:xfrm>
-            <a:prstGeom prst="line">
-              <a:avLst/>
-            </a:prstGeom>
-            <a:ln w="38100">
-              <a:solidFill>
-                <a:schemeClr val="tx1"/>
-              </a:solidFill>
-            </a:ln>
-          </p:spPr>
-          <p:style>
-            <a:lnRef idx="1">
-              <a:schemeClr val="accent1"/>
-            </a:lnRef>
-            <a:fillRef idx="0">
-              <a:schemeClr val="accent1"/>
-            </a:fillRef>
-            <a:effectRef idx="0">
-              <a:schemeClr val="accent1"/>
-            </a:effectRef>
-            <a:fontRef idx="minor">
-              <a:schemeClr val="tx1"/>
-            </a:fontRef>
-          </p:style>
-        </p:cxnSp>
-        <p:cxnSp>
-          <p:nvCxnSpPr>
-            <p:cNvPr id="14" name="Straight Connector 13">
-              <a:extLst>
-                <a:ext uri="{FF2B5EF4-FFF2-40B4-BE49-F238E27FC236}">
-                  <a16:creationId xmlns:a16="http://schemas.microsoft.com/office/drawing/2014/main" id="{E51D7247-91BD-114C-8CFA-A1200E23D0AD}"/>
-                </a:ext>
-              </a:extLst>
-            </p:cNvPr>
-            <p:cNvCxnSpPr>
-              <a:cxnSpLocks/>
-            </p:cNvCxnSpPr>
-            <p:nvPr/>
-          </p:nvCxnSpPr>
-          <p:spPr>
-            <a:xfrm>
-              <a:off x="5261186" y="1334940"/>
-              <a:ext cx="0" cy="938733"/>
-            </a:xfrm>
-            <a:prstGeom prst="line">
-              <a:avLst/>
-            </a:prstGeom>
-            <a:ln w="38100">
-              <a:solidFill>
-                <a:schemeClr val="tx1"/>
-              </a:solidFill>
-            </a:ln>
-          </p:spPr>
-          <p:style>
-            <a:lnRef idx="1">
-              <a:schemeClr val="accent1"/>
-            </a:lnRef>
-            <a:fillRef idx="0">
-              <a:schemeClr val="accent1"/>
-            </a:fillRef>
-            <a:effectRef idx="0">
-              <a:schemeClr val="accent1"/>
-            </a:effectRef>
-            <a:fontRef idx="minor">
-              <a:schemeClr val="tx1"/>
-            </a:fontRef>
-          </p:style>
-        </p:cxnSp>
-        <p:sp>
-          <p:nvSpPr>
-            <p:cNvPr id="15" name="Oval 14">
-              <a:extLst>
-                <a:ext uri="{FF2B5EF4-FFF2-40B4-BE49-F238E27FC236}">
-                  <a16:creationId xmlns:a16="http://schemas.microsoft.com/office/drawing/2014/main" id="{1FFE0938-6F82-7741-AF97-C521576E97C5}"/>
-                </a:ext>
-              </a:extLst>
-            </p:cNvPr>
-            <p:cNvSpPr>
-              <a:spLocks noChangeAspect="1"/>
-            </p:cNvSpPr>
-            <p:nvPr/>
-          </p:nvSpPr>
-          <p:spPr>
-            <a:xfrm>
-              <a:off x="2304288" y="1059286"/>
-              <a:ext cx="274320" cy="274320"/>
-            </a:xfrm>
-            <a:prstGeom prst="ellipse">
-              <a:avLst/>
-            </a:prstGeom>
-            <a:solidFill>
-              <a:srgbClr val="00FF00"/>
-            </a:solidFill>
-            <a:ln w="19050">
-              <a:solidFill>
-                <a:schemeClr val="tx1"/>
-              </a:solidFill>
-            </a:ln>
-          </p:spPr>
-          <p:style>
-            <a:lnRef idx="2">
-              <a:schemeClr val="accent1">
-                <a:shade val="50000"/>
-              </a:schemeClr>
-            </a:lnRef>
-            <a:fillRef idx="1">
-              <a:schemeClr val="accent1"/>
-            </a:fillRef>
-            <a:effectRef idx="0">
-              <a:schemeClr val="accent1"/>
-            </a:effectRef>
-            <a:fontRef idx="minor">
-              <a:schemeClr val="lt1"/>
-            </a:fontRef>
-          </p:style>
-          <p:txBody>
-            <a:bodyPr rtlCol="0" anchor="ctr"/>
-            <a:lstStyle/>
-            <a:p>
-              <a:pPr algn="ctr"/>
-              <a:r>
-                <a:rPr lang="en-US" sz="1600" dirty="0">
-                  <a:solidFill>
-                    <a:schemeClr val="tx1"/>
-                  </a:solidFill>
-                </a:rPr>
-                <a:t>8</a:t>
-              </a:r>
-            </a:p>
-          </p:txBody>
-        </p:sp>
-        <p:sp>
-          <p:nvSpPr>
-            <p:cNvPr id="16" name="Oval 15">
-              <a:extLst>
-                <a:ext uri="{FF2B5EF4-FFF2-40B4-BE49-F238E27FC236}">
-                  <a16:creationId xmlns:a16="http://schemas.microsoft.com/office/drawing/2014/main" id="{1A694C7B-1738-3747-887E-016B80DD84A5}"/>
-                </a:ext>
-              </a:extLst>
-            </p:cNvPr>
-            <p:cNvSpPr>
-              <a:spLocks noChangeAspect="1"/>
-            </p:cNvSpPr>
-            <p:nvPr/>
-          </p:nvSpPr>
-          <p:spPr>
-            <a:xfrm>
-              <a:off x="3776472" y="1059286"/>
-              <a:ext cx="274320" cy="274320"/>
-            </a:xfrm>
-            <a:prstGeom prst="ellipse">
-              <a:avLst/>
-            </a:prstGeom>
-            <a:solidFill>
-              <a:srgbClr val="00FF00"/>
-            </a:solidFill>
-            <a:ln w="19050">
-              <a:solidFill>
-                <a:schemeClr val="tx1"/>
-              </a:solidFill>
-            </a:ln>
-          </p:spPr>
-          <p:style>
-            <a:lnRef idx="2">
-              <a:schemeClr val="accent1">
-                <a:shade val="50000"/>
-              </a:schemeClr>
-            </a:lnRef>
-            <a:fillRef idx="1">
-              <a:schemeClr val="accent1"/>
-            </a:fillRef>
-            <a:effectRef idx="0">
-              <a:schemeClr val="accent1"/>
-            </a:effectRef>
-            <a:fontRef idx="minor">
-              <a:schemeClr val="lt1"/>
-            </a:fontRef>
-          </p:style>
-          <p:txBody>
-            <a:bodyPr rtlCol="0" anchor="ctr"/>
-            <a:lstStyle/>
-            <a:p>
-              <a:pPr algn="ctr"/>
-              <a:r>
-                <a:rPr lang="en-US" sz="1600" dirty="0">
-                  <a:solidFill>
-                    <a:schemeClr val="tx1"/>
-                  </a:solidFill>
-                </a:rPr>
-                <a:t>9</a:t>
-              </a:r>
-            </a:p>
-          </p:txBody>
-        </p:sp>
-        <p:sp>
-          <p:nvSpPr>
-            <p:cNvPr id="17" name="Oval 16">
-              <a:extLst>
-                <a:ext uri="{FF2B5EF4-FFF2-40B4-BE49-F238E27FC236}">
-                  <a16:creationId xmlns:a16="http://schemas.microsoft.com/office/drawing/2014/main" id="{757DA08A-5625-1742-96AC-4E7F59EE43A5}"/>
-                </a:ext>
-              </a:extLst>
-            </p:cNvPr>
-            <p:cNvSpPr>
-              <a:spLocks noChangeAspect="1"/>
-            </p:cNvSpPr>
-            <p:nvPr/>
-          </p:nvSpPr>
-          <p:spPr>
-            <a:xfrm>
-              <a:off x="5120640" y="1059286"/>
-              <a:ext cx="274320" cy="274320"/>
-            </a:xfrm>
-            <a:prstGeom prst="ellipse">
-              <a:avLst/>
-            </a:prstGeom>
-            <a:solidFill>
-              <a:srgbClr val="00FF00"/>
-            </a:solidFill>
-            <a:ln w="19050">
-              <a:solidFill>
-                <a:schemeClr val="tx1"/>
-              </a:solidFill>
-            </a:ln>
-          </p:spPr>
-          <p:style>
-            <a:lnRef idx="2">
-              <a:schemeClr val="accent1">
-                <a:shade val="50000"/>
-              </a:schemeClr>
-            </a:lnRef>
-            <a:fillRef idx="1">
-              <a:schemeClr val="accent1"/>
-            </a:fillRef>
-            <a:effectRef idx="0">
-              <a:schemeClr val="accent1"/>
-            </a:effectRef>
-            <a:fontRef idx="minor">
-              <a:schemeClr val="lt1"/>
-            </a:fontRef>
-          </p:style>
-          <p:txBody>
-            <a:bodyPr rtlCol="0" anchor="ctr"/>
-            <a:lstStyle/>
-            <a:p>
-              <a:pPr algn="ctr"/>
-              <a:endParaRPr lang="en-US" sz="1050" dirty="0">
-                <a:solidFill>
-                  <a:schemeClr val="tx1"/>
-                </a:solidFill>
-              </a:endParaRPr>
-            </a:p>
-          </p:txBody>
-        </p:sp>
-        <p:sp>
-          <p:nvSpPr>
-            <p:cNvPr id="18" name="Oval 17">
-              <a:extLst>
-                <a:ext uri="{FF2B5EF4-FFF2-40B4-BE49-F238E27FC236}">
-                  <a16:creationId xmlns:a16="http://schemas.microsoft.com/office/drawing/2014/main" id="{6951A34E-A2E2-6347-B02F-29A83516A895}"/>
-                </a:ext>
-              </a:extLst>
-            </p:cNvPr>
-            <p:cNvSpPr>
-              <a:spLocks noChangeAspect="1"/>
-            </p:cNvSpPr>
-            <p:nvPr/>
-          </p:nvSpPr>
-          <p:spPr>
-            <a:xfrm>
-              <a:off x="6311246" y="1059286"/>
-              <a:ext cx="274320" cy="274320"/>
-            </a:xfrm>
-            <a:prstGeom prst="ellipse">
-              <a:avLst/>
-            </a:prstGeom>
-            <a:solidFill>
-              <a:srgbClr val="00FF00"/>
-            </a:solidFill>
-            <a:ln w="19050">
-              <a:solidFill>
-                <a:schemeClr val="tx1"/>
-              </a:solidFill>
-            </a:ln>
-          </p:spPr>
-          <p:style>
-            <a:lnRef idx="2">
-              <a:schemeClr val="accent1">
-                <a:shade val="50000"/>
-              </a:schemeClr>
-            </a:lnRef>
-            <a:fillRef idx="1">
-              <a:schemeClr val="accent1"/>
-            </a:fillRef>
-            <a:effectRef idx="0">
-              <a:schemeClr val="accent1"/>
-            </a:effectRef>
-            <a:fontRef idx="minor">
-              <a:schemeClr val="lt1"/>
-            </a:fontRef>
-          </p:style>
-          <p:txBody>
-            <a:bodyPr rtlCol="0" anchor="ctr"/>
-            <a:lstStyle/>
-            <a:p>
-              <a:pPr algn="ctr"/>
-              <a:endParaRPr lang="en-US" sz="1600" dirty="0">
-                <a:solidFill>
-                  <a:schemeClr val="accent1">
-                    <a:lumMod val="50000"/>
-                  </a:schemeClr>
-                </a:solidFill>
-              </a:endParaRPr>
-            </a:p>
-          </p:txBody>
-        </p:sp>
-        <p:sp>
-          <p:nvSpPr>
-            <p:cNvPr id="19" name="Oval 18">
-              <a:extLst>
-                <a:ext uri="{FF2B5EF4-FFF2-40B4-BE49-F238E27FC236}">
-                  <a16:creationId xmlns:a16="http://schemas.microsoft.com/office/drawing/2014/main" id="{68B486E3-5C0D-FF42-B79F-5C3FA6A500C0}"/>
-                </a:ext>
-              </a:extLst>
-            </p:cNvPr>
-            <p:cNvSpPr>
-              <a:spLocks noChangeAspect="1"/>
-            </p:cNvSpPr>
-            <p:nvPr/>
-          </p:nvSpPr>
-          <p:spPr>
-            <a:xfrm>
-              <a:off x="6309360" y="108803"/>
-              <a:ext cx="274320" cy="274320"/>
-            </a:xfrm>
-            <a:prstGeom prst="ellipse">
-              <a:avLst/>
-            </a:prstGeom>
-            <a:solidFill>
-              <a:srgbClr val="00FF00"/>
-            </a:solidFill>
-            <a:ln w="19050">
-              <a:solidFill>
-                <a:schemeClr val="tx1"/>
-              </a:solidFill>
-            </a:ln>
-          </p:spPr>
-          <p:style>
-            <a:lnRef idx="2">
-              <a:schemeClr val="accent1">
-                <a:shade val="50000"/>
-              </a:schemeClr>
-            </a:lnRef>
-            <a:fillRef idx="1">
-              <a:schemeClr val="accent1"/>
-            </a:fillRef>
-            <a:effectRef idx="0">
-              <a:schemeClr val="accent1"/>
-            </a:effectRef>
-            <a:fontRef idx="minor">
-              <a:schemeClr val="lt1"/>
-            </a:fontRef>
-          </p:style>
-          <p:txBody>
-            <a:bodyPr rtlCol="0" anchor="ctr"/>
-            <a:lstStyle/>
-            <a:p>
-              <a:pPr algn="ctr"/>
-              <a:endParaRPr lang="en-US" sz="1600" dirty="0">
-                <a:solidFill>
-                  <a:schemeClr val="accent1">
-                    <a:lumMod val="50000"/>
-                  </a:schemeClr>
-                </a:solidFill>
-              </a:endParaRPr>
-            </a:p>
-          </p:txBody>
-        </p:sp>
-        <p:sp>
-          <p:nvSpPr>
-            <p:cNvPr id="20" name="Oval 19">
-              <a:extLst>
-                <a:ext uri="{FF2B5EF4-FFF2-40B4-BE49-F238E27FC236}">
-                  <a16:creationId xmlns:a16="http://schemas.microsoft.com/office/drawing/2014/main" id="{AA8A6D6B-BC1E-0C49-862A-947B50D8C870}"/>
-                </a:ext>
-              </a:extLst>
-            </p:cNvPr>
-            <p:cNvSpPr>
-              <a:spLocks noChangeAspect="1"/>
-            </p:cNvSpPr>
-            <p:nvPr/>
-          </p:nvSpPr>
-          <p:spPr>
-            <a:xfrm>
-              <a:off x="6308726" y="2282563"/>
-              <a:ext cx="274320" cy="274320"/>
-            </a:xfrm>
-            <a:prstGeom prst="ellipse">
-              <a:avLst/>
-            </a:prstGeom>
-            <a:solidFill>
-              <a:srgbClr val="00FF00"/>
-            </a:solidFill>
-            <a:ln w="19050">
-              <a:solidFill>
-                <a:schemeClr val="tx1"/>
-              </a:solidFill>
-            </a:ln>
-          </p:spPr>
-          <p:style>
-            <a:lnRef idx="2">
-              <a:schemeClr val="accent1">
-                <a:shade val="50000"/>
-              </a:schemeClr>
-            </a:lnRef>
-            <a:fillRef idx="1">
-              <a:schemeClr val="accent1"/>
-            </a:fillRef>
-            <a:effectRef idx="0">
-              <a:schemeClr val="accent1"/>
-            </a:effectRef>
-            <a:fontRef idx="minor">
-              <a:schemeClr val="lt1"/>
-            </a:fontRef>
-          </p:style>
-          <p:txBody>
-            <a:bodyPr rtlCol="0" anchor="ctr"/>
-            <a:lstStyle/>
-            <a:p>
-              <a:pPr algn="ctr"/>
-              <a:r>
-                <a:rPr lang="en-US" sz="1600" dirty="0">
-                  <a:solidFill>
-                    <a:schemeClr val="tx1"/>
-                  </a:solidFill>
-                </a:rPr>
-                <a:t>6</a:t>
-              </a:r>
-            </a:p>
-          </p:txBody>
-        </p:sp>
-        <p:cxnSp>
-          <p:nvCxnSpPr>
-            <p:cNvPr id="21" name="Straight Connector 20">
-              <a:extLst>
-                <a:ext uri="{FF2B5EF4-FFF2-40B4-BE49-F238E27FC236}">
-                  <a16:creationId xmlns:a16="http://schemas.microsoft.com/office/drawing/2014/main" id="{8DFAF68C-FE14-6A4B-97A7-426519BD4657}"/>
-                </a:ext>
-              </a:extLst>
-            </p:cNvPr>
-            <p:cNvCxnSpPr>
-              <a:cxnSpLocks/>
-              <a:stCxn id="15" idx="2"/>
-            </p:cNvCxnSpPr>
-            <p:nvPr/>
-          </p:nvCxnSpPr>
-          <p:spPr>
-            <a:xfrm flipH="1">
-              <a:off x="1650375" y="1196446"/>
-              <a:ext cx="653913" cy="0"/>
-            </a:xfrm>
-            <a:prstGeom prst="line">
-              <a:avLst/>
-            </a:prstGeom>
-            <a:ln w="38100">
-              <a:solidFill>
-                <a:schemeClr val="tx1"/>
-              </a:solidFill>
-            </a:ln>
-          </p:spPr>
-          <p:style>
-            <a:lnRef idx="1">
-              <a:schemeClr val="accent1"/>
-            </a:lnRef>
-            <a:fillRef idx="0">
-              <a:schemeClr val="accent1"/>
-            </a:fillRef>
-            <a:effectRef idx="0">
-              <a:schemeClr val="accent1"/>
-            </a:effectRef>
-            <a:fontRef idx="minor">
-              <a:schemeClr val="tx1"/>
-            </a:fontRef>
-          </p:style>
-        </p:cxnSp>
-        <p:sp>
-          <p:nvSpPr>
-            <p:cNvPr id="22" name="Oval 21">
-              <a:extLst>
-                <a:ext uri="{FF2B5EF4-FFF2-40B4-BE49-F238E27FC236}">
-                  <a16:creationId xmlns:a16="http://schemas.microsoft.com/office/drawing/2014/main" id="{E4F07460-E7F3-A742-A72E-CDFC533719E2}"/>
-                </a:ext>
-              </a:extLst>
-            </p:cNvPr>
-            <p:cNvSpPr>
-              <a:spLocks noChangeAspect="1"/>
-            </p:cNvSpPr>
-            <p:nvPr/>
-          </p:nvSpPr>
-          <p:spPr>
-            <a:xfrm>
-              <a:off x="90701" y="2286000"/>
-              <a:ext cx="274320" cy="274320"/>
-            </a:xfrm>
-            <a:prstGeom prst="ellipse">
-              <a:avLst/>
-            </a:prstGeom>
-            <a:solidFill>
-              <a:srgbClr val="00FF00"/>
-            </a:solidFill>
-            <a:ln w="19050">
-              <a:solidFill>
-                <a:schemeClr val="tx1"/>
-              </a:solidFill>
-            </a:ln>
-          </p:spPr>
-          <p:style>
-            <a:lnRef idx="2">
-              <a:schemeClr val="accent1">
-                <a:shade val="50000"/>
-              </a:schemeClr>
-            </a:lnRef>
-            <a:fillRef idx="1">
-              <a:schemeClr val="accent1"/>
-            </a:fillRef>
-            <a:effectRef idx="0">
-              <a:schemeClr val="accent1"/>
-            </a:effectRef>
-            <a:fontRef idx="minor">
-              <a:schemeClr val="lt1"/>
-            </a:fontRef>
-          </p:style>
-          <p:txBody>
-            <a:bodyPr rtlCol="0" anchor="ctr"/>
-            <a:lstStyle/>
-            <a:p>
-              <a:pPr algn="ctr"/>
-              <a:r>
-                <a:rPr lang="en-US" sz="1600" dirty="0">
-                  <a:solidFill>
-                    <a:schemeClr val="tx1"/>
-                  </a:solidFill>
-                </a:rPr>
-                <a:t>1</a:t>
-              </a:r>
-            </a:p>
-          </p:txBody>
-        </p:sp>
-        <p:cxnSp>
-          <p:nvCxnSpPr>
-            <p:cNvPr id="23" name="Straight Connector 22">
-              <a:extLst>
-                <a:ext uri="{FF2B5EF4-FFF2-40B4-BE49-F238E27FC236}">
-                  <a16:creationId xmlns:a16="http://schemas.microsoft.com/office/drawing/2014/main" id="{A2E2B42A-2C58-FC4E-A582-B7B30570C214}"/>
-                </a:ext>
-              </a:extLst>
-            </p:cNvPr>
-            <p:cNvCxnSpPr>
-              <a:cxnSpLocks/>
-              <a:stCxn id="22" idx="6"/>
-            </p:cNvCxnSpPr>
-            <p:nvPr/>
-          </p:nvCxnSpPr>
-          <p:spPr>
-            <a:xfrm flipV="1">
-              <a:off x="365021" y="2419723"/>
-              <a:ext cx="869191" cy="3437"/>
-            </a:xfrm>
-            <a:prstGeom prst="line">
-              <a:avLst/>
-            </a:prstGeom>
-            <a:ln w="114300">
-              <a:solidFill>
-                <a:srgbClr val="0000FF"/>
-              </a:solidFill>
-            </a:ln>
-          </p:spPr>
-          <p:style>
-            <a:lnRef idx="1">
-              <a:schemeClr val="accent1"/>
-            </a:lnRef>
-            <a:fillRef idx="0">
-              <a:schemeClr val="accent1"/>
-            </a:fillRef>
-            <a:effectRef idx="0">
-              <a:schemeClr val="accent1"/>
-            </a:effectRef>
-            <a:fontRef idx="minor">
-              <a:schemeClr val="tx1"/>
-            </a:fontRef>
-          </p:style>
-        </p:cxnSp>
-        <p:sp>
-          <p:nvSpPr>
-            <p:cNvPr id="24" name="Rectangle 23">
-              <a:extLst>
-                <a:ext uri="{FF2B5EF4-FFF2-40B4-BE49-F238E27FC236}">
-                  <a16:creationId xmlns:a16="http://schemas.microsoft.com/office/drawing/2014/main" id="{5BE1C18E-39AB-0943-A52A-D7B72C7A2E9F}"/>
-                </a:ext>
-              </a:extLst>
-            </p:cNvPr>
-            <p:cNvSpPr>
-              <a:spLocks noChangeAspect="1"/>
-            </p:cNvSpPr>
-            <p:nvPr/>
-          </p:nvSpPr>
-          <p:spPr>
-            <a:xfrm>
-              <a:off x="1369578" y="1059286"/>
-              <a:ext cx="274320" cy="274320"/>
-            </a:xfrm>
-            <a:prstGeom prst="rect">
-              <a:avLst/>
-            </a:prstGeom>
-            <a:solidFill>
-              <a:srgbClr val="FFFF00"/>
-            </a:solidFill>
-            <a:ln w="19050">
-              <a:solidFill>
-                <a:schemeClr val="tx1"/>
-              </a:solidFill>
-            </a:ln>
-          </p:spPr>
-          <p:style>
-            <a:lnRef idx="2">
-              <a:schemeClr val="accent1">
-                <a:shade val="50000"/>
-              </a:schemeClr>
-            </a:lnRef>
-            <a:fillRef idx="1">
-              <a:schemeClr val="accent1"/>
-            </a:fillRef>
-            <a:effectRef idx="0">
-              <a:schemeClr val="accent1"/>
-            </a:effectRef>
-            <a:fontRef idx="minor">
-              <a:schemeClr val="lt1"/>
-            </a:fontRef>
-          </p:style>
-          <p:txBody>
-            <a:bodyPr rtlCol="0" anchor="ctr"/>
-            <a:lstStyle/>
-            <a:p>
-              <a:pPr algn="ctr"/>
-              <a:r>
-                <a:rPr lang="en-US" dirty="0">
-                  <a:solidFill>
-                    <a:schemeClr val="tx1"/>
-                  </a:solidFill>
-                </a:rPr>
-                <a:t>7</a:t>
-              </a:r>
-            </a:p>
-          </p:txBody>
-        </p:sp>
-        <p:sp>
-          <p:nvSpPr>
-            <p:cNvPr id="25" name="Rectangle 24">
-              <a:extLst>
-                <a:ext uri="{FF2B5EF4-FFF2-40B4-BE49-F238E27FC236}">
-                  <a16:creationId xmlns:a16="http://schemas.microsoft.com/office/drawing/2014/main" id="{6CD2AAE7-0007-5144-8D14-8F2F8EB313AA}"/>
-                </a:ext>
-              </a:extLst>
-            </p:cNvPr>
-            <p:cNvSpPr>
-              <a:spLocks noChangeAspect="1"/>
-            </p:cNvSpPr>
-            <p:nvPr/>
-          </p:nvSpPr>
-          <p:spPr>
-            <a:xfrm>
-              <a:off x="1237672" y="2282562"/>
-              <a:ext cx="274320" cy="274320"/>
-            </a:xfrm>
-            <a:prstGeom prst="rect">
-              <a:avLst/>
-            </a:prstGeom>
-            <a:solidFill>
-              <a:srgbClr val="FFFF00"/>
-            </a:solidFill>
-            <a:ln w="19050">
-              <a:solidFill>
-                <a:schemeClr val="tx1"/>
-              </a:solidFill>
-            </a:ln>
-          </p:spPr>
-          <p:style>
-            <a:lnRef idx="2">
-              <a:schemeClr val="accent1">
-                <a:shade val="50000"/>
-              </a:schemeClr>
-            </a:lnRef>
-            <a:fillRef idx="1">
-              <a:schemeClr val="accent1"/>
-            </a:fillRef>
-            <a:effectRef idx="0">
-              <a:schemeClr val="accent1"/>
-            </a:effectRef>
-            <a:fontRef idx="minor">
-              <a:schemeClr val="lt1"/>
-            </a:fontRef>
-          </p:style>
-          <p:txBody>
-            <a:bodyPr rtlCol="0" anchor="ctr"/>
-            <a:lstStyle/>
-            <a:p>
-              <a:pPr algn="ctr"/>
-              <a:r>
-                <a:rPr lang="en-US" dirty="0">
-                  <a:solidFill>
-                    <a:schemeClr val="tx1"/>
-                  </a:solidFill>
-                </a:rPr>
-                <a:t>2</a:t>
-              </a:r>
-            </a:p>
-          </p:txBody>
-        </p:sp>
-        <p:sp>
-          <p:nvSpPr>
-            <p:cNvPr id="26" name="Regular Pentagon 25">
-              <a:extLst>
-                <a:ext uri="{FF2B5EF4-FFF2-40B4-BE49-F238E27FC236}">
-                  <a16:creationId xmlns:a16="http://schemas.microsoft.com/office/drawing/2014/main" id="{678A0FEA-BD2D-4E40-AC49-66919FE8DC5B}"/>
-                </a:ext>
-              </a:extLst>
-            </p:cNvPr>
-            <p:cNvSpPr>
-              <a:spLocks/>
-            </p:cNvSpPr>
-            <p:nvPr/>
-          </p:nvSpPr>
-          <p:spPr>
-            <a:xfrm>
-              <a:off x="2302732" y="2282562"/>
-              <a:ext cx="274320" cy="274320"/>
-            </a:xfrm>
-            <a:prstGeom prst="pentagon">
-              <a:avLst/>
-            </a:prstGeom>
-            <a:solidFill>
-              <a:srgbClr val="FF0000"/>
-            </a:solidFill>
-            <a:ln w="19050">
-              <a:solidFill>
-                <a:schemeClr val="tx1"/>
-              </a:solidFill>
-            </a:ln>
-          </p:spPr>
-          <p:style>
-            <a:lnRef idx="2">
-              <a:schemeClr val="accent1">
-                <a:shade val="50000"/>
-              </a:schemeClr>
-            </a:lnRef>
-            <a:fillRef idx="1">
-              <a:schemeClr val="accent1"/>
-            </a:fillRef>
-            <a:effectRef idx="0">
-              <a:schemeClr val="accent1"/>
-            </a:effectRef>
-            <a:fontRef idx="minor">
-              <a:schemeClr val="lt1"/>
-            </a:fontRef>
-          </p:style>
-          <p:txBody>
-            <a:bodyPr rtlCol="0" anchor="ctr"/>
-            <a:lstStyle/>
-            <a:p>
-              <a:pPr algn="ctr"/>
-              <a:r>
-                <a:rPr lang="en-US" dirty="0">
-                  <a:solidFill>
-                    <a:schemeClr val="tx1"/>
-                  </a:solidFill>
-                </a:rPr>
-                <a:t>3</a:t>
-              </a:r>
-            </a:p>
-          </p:txBody>
-        </p:sp>
-        <p:sp>
-          <p:nvSpPr>
-            <p:cNvPr id="27" name="Regular Pentagon 26">
-              <a:extLst>
-                <a:ext uri="{FF2B5EF4-FFF2-40B4-BE49-F238E27FC236}">
-                  <a16:creationId xmlns:a16="http://schemas.microsoft.com/office/drawing/2014/main" id="{02440733-8DFC-A44B-A25A-92DB23A962BD}"/>
-                </a:ext>
-              </a:extLst>
-            </p:cNvPr>
-            <p:cNvSpPr>
-              <a:spLocks/>
-            </p:cNvSpPr>
-            <p:nvPr/>
-          </p:nvSpPr>
-          <p:spPr>
-            <a:xfrm>
-              <a:off x="3784126" y="2278007"/>
-              <a:ext cx="274320" cy="274320"/>
-            </a:xfrm>
-            <a:prstGeom prst="pentagon">
-              <a:avLst/>
-            </a:prstGeom>
-            <a:solidFill>
-              <a:srgbClr val="FF0000"/>
-            </a:solidFill>
-            <a:ln w="19050">
-              <a:solidFill>
-                <a:schemeClr val="tx1"/>
-              </a:solidFill>
-            </a:ln>
-          </p:spPr>
-          <p:style>
-            <a:lnRef idx="2">
-              <a:schemeClr val="accent1">
-                <a:shade val="50000"/>
-              </a:schemeClr>
-            </a:lnRef>
-            <a:fillRef idx="1">
-              <a:schemeClr val="accent1"/>
-            </a:fillRef>
-            <a:effectRef idx="0">
-              <a:schemeClr val="accent1"/>
-            </a:effectRef>
-            <a:fontRef idx="minor">
-              <a:schemeClr val="lt1"/>
-            </a:fontRef>
-          </p:style>
-          <p:txBody>
-            <a:bodyPr rtlCol="0" anchor="ctr"/>
-            <a:lstStyle/>
-            <a:p>
-              <a:pPr algn="ctr"/>
-              <a:r>
-                <a:rPr lang="en-US" dirty="0">
-                  <a:solidFill>
-                    <a:schemeClr val="tx1"/>
-                  </a:solidFill>
-                </a:rPr>
-                <a:t>4</a:t>
-              </a:r>
-            </a:p>
-          </p:txBody>
-        </p:sp>
-        <p:sp>
-          <p:nvSpPr>
-            <p:cNvPr id="28" name="Regular Pentagon 27">
-              <a:extLst>
-                <a:ext uri="{FF2B5EF4-FFF2-40B4-BE49-F238E27FC236}">
-                  <a16:creationId xmlns:a16="http://schemas.microsoft.com/office/drawing/2014/main" id="{769C0234-206E-2D40-885F-CFAE440FAB49}"/>
-                </a:ext>
-              </a:extLst>
-            </p:cNvPr>
-            <p:cNvSpPr>
-              <a:spLocks/>
-            </p:cNvSpPr>
-            <p:nvPr/>
-          </p:nvSpPr>
-          <p:spPr>
-            <a:xfrm>
-              <a:off x="5124026" y="2285019"/>
-              <a:ext cx="274320" cy="274320"/>
-            </a:xfrm>
-            <a:prstGeom prst="pentagon">
-              <a:avLst/>
-            </a:prstGeom>
-            <a:solidFill>
-              <a:srgbClr val="FF0000"/>
-            </a:solidFill>
-            <a:ln w="19050">
-              <a:solidFill>
-                <a:schemeClr val="tx1"/>
-              </a:solidFill>
-            </a:ln>
-          </p:spPr>
-          <p:style>
-            <a:lnRef idx="2">
-              <a:schemeClr val="accent1">
-                <a:shade val="50000"/>
-              </a:schemeClr>
-            </a:lnRef>
-            <a:fillRef idx="1">
-              <a:schemeClr val="accent1"/>
-            </a:fillRef>
-            <a:effectRef idx="0">
-              <a:schemeClr val="accent1"/>
-            </a:effectRef>
-            <a:fontRef idx="minor">
-              <a:schemeClr val="lt1"/>
-            </a:fontRef>
-          </p:style>
-          <p:txBody>
-            <a:bodyPr rtlCol="0" anchor="ctr"/>
-            <a:lstStyle/>
-            <a:p>
-              <a:pPr algn="ctr"/>
-              <a:r>
-                <a:rPr lang="en-US" dirty="0">
-                  <a:solidFill>
-                    <a:schemeClr val="tx1"/>
-                  </a:solidFill>
-                </a:rPr>
-                <a:t>5</a:t>
-              </a:r>
-            </a:p>
-          </p:txBody>
-        </p:sp>
-        <p:sp>
-          <p:nvSpPr>
-            <p:cNvPr id="29" name="TextBox 28">
-              <a:extLst>
-                <a:ext uri="{FF2B5EF4-FFF2-40B4-BE49-F238E27FC236}">
-                  <a16:creationId xmlns:a16="http://schemas.microsoft.com/office/drawing/2014/main" id="{534F11AE-08D0-3A45-ABF7-D10BE75A050C}"/>
-                </a:ext>
-              </a:extLst>
-            </p:cNvPr>
-            <p:cNvSpPr txBox="1"/>
-            <p:nvPr/>
-          </p:nvSpPr>
-          <p:spPr>
-            <a:xfrm>
-              <a:off x="5058752" y="1027169"/>
-              <a:ext cx="393056" cy="338554"/>
-            </a:xfrm>
-            <a:prstGeom prst="rect">
-              <a:avLst/>
-            </a:prstGeom>
-            <a:noFill/>
-          </p:spPr>
-          <p:txBody>
-            <a:bodyPr wrap="none" rtlCol="0">
-              <a:spAutoFit/>
-            </a:bodyPr>
-            <a:lstStyle/>
-            <a:p>
-              <a:r>
-                <a:rPr lang="en-US" sz="1600" dirty="0"/>
-                <a:t>10</a:t>
-              </a:r>
-            </a:p>
-          </p:txBody>
-        </p:sp>
-        <p:sp>
-          <p:nvSpPr>
-            <p:cNvPr id="30" name="TextBox 29">
-              <a:extLst>
-                <a:ext uri="{FF2B5EF4-FFF2-40B4-BE49-F238E27FC236}">
-                  <a16:creationId xmlns:a16="http://schemas.microsoft.com/office/drawing/2014/main" id="{E80B8BED-803F-614E-AD77-AC8D7854FCDB}"/>
-                </a:ext>
-              </a:extLst>
-            </p:cNvPr>
-            <p:cNvSpPr txBox="1"/>
-            <p:nvPr/>
-          </p:nvSpPr>
-          <p:spPr>
-            <a:xfrm>
-              <a:off x="6249358" y="1027169"/>
-              <a:ext cx="393056" cy="338554"/>
-            </a:xfrm>
-            <a:prstGeom prst="rect">
-              <a:avLst/>
-            </a:prstGeom>
-            <a:noFill/>
-          </p:spPr>
-          <p:txBody>
-            <a:bodyPr wrap="none" rtlCol="0">
-              <a:spAutoFit/>
-            </a:bodyPr>
-            <a:lstStyle/>
-            <a:p>
-              <a:r>
-                <a:rPr lang="en-US" sz="1600" dirty="0"/>
-                <a:t>11</a:t>
-              </a:r>
-            </a:p>
-          </p:txBody>
-        </p:sp>
-        <p:sp>
-          <p:nvSpPr>
-            <p:cNvPr id="31" name="TextBox 30">
-              <a:extLst>
-                <a:ext uri="{FF2B5EF4-FFF2-40B4-BE49-F238E27FC236}">
-                  <a16:creationId xmlns:a16="http://schemas.microsoft.com/office/drawing/2014/main" id="{FDD75EB9-637F-FA4D-9979-428240530592}"/>
-                </a:ext>
-              </a:extLst>
-            </p:cNvPr>
-            <p:cNvSpPr txBox="1"/>
-            <p:nvPr/>
-          </p:nvSpPr>
-          <p:spPr>
-            <a:xfrm>
-              <a:off x="6249358" y="76686"/>
-              <a:ext cx="393056" cy="338554"/>
-            </a:xfrm>
-            <a:prstGeom prst="rect">
-              <a:avLst/>
-            </a:prstGeom>
-            <a:noFill/>
-          </p:spPr>
-          <p:txBody>
-            <a:bodyPr wrap="none" rtlCol="0">
-              <a:spAutoFit/>
-            </a:bodyPr>
-            <a:lstStyle/>
-            <a:p>
-              <a:r>
-                <a:rPr lang="en-US" sz="1600" dirty="0"/>
-                <a:t>12</a:t>
-              </a:r>
-            </a:p>
-          </p:txBody>
-        </p:sp>
-        <p:grpSp>
-          <p:nvGrpSpPr>
-            <p:cNvPr id="32" name="Group 31">
-              <a:extLst>
-                <a:ext uri="{FF2B5EF4-FFF2-40B4-BE49-F238E27FC236}">
-                  <a16:creationId xmlns:a16="http://schemas.microsoft.com/office/drawing/2014/main" id="{7F0DB5C3-36FB-8042-8729-8647C067E051}"/>
-                </a:ext>
-              </a:extLst>
-            </p:cNvPr>
-            <p:cNvGrpSpPr/>
-            <p:nvPr/>
-          </p:nvGrpSpPr>
-          <p:grpSpPr>
-            <a:xfrm>
-              <a:off x="4464725" y="874064"/>
-              <a:ext cx="241981" cy="237744"/>
-              <a:chOff x="4327372" y="765015"/>
-              <a:chExt cx="241981" cy="237744"/>
-            </a:xfrm>
-          </p:grpSpPr>
-          <p:sp>
-            <p:nvSpPr>
-              <p:cNvPr id="33" name="Rectangle 32">
-                <a:extLst>
-                  <a:ext uri="{FF2B5EF4-FFF2-40B4-BE49-F238E27FC236}">
-                    <a16:creationId xmlns:a16="http://schemas.microsoft.com/office/drawing/2014/main" id="{714324C9-3BAB-3144-A1D6-BF13E07F31B5}"/>
-                  </a:ext>
-                </a:extLst>
-              </p:cNvPr>
-              <p:cNvSpPr>
-                <a:spLocks noChangeAspect="1"/>
-              </p:cNvSpPr>
-              <p:nvPr/>
-            </p:nvSpPr>
-            <p:spPr>
-              <a:xfrm>
-                <a:off x="4327372" y="765015"/>
-                <a:ext cx="118872" cy="237744"/>
-              </a:xfrm>
-              <a:prstGeom prst="rect">
-                <a:avLst/>
-              </a:prstGeom>
-              <a:solidFill>
-                <a:srgbClr val="CD950C"/>
-              </a:solidFill>
-              <a:ln w="19050">
-                <a:solidFill>
-                  <a:schemeClr val="bg1"/>
-                </a:solidFill>
-              </a:ln>
-            </p:spPr>
-            <p:style>
-              <a:lnRef idx="2">
-                <a:schemeClr val="accent1">
-                  <a:shade val="50000"/>
-                </a:schemeClr>
-              </a:lnRef>
-              <a:fillRef idx="1">
-                <a:schemeClr val="accent1"/>
-              </a:fillRef>
-              <a:effectRef idx="0">
-                <a:schemeClr val="accent1"/>
-              </a:effectRef>
-              <a:fontRef idx="minor">
-                <a:schemeClr val="lt1"/>
-              </a:fontRef>
-            </p:style>
-            <p:txBody>
-              <a:bodyPr rtlCol="0" anchor="ctr"/>
-              <a:lstStyle/>
-              <a:p>
-                <a:pPr algn="ctr"/>
-                <a:endParaRPr lang="en-US"/>
-              </a:p>
-            </p:txBody>
-          </p:sp>
-          <p:sp>
-            <p:nvSpPr>
-              <p:cNvPr id="34" name="Rectangle 33">
-                <a:extLst>
-                  <a:ext uri="{FF2B5EF4-FFF2-40B4-BE49-F238E27FC236}">
-                    <a16:creationId xmlns:a16="http://schemas.microsoft.com/office/drawing/2014/main" id="{B2217718-5D58-6F41-95EF-3B959DAA47CA}"/>
-                  </a:ext>
-                </a:extLst>
-              </p:cNvPr>
-              <p:cNvSpPr>
-                <a:spLocks noChangeAspect="1"/>
-              </p:cNvSpPr>
-              <p:nvPr/>
-            </p:nvSpPr>
-            <p:spPr>
-              <a:xfrm>
-                <a:off x="4450481" y="765015"/>
-                <a:ext cx="118872" cy="237744"/>
-              </a:xfrm>
-              <a:prstGeom prst="rect">
-                <a:avLst/>
-              </a:prstGeom>
-              <a:solidFill>
-                <a:srgbClr val="8B6508"/>
-              </a:solidFill>
-              <a:ln w="19050">
-                <a:solidFill>
-                  <a:schemeClr val="bg1"/>
-                </a:solidFill>
-              </a:ln>
-            </p:spPr>
-            <p:style>
-              <a:lnRef idx="2">
-                <a:schemeClr val="accent1">
-                  <a:shade val="50000"/>
-                </a:schemeClr>
-              </a:lnRef>
-              <a:fillRef idx="1">
-                <a:schemeClr val="accent1"/>
-              </a:fillRef>
-              <a:effectRef idx="0">
-                <a:schemeClr val="accent1"/>
-              </a:effectRef>
-              <a:fontRef idx="minor">
-                <a:schemeClr val="lt1"/>
-              </a:fontRef>
-            </p:style>
-            <p:txBody>
-              <a:bodyPr rtlCol="0" anchor="ctr"/>
-              <a:lstStyle/>
-              <a:p>
-                <a:pPr algn="ctr"/>
-                <a:endParaRPr lang="en-US"/>
-              </a:p>
-            </p:txBody>
-          </p:sp>
-        </p:grpSp>
-        <p:grpSp>
-          <p:nvGrpSpPr>
-            <p:cNvPr id="35" name="Group 34">
-              <a:extLst>
-                <a:ext uri="{FF2B5EF4-FFF2-40B4-BE49-F238E27FC236}">
-                  <a16:creationId xmlns:a16="http://schemas.microsoft.com/office/drawing/2014/main" id="{3FBE058C-031D-A842-959D-3C13A0E74E4E}"/>
-                </a:ext>
-              </a:extLst>
-            </p:cNvPr>
-            <p:cNvGrpSpPr/>
-            <p:nvPr/>
-          </p:nvGrpSpPr>
-          <p:grpSpPr>
-            <a:xfrm>
-              <a:off x="2938868" y="2111121"/>
-              <a:ext cx="479725" cy="237744"/>
-              <a:chOff x="4405289" y="4438277"/>
-              <a:chExt cx="479725" cy="237744"/>
-            </a:xfrm>
-          </p:grpSpPr>
-          <p:sp>
-            <p:nvSpPr>
-              <p:cNvPr id="36" name="Rectangle 35">
-                <a:extLst>
-                  <a:ext uri="{FF2B5EF4-FFF2-40B4-BE49-F238E27FC236}">
-                    <a16:creationId xmlns:a16="http://schemas.microsoft.com/office/drawing/2014/main" id="{367BCCB5-A2FE-DB48-8741-7A0F506374BD}"/>
-                  </a:ext>
-                </a:extLst>
-              </p:cNvPr>
-              <p:cNvSpPr>
-                <a:spLocks noChangeAspect="1"/>
-              </p:cNvSpPr>
-              <p:nvPr/>
-            </p:nvSpPr>
-            <p:spPr>
-              <a:xfrm>
-                <a:off x="4405289" y="4438277"/>
-                <a:ext cx="118872" cy="237744"/>
-              </a:xfrm>
-              <a:prstGeom prst="rect">
-                <a:avLst/>
-              </a:prstGeom>
-              <a:solidFill>
-                <a:srgbClr val="CD950C"/>
-              </a:solidFill>
-              <a:ln w="19050">
-                <a:solidFill>
-                  <a:schemeClr val="bg1"/>
-                </a:solidFill>
-              </a:ln>
-            </p:spPr>
-            <p:style>
-              <a:lnRef idx="2">
-                <a:schemeClr val="accent1">
-                  <a:shade val="50000"/>
-                </a:schemeClr>
-              </a:lnRef>
-              <a:fillRef idx="1">
-                <a:schemeClr val="accent1"/>
-              </a:fillRef>
-              <a:effectRef idx="0">
-                <a:schemeClr val="accent1"/>
-              </a:effectRef>
-              <a:fontRef idx="minor">
-                <a:schemeClr val="lt1"/>
-              </a:fontRef>
-            </p:style>
-            <p:txBody>
-              <a:bodyPr rtlCol="0" anchor="ctr"/>
-              <a:lstStyle/>
-              <a:p>
-                <a:pPr algn="ctr"/>
-                <a:endParaRPr lang="en-US"/>
-              </a:p>
-            </p:txBody>
-          </p:sp>
-          <p:sp>
-            <p:nvSpPr>
-              <p:cNvPr id="37" name="Rectangle 36">
-                <a:extLst>
-                  <a:ext uri="{FF2B5EF4-FFF2-40B4-BE49-F238E27FC236}">
-                    <a16:creationId xmlns:a16="http://schemas.microsoft.com/office/drawing/2014/main" id="{C38B175E-A5B9-0747-8E1D-FC440CD11386}"/>
-                  </a:ext>
-                </a:extLst>
-              </p:cNvPr>
-              <p:cNvSpPr>
-                <a:spLocks noChangeAspect="1"/>
-              </p:cNvSpPr>
-              <p:nvPr/>
-            </p:nvSpPr>
-            <p:spPr>
-              <a:xfrm>
-                <a:off x="4528398" y="4438277"/>
-                <a:ext cx="118872" cy="237744"/>
-              </a:xfrm>
-              <a:prstGeom prst="rect">
-                <a:avLst/>
-              </a:prstGeom>
-              <a:solidFill>
-                <a:srgbClr val="8B6508"/>
-              </a:solidFill>
-              <a:ln w="19050">
-                <a:solidFill>
-                  <a:schemeClr val="bg1"/>
-                </a:solidFill>
-              </a:ln>
-            </p:spPr>
-            <p:style>
-              <a:lnRef idx="2">
-                <a:schemeClr val="accent1">
-                  <a:shade val="50000"/>
-                </a:schemeClr>
-              </a:lnRef>
-              <a:fillRef idx="1">
-                <a:schemeClr val="accent1"/>
-              </a:fillRef>
-              <a:effectRef idx="0">
-                <a:schemeClr val="accent1"/>
-              </a:effectRef>
-              <a:fontRef idx="minor">
-                <a:schemeClr val="lt1"/>
-              </a:fontRef>
-            </p:style>
-            <p:txBody>
-              <a:bodyPr rtlCol="0" anchor="ctr"/>
-              <a:lstStyle/>
-              <a:p>
-                <a:pPr algn="ctr"/>
-                <a:endParaRPr lang="en-US"/>
-              </a:p>
-            </p:txBody>
-          </p:sp>
-          <p:sp>
-            <p:nvSpPr>
-              <p:cNvPr id="38" name="Rectangle 37">
-                <a:extLst>
-                  <a:ext uri="{FF2B5EF4-FFF2-40B4-BE49-F238E27FC236}">
-                    <a16:creationId xmlns:a16="http://schemas.microsoft.com/office/drawing/2014/main" id="{F4342BAB-DB6A-AC4B-A68D-6483A84964F7}"/>
-                  </a:ext>
-                </a:extLst>
-              </p:cNvPr>
-              <p:cNvSpPr>
-                <a:spLocks noChangeAspect="1"/>
-              </p:cNvSpPr>
-              <p:nvPr/>
-            </p:nvSpPr>
-            <p:spPr>
-              <a:xfrm>
-                <a:off x="4647270" y="4438277"/>
-                <a:ext cx="118872" cy="237744"/>
-              </a:xfrm>
-              <a:prstGeom prst="rect">
-                <a:avLst/>
-              </a:prstGeom>
-              <a:solidFill>
-                <a:srgbClr val="CD950C"/>
-              </a:solidFill>
-              <a:ln w="19050">
-                <a:solidFill>
-                  <a:schemeClr val="bg1"/>
-                </a:solidFill>
-              </a:ln>
-            </p:spPr>
-            <p:style>
-              <a:lnRef idx="2">
-                <a:schemeClr val="accent1">
-                  <a:shade val="50000"/>
-                </a:schemeClr>
-              </a:lnRef>
-              <a:fillRef idx="1">
-                <a:schemeClr val="accent1"/>
-              </a:fillRef>
-              <a:effectRef idx="0">
-                <a:schemeClr val="accent1"/>
-              </a:effectRef>
-              <a:fontRef idx="minor">
-                <a:schemeClr val="lt1"/>
-              </a:fontRef>
-            </p:style>
-            <p:txBody>
-              <a:bodyPr rtlCol="0" anchor="ctr"/>
-              <a:lstStyle/>
-              <a:p>
-                <a:pPr algn="ctr"/>
-                <a:endParaRPr lang="en-US"/>
-              </a:p>
-            </p:txBody>
-          </p:sp>
-          <p:sp>
-            <p:nvSpPr>
-              <p:cNvPr id="39" name="Rectangle 38">
-                <a:extLst>
-                  <a:ext uri="{FF2B5EF4-FFF2-40B4-BE49-F238E27FC236}">
-                    <a16:creationId xmlns:a16="http://schemas.microsoft.com/office/drawing/2014/main" id="{9F38B84E-6A3E-004A-9657-BE4B98BFEB82}"/>
-                  </a:ext>
-                </a:extLst>
-              </p:cNvPr>
-              <p:cNvSpPr>
-                <a:spLocks noChangeAspect="1"/>
-              </p:cNvSpPr>
-              <p:nvPr/>
-            </p:nvSpPr>
-            <p:spPr>
-              <a:xfrm>
-                <a:off x="4766142" y="4438277"/>
-                <a:ext cx="118872" cy="237744"/>
-              </a:xfrm>
-              <a:prstGeom prst="rect">
-                <a:avLst/>
-              </a:prstGeom>
-              <a:solidFill>
-                <a:srgbClr val="8B6508"/>
-              </a:solidFill>
-              <a:ln w="19050">
-                <a:solidFill>
-                  <a:schemeClr val="bg1"/>
-                </a:solidFill>
-              </a:ln>
-            </p:spPr>
-            <p:style>
-              <a:lnRef idx="2">
-                <a:schemeClr val="accent1">
-                  <a:shade val="50000"/>
-                </a:schemeClr>
-              </a:lnRef>
-              <a:fillRef idx="1">
-                <a:schemeClr val="accent1"/>
-              </a:fillRef>
-              <a:effectRef idx="0">
-                <a:schemeClr val="accent1"/>
-              </a:effectRef>
-              <a:fontRef idx="minor">
-                <a:schemeClr val="lt1"/>
-              </a:fontRef>
-            </p:style>
-            <p:txBody>
-              <a:bodyPr rtlCol="0" anchor="ctr"/>
-              <a:lstStyle/>
-              <a:p>
-                <a:pPr algn="ctr"/>
-                <a:endParaRPr lang="en-US"/>
-              </a:p>
-            </p:txBody>
-          </p:sp>
-        </p:grpSp>
-      </p:grpSp>
-    </p:spTree>
-    <p:extLst>
-      <p:ext uri="{BB962C8B-B14F-4D97-AF65-F5344CB8AC3E}">
-        <p14:creationId xmlns:p14="http://schemas.microsoft.com/office/powerpoint/2010/main" val="3645302926"/>
       </p:ext>
     </p:extLst>
   </p:cSld>
@@ -24249,4 +27478,299 @@
     </a:ext>
   </a:extLst>
 </a:theme>
+</file>
+
+<file path=ppt/theme/theme2.xml><?xml version="1.0" encoding="utf-8"?>
+<a:theme xmlns:a="http://schemas.openxmlformats.org/drawingml/2006/main" name="Office Theme">
+  <a:themeElements>
+    <a:clrScheme name="Office">
+      <a:dk1>
+        <a:sysClr val="windowText" lastClr="000000"/>
+      </a:dk1>
+      <a:lt1>
+        <a:sysClr val="window" lastClr="FFFFFF"/>
+      </a:lt1>
+      <a:dk2>
+        <a:srgbClr val="44546A"/>
+      </a:dk2>
+      <a:lt2>
+        <a:srgbClr val="E7E6E6"/>
+      </a:lt2>
+      <a:accent1>
+        <a:srgbClr val="4472C4"/>
+      </a:accent1>
+      <a:accent2>
+        <a:srgbClr val="ED7D31"/>
+      </a:accent2>
+      <a:accent3>
+        <a:srgbClr val="A5A5A5"/>
+      </a:accent3>
+      <a:accent4>
+        <a:srgbClr val="FFC000"/>
+      </a:accent4>
+      <a:accent5>
+        <a:srgbClr val="5B9BD5"/>
+      </a:accent5>
+      <a:accent6>
+        <a:srgbClr val="70AD47"/>
+      </a:accent6>
+      <a:hlink>
+        <a:srgbClr val="0563C1"/>
+      </a:hlink>
+      <a:folHlink>
+        <a:srgbClr val="954F72"/>
+      </a:folHlink>
+    </a:clrScheme>
+    <a:fontScheme name="Office">
+      <a:majorFont>
+        <a:latin typeface="Calibri Light" panose="020F0302020204030204"/>
+        <a:ea typeface=""/>
+        <a:cs typeface=""/>
+        <a:font script="Jpan" typeface="游ゴシック Light"/>
+        <a:font script="Hang" typeface="맑은 고딕"/>
+        <a:font script="Hans" typeface="等线 Light"/>
+        <a:font script="Hant" typeface="新細明體"/>
+        <a:font script="Arab" typeface="Times New Roman"/>
+        <a:font script="Hebr" typeface="Times New Roman"/>
+        <a:font script="Thai" typeface="Angsana New"/>
+        <a:font script="Ethi" typeface="Nyala"/>
+        <a:font script="Beng" typeface="Vrinda"/>
+        <a:font script="Gujr" typeface="Shruti"/>
+        <a:font script="Khmr" typeface="MoolBoran"/>
+        <a:font script="Knda" typeface="Tunga"/>
+        <a:font script="Guru" typeface="Raavi"/>
+        <a:font script="Cans" typeface="Euphemia"/>
+        <a:font script="Cher" typeface="Plantagenet Cherokee"/>
+        <a:font script="Yiii" typeface="Microsoft Yi Baiti"/>
+        <a:font script="Tibt" typeface="Microsoft Himalaya"/>
+        <a:font script="Thaa" typeface="MV Boli"/>
+        <a:font script="Deva" typeface="Mangal"/>
+        <a:font script="Telu" typeface="Gautami"/>
+        <a:font script="Taml" typeface="Latha"/>
+        <a:font script="Syrc" typeface="Estrangelo Edessa"/>
+        <a:font script="Orya" typeface="Kalinga"/>
+        <a:font script="Mlym" typeface="Kartika"/>
+        <a:font script="Laoo" typeface="DokChampa"/>
+        <a:font script="Sinh" typeface="Iskoola Pota"/>
+        <a:font script="Mong" typeface="Mongolian Baiti"/>
+        <a:font script="Viet" typeface="Times New Roman"/>
+        <a:font script="Uigh" typeface="Microsoft Uighur"/>
+        <a:font script="Geor" typeface="Sylfaen"/>
+        <a:font script="Armn" typeface="Arial"/>
+        <a:font script="Bugi" typeface="Leelawadee UI"/>
+        <a:font script="Bopo" typeface="Microsoft JhengHei"/>
+        <a:font script="Java" typeface="Javanese Text"/>
+        <a:font script="Lisu" typeface="Segoe UI"/>
+        <a:font script="Mymr" typeface="Myanmar Text"/>
+        <a:font script="Nkoo" typeface="Ebrima"/>
+        <a:font script="Olck" typeface="Nirmala UI"/>
+        <a:font script="Osma" typeface="Ebrima"/>
+        <a:font script="Phag" typeface="Phagspa"/>
+        <a:font script="Syrn" typeface="Estrangelo Edessa"/>
+        <a:font script="Syrj" typeface="Estrangelo Edessa"/>
+        <a:font script="Syre" typeface="Estrangelo Edessa"/>
+        <a:font script="Sora" typeface="Nirmala UI"/>
+        <a:font script="Tale" typeface="Microsoft Tai Le"/>
+        <a:font script="Talu" typeface="Microsoft New Tai Lue"/>
+        <a:font script="Tfng" typeface="Ebrima"/>
+      </a:majorFont>
+      <a:minorFont>
+        <a:latin typeface="Calibri" panose="020F0502020204030204"/>
+        <a:ea typeface=""/>
+        <a:cs typeface=""/>
+        <a:font script="Jpan" typeface="游ゴシック"/>
+        <a:font script="Hang" typeface="맑은 고딕"/>
+        <a:font script="Hans" typeface="等线"/>
+        <a:font script="Hant" typeface="新細明體"/>
+        <a:font script="Arab" typeface="Arial"/>
+        <a:font script="Hebr" typeface="Arial"/>
+        <a:font script="Thai" typeface="Cordia New"/>
+        <a:font script="Ethi" typeface="Nyala"/>
+        <a:font script="Beng" typeface="Vrinda"/>
+        <a:font script="Gujr" typeface="Shruti"/>
+        <a:font script="Khmr" typeface="DaunPenh"/>
+        <a:font script="Knda" typeface="Tunga"/>
+        <a:font script="Guru" typeface="Raavi"/>
+        <a:font script="Cans" typeface="Euphemia"/>
+        <a:font script="Cher" typeface="Plantagenet Cherokee"/>
+        <a:font script="Yiii" typeface="Microsoft Yi Baiti"/>
+        <a:font script="Tibt" typeface="Microsoft Himalaya"/>
+        <a:font script="Thaa" typeface="MV Boli"/>
+        <a:font script="Deva" typeface="Mangal"/>
+        <a:font script="Telu" typeface="Gautami"/>
+        <a:font script="Taml" typeface="Latha"/>
+        <a:font script="Syrc" typeface="Estrangelo Edessa"/>
+        <a:font script="Orya" typeface="Kalinga"/>
+        <a:font script="Mlym" typeface="Kartika"/>
+        <a:font script="Laoo" typeface="DokChampa"/>
+        <a:font script="Sinh" typeface="Iskoola Pota"/>
+        <a:font script="Mong" typeface="Mongolian Baiti"/>
+        <a:font script="Viet" typeface="Arial"/>
+        <a:font script="Uigh" typeface="Microsoft Uighur"/>
+        <a:font script="Geor" typeface="Sylfaen"/>
+        <a:font script="Armn" typeface="Arial"/>
+        <a:font script="Bugi" typeface="Leelawadee UI"/>
+        <a:font script="Bopo" typeface="Microsoft JhengHei"/>
+        <a:font script="Java" typeface="Javanese Text"/>
+        <a:font script="Lisu" typeface="Segoe UI"/>
+        <a:font script="Mymr" typeface="Myanmar Text"/>
+        <a:font script="Nkoo" typeface="Ebrima"/>
+        <a:font script="Olck" typeface="Nirmala UI"/>
+        <a:font script="Osma" typeface="Ebrima"/>
+        <a:font script="Phag" typeface="Phagspa"/>
+        <a:font script="Syrn" typeface="Estrangelo Edessa"/>
+        <a:font script="Syrj" typeface="Estrangelo Edessa"/>
+        <a:font script="Syre" typeface="Estrangelo Edessa"/>
+        <a:font script="Sora" typeface="Nirmala UI"/>
+        <a:font script="Tale" typeface="Microsoft Tai Le"/>
+        <a:font script="Talu" typeface="Microsoft New Tai Lue"/>
+        <a:font script="Tfng" typeface="Ebrima"/>
+      </a:minorFont>
+    </a:fontScheme>
+    <a:fmtScheme name="Office">
+      <a:fillStyleLst>
+        <a:solidFill>
+          <a:schemeClr val="phClr"/>
+        </a:solidFill>
+        <a:gradFill rotWithShape="1">
+          <a:gsLst>
+            <a:gs pos="0">
+              <a:schemeClr val="phClr">
+                <a:lumMod val="110000"/>
+                <a:satMod val="105000"/>
+                <a:tint val="67000"/>
+              </a:schemeClr>
+            </a:gs>
+            <a:gs pos="50000">
+              <a:schemeClr val="phClr">
+                <a:lumMod val="105000"/>
+                <a:satMod val="103000"/>
+                <a:tint val="73000"/>
+              </a:schemeClr>
+            </a:gs>
+            <a:gs pos="100000">
+              <a:schemeClr val="phClr">
+                <a:lumMod val="105000"/>
+                <a:satMod val="109000"/>
+                <a:tint val="81000"/>
+              </a:schemeClr>
+            </a:gs>
+          </a:gsLst>
+          <a:lin ang="5400000" scaled="0"/>
+        </a:gradFill>
+        <a:gradFill rotWithShape="1">
+          <a:gsLst>
+            <a:gs pos="0">
+              <a:schemeClr val="phClr">
+                <a:satMod val="103000"/>
+                <a:lumMod val="102000"/>
+                <a:tint val="94000"/>
+              </a:schemeClr>
+            </a:gs>
+            <a:gs pos="50000">
+              <a:schemeClr val="phClr">
+                <a:satMod val="110000"/>
+                <a:lumMod val="100000"/>
+                <a:shade val="100000"/>
+              </a:schemeClr>
+            </a:gs>
+            <a:gs pos="100000">
+              <a:schemeClr val="phClr">
+                <a:lumMod val="99000"/>
+                <a:satMod val="120000"/>
+                <a:shade val="78000"/>
+              </a:schemeClr>
+            </a:gs>
+          </a:gsLst>
+          <a:lin ang="5400000" scaled="0"/>
+        </a:gradFill>
+      </a:fillStyleLst>
+      <a:lnStyleLst>
+        <a:ln w="6350" cap="flat" cmpd="sng" algn="ctr">
+          <a:solidFill>
+            <a:schemeClr val="phClr"/>
+          </a:solidFill>
+          <a:prstDash val="solid"/>
+          <a:miter lim="800000"/>
+        </a:ln>
+        <a:ln w="12700" cap="flat" cmpd="sng" algn="ctr">
+          <a:solidFill>
+            <a:schemeClr val="phClr"/>
+          </a:solidFill>
+          <a:prstDash val="solid"/>
+          <a:miter lim="800000"/>
+        </a:ln>
+        <a:ln w="19050" cap="flat" cmpd="sng" algn="ctr">
+          <a:solidFill>
+            <a:schemeClr val="phClr"/>
+          </a:solidFill>
+          <a:prstDash val="solid"/>
+          <a:miter lim="800000"/>
+        </a:ln>
+      </a:lnStyleLst>
+      <a:effectStyleLst>
+        <a:effectStyle>
+          <a:effectLst/>
+        </a:effectStyle>
+        <a:effectStyle>
+          <a:effectLst/>
+        </a:effectStyle>
+        <a:effectStyle>
+          <a:effectLst>
+            <a:outerShdw blurRad="57150" dist="19050" dir="5400000" algn="ctr" rotWithShape="0">
+              <a:srgbClr val="000000">
+                <a:alpha val="63000"/>
+              </a:srgbClr>
+            </a:outerShdw>
+          </a:effectLst>
+        </a:effectStyle>
+      </a:effectStyleLst>
+      <a:bgFillStyleLst>
+        <a:solidFill>
+          <a:schemeClr val="phClr"/>
+        </a:solidFill>
+        <a:solidFill>
+          <a:schemeClr val="phClr">
+            <a:tint val="95000"/>
+            <a:satMod val="170000"/>
+          </a:schemeClr>
+        </a:solidFill>
+        <a:gradFill rotWithShape="1">
+          <a:gsLst>
+            <a:gs pos="0">
+              <a:schemeClr val="phClr">
+                <a:tint val="93000"/>
+                <a:satMod val="150000"/>
+                <a:shade val="98000"/>
+                <a:lumMod val="102000"/>
+              </a:schemeClr>
+            </a:gs>
+            <a:gs pos="50000">
+              <a:schemeClr val="phClr">
+                <a:tint val="98000"/>
+                <a:satMod val="130000"/>
+                <a:shade val="90000"/>
+                <a:lumMod val="103000"/>
+              </a:schemeClr>
+            </a:gs>
+            <a:gs pos="100000">
+              <a:schemeClr val="phClr">
+                <a:shade val="63000"/>
+                <a:satMod val="120000"/>
+              </a:schemeClr>
+            </a:gs>
+          </a:gsLst>
+          <a:lin ang="5400000" scaled="0"/>
+        </a:gradFill>
+      </a:bgFillStyleLst>
+    </a:fmtScheme>
+  </a:themeElements>
+  <a:objectDefaults/>
+  <a:extraClrSchemeLst/>
+  <a:extLst>
+    <a:ext uri="{05A4C25C-085E-4340-85A3-A5531E510DB2}">
+      <thm15:themeFamily xmlns:thm15="http://schemas.microsoft.com/office/thememl/2012/main" name="Office Theme" id="{62F939B6-93AF-4DB8-9C6B-D6C7DFDC589F}" vid="{4A3C46E8-61CC-4603-A589-7422A47A8E4A}"/>
+    </a:ext>
+  </a:extLst>
+</a:theme>
 </file>